--- a/powerpoints/test.pptx
+++ b/powerpoints/test.pptx
@@ -7,10 +7,6 @@
   <p:sldIdLst>
     <p:sldId id="259" r:id="rId5"/>
     <p:sldId id="260" r:id="rId6"/>
-    <p:sldId id="261" r:id="rId11"/>
-    <p:sldId id="262" r:id="rId12"/>
-    <p:sldId id="263" r:id="rId13"/>
-    <p:sldId id="264" r:id="rId14"/>
   </p:sldIdLst>
   <p:sldSz cx="6858000" cy="9144000" type="letter"/>
   <p:notesSz cx="6858000" cy="9144000"/>
@@ -236,7 +232,7 @@
             <a:fld id="{FDCA904F-AFE4-4F4A-AA13-CC2FD407ABB0}" type="datetimeFigureOut">
               <a:rPr lang="fr-CA" smtClean="0"/>
               <a:pPr/>
-              <a:t>2023-06-10</a:t>
+              <a:t>2023-06-17</a:t>
             </a:fld>
             <a:endParaRPr lang="fr-CA" dirty="0"/>
           </a:p>
@@ -1620,7 +1616,7 @@
             <a:fld id="{FDCA904F-AFE4-4F4A-AA13-CC2FD407ABB0}" type="datetimeFigureOut">
               <a:rPr lang="fr-CA" smtClean="0"/>
               <a:pPr/>
-              <a:t>2023-06-10</a:t>
+              <a:t>2023-06-17</a:t>
             </a:fld>
             <a:endParaRPr lang="fr-CA" dirty="0"/>
           </a:p>
@@ -1710,7 +1706,7 @@
           <a:p>
             <a:fld id="{F4298C9D-C79B-4F39-BDC2-AA426541C3E9}" type="slidenum">
               <a:rPr lang="fr-CA" smtClean="0"/>
-              <a:t>‹N°›</a:t>
+              <a:t>‹n°›</a:t>
             </a:fld>
             <a:endParaRPr lang="fr-CA" dirty="0"/>
           </a:p>
@@ -2234,46 +2230,6 @@
           </a:p>
         </p:txBody>
       </p:sp>
-      <p:sp>
-        <p:nvSpPr>
-          <p:cNvPr id="2" name="Espace réservé du texte 1">
-            <a:extLst>
-              <a:ext uri="{FF2B5EF4-FFF2-40B4-BE49-F238E27FC236}">
-                <a16:creationId xmlns:a16="http://schemas.microsoft.com/office/drawing/2014/main" id="{4619127E-9765-95E1-F6E7-3CB507CCD9A4}"/>
-              </a:ext>
-            </a:extLst>
-          </p:cNvPr>
-          <p:cNvSpPr>
-            <a:spLocks noGrp="1"/>
-          </p:cNvSpPr>
-          <p:nvPr>
-            <p:ph type="body" sz="quarter" idx="13"/>
-          </p:nvPr>
-        </p:nvSpPr>
-        <p:spPr>
-          <a:xfrm>
-            <a:off x="254497" y="1380242"/>
-            <a:ext cx="3610852" cy="797759"/>
-          </a:xfrm>
-        </p:spPr>
-        <p:txBody>
-          <a:bodyPr bIns="0">
-            <a:normAutofit/>
-          </a:bodyPr>
-          <a:lstStyle/>
-          <a:p>
-            <a:r>
-              <a:rPr lang="fr-CA" sz="2000" dirty="0"/>
-              <a:t>Titre </a:t>
-            </a:r>
-            <a:r>
-              <a:rPr lang="fr-CA" sz="2000"/>
-              <a:t>de l’article</a:t>
-            </a:r>
-            <a:endParaRPr lang="fr-CA" sz="2000" dirty="0"/>
-          </a:p>
-        </p:txBody>
-      </p:sp>
     </p:spTree>
     <p:extLst>
       <p:ext uri="{BB962C8B-B14F-4D97-AF65-F5344CB8AC3E}">
@@ -2325,7 +2281,200 @@
           <a:bodyPr/>
           <a:lstStyle/>
           <a:p>
-            <a:endParaRPr lang="fr-CA"/>
+            <a:r>
+              <a:rPr lang="fr-CA" dirty="0"/>
+              <a:t>banner</a:t>
+            </a:r>
+          </a:p>
+        </p:txBody>
+      </p:sp>
+      <p:sp>
+        <p:nvSpPr>
+          <p:cNvPr id="2" name="Titre 1">
+            <a:extLst>
+              <a:ext uri="{FF2B5EF4-FFF2-40B4-BE49-F238E27FC236}">
+                <a16:creationId xmlns:a16="http://schemas.microsoft.com/office/drawing/2014/main" id="{486D4E87-2BC6-989D-C31B-C94C23654F8A}"/>
+              </a:ext>
+            </a:extLst>
+          </p:cNvPr>
+          <p:cNvSpPr>
+            <a:spLocks noGrp="1"/>
+          </p:cNvSpPr>
+          <p:nvPr>
+            <p:ph type="title"/>
+          </p:nvPr>
+        </p:nvSpPr>
+        <p:spPr>
+          <a:xfrm>
+            <a:off x="138545" y="1376709"/>
+            <a:ext cx="6557819" cy="789871"/>
+          </a:xfrm>
+        </p:spPr>
+        <p:txBody>
+          <a:bodyPr/>
+          <a:lstStyle/>
+          <a:p>
+            <a:r>
+              <a:rPr lang="fr-CA" dirty="0"/>
+              <a:t>banner</a:t>
+            </a:r>
+          </a:p>
+        </p:txBody>
+      </p:sp>
+      <p:sp>
+        <p:nvSpPr>
+          <p:cNvPr id="3" name="TextBox 2"/>
+          <p:cNvSpPr txBox="1"/>
+          <p:nvPr/>
+        </p:nvSpPr>
+        <p:spPr>
+          <a:xfrm>
+            <a:off x="0" y="2316580"/>
+            <a:ext cx="6858000" cy="1011326"/>
+          </a:xfrm>
+          <a:prstGeom prst="rect">
+            <a:avLst/>
+          </a:prstGeom>
+          <a:noFill/>
+        </p:spPr>
+        <p:txBody>
+          <a:bodyPr wrap="none">
+            <a:spAutoFit/>
+          </a:bodyPr>
+          <a:lstStyle/>
+          <a:p/>
+          <a:p>
+            <a:pPr algn="ctr">
+              <a:defRPr sz="1000"/>
+            </a:pPr>
+            <a:r>
+              <a:t>La France est un beau pays!La France est un beau pays!La France est un beau pays!La France est un</a:t>
+            </a:r>
+            <a:br/>
+            <a:r>
+              <a:t>beau pays!La France est un beau pays!La France est un beau pays!La France est un beau pays!La</a:t>
+            </a:r>
+            <a:br/>
+            <a:r>
+              <a:t>France est un beau pays!La France est un beau pays!La France est un beau pays!</a:t>
+            </a:r>
+          </a:p>
+        </p:txBody>
+      </p:sp>
+      <p:sp>
+        <p:nvSpPr>
+          <p:cNvPr id="4" name="TextBox 3"/>
+          <p:cNvSpPr txBox="1"/>
+          <p:nvPr/>
+        </p:nvSpPr>
+        <p:spPr>
+          <a:xfrm>
+            <a:off x="0" y="3477906"/>
+            <a:ext cx="6858000" cy="1396471"/>
+          </a:xfrm>
+          <a:prstGeom prst="rect">
+            <a:avLst/>
+          </a:prstGeom>
+          <a:noFill/>
+        </p:spPr>
+        <p:txBody>
+          <a:bodyPr wrap="none">
+            <a:spAutoFit/>
+          </a:bodyPr>
+          <a:lstStyle/>
+          <a:p/>
+          <a:p>
+            <a:pPr algn="ctr">
+              <a:defRPr sz="1000"/>
+            </a:pPr>
+            <a:r>
+              <a:t>La France est vraiment un super beau pays!La France est vraiment un super beau pays!La France est</a:t>
+            </a:r>
+            <a:br/>
+            <a:r>
+              <a:t>vraiment un super beau pays!La France est vraiment un super beau pays!La France est vraiment un</a:t>
+            </a:r>
+            <a:br/>
+            <a:r>
+              <a:t>super beau pays!La France est vraiment un super beau pays!La France est vraiment un super beau</a:t>
+            </a:r>
+            <a:br/>
+            <a:r>
+              <a:t>pays!La France est vraiment un super beau pays!La France est vraiment un super beau pays!La</a:t>
+            </a:r>
+            <a:br/>
+            <a:r>
+              <a:t>France est vraiment un super beau pays!La France est vraiment un super beau pays!La France est</a:t>
+            </a:r>
+            <a:br/>
+            <a:r>
+              <a:t>vraiment un super beau pays!</a:t>
+            </a:r>
+          </a:p>
+        </p:txBody>
+      </p:sp>
+      <p:sp>
+        <p:nvSpPr>
+          <p:cNvPr id="2" name="Titre 1">
+            <a:extLst>
+              <a:ext uri="{FF2B5EF4-FFF2-40B4-BE49-F238E27FC236}">
+                <a16:creationId xmlns:a16="http://schemas.microsoft.com/office/drawing/2014/main" id="{486D4E87-2BC6-989D-C31B-C94C23654F8A}"/>
+              </a:ext>
+            </a:extLst>
+          </p:cNvPr>
+          <p:cNvSpPr>
+            <a:spLocks noGrp="1"/>
+          </p:cNvSpPr>
+          <p:nvPr>
+            <p:ph type="title"/>
+          </p:nvPr>
+        </p:nvSpPr>
+        <p:spPr>
+          <a:xfrm>
+            <a:off x="138545" y="4974377"/>
+            <a:ext cx="6557819" cy="789871"/>
+          </a:xfrm>
+        </p:spPr>
+        <p:txBody>
+          <a:bodyPr/>
+          <a:lstStyle/>
+          <a:p>
+            <a:r>
+              <a:rPr lang="fr-CA" dirty="0"/>
+              <a:t>banner</a:t>
+            </a:r>
+          </a:p>
+        </p:txBody>
+      </p:sp>
+      <p:sp>
+        <p:nvSpPr>
+          <p:cNvPr id="5" name="TextBox 4"/>
+          <p:cNvSpPr txBox="1"/>
+          <p:nvPr/>
+        </p:nvSpPr>
+        <p:spPr>
+          <a:xfrm>
+            <a:off x="0" y="5914248"/>
+            <a:ext cx="6858000" cy="731520"/>
+          </a:xfrm>
+          <a:prstGeom prst="rect">
+            <a:avLst/>
+          </a:prstGeom>
+          <a:noFill/>
+        </p:spPr>
+        <p:txBody>
+          <a:bodyPr wrap="none">
+            <a:spAutoFit/>
+          </a:bodyPr>
+          <a:lstStyle/>
+          <a:p/>
+          <a:p>
+            <a:pPr algn="ctr">
+              <a:defRPr sz="1000"/>
+            </a:pPr>
+            <a:r>
+              <a:t>L'allemagne est un beau pays!</a:t>
+            </a:r>
           </a:p>
         </p:txBody>
       </p:sp>
@@ -2335,594 +2484,6 @@
         <p14:creationId xmlns:p14="http://schemas.microsoft.com/office/powerpoint/2010/main" val="2707958192"/>
       </p:ext>
     </p:extLst>
-  </p:cSld>
-  <p:clrMapOvr>
-    <a:masterClrMapping/>
-  </p:clrMapOvr>
-</p:sld>
-</file>
-
-<file path=ppt/slides/slide3.xml><?xml version="1.0" encoding="utf-8"?>
-<p:sld xmlns:a="http://schemas.openxmlformats.org/drawingml/2006/main" xmlns:p="http://schemas.openxmlformats.org/presentationml/2006/main" xmlns:r="http://schemas.openxmlformats.org/officeDocument/2006/relationships">
-  <p:cSld>
-    <p:spTree>
-      <p:nvGrpSpPr>
-        <p:cNvPr id="1" name=""/>
-        <p:cNvGrpSpPr/>
-        <p:nvPr/>
-      </p:nvGrpSpPr>
-      <p:grpSpPr/>
-      <p:sp>
-        <p:nvSpPr>
-          <p:cNvPr id="2" name="Title 1"/>
-          <p:cNvSpPr>
-            <a:spLocks noGrp="1"/>
-          </p:cNvSpPr>
-          <p:nvPr>
-            <p:ph type="title"/>
-          </p:nvPr>
-        </p:nvSpPr>
-        <p:spPr/>
-        <p:txBody>
-          <a:bodyPr/>
-          <a:lstStyle/>
-          <a:p/>
-        </p:txBody>
-      </p:sp>
-      <p:sp>
-        <p:nvSpPr>
-          <p:cNvPr id="3" name="TextBox 2"/>
-          <p:cNvSpPr txBox="1"/>
-          <p:nvPr/>
-        </p:nvSpPr>
-        <p:spPr>
-          <a:xfrm>
-            <a:off x="0" y="1828800"/>
-            <a:ext cx="6858000" cy="731520"/>
-          </a:xfrm>
-          <a:prstGeom prst="rect">
-            <a:avLst/>
-          </a:prstGeom>
-          <a:noFill/>
-        </p:spPr>
-        <p:txBody>
-          <a:bodyPr wrap="none">
-            <a:spAutoFit/>
-          </a:bodyPr>
-          <a:lstStyle/>
-          <a:p/>
-          <a:p>
-            <a:pPr algn="ctr">
-              <a:defRPr sz="1000"/>
-            </a:pPr>
-            <a:r>
-              <a:t>This is a test</a:t>
-            </a:r>
-          </a:p>
-        </p:txBody>
-      </p:sp>
-      <p:sp>
-        <p:nvSpPr>
-          <p:cNvPr id="4" name="TextBox 3"/>
-          <p:cNvSpPr txBox="1"/>
-          <p:nvPr/>
-        </p:nvSpPr>
-        <p:spPr>
-          <a:xfrm>
-            <a:off x="0" y="3017520"/>
-            <a:ext cx="6858000" cy="731520"/>
-          </a:xfrm>
-          <a:prstGeom prst="rect">
-            <a:avLst/>
-          </a:prstGeom>
-          <a:noFill/>
-        </p:spPr>
-        <p:txBody>
-          <a:bodyPr wrap="none">
-            <a:spAutoFit/>
-          </a:bodyPr>
-          <a:lstStyle/>
-          <a:p/>
-          <a:p>
-            <a:pPr algn="ctr">
-              <a:defRPr sz="1000"/>
-            </a:pPr>
-            <a:r>
-              <a:t>Python is awesome!</a:t>
-            </a:r>
-          </a:p>
-        </p:txBody>
-      </p:sp>
-      <p:sp>
-        <p:nvSpPr>
-          <p:cNvPr id="5" name="TextBox 4"/>
-          <p:cNvSpPr txBox="1"/>
-          <p:nvPr/>
-        </p:nvSpPr>
-        <p:spPr>
-          <a:xfrm>
-            <a:off x="0" y="4206240"/>
-            <a:ext cx="6858000" cy="731520"/>
-          </a:xfrm>
-          <a:prstGeom prst="rect">
-            <a:avLst/>
-          </a:prstGeom>
-          <a:noFill/>
-        </p:spPr>
-        <p:txBody>
-          <a:bodyPr wrap="none">
-            <a:spAutoFit/>
-          </a:bodyPr>
-          <a:lstStyle/>
-          <a:p/>
-          <a:p>
-            <a:pPr algn="ctr">
-              <a:defRPr sz="1000"/>
-            </a:pPr>
-            <a:r>
-              <a:t>This is cool!</a:t>
-            </a:r>
-          </a:p>
-        </p:txBody>
-      </p:sp>
-      <p:sp>
-        <p:nvSpPr>
-          <p:cNvPr id="6" name="TextBox 5"/>
-          <p:cNvSpPr txBox="1"/>
-          <p:nvPr/>
-        </p:nvSpPr>
-        <p:spPr>
-          <a:xfrm>
-            <a:off x="0" y="5394960"/>
-            <a:ext cx="6858000" cy="907633"/>
-          </a:xfrm>
-          <a:prstGeom prst="rect">
-            <a:avLst/>
-          </a:prstGeom>
-          <a:noFill/>
-        </p:spPr>
-        <p:txBody>
-          <a:bodyPr wrap="none">
-            <a:spAutoFit/>
-          </a:bodyPr>
-          <a:lstStyle/>
-          <a:p/>
-          <a:p>
-            <a:pPr algn="ctr">
-              <a:defRPr sz="1000"/>
-            </a:pPr>
-            <a:r>
-              <a:t>Python is really awesome! it is so cool, Python is too awesome! lipsum orepsum so cool, it is</a:t>
-            </a:r>
-            <a:br/>
-            <a:r>
-              <a:t>too awesome! lipsummi it is so cool, Python is too awesome! lipsum orepsum so cool, it is too</a:t>
-            </a:r>
-            <a:br/>
-            <a:r>
-              <a:t>awesome! lipsummi</a:t>
-            </a:r>
-          </a:p>
-        </p:txBody>
-      </p:sp>
-    </p:spTree>
-  </p:cSld>
-  <p:clrMapOvr>
-    <a:masterClrMapping/>
-  </p:clrMapOvr>
-</p:sld>
-</file>
-
-<file path=ppt/slides/slide4.xml><?xml version="1.0" encoding="utf-8"?>
-<p:sld xmlns:a="http://schemas.openxmlformats.org/drawingml/2006/main" xmlns:p="http://schemas.openxmlformats.org/presentationml/2006/main" xmlns:r="http://schemas.openxmlformats.org/officeDocument/2006/relationships">
-  <p:cSld>
-    <p:spTree>
-      <p:nvGrpSpPr>
-        <p:cNvPr id="1" name=""/>
-        <p:cNvGrpSpPr/>
-        <p:nvPr/>
-      </p:nvGrpSpPr>
-      <p:grpSpPr/>
-      <p:sp>
-        <p:nvSpPr>
-          <p:cNvPr id="2" name="Title 1"/>
-          <p:cNvSpPr>
-            <a:spLocks noGrp="1"/>
-          </p:cNvSpPr>
-          <p:nvPr>
-            <p:ph type="title"/>
-          </p:nvPr>
-        </p:nvSpPr>
-        <p:spPr/>
-        <p:txBody>
-          <a:bodyPr/>
-          <a:lstStyle/>
-          <a:p/>
-        </p:txBody>
-      </p:sp>
-      <p:sp>
-        <p:nvSpPr>
-          <p:cNvPr id="3" name="TextBox 2"/>
-          <p:cNvSpPr txBox="1"/>
-          <p:nvPr/>
-        </p:nvSpPr>
-        <p:spPr>
-          <a:xfrm>
-            <a:off x="0" y="1828800"/>
-            <a:ext cx="6858000" cy="2973263"/>
-          </a:xfrm>
-          <a:prstGeom prst="rect">
-            <a:avLst/>
-          </a:prstGeom>
-          <a:noFill/>
-        </p:spPr>
-        <p:txBody>
-          <a:bodyPr wrap="none">
-            <a:spAutoFit/>
-          </a:bodyPr>
-          <a:lstStyle/>
-          <a:p/>
-          <a:p>
-            <a:pPr algn="ctr">
-              <a:defRPr sz="1000"/>
-            </a:pPr>
-            <a:r>
-              <a:t>Python is bfhjewqhfewflewqhlfbewhqlbhjfew qreally ewq feqwiu eqwhfeuilw  iufh ewlh qwl hufewh u</a:t>
-            </a:r>
-            <a:br/>
-            <a:r>
-              <a:t>fiew oqhueiwqh uefqwl  awesome! it is so cool, Python is too awesome! lipsum it is so cool,</a:t>
-            </a:r>
-            <a:br/>
-            <a:r>
-              <a:t>Python is twesome! lipsum it is so cool, Python is too awesome! lipsum ç, Python is too awesome!</a:t>
-            </a:r>
-            <a:br/>
-            <a:r>
-              <a:t>lipsum orepsum so cool, it is too awesome! lipsummii t is so cool, Python is too awesome! lipsum</a:t>
-            </a:r>
-            <a:br/>
-            <a:r>
-              <a:t>it is so cool, Python is too awesome! lipsum it is so cool, Python is too awesome! lsum it is so</a:t>
-            </a:r>
-            <a:br/>
-            <a:r>
-              <a:t>cool, Python is too awesome! lipsum it is so cool, Python is too awesome! lipsum frewg fwe qof </a:t>
-            </a:r>
-            <a:br/>
-            <a:r>
-              <a:t>qwouihf orepsum so cool, it is too awesome! lipsummi euiwoqfhi qwiufewiluqoi u hfewiqu  kquhi lf</a:t>
-            </a:r>
-            <a:br/>
-            <a:r>
-              <a:t>huilhuilfewqhui l uilwefqh uilfew hil wqehuilfhie huifqwlk Python is</a:t>
-            </a:r>
-            <a:br/>
-            <a:r>
-              <a:t>bfhjewqhfewflewqhlfbewhqlbhjfew qreally ewq feqwiu eqwhfeuilw  iufh ewlh qwl hufewh u fiew</a:t>
-            </a:r>
-            <a:br/>
-            <a:r>
-              <a:t>oqhueiwqh uefqwl  awesome! it is so cool, Python is too awesome! lipsum it is so cool, Python is</a:t>
-            </a:r>
-            <a:br/>
-            <a:r>
-              <a:t>twesome! lipsum it is so cool, Python is too awesome! lipsum ç, Python is too awesome! lipsum</a:t>
-            </a:r>
-            <a:br/>
-            <a:r>
-              <a:t>orepsum so cool, it is too awesome! lipsummii t is so cool, Python is too awesome! lipsum it is</a:t>
-            </a:r>
-            <a:br/>
-            <a:r>
-              <a:t>so cool, Python is too awesome! lipsum it is so cool, Python is too awesome! lsum it is so cool,</a:t>
-            </a:r>
-            <a:br/>
-            <a:r>
-              <a:t>Python is too awesome! lipsum it is so cool, Python is too awesome! lipsum frewg fwe qof  qwouihf</a:t>
-            </a:r>
-            <a:br/>
-            <a:r>
-              <a:t>orepsum so cool, it is too awesome! lipsummi euiwoqfhi qwiufewiluqoi u hfewiqu  kquhi lf</a:t>
-            </a:r>
-            <a:br/>
-            <a:r>
-              <a:t>huilhuilfewqhui l uilwefqh uilfew hil wqehuilfhie huifqwlk</a:t>
-            </a:r>
-          </a:p>
-        </p:txBody>
-      </p:sp>
-    </p:spTree>
-  </p:cSld>
-  <p:clrMapOvr>
-    <a:masterClrMapping/>
-  </p:clrMapOvr>
-</p:sld>
-</file>
-
-<file path=ppt/slides/slide5.xml><?xml version="1.0" encoding="utf-8"?>
-<p:sld xmlns:a="http://schemas.openxmlformats.org/drawingml/2006/main" xmlns:p="http://schemas.openxmlformats.org/presentationml/2006/main" xmlns:r="http://schemas.openxmlformats.org/officeDocument/2006/relationships">
-  <p:cSld>
-    <p:spTree>
-      <p:nvGrpSpPr>
-        <p:cNvPr id="1" name=""/>
-        <p:cNvGrpSpPr/>
-        <p:nvPr/>
-      </p:nvGrpSpPr>
-      <p:grpSpPr/>
-      <p:sp>
-        <p:nvSpPr>
-          <p:cNvPr id="2" name="Title 1"/>
-          <p:cNvSpPr>
-            <a:spLocks noGrp="1"/>
-          </p:cNvSpPr>
-          <p:nvPr>
-            <p:ph type="title"/>
-          </p:nvPr>
-        </p:nvSpPr>
-        <p:spPr/>
-        <p:txBody>
-          <a:bodyPr/>
-          <a:lstStyle/>
-          <a:p/>
-        </p:txBody>
-      </p:sp>
-      <p:sp>
-        <p:nvSpPr>
-          <p:cNvPr id="3" name="TextBox 2"/>
-          <p:cNvSpPr txBox="1"/>
-          <p:nvPr/>
-        </p:nvSpPr>
-        <p:spPr>
-          <a:xfrm>
-            <a:off x="0" y="1828800"/>
-            <a:ext cx="6858000" cy="6582765"/>
-          </a:xfrm>
-          <a:prstGeom prst="rect">
-            <a:avLst/>
-          </a:prstGeom>
-          <a:noFill/>
-        </p:spPr>
-        <p:txBody>
-          <a:bodyPr wrap="none">
-            <a:spAutoFit/>
-          </a:bodyPr>
-          <a:lstStyle/>
-          <a:p/>
-          <a:p>
-            <a:pPr algn="ctr">
-              <a:defRPr sz="1000"/>
-            </a:pPr>
-            <a:r>
-              <a:t>Python is bfhjewqhfewflewqhlfbewhqlbhjfew qreally ewq feqwiu eqwhfeuilw  iufh ewlh qwl hufewh u</a:t>
-            </a:r>
-            <a:br/>
-            <a:r>
-              <a:t>fiew oqhueiwqh uefqwl  awesome! it is so cool, Python is too awesome! lipsum it is so cool,</a:t>
-            </a:r>
-            <a:br/>
-            <a:r>
-              <a:t>Python is twesome! lipsum it is so cool, Python is too awesome! lipsum ç, Python is too awesome!</a:t>
-            </a:r>
-            <a:br/>
-            <a:r>
-              <a:t>lipsum orepsum so cool, it is too awesome! lipsummii t is so cool, Python is too awesome! lipsum</a:t>
-            </a:r>
-            <a:br/>
-            <a:r>
-              <a:t>it is so cool, Python is too awesome! lipsum it is so cool, Python is too awesome! lsum it is so</a:t>
-            </a:r>
-            <a:br/>
-            <a:r>
-              <a:t>cool, Python is too awesome! lipsum it is so cool, Python is too awesome! lipsum frewg fwe qof </a:t>
-            </a:r>
-            <a:br/>
-            <a:r>
-              <a:t>qwouihf orepsum so cool, it is too awesome! lipsummi euiwoqfhi qwiufewiluqoi u hfewiqu  kquhi lf</a:t>
-            </a:r>
-            <a:br/>
-            <a:r>
-              <a:t>huilhuilfewqhui l uilwefqh uilfew hil wqehuilfhie huifqwlk Python is</a:t>
-            </a:r>
-            <a:br/>
-            <a:r>
-              <a:t>bfhjewqhfewflewqhlfbewhqlbhjfew qreally ewq feqwiu eqwhfeuilw  iufh ewlh qwl hufewh u fiew</a:t>
-            </a:r>
-            <a:br/>
-            <a:r>
-              <a:t>oqhueiwqh uefqwl  awesome! it is so cool, Python is too awesome! lipsum it is so cool, Python is</a:t>
-            </a:r>
-            <a:br/>
-            <a:r>
-              <a:t>twesome! lipsum it is so cool, Python is too awesome! lipsum ç, Python is too awesome! lipsum</a:t>
-            </a:r>
-            <a:br/>
-            <a:r>
-              <a:t>orepsum so cool, it is too awesome! lipsummii t is so cool, Python is too awesome! lipsum it is</a:t>
-            </a:r>
-            <a:br/>
-            <a:r>
-              <a:t>so cool, Python is too awesome! lipsum it is so cool, Python is too awesome! lsum it is so cool,</a:t>
-            </a:r>
-            <a:br/>
-            <a:r>
-              <a:t>Python is too awesome! lipsum it is so cool, Python is too awesome! lipsum frewg fwe qof  qwouihf</a:t>
-            </a:r>
-            <a:br/>
-            <a:r>
-              <a:t>orepsum so cool, it is too awesome! lipsummi euiwoqfhi qwiufewiluqoi u hfewiqu  kquhi lf</a:t>
-            </a:r>
-            <a:br/>
-            <a:r>
-              <a:t>huilhuilfewqhui l uilwefqh uilfew hil wqehuilfhie huifqwlk Python is</a:t>
-            </a:r>
-            <a:br/>
-            <a:r>
-              <a:t>bfhjewqhfewflewqhlfbewhqlbhjfew qreally ewq feqwiu eqwhfeuilw  iufh ewlh qwl hufewh u fiew</a:t>
-            </a:r>
-            <a:br/>
-            <a:r>
-              <a:t>oqhueiwqh uefqwl  awesome! it is so cool, Python is too awesome! lipsum it is so cool, Python is</a:t>
-            </a:r>
-            <a:br/>
-            <a:r>
-              <a:t>twesome! lipsum it is so cool, Python is too awesome! lipsum ç, Python is too awesome! lipsum</a:t>
-            </a:r>
-            <a:br/>
-            <a:r>
-              <a:t>orepsum so cool, it is too awesome! lipsummii t is so cool, Python is too awesome! lipsum it is</a:t>
-            </a:r>
-            <a:br/>
-            <a:r>
-              <a:t>so cool, Python is too awesome! lipsum it is so cool, Python is too awesome! lsum it is so cool,</a:t>
-            </a:r>
-            <a:br/>
-            <a:r>
-              <a:t>Python is too awesome! lipsum it is so cool, Python is too awesome! lipsum frewg fwe qof  qwouihf</a:t>
-            </a:r>
-            <a:br/>
-            <a:r>
-              <a:t>orepsum so cool, it is too awesome! lipsummi euiwoqfhi qwiufewiluqoi u hfewiqu  kquhi lf</a:t>
-            </a:r>
-            <a:br/>
-            <a:r>
-              <a:t>huilhuilfewqhui l uilwefqh uilfew hil wqehuilfhie huifqwlk Python is</a:t>
-            </a:r>
-            <a:br/>
-            <a:r>
-              <a:t>bfhjewqhfewflewqhlfbewhqlbhjfew qreally ewq feqwiu eqwhfeuilw  iufh ewlh qwl hufewh u fiew</a:t>
-            </a:r>
-            <a:br/>
-            <a:r>
-              <a:t>oqhueiwqh uefqwl  awesome! it is so cool, Python is too awesome! lipsum it is so cool, Python is</a:t>
-            </a:r>
-            <a:br/>
-            <a:r>
-              <a:t>twesome! lipsum it is so cool, Python is too awesome! lipsum ç, Python is too awesome! lipsum</a:t>
-            </a:r>
-            <a:br/>
-            <a:r>
-              <a:t>orepsum so cool, it is too awesome! lipsummii t is so cool, Python is too awesome! lipsum it is</a:t>
-            </a:r>
-            <a:br/>
-            <a:r>
-              <a:t>so cool, Python is too awesome! lipsum it is so cool, Python is too awesome! lsum it is so cool,</a:t>
-            </a:r>
-            <a:br/>
-            <a:r>
-              <a:t>Python is too awesome! lipsum it is so cool, Python is too awesome! lipsum frewg fwe qof  qwouihf</a:t>
-            </a:r>
-            <a:br/>
-            <a:r>
-              <a:t>orepsum so cool, it is too awesome! lipsummi euiwoqfhi qwiufewiluqoi u hfewiqu  kquhi lf</a:t>
-            </a:r>
-            <a:br/>
-            <a:r>
-              <a:t>huilhuilfewqhui l uilwefqh uilfew hil wqehuilfhie huifqwlk Python is</a:t>
-            </a:r>
-            <a:br/>
-            <a:r>
-              <a:t>bfhjewqhfewflewqhlfbewhqlbhjfew qreally ewq feqwiu eqwhfeuilw  iufh ewlh qwl hufewh u fiew</a:t>
-            </a:r>
-            <a:br/>
-            <a:r>
-              <a:t>oqhueiwqh uefqwl  awesome! it is so cool, Python is too awesome! lipsum it is so cool, Python is</a:t>
-            </a:r>
-            <a:br/>
-            <a:r>
-              <a:t>twesome! lipsum it is so cool, Python is too awesome! lipsum ç, Python is too awesome! lipsum</a:t>
-            </a:r>
-            <a:br/>
-            <a:r>
-              <a:t>orepsum so cool, it is too awesome! lipsummii t is so cool, Python is too awesome! lipsum it is</a:t>
-            </a:r>
-            <a:br/>
-            <a:r>
-              <a:t>so cool, Python is too awesome! lipsum it is so cool, Python is too awesome! lsum it is so cool,</a:t>
-            </a:r>
-            <a:br/>
-            <a:r>
-              <a:t>Python is too awesome! lipsum it is so cool, Python is too awesome! lipsum frewg fwe qof  qwouihf</a:t>
-            </a:r>
-            <a:br/>
-            <a:r>
-              <a:t>orepsum so cool, it is too awesome! lipsummi euiwoqfhi qwiufewiluqoi u hfewiqu  kquhi lf</a:t>
-            </a:r>
-            <a:br/>
-            <a:r>
-              <a:t>huilhuilfewqhui l uilwefqh uilfew hil wqehuilfhie huifqwlk</a:t>
-            </a:r>
-          </a:p>
-        </p:txBody>
-      </p:sp>
-    </p:spTree>
-  </p:cSld>
-  <p:clrMapOvr>
-    <a:masterClrMapping/>
-  </p:clrMapOvr>
-</p:sld>
-</file>
-
-<file path=ppt/slides/slide6.xml><?xml version="1.0" encoding="utf-8"?>
-<p:sld xmlns:a="http://schemas.openxmlformats.org/drawingml/2006/main" xmlns:p="http://schemas.openxmlformats.org/presentationml/2006/main" xmlns:r="http://schemas.openxmlformats.org/officeDocument/2006/relationships">
-  <p:cSld>
-    <p:spTree>
-      <p:nvGrpSpPr>
-        <p:cNvPr id="1" name=""/>
-        <p:cNvGrpSpPr/>
-        <p:nvPr/>
-      </p:nvGrpSpPr>
-      <p:grpSpPr/>
-      <p:sp>
-        <p:nvSpPr>
-          <p:cNvPr id="2" name="Title 1"/>
-          <p:cNvSpPr>
-            <a:spLocks noGrp="1"/>
-          </p:cNvSpPr>
-          <p:nvPr>
-            <p:ph type="title"/>
-          </p:nvPr>
-        </p:nvSpPr>
-        <p:spPr/>
-        <p:txBody>
-          <a:bodyPr/>
-          <a:lstStyle/>
-          <a:p/>
-        </p:txBody>
-      </p:sp>
-      <p:sp>
-        <p:nvSpPr>
-          <p:cNvPr id="3" name="TextBox 2"/>
-          <p:cNvSpPr txBox="1"/>
-          <p:nvPr/>
-        </p:nvSpPr>
-        <p:spPr>
-          <a:xfrm>
-            <a:off x="0" y="1828800"/>
-            <a:ext cx="6858000" cy="731520"/>
-          </a:xfrm>
-          <a:prstGeom prst="rect">
-            <a:avLst/>
-          </a:prstGeom>
-          <a:noFill/>
-        </p:spPr>
-        <p:txBody>
-          <a:bodyPr wrap="none">
-            <a:spAutoFit/>
-          </a:bodyPr>
-          <a:lstStyle/>
-          <a:p/>
-          <a:p>
-            <a:pPr algn="ctr">
-              <a:defRPr sz="1000"/>
-            </a:pPr>
-            <a:r>
-              <a:t>Python is so awesome!!!</a:t>
-            </a:r>
-          </a:p>
-        </p:txBody>
-      </p:sp>
-    </p:spTree>
   </p:cSld>
   <p:clrMapOvr>
     <a:masterClrMapping/>
@@ -3224,6 +2785,15 @@
 </file>
 
 <file path=customXml/item1.xml><?xml version="1.0" encoding="utf-8"?>
+<?mso-contentType ?>
+<FormTemplates xmlns="http://schemas.microsoft.com/sharepoint/v3/contenttype/forms">
+  <Display>DocumentLibraryForm</Display>
+  <Edit>DocumentLibraryForm</Edit>
+  <New>DocumentLibraryForm</New>
+</FormTemplates>
+</file>
+
+<file path=customXml/item2.xml><?xml version="1.0" encoding="utf-8"?>
 <p:properties xmlns:p="http://schemas.microsoft.com/office/2006/metadata/properties" xmlns:xsi="http://www.w3.org/2001/XMLSchema-instance" xmlns:pc="http://schemas.microsoft.com/office/infopath/2007/PartnerControls">
   <documentManagement>
     <lcf76f155ced4ddcb4097134ff3c332f xmlns="81c9f6d7-38be-4b6f-ac7a-53278e4778cd">
@@ -3232,15 +2802,6 @@
     <TaxCatchAll xmlns="562370e7-b28b-48b8-b232-8034dde365ed" xsi:nil="true"/>
   </documentManagement>
 </p:properties>
-</file>
-
-<file path=customXml/item2.xml><?xml version="1.0" encoding="utf-8"?>
-<?mso-contentType ?>
-<FormTemplates xmlns="http://schemas.microsoft.com/sharepoint/v3/contenttype/forms">
-  <Display>DocumentLibraryForm</Display>
-  <Edit>DocumentLibraryForm</Edit>
-  <New>DocumentLibraryForm</New>
-</FormTemplates>
 </file>
 
 <file path=customXml/item3.xml><?xml version="1.0" encoding="utf-8"?>
@@ -3481,6 +3042,14 @@
 </file>
 
 <file path=customXml/itemProps1.xml><?xml version="1.0" encoding="utf-8"?>
+<ds:datastoreItem xmlns:ds="http://schemas.openxmlformats.org/officeDocument/2006/customXml" ds:itemID="{4E8F74D5-47AA-4DAD-A3A5-90C8113106BE}">
+  <ds:schemaRefs>
+    <ds:schemaRef ds:uri="http://schemas.microsoft.com/sharepoint/v3/contenttype/forms"/>
+  </ds:schemaRefs>
+</ds:datastoreItem>
+</file>
+
+<file path=customXml/itemProps2.xml><?xml version="1.0" encoding="utf-8"?>
 <ds:datastoreItem xmlns:ds="http://schemas.openxmlformats.org/officeDocument/2006/customXml" ds:itemID="{AB088F19-0CAF-4A60-81E5-18DF993328EF}">
   <ds:schemaRefs>
     <ds:schemaRef ds:uri="http://schemas.microsoft.com/office/2006/metadata/properties"/>
@@ -3493,14 +3062,6 @@
     <ds:schemaRef ds:uri="562370e7-b28b-48b8-b232-8034dde365ed"/>
     <ds:schemaRef ds:uri="81c9f6d7-38be-4b6f-ac7a-53278e4778cd"/>
     <ds:schemaRef ds:uri="http://www.w3.org/XML/1998/namespace"/>
-  </ds:schemaRefs>
-</ds:datastoreItem>
-</file>
-
-<file path=customXml/itemProps2.xml><?xml version="1.0" encoding="utf-8"?>
-<ds:datastoreItem xmlns:ds="http://schemas.openxmlformats.org/officeDocument/2006/customXml" ds:itemID="{4E8F74D5-47AA-4DAD-A3A5-90C8113106BE}">
-  <ds:schemaRefs>
-    <ds:schemaRef ds:uri="http://schemas.microsoft.com/sharepoint/v3/contenttype/forms"/>
   </ds:schemaRefs>
 </ds:datastoreItem>
 </file>

--- a/powerpoints/test.pptx
+++ b/powerpoints/test.pptx
@@ -2276,14 +2276,174 @@
             <p:ph type="title"/>
           </p:nvPr>
         </p:nvSpPr>
-        <p:spPr/>
+        <p:spPr>
+          <a:xfrm>
+            <a:off x="138545" y="100000"/>
+            <a:ext cx="6557819" cy="789871"/>
+          </a:xfrm>
+        </p:spPr>
         <p:txBody>
           <a:bodyPr/>
           <a:lstStyle/>
           <a:p>
             <a:r>
-              <a:rPr lang="fr-CA" dirty="0"/>
-              <a:t>banner</a:t>
+              <a:t>France</a:t>
+            </a:r>
+          </a:p>
+        </p:txBody>
+      </p:sp>
+      <p:sp>
+        <p:nvSpPr>
+          <p:cNvPr id="3" name="TextBox 2"/>
+          <p:cNvSpPr txBox="1"/>
+          <p:nvPr/>
+        </p:nvSpPr>
+        <p:spPr>
+          <a:xfrm>
+            <a:off x="0" y="1039871"/>
+            <a:ext cx="6858000" cy="365760"/>
+          </a:xfrm>
+          <a:prstGeom prst="rect">
+            <a:avLst/>
+          </a:prstGeom>
+          <a:noFill/>
+        </p:spPr>
+        <p:txBody>
+          <a:bodyPr wrap="none">
+            <a:spAutoFit/>
+          </a:bodyPr>
+          <a:lstStyle/>
+          <a:p>
+            <a:pPr>
+              <a:defRPr sz="1000"/>
+            </a:pPr>
+            <a:r>
+              <a:t>Introduction</a:t>
+            </a:r>
+          </a:p>
+        </p:txBody>
+      </p:sp>
+      <p:sp>
+        <p:nvSpPr>
+          <p:cNvPr id="4" name="TextBox 3"/>
+          <p:cNvSpPr txBox="1"/>
+          <p:nvPr/>
+        </p:nvSpPr>
+        <p:spPr>
+          <a:xfrm>
+            <a:off x="0" y="1405631"/>
+            <a:ext cx="6858000" cy="823325"/>
+          </a:xfrm>
+          <a:prstGeom prst="rect">
+            <a:avLst/>
+          </a:prstGeom>
+          <a:noFill/>
+        </p:spPr>
+        <p:txBody>
+          <a:bodyPr wrap="none">
+            <a:spAutoFit/>
+          </a:bodyPr>
+          <a:lstStyle/>
+          <a:p>
+            <a:pPr>
+              <a:defRPr sz="1000"/>
+            </a:pPr>
+            <a:r>
+              <a:t>La France est un beau pays!La France est un beau pays!La France est un beau pays!La France est un</a:t>
+            </a:r>
+            <a:br/>
+            <a:r>
+              <a:t>beau pays!La France est un beau pays!La France est un beau pays!La France est un beau pays!La</a:t>
+            </a:r>
+            <a:br/>
+            <a:r>
+              <a:t>France est un beau pays!La France est un beau pays!La France est un beau pays!La France est un</a:t>
+            </a:r>
+            <a:br/>
+            <a:r>
+              <a:t>beau pays!La France est un beau pays!La France est un beau pays!La France est un beau pays!</a:t>
+            </a:r>
+          </a:p>
+        </p:txBody>
+      </p:sp>
+      <p:sp>
+        <p:nvSpPr>
+          <p:cNvPr id="5" name="TextBox 4"/>
+          <p:cNvSpPr txBox="1"/>
+          <p:nvPr/>
+        </p:nvSpPr>
+        <p:spPr>
+          <a:xfrm>
+            <a:off x="0" y="2228956"/>
+            <a:ext cx="6858000" cy="365760"/>
+          </a:xfrm>
+          <a:prstGeom prst="rect">
+            <a:avLst/>
+          </a:prstGeom>
+          <a:noFill/>
+        </p:spPr>
+        <p:txBody>
+          <a:bodyPr wrap="none">
+            <a:spAutoFit/>
+          </a:bodyPr>
+          <a:lstStyle/>
+          <a:p>
+            <a:pPr>
+              <a:defRPr sz="1000"/>
+            </a:pPr>
+            <a:r>
+              <a:t>Description</a:t>
+            </a:r>
+          </a:p>
+        </p:txBody>
+      </p:sp>
+      <p:sp>
+        <p:nvSpPr>
+          <p:cNvPr id="6" name="TextBox 5"/>
+          <p:cNvSpPr txBox="1"/>
+          <p:nvPr/>
+        </p:nvSpPr>
+        <p:spPr>
+          <a:xfrm>
+            <a:off x="0" y="2594716"/>
+            <a:ext cx="6858000" cy="1030711"/>
+          </a:xfrm>
+          <a:prstGeom prst="rect">
+            <a:avLst/>
+          </a:prstGeom>
+          <a:noFill/>
+        </p:spPr>
+        <p:txBody>
+          <a:bodyPr wrap="none">
+            <a:spAutoFit/>
+          </a:bodyPr>
+          <a:lstStyle/>
+          <a:p>
+            <a:pPr>
+              <a:defRPr sz="1000"/>
+            </a:pPr>
+            <a:r>
+              <a:t>La France est vraiment un super beau pays!La France est vraiment un super beau pays!La France est</a:t>
+            </a:r>
+            <a:br/>
+            <a:r>
+              <a:t>vraiment un super beau pays!La France est vraiment un super beau pays!La France est vraiment un</a:t>
+            </a:r>
+            <a:br/>
+            <a:r>
+              <a:t>super beau pays!La France est vraiment un super beau pays!La France est vraiment un super beau</a:t>
+            </a:r>
+            <a:br/>
+            <a:r>
+              <a:t>pays!La France est vraiment un super beau pays!La France est vraiment un super beau pays!La</a:t>
+            </a:r>
+            <a:br/>
+            <a:r>
+              <a:t>France est vraiment un super beau pays!La France est vraiment un super beau pays!La France est</a:t>
+            </a:r>
+            <a:br/>
+            <a:r>
+              <a:t>vraiment un super beau pays!</a:t>
             </a:r>
           </a:p>
         </p:txBody>
@@ -2306,7 +2466,7 @@
         </p:nvSpPr>
         <p:spPr>
           <a:xfrm>
-            <a:off x="138545" y="1376709"/>
+            <a:off x="138545" y="3725427"/>
             <a:ext cx="6557819" cy="789871"/>
           </a:xfrm>
         </p:spPr>
@@ -2315,22 +2475,21 @@
           <a:lstStyle/>
           <a:p>
             <a:r>
-              <a:rPr lang="fr-CA" dirty="0"/>
-              <a:t>banner</a:t>
-            </a:r>
-          </a:p>
-        </p:txBody>
-      </p:sp>
-      <p:sp>
-        <p:nvSpPr>
-          <p:cNvPr id="3" name="TextBox 2"/>
+              <a:t>Allemagne</a:t>
+            </a:r>
+          </a:p>
+        </p:txBody>
+      </p:sp>
+      <p:sp>
+        <p:nvSpPr>
+          <p:cNvPr id="7" name="TextBox 6"/>
           <p:cNvSpPr txBox="1"/>
           <p:nvPr/>
         </p:nvSpPr>
         <p:spPr>
           <a:xfrm>
-            <a:off x="0" y="2316580"/>
-            <a:ext cx="6858000" cy="1011326"/>
+            <a:off x="0" y="4665298"/>
+            <a:ext cx="6858000" cy="365760"/>
           </a:xfrm>
           <a:prstGeom prst="rect">
             <a:avLst/>
@@ -2342,134 +2501,8 @@
             <a:spAutoFit/>
           </a:bodyPr>
           <a:lstStyle/>
-          <a:p/>
-          <a:p>
-            <a:pPr algn="ctr">
-              <a:defRPr sz="1000"/>
-            </a:pPr>
-            <a:r>
-              <a:t>La France est un beau pays!La France est un beau pays!La France est un beau pays!La France est un</a:t>
-            </a:r>
-            <a:br/>
-            <a:r>
-              <a:t>beau pays!La France est un beau pays!La France est un beau pays!La France est un beau pays!La</a:t>
-            </a:r>
-            <a:br/>
-            <a:r>
-              <a:t>France est un beau pays!La France est un beau pays!La France est un beau pays!</a:t>
-            </a:r>
-          </a:p>
-        </p:txBody>
-      </p:sp>
-      <p:sp>
-        <p:nvSpPr>
-          <p:cNvPr id="4" name="TextBox 3"/>
-          <p:cNvSpPr txBox="1"/>
-          <p:nvPr/>
-        </p:nvSpPr>
-        <p:spPr>
-          <a:xfrm>
-            <a:off x="0" y="3477906"/>
-            <a:ext cx="6858000" cy="1396471"/>
-          </a:xfrm>
-          <a:prstGeom prst="rect">
-            <a:avLst/>
-          </a:prstGeom>
-          <a:noFill/>
-        </p:spPr>
-        <p:txBody>
-          <a:bodyPr wrap="none">
-            <a:spAutoFit/>
-          </a:bodyPr>
-          <a:lstStyle/>
-          <a:p/>
-          <a:p>
-            <a:pPr algn="ctr">
-              <a:defRPr sz="1000"/>
-            </a:pPr>
-            <a:r>
-              <a:t>La France est vraiment un super beau pays!La France est vraiment un super beau pays!La France est</a:t>
-            </a:r>
-            <a:br/>
-            <a:r>
-              <a:t>vraiment un super beau pays!La France est vraiment un super beau pays!La France est vraiment un</a:t>
-            </a:r>
-            <a:br/>
-            <a:r>
-              <a:t>super beau pays!La France est vraiment un super beau pays!La France est vraiment un super beau</a:t>
-            </a:r>
-            <a:br/>
-            <a:r>
-              <a:t>pays!La France est vraiment un super beau pays!La France est vraiment un super beau pays!La</a:t>
-            </a:r>
-            <a:br/>
-            <a:r>
-              <a:t>France est vraiment un super beau pays!La France est vraiment un super beau pays!La France est</a:t>
-            </a:r>
-            <a:br/>
-            <a:r>
-              <a:t>vraiment un super beau pays!</a:t>
-            </a:r>
-          </a:p>
-        </p:txBody>
-      </p:sp>
-      <p:sp>
-        <p:nvSpPr>
-          <p:cNvPr id="2" name="Titre 1">
-            <a:extLst>
-              <a:ext uri="{FF2B5EF4-FFF2-40B4-BE49-F238E27FC236}">
-                <a16:creationId xmlns:a16="http://schemas.microsoft.com/office/drawing/2014/main" id="{486D4E87-2BC6-989D-C31B-C94C23654F8A}"/>
-              </a:ext>
-            </a:extLst>
-          </p:cNvPr>
-          <p:cNvSpPr>
-            <a:spLocks noGrp="1"/>
-          </p:cNvSpPr>
-          <p:nvPr>
-            <p:ph type="title"/>
-          </p:nvPr>
-        </p:nvSpPr>
-        <p:spPr>
-          <a:xfrm>
-            <a:off x="138545" y="4974377"/>
-            <a:ext cx="6557819" cy="789871"/>
-          </a:xfrm>
-        </p:spPr>
-        <p:txBody>
-          <a:bodyPr/>
-          <a:lstStyle/>
-          <a:p>
-            <a:r>
-              <a:rPr lang="fr-CA" dirty="0"/>
-              <a:t>banner</a:t>
-            </a:r>
-          </a:p>
-        </p:txBody>
-      </p:sp>
-      <p:sp>
-        <p:nvSpPr>
-          <p:cNvPr id="5" name="TextBox 4"/>
-          <p:cNvSpPr txBox="1"/>
-          <p:nvPr/>
-        </p:nvSpPr>
-        <p:spPr>
-          <a:xfrm>
-            <a:off x="0" y="5914248"/>
-            <a:ext cx="6858000" cy="731520"/>
-          </a:xfrm>
-          <a:prstGeom prst="rect">
-            <a:avLst/>
-          </a:prstGeom>
-          <a:noFill/>
-        </p:spPr>
-        <p:txBody>
-          <a:bodyPr wrap="none">
-            <a:spAutoFit/>
-          </a:bodyPr>
-          <a:lstStyle/>
-          <a:p/>
-          <a:p>
-            <a:pPr algn="ctr">
+          <a:p>
+            <a:pPr>
               <a:defRPr sz="1000"/>
             </a:pPr>
             <a:r>

--- a/powerpoints/test.pptx
+++ b/powerpoints/test.pptx
@@ -7,6 +7,7 @@
   <p:sldIdLst>
     <p:sldId id="259" r:id="rId5"/>
     <p:sldId id="260" r:id="rId6"/>
+    <p:sldId id="261" r:id="rId11"/>
   </p:sldIdLst>
   <p:sldSz cx="6858000" cy="9144000" type="letter"/>
   <p:notesSz cx="6858000" cy="9144000"/>
@@ -232,7 +233,7 @@
             <a:fld id="{FDCA904F-AFE4-4F4A-AA13-CC2FD407ABB0}" type="datetimeFigureOut">
               <a:rPr lang="fr-CA" smtClean="0"/>
               <a:pPr/>
-              <a:t>2023-06-17</a:t>
+              <a:t>2023-06-20</a:t>
             </a:fld>
             <a:endParaRPr lang="fr-CA" dirty="0"/>
           </a:p>
@@ -1616,7 +1617,7 @@
             <a:fld id="{FDCA904F-AFE4-4F4A-AA13-CC2FD407ABB0}" type="datetimeFigureOut">
               <a:rPr lang="fr-CA" smtClean="0"/>
               <a:pPr/>
-              <a:t>2023-06-17</a:t>
+              <a:t>2023-06-20</a:t>
             </a:fld>
             <a:endParaRPr lang="fr-CA" dirty="0"/>
           </a:p>
@@ -2230,6 +2231,67 @@
           </a:p>
         </p:txBody>
       </p:sp>
+      <p:sp>
+        <p:nvSpPr>
+          <p:cNvPr id="6" name="Titre 1">
+            <a:extLst>
+              <a:ext uri="{FF2B5EF4-FFF2-40B4-BE49-F238E27FC236}">
+                <a16:creationId xmlns:a16="http://schemas.microsoft.com/office/drawing/2014/main" id="{DA4E421B-11A3-6F02-9FCE-F06DFBD9EFE3}"/>
+              </a:ext>
+            </a:extLst>
+          </p:cNvPr>
+          <p:cNvSpPr txBox="1">
+            <a:spLocks/>
+          </p:cNvSpPr>
+          <p:nvPr/>
+        </p:nvSpPr>
+        <p:spPr>
+          <a:xfrm>
+            <a:off x="150090" y="3321384"/>
+            <a:ext cx="6557819" cy="789871"/>
+          </a:xfrm>
+          <a:prstGeom prst="rect">
+            <a:avLst/>
+          </a:prstGeom>
+          <a:blipFill>
+            <a:blip r:embed="rId4"/>
+            <a:stretch>
+              <a:fillRect/>
+            </a:stretch>
+          </a:blipFill>
+        </p:spPr>
+        <p:txBody>
+          <a:bodyPr vert="horz" lIns="91440" tIns="45720" rIns="91440" bIns="45720" rtlCol="0" anchor="ctr">
+            <a:normAutofit/>
+          </a:bodyPr>
+          <a:lstStyle>
+            <a:lvl1pPr defTabSz="514337">
+              <a:lnSpc>
+                <a:spcPct val="90000"/>
+              </a:lnSpc>
+              <a:spcBef>
+                <a:spcPct val="0"/>
+              </a:spcBef>
+              <a:buNone/>
+              <a:defRPr sz="2475" b="1">
+                <a:solidFill>
+                  <a:schemeClr val="accent1"/>
+                </a:solidFill>
+                <a:latin typeface="+mj-lt"/>
+                <a:ea typeface="+mj-ea"/>
+                <a:cs typeface="+mj-cs"/>
+              </a:defRPr>
+            </a:lvl1pPr>
+          </a:lstStyle>
+          <a:p>
+            <a:r>
+              <a:rPr lang="fr-CA"/>
+              <a:t>banner</a:t>
+            </a:r>
+            <a:endParaRPr lang="fr-CA" dirty="0"/>
+          </a:p>
+        </p:txBody>
+      </p:sp>
     </p:spTree>
     <p:extLst>
       <p:ext uri="{BB962C8B-B14F-4D97-AF65-F5344CB8AC3E}">
@@ -2278,7 +2340,7 @@
         </p:nvSpPr>
         <p:spPr>
           <a:xfrm>
-            <a:off x="138545" y="100000"/>
+            <a:off x="138545" y="250000"/>
             <a:ext cx="6557819" cy="789871"/>
           </a:xfrm>
         </p:spPr>
@@ -2300,7 +2362,7 @@
         </p:nvSpPr>
         <p:spPr>
           <a:xfrm>
-            <a:off x="0" y="1039871"/>
+            <a:off x="0" y="1189871"/>
             <a:ext cx="6858000" cy="365760"/>
           </a:xfrm>
           <a:prstGeom prst="rect">
@@ -2315,7 +2377,11 @@
           <a:lstStyle/>
           <a:p>
             <a:pPr>
-              <a:defRPr sz="1000"/>
+              <a:defRPr sz="1100" b="1">
+                <a:solidFill>
+                  <a:schemeClr val="accent6"/>
+                </a:solidFill>
+              </a:defRPr>
             </a:pPr>
             <a:r>
               <a:t>Introduction</a:t>
@@ -2331,8 +2397,8 @@
         </p:nvSpPr>
         <p:spPr>
           <a:xfrm>
-            <a:off x="0" y="1405631"/>
-            <a:ext cx="6858000" cy="823325"/>
+            <a:off x="0" y="1555631"/>
+            <a:ext cx="6858000" cy="846368"/>
           </a:xfrm>
           <a:prstGeom prst="rect">
             <a:avLst/>
@@ -2345,24 +2411,25 @@
           </a:bodyPr>
           <a:lstStyle/>
           <a:p>
-            <a:pPr>
+            <a:pPr algn="ctr">
               <a:defRPr sz="1000"/>
             </a:pPr>
             <a:r>
-              <a:t>La France est un beau pays!La France est un beau pays!La France est un beau pays!La France est un</a:t>
+              <a:t>La France est un beau pays! La France est un beau pays! La France est un beau pays! La France est</a:t>
             </a:r>
             <a:br/>
             <a:r>
-              <a:t>beau pays!La France est un beau pays!La France est un beau pays!La France est un beau pays!La</a:t>
+              <a:t>un beau pays! La France est un beau pays! La France est un beau pays! La France est un beau pays!</a:t>
             </a:r>
             <a:br/>
             <a:r>
-              <a:t>France est un beau pays!La France est un beau pays!La France est un beau pays!La France est un</a:t>
+              <a:t>La France est un beau pays! La France est un beau pays! La France est un beau pays! La France est</a:t>
             </a:r>
             <a:br/>
             <a:r>
-              <a:t>beau pays!La France est un beau pays!La France est un beau pays!La France est un beau pays!</a:t>
-            </a:r>
+              <a:t>un beau pays! La France est un beau pays! La France est un beau pays! La France est un beau pays!</a:t>
+            </a:r>
+            <a:br/>
           </a:p>
         </p:txBody>
       </p:sp>
@@ -2374,7 +2441,7 @@
         </p:nvSpPr>
         <p:spPr>
           <a:xfrm>
-            <a:off x="0" y="2228956"/>
+            <a:off x="0" y="2401999"/>
             <a:ext cx="6858000" cy="365760"/>
           </a:xfrm>
           <a:prstGeom prst="rect">
@@ -2389,7 +2456,11 @@
           <a:lstStyle/>
           <a:p>
             <a:pPr>
-              <a:defRPr sz="1000"/>
+              <a:defRPr sz="1100" b="1">
+                <a:solidFill>
+                  <a:schemeClr val="accent6"/>
+                </a:solidFill>
+              </a:defRPr>
             </a:pPr>
             <a:r>
               <a:t>Description</a:t>
@@ -2405,8 +2476,8 @@
         </p:nvSpPr>
         <p:spPr>
           <a:xfrm>
-            <a:off x="0" y="2594716"/>
-            <a:ext cx="6858000" cy="1030711"/>
+            <a:off x="0" y="2767759"/>
+            <a:ext cx="6858000" cy="1050462"/>
           </a:xfrm>
           <a:prstGeom prst="rect">
             <a:avLst/>
@@ -2419,31 +2490,31 @@
           </a:bodyPr>
           <a:lstStyle/>
           <a:p>
-            <a:pPr>
+            <a:pPr algn="ctr">
               <a:defRPr sz="1000"/>
             </a:pPr>
             <a:r>
-              <a:t>La France est vraiment un super beau pays!La France est vraiment un super beau pays!La France est</a:t>
+              <a:t>La France est vraiment un super beau pays! La France est vraiment un super beau pays! La France</a:t>
             </a:r>
             <a:br/>
             <a:r>
-              <a:t>vraiment un super beau pays!La France est vraiment un super beau pays!La France est vraiment un</a:t>
+              <a:t>est vraiment un super beau pays! La France est vraiment un super beau pays! La France est</a:t>
             </a:r>
             <a:br/>
             <a:r>
-              <a:t>super beau pays!La France est vraiment un super beau pays!La France est vraiment un super beau</a:t>
+              <a:t>vraiment un super beau pays! La France est vraiment un super beau pays! La France est vraiment un</a:t>
             </a:r>
             <a:br/>
             <a:r>
-              <a:t>pays!La France est vraiment un super beau pays!La France est vraiment un super beau pays!La</a:t>
+              <a:t>super beau pays! La France est vraiment un super beau pays! La France est vraiment un super beau</a:t>
             </a:r>
             <a:br/>
             <a:r>
-              <a:t>France est vraiment un super beau pays!La France est vraiment un super beau pays!La France est</a:t>
+              <a:t>pays! La France est vraiment un super beau pays! La France est vraiment un super beau pays! La</a:t>
             </a:r>
             <a:br/>
             <a:r>
-              <a:t>vraiment un super beau pays!</a:t>
+              <a:t>France est vraiment un super beau pays! </a:t>
             </a:r>
           </a:p>
         </p:txBody>
@@ -2466,7 +2537,7 @@
         </p:nvSpPr>
         <p:spPr>
           <a:xfrm>
-            <a:off x="138545" y="3725427"/>
+            <a:off x="138545" y="3968221"/>
             <a:ext cx="6557819" cy="789871"/>
           </a:xfrm>
         </p:spPr>
@@ -2475,7 +2546,7 @@
           <a:lstStyle/>
           <a:p>
             <a:r>
-              <a:t>Allemagne</a:t>
+              <a:t>Australie</a:t>
             </a:r>
           </a:p>
         </p:txBody>
@@ -2488,8 +2559,8 @@
         </p:nvSpPr>
         <p:spPr>
           <a:xfrm>
-            <a:off x="0" y="4665298"/>
-            <a:ext cx="6858000" cy="365760"/>
+            <a:off x="0" y="4908092"/>
+            <a:ext cx="6858000" cy="892454"/>
           </a:xfrm>
           <a:prstGeom prst="rect">
             <a:avLst/>
@@ -2502,11 +2573,138 @@
           </a:bodyPr>
           <a:lstStyle/>
           <a:p>
-            <a:pPr>
+            <a:pPr algn="ctr">
               <a:defRPr sz="1000"/>
             </a:pPr>
             <a:r>
-              <a:t>L'allemagne est un beau pays!</a:t>
+              <a:t>L'allemagne est un beau pays! L'allemagne est un beau pays! L'allemagne est un beau pays!</a:t>
+            </a:r>
+            <a:br/>
+            <a:r>
+              <a:t>L'allemagne est un beau pays! L'allemagne est un beau pays! L'allemagne est un beau pays!</a:t>
+            </a:r>
+            <a:br/>
+            <a:r>
+              <a:t>L'allemagne est un beau pays! L'allemagne est un beau pays! L'allemagne est un beau pays!</a:t>
+            </a:r>
+            <a:br/>
+            <a:r>
+              <a:t>L'allemagne est un beau pays! L'allemagne est un beau pays! L'allemagne est un beau pays!</a:t>
+            </a:r>
+            <a:br/>
+            <a:r>
+              <a:t>L'allemagne est un beau pays! L'allemagne est un beau pays! </a:t>
+            </a:r>
+          </a:p>
+        </p:txBody>
+      </p:sp>
+      <p:sp>
+        <p:nvSpPr>
+          <p:cNvPr id="2" name="Titre 1">
+            <a:extLst>
+              <a:ext uri="{FF2B5EF4-FFF2-40B4-BE49-F238E27FC236}">
+                <a16:creationId xmlns:a16="http://schemas.microsoft.com/office/drawing/2014/main" id="{486D4E87-2BC6-989D-C31B-C94C23654F8A}"/>
+              </a:ext>
+            </a:extLst>
+          </p:cNvPr>
+          <p:cNvSpPr>
+            <a:spLocks noGrp="1"/>
+          </p:cNvSpPr>
+          <p:nvPr>
+            <p:ph type="title"/>
+          </p:nvPr>
+        </p:nvSpPr>
+        <p:spPr>
+          <a:xfrm>
+            <a:off x="138545" y="5950546"/>
+            <a:ext cx="6557819" cy="789871"/>
+          </a:xfrm>
+        </p:spPr>
+        <p:txBody>
+          <a:bodyPr/>
+          <a:lstStyle/>
+          <a:p>
+            <a:r>
+              <a:t>Canada</a:t>
+            </a:r>
+          </a:p>
+        </p:txBody>
+      </p:sp>
+      <p:sp>
+        <p:nvSpPr>
+          <p:cNvPr id="8" name="TextBox 7"/>
+          <p:cNvSpPr txBox="1"/>
+          <p:nvPr/>
+        </p:nvSpPr>
+        <p:spPr>
+          <a:xfrm>
+            <a:off x="0" y="6890417"/>
+            <a:ext cx="6858000" cy="892454"/>
+          </a:xfrm>
+          <a:prstGeom prst="rect">
+            <a:avLst/>
+          </a:prstGeom>
+          <a:noFill/>
+        </p:spPr>
+        <p:txBody>
+          <a:bodyPr wrap="none">
+            <a:spAutoFit/>
+          </a:bodyPr>
+          <a:lstStyle/>
+          <a:p>
+            <a:pPr algn="ctr">
+              <a:defRPr sz="1000"/>
+            </a:pPr>
+            <a:r>
+              <a:t>L'allemagne est un beau pays! L'allemagne est un beau pays! L'allemagne est un beau pays!</a:t>
+            </a:r>
+            <a:br/>
+            <a:r>
+              <a:t>L'allemagne est un beau pays! L'allemagne est un beau pays! L'allemagne est un beau pays!</a:t>
+            </a:r>
+            <a:br/>
+            <a:r>
+              <a:t>L'allemagne est un beau pays! L'allemagne est un beau pays! L'allemagne est un beau pays!</a:t>
+            </a:r>
+            <a:br/>
+            <a:r>
+              <a:t>L'allemagne est un beau pays! L'allemagne est un beau pays! L'allemagne est un beau pays!</a:t>
+            </a:r>
+            <a:br/>
+            <a:r>
+              <a:t>L'allemagne est un beau pays! L'allemagne est un beau pays! </a:t>
+            </a:r>
+          </a:p>
+        </p:txBody>
+      </p:sp>
+      <p:sp>
+        <p:nvSpPr>
+          <p:cNvPr id="2" name="Titre 1">
+            <a:extLst>
+              <a:ext uri="{FF2B5EF4-FFF2-40B4-BE49-F238E27FC236}">
+                <a16:creationId xmlns:a16="http://schemas.microsoft.com/office/drawing/2014/main" id="{486D4E87-2BC6-989D-C31B-C94C23654F8A}"/>
+              </a:ext>
+            </a:extLst>
+          </p:cNvPr>
+          <p:cNvSpPr>
+            <a:spLocks noGrp="1"/>
+          </p:cNvSpPr>
+          <p:nvPr>
+            <p:ph type="title"/>
+          </p:nvPr>
+        </p:nvSpPr>
+        <p:spPr>
+          <a:xfrm>
+            <a:off x="138545" y="7932871"/>
+            <a:ext cx="6557819" cy="789871"/>
+          </a:xfrm>
+        </p:spPr>
+        <p:txBody>
+          <a:bodyPr/>
+          <a:lstStyle/>
+          <a:p>
+            <a:r>
+              <a:t>Kenya</a:t>
             </a:r>
           </a:p>
         </p:txBody>
@@ -2517,6 +2715,161 @@
         <p14:creationId xmlns:p14="http://schemas.microsoft.com/office/powerpoint/2010/main" val="2707958192"/>
       </p:ext>
     </p:extLst>
+  </p:cSld>
+  <p:clrMapOvr>
+    <a:masterClrMapping/>
+  </p:clrMapOvr>
+</p:sld>
+</file>
+
+<file path=ppt/slides/slide3.xml><?xml version="1.0" encoding="utf-8"?>
+<p:sld xmlns:a="http://schemas.openxmlformats.org/drawingml/2006/main" xmlns:p="http://schemas.openxmlformats.org/presentationml/2006/main" xmlns:r="http://schemas.openxmlformats.org/officeDocument/2006/relationships">
+  <p:cSld>
+    <p:spTree>
+      <p:nvGrpSpPr>
+        <p:cNvPr id="1" name=""/>
+        <p:cNvGrpSpPr/>
+        <p:nvPr/>
+      </p:nvGrpSpPr>
+      <p:grpSpPr/>
+      <p:sp>
+        <p:nvSpPr>
+          <p:cNvPr id="2" name="Title 1"/>
+          <p:cNvSpPr>
+            <a:spLocks noGrp="1"/>
+          </p:cNvSpPr>
+          <p:nvPr>
+            <p:ph type="title"/>
+          </p:nvPr>
+        </p:nvSpPr>
+        <p:spPr/>
+        <p:txBody>
+          <a:bodyPr/>
+          <a:lstStyle/>
+          <a:p/>
+        </p:txBody>
+      </p:sp>
+      <p:sp>
+        <p:nvSpPr>
+          <p:cNvPr id="3" name="TextBox 2"/>
+          <p:cNvSpPr txBox="1"/>
+          <p:nvPr/>
+        </p:nvSpPr>
+        <p:spPr>
+          <a:xfrm>
+            <a:off x="0" y="0"/>
+            <a:ext cx="6858000" cy="892454"/>
+          </a:xfrm>
+          <a:prstGeom prst="rect">
+            <a:avLst/>
+          </a:prstGeom>
+          <a:noFill/>
+        </p:spPr>
+        <p:txBody>
+          <a:bodyPr wrap="none">
+            <a:spAutoFit/>
+          </a:bodyPr>
+          <a:lstStyle/>
+          <a:p>
+            <a:pPr algn="ctr">
+              <a:defRPr sz="1000"/>
+            </a:pPr>
+            <a:r>
+              <a:t>L'allemagne est un beau pays! L'allemagne est un beau pays! L'allemagne est un beau pays!</a:t>
+            </a:r>
+            <a:br/>
+            <a:r>
+              <a:t>L'allemagne est un beau pays! L'allemagne est un beau pays! L'allemagne est un beau pays!</a:t>
+            </a:r>
+            <a:br/>
+            <a:r>
+              <a:t>L'allemagne est un beau pays! L'allemagne est un beau pays! L'allemagne est un beau pays!</a:t>
+            </a:r>
+            <a:br/>
+            <a:r>
+              <a:t>L'allemagne est un beau pays! L'allemagne est un beau pays! L'allemagne est un beau pays!</a:t>
+            </a:r>
+            <a:br/>
+            <a:r>
+              <a:t>L'allemagne est un beau pays! L'allemagne est un beau pays! </a:t>
+            </a:r>
+          </a:p>
+        </p:txBody>
+      </p:sp>
+      <p:sp>
+        <p:nvSpPr>
+          <p:cNvPr id="2" name="Title 1"/>
+          <p:cNvSpPr>
+            <a:spLocks noGrp="1"/>
+          </p:cNvSpPr>
+          <p:nvPr>
+            <p:ph type="title"/>
+          </p:nvPr>
+        </p:nvSpPr>
+        <p:spPr>
+          <a:xfrm>
+            <a:off x="138545" y="1042454"/>
+            <a:ext cx="6557819" cy="789871"/>
+          </a:xfrm>
+        </p:spPr>
+        <p:txBody>
+          <a:bodyPr/>
+          <a:lstStyle/>
+          <a:p>
+            <a:r>
+              <a:t>Belgique</a:t>
+            </a:r>
+          </a:p>
+        </p:txBody>
+      </p:sp>
+      <p:sp>
+        <p:nvSpPr>
+          <p:cNvPr id="4" name="TextBox 3"/>
+          <p:cNvSpPr txBox="1"/>
+          <p:nvPr/>
+        </p:nvSpPr>
+        <p:spPr>
+          <a:xfrm>
+            <a:off x="0" y="1982325"/>
+            <a:ext cx="6858000" cy="892454"/>
+          </a:xfrm>
+          <a:prstGeom prst="rect">
+            <a:avLst/>
+          </a:prstGeom>
+          <a:noFill/>
+        </p:spPr>
+        <p:txBody>
+          <a:bodyPr wrap="none">
+            <a:spAutoFit/>
+          </a:bodyPr>
+          <a:lstStyle/>
+          <a:p>
+            <a:pPr algn="ctr">
+              <a:defRPr sz="1000"/>
+            </a:pPr>
+            <a:r>
+              <a:t>L'allemagne est un beau pays! L'allemagne est un beau pays! L'allemagne est un beau pays!</a:t>
+            </a:r>
+            <a:br/>
+            <a:r>
+              <a:t>L'allemagne est un beau pays! L'allemagne est un beau pays! L'allemagne est un beau pays!</a:t>
+            </a:r>
+            <a:br/>
+            <a:r>
+              <a:t>L'allemagne est un beau pays! L'allemagne est un beau pays! L'allemagne est un beau pays!</a:t>
+            </a:r>
+            <a:br/>
+            <a:r>
+              <a:t>L'allemagne est un beau pays! L'allemagne est un beau pays! L'allemagne est un beau pays!</a:t>
+            </a:r>
+            <a:br/>
+            <a:r>
+              <a:t>L'allemagne est un beau pays! L'allemagne est un beau pays! </a:t>
+            </a:r>
+          </a:p>
+        </p:txBody>
+      </p:sp>
+    </p:spTree>
   </p:cSld>
   <p:clrMapOvr>
     <a:masterClrMapping/>
@@ -2827,17 +3180,6 @@
 </file>
 
 <file path=customXml/item2.xml><?xml version="1.0" encoding="utf-8"?>
-<p:properties xmlns:p="http://schemas.microsoft.com/office/2006/metadata/properties" xmlns:xsi="http://www.w3.org/2001/XMLSchema-instance" xmlns:pc="http://schemas.microsoft.com/office/infopath/2007/PartnerControls">
-  <documentManagement>
-    <lcf76f155ced4ddcb4097134ff3c332f xmlns="81c9f6d7-38be-4b6f-ac7a-53278e4778cd">
-      <Terms xmlns="http://schemas.microsoft.com/office/infopath/2007/PartnerControls"/>
-    </lcf76f155ced4ddcb4097134ff3c332f>
-    <TaxCatchAll xmlns="562370e7-b28b-48b8-b232-8034dde365ed" xsi:nil="true"/>
-  </documentManagement>
-</p:properties>
-</file>
-
-<file path=customXml/item3.xml><?xml version="1.0" encoding="utf-8"?>
 <ct:contentTypeSchema xmlns:ct="http://schemas.microsoft.com/office/2006/metadata/contentType" xmlns:ma="http://schemas.microsoft.com/office/2006/metadata/properties/metaAttributes" ct:_="" ma:_="" ma:contentTypeName="Document" ma:contentTypeID="0x010100502947A9A1BFB64E940A6360D3C2E9FF" ma:contentTypeVersion="15" ma:contentTypeDescription="Crée un document." ma:contentTypeScope="" ma:versionID="ab003bcfa122b52dea7dac2dc4c56070">
   <xsd:schema xmlns:xsd="http://www.w3.org/2001/XMLSchema" xmlns:xs="http://www.w3.org/2001/XMLSchema" xmlns:p="http://schemas.microsoft.com/office/2006/metadata/properties" xmlns:ns2="81c9f6d7-38be-4b6f-ac7a-53278e4778cd" xmlns:ns3="562370e7-b28b-48b8-b232-8034dde365ed" targetNamespace="http://schemas.microsoft.com/office/2006/metadata/properties" ma:root="true" ma:fieldsID="55310cbb28621703c25a0ab43cf87825" ns2:_="" ns3:_="">
     <xsd:import namespace="81c9f6d7-38be-4b6f-ac7a-53278e4778cd"/>
@@ -3074,6 +3416,17 @@
 </ct:contentTypeSchema>
 </file>
 
+<file path=customXml/item3.xml><?xml version="1.0" encoding="utf-8"?>
+<p:properties xmlns:p="http://schemas.microsoft.com/office/2006/metadata/properties" xmlns:xsi="http://www.w3.org/2001/XMLSchema-instance" xmlns:pc="http://schemas.microsoft.com/office/infopath/2007/PartnerControls">
+  <documentManagement>
+    <lcf76f155ced4ddcb4097134ff3c332f xmlns="81c9f6d7-38be-4b6f-ac7a-53278e4778cd">
+      <Terms xmlns="http://schemas.microsoft.com/office/infopath/2007/PartnerControls"/>
+    </lcf76f155ced4ddcb4097134ff3c332f>
+    <TaxCatchAll xmlns="562370e7-b28b-48b8-b232-8034dde365ed" xsi:nil="true"/>
+  </documentManagement>
+</p:properties>
+</file>
+
 <file path=customXml/itemProps1.xml><?xml version="1.0" encoding="utf-8"?>
 <ds:datastoreItem xmlns:ds="http://schemas.openxmlformats.org/officeDocument/2006/customXml" ds:itemID="{4E8F74D5-47AA-4DAD-A3A5-90C8113106BE}">
   <ds:schemaRefs>
@@ -3083,23 +3436,6 @@
 </file>
 
 <file path=customXml/itemProps2.xml><?xml version="1.0" encoding="utf-8"?>
-<ds:datastoreItem xmlns:ds="http://schemas.openxmlformats.org/officeDocument/2006/customXml" ds:itemID="{AB088F19-0CAF-4A60-81E5-18DF993328EF}">
-  <ds:schemaRefs>
-    <ds:schemaRef ds:uri="http://schemas.microsoft.com/office/2006/metadata/properties"/>
-    <ds:schemaRef ds:uri="http://schemas.openxmlformats.org/package/2006/metadata/core-properties"/>
-    <ds:schemaRef ds:uri="http://schemas.microsoft.com/office/2006/documentManagement/types"/>
-    <ds:schemaRef ds:uri="http://schemas.microsoft.com/office/infopath/2007/PartnerControls"/>
-    <ds:schemaRef ds:uri="http://purl.org/dc/terms/"/>
-    <ds:schemaRef ds:uri="http://purl.org/dc/elements/1.1/"/>
-    <ds:schemaRef ds:uri="http://purl.org/dc/dcmitype/"/>
-    <ds:schemaRef ds:uri="562370e7-b28b-48b8-b232-8034dde365ed"/>
-    <ds:schemaRef ds:uri="81c9f6d7-38be-4b6f-ac7a-53278e4778cd"/>
-    <ds:schemaRef ds:uri="http://www.w3.org/XML/1998/namespace"/>
-  </ds:schemaRefs>
-</ds:datastoreItem>
-</file>
-
-<file path=customXml/itemProps3.xml><?xml version="1.0" encoding="utf-8"?>
 <ds:datastoreItem xmlns:ds="http://schemas.openxmlformats.org/officeDocument/2006/customXml" ds:itemID="{11065811-FE0D-4D15-8CA7-D9C0C1B9452F}">
   <ds:schemaRefs>
     <ds:schemaRef ds:uri="http://schemas.microsoft.com/office/2006/metadata/contentType"/>
@@ -3116,4 +3452,21 @@
     <ds:schemaRef ds:uri="http://schemas.microsoft.com/internal/obd"/>
   </ds:schemaRefs>
 </ds:datastoreItem>
+</file>
+
+<file path=customXml/itemProps3.xml><?xml version="1.0" encoding="utf-8"?>
+<ds:datastoreItem xmlns:ds="http://schemas.openxmlformats.org/officeDocument/2006/customXml" ds:itemID="{AB088F19-0CAF-4A60-81E5-18DF993328EF}">
+  <ds:schemaRefs>
+    <ds:schemaRef ds:uri="http://schemas.microsoft.com/office/2006/metadata/properties"/>
+    <ds:schemaRef ds:uri="http://schemas.openxmlformats.org/package/2006/metadata/core-properties"/>
+    <ds:schemaRef ds:uri="http://schemas.microsoft.com/office/2006/documentManagement/types"/>
+    <ds:schemaRef ds:uri="http://schemas.microsoft.com/office/infopath/2007/PartnerControls"/>
+    <ds:schemaRef ds:uri="http://purl.org/dc/terms/"/>
+    <ds:schemaRef ds:uri="http://purl.org/dc/elements/1.1/"/>
+    <ds:schemaRef ds:uri="http://purl.org/dc/dcmitype/"/>
+    <ds:schemaRef ds:uri="562370e7-b28b-48b8-b232-8034dde365ed"/>
+    <ds:schemaRef ds:uri="81c9f6d7-38be-4b6f-ac7a-53278e4778cd"/>
+    <ds:schemaRef ds:uri="http://www.w3.org/XML/1998/namespace"/>
+  </ds:schemaRefs>
+</ds:datastoreItem>
 </file>
--- a/powerpoints/test.pptx
+++ b/powerpoints/test.pptx
@@ -7,7 +7,6 @@
   <p:sldIdLst>
     <p:sldId id="259" r:id="rId5"/>
     <p:sldId id="260" r:id="rId6"/>
-    <p:sldId id="261" r:id="rId11"/>
   </p:sldIdLst>
   <p:sldSz cx="6858000" cy="9144000" type="letter"/>
   <p:notesSz cx="6858000" cy="9144000"/>
@@ -2340,14 +2339,21 @@
         </p:nvSpPr>
         <p:spPr>
           <a:xfrm>
-            <a:off x="138545" y="250000"/>
-            <a:ext cx="6557819" cy="789871"/>
+            <a:off x="138545" y="115000"/>
+            <a:ext cx="6557819" cy="400000"/>
           </a:xfrm>
         </p:spPr>
         <p:txBody>
           <a:bodyPr/>
           <a:lstStyle/>
           <a:p>
+            <a:pPr>
+              <a:defRPr b="1" i="1">
+                <a:solidFill>
+                  <a:schemeClr val="bg1"/>
+                </a:solidFill>
+              </a:defRPr>
+            </a:pPr>
             <a:r>
               <a:t>France</a:t>
             </a:r>
@@ -2362,7 +2368,7 @@
         </p:nvSpPr>
         <p:spPr>
           <a:xfrm>
-            <a:off x="0" y="1189871"/>
+            <a:off x="0" y="530000"/>
             <a:ext cx="6858000" cy="365760"/>
           </a:xfrm>
           <a:prstGeom prst="rect">
@@ -2397,7 +2403,7 @@
         </p:nvSpPr>
         <p:spPr>
           <a:xfrm>
-            <a:off x="0" y="1555631"/>
+            <a:off x="0" y="895760"/>
             <a:ext cx="6858000" cy="846368"/>
           </a:xfrm>
           <a:prstGeom prst="rect">
@@ -2441,7 +2447,7 @@
         </p:nvSpPr>
         <p:spPr>
           <a:xfrm>
-            <a:off x="0" y="2401999"/>
+            <a:off x="0" y="1742128"/>
             <a:ext cx="6858000" cy="365760"/>
           </a:xfrm>
           <a:prstGeom prst="rect">
@@ -2476,7 +2482,7 @@
         </p:nvSpPr>
         <p:spPr>
           <a:xfrm>
-            <a:off x="0" y="2767759"/>
+            <a:off x="0" y="2107888"/>
             <a:ext cx="6858000" cy="1050462"/>
           </a:xfrm>
           <a:prstGeom prst="rect">
@@ -2537,14 +2543,21 @@
         </p:nvSpPr>
         <p:spPr>
           <a:xfrm>
-            <a:off x="138545" y="3968221"/>
-            <a:ext cx="6557819" cy="789871"/>
+            <a:off x="138545" y="3173350"/>
+            <a:ext cx="6557819" cy="400000"/>
           </a:xfrm>
         </p:spPr>
         <p:txBody>
           <a:bodyPr/>
           <a:lstStyle/>
           <a:p>
+            <a:pPr>
+              <a:defRPr b="1" i="1">
+                <a:solidFill>
+                  <a:schemeClr val="bg1"/>
+                </a:solidFill>
+              </a:defRPr>
+            </a:pPr>
             <a:r>
               <a:t>Australie</a:t>
             </a:r>
@@ -2559,7 +2572,7 @@
         </p:nvSpPr>
         <p:spPr>
           <a:xfrm>
-            <a:off x="0" y="4908092"/>
+            <a:off x="0" y="3588350"/>
             <a:ext cx="6858000" cy="892454"/>
           </a:xfrm>
           <a:prstGeom prst="rect">
@@ -2616,14 +2629,21 @@
         </p:nvSpPr>
         <p:spPr>
           <a:xfrm>
-            <a:off x="138545" y="5950546"/>
-            <a:ext cx="6557819" cy="789871"/>
+            <a:off x="138545" y="4495804"/>
+            <a:ext cx="6557819" cy="400000"/>
           </a:xfrm>
         </p:spPr>
         <p:txBody>
           <a:bodyPr/>
           <a:lstStyle/>
           <a:p>
+            <a:pPr>
+              <a:defRPr b="1" i="1">
+                <a:solidFill>
+                  <a:schemeClr val="bg1"/>
+                </a:solidFill>
+              </a:defRPr>
+            </a:pPr>
             <a:r>
               <a:t>Canada</a:t>
             </a:r>
@@ -2638,7 +2658,7 @@
         </p:nvSpPr>
         <p:spPr>
           <a:xfrm>
-            <a:off x="0" y="6890417"/>
+            <a:off x="0" y="4910804"/>
             <a:ext cx="6858000" cy="892454"/>
           </a:xfrm>
           <a:prstGeom prst="rect">
@@ -2695,16 +2715,156 @@
         </p:nvSpPr>
         <p:spPr>
           <a:xfrm>
-            <a:off x="138545" y="7932871"/>
-            <a:ext cx="6557819" cy="789871"/>
+            <a:off x="138545" y="5818258"/>
+            <a:ext cx="6557819" cy="400000"/>
           </a:xfrm>
         </p:spPr>
         <p:txBody>
           <a:bodyPr/>
           <a:lstStyle/>
           <a:p>
+            <a:pPr>
+              <a:defRPr b="1" i="1">
+                <a:solidFill>
+                  <a:schemeClr val="bg1"/>
+                </a:solidFill>
+              </a:defRPr>
+            </a:pPr>
             <a:r>
               <a:t>Kenya</a:t>
+            </a:r>
+          </a:p>
+        </p:txBody>
+      </p:sp>
+      <p:sp>
+        <p:nvSpPr>
+          <p:cNvPr id="9" name="TextBox 8"/>
+          <p:cNvSpPr txBox="1"/>
+          <p:nvPr/>
+        </p:nvSpPr>
+        <p:spPr>
+          <a:xfrm>
+            <a:off x="0" y="6233258"/>
+            <a:ext cx="6858000" cy="892454"/>
+          </a:xfrm>
+          <a:prstGeom prst="rect">
+            <a:avLst/>
+          </a:prstGeom>
+          <a:noFill/>
+        </p:spPr>
+        <p:txBody>
+          <a:bodyPr wrap="none">
+            <a:spAutoFit/>
+          </a:bodyPr>
+          <a:lstStyle/>
+          <a:p>
+            <a:pPr algn="ctr">
+              <a:defRPr sz="1000"/>
+            </a:pPr>
+            <a:r>
+              <a:t>L'allemagne est un beau pays! L'allemagne est un beau pays! L'allemagne est un beau pays!</a:t>
+            </a:r>
+            <a:br/>
+            <a:r>
+              <a:t>L'allemagne est un beau pays! L'allemagne est un beau pays! L'allemagne est un beau pays!</a:t>
+            </a:r>
+            <a:br/>
+            <a:r>
+              <a:t>L'allemagne est un beau pays! L'allemagne est un beau pays! L'allemagne est un beau pays!</a:t>
+            </a:r>
+            <a:br/>
+            <a:r>
+              <a:t>L'allemagne est un beau pays! L'allemagne est un beau pays! L'allemagne est un beau pays!</a:t>
+            </a:r>
+            <a:br/>
+            <a:r>
+              <a:t>L'allemagne est un beau pays! L'allemagne est un beau pays! </a:t>
+            </a:r>
+          </a:p>
+        </p:txBody>
+      </p:sp>
+      <p:sp>
+        <p:nvSpPr>
+          <p:cNvPr id="2" name="Titre 1">
+            <a:extLst>
+              <a:ext uri="{FF2B5EF4-FFF2-40B4-BE49-F238E27FC236}">
+                <a16:creationId xmlns:a16="http://schemas.microsoft.com/office/drawing/2014/main" id="{486D4E87-2BC6-989D-C31B-C94C23654F8A}"/>
+              </a:ext>
+            </a:extLst>
+          </p:cNvPr>
+          <p:cNvSpPr>
+            <a:spLocks noGrp="1"/>
+          </p:cNvSpPr>
+          <p:nvPr>
+            <p:ph type="title"/>
+          </p:nvPr>
+        </p:nvSpPr>
+        <p:spPr>
+          <a:xfrm>
+            <a:off x="138545" y="7140712"/>
+            <a:ext cx="6557819" cy="400000"/>
+          </a:xfrm>
+        </p:spPr>
+        <p:txBody>
+          <a:bodyPr/>
+          <a:lstStyle/>
+          <a:p>
+            <a:pPr>
+              <a:defRPr b="1" i="1">
+                <a:solidFill>
+                  <a:schemeClr val="bg1"/>
+                </a:solidFill>
+              </a:defRPr>
+            </a:pPr>
+            <a:r>
+              <a:t>Belgique</a:t>
+            </a:r>
+          </a:p>
+        </p:txBody>
+      </p:sp>
+      <p:sp>
+        <p:nvSpPr>
+          <p:cNvPr id="10" name="TextBox 9"/>
+          <p:cNvSpPr txBox="1"/>
+          <p:nvPr/>
+        </p:nvSpPr>
+        <p:spPr>
+          <a:xfrm>
+            <a:off x="0" y="7555712"/>
+            <a:ext cx="6858000" cy="892454"/>
+          </a:xfrm>
+          <a:prstGeom prst="rect">
+            <a:avLst/>
+          </a:prstGeom>
+          <a:noFill/>
+        </p:spPr>
+        <p:txBody>
+          <a:bodyPr wrap="none">
+            <a:spAutoFit/>
+          </a:bodyPr>
+          <a:lstStyle/>
+          <a:p>
+            <a:pPr algn="ctr">
+              <a:defRPr sz="1000"/>
+            </a:pPr>
+            <a:r>
+              <a:t>L'allemagne est un beau pays! L'allemagne est un beau pays! L'allemagne est un beau pays!</a:t>
+            </a:r>
+            <a:br/>
+            <a:r>
+              <a:t>L'allemagne est un beau pays! L'allemagne est un beau pays! L'allemagne est un beau pays!</a:t>
+            </a:r>
+            <a:br/>
+            <a:r>
+              <a:t>L'allemagne est un beau pays! L'allemagne est un beau pays! L'allemagne est un beau pays!</a:t>
+            </a:r>
+            <a:br/>
+            <a:r>
+              <a:t>L'allemagne est un beau pays! L'allemagne est un beau pays! L'allemagne est un beau pays!</a:t>
+            </a:r>
+            <a:br/>
+            <a:r>
+              <a:t>L'allemagne est un beau pays! L'allemagne est un beau pays! </a:t>
             </a:r>
           </a:p>
         </p:txBody>
@@ -2715,161 +2875,6 @@
         <p14:creationId xmlns:p14="http://schemas.microsoft.com/office/powerpoint/2010/main" val="2707958192"/>
       </p:ext>
     </p:extLst>
-  </p:cSld>
-  <p:clrMapOvr>
-    <a:masterClrMapping/>
-  </p:clrMapOvr>
-</p:sld>
-</file>
-
-<file path=ppt/slides/slide3.xml><?xml version="1.0" encoding="utf-8"?>
-<p:sld xmlns:a="http://schemas.openxmlformats.org/drawingml/2006/main" xmlns:p="http://schemas.openxmlformats.org/presentationml/2006/main" xmlns:r="http://schemas.openxmlformats.org/officeDocument/2006/relationships">
-  <p:cSld>
-    <p:spTree>
-      <p:nvGrpSpPr>
-        <p:cNvPr id="1" name=""/>
-        <p:cNvGrpSpPr/>
-        <p:nvPr/>
-      </p:nvGrpSpPr>
-      <p:grpSpPr/>
-      <p:sp>
-        <p:nvSpPr>
-          <p:cNvPr id="2" name="Title 1"/>
-          <p:cNvSpPr>
-            <a:spLocks noGrp="1"/>
-          </p:cNvSpPr>
-          <p:nvPr>
-            <p:ph type="title"/>
-          </p:nvPr>
-        </p:nvSpPr>
-        <p:spPr/>
-        <p:txBody>
-          <a:bodyPr/>
-          <a:lstStyle/>
-          <a:p/>
-        </p:txBody>
-      </p:sp>
-      <p:sp>
-        <p:nvSpPr>
-          <p:cNvPr id="3" name="TextBox 2"/>
-          <p:cNvSpPr txBox="1"/>
-          <p:nvPr/>
-        </p:nvSpPr>
-        <p:spPr>
-          <a:xfrm>
-            <a:off x="0" y="0"/>
-            <a:ext cx="6858000" cy="892454"/>
-          </a:xfrm>
-          <a:prstGeom prst="rect">
-            <a:avLst/>
-          </a:prstGeom>
-          <a:noFill/>
-        </p:spPr>
-        <p:txBody>
-          <a:bodyPr wrap="none">
-            <a:spAutoFit/>
-          </a:bodyPr>
-          <a:lstStyle/>
-          <a:p>
-            <a:pPr algn="ctr">
-              <a:defRPr sz="1000"/>
-            </a:pPr>
-            <a:r>
-              <a:t>L'allemagne est un beau pays! L'allemagne est un beau pays! L'allemagne est un beau pays!</a:t>
-            </a:r>
-            <a:br/>
-            <a:r>
-              <a:t>L'allemagne est un beau pays! L'allemagne est un beau pays! L'allemagne est un beau pays!</a:t>
-            </a:r>
-            <a:br/>
-            <a:r>
-              <a:t>L'allemagne est un beau pays! L'allemagne est un beau pays! L'allemagne est un beau pays!</a:t>
-            </a:r>
-            <a:br/>
-            <a:r>
-              <a:t>L'allemagne est un beau pays! L'allemagne est un beau pays! L'allemagne est un beau pays!</a:t>
-            </a:r>
-            <a:br/>
-            <a:r>
-              <a:t>L'allemagne est un beau pays! L'allemagne est un beau pays! </a:t>
-            </a:r>
-          </a:p>
-        </p:txBody>
-      </p:sp>
-      <p:sp>
-        <p:nvSpPr>
-          <p:cNvPr id="2" name="Title 1"/>
-          <p:cNvSpPr>
-            <a:spLocks noGrp="1"/>
-          </p:cNvSpPr>
-          <p:nvPr>
-            <p:ph type="title"/>
-          </p:nvPr>
-        </p:nvSpPr>
-        <p:spPr>
-          <a:xfrm>
-            <a:off x="138545" y="1042454"/>
-            <a:ext cx="6557819" cy="789871"/>
-          </a:xfrm>
-        </p:spPr>
-        <p:txBody>
-          <a:bodyPr/>
-          <a:lstStyle/>
-          <a:p>
-            <a:r>
-              <a:t>Belgique</a:t>
-            </a:r>
-          </a:p>
-        </p:txBody>
-      </p:sp>
-      <p:sp>
-        <p:nvSpPr>
-          <p:cNvPr id="4" name="TextBox 3"/>
-          <p:cNvSpPr txBox="1"/>
-          <p:nvPr/>
-        </p:nvSpPr>
-        <p:spPr>
-          <a:xfrm>
-            <a:off x="0" y="1982325"/>
-            <a:ext cx="6858000" cy="892454"/>
-          </a:xfrm>
-          <a:prstGeom prst="rect">
-            <a:avLst/>
-          </a:prstGeom>
-          <a:noFill/>
-        </p:spPr>
-        <p:txBody>
-          <a:bodyPr wrap="none">
-            <a:spAutoFit/>
-          </a:bodyPr>
-          <a:lstStyle/>
-          <a:p>
-            <a:pPr algn="ctr">
-              <a:defRPr sz="1000"/>
-            </a:pPr>
-            <a:r>
-              <a:t>L'allemagne est un beau pays! L'allemagne est un beau pays! L'allemagne est un beau pays!</a:t>
-            </a:r>
-            <a:br/>
-            <a:r>
-              <a:t>L'allemagne est un beau pays! L'allemagne est un beau pays! L'allemagne est un beau pays!</a:t>
-            </a:r>
-            <a:br/>
-            <a:r>
-              <a:t>L'allemagne est un beau pays! L'allemagne est un beau pays! L'allemagne est un beau pays!</a:t>
-            </a:r>
-            <a:br/>
-            <a:r>
-              <a:t>L'allemagne est un beau pays! L'allemagne est un beau pays! L'allemagne est un beau pays!</a:t>
-            </a:r>
-            <a:br/>
-            <a:r>
-              <a:t>L'allemagne est un beau pays! L'allemagne est un beau pays! </a:t>
-            </a:r>
-          </a:p>
-        </p:txBody>
-      </p:sp>
-    </p:spTree>
   </p:cSld>
   <p:clrMapOvr>
     <a:masterClrMapping/>

--- a/powerpoints/test.pptx
+++ b/powerpoints/test.pptx
@@ -2368,7 +2368,7 @@
         </p:nvSpPr>
         <p:spPr>
           <a:xfrm>
-            <a:off x="0" y="530000"/>
+            <a:off x="138545" y="530000"/>
             <a:ext cx="6858000" cy="365760"/>
           </a:xfrm>
           <a:prstGeom prst="rect">
@@ -2447,7 +2447,7 @@
         </p:nvSpPr>
         <p:spPr>
           <a:xfrm>
-            <a:off x="0" y="1742128"/>
+            <a:off x="138545" y="1742128"/>
             <a:ext cx="6858000" cy="365760"/>
           </a:xfrm>
           <a:prstGeom prst="rect">

--- a/powerpoints/test.pptx
+++ b/powerpoints/test.pptx
@@ -7,6 +7,7 @@
   <p:sldIdLst>
     <p:sldId id="259" r:id="rId5"/>
     <p:sldId id="260" r:id="rId6"/>
+    <p:sldId id="261" r:id="rId11"/>
   </p:sldIdLst>
   <p:sldSz cx="6858000" cy="9144000" type="letter"/>
   <p:notesSz cx="6858000" cy="9144000"/>
@@ -232,7 +233,7 @@
             <a:fld id="{FDCA904F-AFE4-4F4A-AA13-CC2FD407ABB0}" type="datetimeFigureOut">
               <a:rPr lang="fr-CA" smtClean="0"/>
               <a:pPr/>
-              <a:t>2023-06-20</a:t>
+              <a:t>2023-06-21</a:t>
             </a:fld>
             <a:endParaRPr lang="fr-CA" dirty="0"/>
           </a:p>
@@ -1616,7 +1617,7 @@
             <a:fld id="{FDCA904F-AFE4-4F4A-AA13-CC2FD407ABB0}" type="datetimeFigureOut">
               <a:rPr lang="fr-CA" smtClean="0"/>
               <a:pPr/>
-              <a:t>2023-06-20</a:t>
+              <a:t>2023-06-21</a:t>
             </a:fld>
             <a:endParaRPr lang="fr-CA" dirty="0"/>
           </a:p>
@@ -2230,67 +2231,6 @@
           </a:p>
         </p:txBody>
       </p:sp>
-      <p:sp>
-        <p:nvSpPr>
-          <p:cNvPr id="6" name="Titre 1">
-            <a:extLst>
-              <a:ext uri="{FF2B5EF4-FFF2-40B4-BE49-F238E27FC236}">
-                <a16:creationId xmlns:a16="http://schemas.microsoft.com/office/drawing/2014/main" id="{DA4E421B-11A3-6F02-9FCE-F06DFBD9EFE3}"/>
-              </a:ext>
-            </a:extLst>
-          </p:cNvPr>
-          <p:cNvSpPr txBox="1">
-            <a:spLocks/>
-          </p:cNvSpPr>
-          <p:nvPr/>
-        </p:nvSpPr>
-        <p:spPr>
-          <a:xfrm>
-            <a:off x="150090" y="3321384"/>
-            <a:ext cx="6557819" cy="789871"/>
-          </a:xfrm>
-          <a:prstGeom prst="rect">
-            <a:avLst/>
-          </a:prstGeom>
-          <a:blipFill>
-            <a:blip r:embed="rId4"/>
-            <a:stretch>
-              <a:fillRect/>
-            </a:stretch>
-          </a:blipFill>
-        </p:spPr>
-        <p:txBody>
-          <a:bodyPr vert="horz" lIns="91440" tIns="45720" rIns="91440" bIns="45720" rtlCol="0" anchor="ctr">
-            <a:normAutofit/>
-          </a:bodyPr>
-          <a:lstStyle>
-            <a:lvl1pPr defTabSz="514337">
-              <a:lnSpc>
-                <a:spcPct val="90000"/>
-              </a:lnSpc>
-              <a:spcBef>
-                <a:spcPct val="0"/>
-              </a:spcBef>
-              <a:buNone/>
-              <a:defRPr sz="2475" b="1">
-                <a:solidFill>
-                  <a:schemeClr val="accent1"/>
-                </a:solidFill>
-                <a:latin typeface="+mj-lt"/>
-                <a:ea typeface="+mj-ea"/>
-                <a:cs typeface="+mj-cs"/>
-              </a:defRPr>
-            </a:lvl1pPr>
-          </a:lstStyle>
-          <a:p>
-            <a:r>
-              <a:rPr lang="fr-CA"/>
-              <a:t>banner</a:t>
-            </a:r>
-            <a:endParaRPr lang="fr-CA" dirty="0"/>
-          </a:p>
-        </p:txBody>
-      </p:sp>
     </p:spTree>
     <p:extLst>
       <p:ext uri="{BB962C8B-B14F-4D97-AF65-F5344CB8AC3E}">
@@ -2659,7 +2599,7 @@
         <p:spPr>
           <a:xfrm>
             <a:off x="0" y="4910804"/>
-            <a:ext cx="6858000" cy="892454"/>
+            <a:ext cx="6858000" cy="1307226"/>
           </a:xfrm>
           <a:prstGeom prst="rect">
             <a:avLst/>
@@ -2676,23 +2616,31 @@
               <a:defRPr sz="1000"/>
             </a:pPr>
             <a:r>
-              <a:t>L'allemagne est un beau pays! L'allemagne est un beau pays! L'allemagne est un beau pays!</a:t>
+              <a:t>Le Canada de magne est un superbe de beau pays! Le Canada de magne est un superbe de beau pays!</a:t>
             </a:r>
             <a:br/>
             <a:r>
-              <a:t>L'allemagne est un beau pays! L'allemagne est un beau pays! L'allemagne est un beau pays!</a:t>
+              <a:t>Le Canada de magne est un superbe de beau pays! Le Canada de magne est un superbe de beau pays!</a:t>
             </a:r>
             <a:br/>
             <a:r>
-              <a:t>L'allemagne est un beau pays! L'allemagne est un beau pays! L'allemagne est un beau pays!</a:t>
+              <a:t>Le Canada de magne est un superbe de beau pays! Le Canada de magne est un superbe de beau pays!</a:t>
             </a:r>
             <a:br/>
             <a:r>
-              <a:t>L'allemagne est un beau pays! L'allemagne est un beau pays! L'allemagne est un beau pays!</a:t>
+              <a:t>Le Canada de magne est un superbe de beau pays! Le Canada de magne est un superbe de beau pays!</a:t>
             </a:r>
             <a:br/>
             <a:r>
-              <a:t>L'allemagne est un beau pays! L'allemagne est un beau pays! </a:t>
+              <a:t>Le Canada de magne est un superbe de beau pays! Le Canada de magne est un superbe de beau pays!</a:t>
+            </a:r>
+            <a:br/>
+            <a:r>
+              <a:t>Le Canada de magne est un superbe de beau pays! Le Canada de magne est un superbe de beau pays!</a:t>
+            </a:r>
+            <a:br/>
+            <a:r>
+              <a:t>Le Canada de magne est un superbe de beau pays! Le Canada de magne est un superbe de beau pays! </a:t>
             </a:r>
           </a:p>
         </p:txBody>
@@ -2715,7 +2663,7 @@
         </p:nvSpPr>
         <p:spPr>
           <a:xfrm>
-            <a:off x="138545" y="5818258"/>
+            <a:off x="138545" y="6233030"/>
             <a:ext cx="6557819" cy="400000"/>
           </a:xfrm>
         </p:spPr>
@@ -2744,8 +2692,8 @@
         </p:nvSpPr>
         <p:spPr>
           <a:xfrm>
-            <a:off x="0" y="6233258"/>
-            <a:ext cx="6858000" cy="892454"/>
+            <a:off x="0" y="6648030"/>
+            <a:ext cx="6858000" cy="1238097"/>
           </a:xfrm>
           <a:prstGeom prst="rect">
             <a:avLst/>
@@ -2762,23 +2710,31 @@
               <a:defRPr sz="1000"/>
             </a:pPr>
             <a:r>
-              <a:t>L'allemagne est un beau pays! L'allemagne est un beau pays! L'allemagne est un beau pays!</a:t>
+              <a:t>Le Kenya de magne est un vraiment beau pays! Le Kenya de magne est un vraiment beau pays! Le</a:t>
             </a:r>
             <a:br/>
             <a:r>
-              <a:t>L'allemagne est un beau pays! L'allemagne est un beau pays! L'allemagne est un beau pays!</a:t>
+              <a:t>Kenya de magne est un vraiment beau pays! Le Kenya de magne est un vraiment beau pays! Le Kenya</a:t>
             </a:r>
             <a:br/>
             <a:r>
-              <a:t>L'allemagne est un beau pays! L'allemagne est un beau pays! L'allemagne est un beau pays!</a:t>
+              <a:t>de magne est un vraiment beau pays! Le Kenya de magne est un vraiment beau pays! Le Kenya de</a:t>
             </a:r>
             <a:br/>
             <a:r>
-              <a:t>L'allemagne est un beau pays! L'allemagne est un beau pays! L'allemagne est un beau pays!</a:t>
+              <a:t>magne est un vraiment beau pays! Le Kenya de magne est un vraiment beau pays! Le Kenya de magne</a:t>
             </a:r>
             <a:br/>
             <a:r>
-              <a:t>L'allemagne est un beau pays! L'allemagne est un beau pays! </a:t>
+              <a:t>est un vraiment beau pays! Le Kenya de magne est un vraiment beau pays! Le Kenya de magne est un</a:t>
+            </a:r>
+            <a:br/>
+            <a:r>
+              <a:t>vraiment beau pays! Le Kenya de magne est un vraiment beau pays! Le Kenya de magne est un</a:t>
+            </a:r>
+            <a:br/>
+            <a:r>
+              <a:t>vraiment beau pays! Le Kenya de magne est un vraiment beau pays! </a:t>
             </a:r>
           </a:p>
         </p:txBody>
@@ -2801,7 +2757,7 @@
         </p:nvSpPr>
         <p:spPr>
           <a:xfrm>
-            <a:off x="138545" y="7140712"/>
+            <a:off x="138545" y="7901127"/>
             <a:ext cx="6557819" cy="400000"/>
           </a:xfrm>
         </p:spPr>
@@ -2822,59 +2778,85 @@
           </a:p>
         </p:txBody>
       </p:sp>
-      <p:sp>
-        <p:nvSpPr>
-          <p:cNvPr id="10" name="TextBox 9"/>
-          <p:cNvSpPr txBox="1"/>
-          <p:nvPr/>
-        </p:nvSpPr>
-        <p:spPr>
-          <a:xfrm>
-            <a:off x="0" y="7555712"/>
-            <a:ext cx="6858000" cy="892454"/>
-          </a:xfrm>
-          <a:prstGeom prst="rect">
-            <a:avLst/>
-          </a:prstGeom>
-          <a:noFill/>
-        </p:spPr>
-        <p:txBody>
-          <a:bodyPr wrap="none">
-            <a:spAutoFit/>
-          </a:bodyPr>
-          <a:lstStyle/>
-          <a:p>
-            <a:pPr algn="ctr">
-              <a:defRPr sz="1000"/>
-            </a:pPr>
-            <a:r>
-              <a:t>L'allemagne est un beau pays! L'allemagne est un beau pays! L'allemagne est un beau pays!</a:t>
-            </a:r>
-            <a:br/>
-            <a:r>
-              <a:t>L'allemagne est un beau pays! L'allemagne est un beau pays! L'allemagne est un beau pays!</a:t>
-            </a:r>
-            <a:br/>
-            <a:r>
-              <a:t>L'allemagne est un beau pays! L'allemagne est un beau pays! L'allemagne est un beau pays!</a:t>
-            </a:r>
-            <a:br/>
-            <a:r>
-              <a:t>L'allemagne est un beau pays! L'allemagne est un beau pays! L'allemagne est un beau pays!</a:t>
-            </a:r>
-            <a:br/>
-            <a:r>
-              <a:t>L'allemagne est un beau pays! L'allemagne est un beau pays! </a:t>
-            </a:r>
-          </a:p>
-        </p:txBody>
-      </p:sp>
     </p:spTree>
     <p:extLst>
       <p:ext uri="{BB962C8B-B14F-4D97-AF65-F5344CB8AC3E}">
         <p14:creationId xmlns:p14="http://schemas.microsoft.com/office/powerpoint/2010/main" val="2707958192"/>
       </p:ext>
     </p:extLst>
+  </p:cSld>
+  <p:clrMapOvr>
+    <a:masterClrMapping/>
+  </p:clrMapOvr>
+</p:sld>
+</file>
+
+<file path=ppt/slides/slide3.xml><?xml version="1.0" encoding="utf-8"?>
+<p:sld xmlns:a="http://schemas.openxmlformats.org/drawingml/2006/main" xmlns:p="http://schemas.openxmlformats.org/presentationml/2006/main" xmlns:r="http://schemas.openxmlformats.org/officeDocument/2006/relationships">
+  <p:cSld>
+    <p:spTree>
+      <p:nvGrpSpPr>
+        <p:cNvPr id="1" name=""/>
+        <p:cNvGrpSpPr/>
+        <p:nvPr/>
+      </p:nvGrpSpPr>
+      <p:grpSpPr/>
+      <p:sp>
+        <p:nvSpPr>
+          <p:cNvPr id="3" name="TextBox 2"/>
+          <p:cNvSpPr txBox="1"/>
+          <p:nvPr/>
+        </p:nvSpPr>
+        <p:spPr>
+          <a:xfrm>
+            <a:off x="0" y="0"/>
+            <a:ext cx="6858000" cy="1238097"/>
+          </a:xfrm>
+          <a:prstGeom prst="rect">
+            <a:avLst/>
+          </a:prstGeom>
+          <a:noFill/>
+        </p:spPr>
+        <p:txBody>
+          <a:bodyPr wrap="none">
+            <a:spAutoFit/>
+          </a:bodyPr>
+          <a:lstStyle/>
+          <a:p>
+            <a:pPr algn="ctr">
+              <a:defRPr sz="1000"/>
+            </a:pPr>
+            <a:r>
+              <a:t>La Belgique est un beau pays! j'y suis allé. La Belgique est un beau pays! j'y suis allé. La</a:t>
+            </a:r>
+            <a:br/>
+            <a:r>
+              <a:t>Belgique est un beau pays! j'y suis allé. La Belgique est un beau pays! j'y suis allé. La</a:t>
+            </a:r>
+            <a:br/>
+            <a:r>
+              <a:t>Belgique est un beau pays! j'y suis allé. La Belgique est un beau pays! j'y suis allé. La</a:t>
+            </a:r>
+            <a:br/>
+            <a:r>
+              <a:t>Belgique est un beau pays! j'y suis allé. La Belgique est un beau pays! j'y suis allé. La</a:t>
+            </a:r>
+            <a:br/>
+            <a:r>
+              <a:t>Belgique est un beau pays! j'y suis allé. La Belgique est un beau pays! j'y suis allé. La</a:t>
+            </a:r>
+            <a:br/>
+            <a:r>
+              <a:t>Belgique est un beau pays! j'y suis allé. La Belgique est un beau pays! j'y suis allé. La</a:t>
+            </a:r>
+            <a:br/>
+            <a:r>
+              <a:t>Belgique est un beau pays! j'y suis allé. La Belgique est un beau pays! j'y suis allé. </a:t>
+            </a:r>
+          </a:p>
+        </p:txBody>
+      </p:sp>
+    </p:spTree>
   </p:cSld>
   <p:clrMapOvr>
     <a:masterClrMapping/>
@@ -3176,12 +3158,14 @@
 </file>
 
 <file path=customXml/item1.xml><?xml version="1.0" encoding="utf-8"?>
-<?mso-contentType ?>
-<FormTemplates xmlns="http://schemas.microsoft.com/sharepoint/v3/contenttype/forms">
-  <Display>DocumentLibraryForm</Display>
-  <Edit>DocumentLibraryForm</Edit>
-  <New>DocumentLibraryForm</New>
-</FormTemplates>
+<p:properties xmlns:p="http://schemas.microsoft.com/office/2006/metadata/properties" xmlns:xsi="http://www.w3.org/2001/XMLSchema-instance" xmlns:pc="http://schemas.microsoft.com/office/infopath/2007/PartnerControls">
+  <documentManagement>
+    <lcf76f155ced4ddcb4097134ff3c332f xmlns="81c9f6d7-38be-4b6f-ac7a-53278e4778cd">
+      <Terms xmlns="http://schemas.microsoft.com/office/infopath/2007/PartnerControls"/>
+    </lcf76f155ced4ddcb4097134ff3c332f>
+    <TaxCatchAll xmlns="562370e7-b28b-48b8-b232-8034dde365ed" xsi:nil="true"/>
+  </documentManagement>
+</p:properties>
 </file>
 
 <file path=customXml/item2.xml><?xml version="1.0" encoding="utf-8"?>
@@ -3422,20 +3406,27 @@
 </file>
 
 <file path=customXml/item3.xml><?xml version="1.0" encoding="utf-8"?>
-<p:properties xmlns:p="http://schemas.microsoft.com/office/2006/metadata/properties" xmlns:xsi="http://www.w3.org/2001/XMLSchema-instance" xmlns:pc="http://schemas.microsoft.com/office/infopath/2007/PartnerControls">
-  <documentManagement>
-    <lcf76f155ced4ddcb4097134ff3c332f xmlns="81c9f6d7-38be-4b6f-ac7a-53278e4778cd">
-      <Terms xmlns="http://schemas.microsoft.com/office/infopath/2007/PartnerControls"/>
-    </lcf76f155ced4ddcb4097134ff3c332f>
-    <TaxCatchAll xmlns="562370e7-b28b-48b8-b232-8034dde365ed" xsi:nil="true"/>
-  </documentManagement>
-</p:properties>
+<?mso-contentType ?>
+<FormTemplates xmlns="http://schemas.microsoft.com/sharepoint/v3/contenttype/forms">
+  <Display>DocumentLibraryForm</Display>
+  <Edit>DocumentLibraryForm</Edit>
+  <New>DocumentLibraryForm</New>
+</FormTemplates>
 </file>
 
 <file path=customXml/itemProps1.xml><?xml version="1.0" encoding="utf-8"?>
-<ds:datastoreItem xmlns:ds="http://schemas.openxmlformats.org/officeDocument/2006/customXml" ds:itemID="{4E8F74D5-47AA-4DAD-A3A5-90C8113106BE}">
+<ds:datastoreItem xmlns:ds="http://schemas.openxmlformats.org/officeDocument/2006/customXml" ds:itemID="{AB088F19-0CAF-4A60-81E5-18DF993328EF}">
   <ds:schemaRefs>
-    <ds:schemaRef ds:uri="http://schemas.microsoft.com/sharepoint/v3/contenttype/forms"/>
+    <ds:schemaRef ds:uri="http://schemas.microsoft.com/office/2006/metadata/properties"/>
+    <ds:schemaRef ds:uri="http://schemas.openxmlformats.org/package/2006/metadata/core-properties"/>
+    <ds:schemaRef ds:uri="http://schemas.microsoft.com/office/2006/documentManagement/types"/>
+    <ds:schemaRef ds:uri="http://schemas.microsoft.com/office/infopath/2007/PartnerControls"/>
+    <ds:schemaRef ds:uri="http://purl.org/dc/terms/"/>
+    <ds:schemaRef ds:uri="http://purl.org/dc/elements/1.1/"/>
+    <ds:schemaRef ds:uri="http://purl.org/dc/dcmitype/"/>
+    <ds:schemaRef ds:uri="562370e7-b28b-48b8-b232-8034dde365ed"/>
+    <ds:schemaRef ds:uri="81c9f6d7-38be-4b6f-ac7a-53278e4778cd"/>
+    <ds:schemaRef ds:uri="http://www.w3.org/XML/1998/namespace"/>
   </ds:schemaRefs>
 </ds:datastoreItem>
 </file>
@@ -3460,18 +3451,9 @@
 </file>
 
 <file path=customXml/itemProps3.xml><?xml version="1.0" encoding="utf-8"?>
-<ds:datastoreItem xmlns:ds="http://schemas.openxmlformats.org/officeDocument/2006/customXml" ds:itemID="{AB088F19-0CAF-4A60-81E5-18DF993328EF}">
+<ds:datastoreItem xmlns:ds="http://schemas.openxmlformats.org/officeDocument/2006/customXml" ds:itemID="{4E8F74D5-47AA-4DAD-A3A5-90C8113106BE}">
   <ds:schemaRefs>
-    <ds:schemaRef ds:uri="http://schemas.microsoft.com/office/2006/metadata/properties"/>
-    <ds:schemaRef ds:uri="http://schemas.openxmlformats.org/package/2006/metadata/core-properties"/>
-    <ds:schemaRef ds:uri="http://schemas.microsoft.com/office/2006/documentManagement/types"/>
-    <ds:schemaRef ds:uri="http://schemas.microsoft.com/office/infopath/2007/PartnerControls"/>
-    <ds:schemaRef ds:uri="http://purl.org/dc/terms/"/>
-    <ds:schemaRef ds:uri="http://purl.org/dc/elements/1.1/"/>
-    <ds:schemaRef ds:uri="http://purl.org/dc/dcmitype/"/>
-    <ds:schemaRef ds:uri="562370e7-b28b-48b8-b232-8034dde365ed"/>
-    <ds:schemaRef ds:uri="81c9f6d7-38be-4b6f-ac7a-53278e4778cd"/>
-    <ds:schemaRef ds:uri="http://www.w3.org/XML/1998/namespace"/>
+    <ds:schemaRef ds:uri="http://schemas.microsoft.com/sharepoint/v3/contenttype/forms"/>
   </ds:schemaRefs>
 </ds:datastoreItem>
 </file>
--- a/powerpoints/test.pptx
+++ b/powerpoints/test.pptx
@@ -2513,7 +2513,7 @@
         <p:spPr>
           <a:xfrm>
             <a:off x="0" y="3588350"/>
-            <a:ext cx="6858000" cy="892454"/>
+            <a:ext cx="6858000" cy="938540"/>
           </a:xfrm>
           <a:prstGeom prst="rect">
             <a:avLst/>
@@ -2530,23 +2530,23 @@
               <a:defRPr sz="1000"/>
             </a:pPr>
             <a:r>
-              <a:t>L'allemagne est un beau pays! L'allemagne est un beau pays! L'allemagne est un beau pays!</a:t>
+              <a:t>L'allemagne est une³ beau pays! L'allemagne est une³ beau pays! L'allemagne est une³ beau pays!</a:t>
             </a:r>
             <a:br/>
             <a:r>
-              <a:t>L'allemagne est un beau pays! L'allemagne est un beau pays! L'allemagne est un beau pays!</a:t>
+              <a:t>L'allemagne est une³ beau pays! L'allemagne est une³ beau pays! L'allemagne est une³ beau pays!</a:t>
             </a:r>
             <a:br/>
             <a:r>
-              <a:t>L'allemagne est un beau pays! L'allemagne est un beau pays! L'allemagne est un beau pays!</a:t>
+              <a:t>L'allemagne est une³ beau pays! L'allemagne est une³ beau pays! L'allemagne est une³ beau pays!</a:t>
             </a:r>
             <a:br/>
             <a:r>
-              <a:t>L'allemagne est un beau pays! L'allemagne est un beau pays! L'allemagne est un beau pays!</a:t>
+              <a:t>L'allemagne est une³ beau pays! L'allemagne est une³ beau pays! L'allemagne est une³ beau pays!</a:t>
             </a:r>
             <a:br/>
             <a:r>
-              <a:t>L'allemagne est un beau pays! L'allemagne est un beau pays! </a:t>
+              <a:t>L'allemagne est une³ beau pays! L'allemagne est une³ beau pays! </a:t>
             </a:r>
           </a:p>
         </p:txBody>
@@ -2569,7 +2569,7 @@
         </p:nvSpPr>
         <p:spPr>
           <a:xfrm>
-            <a:off x="138545" y="4495804"/>
+            <a:off x="138545" y="4541890"/>
             <a:ext cx="6557819" cy="400000"/>
           </a:xfrm>
         </p:spPr>
@@ -2598,7 +2598,7 @@
         </p:nvSpPr>
         <p:spPr>
           <a:xfrm>
-            <a:off x="0" y="4910804"/>
+            <a:off x="0" y="4956890"/>
             <a:ext cx="6858000" cy="1307226"/>
           </a:xfrm>
           <a:prstGeom prst="rect">
@@ -2663,7 +2663,7 @@
         </p:nvSpPr>
         <p:spPr>
           <a:xfrm>
-            <a:off x="138545" y="6233030"/>
+            <a:off x="138545" y="6279116"/>
             <a:ext cx="6557819" cy="400000"/>
           </a:xfrm>
         </p:spPr>
@@ -2692,7 +2692,7 @@
         </p:nvSpPr>
         <p:spPr>
           <a:xfrm>
-            <a:off x="0" y="6648030"/>
+            <a:off x="0" y="6694116"/>
             <a:ext cx="6858000" cy="1238097"/>
           </a:xfrm>
           <a:prstGeom prst="rect">
@@ -2757,7 +2757,7 @@
         </p:nvSpPr>
         <p:spPr>
           <a:xfrm>
-            <a:off x="138545" y="7901127"/>
+            <a:off x="138545" y="7947213"/>
             <a:ext cx="6557819" cy="400000"/>
           </a:xfrm>
         </p:spPr>

--- a/powerpoints/test.pptx
+++ b/powerpoints/test.pptx
@@ -8,6 +8,8 @@
     <p:sldId id="259" r:id="rId5"/>
     <p:sldId id="260" r:id="rId6"/>
     <p:sldId id="261" r:id="rId11"/>
+    <p:sldId id="262" r:id="rId12"/>
+    <p:sldId id="263" r:id="rId13"/>
   </p:sldIdLst>
   <p:sldSz cx="6858000" cy="9144000" type="letter"/>
   <p:notesSz cx="6858000" cy="9144000"/>
@@ -2295,7 +2297,7 @@
               </a:defRPr>
             </a:pPr>
             <a:r>
-              <a:t>France</a:t>
+              <a:t>Canada</a:t>
             </a:r>
           </a:p>
         </p:txBody>
@@ -2309,7 +2311,7 @@
         <p:spPr>
           <a:xfrm>
             <a:off x="138545" y="530000"/>
-            <a:ext cx="6858000" cy="365760"/>
+            <a:ext cx="6858000" cy="274320"/>
           </a:xfrm>
           <a:prstGeom prst="rect">
             <a:avLst/>
@@ -2330,7 +2332,7 @@
               </a:defRPr>
             </a:pPr>
             <a:r>
-              <a:t>Introduction</a:t>
+              <a:t>Santé</a:t>
             </a:r>
           </a:p>
         </p:txBody>
@@ -2343,8 +2345,8 @@
         </p:nvSpPr>
         <p:spPr>
           <a:xfrm>
-            <a:off x="0" y="895760"/>
-            <a:ext cx="6858000" cy="846368"/>
+            <a:off x="0" y="804320"/>
+            <a:ext cx="6858000" cy="1356978"/>
           </a:xfrm>
           <a:prstGeom prst="rect">
             <a:avLst/>
@@ -2361,21 +2363,36 @@
               <a:defRPr sz="1000"/>
             </a:pPr>
             <a:r>
-              <a:t>La France est un beau pays! La France est un beau pays! La France est un beau pays! La France est</a:t>
-            </a:r>
-            <a:br/>
-            <a:r>
-              <a:t>un beau pays! La France est un beau pays! La France est un beau pays! La France est un beau pays!</a:t>
-            </a:r>
-            <a:br/>
-            <a:r>
-              <a:t>La France est un beau pays! La France est un beau pays! La France est un beau pays! La France est</a:t>
-            </a:r>
-            <a:br/>
-            <a:r>
-              <a:t>un beau pays! La France est un beau pays! La France est un beau pays! La France est un beau pays!</a:t>
-            </a:r>
-            <a:br/>
+              <a:t>Le cas de Deep Genomics⁹ au Canada est un bel exemple d’utilisation de l'IA dans les soins de</a:t>
+            </a:r>
+            <a:br/>
+            <a:r>
+              <a:t>santé, cela grâce à des algorithmes servant à prédire des maladies, à améliorer le diagnostic et</a:t>
+            </a:r>
+            <a:br/>
+            <a:r>
+              <a:t>à personnaliser les traitements. Dans ce contexte, l'intelligence artificielle est utilisée pour</a:t>
+            </a:r>
+            <a:br/>
+            <a:r>
+              <a:t>analyser des données génétiques dans le but d'identifier de nouvelles cibles pour le</a:t>
+            </a:r>
+            <a:br/>
+            <a:r>
+              <a:t>développement de médicaments. Il est également fait recours à l'apprentissage automatique pour</a:t>
+            </a:r>
+            <a:br/>
+            <a:r>
+              <a:t>prédire comment les mutations génétiques peuvent affecter la fonction des protéines et causer des</a:t>
+            </a:r>
+            <a:br/>
+            <a:r>
+              <a:t>maladies. Cela peut aider à accélérer le processus de découverte de médicaments et à développer</a:t>
+            </a:r>
+            <a:br/>
+            <a:r>
+              <a:t>de nouvelles thérapies pour des maladies qui étaient auparavant difficiles à traiter.</a:t>
+            </a:r>
           </a:p>
         </p:txBody>
       </p:sp>
@@ -2387,8 +2404,8 @@
         </p:nvSpPr>
         <p:spPr>
           <a:xfrm>
-            <a:off x="138545" y="1742128"/>
-            <a:ext cx="6858000" cy="365760"/>
+            <a:off x="138545" y="2161298"/>
+            <a:ext cx="6858000" cy="274320"/>
           </a:xfrm>
           <a:prstGeom prst="rect">
             <a:avLst/>
@@ -2409,7 +2426,7 @@
               </a:defRPr>
             </a:pPr>
             <a:r>
-              <a:t>Description</a:t>
+              <a:t>L’environnement et l’énergie</a:t>
             </a:r>
           </a:p>
         </p:txBody>
@@ -2422,8 +2439,8 @@
         </p:nvSpPr>
         <p:spPr>
           <a:xfrm>
-            <a:off x="0" y="2107888"/>
-            <a:ext cx="6858000" cy="1050462"/>
+            <a:off x="0" y="2435618"/>
+            <a:ext cx="6858000" cy="1842250"/>
           </a:xfrm>
           <a:prstGeom prst="rect">
             <a:avLst/>
@@ -2440,66 +2457,51 @@
               <a:defRPr sz="1000"/>
             </a:pPr>
             <a:r>
-              <a:t>La France est vraiment un super beau pays! La France est vraiment un super beau pays! La France</a:t>
-            </a:r>
-            <a:br/>
-            <a:r>
-              <a:t>est vraiment un super beau pays! La France est vraiment un super beau pays! La France est</a:t>
-            </a:r>
-            <a:br/>
-            <a:r>
-              <a:t>vraiment un super beau pays! La France est vraiment un super beau pays! La France est vraiment un</a:t>
-            </a:r>
-            <a:br/>
-            <a:r>
-              <a:t>super beau pays! La France est vraiment un super beau pays! La France est vraiment un super beau</a:t>
-            </a:r>
-            <a:br/>
-            <a:r>
-              <a:t>pays! La France est vraiment un super beau pays! La France est vraiment un super beau pays! La</a:t>
-            </a:r>
-            <a:br/>
-            <a:r>
-              <a:t>France est vraiment un super beau pays! </a:t>
-            </a:r>
-          </a:p>
-        </p:txBody>
-      </p:sp>
-      <p:sp>
-        <p:nvSpPr>
-          <p:cNvPr id="2" name="Titre 1">
-            <a:extLst>
-              <a:ext uri="{FF2B5EF4-FFF2-40B4-BE49-F238E27FC236}">
-                <a16:creationId xmlns:a16="http://schemas.microsoft.com/office/drawing/2014/main" id="{486D4E87-2BC6-989D-C31B-C94C23654F8A}"/>
-              </a:ext>
-            </a:extLst>
-          </p:cNvPr>
-          <p:cNvSpPr>
-            <a:spLocks noGrp="1"/>
-          </p:cNvSpPr>
-          <p:nvPr>
-            <p:ph type="title"/>
-          </p:nvPr>
-        </p:nvSpPr>
-        <p:spPr>
-          <a:xfrm>
-            <a:off x="138545" y="3173350"/>
-            <a:ext cx="6557819" cy="400000"/>
-          </a:xfrm>
-        </p:spPr>
-        <p:txBody>
-          <a:bodyPr/>
-          <a:lstStyle/>
-          <a:p>
-            <a:pPr>
-              <a:defRPr b="1" i="1">
-                <a:solidFill>
-                  <a:schemeClr val="bg1"/>
-                </a:solidFill>
-              </a:defRPr>
-            </a:pPr>
-            <a:r>
-              <a:t>Australie</a:t>
+              <a:t>Opus One Solutions est une entreprise basée à Toronto qui utilise l'IA pour améliorer grandement</a:t>
+            </a:r>
+            <a:br/>
+            <a:r>
+              <a:t>la distribution d'énergie dans les réseaux électriques. Ils se sont spécialisés dans le</a:t>
+            </a:r>
+            <a:br/>
+            <a:r>
+              <a:t>développement d’une plateforme appelée GridOS¹⁰ qui utilise l'IA et l'analyse de données pour</a:t>
+            </a:r>
+            <a:br/>
+            <a:r>
+              <a:t>modéliser et simuler le flux d'électricité dans un réseau de distribution. Cette technologie</a:t>
+            </a:r>
+            <a:br/>
+            <a:r>
+              <a:t>offre aux fournisseurs d'énergie la possibilité de mieux comprendre comment l'énergie est</a:t>
+            </a:r>
+            <a:br/>
+            <a:r>
+              <a:t>utilisée dans le réseau, ce qui peut aider à identifier les inefficacités et à optimiser la</a:t>
+            </a:r>
+            <a:br/>
+            <a:r>
+              <a:t>distribution d'énergie. Ainsi, GridOS peut aider à intégrer les sources d'énergie renouvelables</a:t>
+            </a:r>
+            <a:br/>
+            <a:r>
+              <a:t>dans le réseau de manière plus efficace en prévoyant la production d'énergie en fonction des</a:t>
+            </a:r>
+            <a:br/>
+            <a:r>
+              <a:t>conditions météorologiques et de la demande en électricité. Cette utilisation de l'IA peut non</a:t>
+            </a:r>
+            <a:br/>
+            <a:r>
+              <a:t>seulement améliorer l'efficacité énergétique, mais aussi favoriser une transition plus fluide</a:t>
+            </a:r>
+            <a:br/>
+            <a:r>
+              <a:t>vers les sources d'énergie renouvelables, ce qui est crucial pour lutter contre le changement</a:t>
+            </a:r>
+            <a:br/>
+            <a:r>
+              <a:t>climatique.</a:t>
             </a:r>
           </a:p>
         </p:txBody>
@@ -2512,8 +2514,8 @@
         </p:nvSpPr>
         <p:spPr>
           <a:xfrm>
-            <a:off x="0" y="3588350"/>
-            <a:ext cx="6858000" cy="938540"/>
+            <a:off x="138545" y="4277868"/>
+            <a:ext cx="6858000" cy="274320"/>
           </a:xfrm>
           <a:prstGeom prst="rect">
             <a:avLst/>
@@ -2526,66 +2528,15 @@
           </a:bodyPr>
           <a:lstStyle/>
           <a:p>
-            <a:pPr algn="ctr">
-              <a:defRPr sz="1000"/>
-            </a:pPr>
-            <a:r>
-              <a:t>L'allemagne est une³ beau pays! L'allemagne est une³ beau pays! L'allemagne est une³ beau pays!</a:t>
-            </a:r>
-            <a:br/>
-            <a:r>
-              <a:t>L'allemagne est une³ beau pays! L'allemagne est une³ beau pays! L'allemagne est une³ beau pays!</a:t>
-            </a:r>
-            <a:br/>
-            <a:r>
-              <a:t>L'allemagne est une³ beau pays! L'allemagne est une³ beau pays! L'allemagne est une³ beau pays!</a:t>
-            </a:r>
-            <a:br/>
-            <a:r>
-              <a:t>L'allemagne est une³ beau pays! L'allemagne est une³ beau pays! L'allemagne est une³ beau pays!</a:t>
-            </a:r>
-            <a:br/>
-            <a:r>
-              <a:t>L'allemagne est une³ beau pays! L'allemagne est une³ beau pays! </a:t>
-            </a:r>
-          </a:p>
-        </p:txBody>
-      </p:sp>
-      <p:sp>
-        <p:nvSpPr>
-          <p:cNvPr id="2" name="Titre 1">
-            <a:extLst>
-              <a:ext uri="{FF2B5EF4-FFF2-40B4-BE49-F238E27FC236}">
-                <a16:creationId xmlns:a16="http://schemas.microsoft.com/office/drawing/2014/main" id="{486D4E87-2BC6-989D-C31B-C94C23654F8A}"/>
-              </a:ext>
-            </a:extLst>
-          </p:cNvPr>
-          <p:cNvSpPr>
-            <a:spLocks noGrp="1"/>
-          </p:cNvSpPr>
-          <p:nvPr>
-            <p:ph type="title"/>
-          </p:nvPr>
-        </p:nvSpPr>
-        <p:spPr>
-          <a:xfrm>
-            <a:off x="138545" y="4541890"/>
-            <a:ext cx="6557819" cy="400000"/>
-          </a:xfrm>
-        </p:spPr>
-        <p:txBody>
-          <a:bodyPr/>
-          <a:lstStyle/>
-          <a:p>
             <a:pPr>
-              <a:defRPr b="1" i="1">
+              <a:defRPr sz="1100" b="1">
                 <a:solidFill>
-                  <a:schemeClr val="bg1"/>
+                  <a:schemeClr val="accent6"/>
                 </a:solidFill>
               </a:defRPr>
             </a:pPr>
             <a:r>
-              <a:t>Canada</a:t>
+              <a:t>Les services financiers</a:t>
             </a:r>
           </a:p>
         </p:txBody>
@@ -2598,8 +2549,8 @@
         </p:nvSpPr>
         <p:spPr>
           <a:xfrm>
-            <a:off x="0" y="4956890"/>
-            <a:ext cx="6858000" cy="1307226"/>
+            <a:off x="0" y="4552188"/>
+            <a:ext cx="6858000" cy="993861"/>
           </a:xfrm>
           <a:prstGeom prst="rect">
             <a:avLst/>
@@ -2616,70 +2567,27 @@
               <a:defRPr sz="1000"/>
             </a:pPr>
             <a:r>
-              <a:t>Le Canada de magne est un superbe de beau pays! Le Canada de magne est un superbe de beau pays!</a:t>
-            </a:r>
-            <a:br/>
-            <a:r>
-              <a:t>Le Canada de magne est un superbe de beau pays! Le Canada de magne est un superbe de beau pays!</a:t>
-            </a:r>
-            <a:br/>
-            <a:r>
-              <a:t>Le Canada de magne est un superbe de beau pays! Le Canada de magne est un superbe de beau pays!</a:t>
-            </a:r>
-            <a:br/>
-            <a:r>
-              <a:t>Le Canada de magne est un superbe de beau pays! Le Canada de magne est un superbe de beau pays!</a:t>
-            </a:r>
-            <a:br/>
-            <a:r>
-              <a:t>Le Canada de magne est un superbe de beau pays! Le Canada de magne est un superbe de beau pays!</a:t>
-            </a:r>
-            <a:br/>
-            <a:r>
-              <a:t>Le Canada de magne est un superbe de beau pays! Le Canada de magne est un superbe de beau pays!</a:t>
-            </a:r>
-            <a:br/>
-            <a:r>
-              <a:t>Le Canada de magne est un superbe de beau pays! Le Canada de magne est un superbe de beau pays! </a:t>
-            </a:r>
-          </a:p>
-        </p:txBody>
-      </p:sp>
-      <p:sp>
-        <p:nvSpPr>
-          <p:cNvPr id="2" name="Titre 1">
-            <a:extLst>
-              <a:ext uri="{FF2B5EF4-FFF2-40B4-BE49-F238E27FC236}">
-                <a16:creationId xmlns:a16="http://schemas.microsoft.com/office/drawing/2014/main" id="{486D4E87-2BC6-989D-C31B-C94C23654F8A}"/>
-              </a:ext>
-            </a:extLst>
-          </p:cNvPr>
-          <p:cNvSpPr>
-            <a:spLocks noGrp="1"/>
-          </p:cNvSpPr>
-          <p:nvPr>
-            <p:ph type="title"/>
-          </p:nvPr>
-        </p:nvSpPr>
-        <p:spPr>
-          <a:xfrm>
-            <a:off x="138545" y="6279116"/>
-            <a:ext cx="6557819" cy="400000"/>
-          </a:xfrm>
-        </p:spPr>
-        <p:txBody>
-          <a:bodyPr/>
-          <a:lstStyle/>
-          <a:p>
-            <a:pPr>
-              <a:defRPr b="1" i="1">
-                <a:solidFill>
-                  <a:schemeClr val="bg1"/>
-                </a:solidFill>
-              </a:defRPr>
-            </a:pPr>
-            <a:r>
-              <a:t>Kenya</a:t>
+              <a:t>Avec des entreprises comme Wealthsimple qui utilisent l'IA pour fournir des conseils financiers</a:t>
+            </a:r>
+            <a:br/>
+            <a:r>
+              <a:t>personnalisés, le Canada propose des solutions innovantes d’intégration de cette technologie au</a:t>
+            </a:r>
+            <a:br/>
+            <a:r>
+              <a:t>monde de la finance. En effet, Wealthsimple¹¹ utilise l'IA pour fournir des conseils</a:t>
+            </a:r>
+            <a:br/>
+            <a:r>
+              <a:t>d'investissement automatisés. En utilisant des algorithmes, la plateforme peut analyser les</a:t>
+            </a:r>
+            <a:br/>
+            <a:r>
+              <a:t>données financières de l'utilisateur, comprendre ses objectifs financiers, évaluer sa tolérance</a:t>
+            </a:r>
+            <a:br/>
+            <a:r>
+              <a:t>au risque et créer un portefeuille d'investissement personnalisé.</a:t>
             </a:r>
           </a:p>
         </p:txBody>
@@ -2692,8 +2600,8 @@
         </p:nvSpPr>
         <p:spPr>
           <a:xfrm>
-            <a:off x="0" y="6694116"/>
-            <a:ext cx="6858000" cy="1238097"/>
+            <a:off x="138545" y="5546049"/>
+            <a:ext cx="6858000" cy="274320"/>
           </a:xfrm>
           <a:prstGeom prst="rect">
             <a:avLst/>
@@ -2706,74 +2614,105 @@
           </a:bodyPr>
           <a:lstStyle/>
           <a:p>
+            <a:pPr>
+              <a:defRPr sz="1100" b="1">
+                <a:solidFill>
+                  <a:schemeClr val="accent6"/>
+                </a:solidFill>
+              </a:defRPr>
+            </a:pPr>
+            <a:r>
+              <a:t>L’agriculture</a:t>
+            </a:r>
+          </a:p>
+        </p:txBody>
+      </p:sp>
+      <p:sp>
+        <p:nvSpPr>
+          <p:cNvPr id="10" name="TextBox 9"/>
+          <p:cNvSpPr txBox="1"/>
+          <p:nvPr/>
+        </p:nvSpPr>
+        <p:spPr>
+          <a:xfrm>
+            <a:off x="0" y="5820369"/>
+            <a:ext cx="6858000" cy="1203030"/>
+          </a:xfrm>
+          <a:prstGeom prst="rect">
+            <a:avLst/>
+          </a:prstGeom>
+          <a:noFill/>
+        </p:spPr>
+        <p:txBody>
+          <a:bodyPr wrap="none">
+            <a:spAutoFit/>
+          </a:bodyPr>
+          <a:lstStyle/>
+          <a:p>
             <a:pPr algn="ctr">
               <a:defRPr sz="1000"/>
             </a:pPr>
             <a:r>
-              <a:t>Le Kenya de magne est un vraiment beau pays! Le Kenya de magne est un vraiment beau pays! Le</a:t>
-            </a:r>
-            <a:br/>
-            <a:r>
-              <a:t>Kenya de magne est un vraiment beau pays! Le Kenya de magne est un vraiment beau pays! Le Kenya</a:t>
-            </a:r>
-            <a:br/>
-            <a:r>
-              <a:t>de magne est un vraiment beau pays! Le Kenya de magne est un vraiment beau pays! Le Kenya de</a:t>
-            </a:r>
-            <a:br/>
-            <a:r>
-              <a:t>magne est un vraiment beau pays! Le Kenya de magne est un vraiment beau pays! Le Kenya de magne</a:t>
-            </a:r>
-            <a:br/>
-            <a:r>
-              <a:t>est un vraiment beau pays! Le Kenya de magne est un vraiment beau pays! Le Kenya de magne est un</a:t>
-            </a:r>
-            <a:br/>
-            <a:r>
-              <a:t>vraiment beau pays! Le Kenya de magne est un vraiment beau pays! Le Kenya de magne est un</a:t>
-            </a:r>
-            <a:br/>
-            <a:r>
-              <a:t>vraiment beau pays! Le Kenya de magne est un vraiment beau pays! </a:t>
-            </a:r>
-          </a:p>
-        </p:txBody>
-      </p:sp>
-      <p:sp>
-        <p:nvSpPr>
-          <p:cNvPr id="2" name="Titre 1">
-            <a:extLst>
-              <a:ext uri="{FF2B5EF4-FFF2-40B4-BE49-F238E27FC236}">
-                <a16:creationId xmlns:a16="http://schemas.microsoft.com/office/drawing/2014/main" id="{486D4E87-2BC6-989D-C31B-C94C23654F8A}"/>
-              </a:ext>
-            </a:extLst>
-          </p:cNvPr>
-          <p:cNvSpPr>
-            <a:spLocks noGrp="1"/>
-          </p:cNvSpPr>
-          <p:nvPr>
-            <p:ph type="title"/>
-          </p:nvPr>
-        </p:nvSpPr>
-        <p:spPr>
-          <a:xfrm>
-            <a:off x="138545" y="7947213"/>
-            <a:ext cx="6557819" cy="400000"/>
-          </a:xfrm>
-        </p:spPr>
-        <p:txBody>
-          <a:bodyPr/>
+              <a:t>Blue River Technology, qui est une filiale de John Deere, s’impose encore en 2023 avec une</a:t>
+            </a:r>
+            <a:br/>
+            <a:r>
+              <a:t>technologie d'agriculture de précision qui utilise l'IA pour identifier et éliminer les mauvaises</a:t>
+            </a:r>
+            <a:br/>
+            <a:r>
+              <a:t>herbes. Leur technologie "See &amp; Spray"¹² utilise l'apprentissage automatique pour différencier</a:t>
+            </a:r>
+            <a:br/>
+            <a:r>
+              <a:t>les plantes des mauvaises herbes et appliquer les herbicides de manière plus précise, ce qui</a:t>
+            </a:r>
+            <a:br/>
+            <a:r>
+              <a:t>réduit l'utilisation de produits chimiques et améliore les rendements agricoles. Par ailleurs</a:t>
+            </a:r>
+            <a:br/>
+            <a:r>
+              <a:t>l’entreprise québécoise Vooban¹³, spécialisée dans l’agriculture de précision a développé une</a:t>
+            </a:r>
+            <a:br/>
+            <a:r>
+              <a:t>technologie fondée sur l’IA capable de trier et d’apprécier la qualité de pommes de terre.</a:t>
+            </a:r>
+          </a:p>
+        </p:txBody>
+      </p:sp>
+      <p:sp>
+        <p:nvSpPr>
+          <p:cNvPr id="11" name="TextBox 10"/>
+          <p:cNvSpPr txBox="1"/>
+          <p:nvPr/>
+        </p:nvSpPr>
+        <p:spPr>
+          <a:xfrm>
+            <a:off x="138545" y="7023399"/>
+            <a:ext cx="6858000" cy="274320"/>
+          </a:xfrm>
+          <a:prstGeom prst="rect">
+            <a:avLst/>
+          </a:prstGeom>
+          <a:noFill/>
+        </p:spPr>
+        <p:txBody>
+          <a:bodyPr wrap="none">
+            <a:spAutoFit/>
+          </a:bodyPr>
           <a:lstStyle/>
           <a:p>
             <a:pPr>
-              <a:defRPr b="1" i="1">
+              <a:defRPr sz="1100" b="1">
                 <a:solidFill>
-                  <a:schemeClr val="bg1"/>
+                  <a:schemeClr val="accent6"/>
                 </a:solidFill>
               </a:defRPr>
             </a:pPr>
             <a:r>
-              <a:t>Belgique</a:t>
+              <a:t>Les Initiatives gouvernementales</a:t>
             </a:r>
           </a:p>
         </p:txBody>
@@ -2810,7 +2749,7 @@
         <p:spPr>
           <a:xfrm>
             <a:off x="0" y="0"/>
-            <a:ext cx="6858000" cy="1238097"/>
+            <a:ext cx="6858000" cy="2156841"/>
           </a:xfrm>
           <a:prstGeom prst="rect">
             <a:avLst/>
@@ -2827,31 +2766,1181 @@
               <a:defRPr sz="1000"/>
             </a:pPr>
             <a:r>
-              <a:t>La Belgique est un beau pays! j'y suis allé. La Belgique est un beau pays! j'y suis allé. La</a:t>
-            </a:r>
-            <a:br/>
-            <a:r>
-              <a:t>Belgique est un beau pays! j'y suis allé. La Belgique est un beau pays! j'y suis allé. La</a:t>
-            </a:r>
-            <a:br/>
-            <a:r>
-              <a:t>Belgique est un beau pays! j'y suis allé. La Belgique est un beau pays! j'y suis allé. La</a:t>
-            </a:r>
-            <a:br/>
-            <a:r>
-              <a:t>Belgique est un beau pays! j'y suis allé. La Belgique est un beau pays! j'y suis allé. La</a:t>
-            </a:r>
-            <a:br/>
-            <a:r>
-              <a:t>Belgique est un beau pays! j'y suis allé. La Belgique est un beau pays! j'y suis allé. La</a:t>
-            </a:r>
-            <a:br/>
-            <a:r>
-              <a:t>Belgique est un beau pays! j'y suis allé. La Belgique est un beau pays! j'y suis allé. La</a:t>
-            </a:r>
-            <a:br/>
-            <a:r>
-              <a:t>Belgique est un beau pays! j'y suis allé. La Belgique est un beau pays! j'y suis allé. </a:t>
+              <a:t>En 2017, le gouvernement canadien, par l'intermédiaire de l'Institut canadien de recherches</a:t>
+            </a:r>
+            <a:br/>
+            <a:r>
+              <a:t>avancées (CIFAR)¹⁴, a lancé la Stratégie pancanadienne en matière d'IA. C'est le premier</a:t>
+            </a:r>
+            <a:br/>
+            <a:r>
+              <a:t>programme national d'IA au monde, avec un investissement de 125 millions de dollars canadiens sur</a:t>
+            </a:r>
+            <a:br/>
+            <a:r>
+              <a:t>cinq ans. L'objectif de cette stratégie est de soutenir la recherche sur l'IA, de développer le</a:t>
+            </a:r>
+            <a:br/>
+            <a:r>
+              <a:t>talent en IA et de stimuler l'adoption de l'IA dans les secteurs public et privé. Dans le cadre</a:t>
+            </a:r>
+            <a:br/>
+            <a:r>
+              <a:t>de cette stratégie, trois nouveaux instituts d'IA ont été créés dans le pays : L'Institut d'IA</a:t>
+            </a:r>
+            <a:br/>
+            <a:r>
+              <a:t>Amii (Alberta Machine Intelligence Institute) à Edmonton, l'Institut Vector pour l'intelligence</a:t>
+            </a:r>
+            <a:br/>
+            <a:r>
+              <a:t>artificielle à Toronto et le MILA (Institut québécois d'intelligence artificielle) à Montréal.</a:t>
+            </a:r>
+            <a:br/>
+            <a:r>
+              <a:t>Ces instituts sont chargés de la recherche en IA, de la formation des futurs experts en IA et de</a:t>
+            </a:r>
+            <a:br/>
+            <a:r>
+              <a:t>la collaboration avec les entreprises pour aider à l'adoption de l'IA. Ils travaillent également</a:t>
+            </a:r>
+            <a:br/>
+            <a:r>
+              <a:t>avec le gouvernement et le public pour discuter des implications éthiques de l'IA. Encore en 2023</a:t>
+            </a:r>
+            <a:br/>
+            <a:r>
+              <a:t>plusieurs initiatives ont été prises sous la houlette de la Stratégie pancanadienne en matière</a:t>
+            </a:r>
+            <a:br/>
+            <a:r>
+              <a:t>d'IA, à l’instar de l’organisation de symposium sur l’énergie et l’environnement.</a:t>
+            </a:r>
+          </a:p>
+        </p:txBody>
+      </p:sp>
+      <p:sp>
+        <p:nvSpPr>
+          <p:cNvPr id="4" name="TextBox 3"/>
+          <p:cNvSpPr txBox="1"/>
+          <p:nvPr/>
+        </p:nvSpPr>
+        <p:spPr>
+          <a:xfrm>
+            <a:off x="0" y="2156841"/>
+            <a:ext cx="6858000" cy="714411"/>
+          </a:xfrm>
+          <a:prstGeom prst="rect">
+            <a:avLst/>
+          </a:prstGeom>
+          <a:noFill/>
+        </p:spPr>
+        <p:txBody>
+          <a:bodyPr wrap="none">
+            <a:spAutoFit/>
+          </a:bodyPr>
+          <a:lstStyle/>
+          <a:p>
+            <a:pPr algn="ctr">
+              <a:defRPr sz="1000"/>
+            </a:pPr>
+            <a:r>
+              <a:t>Dans le même sens, la province de Québec s’est illustrée par la mise en place d’une stratégie</a:t>
+            </a:r>
+            <a:br/>
+            <a:r>
+              <a:t>d’intégration de l’IA au sein du dispositif de l’administration publique. Cette stratégie se</a:t>
+            </a:r>
+            <a:br/>
+            <a:r>
+              <a:t>déployant sur l’horizon 2021- 2026 développe l’intérêt de l’IA, ses potentialités dans un</a:t>
+            </a:r>
+            <a:br/>
+            <a:r>
+              <a:t>contexte d’intégration au secteur public mais aussi les enjeux d’une telle démarche.¹⁵</a:t>
+            </a:r>
+          </a:p>
+        </p:txBody>
+      </p:sp>
+      <p:sp>
+        <p:nvSpPr>
+          <p:cNvPr id="2" name="Title 1"/>
+          <p:cNvSpPr>
+            <a:spLocks noGrp="1"/>
+          </p:cNvSpPr>
+          <p:nvPr>
+            <p:ph type="title"/>
+          </p:nvPr>
+        </p:nvSpPr>
+        <p:spPr>
+          <a:xfrm>
+            <a:off x="138545" y="2886252"/>
+            <a:ext cx="6557819" cy="400000"/>
+          </a:xfrm>
+        </p:spPr>
+        <p:txBody>
+          <a:bodyPr/>
+          <a:lstStyle/>
+          <a:p>
+            <a:pPr>
+              <a:defRPr b="1" i="1">
+                <a:solidFill>
+                  <a:schemeClr val="bg1"/>
+                </a:solidFill>
+              </a:defRPr>
+            </a:pPr>
+            <a:r>
+              <a:t>Etats-unis</a:t>
+            </a:r>
+          </a:p>
+        </p:txBody>
+      </p:sp>
+      <p:sp>
+        <p:nvSpPr>
+          <p:cNvPr id="5" name="TextBox 4"/>
+          <p:cNvSpPr txBox="1"/>
+          <p:nvPr/>
+        </p:nvSpPr>
+        <p:spPr>
+          <a:xfrm>
+            <a:off x="138545" y="3301252"/>
+            <a:ext cx="6858000" cy="274320"/>
+          </a:xfrm>
+          <a:prstGeom prst="rect">
+            <a:avLst/>
+          </a:prstGeom>
+          <a:noFill/>
+        </p:spPr>
+        <p:txBody>
+          <a:bodyPr wrap="none">
+            <a:spAutoFit/>
+          </a:bodyPr>
+          <a:lstStyle/>
+          <a:p>
+            <a:pPr>
+              <a:defRPr sz="1100" b="1">
+                <a:solidFill>
+                  <a:schemeClr val="accent6"/>
+                </a:solidFill>
+              </a:defRPr>
+            </a:pPr>
+            <a:r>
+              <a:t>L’innovation dans le domaine de la Santé</a:t>
+            </a:r>
+          </a:p>
+        </p:txBody>
+      </p:sp>
+      <p:sp>
+        <p:nvSpPr>
+          <p:cNvPr id="6" name="TextBox 5"/>
+          <p:cNvSpPr txBox="1"/>
+          <p:nvPr/>
+        </p:nvSpPr>
+        <p:spPr>
+          <a:xfrm>
+            <a:off x="0" y="3575572"/>
+            <a:ext cx="6858000" cy="1395465"/>
+          </a:xfrm>
+          <a:prstGeom prst="rect">
+            <a:avLst/>
+          </a:prstGeom>
+          <a:noFill/>
+        </p:spPr>
+        <p:txBody>
+          <a:bodyPr wrap="none">
+            <a:spAutoFit/>
+          </a:bodyPr>
+          <a:lstStyle/>
+          <a:p>
+            <a:pPr algn="ctr">
+              <a:defRPr sz="1000"/>
+            </a:pPr>
+            <a:r>
+              <a:t>L'IA est utilisée pour analyser les images médicales et détecter des anomalies qui pourraient</a:t>
+            </a:r>
+            <a:br/>
+            <a:r>
+              <a:t>être invisibles ou difficiles à repérer pour l'œil humain. Aidoc, une firme américaine</a:t>
+            </a:r>
+            <a:br/>
+            <a:r>
+              <a:t>spécialisée dans l’incubation de solutions technologiques dans le domaine médical utilise l'IA</a:t>
+            </a:r>
+            <a:br/>
+            <a:r>
+              <a:t>pour identifier rapidement les accidents vasculaires cérébraux sur les scans de la tête¹⁶. Leur</a:t>
+            </a:r>
+            <a:br/>
+            <a:r>
+              <a:t>système peut envoyer des alertes aux médecins, ce qui peut aider à accélérer le traitement. De</a:t>
+            </a:r>
+            <a:br/>
+            <a:r>
+              <a:t>même, Deeper insights¹⁷ promeut l’utilisation de l'IA pour aider l’industrie pharmaceutique. Ils</a:t>
+            </a:r>
+            <a:br/>
+            <a:r>
+              <a:t>mènent des projets visant à améliorer les analyses de divers types d'images médicales, y compris</a:t>
+            </a:r>
+            <a:br/>
+            <a:r>
+              <a:t>les radiographies et les IRM, pour détecter une gamme de conditions, du cancer au maladies</a:t>
+            </a:r>
+            <a:br/>
+            <a:r>
+              <a:t>cardiovasculaires.</a:t>
+            </a:r>
+          </a:p>
+        </p:txBody>
+      </p:sp>
+      <p:sp>
+        <p:nvSpPr>
+          <p:cNvPr id="7" name="TextBox 6"/>
+          <p:cNvSpPr txBox="1"/>
+          <p:nvPr/>
+        </p:nvSpPr>
+        <p:spPr>
+          <a:xfrm>
+            <a:off x="0" y="4971037"/>
+            <a:ext cx="6858000" cy="1256577"/>
+          </a:xfrm>
+          <a:prstGeom prst="rect">
+            <a:avLst/>
+          </a:prstGeom>
+          <a:noFill/>
+        </p:spPr>
+        <p:txBody>
+          <a:bodyPr wrap="none">
+            <a:spAutoFit/>
+          </a:bodyPr>
+          <a:lstStyle/>
+          <a:p>
+            <a:pPr algn="ctr">
+              <a:defRPr sz="1000"/>
+            </a:pPr>
+            <a:r>
+              <a:t>Singulièrement en matière de soutien médical, l’analyse prédictive a le vent en poupe aux Etats</a:t>
+            </a:r>
+            <a:br/>
+            <a:r>
+              <a:t>Unis. L'IA y est utilisée pour analyser les données de santé à grande échelle afin de prédire les</a:t>
+            </a:r>
+            <a:br/>
+            <a:r>
+              <a:t>risques individuels de santé et d'informer les soins personnalisés. Une firme comme Tempus¹⁸,</a:t>
+            </a:r>
+            <a:br/>
+            <a:r>
+              <a:t>utilise l'IA pour analyser les données génomiques, cliniques et autres pour identifier des motifs</a:t>
+            </a:r>
+            <a:br/>
+            <a:r>
+              <a:t>qui peuvent prédire comment une maladie pourrait progresser chez un patient particulier ou</a:t>
+            </a:r>
+            <a:br/>
+            <a:r>
+              <a:t>comment ce patient pourrait répondre à un certain traitement. Subséquemment, ces informations</a:t>
+            </a:r>
+            <a:br/>
+            <a:r>
+              <a:t>peuvent ensuite être utilisées pour aider les médecins à choisir le meilleur plan de traitement</a:t>
+            </a:r>
+            <a:br/>
+            <a:r>
+              <a:t>pour chaque patient.</a:t>
+            </a:r>
+          </a:p>
+        </p:txBody>
+      </p:sp>
+      <p:sp>
+        <p:nvSpPr>
+          <p:cNvPr id="8" name="TextBox 7"/>
+          <p:cNvSpPr txBox="1"/>
+          <p:nvPr/>
+        </p:nvSpPr>
+        <p:spPr>
+          <a:xfrm>
+            <a:off x="138545" y="6227614"/>
+            <a:ext cx="6858000" cy="274320"/>
+          </a:xfrm>
+          <a:prstGeom prst="rect">
+            <a:avLst/>
+          </a:prstGeom>
+          <a:noFill/>
+        </p:spPr>
+        <p:txBody>
+          <a:bodyPr wrap="none">
+            <a:spAutoFit/>
+          </a:bodyPr>
+          <a:lstStyle/>
+          <a:p>
+            <a:pPr>
+              <a:defRPr sz="1100" b="1">
+                <a:solidFill>
+                  <a:schemeClr val="accent6"/>
+                </a:solidFill>
+              </a:defRPr>
+            </a:pPr>
+            <a:r>
+              <a:t>E-commerce</a:t>
+            </a:r>
+          </a:p>
+        </p:txBody>
+      </p:sp>
+      <p:sp>
+        <p:nvSpPr>
+          <p:cNvPr id="9" name="TextBox 8"/>
+          <p:cNvSpPr txBox="1"/>
+          <p:nvPr/>
+        </p:nvSpPr>
+        <p:spPr>
+          <a:xfrm>
+            <a:off x="0" y="6501934"/>
+            <a:ext cx="6858000" cy="1738503"/>
+          </a:xfrm>
+          <a:prstGeom prst="rect">
+            <a:avLst/>
+          </a:prstGeom>
+          <a:noFill/>
+        </p:spPr>
+        <p:txBody>
+          <a:bodyPr wrap="none">
+            <a:spAutoFit/>
+          </a:bodyPr>
+          <a:lstStyle/>
+          <a:p>
+            <a:pPr algn="ctr">
+              <a:defRPr sz="1000"/>
+            </a:pPr>
+            <a:r>
+              <a:t>Le géant de la tech Amazon¹⁹ n’est pas en reste et s’illustre par son recours massif à</a:t>
+            </a:r>
+            <a:br/>
+            <a:r>
+              <a:t>l’intelligence artificielle. En effet, Amazon utilise l'IA pour analyser le comportement d'achat</a:t>
+            </a:r>
+            <a:br/>
+            <a:r>
+              <a:t>des clients et leur historique de navigation afin de recommander des produits susceptibles de les</a:t>
+            </a:r>
+            <a:br/>
+            <a:r>
+              <a:t>intéresser. Cette approche personnalisée a été l'une des clés de son succès dans le commerce</a:t>
+            </a:r>
+            <a:br/>
+            <a:r>
+              <a:t>électronique. En outre Alexa, le service vocal d'Amazon, est basé sur de l'intelligence</a:t>
+            </a:r>
+            <a:br/>
+            <a:r>
+              <a:t>artificielle. Alexa peut répondre aux questions, jouer de la musique, gérer des rappels</a:t>
+            </a:r>
+            <a:br/>
+            <a:r>
+              <a:t>intelligents et même contrôler d'autres appareils connectés à la maison, tout cela en utilisant</a:t>
+            </a:r>
+            <a:br/>
+            <a:r>
+              <a:t>le langage naturel, grâce à l'IA. Toujours sur la même lancée Amazon a même créé des magasins</a:t>
+            </a:r>
+            <a:br/>
+            <a:r>
+              <a:t>sans caisse, appelés Amazon Go, qui utilisent l'IA pour suivre les produits que les clients</a:t>
+            </a:r>
+            <a:br/>
+            <a:r>
+              <a:t>prennent des étagères. Une fois les achats terminés, les clients quittent simplement le magasin</a:t>
+            </a:r>
+            <a:br/>
+            <a:r>
+              <a:t>et Amazon facture automatiquement leur compte.</a:t>
+            </a:r>
+          </a:p>
+        </p:txBody>
+      </p:sp>
+      <p:sp>
+        <p:nvSpPr>
+          <p:cNvPr id="10" name="TextBox 9"/>
+          <p:cNvSpPr txBox="1"/>
+          <p:nvPr/>
+        </p:nvSpPr>
+        <p:spPr>
+          <a:xfrm>
+            <a:off x="138545" y="8240437"/>
+            <a:ext cx="6858000" cy="274320"/>
+          </a:xfrm>
+          <a:prstGeom prst="rect">
+            <a:avLst/>
+          </a:prstGeom>
+          <a:noFill/>
+        </p:spPr>
+        <p:txBody>
+          <a:bodyPr wrap="none">
+            <a:spAutoFit/>
+          </a:bodyPr>
+          <a:lstStyle/>
+          <a:p>
+            <a:pPr>
+              <a:defRPr sz="1100" b="1">
+                <a:solidFill>
+                  <a:schemeClr val="accent6"/>
+                </a:solidFill>
+              </a:defRPr>
+            </a:pPr>
+            <a:r>
+              <a:t>Travail et performances</a:t>
+            </a:r>
+          </a:p>
+        </p:txBody>
+      </p:sp>
+    </p:spTree>
+  </p:cSld>
+  <p:clrMapOvr>
+    <a:masterClrMapping/>
+  </p:clrMapOvr>
+</p:sld>
+</file>
+
+<file path=ppt/slides/slide4.xml><?xml version="1.0" encoding="utf-8"?>
+<p:sld xmlns:a="http://schemas.openxmlformats.org/drawingml/2006/main" xmlns:p="http://schemas.openxmlformats.org/presentationml/2006/main" xmlns:r="http://schemas.openxmlformats.org/officeDocument/2006/relationships">
+  <p:cSld>
+    <p:spTree>
+      <p:nvGrpSpPr>
+        <p:cNvPr id="1" name=""/>
+        <p:cNvGrpSpPr/>
+        <p:nvPr/>
+      </p:nvGrpSpPr>
+      <p:grpSpPr/>
+      <p:sp>
+        <p:nvSpPr>
+          <p:cNvPr id="3" name="TextBox 2"/>
+          <p:cNvSpPr txBox="1"/>
+          <p:nvPr/>
+        </p:nvSpPr>
+        <p:spPr>
+          <a:xfrm>
+            <a:off x="0" y="0"/>
+            <a:ext cx="6858000" cy="1713402"/>
+          </a:xfrm>
+          <a:prstGeom prst="rect">
+            <a:avLst/>
+          </a:prstGeom>
+          <a:noFill/>
+        </p:spPr>
+        <p:txBody>
+          <a:bodyPr wrap="none">
+            <a:spAutoFit/>
+          </a:bodyPr>
+          <a:lstStyle/>
+          <a:p>
+            <a:pPr algn="ctr">
+              <a:defRPr sz="1000"/>
+            </a:pPr>
+            <a:r>
+              <a:t>L'IA peut aider à personnaliser la formation en fonction des besoins spécifiques de chaque</a:t>
+            </a:r>
+            <a:br/>
+            <a:r>
+              <a:t>employé. C’est le cas avec l’entreprise Coursera qui utilise l'IA pour recommander des cours aux</a:t>
+            </a:r>
+            <a:br/>
+            <a:r>
+              <a:t>utilisateurs en fonction de leurs objectifs de carrière et de leurs compétences existantes. De</a:t>
+            </a:r>
+            <a:br/>
+            <a:r>
+              <a:t>plus, en amont de cette étape d’orientation, Il est possible de recourir à de l'IA pour analyser</a:t>
+            </a:r>
+            <a:br/>
+            <a:r>
+              <a:t>les données sur les performances des employés et identifier les moyens d'améliorer leur</a:t>
+            </a:r>
+            <a:br/>
+            <a:r>
+              <a:t>productivité et leur bien-être. Pour ce faire, Humanyze²⁰ notamment utilise l'IA pour analyser</a:t>
+            </a:r>
+            <a:br/>
+            <a:r>
+              <a:t>les données sur les interactions entre les employés, telles que les courriels et les réunions,</a:t>
+            </a:r>
+            <a:br/>
+            <a:r>
+              <a:t>afin d'identifier les modèles qui peuvent être utilisés pour améliorer la productivité. Ici,</a:t>
+            </a:r>
+            <a:br/>
+            <a:r>
+              <a:t>l’une des applications possibles se trouve être le soutien aux managers afin de leur permettre de</a:t>
+            </a:r>
+            <a:br/>
+            <a:r>
+              <a:t>comprendre comment les équipes travaillent ensemble et d’identifier les domaines qui pourraient</a:t>
+            </a:r>
+            <a:br/>
+            <a:r>
+              <a:t>être améliorés.</a:t>
+            </a:r>
+          </a:p>
+        </p:txBody>
+      </p:sp>
+      <p:sp>
+        <p:nvSpPr>
+          <p:cNvPr id="4" name="TextBox 3"/>
+          <p:cNvSpPr txBox="1"/>
+          <p:nvPr/>
+        </p:nvSpPr>
+        <p:spPr>
+          <a:xfrm>
+            <a:off x="138545" y="1713402"/>
+            <a:ext cx="6858000" cy="274320"/>
+          </a:xfrm>
+          <a:prstGeom prst="rect">
+            <a:avLst/>
+          </a:prstGeom>
+          <a:noFill/>
+        </p:spPr>
+        <p:txBody>
+          <a:bodyPr wrap="none">
+            <a:spAutoFit/>
+          </a:bodyPr>
+          <a:lstStyle/>
+          <a:p>
+            <a:pPr>
+              <a:defRPr sz="1100" b="1">
+                <a:solidFill>
+                  <a:schemeClr val="accent6"/>
+                </a:solidFill>
+              </a:defRPr>
+            </a:pPr>
+            <a:r>
+              <a:t>Finance et conseil</a:t>
+            </a:r>
+          </a:p>
+        </p:txBody>
+      </p:sp>
+      <p:sp>
+        <p:nvSpPr>
+          <p:cNvPr id="5" name="TextBox 4"/>
+          <p:cNvSpPr txBox="1"/>
+          <p:nvPr/>
+        </p:nvSpPr>
+        <p:spPr>
+          <a:xfrm>
+            <a:off x="0" y="1987722"/>
+            <a:ext cx="6858000" cy="1957712"/>
+          </a:xfrm>
+          <a:prstGeom prst="rect">
+            <a:avLst/>
+          </a:prstGeom>
+          <a:noFill/>
+        </p:spPr>
+        <p:txBody>
+          <a:bodyPr wrap="none">
+            <a:spAutoFit/>
+          </a:bodyPr>
+          <a:lstStyle/>
+          <a:p>
+            <a:pPr algn="ctr">
+              <a:defRPr sz="1000"/>
+            </a:pPr>
+            <a:r>
+              <a:t>Aux États-Unis l’un des exemples phares de l’union sacrée entre l’IA et la finance est Upstart,</a:t>
+            </a:r>
+            <a:br/>
+            <a:r>
+              <a:t>une plateforme de prêt en ligne qui utilise l'IA pour prédire la probabilité de remboursement</a:t>
+            </a:r>
+            <a:br/>
+            <a:r>
+              <a:t>d'un emprunteur en se basant sur un grand nombre de variables, au-delà de ce que les systèmes</a:t>
+            </a:r>
+            <a:br/>
+            <a:r>
+              <a:t>traditionnels de notation de crédit utilisent. Partant, il devient possible à Upstart de fournir</a:t>
+            </a:r>
+            <a:br/>
+            <a:r>
+              <a:t>des prêts à une plus grande variété d'emprunteurs. C’est une illustration de l’usage de l’IA par</a:t>
+            </a:r>
+            <a:br/>
+            <a:r>
+              <a:t>les institutions financières pour évaluer le risque de crédit, détecter les fraudes, automatiser</a:t>
+            </a:r>
+            <a:br/>
+            <a:r>
+              <a:t>les transactions et offrir des conseils financiers personnalisés. En outre, JP MORGAN s’est</a:t>
+            </a:r>
+            <a:br/>
+            <a:r>
+              <a:t>récemment illustré par la mise sur pied de Coin²¹, un programme basé sur l'intelligence</a:t>
+            </a:r>
+            <a:br/>
+            <a:r>
+              <a:t>artificielle. COIN utilise un réseau cloud privé pour analyser les contrats, réduisant ainsi le</a:t>
+            </a:r>
+            <a:br/>
+            <a:r>
+              <a:t>temps de traitement. Cette initiative a permis à JP Morgan de diminuer les erreurs de prêt</a:t>
+            </a:r>
+            <a:br/>
+            <a:r>
+              <a:t>causées par des erreurs d'interprétation humaine. Cette solution prétend même pouvoir réaliser</a:t>
+            </a:r>
+            <a:br/>
+            <a:r>
+              <a:t>360.000 tâches d’analyse financière en l’espace de quelques secondes.</a:t>
+            </a:r>
+          </a:p>
+        </p:txBody>
+      </p:sp>
+      <p:sp>
+        <p:nvSpPr>
+          <p:cNvPr id="2" name="Title 1"/>
+          <p:cNvSpPr>
+            <a:spLocks noGrp="1"/>
+          </p:cNvSpPr>
+          <p:nvPr>
+            <p:ph type="title"/>
+          </p:nvPr>
+        </p:nvSpPr>
+        <p:spPr>
+          <a:xfrm>
+            <a:off x="138545" y="3960434"/>
+            <a:ext cx="6557819" cy="400000"/>
+          </a:xfrm>
+        </p:spPr>
+        <p:txBody>
+          <a:bodyPr/>
+          <a:lstStyle/>
+          <a:p>
+            <a:pPr>
+              <a:defRPr b="1" i="1">
+                <a:solidFill>
+                  <a:schemeClr val="bg1"/>
+                </a:solidFill>
+              </a:defRPr>
+            </a:pPr>
+            <a:r>
+              <a:t>France</a:t>
+            </a:r>
+          </a:p>
+        </p:txBody>
+      </p:sp>
+      <p:sp>
+        <p:nvSpPr>
+          <p:cNvPr id="6" name="TextBox 5"/>
+          <p:cNvSpPr txBox="1"/>
+          <p:nvPr/>
+        </p:nvSpPr>
+        <p:spPr>
+          <a:xfrm>
+            <a:off x="138545" y="4375434"/>
+            <a:ext cx="6858000" cy="274320"/>
+          </a:xfrm>
+          <a:prstGeom prst="rect">
+            <a:avLst/>
+          </a:prstGeom>
+          <a:noFill/>
+        </p:spPr>
+        <p:txBody>
+          <a:bodyPr wrap="none">
+            <a:spAutoFit/>
+          </a:bodyPr>
+          <a:lstStyle/>
+          <a:p>
+            <a:pPr>
+              <a:defRPr sz="1100" b="1">
+                <a:solidFill>
+                  <a:schemeClr val="accent6"/>
+                </a:solidFill>
+              </a:defRPr>
+            </a:pPr>
+            <a:r>
+              <a:t>Electricité et énergie</a:t>
+            </a:r>
+          </a:p>
+        </p:txBody>
+      </p:sp>
+      <p:sp>
+        <p:nvSpPr>
+          <p:cNvPr id="7" name="TextBox 6"/>
+          <p:cNvSpPr txBox="1"/>
+          <p:nvPr/>
+        </p:nvSpPr>
+        <p:spPr>
+          <a:xfrm>
+            <a:off x="0" y="4649754"/>
+            <a:ext cx="6858000" cy="886766"/>
+          </a:xfrm>
+          <a:prstGeom prst="rect">
+            <a:avLst/>
+          </a:prstGeom>
+          <a:noFill/>
+        </p:spPr>
+        <p:txBody>
+          <a:bodyPr wrap="none">
+            <a:spAutoFit/>
+          </a:bodyPr>
+          <a:lstStyle/>
+          <a:p>
+            <a:pPr algn="ctr">
+              <a:defRPr sz="1000"/>
+            </a:pPr>
+            <a:r>
+              <a:t>EDF, l'un des leaders mondiaux dans le domaine de l'énergie, utilise l'IA²² pour accroitre</a:t>
+            </a:r>
+            <a:br/>
+            <a:r>
+              <a:t>significativement la production et la maintenance de ses installations nucléaires. Au moyen de</a:t>
+            </a:r>
+            <a:br/>
+            <a:r>
+              <a:t>solutions basées sur l'IA, EDF a la capacité de surveiller en temps réel le fonctionnement des</a:t>
+            </a:r>
+            <a:br/>
+            <a:r>
+              <a:t>réacteurs nucléaires et de prédire les besoins de maintenance. Fort de cela, il devient ainsi</a:t>
+            </a:r>
+            <a:br/>
+            <a:r>
+              <a:t>possible d'améliorer la sûreté de ses installations et d'optimiser la production d'énergie.</a:t>
+            </a:r>
+          </a:p>
+        </p:txBody>
+      </p:sp>
+      <p:sp>
+        <p:nvSpPr>
+          <p:cNvPr id="8" name="TextBox 7"/>
+          <p:cNvSpPr txBox="1"/>
+          <p:nvPr/>
+        </p:nvSpPr>
+        <p:spPr>
+          <a:xfrm>
+            <a:off x="138545" y="5536520"/>
+            <a:ext cx="6858000" cy="274320"/>
+          </a:xfrm>
+          <a:prstGeom prst="rect">
+            <a:avLst/>
+          </a:prstGeom>
+          <a:noFill/>
+        </p:spPr>
+        <p:txBody>
+          <a:bodyPr wrap="none">
+            <a:spAutoFit/>
+          </a:bodyPr>
+          <a:lstStyle/>
+          <a:p>
+            <a:pPr>
+              <a:defRPr sz="1100" b="1">
+                <a:solidFill>
+                  <a:schemeClr val="accent6"/>
+                </a:solidFill>
+              </a:defRPr>
+            </a:pPr>
+            <a:r>
+              <a:t>L'agriculture</a:t>
+            </a:r>
+          </a:p>
+        </p:txBody>
+      </p:sp>
+      <p:sp>
+        <p:nvSpPr>
+          <p:cNvPr id="9" name="TextBox 8"/>
+          <p:cNvSpPr txBox="1"/>
+          <p:nvPr/>
+        </p:nvSpPr>
+        <p:spPr>
+          <a:xfrm>
+            <a:off x="0" y="5810840"/>
+            <a:ext cx="6858000" cy="1216417"/>
+          </a:xfrm>
+          <a:prstGeom prst="rect">
+            <a:avLst/>
+          </a:prstGeom>
+          <a:noFill/>
+        </p:spPr>
+        <p:txBody>
+          <a:bodyPr wrap="none">
+            <a:spAutoFit/>
+          </a:bodyPr>
+          <a:lstStyle/>
+          <a:p>
+            <a:pPr algn="ctr">
+              <a:defRPr sz="1000"/>
+            </a:pPr>
+            <a:r>
+              <a:t>L'IA peut être utilisée pour améliorer l'efficacité et la durabilité de l'agriculture. Et c’est</a:t>
+            </a:r>
+            <a:br/>
+            <a:r>
+              <a:t>notamment le cas en France avec Dilepix, une start-up qui développe des outils d'IA pour</a:t>
+            </a:r>
+            <a:br/>
+            <a:r>
+              <a:t>l'agriculture de précision. En utilisant des images provenant de drones, de satellites ou de</a:t>
+            </a:r>
+            <a:br/>
+            <a:r>
+              <a:t>caméras installées sur le terrain, Dilepix²³ a la capacité de surveiller avec une précisions</a:t>
+            </a:r>
+            <a:br/>
+            <a:r>
+              <a:t>optimale les cultures et détecter rapidement les problèmes tels que les maladies ou les</a:t>
+            </a:r>
+            <a:br/>
+            <a:r>
+              <a:t>infestations de parasites. L’idée ici est de permettre aux agriculteurs d'intervenir plus</a:t>
+            </a:r>
+            <a:br/>
+            <a:r>
+              <a:t>rapidement et de manière plus ciblée, pour in fine améliorer les rendements et réduit</a:t>
+            </a:r>
+            <a:br/>
+            <a:r>
+              <a:t>l'utilisation de pesticides.</a:t>
+            </a:r>
+          </a:p>
+        </p:txBody>
+      </p:sp>
+      <p:sp>
+        <p:nvSpPr>
+          <p:cNvPr id="2" name="Title 1"/>
+          <p:cNvSpPr>
+            <a:spLocks noGrp="1"/>
+          </p:cNvSpPr>
+          <p:nvPr>
+            <p:ph type="title"/>
+          </p:nvPr>
+        </p:nvSpPr>
+        <p:spPr>
+          <a:xfrm>
+            <a:off x="138545" y="7042257"/>
+            <a:ext cx="6557819" cy="400000"/>
+          </a:xfrm>
+        </p:spPr>
+        <p:txBody>
+          <a:bodyPr/>
+          <a:lstStyle/>
+          <a:p>
+            <a:pPr>
+              <a:defRPr b="1" i="1">
+                <a:solidFill>
+                  <a:schemeClr val="bg1"/>
+                </a:solidFill>
+              </a:defRPr>
+            </a:pPr>
+            <a:r>
+              <a:t>Grande-Bretagne</a:t>
+            </a:r>
+          </a:p>
+        </p:txBody>
+      </p:sp>
+      <p:sp>
+        <p:nvSpPr>
+          <p:cNvPr id="10" name="TextBox 9"/>
+          <p:cNvSpPr txBox="1"/>
+          <p:nvPr/>
+        </p:nvSpPr>
+        <p:spPr>
+          <a:xfrm>
+            <a:off x="138545" y="7457257"/>
+            <a:ext cx="6858000" cy="274320"/>
+          </a:xfrm>
+          <a:prstGeom prst="rect">
+            <a:avLst/>
+          </a:prstGeom>
+          <a:noFill/>
+        </p:spPr>
+        <p:txBody>
+          <a:bodyPr wrap="none">
+            <a:spAutoFit/>
+          </a:bodyPr>
+          <a:lstStyle/>
+          <a:p>
+            <a:pPr>
+              <a:defRPr sz="1100" b="1">
+                <a:solidFill>
+                  <a:schemeClr val="accent6"/>
+                </a:solidFill>
+              </a:defRPr>
+            </a:pPr>
+            <a:r>
+              <a:t>L’éducation et IA</a:t>
+            </a:r>
+          </a:p>
+        </p:txBody>
+      </p:sp>
+      <p:sp>
+        <p:nvSpPr>
+          <p:cNvPr id="11" name="TextBox 10"/>
+          <p:cNvSpPr txBox="1"/>
+          <p:nvPr/>
+        </p:nvSpPr>
+        <p:spPr>
+          <a:xfrm>
+            <a:off x="0" y="7731577"/>
+            <a:ext cx="6858000" cy="868359"/>
+          </a:xfrm>
+          <a:prstGeom prst="rect">
+            <a:avLst/>
+          </a:prstGeom>
+          <a:noFill/>
+        </p:spPr>
+        <p:txBody>
+          <a:bodyPr wrap="none">
+            <a:spAutoFit/>
+          </a:bodyPr>
+          <a:lstStyle/>
+          <a:p>
+            <a:pPr algn="ctr">
+              <a:defRPr sz="1000"/>
+            </a:pPr>
+            <a:r>
+              <a:t>L'IA est capable d’analyser les performances des élèves et d’ajuster le matériel pédagogique en</a:t>
+            </a:r>
+            <a:br/>
+            <a:r>
+              <a:t>fonction de leurs forces et de leurs faiblesses. Il devient dès lors possible de développer des</a:t>
+            </a:r>
+            <a:br/>
+            <a:r>
+              <a:t>plateformes d'apprentissage en ligne qui utilise l'IA pour adapter le contenu d'apprentissage aux</a:t>
+            </a:r>
+            <a:br/>
+            <a:r>
+              <a:t>besoins spécifiques de chaque étudiant. C’est en plein dans cette dynamique que Century Tech²⁴ </a:t>
+            </a:r>
+            <a:br/>
+            <a:r>
+              <a:t>utilise l'IA pour fournir un apprentissage personnalisé outre-manche.</a:t>
+            </a:r>
+          </a:p>
+        </p:txBody>
+      </p:sp>
+      <p:sp>
+        <p:nvSpPr>
+          <p:cNvPr id="12" name="TextBox 11"/>
+          <p:cNvSpPr txBox="1"/>
+          <p:nvPr/>
+        </p:nvSpPr>
+        <p:spPr>
+          <a:xfrm>
+            <a:off x="138545" y="8599936"/>
+            <a:ext cx="6858000" cy="274320"/>
+          </a:xfrm>
+          <a:prstGeom prst="rect">
+            <a:avLst/>
+          </a:prstGeom>
+          <a:noFill/>
+        </p:spPr>
+        <p:txBody>
+          <a:bodyPr wrap="none">
+            <a:spAutoFit/>
+          </a:bodyPr>
+          <a:lstStyle/>
+          <a:p>
+            <a:pPr>
+              <a:defRPr sz="1100" b="1">
+                <a:solidFill>
+                  <a:schemeClr val="accent6"/>
+                </a:solidFill>
+              </a:defRPr>
+            </a:pPr>
+            <a:r>
+              <a:t>La finance</a:t>
+            </a:r>
+          </a:p>
+        </p:txBody>
+      </p:sp>
+    </p:spTree>
+  </p:cSld>
+  <p:clrMapOvr>
+    <a:masterClrMapping/>
+  </p:clrMapOvr>
+</p:sld>
+</file>
+
+<file path=ppt/slides/slide5.xml><?xml version="1.0" encoding="utf-8"?>
+<p:sld xmlns:a="http://schemas.openxmlformats.org/drawingml/2006/main" xmlns:p="http://schemas.openxmlformats.org/presentationml/2006/main" xmlns:r="http://schemas.openxmlformats.org/officeDocument/2006/relationships">
+  <p:cSld>
+    <p:spTree>
+      <p:nvGrpSpPr>
+        <p:cNvPr id="1" name=""/>
+        <p:cNvGrpSpPr/>
+        <p:nvPr/>
+      </p:nvGrpSpPr>
+      <p:grpSpPr/>
+      <p:sp>
+        <p:nvSpPr>
+          <p:cNvPr id="3" name="TextBox 2"/>
+          <p:cNvSpPr txBox="1"/>
+          <p:nvPr/>
+        </p:nvSpPr>
+        <p:spPr>
+          <a:xfrm>
+            <a:off x="0" y="0"/>
+            <a:ext cx="6858000" cy="1566147"/>
+          </a:xfrm>
+          <a:prstGeom prst="rect">
+            <a:avLst/>
+          </a:prstGeom>
+          <a:noFill/>
+        </p:spPr>
+        <p:txBody>
+          <a:bodyPr wrap="none">
+            <a:spAutoFit/>
+          </a:bodyPr>
+          <a:lstStyle/>
+          <a:p>
+            <a:pPr algn="ctr">
+              <a:defRPr sz="1000"/>
+            </a:pPr>
+            <a:r>
+              <a:t>Le contexte du secteur financier au Royaume-Uni est un terreau fertile à l’implantation de l’IA.</a:t>
+            </a:r>
+            <a:br/>
+            <a:r>
+              <a:t>Très avancé avec un centre financier mondial et de nombreuses entreprises y utilisant l'IA pour</a:t>
+            </a:r>
+            <a:br/>
+            <a:r>
+              <a:t>améliorer leurs services, leur efficacité opérationnelle et les services aux clients, la</a:t>
+            </a:r>
+            <a:br/>
+            <a:r>
+              <a:t>Grande-Bretagne est un exemple de choix. L’un des cas d’école est l’entreprise Revolut, qui</a:t>
+            </a:r>
+            <a:br/>
+            <a:r>
+              <a:t>utilise l'IA pour offrir des services bancaires personnalisés.²⁵ Ils utilisent l'apprentissage</a:t>
+            </a:r>
+            <a:br/>
+            <a:r>
+              <a:t>automatique pour analyser les habitudes de dépenses des clients, ce qui leur permet de proposer</a:t>
+            </a:r>
+            <a:br/>
+            <a:r>
+              <a:t>des produits financiers adaptés aux besoins individuels. L'IA est également utilisée pour</a:t>
+            </a:r>
+            <a:br/>
+            <a:r>
+              <a:t>détecter les transactions frauduleuses et améliorer la sécurité des comptes clients. Ces</a:t>
+            </a:r>
+            <a:br/>
+            <a:r>
+              <a:t>améliorations contribuent à améliorer l'expérience utilisateur et à renforcer la confiance dans</a:t>
+            </a:r>
+            <a:br/>
+            <a:r>
+              <a:t>les services financiers en ligne</a:t>
+            </a:r>
+          </a:p>
+        </p:txBody>
+      </p:sp>
+      <p:sp>
+        <p:nvSpPr>
+          <p:cNvPr id="4" name="TextBox 3"/>
+          <p:cNvSpPr txBox="1"/>
+          <p:nvPr/>
+        </p:nvSpPr>
+        <p:spPr>
+          <a:xfrm>
+            <a:off x="138545" y="1566147"/>
+            <a:ext cx="6858000" cy="274320"/>
+          </a:xfrm>
+          <a:prstGeom prst="rect">
+            <a:avLst/>
+          </a:prstGeom>
+          <a:noFill/>
+        </p:spPr>
+        <p:txBody>
+          <a:bodyPr wrap="none">
+            <a:spAutoFit/>
+          </a:bodyPr>
+          <a:lstStyle/>
+          <a:p>
+            <a:pPr>
+              <a:defRPr sz="1100" b="1">
+                <a:solidFill>
+                  <a:schemeClr val="accent6"/>
+                </a:solidFill>
+              </a:defRPr>
+            </a:pPr>
+            <a:r>
+              <a:t>Le commerce électronique</a:t>
+            </a:r>
+          </a:p>
+        </p:txBody>
+      </p:sp>
+      <p:sp>
+        <p:nvSpPr>
+          <p:cNvPr id="5" name="TextBox 4"/>
+          <p:cNvSpPr txBox="1"/>
+          <p:nvPr/>
+        </p:nvSpPr>
+        <p:spPr>
+          <a:xfrm>
+            <a:off x="0" y="1840467"/>
+            <a:ext cx="6858000" cy="652497"/>
+          </a:xfrm>
+          <a:prstGeom prst="rect">
+            <a:avLst/>
+          </a:prstGeom>
+          <a:noFill/>
+        </p:spPr>
+        <p:txBody>
+          <a:bodyPr wrap="none">
+            <a:spAutoFit/>
+          </a:bodyPr>
+          <a:lstStyle/>
+          <a:p>
+            <a:pPr algn="ctr">
+              <a:defRPr sz="1000"/>
+            </a:pPr>
+            <a:r>
+              <a:t>Ocado,²⁶ l'une des plus grandes entreprises de commerce électronique du Royaume-Uni, utilise l'IA</a:t>
+            </a:r>
+            <a:br/>
+            <a:r>
+              <a:t>pour optimiser ses opérations de stockage et de livraison. Ils ont développé un système de</a:t>
+            </a:r>
+            <a:br/>
+            <a:r>
+              <a:t>gestion d'entrepôt intelligent qui utilise l'IA pour prédire les besoins en stock et optimiser le</a:t>
+            </a:r>
+            <a:br/>
+            <a:r>
+              <a:t>placement des produits dans l'entrepôt.</a:t>
+            </a:r>
+          </a:p>
+        </p:txBody>
+      </p:sp>
+      <p:sp>
+        <p:nvSpPr>
+          <p:cNvPr id="6" name="TextBox 5"/>
+          <p:cNvSpPr txBox="1"/>
+          <p:nvPr/>
+        </p:nvSpPr>
+        <p:spPr>
+          <a:xfrm>
+            <a:off x="0" y="2492964"/>
+            <a:ext cx="6858000" cy="274320"/>
+          </a:xfrm>
+          <a:prstGeom prst="rect">
+            <a:avLst/>
+          </a:prstGeom>
+          <a:noFill/>
+        </p:spPr>
+        <p:txBody>
+          <a:bodyPr wrap="none">
+            <a:spAutoFit/>
+          </a:bodyPr>
+          <a:lstStyle/>
+          <a:p>
+            <a:pPr algn="ctr">
+              <a:defRPr sz="1000"/>
+            </a:pPr>
+            <a:r>
+              <a:t>endnote1)</a:t>
             </a:r>
           </a:p>
         </p:txBody>

--- a/powerpoints/test.pptx
+++ b/powerpoints/test.pptx
@@ -8,8 +8,6 @@
     <p:sldId id="259" r:id="rId5"/>
     <p:sldId id="260" r:id="rId6"/>
     <p:sldId id="261" r:id="rId11"/>
-    <p:sldId id="262" r:id="rId12"/>
-    <p:sldId id="263" r:id="rId13"/>
   </p:sldIdLst>
   <p:sldSz cx="6858000" cy="9144000" type="letter"/>
   <p:notesSz cx="6858000" cy="9144000"/>
@@ -235,7 +233,7 @@
             <a:fld id="{FDCA904F-AFE4-4F4A-AA13-CC2FD407ABB0}" type="datetimeFigureOut">
               <a:rPr lang="fr-CA" smtClean="0"/>
               <a:pPr/>
-              <a:t>2023-06-21</a:t>
+              <a:t>2023-06-28</a:t>
             </a:fld>
             <a:endParaRPr lang="fr-CA" dirty="0"/>
           </a:p>
@@ -1619,7 +1617,7 @@
             <a:fld id="{FDCA904F-AFE4-4F4A-AA13-CC2FD407ABB0}" type="datetimeFigureOut">
               <a:rPr lang="fr-CA" smtClean="0"/>
               <a:pPr/>
-              <a:t>2023-06-21</a:t>
+              <a:t>2023-06-28</a:t>
             </a:fld>
             <a:endParaRPr lang="fr-CA" dirty="0"/>
           </a:p>
@@ -2077,14 +2075,8 @@
           <a:lstStyle/>
           <a:p>
             <a:r>
-              <a:rPr lang="fr-CA" sz="2000" dirty="0"/>
-              <a:t>Titre </a:t>
-            </a:r>
-            <a:r>
-              <a:rPr lang="fr-CA" sz="2000"/>
-              <a:t>de l’article</a:t>
-            </a:r>
-            <a:endParaRPr lang="fr-CA" sz="2000" dirty="0"/>
+              <a:t>ihueow fbreuw ew fuyer dewq dbhewqf hueqw qfewq j3 few,qfew</a:t>
+            </a:r>
           </a:p>
         </p:txBody>
       </p:sp>
@@ -2139,8 +2131,7 @@
           <a:lstStyle/>
           <a:p>
             <a:r>
-              <a:rPr lang="fr-CA" sz="1100" dirty="0"/>
-              <a:t>Sous-titre</a:t>
+              <a:t>ihueow fbrfeue ejw fewjqhla lq wqf hueqw qfewq j3 few,qfew</a:t>
             </a:r>
           </a:p>
         </p:txBody>
@@ -2310,7 +2301,125 @@
         </p:nvSpPr>
         <p:spPr>
           <a:xfrm>
-            <a:off x="138545" y="530000"/>
+            <a:off x="0" y="530000"/>
+            <a:ext cx="6858000" cy="2059786"/>
+          </a:xfrm>
+          <a:prstGeom prst="rect">
+            <a:avLst/>
+          </a:prstGeom>
+          <a:noFill/>
+        </p:spPr>
+        <p:txBody>
+          <a:bodyPr wrap="none">
+            <a:spAutoFit/>
+          </a:bodyPr>
+          <a:lstStyle/>
+          <a:p>
+            <a:pPr algn="ctr">
+              <a:defRPr sz="1000"/>
+            </a:pPr>
+            <a:r>
+              <a:t>CENGN, une organisation basée à Ottawa, possède une serre intelligente en Ontario qui utilise</a:t>
+            </a:r>
+            <a:br/>
+            <a:r>
+              <a:t>l’Internet des objets pour s’automatiser, servant de laboratoire pour que les compagnies œuvrant</a:t>
+            </a:r>
+            <a:br/>
+            <a:r>
+              <a:t>dans le domaine des technologies de l’agriculture puissent prototyper². L’infrastructure récolte</a:t>
+            </a:r>
+            <a:br/>
+            <a:r>
+              <a:t>constamment des données comme l’humidité, la température et des images provenant d’objets</a:t>
+            </a:r>
+            <a:br/>
+            <a:r>
+              <a:t>connectés. Le CENGN utilise l’informatique de périphérie pour traiter ces données sur des</a:t>
+            </a:r>
+            <a:br/>
+            <a:r>
+              <a:t>serveurs mis en place directement sur le site de la serre. Les serveurs utilisent ces données</a:t>
+            </a:r>
+            <a:br/>
+            <a:r>
+              <a:t>pour prendre une décision et renvoie une réponse aux objets connectés en conséquence. Malgré que</a:t>
+            </a:r>
+            <a:br/>
+            <a:r>
+              <a:t>ce ne soit qu’un prototype, l’organisation croit que les futures serres intelligentes utiliseront</a:t>
+            </a:r>
+            <a:br/>
+            <a:r>
+              <a:t>l’informatique de périphérie plutôt que d’utiliser un fournisseur infonuagique certainement situé</a:t>
+            </a:r>
+            <a:br/>
+            <a:r>
+              <a:t>plus loin géographiquement. Au lieu que les données fassent des aller-retours sur de longues</a:t>
+            </a:r>
+            <a:br/>
+            <a:r>
+              <a:t>distances, cela fait en sorte que les données provenant des capteurs de la serre ont une très</a:t>
+            </a:r>
+            <a:br/>
+            <a:r>
+              <a:t>petite distance à parcourir avant d’être analysés, donc une plus petite latence et une</a:t>
+            </a:r>
+            <a:br/>
+            <a:r>
+              <a:t>utilisation moins gourmande du réseau.</a:t>
+            </a:r>
+          </a:p>
+        </p:txBody>
+      </p:sp>
+      <p:sp>
+        <p:nvSpPr>
+          <p:cNvPr id="2" name="Titre 1">
+            <a:extLst>
+              <a:ext uri="{FF2B5EF4-FFF2-40B4-BE49-F238E27FC236}">
+                <a16:creationId xmlns:a16="http://schemas.microsoft.com/office/drawing/2014/main" id="{486D4E87-2BC6-989D-C31B-C94C23654F8A}"/>
+              </a:ext>
+            </a:extLst>
+          </p:cNvPr>
+          <p:cNvSpPr>
+            <a:spLocks noGrp="1"/>
+          </p:cNvSpPr>
+          <p:nvPr>
+            <p:ph type="title"/>
+          </p:nvPr>
+        </p:nvSpPr>
+        <p:spPr>
+          <a:xfrm>
+            <a:off x="138545" y="2604786"/>
+            <a:ext cx="6557819" cy="400000"/>
+          </a:xfrm>
+        </p:spPr>
+        <p:txBody>
+          <a:bodyPr/>
+          <a:lstStyle/>
+          <a:p>
+            <a:pPr>
+              <a:defRPr b="1" i="1">
+                <a:solidFill>
+                  <a:schemeClr val="bg1"/>
+                </a:solidFill>
+              </a:defRPr>
+            </a:pPr>
+            <a:r>
+              <a:t>États-Unis</a:t>
+            </a:r>
+          </a:p>
+        </p:txBody>
+      </p:sp>
+      <p:sp>
+        <p:nvSpPr>
+          <p:cNvPr id="4" name="TextBox 3"/>
+          <p:cNvSpPr txBox="1"/>
+          <p:nvPr/>
+        </p:nvSpPr>
+        <p:spPr>
+          <a:xfrm>
+            <a:off x="138545" y="3019786"/>
             <a:ext cx="6858000" cy="274320"/>
           </a:xfrm>
           <a:prstGeom prst="rect">
@@ -2332,21 +2441,21 @@
               </a:defRPr>
             </a:pPr>
             <a:r>
-              <a:t>Santé</a:t>
-            </a:r>
-          </a:p>
-        </p:txBody>
-      </p:sp>
-      <p:sp>
-        <p:nvSpPr>
-          <p:cNvPr id="4" name="TextBox 3"/>
+              <a:t>Technologies Web</a:t>
+            </a:r>
+          </a:p>
+        </p:txBody>
+      </p:sp>
+      <p:sp>
+        <p:nvSpPr>
+          <p:cNvPr id="5" name="TextBox 4"/>
           <p:cNvSpPr txBox="1"/>
           <p:nvPr/>
         </p:nvSpPr>
         <p:spPr>
           <a:xfrm>
-            <a:off x="0" y="804320"/>
-            <a:ext cx="6858000" cy="1356978"/>
+            <a:off x="0" y="3294106"/>
+            <a:ext cx="6858000" cy="1710056"/>
           </a:xfrm>
           <a:prstGeom prst="rect">
             <a:avLst/>
@@ -2363,48 +2472,119 @@
               <a:defRPr sz="1000"/>
             </a:pPr>
             <a:r>
-              <a:t>Le cas de Deep Genomics⁹ au Canada est un bel exemple d’utilisation de l'IA dans les soins de</a:t>
-            </a:r>
-            <a:br/>
-            <a:r>
-              <a:t>santé, cela grâce à des algorithmes servant à prédire des maladies, à améliorer le diagnostic et</a:t>
-            </a:r>
-            <a:br/>
-            <a:r>
-              <a:t>à personnaliser les traitements. Dans ce contexte, l'intelligence artificielle est utilisée pour</a:t>
-            </a:r>
-            <a:br/>
-            <a:r>
-              <a:t>analyser des données génétiques dans le but d'identifier de nouvelles cibles pour le</a:t>
-            </a:r>
-            <a:br/>
-            <a:r>
-              <a:t>développement de médicaments. Il est également fait recours à l'apprentissage automatique pour</a:t>
-            </a:r>
-            <a:br/>
-            <a:r>
-              <a:t>prédire comment les mutations génétiques peuvent affecter la fonction des protéines et causer des</a:t>
-            </a:r>
-            <a:br/>
-            <a:r>
-              <a:t>maladies. Cela peut aider à accélérer le processus de découverte de médicaments et à développer</a:t>
-            </a:r>
-            <a:br/>
-            <a:r>
-              <a:t>de nouvelles thérapies pour des maladies qui étaient auparavant difficiles à traiter.</a:t>
-            </a:r>
-          </a:p>
-        </p:txBody>
-      </p:sp>
-      <p:sp>
-        <p:nvSpPr>
-          <p:cNvPr id="5" name="TextBox 4"/>
+              <a:t>Cloudflare est une entreprise américaine qui offre des services de sécurité pour les sites web³.</a:t>
+            </a:r>
+            <a:br/>
+            <a:r>
+              <a:t>Les entreprises voulant un site web fiable et non-vulnérable, mais ne voulant pas s’occuper de</a:t>
+            </a:r>
+            <a:br/>
+            <a:r>
+              <a:t>toute la maintenance, utilisent Cloudflare. Ce service se place entre les utilisateurs et le site</a:t>
+            </a:r>
+            <a:br/>
+            <a:r>
+              <a:t>web et peut répartir les requêtes, s’assurant de ne pas surcharger le site en question. Si un</a:t>
+            </a:r>
+            <a:br/>
+            <a:r>
+              <a:t>utilisateur est au Québec et que le site web est hébergé à Londres, l’utilisateur va en premier</a:t>
+            </a:r>
+            <a:br/>
+            <a:r>
+              <a:t>devoir passer par le serveur de Cloudflare avant d’accéder au site web. Cela offre une protection</a:t>
+            </a:r>
+            <a:br/>
+            <a:r>
+              <a:t>au site, mais ajoute aussi une étape intermédiaire qui augmente la distance que doit parcourir</a:t>
+            </a:r>
+            <a:br/>
+            <a:r>
+              <a:t>les données et peut faire doubler le temps de chargement. Pour remédier à cela, Cloudflare a un</a:t>
+            </a:r>
+            <a:br/>
+            <a:r>
+              <a:t>réseau de serveurs périphériques à plusieurs endroits dans le monde, ce qui veut dire qu’il y a</a:t>
+            </a:r>
+            <a:br/>
+            <a:r>
+              <a:t>toujours un serveur à proximité de l’utilisateur. De cette manière, la latence est minimisée.</a:t>
+            </a:r>
+          </a:p>
+        </p:txBody>
+      </p:sp>
+      <p:sp>
+        <p:nvSpPr>
+          <p:cNvPr id="6" name="TextBox 5"/>
           <p:cNvSpPr txBox="1"/>
           <p:nvPr/>
         </p:nvSpPr>
         <p:spPr>
           <a:xfrm>
-            <a:off x="138545" y="2161298"/>
+            <a:off x="0" y="5004162"/>
+            <a:ext cx="6858000" cy="1378732"/>
+          </a:xfrm>
+          <a:prstGeom prst="rect">
+            <a:avLst/>
+          </a:prstGeom>
+          <a:noFill/>
+        </p:spPr>
+        <p:txBody>
+          <a:bodyPr wrap="none">
+            <a:spAutoFit/>
+          </a:bodyPr>
+          <a:lstStyle/>
+          <a:p>
+            <a:pPr algn="ctr">
+              <a:defRPr sz="1000"/>
+            </a:pPr>
+            <a:r>
+              <a:t>L’informatique de périphérie est aussi utilisée par des solutions d’hébergement de sites web.</a:t>
+            </a:r>
+            <a:br/>
+            <a:r>
+              <a:t>Vercel est un hébergeur de sites web qui offre la possibilité de déployer son site sur plusieurs</a:t>
+            </a:r>
+            <a:br/>
+            <a:r>
+              <a:t>lieux géographiques en même temps. En effet, grâce à son “Edge Network”⁴, Vercel déploie les</a:t>
+            </a:r>
+            <a:br/>
+            <a:r>
+              <a:t>sites web de ses clients sur différents serveurs dans le monde. L’avantage est que si un</a:t>
+            </a:r>
+            <a:br/>
+            <a:r>
+              <a:t>utilisateur veut se connecter au site, il va se connecter au serveur le plus rapproché.</a:t>
+            </a:r>
+            <a:br/>
+            <a:r>
+              <a:t>Traditionnellement, un site web hébergé à un seul endroit ne pouvait pas offrir le même temps de</a:t>
+            </a:r>
+            <a:br/>
+            <a:r>
+              <a:t>chargement à tout le monde dépendamment de la position géographique des utilisateurs, mais avec</a:t>
+            </a:r>
+            <a:br/>
+            <a:r>
+              <a:t>l’informatique de périphérie, Vercel peut garantir un court temps de chargement peu importe</a:t>
+            </a:r>
+            <a:br/>
+            <a:r>
+              <a:t>l’emplacement.</a:t>
+            </a:r>
+          </a:p>
+        </p:txBody>
+      </p:sp>
+      <p:sp>
+        <p:nvSpPr>
+          <p:cNvPr id="7" name="TextBox 6"/>
+          <p:cNvSpPr txBox="1"/>
+          <p:nvPr/>
+        </p:nvSpPr>
+        <p:spPr>
+          <a:xfrm>
+            <a:off x="138545" y="6382894"/>
             <a:ext cx="6858000" cy="274320"/>
           </a:xfrm>
           <a:prstGeom prst="rect">
@@ -2426,21 +2606,21 @@
               </a:defRPr>
             </a:pPr>
             <a:r>
-              <a:t>L’environnement et l’énergie</a:t>
-            </a:r>
-          </a:p>
-        </p:txBody>
-      </p:sp>
-      <p:sp>
-        <p:nvSpPr>
-          <p:cNvPr id="6" name="TextBox 5"/>
+              <a:t>Industriel</a:t>
+            </a:r>
+          </a:p>
+        </p:txBody>
+      </p:sp>
+      <p:sp>
+        <p:nvSpPr>
+          <p:cNvPr id="8" name="TextBox 7"/>
           <p:cNvSpPr txBox="1"/>
           <p:nvPr/>
         </p:nvSpPr>
         <p:spPr>
           <a:xfrm>
-            <a:off x="0" y="2435618"/>
-            <a:ext cx="6858000" cy="1842250"/>
+            <a:off x="0" y="6657214"/>
+            <a:ext cx="6858000" cy="2217081"/>
           </a:xfrm>
           <a:prstGeom prst="rect">
             <a:avLst/>
@@ -2457,262 +2637,59 @@
               <a:defRPr sz="1000"/>
             </a:pPr>
             <a:r>
-              <a:t>Opus One Solutions est une entreprise basée à Toronto qui utilise l'IA pour améliorer grandement</a:t>
-            </a:r>
-            <a:br/>
-            <a:r>
-              <a:t>la distribution d'énergie dans les réseaux électriques. Ils se sont spécialisés dans le</a:t>
-            </a:r>
-            <a:br/>
-            <a:r>
-              <a:t>développement d’une plateforme appelée GridOS¹⁰ qui utilise l'IA et l'analyse de données pour</a:t>
-            </a:r>
-            <a:br/>
-            <a:r>
-              <a:t>modéliser et simuler le flux d'électricité dans un réseau de distribution. Cette technologie</a:t>
-            </a:r>
-            <a:br/>
-            <a:r>
-              <a:t>offre aux fournisseurs d'énergie la possibilité de mieux comprendre comment l'énergie est</a:t>
-            </a:r>
-            <a:br/>
-            <a:r>
-              <a:t>utilisée dans le réseau, ce qui peut aider à identifier les inefficacités et à optimiser la</a:t>
-            </a:r>
-            <a:br/>
-            <a:r>
-              <a:t>distribution d'énergie. Ainsi, GridOS peut aider à intégrer les sources d'énergie renouvelables</a:t>
-            </a:r>
-            <a:br/>
-            <a:r>
-              <a:t>dans le réseau de manière plus efficace en prévoyant la production d'énergie en fonction des</a:t>
-            </a:r>
-            <a:br/>
-            <a:r>
-              <a:t>conditions météorologiques et de la demande en électricité. Cette utilisation de l'IA peut non</a:t>
-            </a:r>
-            <a:br/>
-            <a:r>
-              <a:t>seulement améliorer l'efficacité énergétique, mais aussi favoriser une transition plus fluide</a:t>
-            </a:r>
-            <a:br/>
-            <a:r>
-              <a:t>vers les sources d'énergie renouvelables, ce qui est crucial pour lutter contre le changement</a:t>
-            </a:r>
-            <a:br/>
-            <a:r>
-              <a:t>climatique.</a:t>
-            </a:r>
-          </a:p>
-        </p:txBody>
-      </p:sp>
-      <p:sp>
-        <p:nvSpPr>
-          <p:cNvPr id="7" name="TextBox 6"/>
-          <p:cNvSpPr txBox="1"/>
-          <p:nvPr/>
-        </p:nvSpPr>
-        <p:spPr>
-          <a:xfrm>
-            <a:off x="138545" y="4277868"/>
-            <a:ext cx="6858000" cy="274320"/>
-          </a:xfrm>
-          <a:prstGeom prst="rect">
-            <a:avLst/>
-          </a:prstGeom>
-          <a:noFill/>
-        </p:spPr>
-        <p:txBody>
-          <a:bodyPr wrap="none">
-            <a:spAutoFit/>
-          </a:bodyPr>
-          <a:lstStyle/>
-          <a:p>
-            <a:pPr>
-              <a:defRPr sz="1100" b="1">
-                <a:solidFill>
-                  <a:schemeClr val="accent6"/>
-                </a:solidFill>
-              </a:defRPr>
-            </a:pPr>
-            <a:r>
-              <a:t>Les services financiers</a:t>
-            </a:r>
-          </a:p>
-        </p:txBody>
-      </p:sp>
-      <p:sp>
-        <p:nvSpPr>
-          <p:cNvPr id="8" name="TextBox 7"/>
-          <p:cNvSpPr txBox="1"/>
-          <p:nvPr/>
-        </p:nvSpPr>
-        <p:spPr>
-          <a:xfrm>
-            <a:off x="0" y="4552188"/>
-            <a:ext cx="6858000" cy="993861"/>
-          </a:xfrm>
-          <a:prstGeom prst="rect">
-            <a:avLst/>
-          </a:prstGeom>
-          <a:noFill/>
-        </p:spPr>
-        <p:txBody>
-          <a:bodyPr wrap="none">
-            <a:spAutoFit/>
-          </a:bodyPr>
-          <a:lstStyle/>
-          <a:p>
-            <a:pPr algn="ctr">
-              <a:defRPr sz="1000"/>
-            </a:pPr>
-            <a:r>
-              <a:t>Avec des entreprises comme Wealthsimple qui utilisent l'IA pour fournir des conseils financiers</a:t>
-            </a:r>
-            <a:br/>
-            <a:r>
-              <a:t>personnalisés, le Canada propose des solutions innovantes d’intégration de cette technologie au</a:t>
-            </a:r>
-            <a:br/>
-            <a:r>
-              <a:t>monde de la finance. En effet, Wealthsimple¹¹ utilise l'IA pour fournir des conseils</a:t>
-            </a:r>
-            <a:br/>
-            <a:r>
-              <a:t>d'investissement automatisés. En utilisant des algorithmes, la plateforme peut analyser les</a:t>
-            </a:r>
-            <a:br/>
-            <a:r>
-              <a:t>données financières de l'utilisateur, comprendre ses objectifs financiers, évaluer sa tolérance</a:t>
-            </a:r>
-            <a:br/>
-            <a:r>
-              <a:t>au risque et créer un portefeuille d'investissement personnalisé.</a:t>
-            </a:r>
-          </a:p>
-        </p:txBody>
-      </p:sp>
-      <p:sp>
-        <p:nvSpPr>
-          <p:cNvPr id="9" name="TextBox 8"/>
-          <p:cNvSpPr txBox="1"/>
-          <p:nvPr/>
-        </p:nvSpPr>
-        <p:spPr>
-          <a:xfrm>
-            <a:off x="138545" y="5546049"/>
-            <a:ext cx="6858000" cy="274320"/>
-          </a:xfrm>
-          <a:prstGeom prst="rect">
-            <a:avLst/>
-          </a:prstGeom>
-          <a:noFill/>
-        </p:spPr>
-        <p:txBody>
-          <a:bodyPr wrap="none">
-            <a:spAutoFit/>
-          </a:bodyPr>
-          <a:lstStyle/>
-          <a:p>
-            <a:pPr>
-              <a:defRPr sz="1100" b="1">
-                <a:solidFill>
-                  <a:schemeClr val="accent6"/>
-                </a:solidFill>
-              </a:defRPr>
-            </a:pPr>
-            <a:r>
-              <a:t>L’agriculture</a:t>
-            </a:r>
-          </a:p>
-        </p:txBody>
-      </p:sp>
-      <p:sp>
-        <p:nvSpPr>
-          <p:cNvPr id="10" name="TextBox 9"/>
-          <p:cNvSpPr txBox="1"/>
-          <p:nvPr/>
-        </p:nvSpPr>
-        <p:spPr>
-          <a:xfrm>
-            <a:off x="0" y="5820369"/>
-            <a:ext cx="6858000" cy="1203030"/>
-          </a:xfrm>
-          <a:prstGeom prst="rect">
-            <a:avLst/>
-          </a:prstGeom>
-          <a:noFill/>
-        </p:spPr>
-        <p:txBody>
-          <a:bodyPr wrap="none">
-            <a:spAutoFit/>
-          </a:bodyPr>
-          <a:lstStyle/>
-          <a:p>
-            <a:pPr algn="ctr">
-              <a:defRPr sz="1000"/>
-            </a:pPr>
-            <a:r>
-              <a:t>Blue River Technology, qui est une filiale de John Deere, s’impose encore en 2023 avec une</a:t>
-            </a:r>
-            <a:br/>
-            <a:r>
-              <a:t>technologie d'agriculture de précision qui utilise l'IA pour identifier et éliminer les mauvaises</a:t>
-            </a:r>
-            <a:br/>
-            <a:r>
-              <a:t>herbes. Leur technologie "See &amp; Spray"¹² utilise l'apprentissage automatique pour différencier</a:t>
-            </a:r>
-            <a:br/>
-            <a:r>
-              <a:t>les plantes des mauvaises herbes et appliquer les herbicides de manière plus précise, ce qui</a:t>
-            </a:r>
-            <a:br/>
-            <a:r>
-              <a:t>réduit l'utilisation de produits chimiques et améliore les rendements agricoles. Par ailleurs</a:t>
-            </a:r>
-            <a:br/>
-            <a:r>
-              <a:t>l’entreprise québécoise Vooban¹³, spécialisée dans l’agriculture de précision a développé une</a:t>
-            </a:r>
-            <a:br/>
-            <a:r>
-              <a:t>technologie fondée sur l’IA capable de trier et d’apprécier la qualité de pommes de terre.</a:t>
-            </a:r>
-          </a:p>
-        </p:txBody>
-      </p:sp>
-      <p:sp>
-        <p:nvSpPr>
-          <p:cNvPr id="11" name="TextBox 10"/>
-          <p:cNvSpPr txBox="1"/>
-          <p:nvPr/>
-        </p:nvSpPr>
-        <p:spPr>
-          <a:xfrm>
-            <a:off x="138545" y="7023399"/>
-            <a:ext cx="6858000" cy="274320"/>
-          </a:xfrm>
-          <a:prstGeom prst="rect">
-            <a:avLst/>
-          </a:prstGeom>
-          <a:noFill/>
-        </p:spPr>
-        <p:txBody>
-          <a:bodyPr wrap="none">
-            <a:spAutoFit/>
-          </a:bodyPr>
-          <a:lstStyle/>
-          <a:p>
-            <a:pPr>
-              <a:defRPr sz="1100" b="1">
-                <a:solidFill>
-                  <a:schemeClr val="accent6"/>
-                </a:solidFill>
-              </a:defRPr>
-            </a:pPr>
-            <a:r>
-              <a:t>Les Initiatives gouvernementales</a:t>
+              <a:t>Chevron, une compagnie dans l’industrie du pétrole, utilise l’informatique de périphérie pour</a:t>
+            </a:r>
+            <a:br/>
+            <a:r>
+              <a:t>plusieurs tâches. En effet, dû à ses opérations dans plusieurs endroits dans le monde, l’Internet</a:t>
+            </a:r>
+            <a:br/>
+            <a:r>
+              <a:t>n’est pas toujours facile d’accès. Par exemple, la compagnie possède des installations au large</a:t>
+            </a:r>
+            <a:br/>
+            <a:r>
+              <a:t>de la mer, les rendant très éloignées. Il est donc très approprié que les installations éloignées</a:t>
+            </a:r>
+            <a:br/>
+            <a:r>
+              <a:t>aient leurs propres serveurs sur place. Effectivement, leurs plateformes pétrolières collectent</a:t>
+            </a:r>
+            <a:br/>
+            <a:r>
+              <a:t>beaucoup de données provenant de capteurs qui surveillent la qualité de la machinerie⁵. Certains</a:t>
+            </a:r>
+            <a:br/>
+            <a:r>
+              <a:t>capteurs surveillent du matériel critique afin notamment d’assurer que la pression dans les</a:t>
+            </a:r>
+            <a:br/>
+            <a:r>
+              <a:t>tuyaux n’est pas trop élevée. Si ces capteurs détectent quelque chose d’anormal, il faut qu’ils</a:t>
+            </a:r>
+            <a:br/>
+            <a:r>
+              <a:t>agissent rapidement. Avoir des serveurs sur place leur permet de réduire la latence au maximum.</a:t>
+            </a:r>
+            <a:br/>
+            <a:r>
+              <a:t>En plus, ils sauvent beaucoup de bande passante, donc aussi de l’argent. Comme la compagnie opère</a:t>
+            </a:r>
+            <a:br/>
+            <a:r>
+              <a:t>dans différents pays, cela facilite aussi la conformité avec les lois sur la résidence des</a:t>
+            </a:r>
+            <a:br/>
+            <a:r>
+              <a:t>données de chaque pays⁶. Les données peuvent être traitées sur place de manière conforme aux lois</a:t>
+            </a:r>
+            <a:br/>
+            <a:r>
+              <a:t>du pays dans lequel les données sont collectées, avant d’être envoyées aux serveurs du siège</a:t>
+            </a:r>
+            <a:br/>
+            <a:r>
+              <a:t>social de Chevron.</a:t>
             </a:r>
           </a:p>
         </p:txBody>
@@ -2742,128 +2719,6 @@
       <p:grpSpPr/>
       <p:sp>
         <p:nvSpPr>
-          <p:cNvPr id="3" name="TextBox 2"/>
-          <p:cNvSpPr txBox="1"/>
-          <p:nvPr/>
-        </p:nvSpPr>
-        <p:spPr>
-          <a:xfrm>
-            <a:off x="0" y="0"/>
-            <a:ext cx="6858000" cy="2156841"/>
-          </a:xfrm>
-          <a:prstGeom prst="rect">
-            <a:avLst/>
-          </a:prstGeom>
-          <a:noFill/>
-        </p:spPr>
-        <p:txBody>
-          <a:bodyPr wrap="none">
-            <a:spAutoFit/>
-          </a:bodyPr>
-          <a:lstStyle/>
-          <a:p>
-            <a:pPr algn="ctr">
-              <a:defRPr sz="1000"/>
-            </a:pPr>
-            <a:r>
-              <a:t>En 2017, le gouvernement canadien, par l'intermédiaire de l'Institut canadien de recherches</a:t>
-            </a:r>
-            <a:br/>
-            <a:r>
-              <a:t>avancées (CIFAR)¹⁴, a lancé la Stratégie pancanadienne en matière d'IA. C'est le premier</a:t>
-            </a:r>
-            <a:br/>
-            <a:r>
-              <a:t>programme national d'IA au monde, avec un investissement de 125 millions de dollars canadiens sur</a:t>
-            </a:r>
-            <a:br/>
-            <a:r>
-              <a:t>cinq ans. L'objectif de cette stratégie est de soutenir la recherche sur l'IA, de développer le</a:t>
-            </a:r>
-            <a:br/>
-            <a:r>
-              <a:t>talent en IA et de stimuler l'adoption de l'IA dans les secteurs public et privé. Dans le cadre</a:t>
-            </a:r>
-            <a:br/>
-            <a:r>
-              <a:t>de cette stratégie, trois nouveaux instituts d'IA ont été créés dans le pays : L'Institut d'IA</a:t>
-            </a:r>
-            <a:br/>
-            <a:r>
-              <a:t>Amii (Alberta Machine Intelligence Institute) à Edmonton, l'Institut Vector pour l'intelligence</a:t>
-            </a:r>
-            <a:br/>
-            <a:r>
-              <a:t>artificielle à Toronto et le MILA (Institut québécois d'intelligence artificielle) à Montréal.</a:t>
-            </a:r>
-            <a:br/>
-            <a:r>
-              <a:t>Ces instituts sont chargés de la recherche en IA, de la formation des futurs experts en IA et de</a:t>
-            </a:r>
-            <a:br/>
-            <a:r>
-              <a:t>la collaboration avec les entreprises pour aider à l'adoption de l'IA. Ils travaillent également</a:t>
-            </a:r>
-            <a:br/>
-            <a:r>
-              <a:t>avec le gouvernement et le public pour discuter des implications éthiques de l'IA. Encore en 2023</a:t>
-            </a:r>
-            <a:br/>
-            <a:r>
-              <a:t>plusieurs initiatives ont été prises sous la houlette de la Stratégie pancanadienne en matière</a:t>
-            </a:r>
-            <a:br/>
-            <a:r>
-              <a:t>d'IA, à l’instar de l’organisation de symposium sur l’énergie et l’environnement.</a:t>
-            </a:r>
-          </a:p>
-        </p:txBody>
-      </p:sp>
-      <p:sp>
-        <p:nvSpPr>
-          <p:cNvPr id="4" name="TextBox 3"/>
-          <p:cNvSpPr txBox="1"/>
-          <p:nvPr/>
-        </p:nvSpPr>
-        <p:spPr>
-          <a:xfrm>
-            <a:off x="0" y="2156841"/>
-            <a:ext cx="6858000" cy="714411"/>
-          </a:xfrm>
-          <a:prstGeom prst="rect">
-            <a:avLst/>
-          </a:prstGeom>
-          <a:noFill/>
-        </p:spPr>
-        <p:txBody>
-          <a:bodyPr wrap="none">
-            <a:spAutoFit/>
-          </a:bodyPr>
-          <a:lstStyle/>
-          <a:p>
-            <a:pPr algn="ctr">
-              <a:defRPr sz="1000"/>
-            </a:pPr>
-            <a:r>
-              <a:t>Dans le même sens, la province de Québec s’est illustrée par la mise en place d’une stratégie</a:t>
-            </a:r>
-            <a:br/>
-            <a:r>
-              <a:t>d’intégration de l’IA au sein du dispositif de l’administration publique. Cette stratégie se</a:t>
-            </a:r>
-            <a:br/>
-            <a:r>
-              <a:t>déployant sur l’horizon 2021- 2026 développe l’intérêt de l’IA, ses potentialités dans un</a:t>
-            </a:r>
-            <a:br/>
-            <a:r>
-              <a:t>contexte d’intégration au secteur public mais aussi les enjeux d’une telle démarche.¹⁵</a:t>
-            </a:r>
-          </a:p>
-        </p:txBody>
-      </p:sp>
-      <p:sp>
-        <p:nvSpPr>
           <p:cNvPr id="2" name="Title 1"/>
           <p:cNvSpPr>
             <a:spLocks noGrp="1"/>
@@ -2874,7 +2729,7 @@
         </p:nvSpPr>
         <p:spPr>
           <a:xfrm>
-            <a:off x="138545" y="2886252"/>
+            <a:off x="138545" y="15000"/>
             <a:ext cx="6557819" cy="400000"/>
           </a:xfrm>
         </p:spPr>
@@ -2890,20 +2745,112 @@
               </a:defRPr>
             </a:pPr>
             <a:r>
-              <a:t>Etats-unis</a:t>
-            </a:r>
-          </a:p>
-        </p:txBody>
-      </p:sp>
-      <p:sp>
-        <p:nvSpPr>
-          <p:cNvPr id="5" name="TextBox 4"/>
+              <a:t>France</a:t>
+            </a:r>
+          </a:p>
+        </p:txBody>
+      </p:sp>
+      <p:sp>
+        <p:nvSpPr>
+          <p:cNvPr id="3" name="TextBox 2"/>
           <p:cNvSpPr txBox="1"/>
           <p:nvPr/>
         </p:nvSpPr>
         <p:spPr>
           <a:xfrm>
-            <a:off x="138545" y="3301252"/>
+            <a:off x="0" y="430000"/>
+            <a:ext cx="6858000" cy="1351958"/>
+          </a:xfrm>
+          <a:prstGeom prst="rect">
+            <a:avLst/>
+          </a:prstGeom>
+          <a:noFill/>
+        </p:spPr>
+        <p:txBody>
+          <a:bodyPr wrap="none">
+            <a:spAutoFit/>
+          </a:bodyPr>
+          <a:lstStyle/>
+          <a:p>
+            <a:pPr algn="ctr">
+              <a:defRPr sz="1000"/>
+            </a:pPr>
+            <a:r>
+              <a:t>Menta est une compagnie qui se spécialise dans les puces reprogrammables. C’est-à-dire des</a:t>
+            </a:r>
+            <a:br/>
+            <a:r>
+              <a:t>microprocesseurs avec une circuiterie modifiable même après la fabrication. La compagnie croit</a:t>
+            </a:r>
+            <a:br/>
+            <a:r>
+              <a:t>que l’informatique de périphérie nécessitera des machines avec microprocesseurs personnalisés⁷.</a:t>
+            </a:r>
+            <a:br/>
+            <a:r>
+              <a:t>En effet, les serveurs qui analysent les données à proximité de leur source, ont souvent une</a:t>
+            </a:r>
+            <a:br/>
+            <a:r>
+              <a:t>tâche très spécifique et traitent les données de manière différente en fonction de ce que veut la</a:t>
+            </a:r>
+            <a:br/>
+            <a:r>
+              <a:t>compagnie. Comme les microprocesseurs traditionnels tout usage ne sont pas nécessairement</a:t>
+            </a:r>
+            <a:br/>
+            <a:r>
+              <a:t>optimisés pour cette tâche, Menta offre la possibilité de programmer une puce pour qu’elle soit</a:t>
+            </a:r>
+            <a:br/>
+            <a:r>
+              <a:t>le plus adaptée pour la tâche qu’elle exécute et que le processus soit plus efficace.</a:t>
+            </a:r>
+          </a:p>
+        </p:txBody>
+      </p:sp>
+      <p:sp>
+        <p:nvSpPr>
+          <p:cNvPr id="2" name="Title 1"/>
+          <p:cNvSpPr>
+            <a:spLocks noGrp="1"/>
+          </p:cNvSpPr>
+          <p:nvPr>
+            <p:ph type="title"/>
+          </p:nvPr>
+        </p:nvSpPr>
+        <p:spPr>
+          <a:xfrm>
+            <a:off x="138545" y="1796958"/>
+            <a:ext cx="6557819" cy="400000"/>
+          </a:xfrm>
+        </p:spPr>
+        <p:txBody>
+          <a:bodyPr/>
+          <a:lstStyle/>
+          <a:p>
+            <a:pPr>
+              <a:defRPr b="1" i="1">
+                <a:solidFill>
+                  <a:schemeClr val="bg1"/>
+                </a:solidFill>
+              </a:defRPr>
+            </a:pPr>
+            <a:r>
+              <a:t>Royaume-Uni</a:t>
+            </a:r>
+          </a:p>
+        </p:txBody>
+      </p:sp>
+      <p:sp>
+        <p:nvSpPr>
+          <p:cNvPr id="4" name="TextBox 3"/>
+          <p:cNvSpPr txBox="1"/>
+          <p:nvPr/>
+        </p:nvSpPr>
+        <p:spPr>
+          <a:xfrm>
+            <a:off x="138545" y="2211958"/>
             <a:ext cx="6858000" cy="274320"/>
           </a:xfrm>
           <a:prstGeom prst="rect">
@@ -2925,21 +2872,21 @@
               </a:defRPr>
             </a:pPr>
             <a:r>
-              <a:t>L’innovation dans le domaine de la Santé</a:t>
-            </a:r>
-          </a:p>
-        </p:txBody>
-      </p:sp>
-      <p:sp>
-        <p:nvSpPr>
-          <p:cNvPr id="6" name="TextBox 5"/>
+              <a:t>Infonuagique</a:t>
+            </a:r>
+          </a:p>
+        </p:txBody>
+      </p:sp>
+      <p:sp>
+        <p:nvSpPr>
+          <p:cNvPr id="5" name="TextBox 4"/>
           <p:cNvSpPr txBox="1"/>
           <p:nvPr/>
         </p:nvSpPr>
         <p:spPr>
           <a:xfrm>
-            <a:off x="0" y="3575572"/>
-            <a:ext cx="6858000" cy="1395465"/>
+            <a:off x="0" y="2486278"/>
+            <a:ext cx="6858000" cy="767958"/>
           </a:xfrm>
           <a:prstGeom prst="rect">
             <a:avLst/>
@@ -2956,111 +2903,36 @@
               <a:defRPr sz="1000"/>
             </a:pPr>
             <a:r>
-              <a:t>L'IA est utilisée pour analyser les images médicales et détecter des anomalies qui pourraient</a:t>
-            </a:r>
-            <a:br/>
-            <a:r>
-              <a:t>être invisibles ou difficiles à repérer pour l'œil humain. Aidoc, une firme américaine</a:t>
-            </a:r>
-            <a:br/>
-            <a:r>
-              <a:t>spécialisée dans l’incubation de solutions technologiques dans le domaine médical utilise l'IA</a:t>
-            </a:r>
-            <a:br/>
-            <a:r>
-              <a:t>pour identifier rapidement les accidents vasculaires cérébraux sur les scans de la tête¹⁶. Leur</a:t>
-            </a:r>
-            <a:br/>
-            <a:r>
-              <a:t>système peut envoyer des alertes aux médecins, ce qui peut aider à accélérer le traitement. De</a:t>
-            </a:r>
-            <a:br/>
-            <a:r>
-              <a:t>même, Deeper insights¹⁷ promeut l’utilisation de l'IA pour aider l’industrie pharmaceutique. Ils</a:t>
-            </a:r>
-            <a:br/>
-            <a:r>
-              <a:t>mènent des projets visant à améliorer les analyses de divers types d'images médicales, y compris</a:t>
-            </a:r>
-            <a:br/>
-            <a:r>
-              <a:t>les radiographies et les IRM, pour détecter une gamme de conditions, du cancer au maladies</a:t>
-            </a:r>
-            <a:br/>
-            <a:r>
-              <a:t>cardiovasculaires.</a:t>
-            </a:r>
-          </a:p>
-        </p:txBody>
-      </p:sp>
-      <p:sp>
-        <p:nvSpPr>
-          <p:cNvPr id="7" name="TextBox 6"/>
+              <a:t>Ori Industries est une compagnie qui se spécialise dans les services infonuagiques. La compagnie</a:t>
+            </a:r>
+            <a:br/>
+            <a:r>
+              <a:t>propose une solution pour déployer une application sur différent fournisseur infonuagique</a:t>
+            </a:r>
+            <a:br/>
+            <a:r>
+              <a:t>(Google, Amazon, Azure), en même temps⁸. Cela leur permet d’offrir un réseau périphérique encore</a:t>
+            </a:r>
+            <a:br/>
+            <a:r>
+              <a:t>plus vaste, car ils ne dépendent pas de la localisation des centres de données d’un fournisseur</a:t>
+            </a:r>
+            <a:br/>
+            <a:r>
+              <a:t>en particulier.</a:t>
+            </a:r>
+          </a:p>
+        </p:txBody>
+      </p:sp>
+      <p:sp>
+        <p:nvSpPr>
+          <p:cNvPr id="6" name="TextBox 5"/>
           <p:cNvSpPr txBox="1"/>
           <p:nvPr/>
         </p:nvSpPr>
         <p:spPr>
           <a:xfrm>
-            <a:off x="0" y="4971037"/>
-            <a:ext cx="6858000" cy="1256577"/>
-          </a:xfrm>
-          <a:prstGeom prst="rect">
-            <a:avLst/>
-          </a:prstGeom>
-          <a:noFill/>
-        </p:spPr>
-        <p:txBody>
-          <a:bodyPr wrap="none">
-            <a:spAutoFit/>
-          </a:bodyPr>
-          <a:lstStyle/>
-          <a:p>
-            <a:pPr algn="ctr">
-              <a:defRPr sz="1000"/>
-            </a:pPr>
-            <a:r>
-              <a:t>Singulièrement en matière de soutien médical, l’analyse prédictive a le vent en poupe aux Etats</a:t>
-            </a:r>
-            <a:br/>
-            <a:r>
-              <a:t>Unis. L'IA y est utilisée pour analyser les données de santé à grande échelle afin de prédire les</a:t>
-            </a:r>
-            <a:br/>
-            <a:r>
-              <a:t>risques individuels de santé et d'informer les soins personnalisés. Une firme comme Tempus¹⁸,</a:t>
-            </a:r>
-            <a:br/>
-            <a:r>
-              <a:t>utilise l'IA pour analyser les données génomiques, cliniques et autres pour identifier des motifs</a:t>
-            </a:r>
-            <a:br/>
-            <a:r>
-              <a:t>qui peuvent prédire comment une maladie pourrait progresser chez un patient particulier ou</a:t>
-            </a:r>
-            <a:br/>
-            <a:r>
-              <a:t>comment ce patient pourrait répondre à un certain traitement. Subséquemment, ces informations</a:t>
-            </a:r>
-            <a:br/>
-            <a:r>
-              <a:t>peuvent ensuite être utilisées pour aider les médecins à choisir le meilleur plan de traitement</a:t>
-            </a:r>
-            <a:br/>
-            <a:r>
-              <a:t>pour chaque patient.</a:t>
-            </a:r>
-          </a:p>
-        </p:txBody>
-      </p:sp>
-      <p:sp>
-        <p:nvSpPr>
-          <p:cNvPr id="8" name="TextBox 7"/>
-          <p:cNvSpPr txBox="1"/>
-          <p:nvPr/>
-        </p:nvSpPr>
-        <p:spPr>
-          <a:xfrm>
-            <a:off x="138545" y="6227614"/>
+            <a:off x="138545" y="3254236"/>
             <a:ext cx="6858000" cy="274320"/>
           </a:xfrm>
           <a:prstGeom prst="rect">
@@ -3082,21 +2954,21 @@
               </a:defRPr>
             </a:pPr>
             <a:r>
-              <a:t>E-commerce</a:t>
-            </a:r>
-          </a:p>
-        </p:txBody>
-      </p:sp>
-      <p:sp>
-        <p:nvSpPr>
-          <p:cNvPr id="9" name="TextBox 8"/>
+              <a:t>Internet des objets</a:t>
+            </a:r>
+          </a:p>
+        </p:txBody>
+      </p:sp>
+      <p:sp>
+        <p:nvSpPr>
+          <p:cNvPr id="7" name="TextBox 6"/>
           <p:cNvSpPr txBox="1"/>
           <p:nvPr/>
         </p:nvSpPr>
         <p:spPr>
           <a:xfrm>
-            <a:off x="0" y="6501934"/>
-            <a:ext cx="6858000" cy="1738503"/>
+            <a:off x="0" y="3528556"/>
+            <a:ext cx="6858000" cy="1373712"/>
           </a:xfrm>
           <a:prstGeom prst="rect">
             <a:avLst/>
@@ -3113,281 +2985,35 @@
               <a:defRPr sz="1000"/>
             </a:pPr>
             <a:r>
-              <a:t>Le géant de la tech Amazon¹⁹ n’est pas en reste et s’illustre par son recours massif à</a:t>
-            </a:r>
-            <a:br/>
-            <a:r>
-              <a:t>l’intelligence artificielle. En effet, Amazon utilise l'IA pour analyser le comportement d'achat</a:t>
-            </a:r>
-            <a:br/>
-            <a:r>
-              <a:t>des clients et leur historique de navigation afin de recommander des produits susceptibles de les</a:t>
-            </a:r>
-            <a:br/>
-            <a:r>
-              <a:t>intéresser. Cette approche personnalisée a été l'une des clés de son succès dans le commerce</a:t>
-            </a:r>
-            <a:br/>
-            <a:r>
-              <a:t>électronique. En outre Alexa, le service vocal d'Amazon, est basé sur de l'intelligence</a:t>
-            </a:r>
-            <a:br/>
-            <a:r>
-              <a:t>artificielle. Alexa peut répondre aux questions, jouer de la musique, gérer des rappels</a:t>
-            </a:r>
-            <a:br/>
-            <a:r>
-              <a:t>intelligents et même contrôler d'autres appareils connectés à la maison, tout cela en utilisant</a:t>
-            </a:r>
-            <a:br/>
-            <a:r>
-              <a:t>le langage naturel, grâce à l'IA. Toujours sur la même lancée Amazon a même créé des magasins</a:t>
-            </a:r>
-            <a:br/>
-            <a:r>
-              <a:t>sans caisse, appelés Amazon Go, qui utilisent l'IA pour suivre les produits que les clients</a:t>
-            </a:r>
-            <a:br/>
-            <a:r>
-              <a:t>prennent des étagères. Une fois les achats terminés, les clients quittent simplement le magasin</a:t>
-            </a:r>
-            <a:br/>
-            <a:r>
-              <a:t>et Amazon facture automatiquement leur compte.</a:t>
-            </a:r>
-          </a:p>
-        </p:txBody>
-      </p:sp>
-      <p:sp>
-        <p:nvSpPr>
-          <p:cNvPr id="10" name="TextBox 9"/>
-          <p:cNvSpPr txBox="1"/>
-          <p:nvPr/>
-        </p:nvSpPr>
-        <p:spPr>
-          <a:xfrm>
-            <a:off x="138545" y="8240437"/>
-            <a:ext cx="6858000" cy="274320"/>
-          </a:xfrm>
-          <a:prstGeom prst="rect">
-            <a:avLst/>
-          </a:prstGeom>
-          <a:noFill/>
-        </p:spPr>
-        <p:txBody>
-          <a:bodyPr wrap="none">
-            <a:spAutoFit/>
-          </a:bodyPr>
-          <a:lstStyle/>
-          <a:p>
-            <a:pPr>
-              <a:defRPr sz="1100" b="1">
-                <a:solidFill>
-                  <a:schemeClr val="accent6"/>
-                </a:solidFill>
-              </a:defRPr>
-            </a:pPr>
-            <a:r>
-              <a:t>Travail et performances</a:t>
-            </a:r>
-          </a:p>
-        </p:txBody>
-      </p:sp>
-    </p:spTree>
-  </p:cSld>
-  <p:clrMapOvr>
-    <a:masterClrMapping/>
-  </p:clrMapOvr>
-</p:sld>
-</file>
-
-<file path=ppt/slides/slide4.xml><?xml version="1.0" encoding="utf-8"?>
-<p:sld xmlns:a="http://schemas.openxmlformats.org/drawingml/2006/main" xmlns:p="http://schemas.openxmlformats.org/presentationml/2006/main" xmlns:r="http://schemas.openxmlformats.org/officeDocument/2006/relationships">
-  <p:cSld>
-    <p:spTree>
-      <p:nvGrpSpPr>
-        <p:cNvPr id="1" name=""/>
-        <p:cNvGrpSpPr/>
-        <p:nvPr/>
-      </p:nvGrpSpPr>
-      <p:grpSpPr/>
-      <p:sp>
-        <p:nvSpPr>
-          <p:cNvPr id="3" name="TextBox 2"/>
-          <p:cNvSpPr txBox="1"/>
-          <p:nvPr/>
-        </p:nvSpPr>
-        <p:spPr>
-          <a:xfrm>
-            <a:off x="0" y="0"/>
-            <a:ext cx="6858000" cy="1713402"/>
-          </a:xfrm>
-          <a:prstGeom prst="rect">
-            <a:avLst/>
-          </a:prstGeom>
-          <a:noFill/>
-        </p:spPr>
-        <p:txBody>
-          <a:bodyPr wrap="none">
-            <a:spAutoFit/>
-          </a:bodyPr>
-          <a:lstStyle/>
-          <a:p>
-            <a:pPr algn="ctr">
-              <a:defRPr sz="1000"/>
-            </a:pPr>
-            <a:r>
-              <a:t>L'IA peut aider à personnaliser la formation en fonction des besoins spécifiques de chaque</a:t>
-            </a:r>
-            <a:br/>
-            <a:r>
-              <a:t>employé. C’est le cas avec l’entreprise Coursera qui utilise l'IA pour recommander des cours aux</a:t>
-            </a:r>
-            <a:br/>
-            <a:r>
-              <a:t>utilisateurs en fonction de leurs objectifs de carrière et de leurs compétences existantes. De</a:t>
-            </a:r>
-            <a:br/>
-            <a:r>
-              <a:t>plus, en amont de cette étape d’orientation, Il est possible de recourir à de l'IA pour analyser</a:t>
-            </a:r>
-            <a:br/>
-            <a:r>
-              <a:t>les données sur les performances des employés et identifier les moyens d'améliorer leur</a:t>
-            </a:r>
-            <a:br/>
-            <a:r>
-              <a:t>productivité et leur bien-être. Pour ce faire, Humanyze²⁰ notamment utilise l'IA pour analyser</a:t>
-            </a:r>
-            <a:br/>
-            <a:r>
-              <a:t>les données sur les interactions entre les employés, telles que les courriels et les réunions,</a:t>
-            </a:r>
-            <a:br/>
-            <a:r>
-              <a:t>afin d'identifier les modèles qui peuvent être utilisés pour améliorer la productivité. Ici,</a:t>
-            </a:r>
-            <a:br/>
-            <a:r>
-              <a:t>l’une des applications possibles se trouve être le soutien aux managers afin de leur permettre de</a:t>
-            </a:r>
-            <a:br/>
-            <a:r>
-              <a:t>comprendre comment les équipes travaillent ensemble et d’identifier les domaines qui pourraient</a:t>
-            </a:r>
-            <a:br/>
-            <a:r>
-              <a:t>être améliorés.</a:t>
-            </a:r>
-          </a:p>
-        </p:txBody>
-      </p:sp>
-      <p:sp>
-        <p:nvSpPr>
-          <p:cNvPr id="4" name="TextBox 3"/>
-          <p:cNvSpPr txBox="1"/>
-          <p:nvPr/>
-        </p:nvSpPr>
-        <p:spPr>
-          <a:xfrm>
-            <a:off x="138545" y="1713402"/>
-            <a:ext cx="6858000" cy="274320"/>
-          </a:xfrm>
-          <a:prstGeom prst="rect">
-            <a:avLst/>
-          </a:prstGeom>
-          <a:noFill/>
-        </p:spPr>
-        <p:txBody>
-          <a:bodyPr wrap="none">
-            <a:spAutoFit/>
-          </a:bodyPr>
-          <a:lstStyle/>
-          <a:p>
-            <a:pPr>
-              <a:defRPr sz="1100" b="1">
-                <a:solidFill>
-                  <a:schemeClr val="accent6"/>
-                </a:solidFill>
-              </a:defRPr>
-            </a:pPr>
-            <a:r>
-              <a:t>Finance et conseil</a:t>
-            </a:r>
-          </a:p>
-        </p:txBody>
-      </p:sp>
-      <p:sp>
-        <p:nvSpPr>
-          <p:cNvPr id="5" name="TextBox 4"/>
-          <p:cNvSpPr txBox="1"/>
-          <p:nvPr/>
-        </p:nvSpPr>
-        <p:spPr>
-          <a:xfrm>
-            <a:off x="0" y="1987722"/>
-            <a:ext cx="6858000" cy="1957712"/>
-          </a:xfrm>
-          <a:prstGeom prst="rect">
-            <a:avLst/>
-          </a:prstGeom>
-          <a:noFill/>
-        </p:spPr>
-        <p:txBody>
-          <a:bodyPr wrap="none">
-            <a:spAutoFit/>
-          </a:bodyPr>
-          <a:lstStyle/>
-          <a:p>
-            <a:pPr algn="ctr">
-              <a:defRPr sz="1000"/>
-            </a:pPr>
-            <a:r>
-              <a:t>Aux États-Unis l’un des exemples phares de l’union sacrée entre l’IA et la finance est Upstart,</a:t>
-            </a:r>
-            <a:br/>
-            <a:r>
-              <a:t>une plateforme de prêt en ligne qui utilise l'IA pour prédire la probabilité de remboursement</a:t>
-            </a:r>
-            <a:br/>
-            <a:r>
-              <a:t>d'un emprunteur en se basant sur un grand nombre de variables, au-delà de ce que les systèmes</a:t>
-            </a:r>
-            <a:br/>
-            <a:r>
-              <a:t>traditionnels de notation de crédit utilisent. Partant, il devient possible à Upstart de fournir</a:t>
-            </a:r>
-            <a:br/>
-            <a:r>
-              <a:t>des prêts à une plus grande variété d'emprunteurs. C’est une illustration de l’usage de l’IA par</a:t>
-            </a:r>
-            <a:br/>
-            <a:r>
-              <a:t>les institutions financières pour évaluer le risque de crédit, détecter les fraudes, automatiser</a:t>
-            </a:r>
-            <a:br/>
-            <a:r>
-              <a:t>les transactions et offrir des conseils financiers personnalisés. En outre, JP MORGAN s’est</a:t>
-            </a:r>
-            <a:br/>
-            <a:r>
-              <a:t>récemment illustré par la mise sur pied de Coin²¹, un programme basé sur l'intelligence</a:t>
-            </a:r>
-            <a:br/>
-            <a:r>
-              <a:t>artificielle. COIN utilise un réseau cloud privé pour analyser les contrats, réduisant ainsi le</a:t>
-            </a:r>
-            <a:br/>
-            <a:r>
-              <a:t>temps de traitement. Cette initiative a permis à JP Morgan de diminuer les erreurs de prêt</a:t>
-            </a:r>
-            <a:br/>
-            <a:r>
-              <a:t>causées par des erreurs d'interprétation humaine. Cette solution prétend même pouvoir réaliser</a:t>
-            </a:r>
-            <a:br/>
-            <a:r>
-              <a:t>360.000 tâches d’analyse financière en l’espace de quelques secondes.</a:t>
+              <a:t>Une autre compagnie britannique se spécialisant dans l’informatique de périphérie est Zededa.</a:t>
+            </a:r>
+            <a:br/>
+            <a:r>
+              <a:t>C'est une plateforme SaaS pour gérer un réseau de machines périphériques à grande échelle⁹. Par</a:t>
+            </a:r>
+            <a:br/>
+            <a:r>
+              <a:t>exemple, une compagnie qui possède plusieurs infrastructures et qui a un serveur dans chacune de</a:t>
+            </a:r>
+            <a:br/>
+            <a:r>
+              <a:t>celles-ci, peut facilement surveiller ses serveurs à partir de l’interface de Zededa. Le logiciel</a:t>
+            </a:r>
+            <a:br/>
+            <a:r>
+              <a:t>permet de facilement détecter s’il y a des problèmes avec une des infrastructures, de s’assurer</a:t>
+            </a:r>
+            <a:br/>
+            <a:r>
+              <a:t>que tous les points d’accès sont sécurisés, et même de pouvoir mettre à jour les logiciels</a:t>
+            </a:r>
+            <a:br/>
+            <a:r>
+              <a:t>exécutés sur les machines périphériques. Zededa évite ainsi de devoir aller physiquement</a:t>
+            </a:r>
+            <a:br/>
+            <a:r>
+              <a:t>maintenir les serveurs, qui peuvent parfois être localisés dans des endroits difficiles d’accès.</a:t>
             </a:r>
           </a:p>
         </p:txBody>
@@ -3404,7 +3030,7 @@
         </p:nvSpPr>
         <p:spPr>
           <a:xfrm>
-            <a:off x="138545" y="3960434"/>
+            <a:off x="138545" y="4917268"/>
             <a:ext cx="6557819" cy="400000"/>
           </a:xfrm>
         </p:spPr>
@@ -3420,21 +3046,21 @@
               </a:defRPr>
             </a:pPr>
             <a:r>
-              <a:t>France</a:t>
-            </a:r>
-          </a:p>
-        </p:txBody>
-      </p:sp>
-      <p:sp>
-        <p:nvSpPr>
-          <p:cNvPr id="6" name="TextBox 5"/>
+              <a:t>Singapour</a:t>
+            </a:r>
+          </a:p>
+        </p:txBody>
+      </p:sp>
+      <p:sp>
+        <p:nvSpPr>
+          <p:cNvPr id="8" name="TextBox 7"/>
           <p:cNvSpPr txBox="1"/>
           <p:nvPr/>
         </p:nvSpPr>
         <p:spPr>
           <a:xfrm>
-            <a:off x="138545" y="4375434"/>
-            <a:ext cx="6858000" cy="274320"/>
+            <a:off x="0" y="5332268"/>
+            <a:ext cx="6858000" cy="1628061"/>
           </a:xfrm>
           <a:prstGeom prst="rect">
             <a:avLst/>
@@ -3447,500 +3073,47 @@
           </a:bodyPr>
           <a:lstStyle/>
           <a:p>
-            <a:pPr>
-              <a:defRPr sz="1100" b="1">
-                <a:solidFill>
-                  <a:schemeClr val="accent6"/>
-                </a:solidFill>
-              </a:defRPr>
-            </a:pPr>
-            <a:r>
-              <a:t>Electricité et énergie</a:t>
-            </a:r>
-          </a:p>
-        </p:txBody>
-      </p:sp>
-      <p:sp>
-        <p:nvSpPr>
-          <p:cNvPr id="7" name="TextBox 6"/>
-          <p:cNvSpPr txBox="1"/>
-          <p:nvPr/>
-        </p:nvSpPr>
-        <p:spPr>
-          <a:xfrm>
-            <a:off x="0" y="4649754"/>
-            <a:ext cx="6858000" cy="886766"/>
-          </a:xfrm>
-          <a:prstGeom prst="rect">
-            <a:avLst/>
-          </a:prstGeom>
-          <a:noFill/>
-        </p:spPr>
-        <p:txBody>
-          <a:bodyPr wrap="none">
-            <a:spAutoFit/>
-          </a:bodyPr>
-          <a:lstStyle/>
-          <a:p>
             <a:pPr algn="ctr">
               <a:defRPr sz="1000"/>
             </a:pPr>
             <a:r>
-              <a:t>EDF, l'un des leaders mondiaux dans le domaine de l'énergie, utilise l'IA²² pour accroitre</a:t>
-            </a:r>
-            <a:br/>
-            <a:r>
-              <a:t>significativement la production et la maintenance de ses installations nucléaires. Au moyen de</a:t>
-            </a:r>
-            <a:br/>
-            <a:r>
-              <a:t>solutions basées sur l'IA, EDF a la capacité de surveiller en temps réel le fonctionnement des</a:t>
-            </a:r>
-            <a:br/>
-            <a:r>
-              <a:t>réacteurs nucléaires et de prédire les besoins de maintenance. Fort de cela, il devient ainsi</a:t>
-            </a:r>
-            <a:br/>
-            <a:r>
-              <a:t>possible d'améliorer la sûreté de ses installations et d'optimiser la production d'énergie.</a:t>
-            </a:r>
-          </a:p>
-        </p:txBody>
-      </p:sp>
-      <p:sp>
-        <p:nvSpPr>
-          <p:cNvPr id="8" name="TextBox 7"/>
-          <p:cNvSpPr txBox="1"/>
-          <p:nvPr/>
-        </p:nvSpPr>
-        <p:spPr>
-          <a:xfrm>
-            <a:off x="138545" y="5536520"/>
-            <a:ext cx="6858000" cy="274320"/>
-          </a:xfrm>
-          <a:prstGeom prst="rect">
-            <a:avLst/>
-          </a:prstGeom>
-          <a:noFill/>
-        </p:spPr>
-        <p:txBody>
-          <a:bodyPr wrap="none">
-            <a:spAutoFit/>
-          </a:bodyPr>
-          <a:lstStyle/>
-          <a:p>
-            <a:pPr>
-              <a:defRPr sz="1100" b="1">
-                <a:solidFill>
-                  <a:schemeClr val="accent6"/>
-                </a:solidFill>
-              </a:defRPr>
-            </a:pPr>
-            <a:r>
-              <a:t>L'agriculture</a:t>
-            </a:r>
-          </a:p>
-        </p:txBody>
-      </p:sp>
-      <p:sp>
-        <p:nvSpPr>
-          <p:cNvPr id="9" name="TextBox 8"/>
-          <p:cNvSpPr txBox="1"/>
-          <p:nvPr/>
-        </p:nvSpPr>
-        <p:spPr>
-          <a:xfrm>
-            <a:off x="0" y="5810840"/>
-            <a:ext cx="6858000" cy="1216417"/>
-          </a:xfrm>
-          <a:prstGeom prst="rect">
-            <a:avLst/>
-          </a:prstGeom>
-          <a:noFill/>
-        </p:spPr>
-        <p:txBody>
-          <a:bodyPr wrap="none">
-            <a:spAutoFit/>
-          </a:bodyPr>
-          <a:lstStyle/>
-          <a:p>
-            <a:pPr algn="ctr">
-              <a:defRPr sz="1000"/>
-            </a:pPr>
-            <a:r>
-              <a:t>L'IA peut être utilisée pour améliorer l'efficacité et la durabilité de l'agriculture. Et c’est</a:t>
-            </a:r>
-            <a:br/>
-            <a:r>
-              <a:t>notamment le cas en France avec Dilepix, une start-up qui développe des outils d'IA pour</a:t>
-            </a:r>
-            <a:br/>
-            <a:r>
-              <a:t>l'agriculture de précision. En utilisant des images provenant de drones, de satellites ou de</a:t>
-            </a:r>
-            <a:br/>
-            <a:r>
-              <a:t>caméras installées sur le terrain, Dilepix²³ a la capacité de surveiller avec une précisions</a:t>
-            </a:r>
-            <a:br/>
-            <a:r>
-              <a:t>optimale les cultures et détecter rapidement les problèmes tels que les maladies ou les</a:t>
-            </a:r>
-            <a:br/>
-            <a:r>
-              <a:t>infestations de parasites. L’idée ici est de permettre aux agriculteurs d'intervenir plus</a:t>
-            </a:r>
-            <a:br/>
-            <a:r>
-              <a:t>rapidement et de manière plus ciblée, pour in fine améliorer les rendements et réduit</a:t>
-            </a:r>
-            <a:br/>
-            <a:r>
-              <a:t>l'utilisation de pesticides.</a:t>
-            </a:r>
-          </a:p>
-        </p:txBody>
-      </p:sp>
-      <p:sp>
-        <p:nvSpPr>
-          <p:cNvPr id="2" name="Title 1"/>
-          <p:cNvSpPr>
-            <a:spLocks noGrp="1"/>
-          </p:cNvSpPr>
-          <p:nvPr>
-            <p:ph type="title"/>
-          </p:nvPr>
-        </p:nvSpPr>
-        <p:spPr>
-          <a:xfrm>
-            <a:off x="138545" y="7042257"/>
-            <a:ext cx="6557819" cy="400000"/>
-          </a:xfrm>
-        </p:spPr>
-        <p:txBody>
-          <a:bodyPr/>
-          <a:lstStyle/>
-          <a:p>
-            <a:pPr>
-              <a:defRPr b="1" i="1">
-                <a:solidFill>
-                  <a:schemeClr val="bg1"/>
-                </a:solidFill>
-              </a:defRPr>
-            </a:pPr>
-            <a:r>
-              <a:t>Grande-Bretagne</a:t>
-            </a:r>
-          </a:p>
-        </p:txBody>
-      </p:sp>
-      <p:sp>
-        <p:nvSpPr>
-          <p:cNvPr id="10" name="TextBox 9"/>
-          <p:cNvSpPr txBox="1"/>
-          <p:nvPr/>
-        </p:nvSpPr>
-        <p:spPr>
-          <a:xfrm>
-            <a:off x="138545" y="7457257"/>
-            <a:ext cx="6858000" cy="274320"/>
-          </a:xfrm>
-          <a:prstGeom prst="rect">
-            <a:avLst/>
-          </a:prstGeom>
-          <a:noFill/>
-        </p:spPr>
-        <p:txBody>
-          <a:bodyPr wrap="none">
-            <a:spAutoFit/>
-          </a:bodyPr>
-          <a:lstStyle/>
-          <a:p>
-            <a:pPr>
-              <a:defRPr sz="1100" b="1">
-                <a:solidFill>
-                  <a:schemeClr val="accent6"/>
-                </a:solidFill>
-              </a:defRPr>
-            </a:pPr>
-            <a:r>
-              <a:t>L’éducation et IA</a:t>
-            </a:r>
-          </a:p>
-        </p:txBody>
-      </p:sp>
-      <p:sp>
-        <p:nvSpPr>
-          <p:cNvPr id="11" name="TextBox 10"/>
-          <p:cNvSpPr txBox="1"/>
-          <p:nvPr/>
-        </p:nvSpPr>
-        <p:spPr>
-          <a:xfrm>
-            <a:off x="0" y="7731577"/>
-            <a:ext cx="6858000" cy="868359"/>
-          </a:xfrm>
-          <a:prstGeom prst="rect">
-            <a:avLst/>
-          </a:prstGeom>
-          <a:noFill/>
-        </p:spPr>
-        <p:txBody>
-          <a:bodyPr wrap="none">
-            <a:spAutoFit/>
-          </a:bodyPr>
-          <a:lstStyle/>
-          <a:p>
-            <a:pPr algn="ctr">
-              <a:defRPr sz="1000"/>
-            </a:pPr>
-            <a:r>
-              <a:t>L'IA est capable d’analyser les performances des élèves et d’ajuster le matériel pédagogique en</a:t>
-            </a:r>
-            <a:br/>
-            <a:r>
-              <a:t>fonction de leurs forces et de leurs faiblesses. Il devient dès lors possible de développer des</a:t>
-            </a:r>
-            <a:br/>
-            <a:r>
-              <a:t>plateformes d'apprentissage en ligne qui utilise l'IA pour adapter le contenu d'apprentissage aux</a:t>
-            </a:r>
-            <a:br/>
-            <a:r>
-              <a:t>besoins spécifiques de chaque étudiant. C’est en plein dans cette dynamique que Century Tech²⁴ </a:t>
-            </a:r>
-            <a:br/>
-            <a:r>
-              <a:t>utilise l'IA pour fournir un apprentissage personnalisé outre-manche.</a:t>
-            </a:r>
-          </a:p>
-        </p:txBody>
-      </p:sp>
-      <p:sp>
-        <p:nvSpPr>
-          <p:cNvPr id="12" name="TextBox 11"/>
-          <p:cNvSpPr txBox="1"/>
-          <p:nvPr/>
-        </p:nvSpPr>
-        <p:spPr>
-          <a:xfrm>
-            <a:off x="138545" y="8599936"/>
-            <a:ext cx="6858000" cy="274320"/>
-          </a:xfrm>
-          <a:prstGeom prst="rect">
-            <a:avLst/>
-          </a:prstGeom>
-          <a:noFill/>
-        </p:spPr>
-        <p:txBody>
-          <a:bodyPr wrap="none">
-            <a:spAutoFit/>
-          </a:bodyPr>
-          <a:lstStyle/>
-          <a:p>
-            <a:pPr>
-              <a:defRPr sz="1100" b="1">
-                <a:solidFill>
-                  <a:schemeClr val="accent6"/>
-                </a:solidFill>
-              </a:defRPr>
-            </a:pPr>
-            <a:r>
-              <a:t>La finance</a:t>
-            </a:r>
-          </a:p>
-        </p:txBody>
-      </p:sp>
-    </p:spTree>
-  </p:cSld>
-  <p:clrMapOvr>
-    <a:masterClrMapping/>
-  </p:clrMapOvr>
-</p:sld>
-</file>
-
-<file path=ppt/slides/slide5.xml><?xml version="1.0" encoding="utf-8"?>
-<p:sld xmlns:a="http://schemas.openxmlformats.org/drawingml/2006/main" xmlns:p="http://schemas.openxmlformats.org/presentationml/2006/main" xmlns:r="http://schemas.openxmlformats.org/officeDocument/2006/relationships">
-  <p:cSld>
-    <p:spTree>
-      <p:nvGrpSpPr>
-        <p:cNvPr id="1" name=""/>
-        <p:cNvGrpSpPr/>
-        <p:nvPr/>
-      </p:nvGrpSpPr>
-      <p:grpSpPr/>
-      <p:sp>
-        <p:nvSpPr>
-          <p:cNvPr id="3" name="TextBox 2"/>
-          <p:cNvSpPr txBox="1"/>
-          <p:nvPr/>
-        </p:nvSpPr>
-        <p:spPr>
-          <a:xfrm>
-            <a:off x="0" y="0"/>
-            <a:ext cx="6858000" cy="1566147"/>
-          </a:xfrm>
-          <a:prstGeom prst="rect">
-            <a:avLst/>
-          </a:prstGeom>
-          <a:noFill/>
-        </p:spPr>
-        <p:txBody>
-          <a:bodyPr wrap="none">
-            <a:spAutoFit/>
-          </a:bodyPr>
-          <a:lstStyle/>
-          <a:p>
-            <a:pPr algn="ctr">
-              <a:defRPr sz="1000"/>
-            </a:pPr>
-            <a:r>
-              <a:t>Le contexte du secteur financier au Royaume-Uni est un terreau fertile à l’implantation de l’IA.</a:t>
-            </a:r>
-            <a:br/>
-            <a:r>
-              <a:t>Très avancé avec un centre financier mondial et de nombreuses entreprises y utilisant l'IA pour</a:t>
-            </a:r>
-            <a:br/>
-            <a:r>
-              <a:t>améliorer leurs services, leur efficacité opérationnelle et les services aux clients, la</a:t>
-            </a:r>
-            <a:br/>
-            <a:r>
-              <a:t>Grande-Bretagne est un exemple de choix. L’un des cas d’école est l’entreprise Revolut, qui</a:t>
-            </a:r>
-            <a:br/>
-            <a:r>
-              <a:t>utilise l'IA pour offrir des services bancaires personnalisés.²⁵ Ils utilisent l'apprentissage</a:t>
-            </a:r>
-            <a:br/>
-            <a:r>
-              <a:t>automatique pour analyser les habitudes de dépenses des clients, ce qui leur permet de proposer</a:t>
-            </a:r>
-            <a:br/>
-            <a:r>
-              <a:t>des produits financiers adaptés aux besoins individuels. L'IA est également utilisée pour</a:t>
-            </a:r>
-            <a:br/>
-            <a:r>
-              <a:t>détecter les transactions frauduleuses et améliorer la sécurité des comptes clients. Ces</a:t>
-            </a:r>
-            <a:br/>
-            <a:r>
-              <a:t>améliorations contribuent à améliorer l'expérience utilisateur et à renforcer la confiance dans</a:t>
-            </a:r>
-            <a:br/>
-            <a:r>
-              <a:t>les services financiers en ligne</a:t>
-            </a:r>
-          </a:p>
-        </p:txBody>
-      </p:sp>
-      <p:sp>
-        <p:nvSpPr>
-          <p:cNvPr id="4" name="TextBox 3"/>
-          <p:cNvSpPr txBox="1"/>
-          <p:nvPr/>
-        </p:nvSpPr>
-        <p:spPr>
-          <a:xfrm>
-            <a:off x="138545" y="1566147"/>
-            <a:ext cx="6858000" cy="274320"/>
-          </a:xfrm>
-          <a:prstGeom prst="rect">
-            <a:avLst/>
-          </a:prstGeom>
-          <a:noFill/>
-        </p:spPr>
-        <p:txBody>
-          <a:bodyPr wrap="none">
-            <a:spAutoFit/>
-          </a:bodyPr>
-          <a:lstStyle/>
-          <a:p>
-            <a:pPr>
-              <a:defRPr sz="1100" b="1">
-                <a:solidFill>
-                  <a:schemeClr val="accent6"/>
-                </a:solidFill>
-              </a:defRPr>
-            </a:pPr>
-            <a:r>
-              <a:t>Le commerce électronique</a:t>
-            </a:r>
-          </a:p>
-        </p:txBody>
-      </p:sp>
-      <p:sp>
-        <p:nvSpPr>
-          <p:cNvPr id="5" name="TextBox 4"/>
-          <p:cNvSpPr txBox="1"/>
-          <p:nvPr/>
-        </p:nvSpPr>
-        <p:spPr>
-          <a:xfrm>
-            <a:off x="0" y="1840467"/>
-            <a:ext cx="6858000" cy="652497"/>
-          </a:xfrm>
-          <a:prstGeom prst="rect">
-            <a:avLst/>
-          </a:prstGeom>
-          <a:noFill/>
-        </p:spPr>
-        <p:txBody>
-          <a:bodyPr wrap="none">
-            <a:spAutoFit/>
-          </a:bodyPr>
-          <a:lstStyle/>
-          <a:p>
-            <a:pPr algn="ctr">
-              <a:defRPr sz="1000"/>
-            </a:pPr>
-            <a:r>
-              <a:t>Ocado,²⁶ l'une des plus grandes entreprises de commerce électronique du Royaume-Uni, utilise l'IA</a:t>
-            </a:r>
-            <a:br/>
-            <a:r>
-              <a:t>pour optimiser ses opérations de stockage et de livraison. Ils ont développé un système de</a:t>
-            </a:r>
-            <a:br/>
-            <a:r>
-              <a:t>gestion d'entrepôt intelligent qui utilise l'IA pour prédire les besoins en stock et optimiser le</a:t>
-            </a:r>
-            <a:br/>
-            <a:r>
-              <a:t>placement des produits dans l'entrepôt.</a:t>
-            </a:r>
-          </a:p>
-        </p:txBody>
-      </p:sp>
-      <p:sp>
-        <p:nvSpPr>
-          <p:cNvPr id="6" name="TextBox 5"/>
-          <p:cNvSpPr txBox="1"/>
-          <p:nvPr/>
-        </p:nvSpPr>
-        <p:spPr>
-          <a:xfrm>
-            <a:off x="0" y="2492964"/>
-            <a:ext cx="6858000" cy="274320"/>
-          </a:xfrm>
-          <a:prstGeom prst="rect">
-            <a:avLst/>
-          </a:prstGeom>
-          <a:noFill/>
-        </p:spPr>
-        <p:txBody>
-          <a:bodyPr wrap="none">
-            <a:spAutoFit/>
-          </a:bodyPr>
-          <a:lstStyle/>
-          <a:p>
-            <a:pPr algn="ctr">
-              <a:defRPr sz="1000"/>
-            </a:pPr>
-            <a:r>
-              <a:t>endnote1)</a:t>
+              <a:t>ST Engineering, une compagnie de Singapour offrant des services dans le domaine de la sécurité</a:t>
+            </a:r>
+            <a:br/>
+            <a:r>
+              <a:t>pour les agences et les gouvernements, notamment des modèles d’intelligence artificielle pour de</a:t>
+            </a:r>
+            <a:br/>
+            <a:r>
+              <a:t>la reconnaissance faciale, de la détection de comportements anormales, et plus encore¹⁰. Leur</a:t>
+            </a:r>
+            <a:br/>
+            <a:r>
+              <a:t>service inclut la possibilité d’intégrer l’informatique de périphérie et de faire tourner leur</a:t>
+            </a:r>
+            <a:br/>
+            <a:r>
+              <a:t>logiciel d’intelligence artificielle sur des systèmes embarquées (appareil électronique</a:t>
+            </a:r>
+            <a:br/>
+            <a:r>
+              <a:t>spécialisé pour effectuer une tâche)¹¹. Cela permet par exemple de récupérer le flux d’une caméra</a:t>
+            </a:r>
+            <a:br/>
+            <a:r>
+              <a:t>de surveillance et de l’envoyé sur un ordinateur, et c’est ce même ordinateur qui exécutera le</a:t>
+            </a:r>
+            <a:br/>
+            <a:r>
+              <a:t>modèle d’IA de reconnaissance faciale. Les données de la caméra n’ont donc même pas besoin de</a:t>
+            </a:r>
+            <a:br/>
+            <a:r>
+              <a:t>passer par Internet, elles sont directement traitées sur place. Ce système a l’avantage de</a:t>
+            </a:r>
+            <a:br/>
+            <a:r>
+              <a:t>fonctionner sans connexion à un réseau, et n’a aucune latence.</a:t>
             </a:r>
           </a:p>
         </p:txBody>
@@ -4247,17 +3420,6 @@
 </file>
 
 <file path=customXml/item1.xml><?xml version="1.0" encoding="utf-8"?>
-<p:properties xmlns:p="http://schemas.microsoft.com/office/2006/metadata/properties" xmlns:xsi="http://www.w3.org/2001/XMLSchema-instance" xmlns:pc="http://schemas.microsoft.com/office/infopath/2007/PartnerControls">
-  <documentManagement>
-    <lcf76f155ced4ddcb4097134ff3c332f xmlns="81c9f6d7-38be-4b6f-ac7a-53278e4778cd">
-      <Terms xmlns="http://schemas.microsoft.com/office/infopath/2007/PartnerControls"/>
-    </lcf76f155ced4ddcb4097134ff3c332f>
-    <TaxCatchAll xmlns="562370e7-b28b-48b8-b232-8034dde365ed" xsi:nil="true"/>
-  </documentManagement>
-</p:properties>
-</file>
-
-<file path=customXml/item2.xml><?xml version="1.0" encoding="utf-8"?>
 <ct:contentTypeSchema xmlns:ct="http://schemas.microsoft.com/office/2006/metadata/contentType" xmlns:ma="http://schemas.microsoft.com/office/2006/metadata/properties/metaAttributes" ct:_="" ma:_="" ma:contentTypeName="Document" ma:contentTypeID="0x010100502947A9A1BFB64E940A6360D3C2E9FF" ma:contentTypeVersion="15" ma:contentTypeDescription="Crée un document." ma:contentTypeScope="" ma:versionID="ab003bcfa122b52dea7dac2dc4c56070">
   <xsd:schema xmlns:xsd="http://www.w3.org/2001/XMLSchema" xmlns:xs="http://www.w3.org/2001/XMLSchema" xmlns:p="http://schemas.microsoft.com/office/2006/metadata/properties" xmlns:ns2="81c9f6d7-38be-4b6f-ac7a-53278e4778cd" xmlns:ns3="562370e7-b28b-48b8-b232-8034dde365ed" targetNamespace="http://schemas.microsoft.com/office/2006/metadata/properties" ma:root="true" ma:fieldsID="55310cbb28621703c25a0ab43cf87825" ns2:_="" ns3:_="">
     <xsd:import namespace="81c9f6d7-38be-4b6f-ac7a-53278e4778cd"/>
@@ -4494,6 +3656,17 @@
 </ct:contentTypeSchema>
 </file>
 
+<file path=customXml/item2.xml><?xml version="1.0" encoding="utf-8"?>
+<p:properties xmlns:p="http://schemas.microsoft.com/office/2006/metadata/properties" xmlns:xsi="http://www.w3.org/2001/XMLSchema-instance" xmlns:pc="http://schemas.microsoft.com/office/infopath/2007/PartnerControls">
+  <documentManagement>
+    <lcf76f155ced4ddcb4097134ff3c332f xmlns="81c9f6d7-38be-4b6f-ac7a-53278e4778cd">
+      <Terms xmlns="http://schemas.microsoft.com/office/infopath/2007/PartnerControls"/>
+    </lcf76f155ced4ddcb4097134ff3c332f>
+    <TaxCatchAll xmlns="562370e7-b28b-48b8-b232-8034dde365ed" xsi:nil="true"/>
+  </documentManagement>
+</p:properties>
+</file>
+
 <file path=customXml/item3.xml><?xml version="1.0" encoding="utf-8"?>
 <?mso-contentType ?>
 <FormTemplates xmlns="http://schemas.microsoft.com/sharepoint/v3/contenttype/forms">
@@ -4504,23 +3677,6 @@
 </file>
 
 <file path=customXml/itemProps1.xml><?xml version="1.0" encoding="utf-8"?>
-<ds:datastoreItem xmlns:ds="http://schemas.openxmlformats.org/officeDocument/2006/customXml" ds:itemID="{AB088F19-0CAF-4A60-81E5-18DF993328EF}">
-  <ds:schemaRefs>
-    <ds:schemaRef ds:uri="http://schemas.microsoft.com/office/2006/metadata/properties"/>
-    <ds:schemaRef ds:uri="http://schemas.openxmlformats.org/package/2006/metadata/core-properties"/>
-    <ds:schemaRef ds:uri="http://schemas.microsoft.com/office/2006/documentManagement/types"/>
-    <ds:schemaRef ds:uri="http://schemas.microsoft.com/office/infopath/2007/PartnerControls"/>
-    <ds:schemaRef ds:uri="http://purl.org/dc/terms/"/>
-    <ds:schemaRef ds:uri="http://purl.org/dc/elements/1.1/"/>
-    <ds:schemaRef ds:uri="http://purl.org/dc/dcmitype/"/>
-    <ds:schemaRef ds:uri="562370e7-b28b-48b8-b232-8034dde365ed"/>
-    <ds:schemaRef ds:uri="81c9f6d7-38be-4b6f-ac7a-53278e4778cd"/>
-    <ds:schemaRef ds:uri="http://www.w3.org/XML/1998/namespace"/>
-  </ds:schemaRefs>
-</ds:datastoreItem>
-</file>
-
-<file path=customXml/itemProps2.xml><?xml version="1.0" encoding="utf-8"?>
 <ds:datastoreItem xmlns:ds="http://schemas.openxmlformats.org/officeDocument/2006/customXml" ds:itemID="{11065811-FE0D-4D15-8CA7-D9C0C1B9452F}">
   <ds:schemaRefs>
     <ds:schemaRef ds:uri="http://schemas.microsoft.com/office/2006/metadata/contentType"/>
@@ -4539,6 +3695,23 @@
 </ds:datastoreItem>
 </file>
 
+<file path=customXml/itemProps2.xml><?xml version="1.0" encoding="utf-8"?>
+<ds:datastoreItem xmlns:ds="http://schemas.openxmlformats.org/officeDocument/2006/customXml" ds:itemID="{AB088F19-0CAF-4A60-81E5-18DF993328EF}">
+  <ds:schemaRefs>
+    <ds:schemaRef ds:uri="http://schemas.microsoft.com/office/2006/metadata/properties"/>
+    <ds:schemaRef ds:uri="http://schemas.openxmlformats.org/package/2006/metadata/core-properties"/>
+    <ds:schemaRef ds:uri="http://schemas.microsoft.com/office/2006/documentManagement/types"/>
+    <ds:schemaRef ds:uri="http://schemas.microsoft.com/office/infopath/2007/PartnerControls"/>
+    <ds:schemaRef ds:uri="http://purl.org/dc/terms/"/>
+    <ds:schemaRef ds:uri="http://purl.org/dc/elements/1.1/"/>
+    <ds:schemaRef ds:uri="http://purl.org/dc/dcmitype/"/>
+    <ds:schemaRef ds:uri="562370e7-b28b-48b8-b232-8034dde365ed"/>
+    <ds:schemaRef ds:uri="81c9f6d7-38be-4b6f-ac7a-53278e4778cd"/>
+    <ds:schemaRef ds:uri="http://www.w3.org/XML/1998/namespace"/>
+  </ds:schemaRefs>
+</ds:datastoreItem>
+</file>
+
 <file path=customXml/itemProps3.xml><?xml version="1.0" encoding="utf-8"?>
 <ds:datastoreItem xmlns:ds="http://schemas.openxmlformats.org/officeDocument/2006/customXml" ds:itemID="{4E8F74D5-47AA-4DAD-A3A5-90C8113106BE}">
   <ds:schemaRefs>

--- a/powerpoints/test.pptx
+++ b/powerpoints/test.pptx
@@ -2075,7 +2075,7 @@
           <a:lstStyle/>
           <a:p>
             <a:r>
-              <a:t>ihueow fbreuw ew fuyer dewq dbhewqf hueqw qfewq j3 few,qfew</a:t>
+              <a:t>Edge computing</a:t>
             </a:r>
           </a:p>
         </p:txBody>
@@ -2131,7 +2131,7 @@
           <a:lstStyle/>
           <a:p>
             <a:r>
-              <a:t>ihueow fbrfeue ejw fewjqhla lq wqf hueqw qfewq j3 few,qfew</a:t>
+              <a:t>À la merci de tous</a:t>
             </a:r>
           </a:p>
         </p:txBody>

--- a/powerpoints/test.pptx
+++ b/powerpoints/test.pptx
@@ -7,7 +7,8 @@
   <p:sldIdLst>
     <p:sldId id="259" r:id="rId5"/>
     <p:sldId id="260" r:id="rId6"/>
-    <p:sldId id="261" r:id="rId11"/>
+    <p:sldId id="261" r:id="rId7"/>
+    <p:sldId id="262" r:id="rId8"/>
   </p:sldIdLst>
   <p:sldSz cx="6858000" cy="9144000" type="letter"/>
   <p:notesSz cx="6858000" cy="9144000"/>
@@ -233,7 +234,7 @@
             <a:fld id="{FDCA904F-AFE4-4F4A-AA13-CC2FD407ABB0}" type="datetimeFigureOut">
               <a:rPr lang="fr-CA" smtClean="0"/>
               <a:pPr/>
-              <a:t>2023-06-28</a:t>
+              <a:t>2023-07-03</a:t>
             </a:fld>
             <a:endParaRPr lang="fr-CA" dirty="0"/>
           </a:p>
@@ -1617,7 +1618,7 @@
             <a:fld id="{FDCA904F-AFE4-4F4A-AA13-CC2FD407ABB0}" type="datetimeFigureOut">
               <a:rPr lang="fr-CA" smtClean="0"/>
               <a:pPr/>
-              <a:t>2023-06-28</a:t>
+              <a:t>2023-07-03</a:t>
             </a:fld>
             <a:endParaRPr lang="fr-CA" dirty="0"/>
           </a:p>
@@ -2277,7 +2278,9 @@
           </a:xfrm>
         </p:spPr>
         <p:txBody>
-          <a:bodyPr/>
+          <a:bodyPr>
+            <a:normAutofit fontScale="90000"/>
+          </a:bodyPr>
           <a:lstStyle/>
           <a:p>
             <a:pPr>
@@ -2315,7 +2318,7 @@
           </a:bodyPr>
           <a:lstStyle/>
           <a:p>
-            <a:pPr algn="ctr">
+            <a:pPr>
               <a:defRPr sz="1000"/>
             </a:pPr>
             <a:r>
@@ -2374,7 +2377,7 @@
       </p:sp>
       <p:sp>
         <p:nvSpPr>
-          <p:cNvPr id="2" name="Titre 1">
+          <p:cNvPr id="9" name="Titre 1">
             <a:extLst>
               <a:ext uri="{FF2B5EF4-FFF2-40B4-BE49-F238E27FC236}">
                 <a16:creationId xmlns:a16="http://schemas.microsoft.com/office/drawing/2014/main" id="{486D4E87-2BC6-989D-C31B-C94C23654F8A}"/>
@@ -2395,7 +2398,9 @@
           </a:xfrm>
         </p:spPr>
         <p:txBody>
-          <a:bodyPr/>
+          <a:bodyPr>
+            <a:normAutofit fontScale="90000"/>
+          </a:bodyPr>
           <a:lstStyle/>
           <a:p>
             <a:pPr>
@@ -2468,7 +2473,7 @@
           </a:bodyPr>
           <a:lstStyle/>
           <a:p>
-            <a:pPr algn="ctr">
+            <a:pPr>
               <a:defRPr sz="1000"/>
             </a:pPr>
             <a:r>
@@ -2535,7 +2540,7 @@
           </a:bodyPr>
           <a:lstStyle/>
           <a:p>
-            <a:pPr algn="ctr">
+            <a:pPr>
               <a:defRPr sz="1000"/>
             </a:pPr>
             <a:r>
@@ -2633,7 +2638,7 @@
           </a:bodyPr>
           <a:lstStyle/>
           <a:p>
-            <a:pPr algn="ctr">
+            <a:pPr>
               <a:defRPr sz="1000"/>
             </a:pPr>
             <a:r>
@@ -2708,7 +2713,7 @@
 </file>
 
 <file path=ppt/slides/slide3.xml><?xml version="1.0" encoding="utf-8"?>
-<p:sld xmlns:a="http://schemas.openxmlformats.org/drawingml/2006/main" xmlns:p="http://schemas.openxmlformats.org/presentationml/2006/main" xmlns:r="http://schemas.openxmlformats.org/officeDocument/2006/relationships">
+<p:sld xmlns:a="http://schemas.openxmlformats.org/drawingml/2006/main" xmlns:r="http://schemas.openxmlformats.org/officeDocument/2006/relationships" xmlns:p="http://schemas.openxmlformats.org/presentationml/2006/main">
   <p:cSld>
     <p:spTree>
       <p:nvGrpSpPr>
@@ -2716,7 +2721,14 @@
         <p:cNvGrpSpPr/>
         <p:nvPr/>
       </p:nvGrpSpPr>
-      <p:grpSpPr/>
+      <p:grpSpPr>
+        <a:xfrm>
+          <a:off x="0" y="0"/>
+          <a:ext cx="0" cy="0"/>
+          <a:chOff x="0" y="0"/>
+          <a:chExt cx="0" cy="0"/>
+        </a:xfrm>
+      </p:grpSpPr>
       <p:sp>
         <p:nvSpPr>
           <p:cNvPr id="2" name="Title 1"/>
@@ -2734,7 +2746,9 @@
           </a:xfrm>
         </p:spPr>
         <p:txBody>
-          <a:bodyPr/>
+          <a:bodyPr>
+            <a:normAutofit fontScale="90000"/>
+          </a:bodyPr>
           <a:lstStyle/>
           <a:p>
             <a:pPr>
@@ -2772,7 +2786,7 @@
           </a:bodyPr>
           <a:lstStyle/>
           <a:p>
-            <a:pPr algn="ctr">
+            <a:pPr>
               <a:defRPr sz="1000"/>
             </a:pPr>
             <a:r>
@@ -2811,7 +2825,7 @@
       </p:sp>
       <p:sp>
         <p:nvSpPr>
-          <p:cNvPr id="2" name="Title 1"/>
+          <p:cNvPr id="9" name="Title 1"/>
           <p:cNvSpPr>
             <a:spLocks noGrp="1"/>
           </p:cNvSpPr>
@@ -2826,7 +2840,9 @@
           </a:xfrm>
         </p:spPr>
         <p:txBody>
-          <a:bodyPr/>
+          <a:bodyPr>
+            <a:normAutofit fontScale="90000"/>
+          </a:bodyPr>
           <a:lstStyle/>
           <a:p>
             <a:pPr>
@@ -2899,7 +2915,7 @@
           </a:bodyPr>
           <a:lstStyle/>
           <a:p>
-            <a:pPr algn="ctr">
+            <a:pPr>
               <a:defRPr sz="1000"/>
             </a:pPr>
             <a:r>
@@ -2981,7 +2997,7 @@
           </a:bodyPr>
           <a:lstStyle/>
           <a:p>
-            <a:pPr algn="ctr">
+            <a:pPr>
               <a:defRPr sz="1000"/>
             </a:pPr>
             <a:r>
@@ -3020,7 +3036,7 @@
       </p:sp>
       <p:sp>
         <p:nvSpPr>
-          <p:cNvPr id="2" name="Title 1"/>
+          <p:cNvPr id="10" name="Title 1"/>
           <p:cNvSpPr>
             <a:spLocks noGrp="1"/>
           </p:cNvSpPr>
@@ -3035,7 +3051,9 @@
           </a:xfrm>
         </p:spPr>
         <p:txBody>
-          <a:bodyPr/>
+          <a:bodyPr>
+            <a:normAutofit fontScale="90000"/>
+          </a:bodyPr>
           <a:lstStyle/>
           <a:p>
             <a:pPr>
@@ -3073,7 +3091,7 @@
           </a:bodyPr>
           <a:lstStyle/>
           <a:p>
-            <a:pPr algn="ctr">
+            <a:pPr>
               <a:defRPr sz="1000"/>
             </a:pPr>
             <a:r>
@@ -3115,6 +3133,1503 @@
             <a:r>
               <a:t>fonctionner sans connexion à un réseau, et n’a aucune latence.</a:t>
             </a:r>
+          </a:p>
+        </p:txBody>
+      </p:sp>
+    </p:spTree>
+  </p:cSld>
+  <p:clrMapOvr>
+    <a:masterClrMapping/>
+  </p:clrMapOvr>
+</p:sld>
+</file>
+
+<file path=ppt/slides/slide4.xml><?xml version="1.0" encoding="utf-8"?>
+<p:sld xmlns:a="http://schemas.openxmlformats.org/drawingml/2006/main" xmlns:r="http://schemas.openxmlformats.org/officeDocument/2006/relationships" xmlns:p="http://schemas.openxmlformats.org/presentationml/2006/main">
+  <p:cSld>
+    <p:spTree>
+      <p:nvGrpSpPr>
+        <p:cNvPr id="1" name=""/>
+        <p:cNvGrpSpPr/>
+        <p:nvPr/>
+      </p:nvGrpSpPr>
+      <p:grpSpPr>
+        <a:xfrm>
+          <a:off x="0" y="0"/>
+          <a:ext cx="0" cy="0"/>
+          <a:chOff x="0" y="0"/>
+          <a:chExt cx="0" cy="0"/>
+        </a:xfrm>
+      </p:grpSpPr>
+      <p:sp>
+        <p:nvSpPr>
+          <p:cNvPr id="3" name="Title 1"/>
+          <p:cNvSpPr>
+            <a:spLocks noGrp="1"/>
+          </p:cNvSpPr>
+          <p:nvPr>
+            <p:ph type="title"/>
+          </p:nvPr>
+        </p:nvSpPr>
+        <p:spPr>
+          <a:xfrm>
+            <a:off x="138545" y="486838"/>
+            <a:ext cx="6557819" cy="400000"/>
+          </a:xfrm>
+        </p:spPr>
+        <p:txBody>
+          <a:bodyPr>
+            <a:normAutofit fontScale="90000"/>
+          </a:bodyPr>
+          <a:lstStyle/>
+          <a:p>
+            <a:pPr>
+              <a:defRPr b="1" i="1">
+                <a:solidFill>
+                  <a:schemeClr val="bg1"/>
+                </a:solidFill>
+              </a:defRPr>
+            </a:pPr>
+            <a:r>
+              <a:t>Sources</a:t>
+            </a:r>
+          </a:p>
+        </p:txBody>
+      </p:sp>
+      <p:sp>
+        <p:nvSpPr>
+          <p:cNvPr id="10" name="Espace réservé du contenu 4">
+            <a:extLst>
+              <a:ext uri="{FF2B5EF4-FFF2-40B4-BE49-F238E27FC236}">
+                <a16:creationId xmlns:a16="http://schemas.microsoft.com/office/drawing/2014/main" id="{8C0D8D95-74FB-724D-7DF9-7BEA9738C7CE}"/>
+              </a:ext>
+            </a:extLst>
+          </p:cNvPr>
+          <p:cNvSpPr txBox="1">
+            <a:spLocks/>
+          </p:cNvSpPr>
+          <p:nvPr>
+            <p:custDataLst>
+              <p:tags r:id="rId1"/>
+            </p:custDataLst>
+          </p:nvPr>
+        </p:nvSpPr>
+        <p:spPr>
+          <a:xfrm>
+            <a:off x="138544" y="1208678"/>
+            <a:ext cx="6557819" cy="5232169"/>
+          </a:xfrm>
+          <a:prstGeom prst="rect">
+            <a:avLst/>
+          </a:prstGeom>
+        </p:spPr>
+        <p:txBody>
+          <a:bodyPr lIns="91440" tIns="45720" rIns="91440" bIns="45720" numCol="2" anchor="t">
+            <a:noAutofit/>
+          </a:bodyPr>
+          <a:lstStyle>
+            <a:lvl1pPr marL="128585" indent="-128585" algn="l" defTabSz="514337" rtl="0" eaLnBrk="1" latinLnBrk="0" hangingPunct="1">
+              <a:lnSpc>
+                <a:spcPct val="90000"/>
+              </a:lnSpc>
+              <a:spcBef>
+                <a:spcPts val="563"/>
+              </a:spcBef>
+              <a:buClr>
+                <a:schemeClr val="accent2"/>
+              </a:buClr>
+              <a:buFont typeface="Arial" panose="020B0604020202020204" pitchFamily="34" charset="0"/>
+              <a:buChar char="•"/>
+              <a:defRPr sz="1575" kern="1200">
+                <a:solidFill>
+                  <a:schemeClr val="tx1"/>
+                </a:solidFill>
+                <a:latin typeface="+mn-lt"/>
+                <a:ea typeface="+mn-ea"/>
+                <a:cs typeface="+mn-cs"/>
+              </a:defRPr>
+            </a:lvl1pPr>
+            <a:lvl2pPr marL="385754" indent="-128585" algn="l" defTabSz="514337" rtl="0" eaLnBrk="1" latinLnBrk="0" hangingPunct="1">
+              <a:lnSpc>
+                <a:spcPct val="90000"/>
+              </a:lnSpc>
+              <a:spcBef>
+                <a:spcPts val="281"/>
+              </a:spcBef>
+              <a:buClr>
+                <a:schemeClr val="accent5"/>
+              </a:buClr>
+              <a:buFont typeface="Arial" panose="020B0604020202020204" pitchFamily="34" charset="0"/>
+              <a:buChar char="•"/>
+              <a:defRPr sz="1350" kern="1200">
+                <a:solidFill>
+                  <a:schemeClr val="tx1"/>
+                </a:solidFill>
+                <a:latin typeface="+mn-lt"/>
+                <a:ea typeface="+mn-ea"/>
+                <a:cs typeface="+mn-cs"/>
+              </a:defRPr>
+            </a:lvl2pPr>
+            <a:lvl3pPr marL="642922" indent="-128585" algn="l" defTabSz="514337" rtl="0" eaLnBrk="1" latinLnBrk="0" hangingPunct="1">
+              <a:lnSpc>
+                <a:spcPct val="90000"/>
+              </a:lnSpc>
+              <a:spcBef>
+                <a:spcPts val="281"/>
+              </a:spcBef>
+              <a:buClr>
+                <a:schemeClr val="accent6"/>
+              </a:buClr>
+              <a:buFont typeface="Arial" panose="020B0604020202020204" pitchFamily="34" charset="0"/>
+              <a:buChar char="•"/>
+              <a:defRPr sz="1125" kern="1200">
+                <a:solidFill>
+                  <a:schemeClr val="tx1"/>
+                </a:solidFill>
+                <a:latin typeface="+mn-lt"/>
+                <a:ea typeface="+mn-ea"/>
+                <a:cs typeface="+mn-cs"/>
+              </a:defRPr>
+            </a:lvl3pPr>
+            <a:lvl4pPr marL="900091" indent="-128585" algn="l" defTabSz="514337" rtl="0" eaLnBrk="1" latinLnBrk="0" hangingPunct="1">
+              <a:lnSpc>
+                <a:spcPct val="90000"/>
+              </a:lnSpc>
+              <a:spcBef>
+                <a:spcPts val="281"/>
+              </a:spcBef>
+              <a:buClr>
+                <a:schemeClr val="accent6">
+                  <a:lumMod val="60000"/>
+                  <a:lumOff val="40000"/>
+                </a:schemeClr>
+              </a:buClr>
+              <a:buFont typeface="Arial" panose="020B0604020202020204" pitchFamily="34" charset="0"/>
+              <a:buChar char="•"/>
+              <a:defRPr sz="1013" kern="1200">
+                <a:solidFill>
+                  <a:schemeClr val="tx1"/>
+                </a:solidFill>
+                <a:latin typeface="+mn-lt"/>
+                <a:ea typeface="+mn-ea"/>
+                <a:cs typeface="+mn-cs"/>
+              </a:defRPr>
+            </a:lvl4pPr>
+            <a:lvl5pPr marL="1157259" indent="-128585" algn="l" defTabSz="514337" rtl="0" eaLnBrk="1" latinLnBrk="0" hangingPunct="1">
+              <a:lnSpc>
+                <a:spcPct val="90000"/>
+              </a:lnSpc>
+              <a:spcBef>
+                <a:spcPts val="281"/>
+              </a:spcBef>
+              <a:buClr>
+                <a:schemeClr val="accent6">
+                  <a:lumMod val="40000"/>
+                  <a:lumOff val="60000"/>
+                </a:schemeClr>
+              </a:buClr>
+              <a:buFont typeface="Arial" panose="020B0604020202020204" pitchFamily="34" charset="0"/>
+              <a:buChar char="•"/>
+              <a:defRPr sz="1013" kern="1200">
+                <a:solidFill>
+                  <a:schemeClr val="tx1"/>
+                </a:solidFill>
+                <a:latin typeface="+mn-lt"/>
+                <a:ea typeface="+mn-ea"/>
+                <a:cs typeface="+mn-cs"/>
+              </a:defRPr>
+            </a:lvl5pPr>
+            <a:lvl6pPr marL="1414428" indent="-128585" algn="l" defTabSz="514337" rtl="0" eaLnBrk="1" latinLnBrk="0" hangingPunct="1">
+              <a:lnSpc>
+                <a:spcPct val="90000"/>
+              </a:lnSpc>
+              <a:spcBef>
+                <a:spcPts val="281"/>
+              </a:spcBef>
+              <a:buFont typeface="Arial" panose="020B0604020202020204" pitchFamily="34" charset="0"/>
+              <a:buChar char="•"/>
+              <a:defRPr sz="1013" kern="1200">
+                <a:solidFill>
+                  <a:schemeClr val="tx1"/>
+                </a:solidFill>
+                <a:latin typeface="+mn-lt"/>
+                <a:ea typeface="+mn-ea"/>
+                <a:cs typeface="+mn-cs"/>
+              </a:defRPr>
+            </a:lvl6pPr>
+            <a:lvl7pPr marL="1671596" indent="-128585" algn="l" defTabSz="514337" rtl="0" eaLnBrk="1" latinLnBrk="0" hangingPunct="1">
+              <a:lnSpc>
+                <a:spcPct val="90000"/>
+              </a:lnSpc>
+              <a:spcBef>
+                <a:spcPts val="281"/>
+              </a:spcBef>
+              <a:buFont typeface="Arial" panose="020B0604020202020204" pitchFamily="34" charset="0"/>
+              <a:buChar char="•"/>
+              <a:defRPr sz="1013" kern="1200">
+                <a:solidFill>
+                  <a:schemeClr val="tx1"/>
+                </a:solidFill>
+                <a:latin typeface="+mn-lt"/>
+                <a:ea typeface="+mn-ea"/>
+                <a:cs typeface="+mn-cs"/>
+              </a:defRPr>
+            </a:lvl7pPr>
+            <a:lvl8pPr marL="1928765" indent="-128585" algn="l" defTabSz="514337" rtl="0" eaLnBrk="1" latinLnBrk="0" hangingPunct="1">
+              <a:lnSpc>
+                <a:spcPct val="90000"/>
+              </a:lnSpc>
+              <a:spcBef>
+                <a:spcPts val="281"/>
+              </a:spcBef>
+              <a:buFont typeface="Arial" panose="020B0604020202020204" pitchFamily="34" charset="0"/>
+              <a:buChar char="•"/>
+              <a:defRPr sz="1013" kern="1200">
+                <a:solidFill>
+                  <a:schemeClr val="tx1"/>
+                </a:solidFill>
+                <a:latin typeface="+mn-lt"/>
+                <a:ea typeface="+mn-ea"/>
+                <a:cs typeface="+mn-cs"/>
+              </a:defRPr>
+            </a:lvl8pPr>
+            <a:lvl9pPr marL="2185934" indent="-128585" algn="l" defTabSz="514337" rtl="0" eaLnBrk="1" latinLnBrk="0" hangingPunct="1">
+              <a:lnSpc>
+                <a:spcPct val="90000"/>
+              </a:lnSpc>
+              <a:spcBef>
+                <a:spcPts val="281"/>
+              </a:spcBef>
+              <a:buFont typeface="Arial" panose="020B0604020202020204" pitchFamily="34" charset="0"/>
+              <a:buChar char="•"/>
+              <a:defRPr sz="1013" kern="1200">
+                <a:solidFill>
+                  <a:schemeClr val="tx1"/>
+                </a:solidFill>
+                <a:latin typeface="+mn-lt"/>
+                <a:ea typeface="+mn-ea"/>
+                <a:cs typeface="+mn-cs"/>
+              </a:defRPr>
+            </a:lvl9pPr>
+          </a:lstStyle>
+          <a:p>
+            <a:pPr marL="228600" indent="-228600">
+              <a:lnSpc>
+                <a:spcPct val="100000"/>
+              </a:lnSpc>
+              <a:buFont typeface="Arial" panose="020B0604020202020204" pitchFamily="34" charset="0"/>
+              <a:buAutoNum type="arabicPeriod"/>
+            </a:pPr>
+            <a:r>
+              <a:rPr lang="en-US" sz="800" b="0" i="0" dirty="0">
+                <a:solidFill>
+                  <a:srgbClr val="000000"/>
+                </a:solidFill>
+                <a:effectLst/>
+                <a:latin typeface="+mj-lt"/>
+              </a:rPr>
+              <a:t>&lt;source&gt;</a:t>
+            </a:r>
+          </a:p>
+          <a:p>
+            <a:pPr marL="228600" indent="-228600">
+              <a:lnSpc>
+                <a:spcPct val="100000"/>
+              </a:lnSpc>
+              <a:buAutoNum type="arabicPeriod"/>
+            </a:pPr>
+            <a:r>
+              <a:rPr lang="en-US" sz="800" b="0" i="0" dirty="0">
+                <a:solidFill>
+                  <a:srgbClr val="000000"/>
+                </a:solidFill>
+                <a:effectLst/>
+                <a:latin typeface="+mj-lt"/>
+              </a:rPr>
+              <a:t>&lt;source&gt;</a:t>
+            </a:r>
+            <a:endParaRPr lang="en-US" sz="800" dirty="0">
+              <a:solidFill>
+                <a:srgbClr val="000000"/>
+              </a:solidFill>
+              <a:latin typeface="+mj-lt"/>
+            </a:endParaRPr>
+          </a:p>
+          <a:p>
+            <a:pPr marL="228600" indent="-228600">
+              <a:lnSpc>
+                <a:spcPct val="100000"/>
+              </a:lnSpc>
+              <a:buFont typeface="Arial" panose="020B0604020202020204" pitchFamily="34" charset="0"/>
+              <a:buAutoNum type="arabicPeriod"/>
+            </a:pPr>
+            <a:r>
+              <a:rPr lang="en-US" sz="800" b="0" i="0" dirty="0">
+                <a:solidFill>
+                  <a:srgbClr val="000000"/>
+                </a:solidFill>
+                <a:effectLst/>
+                <a:latin typeface="+mj-lt"/>
+              </a:rPr>
+              <a:t>&lt;source&gt;</a:t>
+            </a:r>
+          </a:p>
+          <a:p>
+            <a:pPr marL="228600" indent="-228600">
+              <a:lnSpc>
+                <a:spcPct val="100000"/>
+              </a:lnSpc>
+              <a:buAutoNum type="arabicPeriod"/>
+            </a:pPr>
+            <a:r>
+              <a:rPr lang="en-US" sz="800" b="0" i="0" dirty="0">
+                <a:solidFill>
+                  <a:srgbClr val="000000"/>
+                </a:solidFill>
+                <a:effectLst/>
+                <a:latin typeface="+mj-lt"/>
+              </a:rPr>
+              <a:t>&lt;source&gt;</a:t>
+            </a:r>
+            <a:endParaRPr lang="en-US" sz="800" dirty="0">
+              <a:solidFill>
+                <a:srgbClr val="000000"/>
+              </a:solidFill>
+              <a:latin typeface="+mj-lt"/>
+            </a:endParaRPr>
+          </a:p>
+          <a:p>
+            <a:pPr marL="228600" indent="-228600">
+              <a:lnSpc>
+                <a:spcPct val="100000"/>
+              </a:lnSpc>
+              <a:buFont typeface="Arial" panose="020B0604020202020204" pitchFamily="34" charset="0"/>
+              <a:buAutoNum type="arabicPeriod"/>
+            </a:pPr>
+            <a:r>
+              <a:rPr lang="en-US" sz="800" b="0" i="0" dirty="0">
+                <a:solidFill>
+                  <a:srgbClr val="000000"/>
+                </a:solidFill>
+                <a:effectLst/>
+                <a:latin typeface="+mj-lt"/>
+              </a:rPr>
+              <a:t>&lt;source&gt;</a:t>
+            </a:r>
+            <a:endParaRPr lang="fr-FR" sz="800" b="0" i="0" dirty="0">
+              <a:solidFill>
+                <a:srgbClr val="000000"/>
+              </a:solidFill>
+              <a:effectLst/>
+              <a:latin typeface="+mj-lt"/>
+            </a:endParaRPr>
+          </a:p>
+          <a:p>
+            <a:pPr marL="228600" indent="-228600">
+              <a:lnSpc>
+                <a:spcPct val="100000"/>
+              </a:lnSpc>
+              <a:buAutoNum type="arabicPeriod"/>
+            </a:pPr>
+            <a:r>
+              <a:rPr lang="en-US" sz="800" b="0" i="0" dirty="0">
+                <a:solidFill>
+                  <a:srgbClr val="000000"/>
+                </a:solidFill>
+                <a:effectLst/>
+                <a:latin typeface="+mj-lt"/>
+              </a:rPr>
+              <a:t>&lt;source&gt;</a:t>
+            </a:r>
+            <a:endParaRPr lang="en-US" sz="800" dirty="0">
+              <a:solidFill>
+                <a:srgbClr val="000000"/>
+              </a:solidFill>
+              <a:latin typeface="+mj-lt"/>
+            </a:endParaRPr>
+          </a:p>
+          <a:p>
+            <a:pPr marL="228600" indent="-228600">
+              <a:lnSpc>
+                <a:spcPct val="100000"/>
+              </a:lnSpc>
+              <a:buAutoNum type="arabicPeriod"/>
+            </a:pPr>
+            <a:r>
+              <a:rPr lang="en-US" sz="800" b="0" i="0" dirty="0">
+                <a:solidFill>
+                  <a:srgbClr val="000000"/>
+                </a:solidFill>
+                <a:effectLst/>
+                <a:latin typeface="+mj-lt"/>
+              </a:rPr>
+              <a:t>&lt;source&gt;</a:t>
+            </a:r>
+            <a:endParaRPr lang="en-US" sz="800" dirty="0">
+              <a:solidFill>
+                <a:srgbClr val="000000"/>
+              </a:solidFill>
+              <a:latin typeface="+mj-lt"/>
+            </a:endParaRPr>
+          </a:p>
+          <a:p>
+            <a:pPr marL="228600" indent="-228600">
+              <a:lnSpc>
+                <a:spcPct val="100000"/>
+              </a:lnSpc>
+              <a:buAutoNum type="arabicPeriod"/>
+            </a:pPr>
+            <a:r>
+              <a:rPr lang="en-US" sz="800" b="0" i="0" dirty="0">
+                <a:solidFill>
+                  <a:srgbClr val="000000"/>
+                </a:solidFill>
+                <a:effectLst/>
+                <a:latin typeface="+mj-lt"/>
+              </a:rPr>
+              <a:t>&lt;source&gt;</a:t>
+            </a:r>
+            <a:endParaRPr lang="en-US" sz="800" dirty="0">
+              <a:solidFill>
+                <a:srgbClr val="000000"/>
+              </a:solidFill>
+              <a:latin typeface="+mj-lt"/>
+            </a:endParaRPr>
+          </a:p>
+          <a:p>
+            <a:pPr marL="228600" indent="-228600">
+              <a:lnSpc>
+                <a:spcPct val="100000"/>
+              </a:lnSpc>
+              <a:buAutoNum type="arabicPeriod"/>
+            </a:pPr>
+            <a:r>
+              <a:rPr lang="en-US" sz="800" b="0" i="0" dirty="0">
+                <a:solidFill>
+                  <a:srgbClr val="000000"/>
+                </a:solidFill>
+                <a:effectLst/>
+                <a:latin typeface="+mj-lt"/>
+              </a:rPr>
+              <a:t>&lt;source&gt;</a:t>
+            </a:r>
+            <a:endParaRPr lang="en-US" sz="800" dirty="0">
+              <a:solidFill>
+                <a:srgbClr val="000000"/>
+              </a:solidFill>
+              <a:latin typeface="+mj-lt"/>
+            </a:endParaRPr>
+          </a:p>
+          <a:p>
+            <a:pPr marL="228600" indent="-228600">
+              <a:lnSpc>
+                <a:spcPct val="100000"/>
+              </a:lnSpc>
+              <a:buAutoNum type="arabicPeriod"/>
+            </a:pPr>
+            <a:r>
+              <a:rPr lang="en-US" sz="800" b="0" i="0" dirty="0">
+                <a:solidFill>
+                  <a:srgbClr val="000000"/>
+                </a:solidFill>
+                <a:effectLst/>
+                <a:latin typeface="+mj-lt"/>
+              </a:rPr>
+              <a:t>&lt;source&gt;</a:t>
+            </a:r>
+            <a:endParaRPr lang="en-US" sz="800" dirty="0">
+              <a:solidFill>
+                <a:srgbClr val="000000"/>
+              </a:solidFill>
+              <a:latin typeface="+mj-lt"/>
+            </a:endParaRPr>
+          </a:p>
+          <a:p>
+            <a:pPr marL="228600" indent="-228600">
+              <a:lnSpc>
+                <a:spcPct val="100000"/>
+              </a:lnSpc>
+              <a:buAutoNum type="arabicPeriod"/>
+            </a:pPr>
+            <a:r>
+              <a:rPr lang="en-US" sz="800" b="0" i="0" dirty="0">
+                <a:solidFill>
+                  <a:srgbClr val="000000"/>
+                </a:solidFill>
+                <a:effectLst/>
+                <a:latin typeface="+mj-lt"/>
+              </a:rPr>
+              <a:t>&lt;source&gt;</a:t>
+            </a:r>
+            <a:endParaRPr lang="en-US" sz="800" dirty="0">
+              <a:solidFill>
+                <a:srgbClr val="000000"/>
+              </a:solidFill>
+              <a:latin typeface="+mj-lt"/>
+            </a:endParaRPr>
+          </a:p>
+          <a:p>
+            <a:pPr marL="228600" indent="-228600">
+              <a:lnSpc>
+                <a:spcPct val="100000"/>
+              </a:lnSpc>
+              <a:buAutoNum type="arabicPeriod"/>
+            </a:pPr>
+            <a:r>
+              <a:rPr lang="en-US" sz="800" b="0" i="0" dirty="0">
+                <a:solidFill>
+                  <a:srgbClr val="000000"/>
+                </a:solidFill>
+                <a:effectLst/>
+                <a:latin typeface="+mj-lt"/>
+              </a:rPr>
+              <a:t>&lt;source&gt;</a:t>
+            </a:r>
+            <a:endParaRPr lang="en-US" sz="800" dirty="0">
+              <a:solidFill>
+                <a:srgbClr val="000000"/>
+              </a:solidFill>
+              <a:latin typeface="+mj-lt"/>
+            </a:endParaRPr>
+          </a:p>
+          <a:p>
+            <a:pPr marL="228600" indent="-228600">
+              <a:lnSpc>
+                <a:spcPct val="100000"/>
+              </a:lnSpc>
+              <a:buAutoNum type="arabicPeriod"/>
+            </a:pPr>
+            <a:r>
+              <a:rPr lang="en-US" sz="800" b="0" i="0" dirty="0">
+                <a:solidFill>
+                  <a:srgbClr val="000000"/>
+                </a:solidFill>
+                <a:effectLst/>
+                <a:latin typeface="+mj-lt"/>
+              </a:rPr>
+              <a:t>&lt;source&gt;</a:t>
+            </a:r>
+            <a:endParaRPr lang="en-US" sz="800" dirty="0">
+              <a:solidFill>
+                <a:srgbClr val="000000"/>
+              </a:solidFill>
+              <a:latin typeface="+mj-lt"/>
+            </a:endParaRPr>
+          </a:p>
+          <a:p>
+            <a:pPr marL="228600" indent="-228600">
+              <a:lnSpc>
+                <a:spcPct val="100000"/>
+              </a:lnSpc>
+              <a:buAutoNum type="arabicPeriod"/>
+            </a:pPr>
+            <a:r>
+              <a:rPr lang="en-US" sz="800" b="0" i="0" dirty="0">
+                <a:solidFill>
+                  <a:srgbClr val="000000"/>
+                </a:solidFill>
+                <a:effectLst/>
+                <a:latin typeface="+mj-lt"/>
+              </a:rPr>
+              <a:t>&lt;source&gt;</a:t>
+            </a:r>
+            <a:endParaRPr lang="en-US" sz="800" dirty="0">
+              <a:solidFill>
+                <a:srgbClr val="000000"/>
+              </a:solidFill>
+              <a:latin typeface="+mj-lt"/>
+            </a:endParaRPr>
+          </a:p>
+          <a:p>
+            <a:pPr marL="228600" indent="-228600">
+              <a:lnSpc>
+                <a:spcPct val="100000"/>
+              </a:lnSpc>
+              <a:buAutoNum type="arabicPeriod"/>
+            </a:pPr>
+            <a:r>
+              <a:rPr lang="en-US" sz="800" b="0" i="0" dirty="0">
+                <a:solidFill>
+                  <a:srgbClr val="000000"/>
+                </a:solidFill>
+                <a:effectLst/>
+                <a:latin typeface="+mj-lt"/>
+              </a:rPr>
+              <a:t>&lt;source&gt;</a:t>
+            </a:r>
+            <a:endParaRPr lang="en-US" sz="800" dirty="0">
+              <a:solidFill>
+                <a:srgbClr val="000000"/>
+              </a:solidFill>
+              <a:latin typeface="+mj-lt"/>
+            </a:endParaRPr>
+          </a:p>
+          <a:p>
+            <a:pPr marL="228600" indent="-228600">
+              <a:lnSpc>
+                <a:spcPct val="100000"/>
+              </a:lnSpc>
+              <a:buAutoNum type="arabicPeriod"/>
+            </a:pPr>
+            <a:r>
+              <a:rPr lang="en-US" sz="800" b="0" i="0" dirty="0">
+                <a:solidFill>
+                  <a:srgbClr val="000000"/>
+                </a:solidFill>
+                <a:effectLst/>
+                <a:latin typeface="+mj-lt"/>
+              </a:rPr>
+              <a:t>&lt;source&gt;</a:t>
+            </a:r>
+            <a:endParaRPr lang="en-US" sz="800" dirty="0">
+              <a:solidFill>
+                <a:srgbClr val="000000"/>
+              </a:solidFill>
+              <a:latin typeface="+mj-lt"/>
+            </a:endParaRPr>
+          </a:p>
+          <a:p>
+            <a:pPr marL="228600" indent="-228600">
+              <a:lnSpc>
+                <a:spcPct val="100000"/>
+              </a:lnSpc>
+              <a:buAutoNum type="arabicPeriod"/>
+            </a:pPr>
+            <a:r>
+              <a:rPr lang="en-US" sz="800" b="0" i="0" dirty="0">
+                <a:solidFill>
+                  <a:srgbClr val="000000"/>
+                </a:solidFill>
+                <a:effectLst/>
+                <a:latin typeface="+mj-lt"/>
+              </a:rPr>
+              <a:t>&lt;source&gt;</a:t>
+            </a:r>
+            <a:endParaRPr lang="en-US" sz="800" dirty="0">
+              <a:solidFill>
+                <a:srgbClr val="000000"/>
+              </a:solidFill>
+              <a:latin typeface="+mj-lt"/>
+            </a:endParaRPr>
+          </a:p>
+          <a:p>
+            <a:pPr marL="228600" indent="-228600">
+              <a:lnSpc>
+                <a:spcPct val="100000"/>
+              </a:lnSpc>
+              <a:buAutoNum type="arabicPeriod"/>
+            </a:pPr>
+            <a:r>
+              <a:rPr lang="en-US" sz="800" b="0" i="0" dirty="0">
+                <a:solidFill>
+                  <a:srgbClr val="000000"/>
+                </a:solidFill>
+                <a:effectLst/>
+                <a:latin typeface="+mj-lt"/>
+              </a:rPr>
+              <a:t>&lt;source&gt;</a:t>
+            </a:r>
+            <a:endParaRPr lang="en-US" sz="800" dirty="0">
+              <a:solidFill>
+                <a:srgbClr val="000000"/>
+              </a:solidFill>
+              <a:latin typeface="+mj-lt"/>
+            </a:endParaRPr>
+          </a:p>
+          <a:p>
+            <a:pPr marL="228600" indent="-228600">
+              <a:lnSpc>
+                <a:spcPct val="100000"/>
+              </a:lnSpc>
+              <a:buAutoNum type="arabicPeriod"/>
+            </a:pPr>
+            <a:r>
+              <a:rPr lang="en-US" sz="800" b="0" i="0" dirty="0">
+                <a:solidFill>
+                  <a:srgbClr val="000000"/>
+                </a:solidFill>
+                <a:effectLst/>
+                <a:latin typeface="+mj-lt"/>
+              </a:rPr>
+              <a:t>&lt;source&gt;</a:t>
+            </a:r>
+            <a:endParaRPr lang="en-US" sz="800" dirty="0">
+              <a:solidFill>
+                <a:srgbClr val="000000"/>
+              </a:solidFill>
+              <a:latin typeface="+mj-lt"/>
+            </a:endParaRPr>
+          </a:p>
+          <a:p>
+            <a:pPr marL="228600" indent="-228600">
+              <a:lnSpc>
+                <a:spcPct val="100000"/>
+              </a:lnSpc>
+              <a:buAutoNum type="arabicPeriod"/>
+            </a:pPr>
+            <a:r>
+              <a:rPr lang="en-US" sz="800" b="0" i="0" dirty="0">
+                <a:solidFill>
+                  <a:srgbClr val="000000"/>
+                </a:solidFill>
+                <a:effectLst/>
+                <a:latin typeface="+mj-lt"/>
+              </a:rPr>
+              <a:t>&lt;source&gt;</a:t>
+            </a:r>
+            <a:endParaRPr lang="en-US" sz="800" dirty="0">
+              <a:solidFill>
+                <a:srgbClr val="000000"/>
+              </a:solidFill>
+              <a:latin typeface="+mj-lt"/>
+            </a:endParaRPr>
+          </a:p>
+          <a:p>
+            <a:pPr marL="228600" indent="-228600">
+              <a:lnSpc>
+                <a:spcPct val="100000"/>
+              </a:lnSpc>
+              <a:buAutoNum type="arabicPeriod"/>
+            </a:pPr>
+            <a:r>
+              <a:rPr lang="en-US" sz="800" b="0" i="0" dirty="0">
+                <a:solidFill>
+                  <a:srgbClr val="000000"/>
+                </a:solidFill>
+                <a:effectLst/>
+                <a:latin typeface="+mj-lt"/>
+              </a:rPr>
+              <a:t>&lt;source&gt;</a:t>
+            </a:r>
+            <a:endParaRPr lang="en-US" sz="800" dirty="0">
+              <a:solidFill>
+                <a:srgbClr val="000000"/>
+              </a:solidFill>
+              <a:latin typeface="+mj-lt"/>
+            </a:endParaRPr>
+          </a:p>
+          <a:p>
+            <a:pPr marL="228600" indent="-228600">
+              <a:lnSpc>
+                <a:spcPct val="100000"/>
+              </a:lnSpc>
+              <a:buAutoNum type="arabicPeriod"/>
+            </a:pPr>
+            <a:r>
+              <a:rPr lang="en-US" sz="800" b="0" i="0" dirty="0">
+                <a:solidFill>
+                  <a:srgbClr val="000000"/>
+                </a:solidFill>
+                <a:effectLst/>
+                <a:latin typeface="+mj-lt"/>
+              </a:rPr>
+              <a:t>&lt;source&gt;</a:t>
+            </a:r>
+            <a:endParaRPr lang="en-US" sz="800" dirty="0">
+              <a:solidFill>
+                <a:srgbClr val="000000"/>
+              </a:solidFill>
+              <a:latin typeface="+mj-lt"/>
+            </a:endParaRPr>
+          </a:p>
+          <a:p>
+            <a:pPr marL="228600" indent="-228600">
+              <a:lnSpc>
+                <a:spcPct val="100000"/>
+              </a:lnSpc>
+              <a:buAutoNum type="arabicPeriod"/>
+            </a:pPr>
+            <a:r>
+              <a:rPr lang="en-US" sz="800" b="0" i="0" dirty="0">
+                <a:solidFill>
+                  <a:srgbClr val="000000"/>
+                </a:solidFill>
+                <a:effectLst/>
+                <a:latin typeface="+mj-lt"/>
+              </a:rPr>
+              <a:t>&lt;source&gt;</a:t>
+            </a:r>
+            <a:endParaRPr lang="en-US" sz="800" dirty="0">
+              <a:solidFill>
+                <a:srgbClr val="000000"/>
+              </a:solidFill>
+              <a:latin typeface="+mj-lt"/>
+            </a:endParaRPr>
+          </a:p>
+          <a:p>
+            <a:pPr marL="228600" indent="-228600">
+              <a:lnSpc>
+                <a:spcPct val="100000"/>
+              </a:lnSpc>
+              <a:buAutoNum type="arabicPeriod"/>
+            </a:pPr>
+            <a:r>
+              <a:rPr lang="en-US" sz="800" b="0" i="0" dirty="0">
+                <a:solidFill>
+                  <a:srgbClr val="000000"/>
+                </a:solidFill>
+                <a:effectLst/>
+                <a:latin typeface="+mj-lt"/>
+              </a:rPr>
+              <a:t> &lt;source&gt;</a:t>
+            </a:r>
+          </a:p>
+          <a:p>
+            <a:pPr marL="228600" indent="-228600">
+              <a:lnSpc>
+                <a:spcPct val="100000"/>
+              </a:lnSpc>
+              <a:buFont typeface="Arial" panose="020B0604020202020204" pitchFamily="34" charset="0"/>
+              <a:buAutoNum type="arabicPeriod"/>
+            </a:pPr>
+            <a:r>
+              <a:rPr lang="en-US" sz="800" b="0" i="0" dirty="0">
+                <a:solidFill>
+                  <a:srgbClr val="000000"/>
+                </a:solidFill>
+                <a:effectLst/>
+                <a:latin typeface="+mj-lt"/>
+              </a:rPr>
+              <a:t>&lt;source&gt;</a:t>
+            </a:r>
+            <a:endParaRPr lang="en-US" sz="800" dirty="0">
+              <a:solidFill>
+                <a:srgbClr val="000000"/>
+              </a:solidFill>
+              <a:latin typeface="+mj-lt"/>
+            </a:endParaRPr>
+          </a:p>
+          <a:p>
+            <a:pPr marL="228600" indent="-228600">
+              <a:lnSpc>
+                <a:spcPct val="100000"/>
+              </a:lnSpc>
+              <a:buFont typeface="Arial" panose="020B0604020202020204" pitchFamily="34" charset="0"/>
+              <a:buAutoNum type="arabicPeriod"/>
+            </a:pPr>
+            <a:r>
+              <a:rPr lang="en-US" sz="800" b="0" i="0" dirty="0">
+                <a:solidFill>
+                  <a:srgbClr val="000000"/>
+                </a:solidFill>
+                <a:effectLst/>
+                <a:latin typeface="+mj-lt"/>
+              </a:rPr>
+              <a:t>&lt;source&gt;</a:t>
+            </a:r>
+            <a:endParaRPr lang="en-US" sz="800" dirty="0">
+              <a:solidFill>
+                <a:srgbClr val="000000"/>
+              </a:solidFill>
+              <a:latin typeface="+mj-lt"/>
+            </a:endParaRPr>
+          </a:p>
+          <a:p>
+            <a:pPr marL="228600" indent="-228600">
+              <a:lnSpc>
+                <a:spcPct val="100000"/>
+              </a:lnSpc>
+              <a:buFont typeface="Arial" panose="020B0604020202020204" pitchFamily="34" charset="0"/>
+              <a:buAutoNum type="arabicPeriod"/>
+            </a:pPr>
+            <a:r>
+              <a:rPr lang="en-US" sz="800" b="0" i="0" dirty="0">
+                <a:solidFill>
+                  <a:srgbClr val="000000"/>
+                </a:solidFill>
+                <a:effectLst/>
+                <a:latin typeface="+mj-lt"/>
+              </a:rPr>
+              <a:t>&lt;source&gt;</a:t>
+            </a:r>
+            <a:endParaRPr lang="en-US" sz="800" dirty="0">
+              <a:solidFill>
+                <a:srgbClr val="000000"/>
+              </a:solidFill>
+              <a:latin typeface="+mj-lt"/>
+            </a:endParaRPr>
+          </a:p>
+          <a:p>
+            <a:pPr marL="228600" indent="-228600">
+              <a:lnSpc>
+                <a:spcPct val="100000"/>
+              </a:lnSpc>
+              <a:buFont typeface="Arial" panose="020B0604020202020204" pitchFamily="34" charset="0"/>
+              <a:buAutoNum type="arabicPeriod"/>
+            </a:pPr>
+            <a:r>
+              <a:rPr lang="en-US" sz="800" b="0" i="0" dirty="0">
+                <a:solidFill>
+                  <a:srgbClr val="000000"/>
+                </a:solidFill>
+                <a:effectLst/>
+                <a:latin typeface="+mj-lt"/>
+              </a:rPr>
+              <a:t>&lt;source&gt;</a:t>
+            </a:r>
+            <a:endParaRPr lang="en-US" sz="800" dirty="0">
+              <a:solidFill>
+                <a:srgbClr val="000000"/>
+              </a:solidFill>
+              <a:latin typeface="+mj-lt"/>
+            </a:endParaRPr>
+          </a:p>
+          <a:p>
+            <a:pPr marL="228600" indent="-228600">
+              <a:lnSpc>
+                <a:spcPct val="100000"/>
+              </a:lnSpc>
+              <a:buFont typeface="Arial" panose="020B0604020202020204" pitchFamily="34" charset="0"/>
+              <a:buAutoNum type="arabicPeriod"/>
+            </a:pPr>
+            <a:r>
+              <a:rPr lang="en-US" sz="800" b="0" i="0" dirty="0">
+                <a:solidFill>
+                  <a:srgbClr val="000000"/>
+                </a:solidFill>
+                <a:effectLst/>
+                <a:latin typeface="+mj-lt"/>
+              </a:rPr>
+              <a:t>&lt;source&gt;</a:t>
+            </a:r>
+            <a:endParaRPr lang="en-US" sz="800" dirty="0">
+              <a:solidFill>
+                <a:srgbClr val="000000"/>
+              </a:solidFill>
+              <a:latin typeface="+mj-lt"/>
+            </a:endParaRPr>
+          </a:p>
+          <a:p>
+            <a:pPr marL="228600" indent="-228600">
+              <a:lnSpc>
+                <a:spcPct val="100000"/>
+              </a:lnSpc>
+              <a:buFont typeface="Arial" panose="020B0604020202020204" pitchFamily="34" charset="0"/>
+              <a:buAutoNum type="arabicPeriod"/>
+            </a:pPr>
+            <a:r>
+              <a:rPr lang="en-US" sz="800" b="0" i="0" dirty="0">
+                <a:solidFill>
+                  <a:srgbClr val="000000"/>
+                </a:solidFill>
+                <a:effectLst/>
+                <a:latin typeface="+mj-lt"/>
+              </a:rPr>
+              <a:t>&lt;source&gt;</a:t>
+            </a:r>
+            <a:endParaRPr lang="en-US" sz="800" dirty="0">
+              <a:solidFill>
+                <a:srgbClr val="000000"/>
+              </a:solidFill>
+              <a:latin typeface="+mj-lt"/>
+            </a:endParaRPr>
+          </a:p>
+          <a:p>
+            <a:pPr marL="228600" indent="-228600">
+              <a:lnSpc>
+                <a:spcPct val="100000"/>
+              </a:lnSpc>
+              <a:buFont typeface="Arial" panose="020B0604020202020204" pitchFamily="34" charset="0"/>
+              <a:buAutoNum type="arabicPeriod"/>
+            </a:pPr>
+            <a:r>
+              <a:rPr lang="en-US" sz="800" b="0" i="0" dirty="0">
+                <a:solidFill>
+                  <a:srgbClr val="000000"/>
+                </a:solidFill>
+                <a:effectLst/>
+                <a:latin typeface="+mj-lt"/>
+              </a:rPr>
+              <a:t>&lt;source&gt;</a:t>
+            </a:r>
+            <a:endParaRPr lang="en-US" sz="800" dirty="0">
+              <a:solidFill>
+                <a:srgbClr val="000000"/>
+              </a:solidFill>
+              <a:latin typeface="+mj-lt"/>
+            </a:endParaRPr>
+          </a:p>
+          <a:p>
+            <a:pPr marL="228600" indent="-228600">
+              <a:lnSpc>
+                <a:spcPct val="100000"/>
+              </a:lnSpc>
+              <a:buFont typeface="Arial" panose="020B0604020202020204" pitchFamily="34" charset="0"/>
+              <a:buAutoNum type="arabicPeriod"/>
+            </a:pPr>
+            <a:r>
+              <a:rPr lang="en-US" sz="800" b="0" i="0" dirty="0">
+                <a:solidFill>
+                  <a:srgbClr val="000000"/>
+                </a:solidFill>
+                <a:effectLst/>
+                <a:latin typeface="+mj-lt"/>
+              </a:rPr>
+              <a:t>&lt;source&gt;</a:t>
+            </a:r>
+            <a:endParaRPr lang="en-US" sz="800" dirty="0">
+              <a:solidFill>
+                <a:srgbClr val="000000"/>
+              </a:solidFill>
+              <a:latin typeface="+mj-lt"/>
+            </a:endParaRPr>
+          </a:p>
+          <a:p>
+            <a:pPr marL="228600" indent="-228600">
+              <a:lnSpc>
+                <a:spcPct val="100000"/>
+              </a:lnSpc>
+              <a:buFont typeface="Arial" panose="020B0604020202020204" pitchFamily="34" charset="0"/>
+              <a:buAutoNum type="arabicPeriod"/>
+            </a:pPr>
+            <a:r>
+              <a:rPr lang="en-US" sz="800" b="0" i="0" dirty="0">
+                <a:solidFill>
+                  <a:srgbClr val="000000"/>
+                </a:solidFill>
+                <a:effectLst/>
+                <a:latin typeface="+mj-lt"/>
+              </a:rPr>
+              <a:t>&lt;source&gt;</a:t>
+            </a:r>
+            <a:endParaRPr lang="en-US" sz="800" dirty="0">
+              <a:solidFill>
+                <a:srgbClr val="000000"/>
+              </a:solidFill>
+              <a:latin typeface="+mj-lt"/>
+            </a:endParaRPr>
+          </a:p>
+          <a:p>
+            <a:pPr marL="228600" indent="-228600">
+              <a:lnSpc>
+                <a:spcPct val="100000"/>
+              </a:lnSpc>
+              <a:buFont typeface="Arial" panose="020B0604020202020204" pitchFamily="34" charset="0"/>
+              <a:buAutoNum type="arabicPeriod"/>
+            </a:pPr>
+            <a:r>
+              <a:rPr lang="en-US" sz="800" b="0" i="0" dirty="0">
+                <a:solidFill>
+                  <a:srgbClr val="000000"/>
+                </a:solidFill>
+                <a:effectLst/>
+                <a:latin typeface="+mj-lt"/>
+              </a:rPr>
+              <a:t>&lt;source&gt;</a:t>
+            </a:r>
+            <a:endParaRPr lang="en-US" sz="800" dirty="0">
+              <a:solidFill>
+                <a:srgbClr val="000000"/>
+              </a:solidFill>
+              <a:latin typeface="+mj-lt"/>
+            </a:endParaRPr>
+          </a:p>
+          <a:p>
+            <a:pPr marL="228600" indent="-228600">
+              <a:lnSpc>
+                <a:spcPct val="100000"/>
+              </a:lnSpc>
+              <a:buFont typeface="Arial" panose="020B0604020202020204" pitchFamily="34" charset="0"/>
+              <a:buAutoNum type="arabicPeriod"/>
+            </a:pPr>
+            <a:r>
+              <a:rPr lang="en-US" sz="800" b="0" i="0" dirty="0">
+                <a:solidFill>
+                  <a:srgbClr val="000000"/>
+                </a:solidFill>
+                <a:effectLst/>
+                <a:latin typeface="+mj-lt"/>
+              </a:rPr>
+              <a:t>&lt;source&gt;</a:t>
+            </a:r>
+            <a:endParaRPr lang="en-US" sz="800" dirty="0">
+              <a:solidFill>
+                <a:srgbClr val="000000"/>
+              </a:solidFill>
+              <a:latin typeface="+mj-lt"/>
+            </a:endParaRPr>
+          </a:p>
+          <a:p>
+            <a:pPr marL="228600" indent="-228600">
+              <a:lnSpc>
+                <a:spcPct val="100000"/>
+              </a:lnSpc>
+              <a:buFont typeface="Arial" panose="020B0604020202020204" pitchFamily="34" charset="0"/>
+              <a:buAutoNum type="arabicPeriod"/>
+            </a:pPr>
+            <a:r>
+              <a:rPr lang="en-US" sz="800" b="0" i="0" dirty="0">
+                <a:solidFill>
+                  <a:srgbClr val="000000"/>
+                </a:solidFill>
+                <a:effectLst/>
+                <a:latin typeface="+mj-lt"/>
+              </a:rPr>
+              <a:t>&lt;source&gt;</a:t>
+            </a:r>
+            <a:endParaRPr lang="en-US" sz="800" dirty="0">
+              <a:solidFill>
+                <a:srgbClr val="000000"/>
+              </a:solidFill>
+              <a:latin typeface="+mj-lt"/>
+            </a:endParaRPr>
+          </a:p>
+          <a:p>
+            <a:pPr marL="228600" indent="-228600">
+              <a:lnSpc>
+                <a:spcPct val="100000"/>
+              </a:lnSpc>
+              <a:buFont typeface="Arial" panose="020B0604020202020204" pitchFamily="34" charset="0"/>
+              <a:buAutoNum type="arabicPeriod"/>
+            </a:pPr>
+            <a:r>
+              <a:rPr lang="en-US" sz="800" b="0" i="0" dirty="0">
+                <a:solidFill>
+                  <a:srgbClr val="000000"/>
+                </a:solidFill>
+                <a:effectLst/>
+                <a:latin typeface="+mj-lt"/>
+              </a:rPr>
+              <a:t>&lt;source&gt;</a:t>
+            </a:r>
+            <a:endParaRPr lang="en-US" sz="800" dirty="0">
+              <a:solidFill>
+                <a:srgbClr val="000000"/>
+              </a:solidFill>
+              <a:latin typeface="+mj-lt"/>
+            </a:endParaRPr>
+          </a:p>
+          <a:p>
+            <a:pPr marL="228600" indent="-228600">
+              <a:lnSpc>
+                <a:spcPct val="100000"/>
+              </a:lnSpc>
+              <a:buFont typeface="Arial" panose="020B0604020202020204" pitchFamily="34" charset="0"/>
+              <a:buAutoNum type="arabicPeriod"/>
+            </a:pPr>
+            <a:r>
+              <a:rPr lang="en-US" sz="800" b="0" i="0" dirty="0">
+                <a:solidFill>
+                  <a:srgbClr val="000000"/>
+                </a:solidFill>
+                <a:effectLst/>
+                <a:latin typeface="+mj-lt"/>
+              </a:rPr>
+              <a:t>&lt;source&gt;</a:t>
+            </a:r>
+            <a:endParaRPr lang="en-US" sz="800" dirty="0">
+              <a:solidFill>
+                <a:srgbClr val="000000"/>
+              </a:solidFill>
+              <a:latin typeface="+mj-lt"/>
+            </a:endParaRPr>
+          </a:p>
+          <a:p>
+            <a:pPr marL="228600" indent="-228600">
+              <a:lnSpc>
+                <a:spcPct val="100000"/>
+              </a:lnSpc>
+              <a:buFont typeface="Arial" panose="020B0604020202020204" pitchFamily="34" charset="0"/>
+              <a:buAutoNum type="arabicPeriod"/>
+            </a:pPr>
+            <a:r>
+              <a:rPr lang="en-US" sz="800" b="0" i="0" dirty="0">
+                <a:solidFill>
+                  <a:srgbClr val="000000"/>
+                </a:solidFill>
+                <a:effectLst/>
+                <a:latin typeface="+mj-lt"/>
+              </a:rPr>
+              <a:t>&lt;source&gt;</a:t>
+            </a:r>
+            <a:endParaRPr lang="en-US" sz="800" dirty="0">
+              <a:solidFill>
+                <a:srgbClr val="000000"/>
+              </a:solidFill>
+              <a:latin typeface="+mj-lt"/>
+            </a:endParaRPr>
+          </a:p>
+          <a:p>
+            <a:pPr marL="228600" indent="-228600">
+              <a:lnSpc>
+                <a:spcPct val="100000"/>
+              </a:lnSpc>
+              <a:buFont typeface="Arial" panose="020B0604020202020204" pitchFamily="34" charset="0"/>
+              <a:buAutoNum type="arabicPeriod"/>
+            </a:pPr>
+            <a:r>
+              <a:rPr lang="en-US" sz="800" b="0" i="0" dirty="0">
+                <a:solidFill>
+                  <a:srgbClr val="000000"/>
+                </a:solidFill>
+                <a:effectLst/>
+                <a:latin typeface="+mj-lt"/>
+              </a:rPr>
+              <a:t>&lt;source&gt;</a:t>
+            </a:r>
+            <a:endParaRPr lang="en-US" sz="800" dirty="0">
+              <a:solidFill>
+                <a:srgbClr val="000000"/>
+              </a:solidFill>
+              <a:latin typeface="+mj-lt"/>
+            </a:endParaRPr>
+          </a:p>
+          <a:p>
+            <a:pPr marL="228600" indent="-228600">
+              <a:lnSpc>
+                <a:spcPct val="100000"/>
+              </a:lnSpc>
+              <a:buAutoNum type="arabicPeriod"/>
+            </a:pPr>
+            <a:r>
+              <a:rPr lang="en-US" sz="800" b="0" i="0" dirty="0">
+                <a:solidFill>
+                  <a:srgbClr val="000000"/>
+                </a:solidFill>
+                <a:effectLst/>
+                <a:latin typeface="+mj-lt"/>
+              </a:rPr>
+              <a:t>&lt;source&gt;</a:t>
+            </a:r>
+          </a:p>
+          <a:p>
+            <a:pPr marL="228600" indent="-228600">
+              <a:lnSpc>
+                <a:spcPct val="100000"/>
+              </a:lnSpc>
+              <a:buFont typeface="Arial" panose="020B0604020202020204" pitchFamily="34" charset="0"/>
+              <a:buAutoNum type="arabicPeriod"/>
+            </a:pPr>
+            <a:r>
+              <a:rPr lang="en-US" sz="800" b="0" i="0" dirty="0">
+                <a:solidFill>
+                  <a:srgbClr val="000000"/>
+                </a:solidFill>
+                <a:effectLst/>
+                <a:latin typeface="+mj-lt"/>
+              </a:rPr>
+              <a:t>&lt;source&gt;</a:t>
+            </a:r>
+            <a:endParaRPr lang="en-US" sz="800" dirty="0">
+              <a:solidFill>
+                <a:srgbClr val="000000"/>
+              </a:solidFill>
+              <a:latin typeface="+mj-lt"/>
+            </a:endParaRPr>
+          </a:p>
+          <a:p>
+            <a:pPr marL="228600" indent="-228600">
+              <a:lnSpc>
+                <a:spcPct val="100000"/>
+              </a:lnSpc>
+              <a:buFont typeface="Arial" panose="020B0604020202020204" pitchFamily="34" charset="0"/>
+              <a:buAutoNum type="arabicPeriod"/>
+            </a:pPr>
+            <a:r>
+              <a:rPr lang="en-US" sz="800" b="0" i="0" dirty="0">
+                <a:solidFill>
+                  <a:srgbClr val="000000"/>
+                </a:solidFill>
+                <a:effectLst/>
+                <a:latin typeface="+mj-lt"/>
+              </a:rPr>
+              <a:t>&lt;source&gt;</a:t>
+            </a:r>
+            <a:endParaRPr lang="en-US" sz="800" dirty="0">
+              <a:solidFill>
+                <a:srgbClr val="000000"/>
+              </a:solidFill>
+              <a:latin typeface="+mj-lt"/>
+            </a:endParaRPr>
+          </a:p>
+          <a:p>
+            <a:pPr marL="228600" indent="-228600">
+              <a:lnSpc>
+                <a:spcPct val="100000"/>
+              </a:lnSpc>
+              <a:buFont typeface="Arial" panose="020B0604020202020204" pitchFamily="34" charset="0"/>
+              <a:buAutoNum type="arabicPeriod"/>
+            </a:pPr>
+            <a:r>
+              <a:rPr lang="en-US" sz="800" b="0" i="0" dirty="0">
+                <a:solidFill>
+                  <a:srgbClr val="000000"/>
+                </a:solidFill>
+                <a:effectLst/>
+                <a:latin typeface="+mj-lt"/>
+              </a:rPr>
+              <a:t>&lt;source&gt;</a:t>
+            </a:r>
+            <a:endParaRPr lang="en-US" sz="800" dirty="0">
+              <a:solidFill>
+                <a:srgbClr val="000000"/>
+              </a:solidFill>
+              <a:latin typeface="+mj-lt"/>
+            </a:endParaRPr>
+          </a:p>
+          <a:p>
+            <a:pPr marL="228600" indent="-228600">
+              <a:lnSpc>
+                <a:spcPct val="100000"/>
+              </a:lnSpc>
+              <a:buFont typeface="Arial" panose="020B0604020202020204" pitchFamily="34" charset="0"/>
+              <a:buAutoNum type="arabicPeriod"/>
+            </a:pPr>
+            <a:r>
+              <a:rPr lang="en-US" sz="800" b="0" i="0" dirty="0">
+                <a:solidFill>
+                  <a:srgbClr val="000000"/>
+                </a:solidFill>
+                <a:effectLst/>
+                <a:latin typeface="+mj-lt"/>
+              </a:rPr>
+              <a:t>&lt;source&gt;</a:t>
+            </a:r>
+            <a:endParaRPr lang="en-US" sz="800" dirty="0">
+              <a:solidFill>
+                <a:srgbClr val="000000"/>
+              </a:solidFill>
+              <a:latin typeface="+mj-lt"/>
+            </a:endParaRPr>
+          </a:p>
+          <a:p>
+            <a:pPr marL="228600" indent="-228600">
+              <a:lnSpc>
+                <a:spcPct val="100000"/>
+              </a:lnSpc>
+              <a:buFont typeface="Arial" panose="020B0604020202020204" pitchFamily="34" charset="0"/>
+              <a:buAutoNum type="arabicPeriod"/>
+            </a:pPr>
+            <a:r>
+              <a:rPr lang="en-US" sz="800" b="0" i="0" dirty="0">
+                <a:solidFill>
+                  <a:srgbClr val="000000"/>
+                </a:solidFill>
+                <a:effectLst/>
+                <a:latin typeface="+mj-lt"/>
+              </a:rPr>
+              <a:t>&lt;source&gt;</a:t>
+            </a:r>
+            <a:endParaRPr lang="en-US" sz="800" dirty="0">
+              <a:solidFill>
+                <a:srgbClr val="000000"/>
+              </a:solidFill>
+              <a:latin typeface="+mj-lt"/>
+            </a:endParaRPr>
+          </a:p>
+          <a:p>
+            <a:pPr marL="228600" indent="-228600">
+              <a:lnSpc>
+                <a:spcPct val="100000"/>
+              </a:lnSpc>
+              <a:buFont typeface="Arial" panose="020B0604020202020204" pitchFamily="34" charset="0"/>
+              <a:buAutoNum type="arabicPeriod"/>
+            </a:pPr>
+            <a:r>
+              <a:rPr lang="en-US" sz="800" b="0" i="0" dirty="0">
+                <a:solidFill>
+                  <a:srgbClr val="000000"/>
+                </a:solidFill>
+                <a:effectLst/>
+                <a:latin typeface="+mj-lt"/>
+              </a:rPr>
+              <a:t>&lt;source&gt;</a:t>
+            </a:r>
+            <a:endParaRPr lang="en-US" sz="800" dirty="0">
+              <a:solidFill>
+                <a:srgbClr val="000000"/>
+              </a:solidFill>
+              <a:latin typeface="+mj-lt"/>
+            </a:endParaRPr>
+          </a:p>
+          <a:p>
+            <a:pPr marL="228600" indent="-228600">
+              <a:lnSpc>
+                <a:spcPct val="100000"/>
+              </a:lnSpc>
+              <a:buFont typeface="Arial" panose="020B0604020202020204" pitchFamily="34" charset="0"/>
+              <a:buAutoNum type="arabicPeriod"/>
+            </a:pPr>
+            <a:r>
+              <a:rPr lang="en-US" sz="800" b="0" i="0" dirty="0">
+                <a:solidFill>
+                  <a:srgbClr val="000000"/>
+                </a:solidFill>
+                <a:effectLst/>
+                <a:latin typeface="+mj-lt"/>
+              </a:rPr>
+              <a:t>&lt;source&gt;</a:t>
+            </a:r>
+            <a:endParaRPr lang="en-US" sz="800" dirty="0">
+              <a:solidFill>
+                <a:srgbClr val="000000"/>
+              </a:solidFill>
+              <a:latin typeface="+mj-lt"/>
+            </a:endParaRPr>
+          </a:p>
+          <a:p>
+            <a:pPr marL="228600" indent="-228600">
+              <a:lnSpc>
+                <a:spcPct val="100000"/>
+              </a:lnSpc>
+              <a:buFont typeface="Arial" panose="020B0604020202020204" pitchFamily="34" charset="0"/>
+              <a:buAutoNum type="arabicPeriod"/>
+            </a:pPr>
+            <a:r>
+              <a:rPr lang="en-US" sz="800" b="0" i="0" dirty="0">
+                <a:solidFill>
+                  <a:srgbClr val="000000"/>
+                </a:solidFill>
+                <a:effectLst/>
+                <a:latin typeface="+mj-lt"/>
+              </a:rPr>
+              <a:t>&lt;source&gt;</a:t>
+            </a:r>
+            <a:endParaRPr lang="en-US" sz="800" dirty="0">
+              <a:solidFill>
+                <a:srgbClr val="000000"/>
+              </a:solidFill>
+              <a:latin typeface="+mj-lt"/>
+            </a:endParaRPr>
+          </a:p>
+          <a:p>
+            <a:pPr marL="228600" indent="-228600">
+              <a:lnSpc>
+                <a:spcPct val="100000"/>
+              </a:lnSpc>
+              <a:buFont typeface="Arial" panose="020B0604020202020204" pitchFamily="34" charset="0"/>
+              <a:buAutoNum type="arabicPeriod"/>
+            </a:pPr>
+            <a:r>
+              <a:rPr lang="en-US" sz="800" b="0" i="0" dirty="0">
+                <a:solidFill>
+                  <a:srgbClr val="000000"/>
+                </a:solidFill>
+                <a:effectLst/>
+                <a:latin typeface="+mj-lt"/>
+              </a:rPr>
+              <a:t>&lt;source&gt;</a:t>
+            </a:r>
+            <a:endParaRPr lang="en-US" sz="800" dirty="0">
+              <a:solidFill>
+                <a:srgbClr val="000000"/>
+              </a:solidFill>
+              <a:latin typeface="+mj-lt"/>
+            </a:endParaRPr>
+          </a:p>
+          <a:p>
+            <a:pPr marL="228600" indent="-228600">
+              <a:lnSpc>
+                <a:spcPct val="100000"/>
+              </a:lnSpc>
+              <a:buAutoNum type="arabicPeriod"/>
+            </a:pPr>
+            <a:endParaRPr lang="en-US" sz="800" dirty="0">
+              <a:solidFill>
+                <a:srgbClr val="000000"/>
+              </a:solidFill>
+              <a:latin typeface="+mj-lt"/>
+            </a:endParaRPr>
           </a:p>
         </p:txBody>
       </p:sp>
@@ -3135,6 +4650,12 @@
 <file path=ppt/tags/tag2.xml><?xml version="1.0" encoding="utf-8"?>
 <p:tagLst xmlns:a="http://schemas.openxmlformats.org/drawingml/2006/main" xmlns:r="http://schemas.openxmlformats.org/officeDocument/2006/relationships" xmlns:p="http://schemas.openxmlformats.org/presentationml/2006/main">
   <p:tag name="NUM" val="4"/>
+</p:tagLst>
+</file>
+
+<file path=ppt/tags/tag3.xml><?xml version="1.0" encoding="utf-8"?>
+<p:tagLst xmlns:a="http://schemas.openxmlformats.org/drawingml/2006/main" xmlns:r="http://schemas.openxmlformats.org/officeDocument/2006/relationships" xmlns:p="http://schemas.openxmlformats.org/presentationml/2006/main">
+  <p:tag name="NUM" val="2"/>
 </p:tagLst>
 </file>
 
@@ -3420,6 +4941,26 @@
 </file>
 
 <file path=customXml/item1.xml><?xml version="1.0" encoding="utf-8"?>
+<p:properties xmlns:p="http://schemas.microsoft.com/office/2006/metadata/properties" xmlns:xsi="http://www.w3.org/2001/XMLSchema-instance" xmlns:pc="http://schemas.microsoft.com/office/infopath/2007/PartnerControls">
+  <documentManagement>
+    <lcf76f155ced4ddcb4097134ff3c332f xmlns="81c9f6d7-38be-4b6f-ac7a-53278e4778cd">
+      <Terms xmlns="http://schemas.microsoft.com/office/infopath/2007/PartnerControls"/>
+    </lcf76f155ced4ddcb4097134ff3c332f>
+    <TaxCatchAll xmlns="562370e7-b28b-48b8-b232-8034dde365ed" xsi:nil="true"/>
+  </documentManagement>
+</p:properties>
+</file>
+
+<file path=customXml/item2.xml><?xml version="1.0" encoding="utf-8"?>
+<?mso-contentType ?>
+<FormTemplates xmlns="http://schemas.microsoft.com/sharepoint/v3/contenttype/forms">
+  <Display>DocumentLibraryForm</Display>
+  <Edit>DocumentLibraryForm</Edit>
+  <New>DocumentLibraryForm</New>
+</FormTemplates>
+</file>
+
+<file path=customXml/item3.xml><?xml version="1.0" encoding="utf-8"?>
 <ct:contentTypeSchema xmlns:ct="http://schemas.microsoft.com/office/2006/metadata/contentType" xmlns:ma="http://schemas.microsoft.com/office/2006/metadata/properties/metaAttributes" ct:_="" ma:_="" ma:contentTypeName="Document" ma:contentTypeID="0x010100502947A9A1BFB64E940A6360D3C2E9FF" ma:contentTypeVersion="15" ma:contentTypeDescription="Crée un document." ma:contentTypeScope="" ma:versionID="ab003bcfa122b52dea7dac2dc4c56070">
   <xsd:schema xmlns:xsd="http://www.w3.org/2001/XMLSchema" xmlns:xs="http://www.w3.org/2001/XMLSchema" xmlns:p="http://schemas.microsoft.com/office/2006/metadata/properties" xmlns:ns2="81c9f6d7-38be-4b6f-ac7a-53278e4778cd" xmlns:ns3="562370e7-b28b-48b8-b232-8034dde365ed" targetNamespace="http://schemas.microsoft.com/office/2006/metadata/properties" ma:root="true" ma:fieldsID="55310cbb28621703c25a0ab43cf87825" ns2:_="" ns3:_="">
     <xsd:import namespace="81c9f6d7-38be-4b6f-ac7a-53278e4778cd"/>
@@ -3656,27 +5197,32 @@
 </ct:contentTypeSchema>
 </file>
 
-<file path=customXml/item2.xml><?xml version="1.0" encoding="utf-8"?>
-<p:properties xmlns:p="http://schemas.microsoft.com/office/2006/metadata/properties" xmlns:xsi="http://www.w3.org/2001/XMLSchema-instance" xmlns:pc="http://schemas.microsoft.com/office/infopath/2007/PartnerControls">
-  <documentManagement>
-    <lcf76f155ced4ddcb4097134ff3c332f xmlns="81c9f6d7-38be-4b6f-ac7a-53278e4778cd">
-      <Terms xmlns="http://schemas.microsoft.com/office/infopath/2007/PartnerControls"/>
-    </lcf76f155ced4ddcb4097134ff3c332f>
-    <TaxCatchAll xmlns="562370e7-b28b-48b8-b232-8034dde365ed" xsi:nil="true"/>
-  </documentManagement>
-</p:properties>
+<file path=customXml/itemProps1.xml><?xml version="1.0" encoding="utf-8"?>
+<ds:datastoreItem xmlns:ds="http://schemas.openxmlformats.org/officeDocument/2006/customXml" ds:itemID="{AB088F19-0CAF-4A60-81E5-18DF993328EF}">
+  <ds:schemaRefs>
+    <ds:schemaRef ds:uri="http://schemas.microsoft.com/office/2006/metadata/properties"/>
+    <ds:schemaRef ds:uri="http://schemas.openxmlformats.org/package/2006/metadata/core-properties"/>
+    <ds:schemaRef ds:uri="http://schemas.microsoft.com/office/2006/documentManagement/types"/>
+    <ds:schemaRef ds:uri="http://schemas.microsoft.com/office/infopath/2007/PartnerControls"/>
+    <ds:schemaRef ds:uri="http://purl.org/dc/terms/"/>
+    <ds:schemaRef ds:uri="http://purl.org/dc/elements/1.1/"/>
+    <ds:schemaRef ds:uri="http://purl.org/dc/dcmitype/"/>
+    <ds:schemaRef ds:uri="562370e7-b28b-48b8-b232-8034dde365ed"/>
+    <ds:schemaRef ds:uri="81c9f6d7-38be-4b6f-ac7a-53278e4778cd"/>
+    <ds:schemaRef ds:uri="http://www.w3.org/XML/1998/namespace"/>
+  </ds:schemaRefs>
+</ds:datastoreItem>
 </file>
 
-<file path=customXml/item3.xml><?xml version="1.0" encoding="utf-8"?>
-<?mso-contentType ?>
-<FormTemplates xmlns="http://schemas.microsoft.com/sharepoint/v3/contenttype/forms">
-  <Display>DocumentLibraryForm</Display>
-  <Edit>DocumentLibraryForm</Edit>
-  <New>DocumentLibraryForm</New>
-</FormTemplates>
+<file path=customXml/itemProps2.xml><?xml version="1.0" encoding="utf-8"?>
+<ds:datastoreItem xmlns:ds="http://schemas.openxmlformats.org/officeDocument/2006/customXml" ds:itemID="{4E8F74D5-47AA-4DAD-A3A5-90C8113106BE}">
+  <ds:schemaRefs>
+    <ds:schemaRef ds:uri="http://schemas.microsoft.com/sharepoint/v3/contenttype/forms"/>
+  </ds:schemaRefs>
+</ds:datastoreItem>
 </file>
 
-<file path=customXml/itemProps1.xml><?xml version="1.0" encoding="utf-8"?>
+<file path=customXml/itemProps3.xml><?xml version="1.0" encoding="utf-8"?>
 <ds:datastoreItem xmlns:ds="http://schemas.openxmlformats.org/officeDocument/2006/customXml" ds:itemID="{11065811-FE0D-4D15-8CA7-D9C0C1B9452F}">
   <ds:schemaRefs>
     <ds:schemaRef ds:uri="http://schemas.microsoft.com/office/2006/metadata/contentType"/>
@@ -3693,29 +5239,4 @@
     <ds:schemaRef ds:uri="http://schemas.microsoft.com/internal/obd"/>
   </ds:schemaRefs>
 </ds:datastoreItem>
-</file>
-
-<file path=customXml/itemProps2.xml><?xml version="1.0" encoding="utf-8"?>
-<ds:datastoreItem xmlns:ds="http://schemas.openxmlformats.org/officeDocument/2006/customXml" ds:itemID="{AB088F19-0CAF-4A60-81E5-18DF993328EF}">
-  <ds:schemaRefs>
-    <ds:schemaRef ds:uri="http://schemas.microsoft.com/office/2006/metadata/properties"/>
-    <ds:schemaRef ds:uri="http://schemas.openxmlformats.org/package/2006/metadata/core-properties"/>
-    <ds:schemaRef ds:uri="http://schemas.microsoft.com/office/2006/documentManagement/types"/>
-    <ds:schemaRef ds:uri="http://schemas.microsoft.com/office/infopath/2007/PartnerControls"/>
-    <ds:schemaRef ds:uri="http://purl.org/dc/terms/"/>
-    <ds:schemaRef ds:uri="http://purl.org/dc/elements/1.1/"/>
-    <ds:schemaRef ds:uri="http://purl.org/dc/dcmitype/"/>
-    <ds:schemaRef ds:uri="562370e7-b28b-48b8-b232-8034dde365ed"/>
-    <ds:schemaRef ds:uri="81c9f6d7-38be-4b6f-ac7a-53278e4778cd"/>
-    <ds:schemaRef ds:uri="http://www.w3.org/XML/1998/namespace"/>
-  </ds:schemaRefs>
-</ds:datastoreItem>
-</file>
-
-<file path=customXml/itemProps3.xml><?xml version="1.0" encoding="utf-8"?>
-<ds:datastoreItem xmlns:ds="http://schemas.openxmlformats.org/officeDocument/2006/customXml" ds:itemID="{4E8F74D5-47AA-4DAD-A3A5-90C8113106BE}">
-  <ds:schemaRefs>
-    <ds:schemaRef ds:uri="http://schemas.microsoft.com/sharepoint/v3/contenttype/forms"/>
-  </ds:schemaRefs>
-</ds:datastoreItem>
 </file>
--- a/powerpoints/test.pptx
+++ b/powerpoints/test.pptx
@@ -6,9 +6,9 @@
   </p:sldMasterIdLst>
   <p:sldIdLst>
     <p:sldId id="259" r:id="rId5"/>
+    <p:sldId id="261" r:id="rId11"/>
+    <p:sldId id="262" r:id="rId12"/>
     <p:sldId id="260" r:id="rId6"/>
-    <p:sldId id="261" r:id="rId7"/>
-    <p:sldId id="262" r:id="rId8"/>
   </p:sldIdLst>
   <p:sldSz cx="6858000" cy="9144000" type="letter"/>
   <p:notesSz cx="6858000" cy="9144000"/>
@@ -234,7 +234,7 @@
             <a:fld id="{FDCA904F-AFE4-4F4A-AA13-CC2FD407ABB0}" type="datetimeFigureOut">
               <a:rPr lang="fr-CA" smtClean="0"/>
               <a:pPr/>
-              <a:t>2023-07-03</a:t>
+              <a:t>2023-07-12</a:t>
             </a:fld>
             <a:endParaRPr lang="fr-CA" dirty="0"/>
           </a:p>
@@ -320,11 +320,9 @@
           <a:lstStyle>
             <a:lvl1pPr marL="0" indent="0" algn="l">
               <a:buNone/>
-              <a:defRPr sz="1125">
-                <a:solidFill>
-                  <a:schemeClr val="accent5">
-                    <a:lumMod val="75000"/>
-                  </a:schemeClr>
+              <a:defRPr sz="1125" b="1">
+                <a:solidFill>
+                  <a:schemeClr val="accent2"/>
                 </a:solidFill>
               </a:defRPr>
             </a:lvl1pPr>
@@ -404,8 +402,8 @@
         </p:nvSpPr>
         <p:spPr>
           <a:xfrm>
-            <a:off x="163513" y="3084945"/>
-            <a:ext cx="6530975" cy="5877025"/>
+            <a:off x="163512" y="2999881"/>
+            <a:ext cx="6530975" cy="3132557"/>
           </a:xfrm>
         </p:spPr>
         <p:txBody>
@@ -414,38 +412,183 @@
           <a:p>
             <a:pPr lvl="0"/>
             <a:r>
-              <a:rPr lang="fr-FR"/>
+              <a:rPr lang="fr-CA"/>
               <a:t>Cliquez pour modifier les styles du texte du masque</a:t>
             </a:r>
           </a:p>
           <a:p>
             <a:pPr lvl="1"/>
             <a:r>
-              <a:rPr lang="fr-FR"/>
+              <a:rPr lang="fr-CA"/>
               <a:t>Deuxième niveau</a:t>
             </a:r>
           </a:p>
           <a:p>
             <a:pPr lvl="2"/>
             <a:r>
-              <a:rPr lang="fr-FR"/>
+              <a:rPr lang="fr-CA"/>
               <a:t>Troisième niveau</a:t>
             </a:r>
           </a:p>
           <a:p>
             <a:pPr lvl="3"/>
             <a:r>
-              <a:rPr lang="fr-FR"/>
+              <a:rPr lang="fr-CA"/>
               <a:t>Quatrième niveau</a:t>
             </a:r>
           </a:p>
           <a:p>
             <a:pPr lvl="4"/>
             <a:r>
-              <a:rPr lang="fr-FR"/>
+              <a:rPr lang="fr-CA"/>
               <a:t>Cinquième niveau</a:t>
             </a:r>
-            <a:endParaRPr lang="fr-CA"/>
+          </a:p>
+        </p:txBody>
+      </p:sp>
+      <p:pic>
+        <p:nvPicPr>
+          <p:cNvPr id="5" name="Image 4" descr="Une image contenant Police, symbole, logo, conception&#10;&#10;Description générée automatiquement">
+            <a:extLst>
+              <a:ext uri="{FF2B5EF4-FFF2-40B4-BE49-F238E27FC236}">
+                <a16:creationId xmlns:a16="http://schemas.microsoft.com/office/drawing/2014/main" id="{BB70BBF6-B90C-C988-0DE8-D3176566999D}"/>
+              </a:ext>
+            </a:extLst>
+          </p:cNvPr>
+          <p:cNvPicPr>
+            <a:picLocks noChangeAspect="1"/>
+          </p:cNvPicPr>
+          <p:nvPr userDrawn="1"/>
+        </p:nvPicPr>
+        <p:blipFill>
+          <a:blip r:embed="rId3">
+            <a:extLst>
+              <a:ext uri="{28A0092B-C50C-407E-A947-70E740481C1C}">
+                <a14:useLocalDpi xmlns:a14="http://schemas.microsoft.com/office/drawing/2010/main" val="0"/>
+              </a:ext>
+            </a:extLst>
+          </a:blip>
+          <a:stretch>
+            <a:fillRect/>
+          </a:stretch>
+        </p:blipFill>
+        <p:spPr>
+          <a:xfrm>
+            <a:off x="112192" y="147910"/>
+            <a:ext cx="1348248" cy="802927"/>
+          </a:xfrm>
+          <a:prstGeom prst="rect">
+            <a:avLst/>
+          </a:prstGeom>
+        </p:spPr>
+      </p:pic>
+      <p:sp>
+        <p:nvSpPr>
+          <p:cNvPr id="6" name="Titre 1">
+            <a:extLst>
+              <a:ext uri="{FF2B5EF4-FFF2-40B4-BE49-F238E27FC236}">
+                <a16:creationId xmlns:a16="http://schemas.microsoft.com/office/drawing/2014/main" id="{003ED591-FDB4-DCE9-777A-2AE3EC79F311}"/>
+              </a:ext>
+            </a:extLst>
+          </p:cNvPr>
+          <p:cNvSpPr>
+            <a:spLocks noGrp="1"/>
+          </p:cNvSpPr>
+          <p:nvPr>
+            <p:ph type="title"/>
+          </p:nvPr>
+        </p:nvSpPr>
+        <p:spPr>
+          <a:xfrm>
+            <a:off x="163195" y="6205069"/>
+            <a:ext cx="6567054" cy="546606"/>
+          </a:xfrm>
+          <a:blipFill>
+            <a:blip r:embed="rId4"/>
+            <a:stretch>
+              <a:fillRect/>
+            </a:stretch>
+          </a:blipFill>
+        </p:spPr>
+        <p:txBody>
+          <a:bodyPr/>
+          <a:lstStyle>
+            <a:lvl1pPr>
+              <a:defRPr>
+                <a:solidFill>
+                  <a:schemeClr val="bg1"/>
+                </a:solidFill>
+              </a:defRPr>
+            </a:lvl1pPr>
+          </a:lstStyle>
+          <a:p>
+            <a:r>
+              <a:rPr lang="fr-CA"/>
+              <a:t>Modifier le style du titre</a:t>
+            </a:r>
+            <a:endParaRPr lang="fr-CA" dirty="0"/>
+          </a:p>
+        </p:txBody>
+      </p:sp>
+      <p:sp>
+        <p:nvSpPr>
+          <p:cNvPr id="10" name="Espace réservé du contenu 7">
+            <a:extLst>
+              <a:ext uri="{FF2B5EF4-FFF2-40B4-BE49-F238E27FC236}">
+                <a16:creationId xmlns:a16="http://schemas.microsoft.com/office/drawing/2014/main" id="{C685D41A-45F6-94BE-EAC3-736E0FA0D37A}"/>
+              </a:ext>
+            </a:extLst>
+          </p:cNvPr>
+          <p:cNvSpPr>
+            <a:spLocks noGrp="1"/>
+          </p:cNvSpPr>
+          <p:nvPr>
+            <p:ph sz="quarter" idx="17"/>
+          </p:nvPr>
+        </p:nvSpPr>
+        <p:spPr>
+          <a:xfrm>
+            <a:off x="163512" y="6850385"/>
+            <a:ext cx="6530975" cy="2145705"/>
+          </a:xfrm>
+        </p:spPr>
+        <p:txBody>
+          <a:bodyPr/>
+          <a:lstStyle/>
+          <a:p>
+            <a:pPr lvl="0"/>
+            <a:r>
+              <a:rPr lang="fr-CA"/>
+              <a:t>Cliquez pour modifier les styles du texte du masque</a:t>
+            </a:r>
+          </a:p>
+          <a:p>
+            <a:pPr lvl="1"/>
+            <a:r>
+              <a:rPr lang="fr-CA"/>
+              <a:t>Deuxième niveau</a:t>
+            </a:r>
+          </a:p>
+          <a:p>
+            <a:pPr lvl="2"/>
+            <a:r>
+              <a:rPr lang="fr-CA"/>
+              <a:t>Troisième niveau</a:t>
+            </a:r>
+          </a:p>
+          <a:p>
+            <a:pPr lvl="3"/>
+            <a:r>
+              <a:rPr lang="fr-CA"/>
+              <a:t>Quatrième niveau</a:t>
+            </a:r>
+          </a:p>
+          <a:p>
+            <a:pPr lvl="4"/>
+            <a:r>
+              <a:rPr lang="fr-CA"/>
+              <a:t>Cinquième niveau</a:t>
+            </a:r>
           </a:p>
         </p:txBody>
       </p:sp>
@@ -463,7 +606,7 @@
 </file>
 
 <file path=ppt/slideLayouts/slideLayout2.xml><?xml version="1.0" encoding="utf-8"?>
-<p:sldLayout xmlns:a="http://schemas.openxmlformats.org/drawingml/2006/main" xmlns:r="http://schemas.openxmlformats.org/officeDocument/2006/relationships" xmlns:p="http://schemas.openxmlformats.org/presentationml/2006/main" type="obj" preserve="1">
+<p:sldLayout xmlns:a="http://schemas.openxmlformats.org/drawingml/2006/main" xmlns:r="http://schemas.openxmlformats.org/officeDocument/2006/relationships" xmlns:p="http://schemas.openxmlformats.org/presentationml/2006/main" preserve="1" userDrawn="1">
   <p:cSld name="Titre et contenu">
     <p:spTree>
       <p:nvGrpSpPr>
@@ -497,8 +640,8 @@
         </p:nvSpPr>
         <p:spPr>
           <a:xfrm>
-            <a:off x="147782" y="200511"/>
-            <a:ext cx="6567054" cy="789871"/>
+            <a:off x="147782" y="150408"/>
+            <a:ext cx="6567054" cy="543767"/>
           </a:xfrm>
           <a:blipFill>
             <a:blip r:embed="rId2"/>
@@ -509,11 +652,19 @@
         </p:spPr>
         <p:txBody>
           <a:bodyPr/>
-          <a:lstStyle/>
-          <a:p>
-            <a:r>
-              <a:rPr lang="fr-FR"/>
-              <a:t>Modifiez le style du titre</a:t>
+          <a:lstStyle>
+            <a:lvl1pPr>
+              <a:defRPr>
+                <a:solidFill>
+                  <a:schemeClr val="bg1"/>
+                </a:solidFill>
+              </a:defRPr>
+            </a:lvl1pPr>
+          </a:lstStyle>
+          <a:p>
+            <a:r>
+              <a:rPr lang="fr-CA"/>
+              <a:t>Modifier le style du titre</a:t>
             </a:r>
             <a:endParaRPr lang="fr-CA" dirty="0"/>
           </a:p>
@@ -537,8 +688,8 @@
         </p:nvSpPr>
         <p:spPr>
           <a:xfrm>
-            <a:off x="147782" y="1152763"/>
-            <a:ext cx="6567054" cy="7790725"/>
+            <a:off x="147782" y="841138"/>
+            <a:ext cx="6567054" cy="8152454"/>
           </a:xfrm>
         </p:spPr>
         <p:txBody>
@@ -547,38 +698,38 @@
           <a:p>
             <a:pPr lvl="0"/>
             <a:r>
-              <a:rPr lang="fr-FR"/>
+              <a:rPr lang="fr-CA"/>
               <a:t>Cliquez pour modifier les styles du texte du masque</a:t>
             </a:r>
           </a:p>
           <a:p>
             <a:pPr lvl="1"/>
             <a:r>
-              <a:rPr lang="fr-FR"/>
+              <a:rPr lang="fr-CA"/>
               <a:t>Deuxième niveau</a:t>
             </a:r>
           </a:p>
           <a:p>
             <a:pPr lvl="2"/>
             <a:r>
-              <a:rPr lang="fr-FR"/>
+              <a:rPr lang="fr-CA"/>
               <a:t>Troisième niveau</a:t>
             </a:r>
           </a:p>
           <a:p>
             <a:pPr lvl="3"/>
             <a:r>
-              <a:rPr lang="fr-FR"/>
+              <a:rPr lang="fr-CA"/>
               <a:t>Quatrième niveau</a:t>
             </a:r>
           </a:p>
           <a:p>
             <a:pPr lvl="4"/>
             <a:r>
-              <a:rPr lang="fr-FR"/>
+              <a:rPr lang="fr-CA"/>
               <a:t>Cinquième niveau</a:t>
             </a:r>
-            <a:endParaRPr lang="fr-CA"/>
+            <a:endParaRPr lang="fr-CA" dirty="0"/>
           </a:p>
         </p:txBody>
       </p:sp>
@@ -630,8 +781,8 @@
         </p:nvSpPr>
         <p:spPr>
           <a:xfrm>
-            <a:off x="150090" y="172206"/>
-            <a:ext cx="6557819" cy="789871"/>
+            <a:off x="150090" y="147155"/>
+            <a:ext cx="6557819" cy="516724"/>
           </a:xfrm>
           <a:blipFill>
             <a:blip r:embed="rId2"/>
@@ -642,13 +793,21 @@
         </p:spPr>
         <p:txBody>
           <a:bodyPr/>
-          <a:lstStyle/>
-          <a:p>
-            <a:r>
-              <a:rPr lang="fr-FR"/>
-              <a:t>Modifiez le style du titre</a:t>
-            </a:r>
-            <a:endParaRPr lang="fr-CA"/>
+          <a:lstStyle>
+            <a:lvl1pPr>
+              <a:defRPr>
+                <a:solidFill>
+                  <a:schemeClr val="bg1"/>
+                </a:solidFill>
+              </a:defRPr>
+            </a:lvl1pPr>
+          </a:lstStyle>
+          <a:p>
+            <a:r>
+              <a:rPr lang="fr-CA"/>
+              <a:t>Modifier le style du titre</a:t>
+            </a:r>
+            <a:endParaRPr lang="fr-CA" dirty="0"/>
           </a:p>
         </p:txBody>
       </p:sp>
@@ -670,7 +829,7 @@
         </p:nvSpPr>
         <p:spPr>
           <a:xfrm>
-            <a:off x="150090" y="1140479"/>
+            <a:off x="150090" y="752173"/>
             <a:ext cx="3168073" cy="7831315"/>
           </a:xfrm>
         </p:spPr>
@@ -680,35 +839,35 @@
           <a:p>
             <a:pPr lvl="0"/>
             <a:r>
-              <a:rPr lang="fr-FR"/>
+              <a:rPr lang="fr-CA"/>
               <a:t>Cliquez pour modifier les styles du texte du masque</a:t>
             </a:r>
           </a:p>
           <a:p>
             <a:pPr lvl="1"/>
             <a:r>
-              <a:rPr lang="fr-FR"/>
+              <a:rPr lang="fr-CA"/>
               <a:t>Deuxième niveau</a:t>
             </a:r>
           </a:p>
           <a:p>
             <a:pPr lvl="2"/>
             <a:r>
-              <a:rPr lang="fr-FR"/>
+              <a:rPr lang="fr-CA"/>
               <a:t>Troisième niveau</a:t>
             </a:r>
           </a:p>
           <a:p>
             <a:pPr lvl="3"/>
             <a:r>
-              <a:rPr lang="fr-FR"/>
+              <a:rPr lang="fr-CA"/>
               <a:t>Quatrième niveau</a:t>
             </a:r>
           </a:p>
           <a:p>
             <a:pPr lvl="4"/>
             <a:r>
-              <a:rPr lang="fr-FR"/>
+              <a:rPr lang="fr-CA"/>
               <a:t>Cinquième niveau</a:t>
             </a:r>
             <a:endParaRPr lang="fr-CA" dirty="0"/>
@@ -733,7 +892,7 @@
         </p:nvSpPr>
         <p:spPr>
           <a:xfrm>
-            <a:off x="3539839" y="1140480"/>
+            <a:off x="3539839" y="727122"/>
             <a:ext cx="3168072" cy="7831314"/>
           </a:xfrm>
         </p:spPr>
@@ -743,38 +902,37 @@
           <a:p>
             <a:pPr lvl="0"/>
             <a:r>
-              <a:rPr lang="fr-FR"/>
+              <a:rPr lang="fr-CA"/>
               <a:t>Cliquez pour modifier les styles du texte du masque</a:t>
             </a:r>
           </a:p>
           <a:p>
             <a:pPr lvl="1"/>
             <a:r>
-              <a:rPr lang="fr-FR"/>
+              <a:rPr lang="fr-CA"/>
               <a:t>Deuxième niveau</a:t>
             </a:r>
           </a:p>
           <a:p>
             <a:pPr lvl="2"/>
             <a:r>
-              <a:rPr lang="fr-FR"/>
+              <a:rPr lang="fr-CA"/>
               <a:t>Troisième niveau</a:t>
             </a:r>
           </a:p>
           <a:p>
             <a:pPr lvl="3"/>
             <a:r>
-              <a:rPr lang="fr-FR"/>
+              <a:rPr lang="fr-CA"/>
               <a:t>Quatrième niveau</a:t>
             </a:r>
           </a:p>
           <a:p>
             <a:pPr lvl="4"/>
             <a:r>
-              <a:rPr lang="fr-FR"/>
+              <a:rPr lang="fr-CA"/>
               <a:t>Cinquième niveau</a:t>
             </a:r>
-            <a:endParaRPr lang="fr-CA"/>
           </a:p>
         </p:txBody>
       </p:sp>
@@ -826,8 +984,8 @@
         </p:nvSpPr>
         <p:spPr>
           <a:xfrm>
-            <a:off x="145473" y="142706"/>
-            <a:ext cx="6567054" cy="1767417"/>
+            <a:off x="145473" y="117654"/>
+            <a:ext cx="6567054" cy="947881"/>
           </a:xfrm>
           <a:blipFill>
             <a:blip r:embed="rId2"/>
@@ -838,13 +996,21 @@
         </p:spPr>
         <p:txBody>
           <a:bodyPr/>
-          <a:lstStyle/>
-          <a:p>
-            <a:r>
-              <a:rPr lang="fr-FR"/>
-              <a:t>Modifiez le style du titre</a:t>
-            </a:r>
-            <a:endParaRPr lang="fr-CA"/>
+          <a:lstStyle>
+            <a:lvl1pPr>
+              <a:defRPr>
+                <a:solidFill>
+                  <a:schemeClr val="bg1"/>
+                </a:solidFill>
+              </a:defRPr>
+            </a:lvl1pPr>
+          </a:lstStyle>
+          <a:p>
+            <a:r>
+              <a:rPr lang="fr-CA"/>
+              <a:t>Modifier le style du titre</a:t>
+            </a:r>
+            <a:endParaRPr lang="fr-CA" dirty="0"/>
           </a:p>
         </p:txBody>
       </p:sp>
@@ -866,7 +1032,7 @@
         </p:nvSpPr>
         <p:spPr>
           <a:xfrm>
-            <a:off x="140856" y="2048091"/>
+            <a:off x="140856" y="1146219"/>
             <a:ext cx="3230472" cy="947881"/>
           </a:xfrm>
         </p:spPr>
@@ -919,7 +1085,7 @@
           <a:p>
             <a:pPr lvl="0"/>
             <a:r>
-              <a:rPr lang="fr-FR"/>
+              <a:rPr lang="fr-CA"/>
               <a:t>Cliquez pour modifier les styles du texte du masque</a:t>
             </a:r>
           </a:p>
@@ -943,8 +1109,8 @@
         </p:nvSpPr>
         <p:spPr>
           <a:xfrm>
-            <a:off x="140856" y="3133940"/>
-            <a:ext cx="3230472" cy="5867355"/>
+            <a:off x="140856" y="2232068"/>
+            <a:ext cx="3230472" cy="6698990"/>
           </a:xfrm>
         </p:spPr>
         <p:txBody>
@@ -953,35 +1119,35 @@
           <a:p>
             <a:pPr lvl="0"/>
             <a:r>
-              <a:rPr lang="fr-FR"/>
+              <a:rPr lang="fr-CA"/>
               <a:t>Cliquez pour modifier les styles du texte du masque</a:t>
             </a:r>
           </a:p>
           <a:p>
             <a:pPr lvl="1"/>
             <a:r>
-              <a:rPr lang="fr-FR"/>
+              <a:rPr lang="fr-CA"/>
               <a:t>Deuxième niveau</a:t>
             </a:r>
           </a:p>
           <a:p>
             <a:pPr lvl="2"/>
             <a:r>
-              <a:rPr lang="fr-FR"/>
+              <a:rPr lang="fr-CA"/>
               <a:t>Troisième niveau</a:t>
             </a:r>
           </a:p>
           <a:p>
             <a:pPr lvl="3"/>
             <a:r>
-              <a:rPr lang="fr-FR"/>
+              <a:rPr lang="fr-CA"/>
               <a:t>Quatrième niveau</a:t>
             </a:r>
           </a:p>
           <a:p>
             <a:pPr lvl="4"/>
             <a:r>
-              <a:rPr lang="fr-FR"/>
+              <a:rPr lang="fr-CA"/>
               <a:t>Cinquième niveau</a:t>
             </a:r>
             <a:endParaRPr lang="fr-CA" dirty="0"/>
@@ -1006,7 +1172,7 @@
         </p:nvSpPr>
         <p:spPr>
           <a:xfrm>
-            <a:off x="3469555" y="2048089"/>
+            <a:off x="3469555" y="1146217"/>
             <a:ext cx="3230472" cy="947881"/>
           </a:xfrm>
         </p:spPr>
@@ -1059,7 +1225,7 @@
           <a:p>
             <a:pPr lvl="0"/>
             <a:r>
-              <a:rPr lang="fr-FR"/>
+              <a:rPr lang="fr-CA"/>
               <a:t>Cliquez pour modifier les styles du texte du masque</a:t>
             </a:r>
           </a:p>
@@ -1083,8 +1249,8 @@
         </p:nvSpPr>
         <p:spPr>
           <a:xfrm>
-            <a:off x="3469555" y="3133940"/>
-            <a:ext cx="3242972" cy="5867354"/>
+            <a:off x="3469555" y="2232068"/>
+            <a:ext cx="3242972" cy="6698990"/>
           </a:xfrm>
         </p:spPr>
         <p:txBody>
@@ -1093,38 +1259,37 @@
           <a:p>
             <a:pPr lvl="0"/>
             <a:r>
-              <a:rPr lang="fr-FR"/>
+              <a:rPr lang="fr-CA"/>
               <a:t>Cliquez pour modifier les styles du texte du masque</a:t>
             </a:r>
           </a:p>
           <a:p>
             <a:pPr lvl="1"/>
             <a:r>
-              <a:rPr lang="fr-FR"/>
+              <a:rPr lang="fr-CA"/>
               <a:t>Deuxième niveau</a:t>
             </a:r>
           </a:p>
           <a:p>
             <a:pPr lvl="2"/>
             <a:r>
-              <a:rPr lang="fr-FR"/>
+              <a:rPr lang="fr-CA"/>
               <a:t>Troisième niveau</a:t>
             </a:r>
           </a:p>
           <a:p>
             <a:pPr lvl="3"/>
             <a:r>
-              <a:rPr lang="fr-FR"/>
+              <a:rPr lang="fr-CA"/>
               <a:t>Quatrième niveau</a:t>
             </a:r>
           </a:p>
           <a:p>
             <a:pPr lvl="4"/>
             <a:r>
-              <a:rPr lang="fr-FR"/>
+              <a:rPr lang="fr-CA"/>
               <a:t>Cinquième niveau</a:t>
             </a:r>
-            <a:endParaRPr lang="fr-CA"/>
           </a:p>
         </p:txBody>
       </p:sp>
@@ -1142,7 +1307,147 @@
 </file>
 
 <file path=ppt/slideLayouts/slideLayout5.xml><?xml version="1.0" encoding="utf-8"?>
-<p:sldLayout xmlns:a="http://schemas.openxmlformats.org/drawingml/2006/main" xmlns:r="http://schemas.openxmlformats.org/officeDocument/2006/relationships" xmlns:p="http://schemas.openxmlformats.org/presentationml/2006/main" type="titleOnly" preserve="1">
+<p:sldLayout xmlns:a="http://schemas.openxmlformats.org/drawingml/2006/main" xmlns:r="http://schemas.openxmlformats.org/officeDocument/2006/relationships" xmlns:p="http://schemas.openxmlformats.org/presentationml/2006/main" preserve="1" userDrawn="1">
+  <p:cSld name="1_Titre seul">
+    <p:spTree>
+      <p:nvGrpSpPr>
+        <p:cNvPr id="1" name=""/>
+        <p:cNvGrpSpPr/>
+        <p:nvPr/>
+      </p:nvGrpSpPr>
+      <p:grpSpPr>
+        <a:xfrm>
+          <a:off x="0" y="0"/>
+          <a:ext cx="0" cy="0"/>
+          <a:chOff x="0" y="0"/>
+          <a:chExt cx="0" cy="0"/>
+        </a:xfrm>
+      </p:grpSpPr>
+      <p:sp>
+        <p:nvSpPr>
+          <p:cNvPr id="2" name="Titre 1">
+            <a:extLst>
+              <a:ext uri="{FF2B5EF4-FFF2-40B4-BE49-F238E27FC236}">
+                <a16:creationId xmlns:a16="http://schemas.microsoft.com/office/drawing/2014/main" id="{5AE56070-62B6-0967-2212-684FDA4BA1B0}"/>
+              </a:ext>
+            </a:extLst>
+          </p:cNvPr>
+          <p:cNvSpPr>
+            <a:spLocks noGrp="1"/>
+          </p:cNvSpPr>
+          <p:nvPr>
+            <p:ph type="title"/>
+          </p:nvPr>
+        </p:nvSpPr>
+        <p:spPr>
+          <a:xfrm>
+            <a:off x="150090" y="201961"/>
+            <a:ext cx="6557819" cy="624757"/>
+          </a:xfrm>
+          <a:blipFill>
+            <a:blip r:embed="rId2"/>
+            <a:stretch>
+              <a:fillRect/>
+            </a:stretch>
+          </a:blipFill>
+        </p:spPr>
+        <p:txBody>
+          <a:bodyPr/>
+          <a:lstStyle>
+            <a:lvl1pPr>
+              <a:defRPr>
+                <a:solidFill>
+                  <a:schemeClr val="bg1"/>
+                </a:solidFill>
+              </a:defRPr>
+            </a:lvl1pPr>
+          </a:lstStyle>
+          <a:p>
+            <a:r>
+              <a:rPr lang="fr-CA"/>
+              <a:t>Modifier le style du titre</a:t>
+            </a:r>
+            <a:endParaRPr lang="fr-CA" dirty="0"/>
+          </a:p>
+        </p:txBody>
+      </p:sp>
+      <p:sp>
+        <p:nvSpPr>
+          <p:cNvPr id="4" name="Espace réservé du contenu 3">
+            <a:extLst>
+              <a:ext uri="{FF2B5EF4-FFF2-40B4-BE49-F238E27FC236}">
+                <a16:creationId xmlns:a16="http://schemas.microsoft.com/office/drawing/2014/main" id="{FAEF1DFC-7B44-C991-9AA9-387C12187C96}"/>
+              </a:ext>
+            </a:extLst>
+          </p:cNvPr>
+          <p:cNvSpPr>
+            <a:spLocks noGrp="1"/>
+          </p:cNvSpPr>
+          <p:nvPr>
+            <p:ph sz="quarter" idx="10"/>
+          </p:nvPr>
+        </p:nvSpPr>
+        <p:spPr>
+          <a:xfrm>
+            <a:off x="175252" y="1203960"/>
+            <a:ext cx="6507493" cy="7738079"/>
+          </a:xfrm>
+        </p:spPr>
+        <p:txBody>
+          <a:bodyPr/>
+          <a:lstStyle/>
+          <a:p>
+            <a:pPr lvl="0"/>
+            <a:r>
+              <a:rPr lang="fr-CA"/>
+              <a:t>Cliquez pour modifier les styles du texte du masque</a:t>
+            </a:r>
+          </a:p>
+          <a:p>
+            <a:pPr lvl="1"/>
+            <a:r>
+              <a:rPr lang="fr-CA"/>
+              <a:t>Deuxième niveau</a:t>
+            </a:r>
+          </a:p>
+          <a:p>
+            <a:pPr lvl="2"/>
+            <a:r>
+              <a:rPr lang="fr-CA"/>
+              <a:t>Troisième niveau</a:t>
+            </a:r>
+          </a:p>
+          <a:p>
+            <a:pPr lvl="3"/>
+            <a:r>
+              <a:rPr lang="fr-CA"/>
+              <a:t>Quatrième niveau</a:t>
+            </a:r>
+          </a:p>
+          <a:p>
+            <a:pPr lvl="4"/>
+            <a:r>
+              <a:rPr lang="fr-CA"/>
+              <a:t>Cinquième niveau</a:t>
+            </a:r>
+          </a:p>
+        </p:txBody>
+      </p:sp>
+    </p:spTree>
+    <p:extLst>
+      <p:ext uri="{BB962C8B-B14F-4D97-AF65-F5344CB8AC3E}">
+        <p14:creationId xmlns:p14="http://schemas.microsoft.com/office/powerpoint/2010/main" val="549851702"/>
+      </p:ext>
+    </p:extLst>
+  </p:cSld>
+  <p:clrMapOvr>
+    <a:masterClrMapping/>
+  </p:clrMapOvr>
+</p:sldLayout>
+</file>
+
+<file path=ppt/slideLayouts/slideLayout6.xml><?xml version="1.0" encoding="utf-8"?>
+<p:sldLayout xmlns:a="http://schemas.openxmlformats.org/drawingml/2006/main" xmlns:r="http://schemas.openxmlformats.org/officeDocument/2006/relationships" xmlns:p="http://schemas.openxmlformats.org/presentationml/2006/main" type="titleOnly">
   <p:cSld name="Titre seul">
     <p:spTree>
       <p:nvGrpSpPr>
@@ -1197,244 +1502,7 @@
     </p:spTree>
     <p:extLst>
       <p:ext uri="{BB962C8B-B14F-4D97-AF65-F5344CB8AC3E}">
-        <p14:creationId xmlns:p14="http://schemas.microsoft.com/office/powerpoint/2010/main" val="2457972270"/>
-      </p:ext>
-    </p:extLst>
-  </p:cSld>
-  <p:clrMapOvr>
-    <a:masterClrMapping/>
-  </p:clrMapOvr>
-</p:sldLayout>
-</file>
-
-<file path=ppt/slideLayouts/slideLayout6.xml><?xml version="1.0" encoding="utf-8"?>
-<p:sldLayout xmlns:a="http://schemas.openxmlformats.org/drawingml/2006/main" xmlns:r="http://schemas.openxmlformats.org/officeDocument/2006/relationships" xmlns:p="http://schemas.openxmlformats.org/presentationml/2006/main" preserve="1" userDrawn="1">
-  <p:cSld name="1_Titre seul">
-    <p:spTree>
-      <p:nvGrpSpPr>
-        <p:cNvPr id="1" name=""/>
-        <p:cNvGrpSpPr/>
-        <p:nvPr/>
-      </p:nvGrpSpPr>
-      <p:grpSpPr>
-        <a:xfrm>
-          <a:off x="0" y="0"/>
-          <a:ext cx="0" cy="0"/>
-          <a:chOff x="0" y="0"/>
-          <a:chExt cx="0" cy="0"/>
-        </a:xfrm>
-      </p:grpSpPr>
-      <p:sp>
-        <p:nvSpPr>
-          <p:cNvPr id="2" name="Titre 1">
-            <a:extLst>
-              <a:ext uri="{FF2B5EF4-FFF2-40B4-BE49-F238E27FC236}">
-                <a16:creationId xmlns:a16="http://schemas.microsoft.com/office/drawing/2014/main" id="{5AE56070-62B6-0967-2212-684FDA4BA1B0}"/>
-              </a:ext>
-            </a:extLst>
-          </p:cNvPr>
-          <p:cNvSpPr>
-            <a:spLocks noGrp="1"/>
-          </p:cNvSpPr>
-          <p:nvPr>
-            <p:ph type="title"/>
-          </p:nvPr>
-        </p:nvSpPr>
-        <p:spPr>
-          <a:xfrm>
-            <a:off x="150090" y="201960"/>
-            <a:ext cx="6557819" cy="789871"/>
-          </a:xfrm>
-          <a:blipFill>
-            <a:blip r:embed="rId2"/>
-            <a:stretch>
-              <a:fillRect/>
-            </a:stretch>
-          </a:blipFill>
-        </p:spPr>
-        <p:txBody>
-          <a:bodyPr/>
-          <a:lstStyle>
-            <a:lvl1pPr>
-              <a:defRPr>
-                <a:solidFill>
-                  <a:schemeClr val="accent2">
-                    <a:lumMod val="60000"/>
-                    <a:lumOff val="40000"/>
-                  </a:schemeClr>
-                </a:solidFill>
-              </a:defRPr>
-            </a:lvl1pPr>
-          </a:lstStyle>
-          <a:p>
-            <a:r>
-              <a:rPr lang="fr-FR"/>
-              <a:t>Modifiez le style du titre</a:t>
-            </a:r>
-            <a:endParaRPr lang="fr-CA" dirty="0"/>
-          </a:p>
-        </p:txBody>
-      </p:sp>
-      <p:sp>
-        <p:nvSpPr>
-          <p:cNvPr id="4" name="Espace réservé du contenu 3">
-            <a:extLst>
-              <a:ext uri="{FF2B5EF4-FFF2-40B4-BE49-F238E27FC236}">
-                <a16:creationId xmlns:a16="http://schemas.microsoft.com/office/drawing/2014/main" id="{FAEF1DFC-7B44-C991-9AA9-387C12187C96}"/>
-              </a:ext>
-            </a:extLst>
-          </p:cNvPr>
-          <p:cNvSpPr>
-            <a:spLocks noGrp="1"/>
-          </p:cNvSpPr>
-          <p:nvPr>
-            <p:ph sz="quarter" idx="10"/>
-          </p:nvPr>
-        </p:nvSpPr>
-        <p:spPr>
-          <a:xfrm>
-            <a:off x="150090" y="1203960"/>
-            <a:ext cx="6557819" cy="7738079"/>
-          </a:xfrm>
-        </p:spPr>
-        <p:txBody>
-          <a:bodyPr/>
-          <a:lstStyle/>
-          <a:p>
-            <a:pPr lvl="0"/>
-            <a:r>
-              <a:rPr lang="fr-FR"/>
-              <a:t>Cliquez pour modifier les styles du texte du masque</a:t>
-            </a:r>
-          </a:p>
-          <a:p>
-            <a:pPr lvl="1"/>
-            <a:r>
-              <a:rPr lang="fr-FR"/>
-              <a:t>Deuxième niveau</a:t>
-            </a:r>
-          </a:p>
-          <a:p>
-            <a:pPr lvl="2"/>
-            <a:r>
-              <a:rPr lang="fr-FR"/>
-              <a:t>Troisième niveau</a:t>
-            </a:r>
-          </a:p>
-          <a:p>
-            <a:pPr lvl="3"/>
-            <a:r>
-              <a:rPr lang="fr-FR"/>
-              <a:t>Quatrième niveau</a:t>
-            </a:r>
-          </a:p>
-          <a:p>
-            <a:pPr lvl="4"/>
-            <a:r>
-              <a:rPr lang="fr-FR"/>
-              <a:t>Cinquième niveau</a:t>
-            </a:r>
-            <a:endParaRPr lang="fr-CA"/>
-          </a:p>
-        </p:txBody>
-      </p:sp>
-    </p:spTree>
-    <p:extLst>
-      <p:ext uri="{BB962C8B-B14F-4D97-AF65-F5344CB8AC3E}">
-        <p14:creationId xmlns:p14="http://schemas.microsoft.com/office/powerpoint/2010/main" val="549851702"/>
-      </p:ext>
-    </p:extLst>
-  </p:cSld>
-  <p:clrMapOvr>
-    <a:masterClrMapping/>
-  </p:clrMapOvr>
-</p:sldLayout>
-</file>
-
-<file path=ppt/slideLayouts/slideLayout7.xml><?xml version="1.0" encoding="utf-8"?>
-<p:sldLayout xmlns:a="http://schemas.openxmlformats.org/drawingml/2006/main" xmlns:r="http://schemas.openxmlformats.org/officeDocument/2006/relationships" xmlns:p="http://schemas.openxmlformats.org/presentationml/2006/main" preserve="1" userDrawn="1">
-  <p:cSld name="Vide">
-    <p:spTree>
-      <p:nvGrpSpPr>
-        <p:cNvPr id="1" name=""/>
-        <p:cNvGrpSpPr/>
-        <p:nvPr/>
-      </p:nvGrpSpPr>
-      <p:grpSpPr>
-        <a:xfrm>
-          <a:off x="0" y="0"/>
-          <a:ext cx="0" cy="0"/>
-          <a:chOff x="0" y="0"/>
-          <a:chExt cx="0" cy="0"/>
-        </a:xfrm>
-      </p:grpSpPr>
-      <p:sp>
-        <p:nvSpPr>
-          <p:cNvPr id="6" name="Espace réservé du contenu 5">
-            <a:extLst>
-              <a:ext uri="{FF2B5EF4-FFF2-40B4-BE49-F238E27FC236}">
-                <a16:creationId xmlns:a16="http://schemas.microsoft.com/office/drawing/2014/main" id="{2E2F5D60-4A1E-F255-E927-237C2EF830A1}"/>
-              </a:ext>
-            </a:extLst>
-          </p:cNvPr>
-          <p:cNvSpPr>
-            <a:spLocks noGrp="1"/>
-          </p:cNvSpPr>
-          <p:nvPr>
-            <p:ph sz="quarter" idx="10"/>
-          </p:nvPr>
-        </p:nvSpPr>
-        <p:spPr>
-          <a:xfrm>
-            <a:off x="276822" y="721787"/>
-            <a:ext cx="6232922" cy="7734300"/>
-          </a:xfrm>
-        </p:spPr>
-        <p:txBody>
-          <a:bodyPr/>
-          <a:lstStyle/>
-          <a:p>
-            <a:pPr lvl="0"/>
-            <a:r>
-              <a:rPr lang="fr-FR"/>
-              <a:t>Cliquez pour modifier les styles du texte du masque</a:t>
-            </a:r>
-          </a:p>
-          <a:p>
-            <a:pPr lvl="1"/>
-            <a:r>
-              <a:rPr lang="fr-FR"/>
-              <a:t>Deuxième niveau</a:t>
-            </a:r>
-          </a:p>
-          <a:p>
-            <a:pPr lvl="2"/>
-            <a:r>
-              <a:rPr lang="fr-FR"/>
-              <a:t>Troisième niveau</a:t>
-            </a:r>
-          </a:p>
-          <a:p>
-            <a:pPr lvl="3"/>
-            <a:r>
-              <a:rPr lang="fr-FR"/>
-              <a:t>Quatrième niveau</a:t>
-            </a:r>
-          </a:p>
-          <a:p>
-            <a:pPr lvl="4"/>
-            <a:r>
-              <a:rPr lang="fr-FR"/>
-              <a:t>Cinquième niveau</a:t>
-            </a:r>
-            <a:endParaRPr lang="fr-CA"/>
-          </a:p>
-        </p:txBody>
-      </p:sp>
-    </p:spTree>
-    <p:extLst>
-      <p:ext uri="{BB962C8B-B14F-4D97-AF65-F5344CB8AC3E}">
-        <p14:creationId xmlns:p14="http://schemas.microsoft.com/office/powerpoint/2010/main" val="418760590"/>
+        <p14:creationId xmlns:p14="http://schemas.microsoft.com/office/powerpoint/2010/main" val="2742434262"/>
       </p:ext>
     </p:extLst>
   </p:cSld>
@@ -1618,7 +1686,7 @@
             <a:fld id="{FDCA904F-AFE4-4F4A-AA13-CC2FD407ABB0}" type="datetimeFigureOut">
               <a:rPr lang="fr-CA" smtClean="0"/>
               <a:pPr/>
-              <a:t>2023-07-03</a:t>
+              <a:t>2023-07-12</a:t>
             </a:fld>
             <a:endParaRPr lang="fr-CA" dirty="0"/>
           </a:p>
@@ -1663,7 +1731,7 @@
             </a:lvl1pPr>
           </a:lstStyle>
           <a:p>
-            <a:endParaRPr lang="fr-CA" dirty="0"/>
+            <a:endParaRPr lang="fr-CA"/>
           </a:p>
         </p:txBody>
       </p:sp>
@@ -1710,7 +1778,7 @@
               <a:rPr lang="fr-CA" smtClean="0"/>
               <a:t>‹n°›</a:t>
             </a:fld>
-            <a:endParaRPr lang="fr-CA" dirty="0"/>
+            <a:endParaRPr lang="fr-CA"/>
           </a:p>
         </p:txBody>
       </p:sp>
@@ -1727,9 +1795,8 @@
     <p:sldLayoutId id="2147483650" r:id="rId2"/>
     <p:sldLayoutId id="2147483652" r:id="rId3"/>
     <p:sldLayoutId id="2147483653" r:id="rId4"/>
-    <p:sldLayoutId id="2147483654" r:id="rId5"/>
-    <p:sldLayoutId id="2147483658" r:id="rId6"/>
-    <p:sldLayoutId id="2147483655" r:id="rId7"/>
+    <p:sldLayoutId id="2147483658" r:id="rId5"/>
+    <p:sldLayoutId id="2147483660" r:id="rId6"/>
   </p:sldLayoutIdLst>
   <p:txStyles>
     <p:titleStyle>
@@ -2054,10 +2121,10 @@
       </p:grpSpPr>
       <p:sp>
         <p:nvSpPr>
-          <p:cNvPr id="2" name="Espace réservé du texte 1">
+          <p:cNvPr id="17" name="Espace réservé du texte 16">
             <a:extLst>
               <a:ext uri="{FF2B5EF4-FFF2-40B4-BE49-F238E27FC236}">
-                <a16:creationId xmlns:a16="http://schemas.microsoft.com/office/drawing/2014/main" id="{4619127E-9765-95E1-F6E7-3CB507CCD9A4}"/>
+                <a16:creationId xmlns:a16="http://schemas.microsoft.com/office/drawing/2014/main" id="{707F7AA5-6E3D-AD77-398A-BE53CDF6C376}"/>
               </a:ext>
             </a:extLst>
           </p:cNvPr>
@@ -2070,9 +2137,7 @@
         </p:nvSpPr>
         <p:spPr/>
         <p:txBody>
-          <a:bodyPr bIns="0">
-            <a:normAutofit/>
-          </a:bodyPr>
+          <a:bodyPr/>
           <a:lstStyle/>
           <a:p>
             <a:r>
@@ -2083,10 +2148,10 @@
       </p:sp>
       <p:sp>
         <p:nvSpPr>
-          <p:cNvPr id="3" name="Espace réservé du texte 2">
+          <p:cNvPr id="18" name="Espace réservé du texte 17">
             <a:extLst>
               <a:ext uri="{FF2B5EF4-FFF2-40B4-BE49-F238E27FC236}">
-                <a16:creationId xmlns:a16="http://schemas.microsoft.com/office/drawing/2014/main" id="{A4AA2AF7-DF87-84DB-E25F-821552457CFF}"/>
+                <a16:creationId xmlns:a16="http://schemas.microsoft.com/office/drawing/2014/main" id="{2D77B2D0-6F7A-4663-8C65-F7DDA059512F}"/>
               </a:ext>
             </a:extLst>
           </p:cNvPr>
@@ -2104,16 +2169,16 @@
           </a:bodyPr>
           <a:lstStyle/>
           <a:p>
-            <a:endParaRPr lang="fr-CA" dirty="0"/>
+            <a:endParaRPr lang="fr-CA"/>
           </a:p>
         </p:txBody>
       </p:sp>
       <p:sp>
         <p:nvSpPr>
-          <p:cNvPr id="4" name="Espace réservé du texte 3">
+          <p:cNvPr id="19" name="Espace réservé du texte 18">
             <a:extLst>
               <a:ext uri="{FF2B5EF4-FFF2-40B4-BE49-F238E27FC236}">
-                <a16:creationId xmlns:a16="http://schemas.microsoft.com/office/drawing/2014/main" id="{36D44F36-C9AE-4AF8-FECA-6EE13F8B9015}"/>
+                <a16:creationId xmlns:a16="http://schemas.microsoft.com/office/drawing/2014/main" id="{3DE81AAE-15C9-CBC0-AB41-C5EEFD6E2DA5}"/>
               </a:ext>
             </a:extLst>
           </p:cNvPr>
@@ -2126,9 +2191,7 @@
         </p:nvSpPr>
         <p:spPr/>
         <p:txBody>
-          <a:bodyPr bIns="0">
-            <a:normAutofit/>
-          </a:bodyPr>
+          <a:bodyPr/>
           <a:lstStyle/>
           <a:p>
             <a:r>
@@ -2139,24 +2202,14 @@
       </p:sp>
       <p:sp>
         <p:nvSpPr>
-          <p:cNvPr id="7" name="ZoneTexte 6">
-            <a:extLst>
-              <a:ext uri="{FF2B5EF4-FFF2-40B4-BE49-F238E27FC236}">
-                <a16:creationId xmlns:a16="http://schemas.microsoft.com/office/drawing/2014/main" id="{00927349-1CEC-B0C0-DC6B-F786491A75C6}"/>
-              </a:ext>
-            </a:extLst>
-          </p:cNvPr>
+          <p:cNvPr id="20" name="TextBox 19"/>
           <p:cNvSpPr txBox="1"/>
-          <p:nvPr>
-            <p:custDataLst>
-              <p:tags r:id="rId1"/>
-            </p:custDataLst>
-          </p:nvPr>
+          <p:nvPr/>
         </p:nvSpPr>
         <p:spPr>
           <a:xfrm>
-            <a:off x="210617" y="8815138"/>
-            <a:ext cx="2739814" cy="257386"/>
+            <a:off x="138545" y="3000000"/>
+            <a:ext cx="6858000" cy="274320"/>
           </a:xfrm>
           <a:prstGeom prst="rect">
             <a:avLst/>
@@ -2164,41 +2217,34 @@
           <a:noFill/>
         </p:spPr>
         <p:txBody>
-          <a:bodyPr vert="horz" wrap="square" lIns="91440" tIns="45720" rIns="91440" bIns="45720" rtlCol="0">
-            <a:normAutofit fontScale="62500" lnSpcReduction="20000"/>
+          <a:bodyPr wrap="none">
+            <a:spAutoFit/>
           </a:bodyPr>
           <a:lstStyle/>
           <a:p>
-            <a:pPr marL="0" indent="0" algn="ctr">
-              <a:buNone/>
-            </a:pPr>
-            <a:r>
-              <a:rPr lang="fr-CA" sz="1800" dirty="0"/>
-              <a:t>Centre d’Innovation Numérique (CIN)</a:t>
+            <a:pPr>
+              <a:defRPr sz="1100" b="1">
+                <a:solidFill>
+                  <a:schemeClr val="accent6"/>
+                </a:solidFill>
+              </a:defRPr>
+            </a:pPr>
+            <a:r>
+              <a:t>Qu’est-ce que l’informatique de périphérie ?</a:t>
             </a:r>
           </a:p>
         </p:txBody>
       </p:sp>
       <p:sp>
         <p:nvSpPr>
-          <p:cNvPr id="8" name="ZoneTexte 7">
-            <a:extLst>
-              <a:ext uri="{FF2B5EF4-FFF2-40B4-BE49-F238E27FC236}">
-                <a16:creationId xmlns:a16="http://schemas.microsoft.com/office/drawing/2014/main" id="{CBDD9DAA-E3BE-F4DF-2D0D-025DF9180E00}"/>
-              </a:ext>
-            </a:extLst>
-          </p:cNvPr>
+          <p:cNvPr id="21" name="TextBox 20"/>
           <p:cNvSpPr txBox="1"/>
-          <p:nvPr>
-            <p:custDataLst>
-              <p:tags r:id="rId2"/>
-            </p:custDataLst>
-          </p:nvPr>
+          <p:nvPr/>
         </p:nvSpPr>
         <p:spPr>
           <a:xfrm>
-            <a:off x="5967307" y="8771467"/>
-            <a:ext cx="311573" cy="257386"/>
+            <a:off x="0" y="3274320"/>
+            <a:ext cx="6858000" cy="1032348"/>
           </a:xfrm>
           <a:prstGeom prst="rect">
             <a:avLst/>
@@ -2206,21 +2252,264 @@
           <a:noFill/>
         </p:spPr>
         <p:txBody>
-          <a:bodyPr vert="horz" wrap="square" lIns="91440" tIns="45720" rIns="91440" bIns="45720" rtlCol="0">
-            <a:normAutofit fontScale="62500" lnSpcReduction="20000"/>
+          <a:bodyPr wrap="none">
+            <a:spAutoFit/>
           </a:bodyPr>
           <a:lstStyle/>
           <a:p>
-            <a:pPr algn="l"/>
-            <a:r>
-              <a:rPr lang="fr-CA" sz="2000" dirty="0">
-                <a:solidFill>
-                  <a:schemeClr val="accent5">
-                    <a:lumMod val="75000"/>
-                  </a:schemeClr>
-                </a:solidFill>
-              </a:rPr>
-              <a:t>1</a:t>
+            <a:pPr>
+              <a:defRPr sz="1000"/>
+            </a:pPr>
+            <a:r>
+              <a:t>L’informatique de périphérie, ou Edge Computing, est un paradigme informatique visant à rendre</a:t>
+            </a:r>
+            <a:br/>
+            <a:r>
+              <a:t>plus efficace les systèmes utilisant l’infonuagique. Alors que la tendance chez les grandes</a:t>
+            </a:r>
+            <a:br/>
+            <a:r>
+              <a:t>entreprises est généralement de centraliser les infrastructures informatiques sur un serveur dans</a:t>
+            </a:r>
+            <a:br/>
+            <a:r>
+              <a:t>le nuage¹, l’informatique de périphérie consiste plutôt à traiter les données à proximité de leur</a:t>
+            </a:r>
+            <a:br/>
+            <a:r>
+              <a:t>source. Cela a plusieurs avantages tels qu’un temps de réponse plus rapide, une moins grande</a:t>
+            </a:r>
+            <a:br/>
+            <a:r>
+              <a:t>dépendance au réseau et une utilisation plus économique de la bande passante.</a:t>
+            </a:r>
+          </a:p>
+        </p:txBody>
+      </p:sp>
+      <p:sp>
+        <p:nvSpPr>
+          <p:cNvPr id="22" name="TextBox 21"/>
+          <p:cNvSpPr txBox="1"/>
+          <p:nvPr/>
+        </p:nvSpPr>
+        <p:spPr>
+          <a:xfrm>
+            <a:off x="138545" y="4306668"/>
+            <a:ext cx="6858000" cy="274320"/>
+          </a:xfrm>
+          <a:prstGeom prst="rect">
+            <a:avLst/>
+          </a:prstGeom>
+          <a:noFill/>
+        </p:spPr>
+        <p:txBody>
+          <a:bodyPr wrap="none">
+            <a:spAutoFit/>
+          </a:bodyPr>
+          <a:lstStyle/>
+          <a:p>
+            <a:pPr>
+              <a:defRPr sz="1100" b="1">
+                <a:solidFill>
+                  <a:schemeClr val="accent6"/>
+                </a:solidFill>
+              </a:defRPr>
+            </a:pPr>
+            <a:r>
+              <a:t>Pourquoi est-ce nécessaire ?</a:t>
+            </a:r>
+          </a:p>
+        </p:txBody>
+      </p:sp>
+      <p:sp>
+        <p:nvSpPr>
+          <p:cNvPr id="23" name="TextBox 22"/>
+          <p:cNvSpPr txBox="1"/>
+          <p:nvPr/>
+        </p:nvSpPr>
+        <p:spPr>
+          <a:xfrm>
+            <a:off x="0" y="4580988"/>
+            <a:ext cx="6858000" cy="1922571"/>
+          </a:xfrm>
+          <a:prstGeom prst="rect">
+            <a:avLst/>
+          </a:prstGeom>
+          <a:noFill/>
+        </p:spPr>
+        <p:txBody>
+          <a:bodyPr wrap="none">
+            <a:spAutoFit/>
+          </a:bodyPr>
+          <a:lstStyle/>
+          <a:p>
+            <a:pPr>
+              <a:defRPr sz="1000"/>
+            </a:pPr>
+            <a:r>
+              <a:t>Malgré qu’Internet soit très rapide, car les données voyagent à la vitesse de la lumière, ce</a:t>
+            </a:r>
+            <a:br/>
+            <a:r>
+              <a:t>n’est pas instantané, et sur de longues distances, cela peut impacter la vitesse de traitement de</a:t>
+            </a:r>
+            <a:br/>
+            <a:r>
+              <a:t>l’information. Certains usages de l’informatique nécessitent un temps de réponse presque</a:t>
+            </a:r>
+            <a:br/>
+            <a:r>
+              <a:t>instantané et ne peuvent pas supporter qu’il y ait de la latence. Pour pallier cela, des</a:t>
+            </a:r>
+            <a:br/>
+            <a:r>
+              <a:t>entreprises vont installer des machines en périphérie. C’est-à-dire qu’au lieu d’utiliser un</a:t>
+            </a:r>
+            <a:br/>
+            <a:r>
+              <a:t>serveur central, il y a un serveur à proximité de chaque infrastructure. L’informatique de</a:t>
+            </a:r>
+            <a:br/>
+            <a:r>
+              <a:t>périphérie est utile dans différents cas, notamment pour les entreprises qui ont des services</a:t>
+            </a:r>
+            <a:br/>
+            <a:r>
+              <a:t>numériques éparpillés dans plusieurs endroits et qui veulent que leurs services soient</a:t>
+            </a:r>
+            <a:br/>
+            <a:r>
+              <a:t>extrêmement rapides peu importe l’emplacement de l’utilisateur. Au lieu que les données soient</a:t>
+            </a:r>
+            <a:br/>
+            <a:r>
+              <a:t>toujours envoyées sur un serveur central, qui est potentiellement éloigné géographiquement, les</a:t>
+            </a:r>
+            <a:br/>
+            <a:r>
+              <a:t>données sont traitées sur une machine à proximité, évitant de devoir traverser de longues</a:t>
+            </a:r>
+            <a:br/>
+            <a:r>
+              <a:t>distances et réduisant la latence dans le traitement de l’information.</a:t>
+            </a:r>
+          </a:p>
+        </p:txBody>
+      </p:sp>
+      <p:sp>
+        <p:nvSpPr>
+          <p:cNvPr id="16" name="Titre 15">
+            <a:extLst>
+              <a:ext uri="{FF2B5EF4-FFF2-40B4-BE49-F238E27FC236}">
+                <a16:creationId xmlns:a16="http://schemas.microsoft.com/office/drawing/2014/main" id="{BD9AAE16-B73A-D858-F17D-47FE778FF175}"/>
+              </a:ext>
+            </a:extLst>
+          </p:cNvPr>
+          <p:cNvSpPr>
+            <a:spLocks noGrp="1"/>
+          </p:cNvSpPr>
+          <p:nvPr>
+            <p:ph type="title"/>
+          </p:nvPr>
+        </p:nvSpPr>
+        <p:spPr>
+          <a:xfrm>
+            <a:off x="163195" y="6518559"/>
+            <a:ext cx="6567054" cy="400000"/>
+          </a:xfrm>
+        </p:spPr>
+        <p:txBody>
+          <a:bodyPr/>
+          <a:lstStyle/>
+          <a:p>
+            <a:pPr>
+              <a:defRPr b="1" i="1">
+                <a:solidFill>
+                  <a:schemeClr val="bg1"/>
+                </a:solidFill>
+              </a:defRPr>
+            </a:pPr>
+            <a:r>
+              <a:t>Canada</a:t>
+            </a:r>
+          </a:p>
+        </p:txBody>
+      </p:sp>
+      <p:sp>
+        <p:nvSpPr>
+          <p:cNvPr id="24" name="TextBox 23"/>
+          <p:cNvSpPr txBox="1"/>
+          <p:nvPr/>
+        </p:nvSpPr>
+        <p:spPr>
+          <a:xfrm>
+            <a:off x="0" y="6933559"/>
+            <a:ext cx="6858000" cy="2059786"/>
+          </a:xfrm>
+          <a:prstGeom prst="rect">
+            <a:avLst/>
+          </a:prstGeom>
+          <a:noFill/>
+        </p:spPr>
+        <p:txBody>
+          <a:bodyPr wrap="none">
+            <a:spAutoFit/>
+          </a:bodyPr>
+          <a:lstStyle/>
+          <a:p>
+            <a:pPr>
+              <a:defRPr sz="1000"/>
+            </a:pPr>
+            <a:r>
+              <a:t>CENGN, une organisation basée à Ottawa, possède une serre intelligente en Ontario qui utilise</a:t>
+            </a:r>
+            <a:br/>
+            <a:r>
+              <a:t>l’Internet des objets pour s’automatiser, servant de laboratoire pour que les compagnies œuvrant</a:t>
+            </a:r>
+            <a:br/>
+            <a:r>
+              <a:t>dans le domaine des technologies de l’agriculture puissent prototyper². L’infrastructure récolte</a:t>
+            </a:r>
+            <a:br/>
+            <a:r>
+              <a:t>constamment des données comme l’humidité, la température et des images provenant d’objets</a:t>
+            </a:r>
+            <a:br/>
+            <a:r>
+              <a:t>connectés. Le CENGN utilise l’informatique de périphérie pour traiter ces données sur des</a:t>
+            </a:r>
+            <a:br/>
+            <a:r>
+              <a:t>serveurs mis en place directement sur le site de la serre. Les serveurs utilisent ces données</a:t>
+            </a:r>
+            <a:br/>
+            <a:r>
+              <a:t>pour prendre une décision et renvoie une réponse aux objets connectés en conséquence. Malgré que</a:t>
+            </a:r>
+            <a:br/>
+            <a:r>
+              <a:t>ce ne soit qu’un prototype, l’organisation croit que les futures serres intelligentes utiliseront</a:t>
+            </a:r>
+            <a:br/>
+            <a:r>
+              <a:t>l’informatique de périphérie plutôt que d’utiliser un fournisseur infonuagique certainement situé</a:t>
+            </a:r>
+            <a:br/>
+            <a:r>
+              <a:t>plus loin géographiquement. Au lieu que les données fassent des aller-retours sur de longues</a:t>
+            </a:r>
+            <a:br/>
+            <a:r>
+              <a:t>distances, cela fait en sorte que les données provenant des capteurs de la serre ont une très</a:t>
+            </a:r>
+            <a:br/>
+            <a:r>
+              <a:t>petite distance à parcourir avant d’être analysés, donc une plus petite latence et une</a:t>
+            </a:r>
+            <a:br/>
+            <a:r>
+              <a:t>utilisation moins gourmande du réseau.</a:t>
             </a:r>
           </a:p>
         </p:txBody>
@@ -2257,10 +2546,1414 @@
       </p:grpSpPr>
       <p:sp>
         <p:nvSpPr>
+          <p:cNvPr id="3" name="Espace réservé du contenu 4">
+            <a:extLst>
+              <a:ext uri="{FF2B5EF4-FFF2-40B4-BE49-F238E27FC236}">
+                <a16:creationId xmlns:a16="http://schemas.microsoft.com/office/drawing/2014/main" id="{17836FF2-443C-DD1C-FB6F-D9F998B642E4}"/>
+              </a:ext>
+            </a:extLst>
+          </p:cNvPr>
+          <p:cNvSpPr txBox="1">
+            <a:spLocks/>
+          </p:cNvSpPr>
+          <p:nvPr>
+            <p:custDataLst>
+              <p:tags r:id="rId1"/>
+            </p:custDataLst>
+          </p:nvPr>
+        </p:nvSpPr>
+        <p:spPr>
+          <a:xfrm>
+            <a:off x="300181" y="1452518"/>
+            <a:ext cx="6557819" cy="5232169"/>
+          </a:xfrm>
+          <a:prstGeom prst="rect">
+            <a:avLst/>
+          </a:prstGeom>
+        </p:spPr>
+        <p:txBody>
+          <a:bodyPr lIns="91440" tIns="45720" rIns="91440" bIns="45720" numCol="2" anchor="t">
+            <a:noAutofit/>
+          </a:bodyPr>
+          <a:lstStyle>
+            <a:lvl1pPr marL="128585" indent="-128585" algn="l" defTabSz="514337" rtl="0" eaLnBrk="1" latinLnBrk="0" hangingPunct="1">
+              <a:lnSpc>
+                <a:spcPct val="90000"/>
+              </a:lnSpc>
+              <a:spcBef>
+                <a:spcPts val="563"/>
+              </a:spcBef>
+              <a:buClr>
+                <a:schemeClr val="accent2"/>
+              </a:buClr>
+              <a:buFont typeface="Arial" panose="020B0604020202020204" pitchFamily="34" charset="0"/>
+              <a:buChar char="•"/>
+              <a:defRPr sz="1575" kern="1200">
+                <a:solidFill>
+                  <a:schemeClr val="tx1"/>
+                </a:solidFill>
+                <a:latin typeface="+mn-lt"/>
+                <a:ea typeface="+mn-ea"/>
+                <a:cs typeface="+mn-cs"/>
+              </a:defRPr>
+            </a:lvl1pPr>
+            <a:lvl2pPr marL="385754" indent="-128585" algn="l" defTabSz="514337" rtl="0" eaLnBrk="1" latinLnBrk="0" hangingPunct="1">
+              <a:lnSpc>
+                <a:spcPct val="90000"/>
+              </a:lnSpc>
+              <a:spcBef>
+                <a:spcPts val="281"/>
+              </a:spcBef>
+              <a:buClr>
+                <a:schemeClr val="accent5"/>
+              </a:buClr>
+              <a:buFont typeface="Arial" panose="020B0604020202020204" pitchFamily="34" charset="0"/>
+              <a:buChar char="•"/>
+              <a:defRPr sz="1350" kern="1200">
+                <a:solidFill>
+                  <a:schemeClr val="tx1"/>
+                </a:solidFill>
+                <a:latin typeface="+mn-lt"/>
+                <a:ea typeface="+mn-ea"/>
+                <a:cs typeface="+mn-cs"/>
+              </a:defRPr>
+            </a:lvl2pPr>
+            <a:lvl3pPr marL="642922" indent="-128585" algn="l" defTabSz="514337" rtl="0" eaLnBrk="1" latinLnBrk="0" hangingPunct="1">
+              <a:lnSpc>
+                <a:spcPct val="90000"/>
+              </a:lnSpc>
+              <a:spcBef>
+                <a:spcPts val="281"/>
+              </a:spcBef>
+              <a:buClr>
+                <a:schemeClr val="accent6"/>
+              </a:buClr>
+              <a:buFont typeface="Arial" panose="020B0604020202020204" pitchFamily="34" charset="0"/>
+              <a:buChar char="•"/>
+              <a:defRPr sz="1125" kern="1200">
+                <a:solidFill>
+                  <a:schemeClr val="tx1"/>
+                </a:solidFill>
+                <a:latin typeface="+mn-lt"/>
+                <a:ea typeface="+mn-ea"/>
+                <a:cs typeface="+mn-cs"/>
+              </a:defRPr>
+            </a:lvl3pPr>
+            <a:lvl4pPr marL="900091" indent="-128585" algn="l" defTabSz="514337" rtl="0" eaLnBrk="1" latinLnBrk="0" hangingPunct="1">
+              <a:lnSpc>
+                <a:spcPct val="90000"/>
+              </a:lnSpc>
+              <a:spcBef>
+                <a:spcPts val="281"/>
+              </a:spcBef>
+              <a:buClr>
+                <a:schemeClr val="accent6">
+                  <a:lumMod val="60000"/>
+                  <a:lumOff val="40000"/>
+                </a:schemeClr>
+              </a:buClr>
+              <a:buFont typeface="Arial" panose="020B0604020202020204" pitchFamily="34" charset="0"/>
+              <a:buChar char="•"/>
+              <a:defRPr sz="1013" kern="1200">
+                <a:solidFill>
+                  <a:schemeClr val="tx1"/>
+                </a:solidFill>
+                <a:latin typeface="+mn-lt"/>
+                <a:ea typeface="+mn-ea"/>
+                <a:cs typeface="+mn-cs"/>
+              </a:defRPr>
+            </a:lvl4pPr>
+            <a:lvl5pPr marL="1157259" indent="-128585" algn="l" defTabSz="514337" rtl="0" eaLnBrk="1" latinLnBrk="0" hangingPunct="1">
+              <a:lnSpc>
+                <a:spcPct val="90000"/>
+              </a:lnSpc>
+              <a:spcBef>
+                <a:spcPts val="281"/>
+              </a:spcBef>
+              <a:buClr>
+                <a:schemeClr val="accent6">
+                  <a:lumMod val="40000"/>
+                  <a:lumOff val="60000"/>
+                </a:schemeClr>
+              </a:buClr>
+              <a:buFont typeface="Arial" panose="020B0604020202020204" pitchFamily="34" charset="0"/>
+              <a:buChar char="•"/>
+              <a:defRPr sz="1013" kern="1200">
+                <a:solidFill>
+                  <a:schemeClr val="tx1"/>
+                </a:solidFill>
+                <a:latin typeface="+mn-lt"/>
+                <a:ea typeface="+mn-ea"/>
+                <a:cs typeface="+mn-cs"/>
+              </a:defRPr>
+            </a:lvl5pPr>
+            <a:lvl6pPr marL="1414428" indent="-128585" algn="l" defTabSz="514337" rtl="0" eaLnBrk="1" latinLnBrk="0" hangingPunct="1">
+              <a:lnSpc>
+                <a:spcPct val="90000"/>
+              </a:lnSpc>
+              <a:spcBef>
+                <a:spcPts val="281"/>
+              </a:spcBef>
+              <a:buFont typeface="Arial" panose="020B0604020202020204" pitchFamily="34" charset="0"/>
+              <a:buChar char="•"/>
+              <a:defRPr sz="1013" kern="1200">
+                <a:solidFill>
+                  <a:schemeClr val="tx1"/>
+                </a:solidFill>
+                <a:latin typeface="+mn-lt"/>
+                <a:ea typeface="+mn-ea"/>
+                <a:cs typeface="+mn-cs"/>
+              </a:defRPr>
+            </a:lvl6pPr>
+            <a:lvl7pPr marL="1671596" indent="-128585" algn="l" defTabSz="514337" rtl="0" eaLnBrk="1" latinLnBrk="0" hangingPunct="1">
+              <a:lnSpc>
+                <a:spcPct val="90000"/>
+              </a:lnSpc>
+              <a:spcBef>
+                <a:spcPts val="281"/>
+              </a:spcBef>
+              <a:buFont typeface="Arial" panose="020B0604020202020204" pitchFamily="34" charset="0"/>
+              <a:buChar char="•"/>
+              <a:defRPr sz="1013" kern="1200">
+                <a:solidFill>
+                  <a:schemeClr val="tx1"/>
+                </a:solidFill>
+                <a:latin typeface="+mn-lt"/>
+                <a:ea typeface="+mn-ea"/>
+                <a:cs typeface="+mn-cs"/>
+              </a:defRPr>
+            </a:lvl7pPr>
+            <a:lvl8pPr marL="1928765" indent="-128585" algn="l" defTabSz="514337" rtl="0" eaLnBrk="1" latinLnBrk="0" hangingPunct="1">
+              <a:lnSpc>
+                <a:spcPct val="90000"/>
+              </a:lnSpc>
+              <a:spcBef>
+                <a:spcPts val="281"/>
+              </a:spcBef>
+              <a:buFont typeface="Arial" panose="020B0604020202020204" pitchFamily="34" charset="0"/>
+              <a:buChar char="•"/>
+              <a:defRPr sz="1013" kern="1200">
+                <a:solidFill>
+                  <a:schemeClr val="tx1"/>
+                </a:solidFill>
+                <a:latin typeface="+mn-lt"/>
+                <a:ea typeface="+mn-ea"/>
+                <a:cs typeface="+mn-cs"/>
+              </a:defRPr>
+            </a:lvl8pPr>
+            <a:lvl9pPr marL="2185934" indent="-128585" algn="l" defTabSz="514337" rtl="0" eaLnBrk="1" latinLnBrk="0" hangingPunct="1">
+              <a:lnSpc>
+                <a:spcPct val="90000"/>
+              </a:lnSpc>
+              <a:spcBef>
+                <a:spcPts val="281"/>
+              </a:spcBef>
+              <a:buFont typeface="Arial" panose="020B0604020202020204" pitchFamily="34" charset="0"/>
+              <a:buChar char="•"/>
+              <a:defRPr sz="1013" kern="1200">
+                <a:solidFill>
+                  <a:schemeClr val="tx1"/>
+                </a:solidFill>
+                <a:latin typeface="+mn-lt"/>
+                <a:ea typeface="+mn-ea"/>
+                <a:cs typeface="+mn-cs"/>
+              </a:defRPr>
+            </a:lvl9pPr>
+          </a:lstStyle>
+          <a:p>
+            <a:pPr marL="228600" indent="-228600">
+              <a:lnSpc>
+                <a:spcPct val="100000"/>
+              </a:lnSpc>
+              <a:buFont typeface="Arial" panose="020B0604020202020204" pitchFamily="34" charset="0"/>
+              <a:buAutoNum type="arabicPeriod"/>
+              <a:defRPr sz="800"/>
+            </a:pPr>
+            <a:r>
+              <a:rPr>
+                <a:hlinkClick r:id="rId3"/>
+              </a:rPr>
+              <a:t>https://explodingtopics.com/blog/corporate-cloud-data</a:t>
+            </a:r>
+          </a:p>
+          <a:p>
+            <a:pPr marL="228600" indent="-228600">
+              <a:lnSpc>
+                <a:spcPct val="100000"/>
+              </a:lnSpc>
+              <a:buAutoNum type="arabicPeriod"/>
+              <a:defRPr sz="800"/>
+            </a:pPr>
+            <a:r>
+              <a:rPr>
+                <a:hlinkClick r:id="rId4"/>
+              </a:rPr>
+              <a:t>www.cengn.ca/services/commercialization-services/smart-agriculture-program/</a:t>
+            </a:r>
+            <a:endParaRPr lang="en-US" sz="800" dirty="0">
+              <a:solidFill>
+                <a:srgbClr val="000000"/>
+              </a:solidFill>
+              <a:latin typeface="+mj-lt"/>
+            </a:endParaRPr>
+          </a:p>
+          <a:p>
+            <a:pPr marL="228600" indent="-228600">
+              <a:lnSpc>
+                <a:spcPct val="100000"/>
+              </a:lnSpc>
+              <a:buFont typeface="Arial" panose="020B0604020202020204" pitchFamily="34" charset="0"/>
+              <a:buAutoNum type="arabicPeriod"/>
+              <a:defRPr sz="800"/>
+            </a:pPr>
+            <a:r>
+              <a:rPr>
+                <a:hlinkClick r:id="rId5"/>
+              </a:rPr>
+              <a:t>www.cloudflare.com/application-services/</a:t>
+            </a:r>
+          </a:p>
+          <a:p>
+            <a:pPr marL="228600" indent="-228600">
+              <a:lnSpc>
+                <a:spcPct val="100000"/>
+              </a:lnSpc>
+              <a:buAutoNum type="arabicPeriod"/>
+              <a:defRPr sz="800"/>
+            </a:pPr>
+            <a:r>
+              <a:rPr>
+                <a:hlinkClick r:id="rId6"/>
+              </a:rPr>
+              <a:t>vercel.com/docs/concepts/edge-network/overview</a:t>
+            </a:r>
+            <a:endParaRPr lang="en-US" sz="800" dirty="0">
+              <a:solidFill>
+                <a:srgbClr val="000000"/>
+              </a:solidFill>
+              <a:latin typeface="+mj-lt"/>
+            </a:endParaRPr>
+          </a:p>
+          <a:p>
+            <a:pPr marL="228600" indent="-228600">
+              <a:lnSpc>
+                <a:spcPct val="100000"/>
+              </a:lnSpc>
+              <a:buFont typeface="Arial" panose="020B0604020202020204" pitchFamily="34" charset="0"/>
+              <a:buAutoNum type="arabicPeriod"/>
+              <a:defRPr sz="800"/>
+            </a:pPr>
+            <a:r>
+              <a:rPr>
+                <a:hlinkClick r:id="rId7"/>
+              </a:rPr>
+              <a:t>www.iothub.com.au/news/chevron-scales-up-industrial-iot-pilot-513758</a:t>
+            </a:r>
+            <a:endParaRPr lang="fr-FR" sz="800" b="0" i="0" dirty="0">
+              <a:solidFill>
+                <a:srgbClr val="000000"/>
+              </a:solidFill>
+              <a:effectLst/>
+              <a:latin typeface="+mj-lt"/>
+            </a:endParaRPr>
+          </a:p>
+          <a:p>
+            <a:pPr marL="228600" indent="-228600">
+              <a:lnSpc>
+                <a:spcPct val="100000"/>
+              </a:lnSpc>
+              <a:buAutoNum type="arabicPeriod"/>
+              <a:defRPr sz="800"/>
+            </a:pPr>
+            <a:r>
+              <a:rPr>
+                <a:hlinkClick r:id="rId8"/>
+              </a:rPr>
+              <a:t>https://www.datacenterknowledge.com/microsoft/how-microsoft-extending-its-cloud-chevron-s-oil-fields</a:t>
+            </a:r>
+            <a:endParaRPr lang="en-US" sz="800" dirty="0">
+              <a:solidFill>
+                <a:srgbClr val="000000"/>
+              </a:solidFill>
+              <a:latin typeface="+mj-lt"/>
+            </a:endParaRPr>
+          </a:p>
+          <a:p>
+            <a:pPr marL="228600" indent="-228600">
+              <a:lnSpc>
+                <a:spcPct val="100000"/>
+              </a:lnSpc>
+              <a:buAutoNum type="arabicPeriod"/>
+              <a:defRPr sz="800"/>
+            </a:pPr>
+            <a:r>
+              <a:rPr>
+                <a:hlinkClick r:id="rId9"/>
+              </a:rPr>
+              <a:t>www.lepoint.fr/services/menta-le-leader-europeen-de-la-reprogrammation-hardware-embarquee-28-03-2022-2469874_4345.php</a:t>
+            </a:r>
+            <a:endParaRPr lang="en-US" sz="800" dirty="0">
+              <a:solidFill>
+                <a:srgbClr val="000000"/>
+              </a:solidFill>
+              <a:latin typeface="+mj-lt"/>
+            </a:endParaRPr>
+          </a:p>
+          <a:p>
+            <a:pPr marL="228600" indent="-228600">
+              <a:lnSpc>
+                <a:spcPct val="100000"/>
+              </a:lnSpc>
+              <a:buAutoNum type="arabicPeriod"/>
+              <a:defRPr sz="800"/>
+            </a:pPr>
+            <a:r>
+              <a:rPr>
+                <a:hlinkClick r:id="rId10"/>
+              </a:rPr>
+              <a:t>ori.co/multicloud-networking</a:t>
+            </a:r>
+            <a:endParaRPr lang="en-US" sz="800" dirty="0">
+              <a:solidFill>
+                <a:srgbClr val="000000"/>
+              </a:solidFill>
+              <a:latin typeface="+mj-lt"/>
+            </a:endParaRPr>
+          </a:p>
+          <a:p>
+            <a:pPr marL="228600" indent="-228600">
+              <a:lnSpc>
+                <a:spcPct val="100000"/>
+              </a:lnSpc>
+              <a:buAutoNum type="arabicPeriod"/>
+              <a:defRPr sz="800"/>
+            </a:pPr>
+            <a:r>
+              <a:rPr>
+                <a:hlinkClick r:id="rId11"/>
+              </a:rPr>
+              <a:t>zededa.com/products/</a:t>
+            </a:r>
+            <a:endParaRPr lang="en-US" sz="800" dirty="0">
+              <a:solidFill>
+                <a:srgbClr val="000000"/>
+              </a:solidFill>
+              <a:latin typeface="+mj-lt"/>
+            </a:endParaRPr>
+          </a:p>
+          <a:p>
+            <a:pPr marL="228600" indent="-228600">
+              <a:lnSpc>
+                <a:spcPct val="100000"/>
+              </a:lnSpc>
+              <a:buAutoNum type="arabicPeriod"/>
+              <a:defRPr sz="800"/>
+            </a:pPr>
+            <a:r>
+              <a:rPr>
+                <a:hlinkClick r:id="rId12"/>
+              </a:rPr>
+              <a:t>https://www.stengg.com/en/digital-tech/data-science-analytics-and-ai/video-analytics/</a:t>
+            </a:r>
+            <a:endParaRPr lang="en-US" sz="800" dirty="0">
+              <a:solidFill>
+                <a:srgbClr val="000000"/>
+              </a:solidFill>
+              <a:latin typeface="+mj-lt"/>
+            </a:endParaRPr>
+          </a:p>
+          <a:p>
+            <a:pPr marL="228600" indent="-228600">
+              <a:lnSpc>
+                <a:spcPct val="100000"/>
+              </a:lnSpc>
+              <a:buAutoNum type="arabicPeriod"/>
+              <a:defRPr sz="800"/>
+            </a:pPr>
+            <a:r>
+              <a:rPr>
+                <a:hlinkClick r:id="rId13"/>
+              </a:rPr>
+              <a:t>https://www.stengg.com/en/digital-tech/data-science-analytics-and-ai/edge-analytics/</a:t>
+            </a:r>
+            <a:endParaRPr lang="en-US" sz="800" dirty="0">
+              <a:solidFill>
+                <a:srgbClr val="000000"/>
+              </a:solidFill>
+              <a:latin typeface="+mj-lt"/>
+            </a:endParaRPr>
+          </a:p>
+          <a:p>
+            <a:pPr marL="228600" indent="-228600">
+              <a:lnSpc>
+                <a:spcPct val="100000"/>
+              </a:lnSpc>
+              <a:buAutoNum type="arabicPeriod"/>
+            </a:pPr>
+            <a:r>
+              <a:rPr lang="en-US" sz="800" b="0" i="0" dirty="0">
+                <a:solidFill>
+                  <a:srgbClr val="000000"/>
+                </a:solidFill>
+                <a:effectLst/>
+                <a:latin typeface="+mj-lt"/>
+              </a:rPr>
+              <a:t>&lt;source&gt;</a:t>
+            </a:r>
+            <a:endParaRPr lang="en-US" sz="800" dirty="0">
+              <a:solidFill>
+                <a:srgbClr val="000000"/>
+              </a:solidFill>
+              <a:latin typeface="+mj-lt"/>
+            </a:endParaRPr>
+          </a:p>
+          <a:p>
+            <a:pPr marL="228600" indent="-228600">
+              <a:lnSpc>
+                <a:spcPct val="100000"/>
+              </a:lnSpc>
+              <a:buAutoNum type="arabicPeriod"/>
+            </a:pPr>
+            <a:r>
+              <a:rPr lang="en-US" sz="800" b="0" i="0" dirty="0">
+                <a:solidFill>
+                  <a:srgbClr val="000000"/>
+                </a:solidFill>
+                <a:effectLst/>
+                <a:latin typeface="+mj-lt"/>
+              </a:rPr>
+              <a:t>&lt;source&gt;</a:t>
+            </a:r>
+            <a:endParaRPr lang="en-US" sz="800" dirty="0">
+              <a:solidFill>
+                <a:srgbClr val="000000"/>
+              </a:solidFill>
+              <a:latin typeface="+mj-lt"/>
+            </a:endParaRPr>
+          </a:p>
+          <a:p>
+            <a:pPr marL="228600" indent="-228600">
+              <a:lnSpc>
+                <a:spcPct val="100000"/>
+              </a:lnSpc>
+              <a:buAutoNum type="arabicPeriod"/>
+            </a:pPr>
+            <a:r>
+              <a:rPr lang="en-US" sz="800" b="0" i="0" dirty="0">
+                <a:solidFill>
+                  <a:srgbClr val="000000"/>
+                </a:solidFill>
+                <a:effectLst/>
+                <a:latin typeface="+mj-lt"/>
+              </a:rPr>
+              <a:t>&lt;source&gt;</a:t>
+            </a:r>
+            <a:endParaRPr lang="en-US" sz="800" dirty="0">
+              <a:solidFill>
+                <a:srgbClr val="000000"/>
+              </a:solidFill>
+              <a:latin typeface="+mj-lt"/>
+            </a:endParaRPr>
+          </a:p>
+          <a:p>
+            <a:pPr marL="228600" indent="-228600">
+              <a:lnSpc>
+                <a:spcPct val="100000"/>
+              </a:lnSpc>
+              <a:buAutoNum type="arabicPeriod"/>
+            </a:pPr>
+            <a:r>
+              <a:rPr lang="en-US" sz="800" b="0" i="0" dirty="0">
+                <a:solidFill>
+                  <a:srgbClr val="000000"/>
+                </a:solidFill>
+                <a:effectLst/>
+                <a:latin typeface="+mj-lt"/>
+              </a:rPr>
+              <a:t>&lt;source&gt;</a:t>
+            </a:r>
+            <a:endParaRPr lang="en-US" sz="800" dirty="0">
+              <a:solidFill>
+                <a:srgbClr val="000000"/>
+              </a:solidFill>
+              <a:latin typeface="+mj-lt"/>
+            </a:endParaRPr>
+          </a:p>
+          <a:p>
+            <a:pPr marL="228600" indent="-228600">
+              <a:lnSpc>
+                <a:spcPct val="100000"/>
+              </a:lnSpc>
+              <a:buAutoNum type="arabicPeriod"/>
+            </a:pPr>
+            <a:r>
+              <a:rPr lang="en-US" sz="800" b="0" i="0" dirty="0">
+                <a:solidFill>
+                  <a:srgbClr val="000000"/>
+                </a:solidFill>
+                <a:effectLst/>
+                <a:latin typeface="+mj-lt"/>
+              </a:rPr>
+              <a:t>&lt;source&gt;</a:t>
+            </a:r>
+            <a:endParaRPr lang="en-US" sz="800" dirty="0">
+              <a:solidFill>
+                <a:srgbClr val="000000"/>
+              </a:solidFill>
+              <a:latin typeface="+mj-lt"/>
+            </a:endParaRPr>
+          </a:p>
+          <a:p>
+            <a:pPr marL="228600" indent="-228600">
+              <a:lnSpc>
+                <a:spcPct val="100000"/>
+              </a:lnSpc>
+              <a:buAutoNum type="arabicPeriod"/>
+            </a:pPr>
+            <a:r>
+              <a:rPr lang="en-US" sz="800" b="0" i="0" dirty="0">
+                <a:solidFill>
+                  <a:srgbClr val="000000"/>
+                </a:solidFill>
+                <a:effectLst/>
+                <a:latin typeface="+mj-lt"/>
+              </a:rPr>
+              <a:t>&lt;source&gt;</a:t>
+            </a:r>
+            <a:endParaRPr lang="en-US" sz="800" dirty="0">
+              <a:solidFill>
+                <a:srgbClr val="000000"/>
+              </a:solidFill>
+              <a:latin typeface="+mj-lt"/>
+            </a:endParaRPr>
+          </a:p>
+          <a:p>
+            <a:pPr marL="228600" indent="-228600">
+              <a:lnSpc>
+                <a:spcPct val="100000"/>
+              </a:lnSpc>
+              <a:buAutoNum type="arabicPeriod"/>
+            </a:pPr>
+            <a:r>
+              <a:rPr lang="en-US" sz="800" b="0" i="0" dirty="0">
+                <a:solidFill>
+                  <a:srgbClr val="000000"/>
+                </a:solidFill>
+                <a:effectLst/>
+                <a:latin typeface="+mj-lt"/>
+              </a:rPr>
+              <a:t>&lt;source&gt;</a:t>
+            </a:r>
+            <a:endParaRPr lang="en-US" sz="800" dirty="0">
+              <a:solidFill>
+                <a:srgbClr val="000000"/>
+              </a:solidFill>
+              <a:latin typeface="+mj-lt"/>
+            </a:endParaRPr>
+          </a:p>
+          <a:p>
+            <a:pPr marL="228600" indent="-228600">
+              <a:lnSpc>
+                <a:spcPct val="100000"/>
+              </a:lnSpc>
+              <a:buAutoNum type="arabicPeriod"/>
+            </a:pPr>
+            <a:r>
+              <a:rPr lang="en-US" sz="800" b="0" i="0" dirty="0">
+                <a:solidFill>
+                  <a:srgbClr val="000000"/>
+                </a:solidFill>
+                <a:effectLst/>
+                <a:latin typeface="+mj-lt"/>
+              </a:rPr>
+              <a:t>&lt;source&gt;</a:t>
+            </a:r>
+            <a:endParaRPr lang="en-US" sz="800" dirty="0">
+              <a:solidFill>
+                <a:srgbClr val="000000"/>
+              </a:solidFill>
+              <a:latin typeface="+mj-lt"/>
+            </a:endParaRPr>
+          </a:p>
+          <a:p>
+            <a:pPr marL="228600" indent="-228600">
+              <a:lnSpc>
+                <a:spcPct val="100000"/>
+              </a:lnSpc>
+              <a:buAutoNum type="arabicPeriod"/>
+            </a:pPr>
+            <a:r>
+              <a:rPr lang="en-US" sz="800" b="0" i="0" dirty="0">
+                <a:solidFill>
+                  <a:srgbClr val="000000"/>
+                </a:solidFill>
+                <a:effectLst/>
+                <a:latin typeface="+mj-lt"/>
+              </a:rPr>
+              <a:t>&lt;source&gt;</a:t>
+            </a:r>
+            <a:endParaRPr lang="en-US" sz="800" dirty="0">
+              <a:solidFill>
+                <a:srgbClr val="000000"/>
+              </a:solidFill>
+              <a:latin typeface="+mj-lt"/>
+            </a:endParaRPr>
+          </a:p>
+          <a:p>
+            <a:pPr marL="228600" indent="-228600">
+              <a:lnSpc>
+                <a:spcPct val="100000"/>
+              </a:lnSpc>
+              <a:buAutoNum type="arabicPeriod"/>
+            </a:pPr>
+            <a:r>
+              <a:rPr lang="en-US" sz="800" b="0" i="0" dirty="0">
+                <a:solidFill>
+                  <a:srgbClr val="000000"/>
+                </a:solidFill>
+                <a:effectLst/>
+                <a:latin typeface="+mj-lt"/>
+              </a:rPr>
+              <a:t>&lt;source&gt;</a:t>
+            </a:r>
+            <a:endParaRPr lang="en-US" sz="800" dirty="0">
+              <a:solidFill>
+                <a:srgbClr val="000000"/>
+              </a:solidFill>
+              <a:latin typeface="+mj-lt"/>
+            </a:endParaRPr>
+          </a:p>
+          <a:p>
+            <a:pPr marL="228600" indent="-228600">
+              <a:lnSpc>
+                <a:spcPct val="100000"/>
+              </a:lnSpc>
+              <a:buAutoNum type="arabicPeriod"/>
+            </a:pPr>
+            <a:r>
+              <a:rPr lang="en-US" sz="800" b="0" i="0" dirty="0">
+                <a:solidFill>
+                  <a:srgbClr val="000000"/>
+                </a:solidFill>
+                <a:effectLst/>
+                <a:latin typeface="+mj-lt"/>
+              </a:rPr>
+              <a:t>&lt;source&gt;</a:t>
+            </a:r>
+            <a:endParaRPr lang="en-US" sz="800" dirty="0">
+              <a:solidFill>
+                <a:srgbClr val="000000"/>
+              </a:solidFill>
+              <a:latin typeface="+mj-lt"/>
+            </a:endParaRPr>
+          </a:p>
+          <a:p>
+            <a:pPr marL="228600" indent="-228600">
+              <a:lnSpc>
+                <a:spcPct val="100000"/>
+              </a:lnSpc>
+              <a:buAutoNum type="arabicPeriod"/>
+            </a:pPr>
+            <a:r>
+              <a:rPr lang="en-US" sz="800" b="0" i="0" dirty="0">
+                <a:solidFill>
+                  <a:srgbClr val="000000"/>
+                </a:solidFill>
+                <a:effectLst/>
+                <a:latin typeface="+mj-lt"/>
+              </a:rPr>
+              <a:t>&lt;source&gt;</a:t>
+            </a:r>
+            <a:endParaRPr lang="en-US" sz="800" dirty="0">
+              <a:solidFill>
+                <a:srgbClr val="000000"/>
+              </a:solidFill>
+              <a:latin typeface="+mj-lt"/>
+            </a:endParaRPr>
+          </a:p>
+          <a:p>
+            <a:pPr marL="228600" indent="-228600">
+              <a:lnSpc>
+                <a:spcPct val="100000"/>
+              </a:lnSpc>
+              <a:buAutoNum type="arabicPeriod"/>
+            </a:pPr>
+            <a:r>
+              <a:rPr lang="en-US" sz="800" b="0" i="0" dirty="0">
+                <a:solidFill>
+                  <a:srgbClr val="000000"/>
+                </a:solidFill>
+                <a:effectLst/>
+                <a:latin typeface="+mj-lt"/>
+              </a:rPr>
+              <a:t> &lt;source&gt;</a:t>
+            </a:r>
+          </a:p>
+          <a:p>
+            <a:pPr marL="228600" indent="-228600">
+              <a:lnSpc>
+                <a:spcPct val="100000"/>
+              </a:lnSpc>
+              <a:buFont typeface="Arial" panose="020B0604020202020204" pitchFamily="34" charset="0"/>
+              <a:buAutoNum type="arabicPeriod"/>
+            </a:pPr>
+            <a:r>
+              <a:rPr lang="en-US" sz="800" b="0" i="0" dirty="0">
+                <a:solidFill>
+                  <a:srgbClr val="000000"/>
+                </a:solidFill>
+                <a:effectLst/>
+                <a:latin typeface="+mj-lt"/>
+              </a:rPr>
+              <a:t>&lt;source&gt;</a:t>
+            </a:r>
+            <a:endParaRPr lang="en-US" sz="800" dirty="0">
+              <a:solidFill>
+                <a:srgbClr val="000000"/>
+              </a:solidFill>
+              <a:latin typeface="+mj-lt"/>
+            </a:endParaRPr>
+          </a:p>
+          <a:p>
+            <a:pPr marL="228600" indent="-228600">
+              <a:lnSpc>
+                <a:spcPct val="100000"/>
+              </a:lnSpc>
+              <a:buFont typeface="Arial" panose="020B0604020202020204" pitchFamily="34" charset="0"/>
+              <a:buAutoNum type="arabicPeriod"/>
+            </a:pPr>
+            <a:r>
+              <a:rPr lang="en-US" sz="800" b="0" i="0" dirty="0">
+                <a:solidFill>
+                  <a:srgbClr val="000000"/>
+                </a:solidFill>
+                <a:effectLst/>
+                <a:latin typeface="+mj-lt"/>
+              </a:rPr>
+              <a:t>&lt;source&gt;</a:t>
+            </a:r>
+            <a:endParaRPr lang="en-US" sz="800" dirty="0">
+              <a:solidFill>
+                <a:srgbClr val="000000"/>
+              </a:solidFill>
+              <a:latin typeface="+mj-lt"/>
+            </a:endParaRPr>
+          </a:p>
+          <a:p>
+            <a:pPr marL="228600" indent="-228600">
+              <a:lnSpc>
+                <a:spcPct val="100000"/>
+              </a:lnSpc>
+              <a:buFont typeface="Arial" panose="020B0604020202020204" pitchFamily="34" charset="0"/>
+              <a:buAutoNum type="arabicPeriod"/>
+            </a:pPr>
+            <a:r>
+              <a:rPr lang="en-US" sz="800" b="0" i="0" dirty="0">
+                <a:solidFill>
+                  <a:srgbClr val="000000"/>
+                </a:solidFill>
+                <a:effectLst/>
+                <a:latin typeface="+mj-lt"/>
+              </a:rPr>
+              <a:t>&lt;source&gt;</a:t>
+            </a:r>
+            <a:endParaRPr lang="en-US" sz="800" dirty="0">
+              <a:solidFill>
+                <a:srgbClr val="000000"/>
+              </a:solidFill>
+              <a:latin typeface="+mj-lt"/>
+            </a:endParaRPr>
+          </a:p>
+          <a:p>
+            <a:pPr marL="228600" indent="-228600">
+              <a:lnSpc>
+                <a:spcPct val="100000"/>
+              </a:lnSpc>
+              <a:buFont typeface="Arial" panose="020B0604020202020204" pitchFamily="34" charset="0"/>
+              <a:buAutoNum type="arabicPeriod"/>
+            </a:pPr>
+            <a:r>
+              <a:rPr lang="en-US" sz="800" b="0" i="0" dirty="0">
+                <a:solidFill>
+                  <a:srgbClr val="000000"/>
+                </a:solidFill>
+                <a:effectLst/>
+                <a:latin typeface="+mj-lt"/>
+              </a:rPr>
+              <a:t>&lt;source&gt;</a:t>
+            </a:r>
+            <a:endParaRPr lang="en-US" sz="800" dirty="0">
+              <a:solidFill>
+                <a:srgbClr val="000000"/>
+              </a:solidFill>
+              <a:latin typeface="+mj-lt"/>
+            </a:endParaRPr>
+          </a:p>
+          <a:p>
+            <a:pPr marL="228600" indent="-228600">
+              <a:lnSpc>
+                <a:spcPct val="100000"/>
+              </a:lnSpc>
+              <a:buFont typeface="Arial" panose="020B0604020202020204" pitchFamily="34" charset="0"/>
+              <a:buAutoNum type="arabicPeriod"/>
+            </a:pPr>
+            <a:r>
+              <a:rPr lang="en-US" sz="800" b="0" i="0" dirty="0">
+                <a:solidFill>
+                  <a:srgbClr val="000000"/>
+                </a:solidFill>
+                <a:effectLst/>
+                <a:latin typeface="+mj-lt"/>
+              </a:rPr>
+              <a:t>&lt;source&gt;</a:t>
+            </a:r>
+            <a:endParaRPr lang="en-US" sz="800" dirty="0">
+              <a:solidFill>
+                <a:srgbClr val="000000"/>
+              </a:solidFill>
+              <a:latin typeface="+mj-lt"/>
+            </a:endParaRPr>
+          </a:p>
+          <a:p>
+            <a:pPr marL="228600" indent="-228600">
+              <a:lnSpc>
+                <a:spcPct val="100000"/>
+              </a:lnSpc>
+              <a:buFont typeface="Arial" panose="020B0604020202020204" pitchFamily="34" charset="0"/>
+              <a:buAutoNum type="arabicPeriod"/>
+            </a:pPr>
+            <a:r>
+              <a:rPr lang="en-US" sz="800" b="0" i="0" dirty="0">
+                <a:solidFill>
+                  <a:srgbClr val="000000"/>
+                </a:solidFill>
+                <a:effectLst/>
+                <a:latin typeface="+mj-lt"/>
+              </a:rPr>
+              <a:t>&lt;source&gt;</a:t>
+            </a:r>
+            <a:endParaRPr lang="en-US" sz="800" dirty="0">
+              <a:solidFill>
+                <a:srgbClr val="000000"/>
+              </a:solidFill>
+              <a:latin typeface="+mj-lt"/>
+            </a:endParaRPr>
+          </a:p>
+          <a:p>
+            <a:pPr marL="228600" indent="-228600">
+              <a:lnSpc>
+                <a:spcPct val="100000"/>
+              </a:lnSpc>
+              <a:buFont typeface="Arial" panose="020B0604020202020204" pitchFamily="34" charset="0"/>
+              <a:buAutoNum type="arabicPeriod"/>
+            </a:pPr>
+            <a:r>
+              <a:rPr lang="en-US" sz="800" b="0" i="0" dirty="0">
+                <a:solidFill>
+                  <a:srgbClr val="000000"/>
+                </a:solidFill>
+                <a:effectLst/>
+                <a:latin typeface="+mj-lt"/>
+              </a:rPr>
+              <a:t>&lt;source&gt;</a:t>
+            </a:r>
+            <a:endParaRPr lang="en-US" sz="800" dirty="0">
+              <a:solidFill>
+                <a:srgbClr val="000000"/>
+              </a:solidFill>
+              <a:latin typeface="+mj-lt"/>
+            </a:endParaRPr>
+          </a:p>
+          <a:p>
+            <a:pPr marL="228600" indent="-228600">
+              <a:lnSpc>
+                <a:spcPct val="100000"/>
+              </a:lnSpc>
+              <a:buFont typeface="Arial" panose="020B0604020202020204" pitchFamily="34" charset="0"/>
+              <a:buAutoNum type="arabicPeriod"/>
+            </a:pPr>
+            <a:r>
+              <a:rPr lang="en-US" sz="800" b="0" i="0" dirty="0">
+                <a:solidFill>
+                  <a:srgbClr val="000000"/>
+                </a:solidFill>
+                <a:effectLst/>
+                <a:latin typeface="+mj-lt"/>
+              </a:rPr>
+              <a:t>&lt;source&gt;</a:t>
+            </a:r>
+            <a:endParaRPr lang="en-US" sz="800" dirty="0">
+              <a:solidFill>
+                <a:srgbClr val="000000"/>
+              </a:solidFill>
+              <a:latin typeface="+mj-lt"/>
+            </a:endParaRPr>
+          </a:p>
+          <a:p>
+            <a:pPr marL="228600" indent="-228600">
+              <a:lnSpc>
+                <a:spcPct val="100000"/>
+              </a:lnSpc>
+              <a:buFont typeface="Arial" panose="020B0604020202020204" pitchFamily="34" charset="0"/>
+              <a:buAutoNum type="arabicPeriod"/>
+            </a:pPr>
+            <a:r>
+              <a:rPr lang="en-US" sz="800" b="0" i="0" dirty="0">
+                <a:solidFill>
+                  <a:srgbClr val="000000"/>
+                </a:solidFill>
+                <a:effectLst/>
+                <a:latin typeface="+mj-lt"/>
+              </a:rPr>
+              <a:t>&lt;source&gt;</a:t>
+            </a:r>
+            <a:endParaRPr lang="en-US" sz="800" dirty="0">
+              <a:solidFill>
+                <a:srgbClr val="000000"/>
+              </a:solidFill>
+              <a:latin typeface="+mj-lt"/>
+            </a:endParaRPr>
+          </a:p>
+          <a:p>
+            <a:pPr marL="228600" indent="-228600">
+              <a:lnSpc>
+                <a:spcPct val="100000"/>
+              </a:lnSpc>
+              <a:buFont typeface="Arial" panose="020B0604020202020204" pitchFamily="34" charset="0"/>
+              <a:buAutoNum type="arabicPeriod"/>
+            </a:pPr>
+            <a:r>
+              <a:rPr lang="en-US" sz="800" b="0" i="0" dirty="0">
+                <a:solidFill>
+                  <a:srgbClr val="000000"/>
+                </a:solidFill>
+                <a:effectLst/>
+                <a:latin typeface="+mj-lt"/>
+              </a:rPr>
+              <a:t>&lt;source&gt;</a:t>
+            </a:r>
+            <a:endParaRPr lang="en-US" sz="800" dirty="0">
+              <a:solidFill>
+                <a:srgbClr val="000000"/>
+              </a:solidFill>
+              <a:latin typeface="+mj-lt"/>
+            </a:endParaRPr>
+          </a:p>
+          <a:p>
+            <a:pPr marL="228600" indent="-228600">
+              <a:lnSpc>
+                <a:spcPct val="100000"/>
+              </a:lnSpc>
+              <a:buFont typeface="Arial" panose="020B0604020202020204" pitchFamily="34" charset="0"/>
+              <a:buAutoNum type="arabicPeriod"/>
+            </a:pPr>
+            <a:r>
+              <a:rPr lang="en-US" sz="800" b="0" i="0" dirty="0">
+                <a:solidFill>
+                  <a:srgbClr val="000000"/>
+                </a:solidFill>
+                <a:effectLst/>
+                <a:latin typeface="+mj-lt"/>
+              </a:rPr>
+              <a:t>&lt;source&gt;</a:t>
+            </a:r>
+            <a:endParaRPr lang="en-US" sz="800" dirty="0">
+              <a:solidFill>
+                <a:srgbClr val="000000"/>
+              </a:solidFill>
+              <a:latin typeface="+mj-lt"/>
+            </a:endParaRPr>
+          </a:p>
+          <a:p>
+            <a:pPr marL="228600" indent="-228600">
+              <a:lnSpc>
+                <a:spcPct val="100000"/>
+              </a:lnSpc>
+              <a:buFont typeface="Arial" panose="020B0604020202020204" pitchFamily="34" charset="0"/>
+              <a:buAutoNum type="arabicPeriod"/>
+            </a:pPr>
+            <a:r>
+              <a:rPr lang="en-US" sz="800" b="0" i="0" dirty="0">
+                <a:solidFill>
+                  <a:srgbClr val="000000"/>
+                </a:solidFill>
+                <a:effectLst/>
+                <a:latin typeface="+mj-lt"/>
+              </a:rPr>
+              <a:t>&lt;source&gt;</a:t>
+            </a:r>
+            <a:endParaRPr lang="en-US" sz="800" dirty="0">
+              <a:solidFill>
+                <a:srgbClr val="000000"/>
+              </a:solidFill>
+              <a:latin typeface="+mj-lt"/>
+            </a:endParaRPr>
+          </a:p>
+          <a:p>
+            <a:pPr marL="228600" indent="-228600">
+              <a:lnSpc>
+                <a:spcPct val="100000"/>
+              </a:lnSpc>
+              <a:buFont typeface="Arial" panose="020B0604020202020204" pitchFamily="34" charset="0"/>
+              <a:buAutoNum type="arabicPeriod"/>
+            </a:pPr>
+            <a:r>
+              <a:rPr lang="en-US" sz="800" b="0" i="0" dirty="0">
+                <a:solidFill>
+                  <a:srgbClr val="000000"/>
+                </a:solidFill>
+                <a:effectLst/>
+                <a:latin typeface="+mj-lt"/>
+              </a:rPr>
+              <a:t>&lt;source&gt;</a:t>
+            </a:r>
+            <a:endParaRPr lang="en-US" sz="800" dirty="0">
+              <a:solidFill>
+                <a:srgbClr val="000000"/>
+              </a:solidFill>
+              <a:latin typeface="+mj-lt"/>
+            </a:endParaRPr>
+          </a:p>
+          <a:p>
+            <a:pPr marL="228600" indent="-228600">
+              <a:lnSpc>
+                <a:spcPct val="100000"/>
+              </a:lnSpc>
+              <a:buFont typeface="Arial" panose="020B0604020202020204" pitchFamily="34" charset="0"/>
+              <a:buAutoNum type="arabicPeriod"/>
+            </a:pPr>
+            <a:r>
+              <a:rPr lang="en-US" sz="800" b="0" i="0" dirty="0">
+                <a:solidFill>
+                  <a:srgbClr val="000000"/>
+                </a:solidFill>
+                <a:effectLst/>
+                <a:latin typeface="+mj-lt"/>
+              </a:rPr>
+              <a:t>&lt;source&gt;</a:t>
+            </a:r>
+            <a:endParaRPr lang="en-US" sz="800" dirty="0">
+              <a:solidFill>
+                <a:srgbClr val="000000"/>
+              </a:solidFill>
+              <a:latin typeface="+mj-lt"/>
+            </a:endParaRPr>
+          </a:p>
+          <a:p>
+            <a:pPr marL="228600" indent="-228600">
+              <a:lnSpc>
+                <a:spcPct val="100000"/>
+              </a:lnSpc>
+              <a:buFont typeface="Arial" panose="020B0604020202020204" pitchFamily="34" charset="0"/>
+              <a:buAutoNum type="arabicPeriod"/>
+            </a:pPr>
+            <a:r>
+              <a:rPr lang="en-US" sz="800" b="0" i="0" dirty="0">
+                <a:solidFill>
+                  <a:srgbClr val="000000"/>
+                </a:solidFill>
+                <a:effectLst/>
+                <a:latin typeface="+mj-lt"/>
+              </a:rPr>
+              <a:t>&lt;source&gt;</a:t>
+            </a:r>
+            <a:endParaRPr lang="en-US" sz="800" dirty="0">
+              <a:solidFill>
+                <a:srgbClr val="000000"/>
+              </a:solidFill>
+              <a:latin typeface="+mj-lt"/>
+            </a:endParaRPr>
+          </a:p>
+          <a:p>
+            <a:pPr marL="228600" indent="-228600">
+              <a:lnSpc>
+                <a:spcPct val="100000"/>
+              </a:lnSpc>
+              <a:buFont typeface="Arial" panose="020B0604020202020204" pitchFamily="34" charset="0"/>
+              <a:buAutoNum type="arabicPeriod"/>
+            </a:pPr>
+            <a:r>
+              <a:rPr lang="en-US" sz="800" b="0" i="0" dirty="0">
+                <a:solidFill>
+                  <a:srgbClr val="000000"/>
+                </a:solidFill>
+                <a:effectLst/>
+                <a:latin typeface="+mj-lt"/>
+              </a:rPr>
+              <a:t>&lt;source&gt;</a:t>
+            </a:r>
+            <a:endParaRPr lang="en-US" sz="800" dirty="0">
+              <a:solidFill>
+                <a:srgbClr val="000000"/>
+              </a:solidFill>
+              <a:latin typeface="+mj-lt"/>
+            </a:endParaRPr>
+          </a:p>
+          <a:p>
+            <a:pPr marL="228600" indent="-228600">
+              <a:lnSpc>
+                <a:spcPct val="100000"/>
+              </a:lnSpc>
+              <a:buAutoNum type="arabicPeriod"/>
+            </a:pPr>
+            <a:r>
+              <a:rPr lang="en-US" sz="800" b="0" i="0" dirty="0">
+                <a:solidFill>
+                  <a:srgbClr val="000000"/>
+                </a:solidFill>
+                <a:effectLst/>
+                <a:latin typeface="+mj-lt"/>
+              </a:rPr>
+              <a:t>&lt;source&gt;</a:t>
+            </a:r>
+          </a:p>
+          <a:p>
+            <a:pPr marL="228600" indent="-228600">
+              <a:lnSpc>
+                <a:spcPct val="100000"/>
+              </a:lnSpc>
+              <a:buFont typeface="Arial" panose="020B0604020202020204" pitchFamily="34" charset="0"/>
+              <a:buAutoNum type="arabicPeriod"/>
+            </a:pPr>
+            <a:r>
+              <a:rPr lang="en-US" sz="800" b="0" i="0" dirty="0">
+                <a:solidFill>
+                  <a:srgbClr val="000000"/>
+                </a:solidFill>
+                <a:effectLst/>
+                <a:latin typeface="+mj-lt"/>
+              </a:rPr>
+              <a:t>&lt;source&gt;</a:t>
+            </a:r>
+            <a:endParaRPr lang="en-US" sz="800" dirty="0">
+              <a:solidFill>
+                <a:srgbClr val="000000"/>
+              </a:solidFill>
+              <a:latin typeface="+mj-lt"/>
+            </a:endParaRPr>
+          </a:p>
+          <a:p>
+            <a:pPr marL="228600" indent="-228600">
+              <a:lnSpc>
+                <a:spcPct val="100000"/>
+              </a:lnSpc>
+              <a:buFont typeface="Arial" panose="020B0604020202020204" pitchFamily="34" charset="0"/>
+              <a:buAutoNum type="arabicPeriod"/>
+            </a:pPr>
+            <a:r>
+              <a:rPr lang="en-US" sz="800" b="0" i="0" dirty="0">
+                <a:solidFill>
+                  <a:srgbClr val="000000"/>
+                </a:solidFill>
+                <a:effectLst/>
+                <a:latin typeface="+mj-lt"/>
+              </a:rPr>
+              <a:t>&lt;source&gt;</a:t>
+            </a:r>
+            <a:endParaRPr lang="en-US" sz="800" dirty="0">
+              <a:solidFill>
+                <a:srgbClr val="000000"/>
+              </a:solidFill>
+              <a:latin typeface="+mj-lt"/>
+            </a:endParaRPr>
+          </a:p>
+          <a:p>
+            <a:pPr marL="228600" indent="-228600">
+              <a:lnSpc>
+                <a:spcPct val="100000"/>
+              </a:lnSpc>
+              <a:buFont typeface="Arial" panose="020B0604020202020204" pitchFamily="34" charset="0"/>
+              <a:buAutoNum type="arabicPeriod"/>
+            </a:pPr>
+            <a:r>
+              <a:rPr lang="en-US" sz="800" b="0" i="0" dirty="0">
+                <a:solidFill>
+                  <a:srgbClr val="000000"/>
+                </a:solidFill>
+                <a:effectLst/>
+                <a:latin typeface="+mj-lt"/>
+              </a:rPr>
+              <a:t>&lt;source&gt;</a:t>
+            </a:r>
+            <a:endParaRPr lang="en-US" sz="800" dirty="0">
+              <a:solidFill>
+                <a:srgbClr val="000000"/>
+              </a:solidFill>
+              <a:latin typeface="+mj-lt"/>
+            </a:endParaRPr>
+          </a:p>
+          <a:p>
+            <a:pPr marL="228600" indent="-228600">
+              <a:lnSpc>
+                <a:spcPct val="100000"/>
+              </a:lnSpc>
+              <a:buFont typeface="Arial" panose="020B0604020202020204" pitchFamily="34" charset="0"/>
+              <a:buAutoNum type="arabicPeriod"/>
+            </a:pPr>
+            <a:r>
+              <a:rPr lang="en-US" sz="800" b="0" i="0" dirty="0">
+                <a:solidFill>
+                  <a:srgbClr val="000000"/>
+                </a:solidFill>
+                <a:effectLst/>
+                <a:latin typeface="+mj-lt"/>
+              </a:rPr>
+              <a:t>&lt;source&gt;</a:t>
+            </a:r>
+            <a:endParaRPr lang="en-US" sz="800" dirty="0">
+              <a:solidFill>
+                <a:srgbClr val="000000"/>
+              </a:solidFill>
+              <a:latin typeface="+mj-lt"/>
+            </a:endParaRPr>
+          </a:p>
+          <a:p>
+            <a:pPr marL="228600" indent="-228600">
+              <a:lnSpc>
+                <a:spcPct val="100000"/>
+              </a:lnSpc>
+              <a:buFont typeface="Arial" panose="020B0604020202020204" pitchFamily="34" charset="0"/>
+              <a:buAutoNum type="arabicPeriod"/>
+            </a:pPr>
+            <a:r>
+              <a:rPr lang="en-US" sz="800" b="0" i="0" dirty="0">
+                <a:solidFill>
+                  <a:srgbClr val="000000"/>
+                </a:solidFill>
+                <a:effectLst/>
+                <a:latin typeface="+mj-lt"/>
+              </a:rPr>
+              <a:t>&lt;source&gt;</a:t>
+            </a:r>
+            <a:endParaRPr lang="en-US" sz="800" dirty="0">
+              <a:solidFill>
+                <a:srgbClr val="000000"/>
+              </a:solidFill>
+              <a:latin typeface="+mj-lt"/>
+            </a:endParaRPr>
+          </a:p>
+          <a:p>
+            <a:pPr marL="228600" indent="-228600">
+              <a:lnSpc>
+                <a:spcPct val="100000"/>
+              </a:lnSpc>
+              <a:buFont typeface="Arial" panose="020B0604020202020204" pitchFamily="34" charset="0"/>
+              <a:buAutoNum type="arabicPeriod"/>
+            </a:pPr>
+            <a:r>
+              <a:rPr lang="en-US" sz="800" b="0" i="0" dirty="0">
+                <a:solidFill>
+                  <a:srgbClr val="000000"/>
+                </a:solidFill>
+                <a:effectLst/>
+                <a:latin typeface="+mj-lt"/>
+              </a:rPr>
+              <a:t>&lt;source&gt;</a:t>
+            </a:r>
+            <a:endParaRPr lang="en-US" sz="800" dirty="0">
+              <a:solidFill>
+                <a:srgbClr val="000000"/>
+              </a:solidFill>
+              <a:latin typeface="+mj-lt"/>
+            </a:endParaRPr>
+          </a:p>
+          <a:p>
+            <a:pPr marL="228600" indent="-228600">
+              <a:lnSpc>
+                <a:spcPct val="100000"/>
+              </a:lnSpc>
+              <a:buFont typeface="Arial" panose="020B0604020202020204" pitchFamily="34" charset="0"/>
+              <a:buAutoNum type="arabicPeriod"/>
+            </a:pPr>
+            <a:r>
+              <a:rPr lang="en-US" sz="800" b="0" i="0" dirty="0">
+                <a:solidFill>
+                  <a:srgbClr val="000000"/>
+                </a:solidFill>
+                <a:effectLst/>
+                <a:latin typeface="+mj-lt"/>
+              </a:rPr>
+              <a:t>&lt;source&gt;</a:t>
+            </a:r>
+            <a:endParaRPr lang="en-US" sz="800" dirty="0">
+              <a:solidFill>
+                <a:srgbClr val="000000"/>
+              </a:solidFill>
+              <a:latin typeface="+mj-lt"/>
+            </a:endParaRPr>
+          </a:p>
+          <a:p>
+            <a:pPr marL="228600" indent="-228600">
+              <a:lnSpc>
+                <a:spcPct val="100000"/>
+              </a:lnSpc>
+              <a:buFont typeface="Arial" panose="020B0604020202020204" pitchFamily="34" charset="0"/>
+              <a:buAutoNum type="arabicPeriod"/>
+            </a:pPr>
+            <a:r>
+              <a:rPr lang="en-US" sz="800" b="0" i="0" dirty="0">
+                <a:solidFill>
+                  <a:srgbClr val="000000"/>
+                </a:solidFill>
+                <a:effectLst/>
+                <a:latin typeface="+mj-lt"/>
+              </a:rPr>
+              <a:t>&lt;source&gt;</a:t>
+            </a:r>
+            <a:endParaRPr lang="en-US" sz="800" dirty="0">
+              <a:solidFill>
+                <a:srgbClr val="000000"/>
+              </a:solidFill>
+              <a:latin typeface="+mj-lt"/>
+            </a:endParaRPr>
+          </a:p>
+          <a:p>
+            <a:pPr marL="228600" indent="-228600">
+              <a:lnSpc>
+                <a:spcPct val="100000"/>
+              </a:lnSpc>
+              <a:buFont typeface="Arial" panose="020B0604020202020204" pitchFamily="34" charset="0"/>
+              <a:buAutoNum type="arabicPeriod"/>
+            </a:pPr>
+            <a:r>
+              <a:rPr lang="en-US" sz="800" b="0" i="0" dirty="0">
+                <a:solidFill>
+                  <a:srgbClr val="000000"/>
+                </a:solidFill>
+                <a:effectLst/>
+                <a:latin typeface="+mj-lt"/>
+              </a:rPr>
+              <a:t>&lt;source&gt;</a:t>
+            </a:r>
+            <a:endParaRPr lang="en-US" sz="800" dirty="0">
+              <a:solidFill>
+                <a:srgbClr val="000000"/>
+              </a:solidFill>
+              <a:latin typeface="+mj-lt"/>
+            </a:endParaRPr>
+          </a:p>
+          <a:p>
+            <a:pPr marL="228600" indent="-228600">
+              <a:lnSpc>
+                <a:spcPct val="100000"/>
+              </a:lnSpc>
+              <a:buAutoNum type="arabicPeriod"/>
+            </a:pPr>
+            <a:endParaRPr lang="en-US" sz="800" dirty="0">
+              <a:solidFill>
+                <a:srgbClr val="000000"/>
+              </a:solidFill>
+              <a:latin typeface="+mj-lt"/>
+            </a:endParaRPr>
+          </a:p>
+        </p:txBody>
+      </p:sp>
+      <p:sp>
+        <p:nvSpPr>
           <p:cNvPr id="2" name="Titre 1">
             <a:extLst>
               <a:ext uri="{FF2B5EF4-FFF2-40B4-BE49-F238E27FC236}">
-                <a16:creationId xmlns:a16="http://schemas.microsoft.com/office/drawing/2014/main" id="{486D4E87-2BC6-989D-C31B-C94C23654F8A}"/>
+                <a16:creationId xmlns:a16="http://schemas.microsoft.com/office/drawing/2014/main" id="{0EB308C9-B187-9F32-110B-1A1B89D3DD46}"/>
               </a:ext>
             </a:extLst>
           </p:cNvPr>
@@ -2273,14 +3966,12 @@
         </p:nvSpPr>
         <p:spPr>
           <a:xfrm>
-            <a:off x="138545" y="115000"/>
+            <a:off x="138545" y="486838"/>
             <a:ext cx="6557819" cy="400000"/>
           </a:xfrm>
         </p:spPr>
         <p:txBody>
-          <a:bodyPr>
-            <a:normAutofit fontScale="90000"/>
-          </a:bodyPr>
+          <a:bodyPr/>
           <a:lstStyle/>
           <a:p>
             <a:pPr>
@@ -2291,410 +3982,7 @@
               </a:defRPr>
             </a:pPr>
             <a:r>
-              <a:t>Canada</a:t>
-            </a:r>
-          </a:p>
-        </p:txBody>
-      </p:sp>
-      <p:sp>
-        <p:nvSpPr>
-          <p:cNvPr id="3" name="TextBox 2"/>
-          <p:cNvSpPr txBox="1"/>
-          <p:nvPr/>
-        </p:nvSpPr>
-        <p:spPr>
-          <a:xfrm>
-            <a:off x="0" y="530000"/>
-            <a:ext cx="6858000" cy="2059786"/>
-          </a:xfrm>
-          <a:prstGeom prst="rect">
-            <a:avLst/>
-          </a:prstGeom>
-          <a:noFill/>
-        </p:spPr>
-        <p:txBody>
-          <a:bodyPr wrap="none">
-            <a:spAutoFit/>
-          </a:bodyPr>
-          <a:lstStyle/>
-          <a:p>
-            <a:pPr>
-              <a:defRPr sz="1000"/>
-            </a:pPr>
-            <a:r>
-              <a:t>CENGN, une organisation basée à Ottawa, possède une serre intelligente en Ontario qui utilise</a:t>
-            </a:r>
-            <a:br/>
-            <a:r>
-              <a:t>l’Internet des objets pour s’automatiser, servant de laboratoire pour que les compagnies œuvrant</a:t>
-            </a:r>
-            <a:br/>
-            <a:r>
-              <a:t>dans le domaine des technologies de l’agriculture puissent prototyper². L’infrastructure récolte</a:t>
-            </a:r>
-            <a:br/>
-            <a:r>
-              <a:t>constamment des données comme l’humidité, la température et des images provenant d’objets</a:t>
-            </a:r>
-            <a:br/>
-            <a:r>
-              <a:t>connectés. Le CENGN utilise l’informatique de périphérie pour traiter ces données sur des</a:t>
-            </a:r>
-            <a:br/>
-            <a:r>
-              <a:t>serveurs mis en place directement sur le site de la serre. Les serveurs utilisent ces données</a:t>
-            </a:r>
-            <a:br/>
-            <a:r>
-              <a:t>pour prendre une décision et renvoie une réponse aux objets connectés en conséquence. Malgré que</a:t>
-            </a:r>
-            <a:br/>
-            <a:r>
-              <a:t>ce ne soit qu’un prototype, l’organisation croit que les futures serres intelligentes utiliseront</a:t>
-            </a:r>
-            <a:br/>
-            <a:r>
-              <a:t>l’informatique de périphérie plutôt que d’utiliser un fournisseur infonuagique certainement situé</a:t>
-            </a:r>
-            <a:br/>
-            <a:r>
-              <a:t>plus loin géographiquement. Au lieu que les données fassent des aller-retours sur de longues</a:t>
-            </a:r>
-            <a:br/>
-            <a:r>
-              <a:t>distances, cela fait en sorte que les données provenant des capteurs de la serre ont une très</a:t>
-            </a:r>
-            <a:br/>
-            <a:r>
-              <a:t>petite distance à parcourir avant d’être analysés, donc une plus petite latence et une</a:t>
-            </a:r>
-            <a:br/>
-            <a:r>
-              <a:t>utilisation moins gourmande du réseau.</a:t>
-            </a:r>
-          </a:p>
-        </p:txBody>
-      </p:sp>
-      <p:sp>
-        <p:nvSpPr>
-          <p:cNvPr id="9" name="Titre 1">
-            <a:extLst>
-              <a:ext uri="{FF2B5EF4-FFF2-40B4-BE49-F238E27FC236}">
-                <a16:creationId xmlns:a16="http://schemas.microsoft.com/office/drawing/2014/main" id="{486D4E87-2BC6-989D-C31B-C94C23654F8A}"/>
-              </a:ext>
-            </a:extLst>
-          </p:cNvPr>
-          <p:cNvSpPr>
-            <a:spLocks noGrp="1"/>
-          </p:cNvSpPr>
-          <p:nvPr>
-            <p:ph type="title"/>
-          </p:nvPr>
-        </p:nvSpPr>
-        <p:spPr>
-          <a:xfrm>
-            <a:off x="138545" y="2604786"/>
-            <a:ext cx="6557819" cy="400000"/>
-          </a:xfrm>
-        </p:spPr>
-        <p:txBody>
-          <a:bodyPr>
-            <a:normAutofit fontScale="90000"/>
-          </a:bodyPr>
-          <a:lstStyle/>
-          <a:p>
-            <a:pPr>
-              <a:defRPr b="1" i="1">
-                <a:solidFill>
-                  <a:schemeClr val="bg1"/>
-                </a:solidFill>
-              </a:defRPr>
-            </a:pPr>
-            <a:r>
-              <a:t>États-Unis</a:t>
-            </a:r>
-          </a:p>
-        </p:txBody>
-      </p:sp>
-      <p:sp>
-        <p:nvSpPr>
-          <p:cNvPr id="4" name="TextBox 3"/>
-          <p:cNvSpPr txBox="1"/>
-          <p:nvPr/>
-        </p:nvSpPr>
-        <p:spPr>
-          <a:xfrm>
-            <a:off x="138545" y="3019786"/>
-            <a:ext cx="6858000" cy="274320"/>
-          </a:xfrm>
-          <a:prstGeom prst="rect">
-            <a:avLst/>
-          </a:prstGeom>
-          <a:noFill/>
-        </p:spPr>
-        <p:txBody>
-          <a:bodyPr wrap="none">
-            <a:spAutoFit/>
-          </a:bodyPr>
-          <a:lstStyle/>
-          <a:p>
-            <a:pPr>
-              <a:defRPr sz="1100" b="1">
-                <a:solidFill>
-                  <a:schemeClr val="accent6"/>
-                </a:solidFill>
-              </a:defRPr>
-            </a:pPr>
-            <a:r>
-              <a:t>Technologies Web</a:t>
-            </a:r>
-          </a:p>
-        </p:txBody>
-      </p:sp>
-      <p:sp>
-        <p:nvSpPr>
-          <p:cNvPr id="5" name="TextBox 4"/>
-          <p:cNvSpPr txBox="1"/>
-          <p:nvPr/>
-        </p:nvSpPr>
-        <p:spPr>
-          <a:xfrm>
-            <a:off x="0" y="3294106"/>
-            <a:ext cx="6858000" cy="1710056"/>
-          </a:xfrm>
-          <a:prstGeom prst="rect">
-            <a:avLst/>
-          </a:prstGeom>
-          <a:noFill/>
-        </p:spPr>
-        <p:txBody>
-          <a:bodyPr wrap="none">
-            <a:spAutoFit/>
-          </a:bodyPr>
-          <a:lstStyle/>
-          <a:p>
-            <a:pPr>
-              <a:defRPr sz="1000"/>
-            </a:pPr>
-            <a:r>
-              <a:t>Cloudflare est une entreprise américaine qui offre des services de sécurité pour les sites web³.</a:t>
-            </a:r>
-            <a:br/>
-            <a:r>
-              <a:t>Les entreprises voulant un site web fiable et non-vulnérable, mais ne voulant pas s’occuper de</a:t>
-            </a:r>
-            <a:br/>
-            <a:r>
-              <a:t>toute la maintenance, utilisent Cloudflare. Ce service se place entre les utilisateurs et le site</a:t>
-            </a:r>
-            <a:br/>
-            <a:r>
-              <a:t>web et peut répartir les requêtes, s’assurant de ne pas surcharger le site en question. Si un</a:t>
-            </a:r>
-            <a:br/>
-            <a:r>
-              <a:t>utilisateur est au Québec et que le site web est hébergé à Londres, l’utilisateur va en premier</a:t>
-            </a:r>
-            <a:br/>
-            <a:r>
-              <a:t>devoir passer par le serveur de Cloudflare avant d’accéder au site web. Cela offre une protection</a:t>
-            </a:r>
-            <a:br/>
-            <a:r>
-              <a:t>au site, mais ajoute aussi une étape intermédiaire qui augmente la distance que doit parcourir</a:t>
-            </a:r>
-            <a:br/>
-            <a:r>
-              <a:t>les données et peut faire doubler le temps de chargement. Pour remédier à cela, Cloudflare a un</a:t>
-            </a:r>
-            <a:br/>
-            <a:r>
-              <a:t>réseau de serveurs périphériques à plusieurs endroits dans le monde, ce qui veut dire qu’il y a</a:t>
-            </a:r>
-            <a:br/>
-            <a:r>
-              <a:t>toujours un serveur à proximité de l’utilisateur. De cette manière, la latence est minimisée.</a:t>
-            </a:r>
-          </a:p>
-        </p:txBody>
-      </p:sp>
-      <p:sp>
-        <p:nvSpPr>
-          <p:cNvPr id="6" name="TextBox 5"/>
-          <p:cNvSpPr txBox="1"/>
-          <p:nvPr/>
-        </p:nvSpPr>
-        <p:spPr>
-          <a:xfrm>
-            <a:off x="0" y="5004162"/>
-            <a:ext cx="6858000" cy="1378732"/>
-          </a:xfrm>
-          <a:prstGeom prst="rect">
-            <a:avLst/>
-          </a:prstGeom>
-          <a:noFill/>
-        </p:spPr>
-        <p:txBody>
-          <a:bodyPr wrap="none">
-            <a:spAutoFit/>
-          </a:bodyPr>
-          <a:lstStyle/>
-          <a:p>
-            <a:pPr>
-              <a:defRPr sz="1000"/>
-            </a:pPr>
-            <a:r>
-              <a:t>L’informatique de périphérie est aussi utilisée par des solutions d’hébergement de sites web.</a:t>
-            </a:r>
-            <a:br/>
-            <a:r>
-              <a:t>Vercel est un hébergeur de sites web qui offre la possibilité de déployer son site sur plusieurs</a:t>
-            </a:r>
-            <a:br/>
-            <a:r>
-              <a:t>lieux géographiques en même temps. En effet, grâce à son “Edge Network”⁴, Vercel déploie les</a:t>
-            </a:r>
-            <a:br/>
-            <a:r>
-              <a:t>sites web de ses clients sur différents serveurs dans le monde. L’avantage est que si un</a:t>
-            </a:r>
-            <a:br/>
-            <a:r>
-              <a:t>utilisateur veut se connecter au site, il va se connecter au serveur le plus rapproché.</a:t>
-            </a:r>
-            <a:br/>
-            <a:r>
-              <a:t>Traditionnellement, un site web hébergé à un seul endroit ne pouvait pas offrir le même temps de</a:t>
-            </a:r>
-            <a:br/>
-            <a:r>
-              <a:t>chargement à tout le monde dépendamment de la position géographique des utilisateurs, mais avec</a:t>
-            </a:r>
-            <a:br/>
-            <a:r>
-              <a:t>l’informatique de périphérie, Vercel peut garantir un court temps de chargement peu importe</a:t>
-            </a:r>
-            <a:br/>
-            <a:r>
-              <a:t>l’emplacement.</a:t>
-            </a:r>
-          </a:p>
-        </p:txBody>
-      </p:sp>
-      <p:sp>
-        <p:nvSpPr>
-          <p:cNvPr id="7" name="TextBox 6"/>
-          <p:cNvSpPr txBox="1"/>
-          <p:nvPr/>
-        </p:nvSpPr>
-        <p:spPr>
-          <a:xfrm>
-            <a:off x="138545" y="6382894"/>
-            <a:ext cx="6858000" cy="274320"/>
-          </a:xfrm>
-          <a:prstGeom prst="rect">
-            <a:avLst/>
-          </a:prstGeom>
-          <a:noFill/>
-        </p:spPr>
-        <p:txBody>
-          <a:bodyPr wrap="none">
-            <a:spAutoFit/>
-          </a:bodyPr>
-          <a:lstStyle/>
-          <a:p>
-            <a:pPr>
-              <a:defRPr sz="1100" b="1">
-                <a:solidFill>
-                  <a:schemeClr val="accent6"/>
-                </a:solidFill>
-              </a:defRPr>
-            </a:pPr>
-            <a:r>
-              <a:t>Industriel</a:t>
-            </a:r>
-          </a:p>
-        </p:txBody>
-      </p:sp>
-      <p:sp>
-        <p:nvSpPr>
-          <p:cNvPr id="8" name="TextBox 7"/>
-          <p:cNvSpPr txBox="1"/>
-          <p:nvPr/>
-        </p:nvSpPr>
-        <p:spPr>
-          <a:xfrm>
-            <a:off x="0" y="6657214"/>
-            <a:ext cx="6858000" cy="2217081"/>
-          </a:xfrm>
-          <a:prstGeom prst="rect">
-            <a:avLst/>
-          </a:prstGeom>
-          <a:noFill/>
-        </p:spPr>
-        <p:txBody>
-          <a:bodyPr wrap="none">
-            <a:spAutoFit/>
-          </a:bodyPr>
-          <a:lstStyle/>
-          <a:p>
-            <a:pPr>
-              <a:defRPr sz="1000"/>
-            </a:pPr>
-            <a:r>
-              <a:t>Chevron, une compagnie dans l’industrie du pétrole, utilise l’informatique de périphérie pour</a:t>
-            </a:r>
-            <a:br/>
-            <a:r>
-              <a:t>plusieurs tâches. En effet, dû à ses opérations dans plusieurs endroits dans le monde, l’Internet</a:t>
-            </a:r>
-            <a:br/>
-            <a:r>
-              <a:t>n’est pas toujours facile d’accès. Par exemple, la compagnie possède des installations au large</a:t>
-            </a:r>
-            <a:br/>
-            <a:r>
-              <a:t>de la mer, les rendant très éloignées. Il est donc très approprié que les installations éloignées</a:t>
-            </a:r>
-            <a:br/>
-            <a:r>
-              <a:t>aient leurs propres serveurs sur place. Effectivement, leurs plateformes pétrolières collectent</a:t>
-            </a:r>
-            <a:br/>
-            <a:r>
-              <a:t>beaucoup de données provenant de capteurs qui surveillent la qualité de la machinerie⁵. Certains</a:t>
-            </a:r>
-            <a:br/>
-            <a:r>
-              <a:t>capteurs surveillent du matériel critique afin notamment d’assurer que la pression dans les</a:t>
-            </a:r>
-            <a:br/>
-            <a:r>
-              <a:t>tuyaux n’est pas trop élevée. Si ces capteurs détectent quelque chose d’anormal, il faut qu’ils</a:t>
-            </a:r>
-            <a:br/>
-            <a:r>
-              <a:t>agissent rapidement. Avoir des serveurs sur place leur permet de réduire la latence au maximum.</a:t>
-            </a:r>
-            <a:br/>
-            <a:r>
-              <a:t>En plus, ils sauvent beaucoup de bande passante, donc aussi de l’argent. Comme la compagnie opère</a:t>
-            </a:r>
-            <a:br/>
-            <a:r>
-              <a:t>dans différents pays, cela facilite aussi la conformité avec les lois sur la résidence des</a:t>
-            </a:r>
-            <a:br/>
-            <a:r>
-              <a:t>données de chaque pays⁶. Les données peuvent être traitées sur place de manière conforme aux lois</a:t>
-            </a:r>
-            <a:br/>
-            <a:r>
-              <a:t>du pays dans lequel les données sont collectées, avant d’être envoyées aux serveurs du siège</a:t>
-            </a:r>
-            <a:br/>
-            <a:r>
-              <a:t>social de Chevron.</a:t>
+              <a:t>Sources</a:t>
             </a:r>
           </a:p>
         </p:txBody>
@@ -2702,7 +3990,7 @@
     </p:spTree>
     <p:extLst>
       <p:ext uri="{BB962C8B-B14F-4D97-AF65-F5344CB8AC3E}">
-        <p14:creationId xmlns:p14="http://schemas.microsoft.com/office/powerpoint/2010/main" val="2707958192"/>
+        <p14:creationId xmlns:p14="http://schemas.microsoft.com/office/powerpoint/2010/main" val="3979554754"/>
       </p:ext>
     </p:extLst>
   </p:cSld>
@@ -2713,7 +4001,7 @@
 </file>
 
 <file path=ppt/slides/slide3.xml><?xml version="1.0" encoding="utf-8"?>
-<p:sld xmlns:a="http://schemas.openxmlformats.org/drawingml/2006/main" xmlns:r="http://schemas.openxmlformats.org/officeDocument/2006/relationships" xmlns:p="http://schemas.openxmlformats.org/presentationml/2006/main">
+<p:sld xmlns:a="http://schemas.openxmlformats.org/drawingml/2006/main" xmlns:p="http://schemas.openxmlformats.org/presentationml/2006/main" xmlns:r="http://schemas.openxmlformats.org/officeDocument/2006/relationships">
   <p:cSld>
     <p:spTree>
       <p:nvGrpSpPr>
@@ -2721,14 +4009,7 @@
         <p:cNvGrpSpPr/>
         <p:nvPr/>
       </p:nvGrpSpPr>
-      <p:grpSpPr>
-        <a:xfrm>
-          <a:off x="0" y="0"/>
-          <a:ext cx="0" cy="0"/>
-          <a:chOff x="0" y="0"/>
-          <a:chExt cx="0" cy="0"/>
-        </a:xfrm>
-      </p:grpSpPr>
+      <p:grpSpPr/>
       <p:sp>
         <p:nvSpPr>
           <p:cNvPr id="2" name="Title 1"/>
@@ -2746,9 +4027,7 @@
           </a:xfrm>
         </p:spPr>
         <p:txBody>
-          <a:bodyPr>
-            <a:normAutofit fontScale="90000"/>
-          </a:bodyPr>
+          <a:bodyPr/>
           <a:lstStyle/>
           <a:p>
             <a:pPr>
@@ -2759,7 +4038,7 @@
               </a:defRPr>
             </a:pPr>
             <a:r>
-              <a:t>France</a:t>
+              <a:t>États-Unis</a:t>
             </a:r>
           </a:p>
         </p:txBody>
@@ -2772,7 +4051,323 @@
         </p:nvSpPr>
         <p:spPr>
           <a:xfrm>
-            <a:off x="0" y="430000"/>
+            <a:off x="138545" y="430000"/>
+            <a:ext cx="6858000" cy="274320"/>
+          </a:xfrm>
+          <a:prstGeom prst="rect">
+            <a:avLst/>
+          </a:prstGeom>
+          <a:noFill/>
+        </p:spPr>
+        <p:txBody>
+          <a:bodyPr wrap="none">
+            <a:spAutoFit/>
+          </a:bodyPr>
+          <a:lstStyle/>
+          <a:p>
+            <a:pPr>
+              <a:defRPr sz="1100" b="1">
+                <a:solidFill>
+                  <a:schemeClr val="accent6"/>
+                </a:solidFill>
+              </a:defRPr>
+            </a:pPr>
+            <a:r>
+              <a:t>Technologies Web</a:t>
+            </a:r>
+          </a:p>
+        </p:txBody>
+      </p:sp>
+      <p:sp>
+        <p:nvSpPr>
+          <p:cNvPr id="4" name="TextBox 3"/>
+          <p:cNvSpPr txBox="1"/>
+          <p:nvPr/>
+        </p:nvSpPr>
+        <p:spPr>
+          <a:xfrm>
+            <a:off x="0" y="704320"/>
+            <a:ext cx="6858000" cy="1710056"/>
+          </a:xfrm>
+          <a:prstGeom prst="rect">
+            <a:avLst/>
+          </a:prstGeom>
+          <a:noFill/>
+        </p:spPr>
+        <p:txBody>
+          <a:bodyPr wrap="none">
+            <a:spAutoFit/>
+          </a:bodyPr>
+          <a:lstStyle/>
+          <a:p>
+            <a:pPr>
+              <a:defRPr sz="1000"/>
+            </a:pPr>
+            <a:r>
+              <a:t>Cloudflare est une entreprise américaine qui offre des services de sécurité pour les sites web³.</a:t>
+            </a:r>
+            <a:br/>
+            <a:r>
+              <a:t>Les entreprises voulant un site web fiable et non-vulnérable, mais ne voulant pas s’occuper de</a:t>
+            </a:r>
+            <a:br/>
+            <a:r>
+              <a:t>toute la maintenance, utilisent Cloudflare. Ce service se place entre les utilisateurs et le site</a:t>
+            </a:r>
+            <a:br/>
+            <a:r>
+              <a:t>web et peut répartir les requêtes, s’assurant de ne pas surcharger le site en question. Si un</a:t>
+            </a:r>
+            <a:br/>
+            <a:r>
+              <a:t>utilisateur est au Québec et que le site web est hébergé à Londres, l’utilisateur va en premier</a:t>
+            </a:r>
+            <a:br/>
+            <a:r>
+              <a:t>devoir passer par le serveur de Cloudflare avant d’accéder au site web. Cela offre une protection</a:t>
+            </a:r>
+            <a:br/>
+            <a:r>
+              <a:t>au site, mais ajoute aussi une étape intermédiaire qui augmente la distance que doit parcourir</a:t>
+            </a:r>
+            <a:br/>
+            <a:r>
+              <a:t>les données et peut faire doubler le temps de chargement. Pour remédier à cela, Cloudflare a un</a:t>
+            </a:r>
+            <a:br/>
+            <a:r>
+              <a:t>réseau de serveurs périphériques à plusieurs endroits dans le monde, ce qui veut dire qu’il y a</a:t>
+            </a:r>
+            <a:br/>
+            <a:r>
+              <a:t>toujours un serveur à proximité de l’utilisateur. De cette manière, la latence est minimisée.</a:t>
+            </a:r>
+          </a:p>
+        </p:txBody>
+      </p:sp>
+      <p:sp>
+        <p:nvSpPr>
+          <p:cNvPr id="5" name="TextBox 4"/>
+          <p:cNvSpPr txBox="1"/>
+          <p:nvPr/>
+        </p:nvSpPr>
+        <p:spPr>
+          <a:xfrm>
+            <a:off x="0" y="2414376"/>
+            <a:ext cx="6858000" cy="1378732"/>
+          </a:xfrm>
+          <a:prstGeom prst="rect">
+            <a:avLst/>
+          </a:prstGeom>
+          <a:noFill/>
+        </p:spPr>
+        <p:txBody>
+          <a:bodyPr wrap="none">
+            <a:spAutoFit/>
+          </a:bodyPr>
+          <a:lstStyle/>
+          <a:p>
+            <a:pPr>
+              <a:defRPr sz="1000"/>
+            </a:pPr>
+            <a:r>
+              <a:t>L’informatique de périphérie est aussi utilisée par des solutions d’hébergement de sites web.</a:t>
+            </a:r>
+            <a:br/>
+            <a:r>
+              <a:t>Vercel est un hébergeur de sites web qui offre la possibilité de déployer son site sur plusieurs</a:t>
+            </a:r>
+            <a:br/>
+            <a:r>
+              <a:t>lieux géographiques en même temps. En effet, grâce à son “Edge Network”⁴, Vercel déploie les</a:t>
+            </a:r>
+            <a:br/>
+            <a:r>
+              <a:t>sites web de ses clients sur différents serveurs dans le monde. L’avantage est que si un</a:t>
+            </a:r>
+            <a:br/>
+            <a:r>
+              <a:t>utilisateur veut se connecter au site, il va se connecter au serveur le plus rapproché.</a:t>
+            </a:r>
+            <a:br/>
+            <a:r>
+              <a:t>Traditionnellement, un site web hébergé à un seul endroit ne pouvait pas offrir le même temps de</a:t>
+            </a:r>
+            <a:br/>
+            <a:r>
+              <a:t>chargement à tout le monde dépendamment de la position géographique des utilisateurs, mais avec</a:t>
+            </a:r>
+            <a:br/>
+            <a:r>
+              <a:t>l’informatique de périphérie, Vercel peut garantir un court temps de chargement peu importe</a:t>
+            </a:r>
+            <a:br/>
+            <a:r>
+              <a:t>l’emplacement.</a:t>
+            </a:r>
+          </a:p>
+        </p:txBody>
+      </p:sp>
+      <p:sp>
+        <p:nvSpPr>
+          <p:cNvPr id="6" name="TextBox 5"/>
+          <p:cNvSpPr txBox="1"/>
+          <p:nvPr/>
+        </p:nvSpPr>
+        <p:spPr>
+          <a:xfrm>
+            <a:off x="138545" y="3793108"/>
+            <a:ext cx="6858000" cy="274320"/>
+          </a:xfrm>
+          <a:prstGeom prst="rect">
+            <a:avLst/>
+          </a:prstGeom>
+          <a:noFill/>
+        </p:spPr>
+        <p:txBody>
+          <a:bodyPr wrap="none">
+            <a:spAutoFit/>
+          </a:bodyPr>
+          <a:lstStyle/>
+          <a:p>
+            <a:pPr>
+              <a:defRPr sz="1100" b="1">
+                <a:solidFill>
+                  <a:schemeClr val="accent6"/>
+                </a:solidFill>
+              </a:defRPr>
+            </a:pPr>
+            <a:r>
+              <a:t>Industriel</a:t>
+            </a:r>
+          </a:p>
+        </p:txBody>
+      </p:sp>
+      <p:sp>
+        <p:nvSpPr>
+          <p:cNvPr id="7" name="TextBox 6"/>
+          <p:cNvSpPr txBox="1"/>
+          <p:nvPr/>
+        </p:nvSpPr>
+        <p:spPr>
+          <a:xfrm>
+            <a:off x="0" y="4067428"/>
+            <a:ext cx="6858000" cy="2217081"/>
+          </a:xfrm>
+          <a:prstGeom prst="rect">
+            <a:avLst/>
+          </a:prstGeom>
+          <a:noFill/>
+        </p:spPr>
+        <p:txBody>
+          <a:bodyPr wrap="none">
+            <a:spAutoFit/>
+          </a:bodyPr>
+          <a:lstStyle/>
+          <a:p>
+            <a:pPr>
+              <a:defRPr sz="1000"/>
+            </a:pPr>
+            <a:r>
+              <a:t>Chevron, une compagnie dans l’industrie du pétrole, utilise l’informatique de périphérie pour</a:t>
+            </a:r>
+            <a:br/>
+            <a:r>
+              <a:t>plusieurs tâches. En effet, dû à ses opérations dans plusieurs endroits dans le monde, l’Internet</a:t>
+            </a:r>
+            <a:br/>
+            <a:r>
+              <a:t>n’est pas toujours facile d’accès. Par exemple, la compagnie possède des installations au large</a:t>
+            </a:r>
+            <a:br/>
+            <a:r>
+              <a:t>de la mer, les rendant très éloignées. Il est donc très approprié que les installations éloignées</a:t>
+            </a:r>
+            <a:br/>
+            <a:r>
+              <a:t>aient leurs propres serveurs sur place. Effectivement, leurs plateformes pétrolières collectent</a:t>
+            </a:r>
+            <a:br/>
+            <a:r>
+              <a:t>beaucoup de données provenant de capteurs qui surveillent la qualité de la machinerie⁵. Certains</a:t>
+            </a:r>
+            <a:br/>
+            <a:r>
+              <a:t>capteurs surveillent du matériel critique afin notamment d’assurer que la pression dans les</a:t>
+            </a:r>
+            <a:br/>
+            <a:r>
+              <a:t>tuyaux n’est pas trop élevée. Si ces capteurs détectent quelque chose d’anormal, il faut qu’ils</a:t>
+            </a:r>
+            <a:br/>
+            <a:r>
+              <a:t>agissent rapidement. Avoir des serveurs sur place leur permet de réduire la latence au maximum.</a:t>
+            </a:r>
+            <a:br/>
+            <a:r>
+              <a:t>En plus, ils sauvent beaucoup de bande passante, donc aussi de l’argent. Comme la compagnie opère</a:t>
+            </a:r>
+            <a:br/>
+            <a:r>
+              <a:t>dans différents pays, cela facilite aussi la conformité avec les lois sur la résidence des</a:t>
+            </a:r>
+            <a:br/>
+            <a:r>
+              <a:t>données de chaque pays⁶. Les données peuvent être traitées sur place de manière conforme aux lois</a:t>
+            </a:r>
+            <a:br/>
+            <a:r>
+              <a:t>du pays dans lequel les données sont collectées, avant d’être envoyées aux serveurs du siège</a:t>
+            </a:r>
+            <a:br/>
+            <a:r>
+              <a:t>social de Chevron.</a:t>
+            </a:r>
+          </a:p>
+        </p:txBody>
+      </p:sp>
+      <p:sp>
+        <p:nvSpPr>
+          <p:cNvPr id="2" name="Title 1"/>
+          <p:cNvSpPr>
+            <a:spLocks noGrp="1"/>
+          </p:cNvSpPr>
+          <p:nvPr>
+            <p:ph type="title"/>
+          </p:nvPr>
+        </p:nvSpPr>
+        <p:spPr>
+          <a:xfrm>
+            <a:off x="138545" y="6299509"/>
+            <a:ext cx="6557819" cy="400000"/>
+          </a:xfrm>
+        </p:spPr>
+        <p:txBody>
+          <a:bodyPr/>
+          <a:lstStyle/>
+          <a:p>
+            <a:pPr>
+              <a:defRPr b="1" i="1">
+                <a:solidFill>
+                  <a:schemeClr val="bg1"/>
+                </a:solidFill>
+              </a:defRPr>
+            </a:pPr>
+            <a:r>
+              <a:t>France</a:t>
+            </a:r>
+          </a:p>
+        </p:txBody>
+      </p:sp>
+      <p:sp>
+        <p:nvSpPr>
+          <p:cNvPr id="8" name="TextBox 7"/>
+          <p:cNvSpPr txBox="1"/>
+          <p:nvPr/>
+        </p:nvSpPr>
+        <p:spPr>
+          <a:xfrm>
+            <a:off x="0" y="6714509"/>
             <a:ext cx="6858000" cy="1351958"/>
           </a:xfrm>
           <a:prstGeom prst="rect">
@@ -2825,7 +4420,7 @@
       </p:sp>
       <p:sp>
         <p:nvSpPr>
-          <p:cNvPr id="9" name="Title 1"/>
+          <p:cNvPr id="2" name="Title 1"/>
           <p:cNvSpPr>
             <a:spLocks noGrp="1"/>
           </p:cNvSpPr>
@@ -2835,14 +4430,12 @@
         </p:nvSpPr>
         <p:spPr>
           <a:xfrm>
-            <a:off x="138545" y="1796958"/>
+            <a:off x="138545" y="8081467"/>
             <a:ext cx="6557819" cy="400000"/>
           </a:xfrm>
         </p:spPr>
         <p:txBody>
-          <a:bodyPr>
-            <a:normAutofit fontScale="90000"/>
-          </a:bodyPr>
+          <a:bodyPr/>
           <a:lstStyle/>
           <a:p>
             <a:pPr>
@@ -2860,13 +4453,13 @@
       </p:sp>
       <p:sp>
         <p:nvSpPr>
-          <p:cNvPr id="4" name="TextBox 3"/>
+          <p:cNvPr id="9" name="TextBox 8"/>
           <p:cNvSpPr txBox="1"/>
           <p:nvPr/>
         </p:nvSpPr>
         <p:spPr>
           <a:xfrm>
-            <a:off x="138545" y="2211958"/>
+            <a:off x="138545" y="8496467"/>
             <a:ext cx="6858000" cy="274320"/>
           </a:xfrm>
           <a:prstGeom prst="rect">
@@ -2893,15 +4486,33 @@
           </a:p>
         </p:txBody>
       </p:sp>
+    </p:spTree>
+  </p:cSld>
+  <p:clrMapOvr>
+    <a:masterClrMapping/>
+  </p:clrMapOvr>
+</p:sld>
+</file>
+
+<file path=ppt/slides/slide4.xml><?xml version="1.0" encoding="utf-8"?>
+<p:sld xmlns:a="http://schemas.openxmlformats.org/drawingml/2006/main" xmlns:p="http://schemas.openxmlformats.org/presentationml/2006/main" xmlns:r="http://schemas.openxmlformats.org/officeDocument/2006/relationships">
+  <p:cSld>
+    <p:spTree>
+      <p:nvGrpSpPr>
+        <p:cNvPr id="1" name=""/>
+        <p:cNvGrpSpPr/>
+        <p:nvPr/>
+      </p:nvGrpSpPr>
+      <p:grpSpPr/>
       <p:sp>
         <p:nvSpPr>
-          <p:cNvPr id="5" name="TextBox 4"/>
+          <p:cNvPr id="3" name="TextBox 2"/>
           <p:cNvSpPr txBox="1"/>
           <p:nvPr/>
         </p:nvSpPr>
         <p:spPr>
           <a:xfrm>
-            <a:off x="0" y="2486278"/>
+            <a:off x="0" y="0"/>
             <a:ext cx="6858000" cy="767958"/>
           </a:xfrm>
           <a:prstGeom prst="rect">
@@ -2942,13 +4553,13 @@
       </p:sp>
       <p:sp>
         <p:nvSpPr>
-          <p:cNvPr id="6" name="TextBox 5"/>
+          <p:cNvPr id="4" name="TextBox 3"/>
           <p:cNvSpPr txBox="1"/>
           <p:nvPr/>
         </p:nvSpPr>
         <p:spPr>
           <a:xfrm>
-            <a:off x="138545" y="3254236"/>
+            <a:off x="138545" y="767958"/>
             <a:ext cx="6858000" cy="274320"/>
           </a:xfrm>
           <a:prstGeom prst="rect">
@@ -2977,13 +4588,13 @@
       </p:sp>
       <p:sp>
         <p:nvSpPr>
-          <p:cNvPr id="7" name="TextBox 6"/>
+          <p:cNvPr id="5" name="TextBox 4"/>
           <p:cNvSpPr txBox="1"/>
           <p:nvPr/>
         </p:nvSpPr>
         <p:spPr>
           <a:xfrm>
-            <a:off x="0" y="3528556"/>
+            <a:off x="0" y="1042278"/>
             <a:ext cx="6858000" cy="1373712"/>
           </a:xfrm>
           <a:prstGeom prst="rect">
@@ -3036,7 +4647,7 @@
       </p:sp>
       <p:sp>
         <p:nvSpPr>
-          <p:cNvPr id="10" name="Title 1"/>
+          <p:cNvPr id="2" name="Title 1"/>
           <p:cNvSpPr>
             <a:spLocks noGrp="1"/>
           </p:cNvSpPr>
@@ -3046,14 +4657,12 @@
         </p:nvSpPr>
         <p:spPr>
           <a:xfrm>
-            <a:off x="138545" y="4917268"/>
+            <a:off x="138545" y="2430990"/>
             <a:ext cx="6557819" cy="400000"/>
           </a:xfrm>
         </p:spPr>
         <p:txBody>
-          <a:bodyPr>
-            <a:normAutofit fontScale="90000"/>
-          </a:bodyPr>
+          <a:bodyPr/>
           <a:lstStyle/>
           <a:p>
             <a:pPr>
@@ -3071,13 +4680,13 @@
       </p:sp>
       <p:sp>
         <p:nvSpPr>
-          <p:cNvPr id="8" name="TextBox 7"/>
+          <p:cNvPr id="6" name="TextBox 5"/>
           <p:cNvSpPr txBox="1"/>
           <p:nvPr/>
         </p:nvSpPr>
         <p:spPr>
           <a:xfrm>
-            <a:off x="0" y="5332268"/>
+            <a:off x="0" y="2845990"/>
             <a:ext cx="6858000" cy="1628061"/>
           </a:xfrm>
           <a:prstGeom prst="rect">
@@ -3144,1516 +4753,7 @@
 </p:sld>
 </file>
 
-<file path=ppt/slides/slide4.xml><?xml version="1.0" encoding="utf-8"?>
-<p:sld xmlns:a="http://schemas.openxmlformats.org/drawingml/2006/main" xmlns:r="http://schemas.openxmlformats.org/officeDocument/2006/relationships" xmlns:p="http://schemas.openxmlformats.org/presentationml/2006/main">
-  <p:cSld>
-    <p:spTree>
-      <p:nvGrpSpPr>
-        <p:cNvPr id="1" name=""/>
-        <p:cNvGrpSpPr/>
-        <p:nvPr/>
-      </p:nvGrpSpPr>
-      <p:grpSpPr>
-        <a:xfrm>
-          <a:off x="0" y="0"/>
-          <a:ext cx="0" cy="0"/>
-          <a:chOff x="0" y="0"/>
-          <a:chExt cx="0" cy="0"/>
-        </a:xfrm>
-      </p:grpSpPr>
-      <p:sp>
-        <p:nvSpPr>
-          <p:cNvPr id="3" name="Title 1"/>
-          <p:cNvSpPr>
-            <a:spLocks noGrp="1"/>
-          </p:cNvSpPr>
-          <p:nvPr>
-            <p:ph type="title"/>
-          </p:nvPr>
-        </p:nvSpPr>
-        <p:spPr>
-          <a:xfrm>
-            <a:off x="138545" y="486838"/>
-            <a:ext cx="6557819" cy="400000"/>
-          </a:xfrm>
-        </p:spPr>
-        <p:txBody>
-          <a:bodyPr>
-            <a:normAutofit fontScale="90000"/>
-          </a:bodyPr>
-          <a:lstStyle/>
-          <a:p>
-            <a:pPr>
-              <a:defRPr b="1" i="1">
-                <a:solidFill>
-                  <a:schemeClr val="bg1"/>
-                </a:solidFill>
-              </a:defRPr>
-            </a:pPr>
-            <a:r>
-              <a:t>Sources</a:t>
-            </a:r>
-          </a:p>
-        </p:txBody>
-      </p:sp>
-      <p:sp>
-        <p:nvSpPr>
-          <p:cNvPr id="10" name="Espace réservé du contenu 4">
-            <a:extLst>
-              <a:ext uri="{FF2B5EF4-FFF2-40B4-BE49-F238E27FC236}">
-                <a16:creationId xmlns:a16="http://schemas.microsoft.com/office/drawing/2014/main" id="{8C0D8D95-74FB-724D-7DF9-7BEA9738C7CE}"/>
-              </a:ext>
-            </a:extLst>
-          </p:cNvPr>
-          <p:cNvSpPr txBox="1">
-            <a:spLocks/>
-          </p:cNvSpPr>
-          <p:nvPr>
-            <p:custDataLst>
-              <p:tags r:id="rId1"/>
-            </p:custDataLst>
-          </p:nvPr>
-        </p:nvSpPr>
-        <p:spPr>
-          <a:xfrm>
-            <a:off x="138544" y="1208678"/>
-            <a:ext cx="6557819" cy="5232169"/>
-          </a:xfrm>
-          <a:prstGeom prst="rect">
-            <a:avLst/>
-          </a:prstGeom>
-        </p:spPr>
-        <p:txBody>
-          <a:bodyPr lIns="91440" tIns="45720" rIns="91440" bIns="45720" numCol="2" anchor="t">
-            <a:noAutofit/>
-          </a:bodyPr>
-          <a:lstStyle>
-            <a:lvl1pPr marL="128585" indent="-128585" algn="l" defTabSz="514337" rtl="0" eaLnBrk="1" latinLnBrk="0" hangingPunct="1">
-              <a:lnSpc>
-                <a:spcPct val="90000"/>
-              </a:lnSpc>
-              <a:spcBef>
-                <a:spcPts val="563"/>
-              </a:spcBef>
-              <a:buClr>
-                <a:schemeClr val="accent2"/>
-              </a:buClr>
-              <a:buFont typeface="Arial" panose="020B0604020202020204" pitchFamily="34" charset="0"/>
-              <a:buChar char="•"/>
-              <a:defRPr sz="1575" kern="1200">
-                <a:solidFill>
-                  <a:schemeClr val="tx1"/>
-                </a:solidFill>
-                <a:latin typeface="+mn-lt"/>
-                <a:ea typeface="+mn-ea"/>
-                <a:cs typeface="+mn-cs"/>
-              </a:defRPr>
-            </a:lvl1pPr>
-            <a:lvl2pPr marL="385754" indent="-128585" algn="l" defTabSz="514337" rtl="0" eaLnBrk="1" latinLnBrk="0" hangingPunct="1">
-              <a:lnSpc>
-                <a:spcPct val="90000"/>
-              </a:lnSpc>
-              <a:spcBef>
-                <a:spcPts val="281"/>
-              </a:spcBef>
-              <a:buClr>
-                <a:schemeClr val="accent5"/>
-              </a:buClr>
-              <a:buFont typeface="Arial" panose="020B0604020202020204" pitchFamily="34" charset="0"/>
-              <a:buChar char="•"/>
-              <a:defRPr sz="1350" kern="1200">
-                <a:solidFill>
-                  <a:schemeClr val="tx1"/>
-                </a:solidFill>
-                <a:latin typeface="+mn-lt"/>
-                <a:ea typeface="+mn-ea"/>
-                <a:cs typeface="+mn-cs"/>
-              </a:defRPr>
-            </a:lvl2pPr>
-            <a:lvl3pPr marL="642922" indent="-128585" algn="l" defTabSz="514337" rtl="0" eaLnBrk="1" latinLnBrk="0" hangingPunct="1">
-              <a:lnSpc>
-                <a:spcPct val="90000"/>
-              </a:lnSpc>
-              <a:spcBef>
-                <a:spcPts val="281"/>
-              </a:spcBef>
-              <a:buClr>
-                <a:schemeClr val="accent6"/>
-              </a:buClr>
-              <a:buFont typeface="Arial" panose="020B0604020202020204" pitchFamily="34" charset="0"/>
-              <a:buChar char="•"/>
-              <a:defRPr sz="1125" kern="1200">
-                <a:solidFill>
-                  <a:schemeClr val="tx1"/>
-                </a:solidFill>
-                <a:latin typeface="+mn-lt"/>
-                <a:ea typeface="+mn-ea"/>
-                <a:cs typeface="+mn-cs"/>
-              </a:defRPr>
-            </a:lvl3pPr>
-            <a:lvl4pPr marL="900091" indent="-128585" algn="l" defTabSz="514337" rtl="0" eaLnBrk="1" latinLnBrk="0" hangingPunct="1">
-              <a:lnSpc>
-                <a:spcPct val="90000"/>
-              </a:lnSpc>
-              <a:spcBef>
-                <a:spcPts val="281"/>
-              </a:spcBef>
-              <a:buClr>
-                <a:schemeClr val="accent6">
-                  <a:lumMod val="60000"/>
-                  <a:lumOff val="40000"/>
-                </a:schemeClr>
-              </a:buClr>
-              <a:buFont typeface="Arial" panose="020B0604020202020204" pitchFamily="34" charset="0"/>
-              <a:buChar char="•"/>
-              <a:defRPr sz="1013" kern="1200">
-                <a:solidFill>
-                  <a:schemeClr val="tx1"/>
-                </a:solidFill>
-                <a:latin typeface="+mn-lt"/>
-                <a:ea typeface="+mn-ea"/>
-                <a:cs typeface="+mn-cs"/>
-              </a:defRPr>
-            </a:lvl4pPr>
-            <a:lvl5pPr marL="1157259" indent="-128585" algn="l" defTabSz="514337" rtl="0" eaLnBrk="1" latinLnBrk="0" hangingPunct="1">
-              <a:lnSpc>
-                <a:spcPct val="90000"/>
-              </a:lnSpc>
-              <a:spcBef>
-                <a:spcPts val="281"/>
-              </a:spcBef>
-              <a:buClr>
-                <a:schemeClr val="accent6">
-                  <a:lumMod val="40000"/>
-                  <a:lumOff val="60000"/>
-                </a:schemeClr>
-              </a:buClr>
-              <a:buFont typeface="Arial" panose="020B0604020202020204" pitchFamily="34" charset="0"/>
-              <a:buChar char="•"/>
-              <a:defRPr sz="1013" kern="1200">
-                <a:solidFill>
-                  <a:schemeClr val="tx1"/>
-                </a:solidFill>
-                <a:latin typeface="+mn-lt"/>
-                <a:ea typeface="+mn-ea"/>
-                <a:cs typeface="+mn-cs"/>
-              </a:defRPr>
-            </a:lvl5pPr>
-            <a:lvl6pPr marL="1414428" indent="-128585" algn="l" defTabSz="514337" rtl="0" eaLnBrk="1" latinLnBrk="0" hangingPunct="1">
-              <a:lnSpc>
-                <a:spcPct val="90000"/>
-              </a:lnSpc>
-              <a:spcBef>
-                <a:spcPts val="281"/>
-              </a:spcBef>
-              <a:buFont typeface="Arial" panose="020B0604020202020204" pitchFamily="34" charset="0"/>
-              <a:buChar char="•"/>
-              <a:defRPr sz="1013" kern="1200">
-                <a:solidFill>
-                  <a:schemeClr val="tx1"/>
-                </a:solidFill>
-                <a:latin typeface="+mn-lt"/>
-                <a:ea typeface="+mn-ea"/>
-                <a:cs typeface="+mn-cs"/>
-              </a:defRPr>
-            </a:lvl6pPr>
-            <a:lvl7pPr marL="1671596" indent="-128585" algn="l" defTabSz="514337" rtl="0" eaLnBrk="1" latinLnBrk="0" hangingPunct="1">
-              <a:lnSpc>
-                <a:spcPct val="90000"/>
-              </a:lnSpc>
-              <a:spcBef>
-                <a:spcPts val="281"/>
-              </a:spcBef>
-              <a:buFont typeface="Arial" panose="020B0604020202020204" pitchFamily="34" charset="0"/>
-              <a:buChar char="•"/>
-              <a:defRPr sz="1013" kern="1200">
-                <a:solidFill>
-                  <a:schemeClr val="tx1"/>
-                </a:solidFill>
-                <a:latin typeface="+mn-lt"/>
-                <a:ea typeface="+mn-ea"/>
-                <a:cs typeface="+mn-cs"/>
-              </a:defRPr>
-            </a:lvl7pPr>
-            <a:lvl8pPr marL="1928765" indent="-128585" algn="l" defTabSz="514337" rtl="0" eaLnBrk="1" latinLnBrk="0" hangingPunct="1">
-              <a:lnSpc>
-                <a:spcPct val="90000"/>
-              </a:lnSpc>
-              <a:spcBef>
-                <a:spcPts val="281"/>
-              </a:spcBef>
-              <a:buFont typeface="Arial" panose="020B0604020202020204" pitchFamily="34" charset="0"/>
-              <a:buChar char="•"/>
-              <a:defRPr sz="1013" kern="1200">
-                <a:solidFill>
-                  <a:schemeClr val="tx1"/>
-                </a:solidFill>
-                <a:latin typeface="+mn-lt"/>
-                <a:ea typeface="+mn-ea"/>
-                <a:cs typeface="+mn-cs"/>
-              </a:defRPr>
-            </a:lvl8pPr>
-            <a:lvl9pPr marL="2185934" indent="-128585" algn="l" defTabSz="514337" rtl="0" eaLnBrk="1" latinLnBrk="0" hangingPunct="1">
-              <a:lnSpc>
-                <a:spcPct val="90000"/>
-              </a:lnSpc>
-              <a:spcBef>
-                <a:spcPts val="281"/>
-              </a:spcBef>
-              <a:buFont typeface="Arial" panose="020B0604020202020204" pitchFamily="34" charset="0"/>
-              <a:buChar char="•"/>
-              <a:defRPr sz="1013" kern="1200">
-                <a:solidFill>
-                  <a:schemeClr val="tx1"/>
-                </a:solidFill>
-                <a:latin typeface="+mn-lt"/>
-                <a:ea typeface="+mn-ea"/>
-                <a:cs typeface="+mn-cs"/>
-              </a:defRPr>
-            </a:lvl9pPr>
-          </a:lstStyle>
-          <a:p>
-            <a:pPr marL="228600" indent="-228600">
-              <a:lnSpc>
-                <a:spcPct val="100000"/>
-              </a:lnSpc>
-              <a:buFont typeface="Arial" panose="020B0604020202020204" pitchFamily="34" charset="0"/>
-              <a:buAutoNum type="arabicPeriod"/>
-            </a:pPr>
-            <a:r>
-              <a:rPr lang="en-US" sz="800" b="0" i="0" dirty="0">
-                <a:solidFill>
-                  <a:srgbClr val="000000"/>
-                </a:solidFill>
-                <a:effectLst/>
-                <a:latin typeface="+mj-lt"/>
-              </a:rPr>
-              <a:t>&lt;source&gt;</a:t>
-            </a:r>
-          </a:p>
-          <a:p>
-            <a:pPr marL="228600" indent="-228600">
-              <a:lnSpc>
-                <a:spcPct val="100000"/>
-              </a:lnSpc>
-              <a:buAutoNum type="arabicPeriod"/>
-            </a:pPr>
-            <a:r>
-              <a:rPr lang="en-US" sz="800" b="0" i="0" dirty="0">
-                <a:solidFill>
-                  <a:srgbClr val="000000"/>
-                </a:solidFill>
-                <a:effectLst/>
-                <a:latin typeface="+mj-lt"/>
-              </a:rPr>
-              <a:t>&lt;source&gt;</a:t>
-            </a:r>
-            <a:endParaRPr lang="en-US" sz="800" dirty="0">
-              <a:solidFill>
-                <a:srgbClr val="000000"/>
-              </a:solidFill>
-              <a:latin typeface="+mj-lt"/>
-            </a:endParaRPr>
-          </a:p>
-          <a:p>
-            <a:pPr marL="228600" indent="-228600">
-              <a:lnSpc>
-                <a:spcPct val="100000"/>
-              </a:lnSpc>
-              <a:buFont typeface="Arial" panose="020B0604020202020204" pitchFamily="34" charset="0"/>
-              <a:buAutoNum type="arabicPeriod"/>
-            </a:pPr>
-            <a:r>
-              <a:rPr lang="en-US" sz="800" b="0" i="0" dirty="0">
-                <a:solidFill>
-                  <a:srgbClr val="000000"/>
-                </a:solidFill>
-                <a:effectLst/>
-                <a:latin typeface="+mj-lt"/>
-              </a:rPr>
-              <a:t>&lt;source&gt;</a:t>
-            </a:r>
-          </a:p>
-          <a:p>
-            <a:pPr marL="228600" indent="-228600">
-              <a:lnSpc>
-                <a:spcPct val="100000"/>
-              </a:lnSpc>
-              <a:buAutoNum type="arabicPeriod"/>
-            </a:pPr>
-            <a:r>
-              <a:rPr lang="en-US" sz="800" b="0" i="0" dirty="0">
-                <a:solidFill>
-                  <a:srgbClr val="000000"/>
-                </a:solidFill>
-                <a:effectLst/>
-                <a:latin typeface="+mj-lt"/>
-              </a:rPr>
-              <a:t>&lt;source&gt;</a:t>
-            </a:r>
-            <a:endParaRPr lang="en-US" sz="800" dirty="0">
-              <a:solidFill>
-                <a:srgbClr val="000000"/>
-              </a:solidFill>
-              <a:latin typeface="+mj-lt"/>
-            </a:endParaRPr>
-          </a:p>
-          <a:p>
-            <a:pPr marL="228600" indent="-228600">
-              <a:lnSpc>
-                <a:spcPct val="100000"/>
-              </a:lnSpc>
-              <a:buFont typeface="Arial" panose="020B0604020202020204" pitchFamily="34" charset="0"/>
-              <a:buAutoNum type="arabicPeriod"/>
-            </a:pPr>
-            <a:r>
-              <a:rPr lang="en-US" sz="800" b="0" i="0" dirty="0">
-                <a:solidFill>
-                  <a:srgbClr val="000000"/>
-                </a:solidFill>
-                <a:effectLst/>
-                <a:latin typeface="+mj-lt"/>
-              </a:rPr>
-              <a:t>&lt;source&gt;</a:t>
-            </a:r>
-            <a:endParaRPr lang="fr-FR" sz="800" b="0" i="0" dirty="0">
-              <a:solidFill>
-                <a:srgbClr val="000000"/>
-              </a:solidFill>
-              <a:effectLst/>
-              <a:latin typeface="+mj-lt"/>
-            </a:endParaRPr>
-          </a:p>
-          <a:p>
-            <a:pPr marL="228600" indent="-228600">
-              <a:lnSpc>
-                <a:spcPct val="100000"/>
-              </a:lnSpc>
-              <a:buAutoNum type="arabicPeriod"/>
-            </a:pPr>
-            <a:r>
-              <a:rPr lang="en-US" sz="800" b="0" i="0" dirty="0">
-                <a:solidFill>
-                  <a:srgbClr val="000000"/>
-                </a:solidFill>
-                <a:effectLst/>
-                <a:latin typeface="+mj-lt"/>
-              </a:rPr>
-              <a:t>&lt;source&gt;</a:t>
-            </a:r>
-            <a:endParaRPr lang="en-US" sz="800" dirty="0">
-              <a:solidFill>
-                <a:srgbClr val="000000"/>
-              </a:solidFill>
-              <a:latin typeface="+mj-lt"/>
-            </a:endParaRPr>
-          </a:p>
-          <a:p>
-            <a:pPr marL="228600" indent="-228600">
-              <a:lnSpc>
-                <a:spcPct val="100000"/>
-              </a:lnSpc>
-              <a:buAutoNum type="arabicPeriod"/>
-            </a:pPr>
-            <a:r>
-              <a:rPr lang="en-US" sz="800" b="0" i="0" dirty="0">
-                <a:solidFill>
-                  <a:srgbClr val="000000"/>
-                </a:solidFill>
-                <a:effectLst/>
-                <a:latin typeface="+mj-lt"/>
-              </a:rPr>
-              <a:t>&lt;source&gt;</a:t>
-            </a:r>
-            <a:endParaRPr lang="en-US" sz="800" dirty="0">
-              <a:solidFill>
-                <a:srgbClr val="000000"/>
-              </a:solidFill>
-              <a:latin typeface="+mj-lt"/>
-            </a:endParaRPr>
-          </a:p>
-          <a:p>
-            <a:pPr marL="228600" indent="-228600">
-              <a:lnSpc>
-                <a:spcPct val="100000"/>
-              </a:lnSpc>
-              <a:buAutoNum type="arabicPeriod"/>
-            </a:pPr>
-            <a:r>
-              <a:rPr lang="en-US" sz="800" b="0" i="0" dirty="0">
-                <a:solidFill>
-                  <a:srgbClr val="000000"/>
-                </a:solidFill>
-                <a:effectLst/>
-                <a:latin typeface="+mj-lt"/>
-              </a:rPr>
-              <a:t>&lt;source&gt;</a:t>
-            </a:r>
-            <a:endParaRPr lang="en-US" sz="800" dirty="0">
-              <a:solidFill>
-                <a:srgbClr val="000000"/>
-              </a:solidFill>
-              <a:latin typeface="+mj-lt"/>
-            </a:endParaRPr>
-          </a:p>
-          <a:p>
-            <a:pPr marL="228600" indent="-228600">
-              <a:lnSpc>
-                <a:spcPct val="100000"/>
-              </a:lnSpc>
-              <a:buAutoNum type="arabicPeriod"/>
-            </a:pPr>
-            <a:r>
-              <a:rPr lang="en-US" sz="800" b="0" i="0" dirty="0">
-                <a:solidFill>
-                  <a:srgbClr val="000000"/>
-                </a:solidFill>
-                <a:effectLst/>
-                <a:latin typeface="+mj-lt"/>
-              </a:rPr>
-              <a:t>&lt;source&gt;</a:t>
-            </a:r>
-            <a:endParaRPr lang="en-US" sz="800" dirty="0">
-              <a:solidFill>
-                <a:srgbClr val="000000"/>
-              </a:solidFill>
-              <a:latin typeface="+mj-lt"/>
-            </a:endParaRPr>
-          </a:p>
-          <a:p>
-            <a:pPr marL="228600" indent="-228600">
-              <a:lnSpc>
-                <a:spcPct val="100000"/>
-              </a:lnSpc>
-              <a:buAutoNum type="arabicPeriod"/>
-            </a:pPr>
-            <a:r>
-              <a:rPr lang="en-US" sz="800" b="0" i="0" dirty="0">
-                <a:solidFill>
-                  <a:srgbClr val="000000"/>
-                </a:solidFill>
-                <a:effectLst/>
-                <a:latin typeface="+mj-lt"/>
-              </a:rPr>
-              <a:t>&lt;source&gt;</a:t>
-            </a:r>
-            <a:endParaRPr lang="en-US" sz="800" dirty="0">
-              <a:solidFill>
-                <a:srgbClr val="000000"/>
-              </a:solidFill>
-              <a:latin typeface="+mj-lt"/>
-            </a:endParaRPr>
-          </a:p>
-          <a:p>
-            <a:pPr marL="228600" indent="-228600">
-              <a:lnSpc>
-                <a:spcPct val="100000"/>
-              </a:lnSpc>
-              <a:buAutoNum type="arabicPeriod"/>
-            </a:pPr>
-            <a:r>
-              <a:rPr lang="en-US" sz="800" b="0" i="0" dirty="0">
-                <a:solidFill>
-                  <a:srgbClr val="000000"/>
-                </a:solidFill>
-                <a:effectLst/>
-                <a:latin typeface="+mj-lt"/>
-              </a:rPr>
-              <a:t>&lt;source&gt;</a:t>
-            </a:r>
-            <a:endParaRPr lang="en-US" sz="800" dirty="0">
-              <a:solidFill>
-                <a:srgbClr val="000000"/>
-              </a:solidFill>
-              <a:latin typeface="+mj-lt"/>
-            </a:endParaRPr>
-          </a:p>
-          <a:p>
-            <a:pPr marL="228600" indent="-228600">
-              <a:lnSpc>
-                <a:spcPct val="100000"/>
-              </a:lnSpc>
-              <a:buAutoNum type="arabicPeriod"/>
-            </a:pPr>
-            <a:r>
-              <a:rPr lang="en-US" sz="800" b="0" i="0" dirty="0">
-                <a:solidFill>
-                  <a:srgbClr val="000000"/>
-                </a:solidFill>
-                <a:effectLst/>
-                <a:latin typeface="+mj-lt"/>
-              </a:rPr>
-              <a:t>&lt;source&gt;</a:t>
-            </a:r>
-            <a:endParaRPr lang="en-US" sz="800" dirty="0">
-              <a:solidFill>
-                <a:srgbClr val="000000"/>
-              </a:solidFill>
-              <a:latin typeface="+mj-lt"/>
-            </a:endParaRPr>
-          </a:p>
-          <a:p>
-            <a:pPr marL="228600" indent="-228600">
-              <a:lnSpc>
-                <a:spcPct val="100000"/>
-              </a:lnSpc>
-              <a:buAutoNum type="arabicPeriod"/>
-            </a:pPr>
-            <a:r>
-              <a:rPr lang="en-US" sz="800" b="0" i="0" dirty="0">
-                <a:solidFill>
-                  <a:srgbClr val="000000"/>
-                </a:solidFill>
-                <a:effectLst/>
-                <a:latin typeface="+mj-lt"/>
-              </a:rPr>
-              <a:t>&lt;source&gt;</a:t>
-            </a:r>
-            <a:endParaRPr lang="en-US" sz="800" dirty="0">
-              <a:solidFill>
-                <a:srgbClr val="000000"/>
-              </a:solidFill>
-              <a:latin typeface="+mj-lt"/>
-            </a:endParaRPr>
-          </a:p>
-          <a:p>
-            <a:pPr marL="228600" indent="-228600">
-              <a:lnSpc>
-                <a:spcPct val="100000"/>
-              </a:lnSpc>
-              <a:buAutoNum type="arabicPeriod"/>
-            </a:pPr>
-            <a:r>
-              <a:rPr lang="en-US" sz="800" b="0" i="0" dirty="0">
-                <a:solidFill>
-                  <a:srgbClr val="000000"/>
-                </a:solidFill>
-                <a:effectLst/>
-                <a:latin typeface="+mj-lt"/>
-              </a:rPr>
-              <a:t>&lt;source&gt;</a:t>
-            </a:r>
-            <a:endParaRPr lang="en-US" sz="800" dirty="0">
-              <a:solidFill>
-                <a:srgbClr val="000000"/>
-              </a:solidFill>
-              <a:latin typeface="+mj-lt"/>
-            </a:endParaRPr>
-          </a:p>
-          <a:p>
-            <a:pPr marL="228600" indent="-228600">
-              <a:lnSpc>
-                <a:spcPct val="100000"/>
-              </a:lnSpc>
-              <a:buAutoNum type="arabicPeriod"/>
-            </a:pPr>
-            <a:r>
-              <a:rPr lang="en-US" sz="800" b="0" i="0" dirty="0">
-                <a:solidFill>
-                  <a:srgbClr val="000000"/>
-                </a:solidFill>
-                <a:effectLst/>
-                <a:latin typeface="+mj-lt"/>
-              </a:rPr>
-              <a:t>&lt;source&gt;</a:t>
-            </a:r>
-            <a:endParaRPr lang="en-US" sz="800" dirty="0">
-              <a:solidFill>
-                <a:srgbClr val="000000"/>
-              </a:solidFill>
-              <a:latin typeface="+mj-lt"/>
-            </a:endParaRPr>
-          </a:p>
-          <a:p>
-            <a:pPr marL="228600" indent="-228600">
-              <a:lnSpc>
-                <a:spcPct val="100000"/>
-              </a:lnSpc>
-              <a:buAutoNum type="arabicPeriod"/>
-            </a:pPr>
-            <a:r>
-              <a:rPr lang="en-US" sz="800" b="0" i="0" dirty="0">
-                <a:solidFill>
-                  <a:srgbClr val="000000"/>
-                </a:solidFill>
-                <a:effectLst/>
-                <a:latin typeface="+mj-lt"/>
-              </a:rPr>
-              <a:t>&lt;source&gt;</a:t>
-            </a:r>
-            <a:endParaRPr lang="en-US" sz="800" dirty="0">
-              <a:solidFill>
-                <a:srgbClr val="000000"/>
-              </a:solidFill>
-              <a:latin typeface="+mj-lt"/>
-            </a:endParaRPr>
-          </a:p>
-          <a:p>
-            <a:pPr marL="228600" indent="-228600">
-              <a:lnSpc>
-                <a:spcPct val="100000"/>
-              </a:lnSpc>
-              <a:buAutoNum type="arabicPeriod"/>
-            </a:pPr>
-            <a:r>
-              <a:rPr lang="en-US" sz="800" b="0" i="0" dirty="0">
-                <a:solidFill>
-                  <a:srgbClr val="000000"/>
-                </a:solidFill>
-                <a:effectLst/>
-                <a:latin typeface="+mj-lt"/>
-              </a:rPr>
-              <a:t>&lt;source&gt;</a:t>
-            </a:r>
-            <a:endParaRPr lang="en-US" sz="800" dirty="0">
-              <a:solidFill>
-                <a:srgbClr val="000000"/>
-              </a:solidFill>
-              <a:latin typeface="+mj-lt"/>
-            </a:endParaRPr>
-          </a:p>
-          <a:p>
-            <a:pPr marL="228600" indent="-228600">
-              <a:lnSpc>
-                <a:spcPct val="100000"/>
-              </a:lnSpc>
-              <a:buAutoNum type="arabicPeriod"/>
-            </a:pPr>
-            <a:r>
-              <a:rPr lang="en-US" sz="800" b="0" i="0" dirty="0">
-                <a:solidFill>
-                  <a:srgbClr val="000000"/>
-                </a:solidFill>
-                <a:effectLst/>
-                <a:latin typeface="+mj-lt"/>
-              </a:rPr>
-              <a:t>&lt;source&gt;</a:t>
-            </a:r>
-            <a:endParaRPr lang="en-US" sz="800" dirty="0">
-              <a:solidFill>
-                <a:srgbClr val="000000"/>
-              </a:solidFill>
-              <a:latin typeface="+mj-lt"/>
-            </a:endParaRPr>
-          </a:p>
-          <a:p>
-            <a:pPr marL="228600" indent="-228600">
-              <a:lnSpc>
-                <a:spcPct val="100000"/>
-              </a:lnSpc>
-              <a:buAutoNum type="arabicPeriod"/>
-            </a:pPr>
-            <a:r>
-              <a:rPr lang="en-US" sz="800" b="0" i="0" dirty="0">
-                <a:solidFill>
-                  <a:srgbClr val="000000"/>
-                </a:solidFill>
-                <a:effectLst/>
-                <a:latin typeface="+mj-lt"/>
-              </a:rPr>
-              <a:t>&lt;source&gt;</a:t>
-            </a:r>
-            <a:endParaRPr lang="en-US" sz="800" dirty="0">
-              <a:solidFill>
-                <a:srgbClr val="000000"/>
-              </a:solidFill>
-              <a:latin typeface="+mj-lt"/>
-            </a:endParaRPr>
-          </a:p>
-          <a:p>
-            <a:pPr marL="228600" indent="-228600">
-              <a:lnSpc>
-                <a:spcPct val="100000"/>
-              </a:lnSpc>
-              <a:buAutoNum type="arabicPeriod"/>
-            </a:pPr>
-            <a:r>
-              <a:rPr lang="en-US" sz="800" b="0" i="0" dirty="0">
-                <a:solidFill>
-                  <a:srgbClr val="000000"/>
-                </a:solidFill>
-                <a:effectLst/>
-                <a:latin typeface="+mj-lt"/>
-              </a:rPr>
-              <a:t>&lt;source&gt;</a:t>
-            </a:r>
-            <a:endParaRPr lang="en-US" sz="800" dirty="0">
-              <a:solidFill>
-                <a:srgbClr val="000000"/>
-              </a:solidFill>
-              <a:latin typeface="+mj-lt"/>
-            </a:endParaRPr>
-          </a:p>
-          <a:p>
-            <a:pPr marL="228600" indent="-228600">
-              <a:lnSpc>
-                <a:spcPct val="100000"/>
-              </a:lnSpc>
-              <a:buAutoNum type="arabicPeriod"/>
-            </a:pPr>
-            <a:r>
-              <a:rPr lang="en-US" sz="800" b="0" i="0" dirty="0">
-                <a:solidFill>
-                  <a:srgbClr val="000000"/>
-                </a:solidFill>
-                <a:effectLst/>
-                <a:latin typeface="+mj-lt"/>
-              </a:rPr>
-              <a:t>&lt;source&gt;</a:t>
-            </a:r>
-            <a:endParaRPr lang="en-US" sz="800" dirty="0">
-              <a:solidFill>
-                <a:srgbClr val="000000"/>
-              </a:solidFill>
-              <a:latin typeface="+mj-lt"/>
-            </a:endParaRPr>
-          </a:p>
-          <a:p>
-            <a:pPr marL="228600" indent="-228600">
-              <a:lnSpc>
-                <a:spcPct val="100000"/>
-              </a:lnSpc>
-              <a:buAutoNum type="arabicPeriod"/>
-            </a:pPr>
-            <a:r>
-              <a:rPr lang="en-US" sz="800" b="0" i="0" dirty="0">
-                <a:solidFill>
-                  <a:srgbClr val="000000"/>
-                </a:solidFill>
-                <a:effectLst/>
-                <a:latin typeface="+mj-lt"/>
-              </a:rPr>
-              <a:t>&lt;source&gt;</a:t>
-            </a:r>
-            <a:endParaRPr lang="en-US" sz="800" dirty="0">
-              <a:solidFill>
-                <a:srgbClr val="000000"/>
-              </a:solidFill>
-              <a:latin typeface="+mj-lt"/>
-            </a:endParaRPr>
-          </a:p>
-          <a:p>
-            <a:pPr marL="228600" indent="-228600">
-              <a:lnSpc>
-                <a:spcPct val="100000"/>
-              </a:lnSpc>
-              <a:buAutoNum type="arabicPeriod"/>
-            </a:pPr>
-            <a:r>
-              <a:rPr lang="en-US" sz="800" b="0" i="0" dirty="0">
-                <a:solidFill>
-                  <a:srgbClr val="000000"/>
-                </a:solidFill>
-                <a:effectLst/>
-                <a:latin typeface="+mj-lt"/>
-              </a:rPr>
-              <a:t>&lt;source&gt;</a:t>
-            </a:r>
-            <a:endParaRPr lang="en-US" sz="800" dirty="0">
-              <a:solidFill>
-                <a:srgbClr val="000000"/>
-              </a:solidFill>
-              <a:latin typeface="+mj-lt"/>
-            </a:endParaRPr>
-          </a:p>
-          <a:p>
-            <a:pPr marL="228600" indent="-228600">
-              <a:lnSpc>
-                <a:spcPct val="100000"/>
-              </a:lnSpc>
-              <a:buAutoNum type="arabicPeriod"/>
-            </a:pPr>
-            <a:r>
-              <a:rPr lang="en-US" sz="800" b="0" i="0" dirty="0">
-                <a:solidFill>
-                  <a:srgbClr val="000000"/>
-                </a:solidFill>
-                <a:effectLst/>
-                <a:latin typeface="+mj-lt"/>
-              </a:rPr>
-              <a:t> &lt;source&gt;</a:t>
-            </a:r>
-          </a:p>
-          <a:p>
-            <a:pPr marL="228600" indent="-228600">
-              <a:lnSpc>
-                <a:spcPct val="100000"/>
-              </a:lnSpc>
-              <a:buFont typeface="Arial" panose="020B0604020202020204" pitchFamily="34" charset="0"/>
-              <a:buAutoNum type="arabicPeriod"/>
-            </a:pPr>
-            <a:r>
-              <a:rPr lang="en-US" sz="800" b="0" i="0" dirty="0">
-                <a:solidFill>
-                  <a:srgbClr val="000000"/>
-                </a:solidFill>
-                <a:effectLst/>
-                <a:latin typeface="+mj-lt"/>
-              </a:rPr>
-              <a:t>&lt;source&gt;</a:t>
-            </a:r>
-            <a:endParaRPr lang="en-US" sz="800" dirty="0">
-              <a:solidFill>
-                <a:srgbClr val="000000"/>
-              </a:solidFill>
-              <a:latin typeface="+mj-lt"/>
-            </a:endParaRPr>
-          </a:p>
-          <a:p>
-            <a:pPr marL="228600" indent="-228600">
-              <a:lnSpc>
-                <a:spcPct val="100000"/>
-              </a:lnSpc>
-              <a:buFont typeface="Arial" panose="020B0604020202020204" pitchFamily="34" charset="0"/>
-              <a:buAutoNum type="arabicPeriod"/>
-            </a:pPr>
-            <a:r>
-              <a:rPr lang="en-US" sz="800" b="0" i="0" dirty="0">
-                <a:solidFill>
-                  <a:srgbClr val="000000"/>
-                </a:solidFill>
-                <a:effectLst/>
-                <a:latin typeface="+mj-lt"/>
-              </a:rPr>
-              <a:t>&lt;source&gt;</a:t>
-            </a:r>
-            <a:endParaRPr lang="en-US" sz="800" dirty="0">
-              <a:solidFill>
-                <a:srgbClr val="000000"/>
-              </a:solidFill>
-              <a:latin typeface="+mj-lt"/>
-            </a:endParaRPr>
-          </a:p>
-          <a:p>
-            <a:pPr marL="228600" indent="-228600">
-              <a:lnSpc>
-                <a:spcPct val="100000"/>
-              </a:lnSpc>
-              <a:buFont typeface="Arial" panose="020B0604020202020204" pitchFamily="34" charset="0"/>
-              <a:buAutoNum type="arabicPeriod"/>
-            </a:pPr>
-            <a:r>
-              <a:rPr lang="en-US" sz="800" b="0" i="0" dirty="0">
-                <a:solidFill>
-                  <a:srgbClr val="000000"/>
-                </a:solidFill>
-                <a:effectLst/>
-                <a:latin typeface="+mj-lt"/>
-              </a:rPr>
-              <a:t>&lt;source&gt;</a:t>
-            </a:r>
-            <a:endParaRPr lang="en-US" sz="800" dirty="0">
-              <a:solidFill>
-                <a:srgbClr val="000000"/>
-              </a:solidFill>
-              <a:latin typeface="+mj-lt"/>
-            </a:endParaRPr>
-          </a:p>
-          <a:p>
-            <a:pPr marL="228600" indent="-228600">
-              <a:lnSpc>
-                <a:spcPct val="100000"/>
-              </a:lnSpc>
-              <a:buFont typeface="Arial" panose="020B0604020202020204" pitchFamily="34" charset="0"/>
-              <a:buAutoNum type="arabicPeriod"/>
-            </a:pPr>
-            <a:r>
-              <a:rPr lang="en-US" sz="800" b="0" i="0" dirty="0">
-                <a:solidFill>
-                  <a:srgbClr val="000000"/>
-                </a:solidFill>
-                <a:effectLst/>
-                <a:latin typeface="+mj-lt"/>
-              </a:rPr>
-              <a:t>&lt;source&gt;</a:t>
-            </a:r>
-            <a:endParaRPr lang="en-US" sz="800" dirty="0">
-              <a:solidFill>
-                <a:srgbClr val="000000"/>
-              </a:solidFill>
-              <a:latin typeface="+mj-lt"/>
-            </a:endParaRPr>
-          </a:p>
-          <a:p>
-            <a:pPr marL="228600" indent="-228600">
-              <a:lnSpc>
-                <a:spcPct val="100000"/>
-              </a:lnSpc>
-              <a:buFont typeface="Arial" panose="020B0604020202020204" pitchFamily="34" charset="0"/>
-              <a:buAutoNum type="arabicPeriod"/>
-            </a:pPr>
-            <a:r>
-              <a:rPr lang="en-US" sz="800" b="0" i="0" dirty="0">
-                <a:solidFill>
-                  <a:srgbClr val="000000"/>
-                </a:solidFill>
-                <a:effectLst/>
-                <a:latin typeface="+mj-lt"/>
-              </a:rPr>
-              <a:t>&lt;source&gt;</a:t>
-            </a:r>
-            <a:endParaRPr lang="en-US" sz="800" dirty="0">
-              <a:solidFill>
-                <a:srgbClr val="000000"/>
-              </a:solidFill>
-              <a:latin typeface="+mj-lt"/>
-            </a:endParaRPr>
-          </a:p>
-          <a:p>
-            <a:pPr marL="228600" indent="-228600">
-              <a:lnSpc>
-                <a:spcPct val="100000"/>
-              </a:lnSpc>
-              <a:buFont typeface="Arial" panose="020B0604020202020204" pitchFamily="34" charset="0"/>
-              <a:buAutoNum type="arabicPeriod"/>
-            </a:pPr>
-            <a:r>
-              <a:rPr lang="en-US" sz="800" b="0" i="0" dirty="0">
-                <a:solidFill>
-                  <a:srgbClr val="000000"/>
-                </a:solidFill>
-                <a:effectLst/>
-                <a:latin typeface="+mj-lt"/>
-              </a:rPr>
-              <a:t>&lt;source&gt;</a:t>
-            </a:r>
-            <a:endParaRPr lang="en-US" sz="800" dirty="0">
-              <a:solidFill>
-                <a:srgbClr val="000000"/>
-              </a:solidFill>
-              <a:latin typeface="+mj-lt"/>
-            </a:endParaRPr>
-          </a:p>
-          <a:p>
-            <a:pPr marL="228600" indent="-228600">
-              <a:lnSpc>
-                <a:spcPct val="100000"/>
-              </a:lnSpc>
-              <a:buFont typeface="Arial" panose="020B0604020202020204" pitchFamily="34" charset="0"/>
-              <a:buAutoNum type="arabicPeriod"/>
-            </a:pPr>
-            <a:r>
-              <a:rPr lang="en-US" sz="800" b="0" i="0" dirty="0">
-                <a:solidFill>
-                  <a:srgbClr val="000000"/>
-                </a:solidFill>
-                <a:effectLst/>
-                <a:latin typeface="+mj-lt"/>
-              </a:rPr>
-              <a:t>&lt;source&gt;</a:t>
-            </a:r>
-            <a:endParaRPr lang="en-US" sz="800" dirty="0">
-              <a:solidFill>
-                <a:srgbClr val="000000"/>
-              </a:solidFill>
-              <a:latin typeface="+mj-lt"/>
-            </a:endParaRPr>
-          </a:p>
-          <a:p>
-            <a:pPr marL="228600" indent="-228600">
-              <a:lnSpc>
-                <a:spcPct val="100000"/>
-              </a:lnSpc>
-              <a:buFont typeface="Arial" panose="020B0604020202020204" pitchFamily="34" charset="0"/>
-              <a:buAutoNum type="arabicPeriod"/>
-            </a:pPr>
-            <a:r>
-              <a:rPr lang="en-US" sz="800" b="0" i="0" dirty="0">
-                <a:solidFill>
-                  <a:srgbClr val="000000"/>
-                </a:solidFill>
-                <a:effectLst/>
-                <a:latin typeface="+mj-lt"/>
-              </a:rPr>
-              <a:t>&lt;source&gt;</a:t>
-            </a:r>
-            <a:endParaRPr lang="en-US" sz="800" dirty="0">
-              <a:solidFill>
-                <a:srgbClr val="000000"/>
-              </a:solidFill>
-              <a:latin typeface="+mj-lt"/>
-            </a:endParaRPr>
-          </a:p>
-          <a:p>
-            <a:pPr marL="228600" indent="-228600">
-              <a:lnSpc>
-                <a:spcPct val="100000"/>
-              </a:lnSpc>
-              <a:buFont typeface="Arial" panose="020B0604020202020204" pitchFamily="34" charset="0"/>
-              <a:buAutoNum type="arabicPeriod"/>
-            </a:pPr>
-            <a:r>
-              <a:rPr lang="en-US" sz="800" b="0" i="0" dirty="0">
-                <a:solidFill>
-                  <a:srgbClr val="000000"/>
-                </a:solidFill>
-                <a:effectLst/>
-                <a:latin typeface="+mj-lt"/>
-              </a:rPr>
-              <a:t>&lt;source&gt;</a:t>
-            </a:r>
-            <a:endParaRPr lang="en-US" sz="800" dirty="0">
-              <a:solidFill>
-                <a:srgbClr val="000000"/>
-              </a:solidFill>
-              <a:latin typeface="+mj-lt"/>
-            </a:endParaRPr>
-          </a:p>
-          <a:p>
-            <a:pPr marL="228600" indent="-228600">
-              <a:lnSpc>
-                <a:spcPct val="100000"/>
-              </a:lnSpc>
-              <a:buFont typeface="Arial" panose="020B0604020202020204" pitchFamily="34" charset="0"/>
-              <a:buAutoNum type="arabicPeriod"/>
-            </a:pPr>
-            <a:r>
-              <a:rPr lang="en-US" sz="800" b="0" i="0" dirty="0">
-                <a:solidFill>
-                  <a:srgbClr val="000000"/>
-                </a:solidFill>
-                <a:effectLst/>
-                <a:latin typeface="+mj-lt"/>
-              </a:rPr>
-              <a:t>&lt;source&gt;</a:t>
-            </a:r>
-            <a:endParaRPr lang="en-US" sz="800" dirty="0">
-              <a:solidFill>
-                <a:srgbClr val="000000"/>
-              </a:solidFill>
-              <a:latin typeface="+mj-lt"/>
-            </a:endParaRPr>
-          </a:p>
-          <a:p>
-            <a:pPr marL="228600" indent="-228600">
-              <a:lnSpc>
-                <a:spcPct val="100000"/>
-              </a:lnSpc>
-              <a:buFont typeface="Arial" panose="020B0604020202020204" pitchFamily="34" charset="0"/>
-              <a:buAutoNum type="arabicPeriod"/>
-            </a:pPr>
-            <a:r>
-              <a:rPr lang="en-US" sz="800" b="0" i="0" dirty="0">
-                <a:solidFill>
-                  <a:srgbClr val="000000"/>
-                </a:solidFill>
-                <a:effectLst/>
-                <a:latin typeface="+mj-lt"/>
-              </a:rPr>
-              <a:t>&lt;source&gt;</a:t>
-            </a:r>
-            <a:endParaRPr lang="en-US" sz="800" dirty="0">
-              <a:solidFill>
-                <a:srgbClr val="000000"/>
-              </a:solidFill>
-              <a:latin typeface="+mj-lt"/>
-            </a:endParaRPr>
-          </a:p>
-          <a:p>
-            <a:pPr marL="228600" indent="-228600">
-              <a:lnSpc>
-                <a:spcPct val="100000"/>
-              </a:lnSpc>
-              <a:buFont typeface="Arial" panose="020B0604020202020204" pitchFamily="34" charset="0"/>
-              <a:buAutoNum type="arabicPeriod"/>
-            </a:pPr>
-            <a:r>
-              <a:rPr lang="en-US" sz="800" b="0" i="0" dirty="0">
-                <a:solidFill>
-                  <a:srgbClr val="000000"/>
-                </a:solidFill>
-                <a:effectLst/>
-                <a:latin typeface="+mj-lt"/>
-              </a:rPr>
-              <a:t>&lt;source&gt;</a:t>
-            </a:r>
-            <a:endParaRPr lang="en-US" sz="800" dirty="0">
-              <a:solidFill>
-                <a:srgbClr val="000000"/>
-              </a:solidFill>
-              <a:latin typeface="+mj-lt"/>
-            </a:endParaRPr>
-          </a:p>
-          <a:p>
-            <a:pPr marL="228600" indent="-228600">
-              <a:lnSpc>
-                <a:spcPct val="100000"/>
-              </a:lnSpc>
-              <a:buFont typeface="Arial" panose="020B0604020202020204" pitchFamily="34" charset="0"/>
-              <a:buAutoNum type="arabicPeriod"/>
-            </a:pPr>
-            <a:r>
-              <a:rPr lang="en-US" sz="800" b="0" i="0" dirty="0">
-                <a:solidFill>
-                  <a:srgbClr val="000000"/>
-                </a:solidFill>
-                <a:effectLst/>
-                <a:latin typeface="+mj-lt"/>
-              </a:rPr>
-              <a:t>&lt;source&gt;</a:t>
-            </a:r>
-            <a:endParaRPr lang="en-US" sz="800" dirty="0">
-              <a:solidFill>
-                <a:srgbClr val="000000"/>
-              </a:solidFill>
-              <a:latin typeface="+mj-lt"/>
-            </a:endParaRPr>
-          </a:p>
-          <a:p>
-            <a:pPr marL="228600" indent="-228600">
-              <a:lnSpc>
-                <a:spcPct val="100000"/>
-              </a:lnSpc>
-              <a:buFont typeface="Arial" panose="020B0604020202020204" pitchFamily="34" charset="0"/>
-              <a:buAutoNum type="arabicPeriod"/>
-            </a:pPr>
-            <a:r>
-              <a:rPr lang="en-US" sz="800" b="0" i="0" dirty="0">
-                <a:solidFill>
-                  <a:srgbClr val="000000"/>
-                </a:solidFill>
-                <a:effectLst/>
-                <a:latin typeface="+mj-lt"/>
-              </a:rPr>
-              <a:t>&lt;source&gt;</a:t>
-            </a:r>
-            <a:endParaRPr lang="en-US" sz="800" dirty="0">
-              <a:solidFill>
-                <a:srgbClr val="000000"/>
-              </a:solidFill>
-              <a:latin typeface="+mj-lt"/>
-            </a:endParaRPr>
-          </a:p>
-          <a:p>
-            <a:pPr marL="228600" indent="-228600">
-              <a:lnSpc>
-                <a:spcPct val="100000"/>
-              </a:lnSpc>
-              <a:buFont typeface="Arial" panose="020B0604020202020204" pitchFamily="34" charset="0"/>
-              <a:buAutoNum type="arabicPeriod"/>
-            </a:pPr>
-            <a:r>
-              <a:rPr lang="en-US" sz="800" b="0" i="0" dirty="0">
-                <a:solidFill>
-                  <a:srgbClr val="000000"/>
-                </a:solidFill>
-                <a:effectLst/>
-                <a:latin typeface="+mj-lt"/>
-              </a:rPr>
-              <a:t>&lt;source&gt;</a:t>
-            </a:r>
-            <a:endParaRPr lang="en-US" sz="800" dirty="0">
-              <a:solidFill>
-                <a:srgbClr val="000000"/>
-              </a:solidFill>
-              <a:latin typeface="+mj-lt"/>
-            </a:endParaRPr>
-          </a:p>
-          <a:p>
-            <a:pPr marL="228600" indent="-228600">
-              <a:lnSpc>
-                <a:spcPct val="100000"/>
-              </a:lnSpc>
-              <a:buFont typeface="Arial" panose="020B0604020202020204" pitchFamily="34" charset="0"/>
-              <a:buAutoNum type="arabicPeriod"/>
-            </a:pPr>
-            <a:r>
-              <a:rPr lang="en-US" sz="800" b="0" i="0" dirty="0">
-                <a:solidFill>
-                  <a:srgbClr val="000000"/>
-                </a:solidFill>
-                <a:effectLst/>
-                <a:latin typeface="+mj-lt"/>
-              </a:rPr>
-              <a:t>&lt;source&gt;</a:t>
-            </a:r>
-            <a:endParaRPr lang="en-US" sz="800" dirty="0">
-              <a:solidFill>
-                <a:srgbClr val="000000"/>
-              </a:solidFill>
-              <a:latin typeface="+mj-lt"/>
-            </a:endParaRPr>
-          </a:p>
-          <a:p>
-            <a:pPr marL="228600" indent="-228600">
-              <a:lnSpc>
-                <a:spcPct val="100000"/>
-              </a:lnSpc>
-              <a:buAutoNum type="arabicPeriod"/>
-            </a:pPr>
-            <a:r>
-              <a:rPr lang="en-US" sz="800" b="0" i="0" dirty="0">
-                <a:solidFill>
-                  <a:srgbClr val="000000"/>
-                </a:solidFill>
-                <a:effectLst/>
-                <a:latin typeface="+mj-lt"/>
-              </a:rPr>
-              <a:t>&lt;source&gt;</a:t>
-            </a:r>
-          </a:p>
-          <a:p>
-            <a:pPr marL="228600" indent="-228600">
-              <a:lnSpc>
-                <a:spcPct val="100000"/>
-              </a:lnSpc>
-              <a:buFont typeface="Arial" panose="020B0604020202020204" pitchFamily="34" charset="0"/>
-              <a:buAutoNum type="arabicPeriod"/>
-            </a:pPr>
-            <a:r>
-              <a:rPr lang="en-US" sz="800" b="0" i="0" dirty="0">
-                <a:solidFill>
-                  <a:srgbClr val="000000"/>
-                </a:solidFill>
-                <a:effectLst/>
-                <a:latin typeface="+mj-lt"/>
-              </a:rPr>
-              <a:t>&lt;source&gt;</a:t>
-            </a:r>
-            <a:endParaRPr lang="en-US" sz="800" dirty="0">
-              <a:solidFill>
-                <a:srgbClr val="000000"/>
-              </a:solidFill>
-              <a:latin typeface="+mj-lt"/>
-            </a:endParaRPr>
-          </a:p>
-          <a:p>
-            <a:pPr marL="228600" indent="-228600">
-              <a:lnSpc>
-                <a:spcPct val="100000"/>
-              </a:lnSpc>
-              <a:buFont typeface="Arial" panose="020B0604020202020204" pitchFamily="34" charset="0"/>
-              <a:buAutoNum type="arabicPeriod"/>
-            </a:pPr>
-            <a:r>
-              <a:rPr lang="en-US" sz="800" b="0" i="0" dirty="0">
-                <a:solidFill>
-                  <a:srgbClr val="000000"/>
-                </a:solidFill>
-                <a:effectLst/>
-                <a:latin typeface="+mj-lt"/>
-              </a:rPr>
-              <a:t>&lt;source&gt;</a:t>
-            </a:r>
-            <a:endParaRPr lang="en-US" sz="800" dirty="0">
-              <a:solidFill>
-                <a:srgbClr val="000000"/>
-              </a:solidFill>
-              <a:latin typeface="+mj-lt"/>
-            </a:endParaRPr>
-          </a:p>
-          <a:p>
-            <a:pPr marL="228600" indent="-228600">
-              <a:lnSpc>
-                <a:spcPct val="100000"/>
-              </a:lnSpc>
-              <a:buFont typeface="Arial" panose="020B0604020202020204" pitchFamily="34" charset="0"/>
-              <a:buAutoNum type="arabicPeriod"/>
-            </a:pPr>
-            <a:r>
-              <a:rPr lang="en-US" sz="800" b="0" i="0" dirty="0">
-                <a:solidFill>
-                  <a:srgbClr val="000000"/>
-                </a:solidFill>
-                <a:effectLst/>
-                <a:latin typeface="+mj-lt"/>
-              </a:rPr>
-              <a:t>&lt;source&gt;</a:t>
-            </a:r>
-            <a:endParaRPr lang="en-US" sz="800" dirty="0">
-              <a:solidFill>
-                <a:srgbClr val="000000"/>
-              </a:solidFill>
-              <a:latin typeface="+mj-lt"/>
-            </a:endParaRPr>
-          </a:p>
-          <a:p>
-            <a:pPr marL="228600" indent="-228600">
-              <a:lnSpc>
-                <a:spcPct val="100000"/>
-              </a:lnSpc>
-              <a:buFont typeface="Arial" panose="020B0604020202020204" pitchFamily="34" charset="0"/>
-              <a:buAutoNum type="arabicPeriod"/>
-            </a:pPr>
-            <a:r>
-              <a:rPr lang="en-US" sz="800" b="0" i="0" dirty="0">
-                <a:solidFill>
-                  <a:srgbClr val="000000"/>
-                </a:solidFill>
-                <a:effectLst/>
-                <a:latin typeface="+mj-lt"/>
-              </a:rPr>
-              <a:t>&lt;source&gt;</a:t>
-            </a:r>
-            <a:endParaRPr lang="en-US" sz="800" dirty="0">
-              <a:solidFill>
-                <a:srgbClr val="000000"/>
-              </a:solidFill>
-              <a:latin typeface="+mj-lt"/>
-            </a:endParaRPr>
-          </a:p>
-          <a:p>
-            <a:pPr marL="228600" indent="-228600">
-              <a:lnSpc>
-                <a:spcPct val="100000"/>
-              </a:lnSpc>
-              <a:buFont typeface="Arial" panose="020B0604020202020204" pitchFamily="34" charset="0"/>
-              <a:buAutoNum type="arabicPeriod"/>
-            </a:pPr>
-            <a:r>
-              <a:rPr lang="en-US" sz="800" b="0" i="0" dirty="0">
-                <a:solidFill>
-                  <a:srgbClr val="000000"/>
-                </a:solidFill>
-                <a:effectLst/>
-                <a:latin typeface="+mj-lt"/>
-              </a:rPr>
-              <a:t>&lt;source&gt;</a:t>
-            </a:r>
-            <a:endParaRPr lang="en-US" sz="800" dirty="0">
-              <a:solidFill>
-                <a:srgbClr val="000000"/>
-              </a:solidFill>
-              <a:latin typeface="+mj-lt"/>
-            </a:endParaRPr>
-          </a:p>
-          <a:p>
-            <a:pPr marL="228600" indent="-228600">
-              <a:lnSpc>
-                <a:spcPct val="100000"/>
-              </a:lnSpc>
-              <a:buFont typeface="Arial" panose="020B0604020202020204" pitchFamily="34" charset="0"/>
-              <a:buAutoNum type="arabicPeriod"/>
-            </a:pPr>
-            <a:r>
-              <a:rPr lang="en-US" sz="800" b="0" i="0" dirty="0">
-                <a:solidFill>
-                  <a:srgbClr val="000000"/>
-                </a:solidFill>
-                <a:effectLst/>
-                <a:latin typeface="+mj-lt"/>
-              </a:rPr>
-              <a:t>&lt;source&gt;</a:t>
-            </a:r>
-            <a:endParaRPr lang="en-US" sz="800" dirty="0">
-              <a:solidFill>
-                <a:srgbClr val="000000"/>
-              </a:solidFill>
-              <a:latin typeface="+mj-lt"/>
-            </a:endParaRPr>
-          </a:p>
-          <a:p>
-            <a:pPr marL="228600" indent="-228600">
-              <a:lnSpc>
-                <a:spcPct val="100000"/>
-              </a:lnSpc>
-              <a:buFont typeface="Arial" panose="020B0604020202020204" pitchFamily="34" charset="0"/>
-              <a:buAutoNum type="arabicPeriod"/>
-            </a:pPr>
-            <a:r>
-              <a:rPr lang="en-US" sz="800" b="0" i="0" dirty="0">
-                <a:solidFill>
-                  <a:srgbClr val="000000"/>
-                </a:solidFill>
-                <a:effectLst/>
-                <a:latin typeface="+mj-lt"/>
-              </a:rPr>
-              <a:t>&lt;source&gt;</a:t>
-            </a:r>
-            <a:endParaRPr lang="en-US" sz="800" dirty="0">
-              <a:solidFill>
-                <a:srgbClr val="000000"/>
-              </a:solidFill>
-              <a:latin typeface="+mj-lt"/>
-            </a:endParaRPr>
-          </a:p>
-          <a:p>
-            <a:pPr marL="228600" indent="-228600">
-              <a:lnSpc>
-                <a:spcPct val="100000"/>
-              </a:lnSpc>
-              <a:buFont typeface="Arial" panose="020B0604020202020204" pitchFamily="34" charset="0"/>
-              <a:buAutoNum type="arabicPeriod"/>
-            </a:pPr>
-            <a:r>
-              <a:rPr lang="en-US" sz="800" b="0" i="0" dirty="0">
-                <a:solidFill>
-                  <a:srgbClr val="000000"/>
-                </a:solidFill>
-                <a:effectLst/>
-                <a:latin typeface="+mj-lt"/>
-              </a:rPr>
-              <a:t>&lt;source&gt;</a:t>
-            </a:r>
-            <a:endParaRPr lang="en-US" sz="800" dirty="0">
-              <a:solidFill>
-                <a:srgbClr val="000000"/>
-              </a:solidFill>
-              <a:latin typeface="+mj-lt"/>
-            </a:endParaRPr>
-          </a:p>
-          <a:p>
-            <a:pPr marL="228600" indent="-228600">
-              <a:lnSpc>
-                <a:spcPct val="100000"/>
-              </a:lnSpc>
-              <a:buFont typeface="Arial" panose="020B0604020202020204" pitchFamily="34" charset="0"/>
-              <a:buAutoNum type="arabicPeriod"/>
-            </a:pPr>
-            <a:r>
-              <a:rPr lang="en-US" sz="800" b="0" i="0" dirty="0">
-                <a:solidFill>
-                  <a:srgbClr val="000000"/>
-                </a:solidFill>
-                <a:effectLst/>
-                <a:latin typeface="+mj-lt"/>
-              </a:rPr>
-              <a:t>&lt;source&gt;</a:t>
-            </a:r>
-            <a:endParaRPr lang="en-US" sz="800" dirty="0">
-              <a:solidFill>
-                <a:srgbClr val="000000"/>
-              </a:solidFill>
-              <a:latin typeface="+mj-lt"/>
-            </a:endParaRPr>
-          </a:p>
-          <a:p>
-            <a:pPr marL="228600" indent="-228600">
-              <a:lnSpc>
-                <a:spcPct val="100000"/>
-              </a:lnSpc>
-              <a:buAutoNum type="arabicPeriod"/>
-            </a:pPr>
-            <a:endParaRPr lang="en-US" sz="800" dirty="0">
-              <a:solidFill>
-                <a:srgbClr val="000000"/>
-              </a:solidFill>
-              <a:latin typeface="+mj-lt"/>
-            </a:endParaRPr>
-          </a:p>
-        </p:txBody>
-      </p:sp>
-    </p:spTree>
-  </p:cSld>
-  <p:clrMapOvr>
-    <a:masterClrMapping/>
-  </p:clrMapOvr>
-</p:sld>
-</file>
-
 <file path=ppt/tags/tag1.xml><?xml version="1.0" encoding="utf-8"?>
-<p:tagLst xmlns:a="http://schemas.openxmlformats.org/drawingml/2006/main" xmlns:r="http://schemas.openxmlformats.org/officeDocument/2006/relationships" xmlns:p="http://schemas.openxmlformats.org/presentationml/2006/main">
-  <p:tag name="NUM" val="5"/>
-</p:tagLst>
-</file>
-
-<file path=ppt/tags/tag2.xml><?xml version="1.0" encoding="utf-8"?>
-<p:tagLst xmlns:a="http://schemas.openxmlformats.org/drawingml/2006/main" xmlns:r="http://schemas.openxmlformats.org/officeDocument/2006/relationships" xmlns:p="http://schemas.openxmlformats.org/presentationml/2006/main">
-  <p:tag name="NUM" val="4"/>
-</p:tagLst>
-</file>
-
-<file path=ppt/tags/tag3.xml><?xml version="1.0" encoding="utf-8"?>
 <p:tagLst xmlns:a="http://schemas.openxmlformats.org/drawingml/2006/main" xmlns:r="http://schemas.openxmlformats.org/officeDocument/2006/relationships" xmlns:p="http://schemas.openxmlformats.org/presentationml/2006/main">
   <p:tag name="NUM" val="2"/>
 </p:tagLst>
@@ -4934,7 +5034,7 @@
   <a:extraClrSchemeLst/>
   <a:extLst>
     <a:ext uri="{05A4C25C-085E-4340-85A3-A5531E510DB2}">
-      <thm15:themeFamily xmlns:thm15="http://schemas.microsoft.com/office/thememl/2012/main" name="Gabarit article de veille format word.potx" id="{BE96FD01-E9DC-4938-B0BB-B3EB2CD62B85}" vid="{E12CE551-ED92-4FA6-9860-E4E3DE5C0E7E}"/>
+      <thm15:themeFamily xmlns:thm15="http://schemas.microsoft.com/office/thememl/2012/main" name="Présentation2" id="{98E3EF8D-3AE1-4F3E-AD2C-1157F892F0CB}" vid="{FBFA307E-815D-455B-B929-8562E51AC0D1}"/>
     </a:ext>
   </a:extLst>
 </a:theme>
@@ -5198,24 +5298,18 @@
 </file>
 
 <file path=customXml/itemProps1.xml><?xml version="1.0" encoding="utf-8"?>
-<ds:datastoreItem xmlns:ds="http://schemas.openxmlformats.org/officeDocument/2006/customXml" ds:itemID="{AB088F19-0CAF-4A60-81E5-18DF993328EF}">
+<ds:datastoreItem xmlns:ds="http://schemas.openxmlformats.org/officeDocument/2006/customXml" ds:itemID="{A45BB609-F779-4F94-8F0F-E58FEFAE2A71}">
   <ds:schemaRefs>
     <ds:schemaRef ds:uri="http://schemas.microsoft.com/office/2006/metadata/properties"/>
-    <ds:schemaRef ds:uri="http://schemas.openxmlformats.org/package/2006/metadata/core-properties"/>
-    <ds:schemaRef ds:uri="http://schemas.microsoft.com/office/2006/documentManagement/types"/>
     <ds:schemaRef ds:uri="http://schemas.microsoft.com/office/infopath/2007/PartnerControls"/>
-    <ds:schemaRef ds:uri="http://purl.org/dc/terms/"/>
-    <ds:schemaRef ds:uri="http://purl.org/dc/elements/1.1/"/>
-    <ds:schemaRef ds:uri="http://purl.org/dc/dcmitype/"/>
+    <ds:schemaRef ds:uri="81c9f6d7-38be-4b6f-ac7a-53278e4778cd"/>
     <ds:schemaRef ds:uri="562370e7-b28b-48b8-b232-8034dde365ed"/>
-    <ds:schemaRef ds:uri="81c9f6d7-38be-4b6f-ac7a-53278e4778cd"/>
-    <ds:schemaRef ds:uri="http://www.w3.org/XML/1998/namespace"/>
   </ds:schemaRefs>
 </ds:datastoreItem>
 </file>
 
 <file path=customXml/itemProps2.xml><?xml version="1.0" encoding="utf-8"?>
-<ds:datastoreItem xmlns:ds="http://schemas.openxmlformats.org/officeDocument/2006/customXml" ds:itemID="{4E8F74D5-47AA-4DAD-A3A5-90C8113106BE}">
+<ds:datastoreItem xmlns:ds="http://schemas.openxmlformats.org/officeDocument/2006/customXml" ds:itemID="{E7602958-60E1-487C-ACC9-EB76AC6FDB67}">
   <ds:schemaRefs>
     <ds:schemaRef ds:uri="http://schemas.microsoft.com/sharepoint/v3/contenttype/forms"/>
   </ds:schemaRefs>
@@ -5223,7 +5317,7 @@
 </file>
 
 <file path=customXml/itemProps3.xml><?xml version="1.0" encoding="utf-8"?>
-<ds:datastoreItem xmlns:ds="http://schemas.openxmlformats.org/officeDocument/2006/customXml" ds:itemID="{11065811-FE0D-4D15-8CA7-D9C0C1B9452F}">
+<ds:datastoreItem xmlns:ds="http://schemas.openxmlformats.org/officeDocument/2006/customXml" ds:itemID="{4A8F2A6D-7532-4406-AC95-24F2E64325E7}">
   <ds:schemaRefs>
     <ds:schemaRef ds:uri="http://schemas.microsoft.com/office/2006/metadata/contentType"/>
     <ds:schemaRef ds:uri="http://schemas.microsoft.com/office/2006/metadata/properties/metaAttributes"/>

--- a/powerpoints/test.pptx
+++ b/powerpoints/test.pptx
@@ -8,6 +8,8 @@
     <p:sldId id="259" r:id="rId5"/>
     <p:sldId id="261" r:id="rId11"/>
     <p:sldId id="262" r:id="rId12"/>
+    <p:sldId id="263" r:id="rId13"/>
+    <p:sldId id="264" r:id="rId14"/>
     <p:sldId id="260" r:id="rId6"/>
   </p:sldIdLst>
   <p:sldSz cx="6858000" cy="9144000" type="letter"/>
@@ -2141,7 +2143,7 @@
           <a:lstStyle/>
           <a:p>
             <a:r>
-              <a:t>Edge computing</a:t>
+              <a:t>Article de veille sur l’ automatisation robotisée des processus</a:t>
             </a:r>
           </a:p>
         </p:txBody>
@@ -2195,7 +2197,7 @@
           <a:lstStyle/>
           <a:p>
             <a:r>
-              <a:t>À la merci de tous</a:t>
+              <a:t>Le savoir faire par et pour la robotique</a:t>
             </a:r>
           </a:p>
         </p:txBody>
@@ -2230,7 +2232,7 @@
               </a:defRPr>
             </a:pPr>
             <a:r>
-              <a:t>Qu’est-ce que l’informatique de périphérie ?</a:t>
+              <a:t>Qu’est ce que la RPA?</a:t>
             </a:r>
           </a:p>
         </p:txBody>
@@ -2244,7 +2246,7 @@
         <p:spPr>
           <a:xfrm>
             <a:off x="0" y="3274320"/>
-            <a:ext cx="6858000" cy="1032348"/>
+            <a:ext cx="6858000" cy="1112669"/>
           </a:xfrm>
           <a:prstGeom prst="rect">
             <a:avLst/>
@@ -2261,27 +2263,31 @@
               <a:defRPr sz="1000"/>
             </a:pPr>
             <a:r>
-              <a:t>L’informatique de périphérie, ou Edge Computing, est un paradigme informatique visant à rendre</a:t>
-            </a:r>
-            <a:br/>
-            <a:r>
-              <a:t>plus efficace les systèmes utilisant l’infonuagique. Alors que la tendance chez les grandes</a:t>
-            </a:r>
-            <a:br/>
-            <a:r>
-              <a:t>entreprises est généralement de centraliser les infrastructures informatiques sur un serveur dans</a:t>
-            </a:r>
-            <a:br/>
-            <a:r>
-              <a:t>le nuage¹, l’informatique de périphérie consiste plutôt à traiter les données à proximité de leur</a:t>
-            </a:r>
-            <a:br/>
-            <a:r>
-              <a:t>source. Cela a plusieurs avantages tels qu’un temps de réponse plus rapide, une moins grande</a:t>
-            </a:r>
-            <a:br/>
-            <a:r>
-              <a:t>dépendance au réseau et une utilisation plus économique de la bande passante.</a:t>
+              <a:t>La Robotic Process Automation (RPA), ou automatisation robotisée des processus, représente une</a:t>
+            </a:r>
+            <a:br/>
+            <a:r>
+              <a:t>forme d'automatisation utilisant des technologies spécifiques pour reproduire les tâches</a:t>
+            </a:r>
+            <a:br/>
+            <a:r>
+              <a:t>administratives généralement effectuées par les humains. L'automatisation obtenue par RPA repose</a:t>
+            </a:r>
+            <a:br/>
+            <a:r>
+              <a:t>sur des logiciels régis par des règles pour accomplir des activités de processus métier à grande</a:t>
+            </a:r>
+            <a:br/>
+            <a:r>
+              <a:t>échelle. Ces tâches peuvent comprendre l'extraction de données, le remplissage de formulaire ou</a:t>
+            </a:r>
+            <a:br/>
+            <a:r>
+              <a:t>encore le transfert de fichiers¹.  Ces exemples ne sont que la pointe de l’iceberg de tout le</a:t>
+            </a:r>
+            <a:br/>
+            <a:r>
+              <a:t>potentiel que représente les RPA.</a:t>
             </a:r>
           </a:p>
         </p:txBody>
@@ -2294,7 +2300,7 @@
         </p:nvSpPr>
         <p:spPr>
           <a:xfrm>
-            <a:off x="138545" y="4306668"/>
+            <a:off x="138545" y="4386989"/>
             <a:ext cx="6858000" cy="274320"/>
           </a:xfrm>
           <a:prstGeom prst="rect">
@@ -2316,7 +2322,7 @@
               </a:defRPr>
             </a:pPr>
             <a:r>
-              <a:t>Pourquoi est-ce nécessaire ?</a:t>
+              <a:t>Qu’est ce qui ne peut pas être considéré comme de la RPA?</a:t>
             </a:r>
           </a:p>
         </p:txBody>
@@ -2329,8 +2335,8 @@
         </p:nvSpPr>
         <p:spPr>
           <a:xfrm>
-            <a:off x="0" y="4580988"/>
-            <a:ext cx="6858000" cy="1922571"/>
+            <a:off x="0" y="4661309"/>
+            <a:ext cx="6858000" cy="1136096"/>
           </a:xfrm>
           <a:prstGeom prst="rect">
             <a:avLst/>
@@ -2347,90 +2353,31 @@
               <a:defRPr sz="1000"/>
             </a:pPr>
             <a:r>
-              <a:t>Malgré qu’Internet soit très rapide, car les données voyagent à la vitesse de la lumière, ce</a:t>
-            </a:r>
-            <a:br/>
-            <a:r>
-              <a:t>n’est pas instantané, et sur de longues distances, cela peut impacter la vitesse de traitement de</a:t>
-            </a:r>
-            <a:br/>
-            <a:r>
-              <a:t>l’information. Certains usages de l’informatique nécessitent un temps de réponse presque</a:t>
-            </a:r>
-            <a:br/>
-            <a:r>
-              <a:t>instantané et ne peuvent pas supporter qu’il y ait de la latence. Pour pallier cela, des</a:t>
-            </a:r>
-            <a:br/>
-            <a:r>
-              <a:t>entreprises vont installer des machines en périphérie. C’est-à-dire qu’au lieu d’utiliser un</a:t>
-            </a:r>
-            <a:br/>
-            <a:r>
-              <a:t>serveur central, il y a un serveur à proximité de chaque infrastructure. L’informatique de</a:t>
-            </a:r>
-            <a:br/>
-            <a:r>
-              <a:t>périphérie est utile dans différents cas, notamment pour les entreprises qui ont des services</a:t>
-            </a:r>
-            <a:br/>
-            <a:r>
-              <a:t>numériques éparpillés dans plusieurs endroits et qui veulent que leurs services soient</a:t>
-            </a:r>
-            <a:br/>
-            <a:r>
-              <a:t>extrêmement rapides peu importe l’emplacement de l’utilisateur. Au lieu que les données soient</a:t>
-            </a:r>
-            <a:br/>
-            <a:r>
-              <a:t>toujours envoyées sur un serveur central, qui est potentiellement éloigné géographiquement, les</a:t>
-            </a:r>
-            <a:br/>
-            <a:r>
-              <a:t>données sont traitées sur une machine à proximité, évitant de devoir traverser de longues</a:t>
-            </a:r>
-            <a:br/>
-            <a:r>
-              <a:t>distances et réduisant la latence dans le traitement de l’information.</a:t>
-            </a:r>
-          </a:p>
-        </p:txBody>
-      </p:sp>
-      <p:sp>
-        <p:nvSpPr>
-          <p:cNvPr id="16" name="Titre 15">
-            <a:extLst>
-              <a:ext uri="{FF2B5EF4-FFF2-40B4-BE49-F238E27FC236}">
-                <a16:creationId xmlns:a16="http://schemas.microsoft.com/office/drawing/2014/main" id="{BD9AAE16-B73A-D858-F17D-47FE778FF175}"/>
-              </a:ext>
-            </a:extLst>
-          </p:cNvPr>
-          <p:cNvSpPr>
-            <a:spLocks noGrp="1"/>
-          </p:cNvSpPr>
-          <p:nvPr>
-            <p:ph type="title"/>
-          </p:nvPr>
-        </p:nvSpPr>
-        <p:spPr>
-          <a:xfrm>
-            <a:off x="163195" y="6518559"/>
-            <a:ext cx="6567054" cy="400000"/>
-          </a:xfrm>
-        </p:spPr>
-        <p:txBody>
-          <a:bodyPr/>
-          <a:lstStyle/>
-          <a:p>
-            <a:pPr>
-              <a:defRPr b="1" i="1">
-                <a:solidFill>
-                  <a:schemeClr val="bg1"/>
-                </a:solidFill>
-              </a:defRPr>
-            </a:pPr>
-            <a:r>
-              <a:t>Canada</a:t>
+              <a:t>La RPA s’insère généralement dans des processus plus vastes d’hyperautomatisation qui, eux,</a:t>
+            </a:r>
+            <a:br/>
+            <a:r>
+              <a:t>couvrent un spectre beaucoup plus large sur lequel nous ne nous appesantirons pas longtemps. En</a:t>
+            </a:r>
+            <a:br/>
+            <a:r>
+              <a:t>effet, l’hyperautomatisation² se réfère à l’utilisation de technologies diverses et variées, au</a:t>
+            </a:r>
+            <a:br/>
+            <a:r>
+              <a:t>nombre desquelles l’intelligence artificielle, l’apprentissage automatique ou encore la RPA, pour</a:t>
+            </a:r>
+            <a:br/>
+            <a:r>
+              <a:t>automatiser les tâches et processus de métiers exercés communément par des humains. L’on comprend</a:t>
+            </a:r>
+            <a:br/>
+            <a:r>
+              <a:t>que la RPA se positionne uniquement comme un maillon, là où l’hyperautomatisation représente une</a:t>
+            </a:r>
+            <a:br/>
+            <a:r>
+              <a:t>chaîne plus globale de transformation.</a:t>
             </a:r>
           </a:p>
         </p:txBody>
@@ -2443,8 +2390,8 @@
         </p:nvSpPr>
         <p:spPr>
           <a:xfrm>
-            <a:off x="0" y="6933559"/>
-            <a:ext cx="6858000" cy="2059786"/>
+            <a:off x="0" y="5797405"/>
+            <a:ext cx="6858000" cy="1686629"/>
           </a:xfrm>
           <a:prstGeom prst="rect">
             <a:avLst/>
@@ -2461,55 +2408,43 @@
               <a:defRPr sz="1000"/>
             </a:pPr>
             <a:r>
-              <a:t>CENGN, une organisation basée à Ottawa, possède une serre intelligente en Ontario qui utilise</a:t>
-            </a:r>
-            <a:br/>
-            <a:r>
-              <a:t>l’Internet des objets pour s’automatiser, servant de laboratoire pour que les compagnies œuvrant</a:t>
-            </a:r>
-            <a:br/>
-            <a:r>
-              <a:t>dans le domaine des technologies de l’agriculture puissent prototyper². L’infrastructure récolte</a:t>
-            </a:r>
-            <a:br/>
-            <a:r>
-              <a:t>constamment des données comme l’humidité, la température et des images provenant d’objets</a:t>
-            </a:r>
-            <a:br/>
-            <a:r>
-              <a:t>connectés. Le CENGN utilise l’informatique de périphérie pour traiter ces données sur des</a:t>
-            </a:r>
-            <a:br/>
-            <a:r>
-              <a:t>serveurs mis en place directement sur le site de la serre. Les serveurs utilisent ces données</a:t>
-            </a:r>
-            <a:br/>
-            <a:r>
-              <a:t>pour prendre une décision et renvoie une réponse aux objets connectés en conséquence. Malgré que</a:t>
-            </a:r>
-            <a:br/>
-            <a:r>
-              <a:t>ce ne soit qu’un prototype, l’organisation croit que les futures serres intelligentes utiliseront</a:t>
-            </a:r>
-            <a:br/>
-            <a:r>
-              <a:t>l’informatique de périphérie plutôt que d’utiliser un fournisseur infonuagique certainement situé</a:t>
-            </a:r>
-            <a:br/>
-            <a:r>
-              <a:t>plus loin géographiquement. Au lieu que les données fassent des aller-retours sur de longues</a:t>
-            </a:r>
-            <a:br/>
-            <a:r>
-              <a:t>distances, cela fait en sorte que les données provenant des capteurs de la serre ont une très</a:t>
-            </a:r>
-            <a:br/>
-            <a:r>
-              <a:t>petite distance à parcourir avant d’être analysés, donc une plus petite latence et une</a:t>
-            </a:r>
-            <a:br/>
-            <a:r>
-              <a:t>utilisation moins gourmande du réseau.</a:t>
+              <a:t>C’est en cela que, bien souvent, cette technologie est confondue à tort avec des technologies qui</a:t>
+            </a:r>
+            <a:br/>
+            <a:r>
+              <a:t>lui sont voisines. Il est ainsi courant de constater un amalgame entre la RPA et l'Intelligence</a:t>
+            </a:r>
+            <a:br/>
+            <a:r>
+              <a:t>Artificielle (IA) ou encore entre la RPA et l’automatisation intelligente de processus³, alors</a:t>
+            </a:r>
+            <a:br/>
+            <a:r>
+              <a:t>qu’il s’agit deux notions pourtant distinctes. L'IA embrasse des concepts tels que</a:t>
+            </a:r>
+            <a:br/>
+            <a:r>
+              <a:t>l'automatisation cognitive, l'apprentissage automatique (ou Machine Learning), le traitement du</a:t>
+            </a:r>
+            <a:br/>
+            <a:r>
+              <a:t>langage naturel, la réflexion, ainsi que la génération et l'analyse d'hypothèses. La distinction</a:t>
+            </a:r>
+            <a:br/>
+            <a:r>
+              <a:t>fondamentale réside dans l'orientation respective de la RPA et de l'IA : la première est axée sur</a:t>
+            </a:r>
+            <a:br/>
+            <a:r>
+              <a:t>les processus, la seconde sur les données. Les robots opérant par RPA se conforment exclusivement</a:t>
+            </a:r>
+            <a:br/>
+            <a:r>
+              <a:t>aux processus préétablis par un utilisateurlà où l'IA aspire à imiter ou à émuler l'intelligence</a:t>
+            </a:r>
+            <a:br/>
+            <a:r>
+              <a:t>humaine, la RPA elle a pour objectif de reproduire les tâches prescrites par l’humain.</a:t>
             </a:r>
           </a:p>
         </p:txBody>
@@ -2773,7 +2708,7 @@
               <a:rPr>
                 <a:hlinkClick r:id="rId3"/>
               </a:rPr>
-              <a:t>https://explodingtopics.com/blog/corporate-cloud-data</a:t>
+              <a:t>Aguirre, S., Rodriguez, A. Automation of a business process using robotic process automation (RPA): A case study. link.springer.com/chapter/10.1007/978-3-319-66963-2_7</a:t>
             </a:r>
           </a:p>
           <a:p>
@@ -2788,7 +2723,7 @@
               <a:rPr>
                 <a:hlinkClick r:id="rId4"/>
               </a:rPr>
-              <a:t>www.cengn.ca/services/commercialization-services/smart-agriculture-program/</a:t>
+              <a:t>https://www.scielo.br/j/jistm/a/8BnnjHkvFGrmBFdtnXmhNtC/?lang=en</a:t>
             </a:r>
             <a:endParaRPr lang="en-US" sz="800" dirty="0">
               <a:solidFill>
@@ -2810,7 +2745,7 @@
               <a:rPr>
                 <a:hlinkClick r:id="rId5"/>
               </a:rPr>
-              <a:t>www.cloudflare.com/application-services/</a:t>
+              <a:t>https://ieeexplore.ieee.org/abstract/document/9676222</a:t>
             </a:r>
           </a:p>
           <a:p>
@@ -2825,7 +2760,7 @@
               <a:rPr>
                 <a:hlinkClick r:id="rId6"/>
               </a:rPr>
-              <a:t>vercel.com/docs/concepts/edge-network/overview</a:t>
+              <a:t>Balasundaram, S., Venkatagiri, S. A structured approach to implementing Robotic Process Automation in HR. &lt;a href="https://iopscience.iop.org/article/10.1088/1742-6596/1427/1/012008/meta"&gt;iopscience.iop.org&lt;/a&gt;</a:t>
             </a:r>
             <a:endParaRPr lang="en-US" sz="800" dirty="0">
               <a:solidFill>
@@ -2847,7 +2782,7 @@
               <a:rPr>
                 <a:hlinkClick r:id="rId7"/>
               </a:rPr>
-              <a:t>www.iothub.com.au/news/chevron-scales-up-industrial-iot-pilot-513758</a:t>
+              <a:t>https://www.ey.com/en_ca/consulting/digital-identity/can-transforming-your-digital-identity-system-fuel-your-bottom-line?WT.mc_id=10815001&amp;AA.tsrc=paidsearch&amp;gad=1&amp;gclid=Cj0KCQjwzdOlBhCNARIsAPMwjbx-oSsdw6QIyIutQuWSswQq31SRX2mFb__dz0pmyrY8QT4zm4kuUjIaAjjlEALw_wcB&amp;gclsrc=aw.ds</a:t>
             </a:r>
             <a:endParaRPr lang="fr-FR" sz="800" b="0" i="0" dirty="0">
               <a:solidFill>
@@ -2869,7 +2804,7 @@
               <a:rPr>
                 <a:hlinkClick r:id="rId8"/>
               </a:rPr>
-              <a:t>https://www.datacenterknowledge.com/microsoft/how-microsoft-extending-its-cloud-chevron-s-oil-fields</a:t>
+              <a:t>https://www.rbcits.com/fr/insights/2018/12/rpa_leveraging_automation_while_managing_risk?utm_source=home&amp;utm_medium=carousel</a:t>
             </a:r>
             <a:endParaRPr lang="en-US" sz="800" dirty="0">
               <a:solidFill>
@@ -2890,7 +2825,7 @@
               <a:rPr>
                 <a:hlinkClick r:id="rId9"/>
               </a:rPr>
-              <a:t>www.lepoint.fr/services/menta-le-leader-europeen-de-la-reprogrammation-hardware-embarquee-28-03-2022-2469874_4345.php</a:t>
+              <a:t>https://www.telusinternational.com/solutions/back-office/robotic-process-automation</a:t>
             </a:r>
             <a:endParaRPr lang="en-US" sz="800" dirty="0">
               <a:solidFill>
@@ -2911,7 +2846,7 @@
               <a:rPr>
                 <a:hlinkClick r:id="rId10"/>
               </a:rPr>
-              <a:t>ori.co/multicloud-networking</a:t>
+              <a:t>https://www.huratips.com/shopify-services/shopify-app-installation.php?app=shopflex</a:t>
             </a:r>
             <a:endParaRPr lang="en-US" sz="800" dirty="0">
               <a:solidFill>
@@ -2932,7 +2867,7 @@
               <a:rPr>
                 <a:hlinkClick r:id="rId11"/>
               </a:rPr>
-              <a:t>zededa.com/products/</a:t>
+              <a:t>https://blog.hettshow.co.uk/cleveland-clinic-cutting-waiting-times-with-robotic-process-automation</a:t>
             </a:r>
             <a:endParaRPr lang="en-US" sz="800" dirty="0">
               <a:solidFill>
@@ -2953,7 +2888,7 @@
               <a:rPr>
                 <a:hlinkClick r:id="rId12"/>
               </a:rPr>
-              <a:t>https://www.stengg.com/en/digital-tech/data-science-analytics-and-ai/video-analytics/</a:t>
+              <a:t>https://www.ibm.com/products/robotic-process-automation?utm_content=SRCWW&amp;p1=Search&amp;p4=43700074488263025&amp;p5=p&amp;gclid=Cj0KCQjwzdOlBhCNARIsAPMwjbygX1wd3nUB1kWH3peypGOq6ak-7kPGZffSHI9I4dFEQuVS1cMZOzEaAuvnEALw_wcB&amp;gclsrc=aw.ds</a:t>
             </a:r>
             <a:endParaRPr lang="en-US" sz="800" dirty="0">
               <a:solidFill>
@@ -2974,7 +2909,7 @@
               <a:rPr>
                 <a:hlinkClick r:id="rId13"/>
               </a:rPr>
-              <a:t>https://www.stengg.com/en/digital-tech/data-science-analytics-and-ai/edge-analytics/</a:t>
+              <a:t>https://retailminded.com/how-robotic-process-automation-can-contribute-to-retail-growth/</a:t>
             </a:r>
             <a:endParaRPr lang="en-US" sz="800" dirty="0">
               <a:solidFill>
@@ -2989,16 +2924,13 @@
                 <a:spcPct val="100000"/>
               </a:lnSpc>
               <a:buAutoNum type="arabicPeriod"/>
-            </a:pPr>
-            <a:r>
-              <a:rPr lang="en-US" sz="800" b="0" i="0" dirty="0">
-                <a:solidFill>
-                  <a:srgbClr val="000000"/>
-                </a:solidFill>
-                <a:effectLst/>
-                <a:latin typeface="+mj-lt"/>
+              <a:defRPr sz="800"/>
+            </a:pPr>
+            <a:r>
+              <a:rPr>
+                <a:hlinkClick r:id="rId14"/>
               </a:rPr>
-              <a:t>&lt;source&gt;</a:t>
+              <a:t>https://www.aphp.fr/connaitre-lap-hp/recherche-innovation/linnovation-lap-hp</a:t>
             </a:r>
             <a:endParaRPr lang="en-US" sz="800" dirty="0">
               <a:solidFill>
@@ -3013,16 +2945,13 @@
                 <a:spcPct val="100000"/>
               </a:lnSpc>
               <a:buAutoNum type="arabicPeriod"/>
-            </a:pPr>
-            <a:r>
-              <a:rPr lang="en-US" sz="800" b="0" i="0" dirty="0">
-                <a:solidFill>
-                  <a:srgbClr val="000000"/>
-                </a:solidFill>
-                <a:effectLst/>
-                <a:latin typeface="+mj-lt"/>
+              <a:defRPr sz="800"/>
+            </a:pPr>
+            <a:r>
+              <a:rPr>
+                <a:hlinkClick r:id="rId15"/>
               </a:rPr>
-              <a:t>&lt;source&gt;</a:t>
+              <a:t>https://techhq.com/2019/02/axa-saves-182k-in-six-months-with-rpa/</a:t>
             </a:r>
             <a:endParaRPr lang="en-US" sz="800" dirty="0">
               <a:solidFill>
@@ -3037,16 +2966,13 @@
                 <a:spcPct val="100000"/>
               </a:lnSpc>
               <a:buAutoNum type="arabicPeriod"/>
-            </a:pPr>
-            <a:r>
-              <a:rPr lang="en-US" sz="800" b="0" i="0" dirty="0">
-                <a:solidFill>
-                  <a:srgbClr val="000000"/>
-                </a:solidFill>
-                <a:effectLst/>
-                <a:latin typeface="+mj-lt"/>
+              <a:defRPr sz="800"/>
+            </a:pPr>
+            <a:r>
+              <a:rPr>
+                <a:hlinkClick r:id="rId16"/>
               </a:rPr>
-              <a:t>&lt;source&gt;</a:t>
+              <a:t>https://www.bearingpoint.com/fr-fr/publications-evenements/cas-clients/rpa-%C3%A0-la-dgfip-du-poc-%C3%A0-lindustrialisation/</a:t>
             </a:r>
             <a:endParaRPr lang="en-US" sz="800" dirty="0">
               <a:solidFill>
@@ -3061,16 +2987,13 @@
                 <a:spcPct val="100000"/>
               </a:lnSpc>
               <a:buAutoNum type="arabicPeriod"/>
-            </a:pPr>
-            <a:r>
-              <a:rPr lang="en-US" sz="800" b="0" i="0" dirty="0">
-                <a:solidFill>
-                  <a:srgbClr val="000000"/>
-                </a:solidFill>
-                <a:effectLst/>
-                <a:latin typeface="+mj-lt"/>
+              <a:defRPr sz="800"/>
+            </a:pPr>
+            <a:r>
+              <a:rPr>
+                <a:hlinkClick r:id="rId17"/>
               </a:rPr>
-              <a:t>&lt;source&gt;</a:t>
+              <a:t>https://www.blueprism.com/fr/</a:t>
             </a:r>
             <a:endParaRPr lang="en-US" sz="800" dirty="0">
               <a:solidFill>
@@ -3085,16 +3008,13 @@
                 <a:spcPct val="100000"/>
               </a:lnSpc>
               <a:buAutoNum type="arabicPeriod"/>
-            </a:pPr>
-            <a:r>
-              <a:rPr lang="en-US" sz="800" b="0" i="0" dirty="0">
-                <a:solidFill>
-                  <a:srgbClr val="000000"/>
-                </a:solidFill>
-                <a:effectLst/>
-                <a:latin typeface="+mj-lt"/>
+              <a:defRPr sz="800"/>
+            </a:pPr>
+            <a:r>
+              <a:rPr>
+                <a:hlinkClick r:id="rId18"/>
               </a:rPr>
-              <a:t>&lt;source&gt;</a:t>
+              <a:t>https://www.blueprism.com/fr/solutions/industry/</a:t>
             </a:r>
             <a:endParaRPr lang="en-US" sz="800" dirty="0">
               <a:solidFill>
@@ -3109,16 +3029,13 @@
                 <a:spcPct val="100000"/>
               </a:lnSpc>
               <a:buAutoNum type="arabicPeriod"/>
-            </a:pPr>
-            <a:r>
-              <a:rPr lang="en-US" sz="800" b="0" i="0" dirty="0">
-                <a:solidFill>
-                  <a:srgbClr val="000000"/>
-                </a:solidFill>
-                <a:effectLst/>
-                <a:latin typeface="+mj-lt"/>
+              <a:defRPr sz="800"/>
+            </a:pPr>
+            <a:r>
+              <a:rPr>
+                <a:hlinkClick r:id="rId19"/>
               </a:rPr>
-              <a:t>&lt;source&gt;</a:t>
+              <a:t>https://www.uipath.com/</a:t>
             </a:r>
             <a:endParaRPr lang="en-US" sz="800" dirty="0">
               <a:solidFill>
@@ -3133,16 +3050,13 @@
                 <a:spcPct val="100000"/>
               </a:lnSpc>
               <a:buAutoNum type="arabicPeriod"/>
-            </a:pPr>
-            <a:r>
-              <a:rPr lang="en-US" sz="800" b="0" i="0" dirty="0">
-                <a:solidFill>
-                  <a:srgbClr val="000000"/>
-                </a:solidFill>
-                <a:effectLst/>
-                <a:latin typeface="+mj-lt"/>
+              <a:defRPr sz="800"/>
+            </a:pPr>
+            <a:r>
+              <a:rPr>
+                <a:hlinkClick r:id="rId20"/>
               </a:rPr>
-              <a:t>&lt;source&gt;</a:t>
+              <a:t>https://www.uipath.com/solutions/industry/public-sector-automation</a:t>
             </a:r>
             <a:endParaRPr lang="en-US" sz="800" dirty="0">
               <a:solidFill>
@@ -3157,16 +3071,13 @@
                 <a:spcPct val="100000"/>
               </a:lnSpc>
               <a:buAutoNum type="arabicPeriod"/>
-            </a:pPr>
-            <a:r>
-              <a:rPr lang="en-US" sz="800" b="0" i="0" dirty="0">
-                <a:solidFill>
-                  <a:srgbClr val="000000"/>
-                </a:solidFill>
-                <a:effectLst/>
-                <a:latin typeface="+mj-lt"/>
+              <a:defRPr sz="800"/>
+            </a:pPr>
+            <a:r>
+              <a:rPr>
+                <a:hlinkClick r:id="rId21"/>
               </a:rPr>
-              <a:t>&lt;source&gt;</a:t>
+              <a:t>https://cio.economictimes.indiatimes.com/news/next-gen-technologies/max-healthcare-optimizes-automation-to-reimagine-healthcare-delivery/98288816</a:t>
             </a:r>
             <a:endParaRPr lang="en-US" sz="800" dirty="0">
               <a:solidFill>
@@ -3181,16 +3092,13 @@
                 <a:spcPct val="100000"/>
               </a:lnSpc>
               <a:buAutoNum type="arabicPeriod"/>
-            </a:pPr>
-            <a:r>
-              <a:rPr lang="en-US" sz="800" b="0" i="0" dirty="0">
-                <a:solidFill>
-                  <a:srgbClr val="000000"/>
-                </a:solidFill>
-                <a:effectLst/>
-                <a:latin typeface="+mj-lt"/>
+              <a:defRPr sz="800"/>
+            </a:pPr>
+            <a:r>
+              <a:rPr>
+                <a:hlinkClick r:id="rId22"/>
               </a:rPr>
-              <a:t>&lt;source&gt;</a:t>
+              <a:t>https://blog.hettshow.co.uk/rpa-saving-data-processing-time-by-up-to-75-percent</a:t>
             </a:r>
             <a:endParaRPr lang="en-US" sz="800" dirty="0">
               <a:solidFill>
@@ -4012,6 +3920,151 @@
       <p:grpSpPr/>
       <p:sp>
         <p:nvSpPr>
+          <p:cNvPr id="3" name="TextBox 2"/>
+          <p:cNvSpPr txBox="1"/>
+          <p:nvPr/>
+        </p:nvSpPr>
+        <p:spPr>
+          <a:xfrm>
+            <a:off x="0" y="0"/>
+            <a:ext cx="6858000" cy="1735156"/>
+          </a:xfrm>
+          <a:prstGeom prst="rect">
+            <a:avLst/>
+          </a:prstGeom>
+          <a:noFill/>
+        </p:spPr>
+        <p:txBody>
+          <a:bodyPr wrap="none">
+            <a:spAutoFit/>
+          </a:bodyPr>
+          <a:lstStyle/>
+          <a:p>
+            <a:pPr>
+              <a:defRPr sz="1000"/>
+            </a:pPr>
+            <a:r>
+              <a:t>Il est essentiel de comprendre les nombreux avantages⁴ que la RPA peut apporter à toute</a:t>
+            </a:r>
+            <a:br/>
+            <a:r>
+              <a:t>entreprise. En premier lieu, nous devons considérer les gains en efficacité opérationnelle. En</a:t>
+            </a:r>
+            <a:br/>
+            <a:r>
+              <a:t>confiant les tâches répétitives et laborieuses aux robots, les entreprises peuvent</a:t>
+            </a:r>
+            <a:br/>
+            <a:r>
+              <a:t>significativement réduire le temps passé à ces activités, permettant ainsi à leurs employés de se</a:t>
+            </a:r>
+            <a:br/>
+            <a:r>
+              <a:t>concentrer sur des tâches plus stratégiques et créatives. En plus de ces gains, la RPA permet</a:t>
+            </a:r>
+            <a:br/>
+            <a:r>
+              <a:t>d’accéder à des niveaux de précision et de fiabilité accessible uniquement à l’expérience</a:t>
+            </a:r>
+            <a:br/>
+            <a:r>
+              <a:t>machine. Cela induit une réduction notable des erreurs potentielles au niveau des tâches</a:t>
+            </a:r>
+            <a:br/>
+            <a:r>
+              <a:t>manuelles qui sont souvent sujettes à des erreurs humaines. Mais encore, la RPA détient un</a:t>
+            </a:r>
+            <a:br/>
+            <a:r>
+              <a:t>potentiel contributif majeur dans les processus de conformité⁵. Ce potentiel se révèle notamment</a:t>
+            </a:r>
+            <a:br/>
+            <a:r>
+              <a:t>grâce au fait que les robots suivent des règles et réglementations prédéfinies, assurant ainsi</a:t>
+            </a:r>
+            <a:br/>
+            <a:r>
+              <a:t>une conformité totale aux réglementations en vigueur.</a:t>
+            </a:r>
+          </a:p>
+        </p:txBody>
+      </p:sp>
+      <p:sp>
+        <p:nvSpPr>
+          <p:cNvPr id="4" name="TextBox 3"/>
+          <p:cNvSpPr txBox="1"/>
+          <p:nvPr/>
+        </p:nvSpPr>
+        <p:spPr>
+          <a:xfrm>
+            <a:off x="138545" y="1735156"/>
+            <a:ext cx="6858000" cy="274320"/>
+          </a:xfrm>
+          <a:prstGeom prst="rect">
+            <a:avLst/>
+          </a:prstGeom>
+          <a:noFill/>
+        </p:spPr>
+        <p:txBody>
+          <a:bodyPr wrap="none">
+            <a:spAutoFit/>
+          </a:bodyPr>
+          <a:lstStyle/>
+          <a:p>
+            <a:pPr>
+              <a:defRPr sz="1100" b="1">
+                <a:solidFill>
+                  <a:schemeClr val="accent6"/>
+                </a:solidFill>
+              </a:defRPr>
+            </a:pPr>
+            <a:r>
+              <a:t>État des lieux et niveau d’adoption de la technologie dans le monde</a:t>
+            </a:r>
+          </a:p>
+        </p:txBody>
+      </p:sp>
+      <p:sp>
+        <p:nvSpPr>
+          <p:cNvPr id="5" name="TextBox 4"/>
+          <p:cNvSpPr txBox="1"/>
+          <p:nvPr/>
+        </p:nvSpPr>
+        <p:spPr>
+          <a:xfrm>
+            <a:off x="0" y="2009476"/>
+            <a:ext cx="6858000" cy="565483"/>
+          </a:xfrm>
+          <a:prstGeom prst="rect">
+            <a:avLst/>
+          </a:prstGeom>
+          <a:noFill/>
+        </p:spPr>
+        <p:txBody>
+          <a:bodyPr wrap="none">
+            <a:spAutoFit/>
+          </a:bodyPr>
+          <a:lstStyle/>
+          <a:p>
+            <a:pPr>
+              <a:defRPr sz="1000"/>
+            </a:pPr>
+            <a:r>
+              <a:t>Le Centre d'Innovation Numérique (CIN) a initié une analyse détaillée sur la progression et le</a:t>
+            </a:r>
+            <a:br/>
+            <a:r>
+              <a:t>degré d'adoption des solutions fondées sur la RPA à travers certains pays membres de l'OCDE. Ce</a:t>
+            </a:r>
+            <a:br/>
+            <a:r>
+              <a:t>document synthétise les points clés découverts au cours de cette étude approfondie.</a:t>
+            </a:r>
+          </a:p>
+        </p:txBody>
+      </p:sp>
+      <p:sp>
+        <p:nvSpPr>
           <p:cNvPr id="2" name="Title 1"/>
           <p:cNvSpPr>
             <a:spLocks noGrp="1"/>
@@ -4022,7 +4075,7 @@
         </p:nvSpPr>
         <p:spPr>
           <a:xfrm>
-            <a:off x="138545" y="15000"/>
+            <a:off x="138545" y="2589959"/>
             <a:ext cx="6557819" cy="400000"/>
           </a:xfrm>
         </p:spPr>
@@ -4038,20 +4091,20 @@
               </a:defRPr>
             </a:pPr>
             <a:r>
-              <a:t>États-Unis</a:t>
-            </a:r>
-          </a:p>
-        </p:txBody>
-      </p:sp>
-      <p:sp>
-        <p:nvSpPr>
-          <p:cNvPr id="3" name="TextBox 2"/>
+              <a:t>Amérique du nord</a:t>
+            </a:r>
+          </a:p>
+        </p:txBody>
+      </p:sp>
+      <p:sp>
+        <p:nvSpPr>
+          <p:cNvPr id="6" name="TextBox 5"/>
           <p:cNvSpPr txBox="1"/>
           <p:nvPr/>
         </p:nvSpPr>
         <p:spPr>
           <a:xfrm>
-            <a:off x="138545" y="430000"/>
+            <a:off x="138545" y="3004959"/>
             <a:ext cx="6858000" cy="274320"/>
           </a:xfrm>
           <a:prstGeom prst="rect">
@@ -4073,21 +4126,21 @@
               </a:defRPr>
             </a:pPr>
             <a:r>
-              <a:t>Technologies Web</a:t>
-            </a:r>
-          </a:p>
-        </p:txBody>
-      </p:sp>
-      <p:sp>
-        <p:nvSpPr>
-          <p:cNvPr id="4" name="TextBox 3"/>
+              <a:t>Trouver une place pour la RPA dans le système bancaire et financier canadien</a:t>
+            </a:r>
+          </a:p>
+        </p:txBody>
+      </p:sp>
+      <p:sp>
+        <p:nvSpPr>
+          <p:cNvPr id="7" name="TextBox 6"/>
           <p:cNvSpPr txBox="1"/>
           <p:nvPr/>
         </p:nvSpPr>
         <p:spPr>
           <a:xfrm>
-            <a:off x="0" y="704320"/>
-            <a:ext cx="6858000" cy="1710056"/>
+            <a:off x="0" y="3279279"/>
+            <a:ext cx="6858000" cy="1833884"/>
           </a:xfrm>
           <a:prstGeom prst="rect">
             <a:avLst/>
@@ -4104,57 +4157,61 @@
               <a:defRPr sz="1000"/>
             </a:pPr>
             <a:r>
-              <a:t>Cloudflare est une entreprise américaine qui offre des services de sécurité pour les sites web³.</a:t>
-            </a:r>
-            <a:br/>
-            <a:r>
-              <a:t>Les entreprises voulant un site web fiable et non-vulnérable, mais ne voulant pas s’occuper de</a:t>
-            </a:r>
-            <a:br/>
-            <a:r>
-              <a:t>toute la maintenance, utilisent Cloudflare. Ce service se place entre les utilisateurs et le site</a:t>
-            </a:r>
-            <a:br/>
-            <a:r>
-              <a:t>web et peut répartir les requêtes, s’assurant de ne pas surcharger le site en question. Si un</a:t>
-            </a:r>
-            <a:br/>
-            <a:r>
-              <a:t>utilisateur est au Québec et que le site web est hébergé à Londres, l’utilisateur va en premier</a:t>
-            </a:r>
-            <a:br/>
-            <a:r>
-              <a:t>devoir passer par le serveur de Cloudflare avant d’accéder au site web. Cela offre une protection</a:t>
-            </a:r>
-            <a:br/>
-            <a:r>
-              <a:t>au site, mais ajoute aussi une étape intermédiaire qui augmente la distance que doit parcourir</a:t>
-            </a:r>
-            <a:br/>
-            <a:r>
-              <a:t>les données et peut faire doubler le temps de chargement. Pour remédier à cela, Cloudflare a un</a:t>
-            </a:r>
-            <a:br/>
-            <a:r>
-              <a:t>réseau de serveurs périphériques à plusieurs endroits dans le monde, ce qui veut dire qu’il y a</a:t>
-            </a:r>
-            <a:br/>
-            <a:r>
-              <a:t>toujours un serveur à proximité de l’utilisateur. De cette manière, la latence est minimisée.</a:t>
-            </a:r>
-          </a:p>
-        </p:txBody>
-      </p:sp>
-      <p:sp>
-        <p:nvSpPr>
-          <p:cNvPr id="5" name="TextBox 4"/>
+              <a:t>L'automatisation des processus robotiques (RPA) a la capacité d’impacter durablement le secteur</a:t>
+            </a:r>
+            <a:br/>
+            <a:r>
+              <a:t>bancaire et financier canadien. Cette emprunte est déjà visible notamment à travers l'exemple</a:t>
+            </a:r>
+            <a:br/>
+            <a:r>
+              <a:t>emblématique de la Royal Bank of Canada⁶ (RBC). Confrontée à des processus opérationnels</a:t>
+            </a:r>
+            <a:br/>
+            <a:r>
+              <a:t>complexes et répétitifs, la RBC a fait appel à la RPA pour optimiser ses performances et répondre</a:t>
+            </a:r>
+            <a:br/>
+            <a:r>
+              <a:t>efficacement aux attentes de ses clients. En automatisant des tâches telles que la vérification</a:t>
+            </a:r>
+            <a:br/>
+            <a:r>
+              <a:t>des données, l'établissement des relevés de compte ou la gestion des demandes clients, la RBC a</a:t>
+            </a:r>
+            <a:br/>
+            <a:r>
+              <a:t>pu non seulement réduire considérablement le temps de traitement, mais également minimiser le</a:t>
+            </a:r>
+            <a:br/>
+            <a:r>
+              <a:t>risque d'erreurs humaines et améliorer la précision des données. De plus, la RPA a permis à la</a:t>
+            </a:r>
+            <a:br/>
+            <a:r>
+              <a:t>banque de réaliser des économies significatives, tant en termes de main-d'œuvre que de coûts</a:t>
+            </a:r>
+            <a:br/>
+            <a:r>
+              <a:t>opérationnels. Cette transformation numérique, bien qu'encore en cours, positionne déjà la RBC</a:t>
+            </a:r>
+            <a:br/>
+            <a:r>
+              <a:t>comme une référence en matière d'adoption de la RPA dans le paysage bancaire canadien.</a:t>
+            </a:r>
+          </a:p>
+        </p:txBody>
+      </p:sp>
+      <p:sp>
+        <p:nvSpPr>
+          <p:cNvPr id="8" name="TextBox 7"/>
           <p:cNvSpPr txBox="1"/>
           <p:nvPr/>
         </p:nvSpPr>
         <p:spPr>
           <a:xfrm>
-            <a:off x="0" y="2414376"/>
-            <a:ext cx="6858000" cy="1378732"/>
+            <a:off x="138545" y="5113163"/>
+            <a:ext cx="6858000" cy="274320"/>
           </a:xfrm>
           <a:prstGeom prst="rect">
             <a:avLst/>
@@ -4168,56 +4225,28 @@
           <a:lstStyle/>
           <a:p>
             <a:pPr>
-              <a:defRPr sz="1000"/>
-            </a:pPr>
-            <a:r>
-              <a:t>L’informatique de périphérie est aussi utilisée par des solutions d’hébergement de sites web.</a:t>
-            </a:r>
-            <a:br/>
-            <a:r>
-              <a:t>Vercel est un hébergeur de sites web qui offre la possibilité de déployer son site sur plusieurs</a:t>
-            </a:r>
-            <a:br/>
-            <a:r>
-              <a:t>lieux géographiques en même temps. En effet, grâce à son “Edge Network”⁴, Vercel déploie les</a:t>
-            </a:r>
-            <a:br/>
-            <a:r>
-              <a:t>sites web de ses clients sur différents serveurs dans le monde. L’avantage est que si un</a:t>
-            </a:r>
-            <a:br/>
-            <a:r>
-              <a:t>utilisateur veut se connecter au site, il va se connecter au serveur le plus rapproché.</a:t>
-            </a:r>
-            <a:br/>
-            <a:r>
-              <a:t>Traditionnellement, un site web hébergé à un seul endroit ne pouvait pas offrir le même temps de</a:t>
-            </a:r>
-            <a:br/>
-            <a:r>
-              <a:t>chargement à tout le monde dépendamment de la position géographique des utilisateurs, mais avec</a:t>
-            </a:r>
-            <a:br/>
-            <a:r>
-              <a:t>l’informatique de périphérie, Vercel peut garantir un court temps de chargement peu importe</a:t>
-            </a:r>
-            <a:br/>
-            <a:r>
-              <a:t>l’emplacement.</a:t>
-            </a:r>
-          </a:p>
-        </p:txBody>
-      </p:sp>
-      <p:sp>
-        <p:nvSpPr>
-          <p:cNvPr id="6" name="TextBox 5"/>
+              <a:defRPr sz="1100" b="1">
+                <a:solidFill>
+                  <a:schemeClr val="accent6"/>
+                </a:solidFill>
+              </a:defRPr>
+            </a:pPr>
+            <a:r>
+              <a:t>La RPA au service de l'expérience client dans les télécommunications : l'exemple de telus</a:t>
+            </a:r>
+          </a:p>
+        </p:txBody>
+      </p:sp>
+      <p:sp>
+        <p:nvSpPr>
+          <p:cNvPr id="9" name="TextBox 8"/>
           <p:cNvSpPr txBox="1"/>
           <p:nvPr/>
         </p:nvSpPr>
         <p:spPr>
           <a:xfrm>
-            <a:off x="138545" y="3793108"/>
-            <a:ext cx="6858000" cy="274320"/>
+            <a:off x="0" y="5387483"/>
+            <a:ext cx="6858000" cy="1857310"/>
           </a:xfrm>
           <a:prstGeom prst="rect">
             <a:avLst/>
@@ -4231,28 +4260,68 @@
           <a:lstStyle/>
           <a:p>
             <a:pPr>
-              <a:defRPr sz="1100" b="1">
-                <a:solidFill>
-                  <a:schemeClr val="accent6"/>
-                </a:solidFill>
-              </a:defRPr>
-            </a:pPr>
-            <a:r>
-              <a:t>Industriel</a:t>
-            </a:r>
-          </a:p>
-        </p:txBody>
-      </p:sp>
-      <p:sp>
-        <p:nvSpPr>
-          <p:cNvPr id="7" name="TextBox 6"/>
+              <a:defRPr sz="1000"/>
+            </a:pPr>
+            <a:r>
+              <a:t>L'industrie canadienne des télécommunications, toujours à la recherche d'innovations pour</a:t>
+            </a:r>
+            <a:br/>
+            <a:r>
+              <a:t>améliorer l'expérience client, trouve dans la RPA un allié de poids. Telus⁷, l'un des plus grands</a:t>
+            </a:r>
+            <a:br/>
+            <a:r>
+              <a:t>opérateurs télécom du pays, offre un exemple concret de cette intégration. Grâce à la RPA, Telus</a:t>
+            </a:r>
+            <a:br/>
+            <a:r>
+              <a:t>a optimisé ses opérations internes, en automatisant des processus répétitifs et laborieux tels</a:t>
+            </a:r>
+            <a:br/>
+            <a:r>
+              <a:t>que la gestion des abonnements, l'administration des services ou encore le traitement des</a:t>
+            </a:r>
+            <a:br/>
+            <a:r>
+              <a:t>réclamations. En libérant ses employés de ces tâches chronophages, l'entreprise a pu recentrer</a:t>
+            </a:r>
+            <a:br/>
+            <a:r>
+              <a:t>ses efforts sur des activités à plus forte valeur ajoutée, améliorant ainsi la qualité du service</a:t>
+            </a:r>
+            <a:br/>
+            <a:r>
+              <a:t>client. De plus, la RPA a permis d'accélérer les réponses aux demandes des clients et d'assurer</a:t>
+            </a:r>
+            <a:br/>
+            <a:r>
+              <a:t>une plus grande précision dans le traitement des données, augmentant ainsi la satisfaction de la</a:t>
+            </a:r>
+            <a:br/>
+            <a:r>
+              <a:t>clientèle. Cette illustration démontre bien la capacité de la RPA d’amorcer un processus de</a:t>
+            </a:r>
+            <a:br/>
+            <a:r>
+              <a:t>transformation et d’automatisation de l’interaction client dans le secteur des</a:t>
+            </a:r>
+            <a:br/>
+            <a:r>
+              <a:t>télécommunications.</a:t>
+            </a:r>
+          </a:p>
+        </p:txBody>
+      </p:sp>
+      <p:sp>
+        <p:nvSpPr>
+          <p:cNvPr id="10" name="TextBox 9"/>
           <p:cNvSpPr txBox="1"/>
           <p:nvPr/>
         </p:nvSpPr>
         <p:spPr>
           <a:xfrm>
-            <a:off x="0" y="4067428"/>
-            <a:ext cx="6858000" cy="2217081"/>
+            <a:off x="138545" y="7244793"/>
+            <a:ext cx="6858000" cy="274320"/>
           </a:xfrm>
           <a:prstGeom prst="rect">
             <a:avLst/>
@@ -4266,222 +4335,14 @@
           <a:lstStyle/>
           <a:p>
             <a:pPr>
-              <a:defRPr sz="1000"/>
-            </a:pPr>
-            <a:r>
-              <a:t>Chevron, une compagnie dans l’industrie du pétrole, utilise l’informatique de périphérie pour</a:t>
-            </a:r>
-            <a:br/>
-            <a:r>
-              <a:t>plusieurs tâches. En effet, dû à ses opérations dans plusieurs endroits dans le monde, l’Internet</a:t>
-            </a:r>
-            <a:br/>
-            <a:r>
-              <a:t>n’est pas toujours facile d’accès. Par exemple, la compagnie possède des installations au large</a:t>
-            </a:r>
-            <a:br/>
-            <a:r>
-              <a:t>de la mer, les rendant très éloignées. Il est donc très approprié que les installations éloignées</a:t>
-            </a:r>
-            <a:br/>
-            <a:r>
-              <a:t>aient leurs propres serveurs sur place. Effectivement, leurs plateformes pétrolières collectent</a:t>
-            </a:r>
-            <a:br/>
-            <a:r>
-              <a:t>beaucoup de données provenant de capteurs qui surveillent la qualité de la machinerie⁵. Certains</a:t>
-            </a:r>
-            <a:br/>
-            <a:r>
-              <a:t>capteurs surveillent du matériel critique afin notamment d’assurer que la pression dans les</a:t>
-            </a:r>
-            <a:br/>
-            <a:r>
-              <a:t>tuyaux n’est pas trop élevée. Si ces capteurs détectent quelque chose d’anormal, il faut qu’ils</a:t>
-            </a:r>
-            <a:br/>
-            <a:r>
-              <a:t>agissent rapidement. Avoir des serveurs sur place leur permet de réduire la latence au maximum.</a:t>
-            </a:r>
-            <a:br/>
-            <a:r>
-              <a:t>En plus, ils sauvent beaucoup de bande passante, donc aussi de l’argent. Comme la compagnie opère</a:t>
-            </a:r>
-            <a:br/>
-            <a:r>
-              <a:t>dans différents pays, cela facilite aussi la conformité avec les lois sur la résidence des</a:t>
-            </a:r>
-            <a:br/>
-            <a:r>
-              <a:t>données de chaque pays⁶. Les données peuvent être traitées sur place de manière conforme aux lois</a:t>
-            </a:r>
-            <a:br/>
-            <a:r>
-              <a:t>du pays dans lequel les données sont collectées, avant d’être envoyées aux serveurs du siège</a:t>
-            </a:r>
-            <a:br/>
-            <a:r>
-              <a:t>social de Chevron.</a:t>
-            </a:r>
-          </a:p>
-        </p:txBody>
-      </p:sp>
-      <p:sp>
-        <p:nvSpPr>
-          <p:cNvPr id="2" name="Title 1"/>
-          <p:cNvSpPr>
-            <a:spLocks noGrp="1"/>
-          </p:cNvSpPr>
-          <p:nvPr>
-            <p:ph type="title"/>
-          </p:nvPr>
-        </p:nvSpPr>
-        <p:spPr>
-          <a:xfrm>
-            <a:off x="138545" y="6299509"/>
-            <a:ext cx="6557819" cy="400000"/>
-          </a:xfrm>
-        </p:spPr>
-        <p:txBody>
-          <a:bodyPr/>
-          <a:lstStyle/>
-          <a:p>
-            <a:pPr>
-              <a:defRPr b="1" i="1">
-                <a:solidFill>
-                  <a:schemeClr val="bg1"/>
+              <a:defRPr sz="1100" b="1">
+                <a:solidFill>
+                  <a:schemeClr val="accent6"/>
                 </a:solidFill>
               </a:defRPr>
             </a:pPr>
             <a:r>
-              <a:t>France</a:t>
-            </a:r>
-          </a:p>
-        </p:txBody>
-      </p:sp>
-      <p:sp>
-        <p:nvSpPr>
-          <p:cNvPr id="8" name="TextBox 7"/>
-          <p:cNvSpPr txBox="1"/>
-          <p:nvPr/>
-        </p:nvSpPr>
-        <p:spPr>
-          <a:xfrm>
-            <a:off x="0" y="6714509"/>
-            <a:ext cx="6858000" cy="1351958"/>
-          </a:xfrm>
-          <a:prstGeom prst="rect">
-            <a:avLst/>
-          </a:prstGeom>
-          <a:noFill/>
-        </p:spPr>
-        <p:txBody>
-          <a:bodyPr wrap="none">
-            <a:spAutoFit/>
-          </a:bodyPr>
-          <a:lstStyle/>
-          <a:p>
-            <a:pPr>
-              <a:defRPr sz="1000"/>
-            </a:pPr>
-            <a:r>
-              <a:t>Menta est une compagnie qui se spécialise dans les puces reprogrammables. C’est-à-dire des</a:t>
-            </a:r>
-            <a:br/>
-            <a:r>
-              <a:t>microprocesseurs avec une circuiterie modifiable même après la fabrication. La compagnie croit</a:t>
-            </a:r>
-            <a:br/>
-            <a:r>
-              <a:t>que l’informatique de périphérie nécessitera des machines avec microprocesseurs personnalisés⁷.</a:t>
-            </a:r>
-            <a:br/>
-            <a:r>
-              <a:t>En effet, les serveurs qui analysent les données à proximité de leur source, ont souvent une</a:t>
-            </a:r>
-            <a:br/>
-            <a:r>
-              <a:t>tâche très spécifique et traitent les données de manière différente en fonction de ce que veut la</a:t>
-            </a:r>
-            <a:br/>
-            <a:r>
-              <a:t>compagnie. Comme les microprocesseurs traditionnels tout usage ne sont pas nécessairement</a:t>
-            </a:r>
-            <a:br/>
-            <a:r>
-              <a:t>optimisés pour cette tâche, Menta offre la possibilité de programmer une puce pour qu’elle soit</a:t>
-            </a:r>
-            <a:br/>
-            <a:r>
-              <a:t>le plus adaptée pour la tâche qu’elle exécute et que le processus soit plus efficace.</a:t>
-            </a:r>
-          </a:p>
-        </p:txBody>
-      </p:sp>
-      <p:sp>
-        <p:nvSpPr>
-          <p:cNvPr id="2" name="Title 1"/>
-          <p:cNvSpPr>
-            <a:spLocks noGrp="1"/>
-          </p:cNvSpPr>
-          <p:nvPr>
-            <p:ph type="title"/>
-          </p:nvPr>
-        </p:nvSpPr>
-        <p:spPr>
-          <a:xfrm>
-            <a:off x="138545" y="8081467"/>
-            <a:ext cx="6557819" cy="400000"/>
-          </a:xfrm>
-        </p:spPr>
-        <p:txBody>
-          <a:bodyPr/>
-          <a:lstStyle/>
-          <a:p>
-            <a:pPr>
-              <a:defRPr b="1" i="1">
-                <a:solidFill>
-                  <a:schemeClr val="bg1"/>
-                </a:solidFill>
-              </a:defRPr>
-            </a:pPr>
-            <a:r>
-              <a:t>Royaume-Uni</a:t>
-            </a:r>
-          </a:p>
-        </p:txBody>
-      </p:sp>
-      <p:sp>
-        <p:nvSpPr>
-          <p:cNvPr id="9" name="TextBox 8"/>
-          <p:cNvSpPr txBox="1"/>
-          <p:nvPr/>
-        </p:nvSpPr>
-        <p:spPr>
-          <a:xfrm>
-            <a:off x="138545" y="8496467"/>
-            <a:ext cx="6858000" cy="274320"/>
-          </a:xfrm>
-          <a:prstGeom prst="rect">
-            <a:avLst/>
-          </a:prstGeom>
-          <a:noFill/>
-        </p:spPr>
-        <p:txBody>
-          <a:bodyPr wrap="none">
-            <a:spAutoFit/>
-          </a:bodyPr>
-          <a:lstStyle/>
-          <a:p>
-            <a:pPr>
-              <a:defRPr sz="1100" b="1">
-                <a:solidFill>
-                  <a:schemeClr val="accent6"/>
-                </a:solidFill>
-              </a:defRPr>
-            </a:pPr>
-            <a:r>
-              <a:t>Infonuagique</a:t>
+              <a:t>La RPA au secours des commerçants en ligne ?</a:t>
             </a:r>
           </a:p>
         </p:txBody>
@@ -4513,7 +4374,7 @@
         <p:spPr>
           <a:xfrm>
             <a:off x="0" y="0"/>
-            <a:ext cx="6858000" cy="767958"/>
+            <a:ext cx="6858000" cy="1827190"/>
           </a:xfrm>
           <a:prstGeom prst="rect">
             <a:avLst/>
@@ -4530,23 +4391,47 @@
               <a:defRPr sz="1000"/>
             </a:pPr>
             <a:r>
-              <a:t>Ori Industries est une compagnie qui se spécialise dans les services infonuagiques. La compagnie</a:t>
-            </a:r>
-            <a:br/>
-            <a:r>
-              <a:t>propose une solution pour déployer une application sur différent fournisseur infonuagique</a:t>
-            </a:r>
-            <a:br/>
-            <a:r>
-              <a:t>(Google, Amazon, Azure), en même temps⁸. Cela leur permet d’offrir un réseau périphérique encore</a:t>
-            </a:r>
-            <a:br/>
-            <a:r>
-              <a:t>plus vaste, car ils ne dépendent pas de la localisation des centres de données d’un fournisseur</a:t>
-            </a:r>
-            <a:br/>
-            <a:r>
-              <a:t>en particulier.</a:t>
+              <a:t>Il est important de tenir compte du fait que l'essor fulgurant du commerce en ligne a révélé le</a:t>
+            </a:r>
+            <a:br/>
+            <a:r>
+              <a:t>besoin crucial d'automatiser les processus de vente pour garantir une gestion optimale des</a:t>
+            </a:r>
+            <a:br/>
+            <a:r>
+              <a:t>transactions. C'est précisément ici que la RPA trouve une place de choix. En ce sens, il est</a:t>
+            </a:r>
+            <a:br/>
+            <a:r>
+              <a:t>possible pour les revendeurs inscrits sur la plateforme canadienne de commerce en ligne Shopify</a:t>
+            </a:r>
+            <a:br/>
+            <a:r>
+              <a:t>de procéder à l'intégration de l'application « Autopilot Your Shop with RPA »⁸. Cette application</a:t>
+            </a:r>
+            <a:br/>
+            <a:r>
+              <a:t>se sert de robots logiciels pour automatiser les tâches récurrentes liées à la vente en ligne.</a:t>
+            </a:r>
+            <a:br/>
+            <a:r>
+              <a:t>Que ce soit la gestion des stocks, le suivi des commandes, l'envoi des factures, ou encore</a:t>
+            </a:r>
+            <a:br/>
+            <a:r>
+              <a:t>l'interaction avec les clients, tout peut être pris en charge par ces robots. Le recours à la RPA</a:t>
+            </a:r>
+            <a:br/>
+            <a:r>
+              <a:t>permet ainsi aux marchands de se libérer d'un fardeau opérationnel considérable, leur permettant</a:t>
+            </a:r>
+            <a:br/>
+            <a:r>
+              <a:t>de se concentrer sur des tâches plus stratégiques. En outre, l'efficacité de ces robots garantit</a:t>
+            </a:r>
+            <a:br/>
+            <a:r>
+              <a:t>un service rapide, ce qui contribue à l'amélioration de l'expérience client.</a:t>
             </a:r>
           </a:p>
         </p:txBody>
@@ -4559,8 +4444,8 @@
         </p:nvSpPr>
         <p:spPr>
           <a:xfrm>
-            <a:off x="138545" y="767958"/>
-            <a:ext cx="6858000" cy="274320"/>
+            <a:off x="138545" y="1827190"/>
+            <a:ext cx="6858000" cy="282686"/>
           </a:xfrm>
           <a:prstGeom prst="rect">
             <a:avLst/>
@@ -4581,7 +4466,11 @@
               </a:defRPr>
             </a:pPr>
             <a:r>
-              <a:t>Internet des objets</a:t>
+              <a:t>La solution pour une meilleure gestion des dossiers patients et une réduction de l’inertie</a:t>
+            </a:r>
+            <a:br/>
+            <a:r>
+              <a:t>administrative</a:t>
             </a:r>
           </a:p>
         </p:txBody>
@@ -4594,8 +4483,8 @@
         </p:nvSpPr>
         <p:spPr>
           <a:xfrm>
-            <a:off x="0" y="1042278"/>
-            <a:ext cx="6858000" cy="1373712"/>
+            <a:off x="0" y="2109876"/>
+            <a:ext cx="6858000" cy="1994525"/>
           </a:xfrm>
           <a:prstGeom prst="rect">
             <a:avLst/>
@@ -4612,39 +4501,309 @@
               <a:defRPr sz="1000"/>
             </a:pPr>
             <a:r>
-              <a:t>Une autre compagnie britannique se spécialisant dans l’informatique de périphérie est Zededa.</a:t>
-            </a:r>
-            <a:br/>
-            <a:r>
-              <a:t>C'est une plateforme SaaS pour gérer un réseau de machines périphériques à grande échelle⁹. Par</a:t>
-            </a:r>
-            <a:br/>
-            <a:r>
-              <a:t>exemple, une compagnie qui possède plusieurs infrastructures et qui a un serveur dans chacune de</a:t>
-            </a:r>
-            <a:br/>
-            <a:r>
-              <a:t>celles-ci, peut facilement surveiller ses serveurs à partir de l’interface de Zededa. Le logiciel</a:t>
-            </a:r>
-            <a:br/>
-            <a:r>
-              <a:t>permet de facilement détecter s’il y a des problèmes avec une des infrastructures, de s’assurer</a:t>
-            </a:r>
-            <a:br/>
-            <a:r>
-              <a:t>que tous les points d’accès sont sécurisés, et même de pouvoir mettre à jour les logiciels</a:t>
-            </a:r>
-            <a:br/>
-            <a:r>
-              <a:t>exécutés sur les machines périphériques. Zededa évite ainsi de devoir aller physiquement</a:t>
-            </a:r>
-            <a:br/>
-            <a:r>
-              <a:t>maintenir les serveurs, qui peuvent parfois être localisés dans des endroits difficiles d’accès.</a:t>
-            </a:r>
-          </a:p>
-        </p:txBody>
-      </p:sp>
+              <a:t>Aux États-Unis, l'industrie de la santé a commencé à adopter la RPA pour automatiser en</a:t>
+            </a:r>
+            <a:br/>
+            <a:r>
+              <a:t>profondeur la gestion des dossiers patients. Cela comprend le traitement des admissions et des</a:t>
+            </a:r>
+            <a:br/>
+            <a:r>
+              <a:t>congés, la coordination des rendez-vous, et la facturation. Un cas concret serait celui du</a:t>
+            </a:r>
+            <a:br/>
+            <a:r>
+              <a:t>prestigieux hôpital Cleveland Clinic⁹ qui a mis en place une plateforme de RPA pour automatiser</a:t>
+            </a:r>
+            <a:br/>
+            <a:r>
+              <a:t>certains processus administratifs, conduisant à une réduction significative des erreurs humaines</a:t>
+            </a:r>
+            <a:br/>
+            <a:r>
+              <a:t>et à une amélioration de l'efficacité. Avant la pandémie de la COVID-19, la clinique avait déjà</a:t>
+            </a:r>
+            <a:br/>
+            <a:r>
+              <a:t>mis en place la RPA pour la vérification des assurances et l'audit des réclamations. Cependant,</a:t>
+            </a:r>
+            <a:br/>
+            <a:r>
+              <a:t>l'impact significatif de la RPA est devenu particulièrement apparent lors de l'apparition de la</a:t>
+            </a:r>
+            <a:br/>
+            <a:r>
+              <a:t>COVID-19. L'équipe de la Cleveland Clinic a alors décidé d'implémenter des robots assistés pour</a:t>
+            </a:r>
+            <a:br/>
+            <a:r>
+              <a:t>automatiser le processus d'inscription et d'impression une fois que l'identité du patient a été</a:t>
+            </a:r>
+            <a:br/>
+            <a:r>
+              <a:t>vérifiée par un humain. Ce système a permis de réduire le temps d'exécution de ces tâches de</a:t>
+            </a:r>
+            <a:br/>
+            <a:r>
+              <a:t>plusieurs minutes à une quinzaine de secondes, tout en évitant les erreurs d'impression.</a:t>
+            </a:r>
+          </a:p>
+        </p:txBody>
+      </p:sp>
+      <p:sp>
+        <p:nvSpPr>
+          <p:cNvPr id="6" name="TextBox 5"/>
+          <p:cNvSpPr txBox="1"/>
+          <p:nvPr/>
+        </p:nvSpPr>
+        <p:spPr>
+          <a:xfrm>
+            <a:off x="138545" y="4104401"/>
+            <a:ext cx="6858000" cy="274320"/>
+          </a:xfrm>
+          <a:prstGeom prst="rect">
+            <a:avLst/>
+          </a:prstGeom>
+          <a:noFill/>
+        </p:spPr>
+        <p:txBody>
+          <a:bodyPr wrap="none">
+            <a:spAutoFit/>
+          </a:bodyPr>
+          <a:lstStyle/>
+          <a:p>
+            <a:pPr>
+              <a:defRPr sz="1100" b="1">
+                <a:solidFill>
+                  <a:schemeClr val="accent6"/>
+                </a:solidFill>
+              </a:defRPr>
+            </a:pPr>
+            <a:r>
+              <a:t>Optimiser la gestion des ressources humaines, vers la fin des requêtes sans réponse ?</a:t>
+            </a:r>
+          </a:p>
+        </p:txBody>
+      </p:sp>
+      <p:sp>
+        <p:nvSpPr>
+          <p:cNvPr id="7" name="TextBox 6"/>
+          <p:cNvSpPr txBox="1"/>
+          <p:nvPr/>
+        </p:nvSpPr>
+        <p:spPr>
+          <a:xfrm>
+            <a:off x="0" y="4378721"/>
+            <a:ext cx="6858000" cy="2381070"/>
+          </a:xfrm>
+          <a:prstGeom prst="rect">
+            <a:avLst/>
+          </a:prstGeom>
+          <a:noFill/>
+        </p:spPr>
+        <p:txBody>
+          <a:bodyPr wrap="none">
+            <a:spAutoFit/>
+          </a:bodyPr>
+          <a:lstStyle/>
+          <a:p>
+            <a:pPr>
+              <a:defRPr sz="1000"/>
+            </a:pPr>
+            <a:r>
+              <a:t>En mettant en place une solution RPA, le géant américain IBM a su automatiser divers aspects du</a:t>
+            </a:r>
+            <a:br/>
+            <a:r>
+              <a:t>processus de recrutement, dont la recherche et la présélection des candidats, ainsi que la</a:t>
+            </a:r>
+            <a:br/>
+            <a:r>
+              <a:t>planification des entretiens. Avec l'aide de la RPA, IBM ¹⁰a pu réduire le temps consacré à ces</a:t>
+            </a:r>
+            <a:br/>
+            <a:r>
+              <a:t>tâches, permettant aux professionnels des ressources humaines de se concentrer sur des aspects</a:t>
+            </a:r>
+            <a:br/>
+            <a:r>
+              <a:t>plus nuancés du recrutement tels que l'évaluation de la culture d'entreprise et l'engagement des</a:t>
+            </a:r>
+            <a:br/>
+            <a:r>
+              <a:t>candidats. De plus, l'automatisation a permis d'éliminer les erreurs humaines inhérentes au</a:t>
+            </a:r>
+            <a:br/>
+            <a:r>
+              <a:t>processus de recrutement, ce qui a amélioré l'efficacité globale et l'expérience des candidats.</a:t>
+            </a:r>
+            <a:br/>
+            <a:r>
+              <a:t>En outre, IBM a utilisé la RPA pour améliorer l'interaction avec les candidats. Cela se</a:t>
+            </a:r>
+            <a:br/>
+            <a:r>
+              <a:t>matérialise notamment par le fait que les candidats peuvent maintenant recevoir des mises à jour</a:t>
+            </a:r>
+            <a:br/>
+            <a:r>
+              <a:t>automatiques sur le statut de leur candidature, ce qui améliore la communication et la</a:t>
+            </a:r>
+            <a:br/>
+            <a:r>
+              <a:t>transparence. De même, la RPA a également permis d'améliorer le processus d'intégration en</a:t>
+            </a:r>
+            <a:br/>
+            <a:r>
+              <a:t>automatisant les tâches administratives associées à l'embauche de nouveaux employés. De fait, en</a:t>
+            </a:r>
+            <a:br/>
+            <a:r>
+              <a:t>tirant parti de l'automatisation, IBM a pu transformer son processus de recrutement en une</a:t>
+            </a:r>
+            <a:br/>
+            <a:r>
+              <a:t>machine bien huilée, capable de gérer efficacement un grand nombre de candidatures tout en</a:t>
+            </a:r>
+            <a:br/>
+            <a:r>
+              <a:t>maintenant une expérience positive pour les candidats.</a:t>
+            </a:r>
+          </a:p>
+        </p:txBody>
+      </p:sp>
+      <p:sp>
+        <p:nvSpPr>
+          <p:cNvPr id="8" name="TextBox 7"/>
+          <p:cNvSpPr txBox="1"/>
+          <p:nvPr/>
+        </p:nvSpPr>
+        <p:spPr>
+          <a:xfrm>
+            <a:off x="138545" y="6759791"/>
+            <a:ext cx="6858000" cy="274320"/>
+          </a:xfrm>
+          <a:prstGeom prst="rect">
+            <a:avLst/>
+          </a:prstGeom>
+          <a:noFill/>
+        </p:spPr>
+        <p:txBody>
+          <a:bodyPr wrap="none">
+            <a:spAutoFit/>
+          </a:bodyPr>
+          <a:lstStyle/>
+          <a:p>
+            <a:pPr>
+              <a:defRPr sz="1100" b="1">
+                <a:solidFill>
+                  <a:schemeClr val="accent6"/>
+                </a:solidFill>
+              </a:defRPr>
+            </a:pPr>
+            <a:r>
+              <a:t>Commerce et logistique</a:t>
+            </a:r>
+          </a:p>
+        </p:txBody>
+      </p:sp>
+      <p:sp>
+        <p:nvSpPr>
+          <p:cNvPr id="9" name="TextBox 8"/>
+          <p:cNvSpPr txBox="1"/>
+          <p:nvPr/>
+        </p:nvSpPr>
+        <p:spPr>
+          <a:xfrm>
+            <a:off x="0" y="7034111"/>
+            <a:ext cx="6858000" cy="2063133"/>
+          </a:xfrm>
+          <a:prstGeom prst="rect">
+            <a:avLst/>
+          </a:prstGeom>
+          <a:noFill/>
+        </p:spPr>
+        <p:txBody>
+          <a:bodyPr wrap="none">
+            <a:spAutoFit/>
+          </a:bodyPr>
+          <a:lstStyle/>
+          <a:p>
+            <a:pPr>
+              <a:defRPr sz="1000"/>
+            </a:pPr>
+            <a:r>
+              <a:t>La gestion de stock peut s’avérer être un véritable casse-tête surtout dès lors que l’on atteint</a:t>
+            </a:r>
+            <a:br/>
+            <a:r>
+              <a:t>des échelles de marché telles que celles couvertes par Wallmart¹¹, la célèbre chaine de commerce</a:t>
+            </a:r>
+            <a:br/>
+            <a:r>
+              <a:t>américaine. Face à ce défi logistique et en recourant à la RPA pour automatiser le suivi des</a:t>
+            </a:r>
+            <a:br/>
+            <a:r>
+              <a:t>stocks, Walmart a su améliorer l'exactitude de la gestion des stocks, évitant ainsi des</a:t>
+            </a:r>
+            <a:br/>
+            <a:r>
+              <a:t>situations problématiques comme les surstocks ou les ruptures de stock. La RPA permet</a:t>
+            </a:r>
+            <a:br/>
+            <a:r>
+              <a:t>d'automatiser un ensemble de tâches critiques pour le suivi des stocks, allant du</a:t>
+            </a:r>
+            <a:br/>
+            <a:r>
+              <a:t>réapprovisionnement automatique des articles au suivi des tendances de vente pour prévoir les</a:t>
+            </a:r>
+            <a:br/>
+            <a:r>
+              <a:t>besoins futurs en stock en passant par le signalement rapide des anomalies. En résulte une</a:t>
+            </a:r>
+            <a:br/>
+            <a:r>
+              <a:t>gestion plus précise et efficace de l'inventaire qui a un impact direct sur la satisfaction du</a:t>
+            </a:r>
+            <a:br/>
+            <a:r>
+              <a:t>client. Par ailleurs, l'introduction de la RPA a permis à Walmart de réduire les coûts associés</a:t>
+            </a:r>
+            <a:br/>
+            <a:r>
+              <a:t>au surstockage et aux ruptures de stock, améliorant ainsi sa rentabilité. Cette amélioration est</a:t>
+            </a:r>
+            <a:br/>
+            <a:r>
+              <a:t>due au fait que la RPA permet une meilleure synchronisation entre la demande des clients et le</a:t>
+            </a:r>
+            <a:br/>
+            <a:r>
+              <a:t>stock disponible, optimisant ainsi les coûts d'inventaire.</a:t>
+            </a:r>
+          </a:p>
+        </p:txBody>
+      </p:sp>
+    </p:spTree>
+  </p:cSld>
+  <p:clrMapOvr>
+    <a:masterClrMapping/>
+  </p:clrMapOvr>
+</p:sld>
+</file>
+
+<file path=ppt/slides/slide5.xml><?xml version="1.0" encoding="utf-8"?>
+<p:sld xmlns:a="http://schemas.openxmlformats.org/drawingml/2006/main" xmlns:p="http://schemas.openxmlformats.org/presentationml/2006/main" xmlns:r="http://schemas.openxmlformats.org/officeDocument/2006/relationships">
+  <p:cSld>
+    <p:spTree>
+      <p:nvGrpSpPr>
+        <p:cNvPr id="1" name=""/>
+        <p:cNvGrpSpPr/>
+        <p:nvPr/>
+      </p:nvGrpSpPr>
+      <p:grpSpPr/>
       <p:sp>
         <p:nvSpPr>
           <p:cNvPr id="2" name="Title 1"/>
@@ -4657,7 +4816,7 @@
         </p:nvSpPr>
         <p:spPr>
           <a:xfrm>
-            <a:off x="138545" y="2430990"/>
+            <a:off x="138545" y="15000"/>
             <a:ext cx="6557819" cy="400000"/>
           </a:xfrm>
         </p:spPr>
@@ -4673,21 +4832,21 @@
               </a:defRPr>
             </a:pPr>
             <a:r>
-              <a:t>Singapour</a:t>
-            </a:r>
-          </a:p>
-        </p:txBody>
-      </p:sp>
-      <p:sp>
-        <p:nvSpPr>
-          <p:cNvPr id="6" name="TextBox 5"/>
+              <a:t>Europe</a:t>
+            </a:r>
+          </a:p>
+        </p:txBody>
+      </p:sp>
+      <p:sp>
+        <p:nvSpPr>
+          <p:cNvPr id="3" name="TextBox 2"/>
           <p:cNvSpPr txBox="1"/>
           <p:nvPr/>
         </p:nvSpPr>
         <p:spPr>
           <a:xfrm>
-            <a:off x="0" y="2845990"/>
-            <a:ext cx="6858000" cy="1628061"/>
+            <a:off x="138545" y="430000"/>
+            <a:ext cx="6858000" cy="274320"/>
           </a:xfrm>
           <a:prstGeom prst="rect">
             <a:avLst/>
@@ -4701,46 +4860,718 @@
           <a:lstStyle/>
           <a:p>
             <a:pPr>
+              <a:defRPr sz="1100" b="1">
+                <a:solidFill>
+                  <a:schemeClr val="accent6"/>
+                </a:solidFill>
+              </a:defRPr>
+            </a:pPr>
+            <a:r>
+              <a:t>La santé publique un domaine propice à l’expansion de la RPA</a:t>
+            </a:r>
+          </a:p>
+        </p:txBody>
+      </p:sp>
+      <p:sp>
+        <p:nvSpPr>
+          <p:cNvPr id="4" name="TextBox 3"/>
+          <p:cNvSpPr txBox="1"/>
+          <p:nvPr/>
+        </p:nvSpPr>
+        <p:spPr>
+          <a:xfrm>
+            <a:off x="0" y="704320"/>
+            <a:ext cx="6858000" cy="1691649"/>
+          </a:xfrm>
+          <a:prstGeom prst="rect">
+            <a:avLst/>
+          </a:prstGeom>
+          <a:noFill/>
+        </p:spPr>
+        <p:txBody>
+          <a:bodyPr wrap="none">
+            <a:spAutoFit/>
+          </a:bodyPr>
+          <a:lstStyle/>
+          <a:p>
+            <a:pPr>
               <a:defRPr sz="1000"/>
             </a:pPr>
             <a:r>
-              <a:t>ST Engineering, une compagnie de Singapour offrant des services dans le domaine de la sécurité</a:t>
-            </a:r>
-            <a:br/>
-            <a:r>
-              <a:t>pour les agences et les gouvernements, notamment des modèles d’intelligence artificielle pour de</a:t>
-            </a:r>
-            <a:br/>
-            <a:r>
-              <a:t>la reconnaissance faciale, de la détection de comportements anormales, et plus encore¹⁰. Leur</a:t>
-            </a:r>
-            <a:br/>
-            <a:r>
-              <a:t>service inclut la possibilité d’intégrer l’informatique de périphérie et de faire tourner leur</a:t>
-            </a:r>
-            <a:br/>
-            <a:r>
-              <a:t>logiciel d’intelligence artificielle sur des systèmes embarquées (appareil électronique</a:t>
-            </a:r>
-            <a:br/>
-            <a:r>
-              <a:t>spécialisé pour effectuer une tâche)¹¹. Cela permet par exemple de récupérer le flux d’une caméra</a:t>
-            </a:r>
-            <a:br/>
-            <a:r>
-              <a:t>de surveillance et de l’envoyé sur un ordinateur, et c’est ce même ordinateur qui exécutera le</a:t>
-            </a:r>
-            <a:br/>
-            <a:r>
-              <a:t>modèle d’IA de reconnaissance faciale. Les données de la caméra n’ont donc même pas besoin de</a:t>
-            </a:r>
-            <a:br/>
-            <a:r>
-              <a:t>passer par Internet, elles sont directement traitées sur place. Ce système a l’avantage de</a:t>
-            </a:r>
-            <a:br/>
-            <a:r>
-              <a:t>fonctionner sans connexion à un réseau, et n’a aucune latence.</a:t>
+              <a:t>L'AP-HP (Assistance Publique - Hôpitaux de Paris)¹², en tant que réseau hospitalier de premier</a:t>
+            </a:r>
+            <a:br/>
+            <a:r>
+              <a:t>plan en France, s'est engagée à exploiter les avantages de la RPA, particulièrement dans la</a:t>
+            </a:r>
+            <a:br/>
+            <a:r>
+              <a:t>gestion des dossiers patients. Les robots peuvent non seulement numériser et classer des</a:t>
+            </a:r>
+            <a:br/>
+            <a:r>
+              <a:t>documents, mais aussi vérifier l'exactitude des informations, une tâche qui serait fastidieuse et</a:t>
+            </a:r>
+            <a:br/>
+            <a:r>
+              <a:t>sujette à erreurs si elle était effectuée manuellement. Cela permet une consolidation efficace</a:t>
+            </a:r>
+            <a:br/>
+            <a:r>
+              <a:t>des données, facilitant leur accès pour les professionnels de la santé et améliorant l'exactitude</a:t>
+            </a:r>
+            <a:br/>
+            <a:r>
+              <a:t>du diagnostic et du traitement. De plus, la possibilité de rechercher rapidement les dossiers des</a:t>
+            </a:r>
+            <a:br/>
+            <a:r>
+              <a:t>patients réduit le temps d'attente pour les patients et augmente leur satisfaction. À long terme,</a:t>
+            </a:r>
+            <a:br/>
+            <a:r>
+              <a:t>l'AP-HP envisage une application plus large de la RPA, y compris la surveillance des médicaments,</a:t>
+            </a:r>
+            <a:br/>
+            <a:r>
+              <a:t>l'aide à la planification des rendez-vous, et même le soutien à la recherche clinique.</a:t>
+            </a:r>
+          </a:p>
+        </p:txBody>
+      </p:sp>
+      <p:sp>
+        <p:nvSpPr>
+          <p:cNvPr id="5" name="TextBox 4"/>
+          <p:cNvSpPr txBox="1"/>
+          <p:nvPr/>
+        </p:nvSpPr>
+        <p:spPr>
+          <a:xfrm>
+            <a:off x="138545" y="2395969"/>
+            <a:ext cx="6858000" cy="274320"/>
+          </a:xfrm>
+          <a:prstGeom prst="rect">
+            <a:avLst/>
+          </a:prstGeom>
+          <a:noFill/>
+        </p:spPr>
+        <p:txBody>
+          <a:bodyPr wrap="none">
+            <a:spAutoFit/>
+          </a:bodyPr>
+          <a:lstStyle/>
+          <a:p>
+            <a:pPr>
+              <a:defRPr sz="1100" b="1">
+                <a:solidFill>
+                  <a:schemeClr val="accent6"/>
+                </a:solidFill>
+              </a:defRPr>
+            </a:pPr>
+            <a:r>
+              <a:t>Vers une automatisation de la gestion des réclamations en assurance</a:t>
+            </a:r>
+          </a:p>
+        </p:txBody>
+      </p:sp>
+      <p:sp>
+        <p:nvSpPr>
+          <p:cNvPr id="6" name="TextBox 5"/>
+          <p:cNvSpPr txBox="1"/>
+          <p:nvPr/>
+        </p:nvSpPr>
+        <p:spPr>
+          <a:xfrm>
+            <a:off x="0" y="2670289"/>
+            <a:ext cx="6858000" cy="1681609"/>
+          </a:xfrm>
+          <a:prstGeom prst="rect">
+            <a:avLst/>
+          </a:prstGeom>
+          <a:noFill/>
+        </p:spPr>
+        <p:txBody>
+          <a:bodyPr wrap="none">
+            <a:spAutoFit/>
+          </a:bodyPr>
+          <a:lstStyle/>
+          <a:p>
+            <a:pPr>
+              <a:defRPr sz="1000"/>
+            </a:pPr>
+            <a:r>
+              <a:t>L'assureur français AXA¹³ a intégré une utilisation pertinente de la RPA dans le processus de</a:t>
+            </a:r>
+            <a:br/>
+            <a:r>
+              <a:t>gestion des réclamations. Non seulement les outils d’automatisation ici peuvent optimiser le</a:t>
+            </a:r>
+            <a:br/>
+            <a:r>
+              <a:t>processus d'évaluation des réclamations, mais ils peuvent également détecter les réclamations</a:t>
+            </a:r>
+            <a:br/>
+            <a:r>
+              <a:t>frauduleuses en analysant les schémas de données, une tâche qui serait difficile à accomplir pour</a:t>
+            </a:r>
+            <a:br/>
+            <a:r>
+              <a:t>un humain. Par ailleurs, l'efficacité accrue de la RPA a également un impact positif sur le</a:t>
+            </a:r>
+            <a:br/>
+            <a:r>
+              <a:t>service à la clientèle : avec des délais de traitement plus courts, les clients peuvent recevoir</a:t>
+            </a:r>
+            <a:br/>
+            <a:r>
+              <a:t>leurs paiements plus rapidement, ce qui améliore leur satisfaction et renforce leur confiance</a:t>
+            </a:r>
+            <a:br/>
+            <a:r>
+              <a:t>envers l'assureur. AXA envisage également l'utilisation de la RPA pour automatiser d'autres</a:t>
+            </a:r>
+            <a:br/>
+            <a:r>
+              <a:t>processus internes, tels que la gestion des polices d'assurance et la préparation des rapports</a:t>
+            </a:r>
+            <a:br/>
+            <a:r>
+              <a:t>financiers, ouvrant ainsi la voie à une transformation numérique plus large de l'entreprise.</a:t>
+            </a:r>
+          </a:p>
+        </p:txBody>
+      </p:sp>
+      <p:sp>
+        <p:nvSpPr>
+          <p:cNvPr id="7" name="TextBox 6"/>
+          <p:cNvSpPr txBox="1"/>
+          <p:nvPr/>
+        </p:nvSpPr>
+        <p:spPr>
+          <a:xfrm>
+            <a:off x="138545" y="4351898"/>
+            <a:ext cx="6858000" cy="274320"/>
+          </a:xfrm>
+          <a:prstGeom prst="rect">
+            <a:avLst/>
+          </a:prstGeom>
+          <a:noFill/>
+        </p:spPr>
+        <p:txBody>
+          <a:bodyPr wrap="none">
+            <a:spAutoFit/>
+          </a:bodyPr>
+          <a:lstStyle/>
+          <a:p>
+            <a:pPr>
+              <a:defRPr sz="1100" b="1">
+                <a:solidFill>
+                  <a:schemeClr val="accent6"/>
+                </a:solidFill>
+              </a:defRPr>
+            </a:pPr>
+            <a:r>
+              <a:t>Pour une plus large couverture des services public : Automatisation des services aux citoyens</a:t>
+            </a:r>
+          </a:p>
+        </p:txBody>
+      </p:sp>
+      <p:sp>
+        <p:nvSpPr>
+          <p:cNvPr id="8" name="TextBox 7"/>
+          <p:cNvSpPr txBox="1"/>
+          <p:nvPr/>
+        </p:nvSpPr>
+        <p:spPr>
+          <a:xfrm>
+            <a:off x="0" y="4626218"/>
+            <a:ext cx="6858000" cy="1525987"/>
+          </a:xfrm>
+          <a:prstGeom prst="rect">
+            <a:avLst/>
+          </a:prstGeom>
+          <a:noFill/>
+        </p:spPr>
+        <p:txBody>
+          <a:bodyPr wrap="none">
+            <a:spAutoFit/>
+          </a:bodyPr>
+          <a:lstStyle/>
+          <a:p>
+            <a:pPr>
+              <a:defRPr sz="1000"/>
+            </a:pPr>
+            <a:r>
+              <a:t>La Direction Générale des Finances Publiques française¹⁴ (DGFiP) illustre comment le secteur</a:t>
+            </a:r>
+            <a:br/>
+            <a:r>
+              <a:t>public en France peut bénéficier de l'utilisation de la RPA. En automatisant la collecte et le</a:t>
+            </a:r>
+            <a:br/>
+            <a:r>
+              <a:t>traitement des informations fiscales, la DGFiP a non seulement réduit le risque d'erreurs, mais a</a:t>
+            </a:r>
+            <a:br/>
+            <a:r>
+              <a:t>également accéléré les processus décisionnels. Cela se traduit par une amélioration du service</a:t>
+            </a:r>
+            <a:br/>
+            <a:r>
+              <a:t>pour les citoyens, car ils peuvent obtenir des réponses plus rapidement et plus précisément. En</a:t>
+            </a:r>
+            <a:br/>
+            <a:r>
+              <a:t>outre, la RPA pourrait également être utilisée pour améliorer l'efficacité de l'audit interne et</a:t>
+            </a:r>
+            <a:br/>
+            <a:r>
+              <a:t>du contrôle fiscal, contribuant ainsi à une meilleure gestion des finances publiques. A l'avenir,</a:t>
+            </a:r>
+            <a:br/>
+            <a:r>
+              <a:t>la DGFiP envisage d'étendre l'utilisation de la RPA à d'autres domaines, tels que le contrôle de</a:t>
+            </a:r>
+            <a:br/>
+            <a:r>
+              <a:t>l'exactitude des déclarations de revenus ou la prévention de la fraude fiscale.</a:t>
+            </a:r>
+          </a:p>
+        </p:txBody>
+      </p:sp>
+      <p:sp>
+        <p:nvSpPr>
+          <p:cNvPr id="9" name="TextBox 8"/>
+          <p:cNvSpPr txBox="1"/>
+          <p:nvPr/>
+        </p:nvSpPr>
+        <p:spPr>
+          <a:xfrm>
+            <a:off x="138545" y="6152205"/>
+            <a:ext cx="6858000" cy="274320"/>
+          </a:xfrm>
+          <a:prstGeom prst="rect">
+            <a:avLst/>
+          </a:prstGeom>
+          <a:noFill/>
+        </p:spPr>
+        <p:txBody>
+          <a:bodyPr wrap="none">
+            <a:spAutoFit/>
+          </a:bodyPr>
+          <a:lstStyle/>
+          <a:p>
+            <a:pPr>
+              <a:defRPr sz="1100" b="1">
+                <a:solidFill>
+                  <a:schemeClr val="accent6"/>
+                </a:solidFill>
+              </a:defRPr>
+            </a:pPr>
+            <a:r>
+              <a:t>Des entreprises britanniques spécialisées dans la mise à disposition de solutions de RPA</a:t>
+            </a:r>
+          </a:p>
+        </p:txBody>
+      </p:sp>
+    </p:spTree>
+  </p:cSld>
+  <p:clrMapOvr>
+    <a:masterClrMapping/>
+  </p:clrMapOvr>
+</p:sld>
+</file>
+
+<file path=ppt/slides/slide6.xml><?xml version="1.0" encoding="utf-8"?>
+<p:sld xmlns:a="http://schemas.openxmlformats.org/drawingml/2006/main" xmlns:p="http://schemas.openxmlformats.org/presentationml/2006/main" xmlns:r="http://schemas.openxmlformats.org/officeDocument/2006/relationships">
+  <p:cSld>
+    <p:spTree>
+      <p:nvGrpSpPr>
+        <p:cNvPr id="1" name=""/>
+        <p:cNvGrpSpPr/>
+        <p:nvPr/>
+      </p:nvGrpSpPr>
+      <p:grpSpPr/>
+      <p:sp>
+        <p:nvSpPr>
+          <p:cNvPr id="3" name="TextBox 2"/>
+          <p:cNvSpPr txBox="1"/>
+          <p:nvPr/>
+        </p:nvSpPr>
+        <p:spPr>
+          <a:xfrm>
+            <a:off x="0" y="0"/>
+            <a:ext cx="6858000" cy="3134078"/>
+          </a:xfrm>
+          <a:prstGeom prst="rect">
+            <a:avLst/>
+          </a:prstGeom>
+          <a:noFill/>
+        </p:spPr>
+        <p:txBody>
+          <a:bodyPr wrap="none">
+            <a:spAutoFit/>
+          </a:bodyPr>
+          <a:lstStyle/>
+          <a:p>
+            <a:pPr>
+              <a:defRPr sz="1000"/>
+            </a:pPr>
+            <a:r>
+              <a:t>L'entreprise SS&amp;C BLUE PRISM¹⁵ se positionne comme un acteur majeur dans le développement et la</a:t>
+            </a:r>
+            <a:br/>
+            <a:r>
+              <a:t>diffusion de la RPA dans le monde. Elle s'est distinguée en proposant à de nombreuses sociétés</a:t>
+            </a:r>
+            <a:br/>
+            <a:r>
+              <a:t>ses outils innovants tels que Blue Prism Cloud SaaS, une solution entièrement gérée et hébergée</a:t>
+            </a:r>
+            <a:br/>
+            <a:r>
+              <a:t>offrant un ensemble d'avantages sans inconvénients, et Robotic Operating Model (ROM), un modèle</a:t>
+            </a:r>
+            <a:br/>
+            <a:r>
+              <a:t>opérationnel éprouvé permettant de déployer, gérer et développer efficacement leur programme</a:t>
+            </a:r>
+            <a:br/>
+            <a:r>
+              <a:t>d'automatisation intelligente. Considérant la variété et la polyvalence des solutions proposées</a:t>
+            </a:r>
+            <a:br/>
+            <a:r>
+              <a:t>par cette entreprise, elle dessert une large gamme de clients¹⁶, englobant les secteurs</a:t>
+            </a:r>
+            <a:br/>
+            <a:r>
+              <a:t>bancaires, financiers, industriels, publics et des télécommunications. Pour preuve, l'une de ses</a:t>
+            </a:r>
+            <a:br/>
+            <a:r>
+              <a:t>ambitions majeures est de stimuler la transformation digitale des institutions bancaires et</a:t>
+            </a:r>
+            <a:br/>
+            <a:r>
+              <a:t>financières grâce à l'automatisation. Dans le secteur des télécommunications, elle envisage</a:t>
+            </a:r>
+            <a:br/>
+            <a:r>
+              <a:t>d'utiliser l'automatisation pour moderniser des modèles opérationnels parfois obsolètes, afin de</a:t>
+            </a:r>
+            <a:br/>
+            <a:r>
+              <a:t>fournir de nouveaux services omnicanals qui accompagneront l'avènement de la 5G et de l'Internet</a:t>
+            </a:r>
+            <a:br/>
+            <a:r>
+              <a:t>des Objets (IoT). Cette stratégie lui permettra de répondre aux attentes grandissantes des</a:t>
+            </a:r>
+            <a:br/>
+            <a:r>
+              <a:t>clients. Pour le secteur industriel, confronté à des défis tels que les conditions changeantes du</a:t>
+            </a:r>
+            <a:br/>
+            <a:r>
+              <a:t>marché, les pénuries de compétences et l'apparition de nouveaux concurrents, il apparait évident</a:t>
+            </a:r>
+            <a:br/>
+            <a:r>
+              <a:t>que l'heure est résolument au changement. C'est dans ce contexte que SS&amp;C BLUE PRISM envisage</a:t>
+            </a:r>
+            <a:br/>
+            <a:r>
+              <a:t>d'apporter sa contribution grâce à la RPA, permettant une transformation numérique soutenue et</a:t>
+            </a:r>
+            <a:br/>
+            <a:r>
+              <a:t>efficace. La jonction de cette vision aux capacités techniques reconnues de cette entreprise lui</a:t>
+            </a:r>
+            <a:br/>
+            <a:r>
+              <a:t>a ainsi permis de tisser un vaste réseau de partenaires à l’instar de microsoft, IBM ou encore</a:t>
+            </a:r>
+            <a:br/>
+            <a:r>
+              <a:t>google.</a:t>
+            </a:r>
+          </a:p>
+        </p:txBody>
+      </p:sp>
+      <p:sp>
+        <p:nvSpPr>
+          <p:cNvPr id="4" name="TextBox 3"/>
+          <p:cNvSpPr txBox="1"/>
+          <p:nvPr/>
+        </p:nvSpPr>
+        <p:spPr>
+          <a:xfrm>
+            <a:off x="138545" y="3134078"/>
+            <a:ext cx="6858000" cy="274320"/>
+          </a:xfrm>
+          <a:prstGeom prst="rect">
+            <a:avLst/>
+          </a:prstGeom>
+          <a:noFill/>
+        </p:spPr>
+        <p:txBody>
+          <a:bodyPr wrap="none">
+            <a:spAutoFit/>
+          </a:bodyPr>
+          <a:lstStyle/>
+          <a:p>
+            <a:pPr>
+              <a:defRPr sz="1100" b="1">
+                <a:solidFill>
+                  <a:schemeClr val="accent6"/>
+                </a:solidFill>
+              </a:defRPr>
+            </a:pPr>
+            <a:r>
+              <a:t>La construction de solutions RPA, l’exemple du géant Roumain UI PATH</a:t>
+            </a:r>
+          </a:p>
+        </p:txBody>
+      </p:sp>
+      <p:sp>
+        <p:nvSpPr>
+          <p:cNvPr id="5" name="TextBox 4"/>
+          <p:cNvSpPr txBox="1"/>
+          <p:nvPr/>
+        </p:nvSpPr>
+        <p:spPr>
+          <a:xfrm>
+            <a:off x="0" y="3408398"/>
+            <a:ext cx="6858000" cy="2881402"/>
+          </a:xfrm>
+          <a:prstGeom prst="rect">
+            <a:avLst/>
+          </a:prstGeom>
+          <a:noFill/>
+        </p:spPr>
+        <p:txBody>
+          <a:bodyPr wrap="none">
+            <a:spAutoFit/>
+          </a:bodyPr>
+          <a:lstStyle/>
+          <a:p>
+            <a:pPr>
+              <a:defRPr sz="1000"/>
+            </a:pPr>
+            <a:r>
+              <a:t>UIPath¹⁷, une société roumaine émergente, s'est taillé une place enviable sur le marché mondial</a:t>
+            </a:r>
+            <a:br/>
+            <a:r>
+              <a:t>des solutions RPA (Robotic Process Automation) et a ouvert une nouvelle voie pour l'Europe de</a:t>
+            </a:r>
+            <a:br/>
+            <a:r>
+              <a:t>l'Est en matière d'innovation technologique. Forte de sa plateforme avancée d'automatisation des</a:t>
+            </a:r>
+            <a:br/>
+            <a:r>
+              <a:t>processus, UIPath a fait preuve d'une audace créatrice qui a changé la donne dans le domaine de</a:t>
+            </a:r>
+            <a:br/>
+            <a:r>
+              <a:t>la RPA. Un des cas notables de l'application de la technologie de UIPath repose sur l’intégration</a:t>
+            </a:r>
+            <a:br/>
+            <a:r>
+              <a:t>par plus de 28 états américains¹⁸ de leurs solutions numériques. En effet, ces entités</a:t>
+            </a:r>
+            <a:br/>
+            <a:r>
+              <a:t>gouvernementales ont utilisé le logiciel de UIPath pour automatiser plusieurs de ses processus</a:t>
+            </a:r>
+            <a:br/>
+            <a:r>
+              <a:t>internes, résultant en une réduction significative du temps de travail et une amélioration de la</a:t>
+            </a:r>
+            <a:br/>
+            <a:r>
+              <a:t>précision dans l'exécution des tâches. De plus, la flexibilité de la solution de UIPath permet à</a:t>
+            </a:r>
+            <a:br/>
+            <a:r>
+              <a:t>ses utilisateurs de construire des robots personnalisés pour répondre à leurs besoins</a:t>
+            </a:r>
+            <a:br/>
+            <a:r>
+              <a:t>spécifiques, offrant ainsi une grande adaptabilité. Par exemple, la solution RPA de UIPath a été</a:t>
+            </a:r>
+            <a:br/>
+            <a:r>
+              <a:t>utilisée par la Deutsche Bank pour automatiser le traitement des factures, permettant à la banque</a:t>
+            </a:r>
+            <a:br/>
+            <a:r>
+              <a:t>de gagner en efficacité et de réduire les coûts. UIPath ne se repose cependant pas sur ses</a:t>
+            </a:r>
+            <a:br/>
+            <a:r>
+              <a:t>lauriers. En veillant à rester à la pointe des avancées technologiques, cette entreprise tend</a:t>
+            </a:r>
+            <a:br/>
+            <a:r>
+              <a:t>constamment à améliorer sa plateforme. Comme une preuve de l’innovation permanente de cette</a:t>
+            </a:r>
+            <a:br/>
+            <a:r>
+              <a:t>entreprise, elle a récemment introduit des capacités d'intelligence artificielle dans sa</a:t>
+            </a:r>
+            <a:br/>
+            <a:r>
+              <a:t>plateforme, permettant aux robots d'apprendre et de s'adapter en fonction des tâches qu'ils</a:t>
+            </a:r>
+            <a:br/>
+            <a:r>
+              <a:t>exécutent, offrant ainsi un niveau supérieur d'automatisation.</a:t>
+            </a:r>
+          </a:p>
+        </p:txBody>
+      </p:sp>
+      <p:sp>
+        <p:nvSpPr>
+          <p:cNvPr id="2" name="Title 1"/>
+          <p:cNvSpPr>
+            <a:spLocks noGrp="1"/>
+          </p:cNvSpPr>
+          <p:nvPr>
+            <p:ph type="title"/>
+          </p:nvPr>
+        </p:nvSpPr>
+        <p:spPr>
+          <a:xfrm>
+            <a:off x="138545" y="6304800"/>
+            <a:ext cx="6557819" cy="400000"/>
+          </a:xfrm>
+        </p:spPr>
+        <p:txBody>
+          <a:bodyPr/>
+          <a:lstStyle/>
+          <a:p>
+            <a:pPr>
+              <a:defRPr b="1" i="1">
+                <a:solidFill>
+                  <a:schemeClr val="bg1"/>
+                </a:solidFill>
+              </a:defRPr>
+            </a:pPr>
+            <a:r>
+              <a:t>Asie</a:t>
+            </a:r>
+          </a:p>
+        </p:txBody>
+      </p:sp>
+      <p:sp>
+        <p:nvSpPr>
+          <p:cNvPr id="6" name="TextBox 5"/>
+          <p:cNvSpPr txBox="1"/>
+          <p:nvPr/>
+        </p:nvSpPr>
+        <p:spPr>
+          <a:xfrm>
+            <a:off x="138545" y="6719800"/>
+            <a:ext cx="6858000" cy="274320"/>
+          </a:xfrm>
+          <a:prstGeom prst="rect">
+            <a:avLst/>
+          </a:prstGeom>
+          <a:noFill/>
+        </p:spPr>
+        <p:txBody>
+          <a:bodyPr wrap="none">
+            <a:spAutoFit/>
+          </a:bodyPr>
+          <a:lstStyle/>
+          <a:p>
+            <a:pPr>
+              <a:defRPr sz="1100" b="1">
+                <a:solidFill>
+                  <a:schemeClr val="accent6"/>
+                </a:solidFill>
+              </a:defRPr>
+            </a:pPr>
+            <a:r>
+              <a:t>La RPA un optimiser la mise à disposition des services de santé</a:t>
+            </a:r>
+          </a:p>
+        </p:txBody>
+      </p:sp>
+      <p:sp>
+        <p:nvSpPr>
+          <p:cNvPr id="7" name="TextBox 6"/>
+          <p:cNvSpPr txBox="1"/>
+          <p:nvPr/>
+        </p:nvSpPr>
+        <p:spPr>
+          <a:xfrm>
+            <a:off x="0" y="6994120"/>
+            <a:ext cx="6858000" cy="1909184"/>
+          </a:xfrm>
+          <a:prstGeom prst="rect">
+            <a:avLst/>
+          </a:prstGeom>
+          <a:noFill/>
+        </p:spPr>
+        <p:txBody>
+          <a:bodyPr wrap="none">
+            <a:spAutoFit/>
+          </a:bodyPr>
+          <a:lstStyle/>
+          <a:p>
+            <a:pPr>
+              <a:defRPr sz="1000"/>
+            </a:pPr>
+            <a:r>
+              <a:t>Max Healthcare¹⁹, l'un des principaux réseaux hospitaliers du nord de l'Inde, a adopté</a:t>
+            </a:r>
+            <a:br/>
+            <a:r>
+              <a:t>l'Automatisation des Processus Robotiques (RPA) pour gérer efficacement les vastes volumes de</a:t>
+            </a:r>
+            <a:br/>
+            <a:r>
+              <a:t>données des patients. Face à l'immensité des données à traiter et à la nécessité d'une précision</a:t>
+            </a:r>
+            <a:br/>
+            <a:r>
+              <a:t>maximale, cette entreprise a choisi d'implémenter la RPA, ce qui a conduit à une amélioration</a:t>
+            </a:r>
+            <a:br/>
+            <a:r>
+              <a:t>notable de son efficacité²⁰. Elle a d'abord procédé à l’automatisation du processus de</a:t>
+            </a:r>
+            <a:br/>
+            <a:r>
+              <a:t>réclamation manuel en utilisant un robot pour extraire les informations des clients et les</a:t>
+            </a:r>
+            <a:br/>
+            <a:r>
+              <a:t>intégrer dans une base de données. Ainsi, dans une première étape, un robot a été mis en place</a:t>
+            </a:r>
+            <a:br/>
+            <a:r>
+              <a:t>pour automatiser le processus de réclamation manuel. Ce robot extrait les informations relatives</a:t>
+            </a:r>
+            <a:br/>
+            <a:r>
+              <a:t>aux clients à partir de fichiers Outlook et PDF, puis ces données sont organisées au format CSV,</a:t>
+            </a:r>
+            <a:br/>
+            <a:r>
+              <a:t>pour justement être intégrées à une base de données. Grâce à cette stratégie, Max Healthcare a pu</a:t>
+            </a:r>
+            <a:br/>
+            <a:r>
+              <a:t>réduire de 75% le temps consacré au traitement des données, témoignant du potentiel</a:t>
+            </a:r>
+            <a:br/>
+            <a:r>
+              <a:t>transformationnel de la RPA dans le secteur de la santé.</a:t>
             </a:r>
           </a:p>
         </p:txBody>

--- a/powerpoints/test.pptx
+++ b/powerpoints/test.pptx
@@ -2,15 +2,19 @@
 <file path=ppt/presentation.xml><?xml version="1.0" encoding="utf-8"?>
 <p:presentation xmlns:a="http://schemas.openxmlformats.org/drawingml/2006/main" xmlns:r="http://schemas.openxmlformats.org/officeDocument/2006/relationships" xmlns:p="http://schemas.openxmlformats.org/presentationml/2006/main" saveSubsetFonts="1">
   <p:sldMasterIdLst>
-    <p:sldMasterId id="2147483648" r:id="rId4"/>
+    <p:sldMasterId id="2147483648" r:id="rId1"/>
   </p:sldMasterIdLst>
+  <p:notesMasterIdLst>
+    <p:notesMasterId r:id="rId5"/>
+  </p:notesMasterIdLst>
   <p:sldIdLst>
-    <p:sldId id="259" r:id="rId5"/>
-    <p:sldId id="261" r:id="rId11"/>
-    <p:sldId id="262" r:id="rId12"/>
-    <p:sldId id="263" r:id="rId13"/>
-    <p:sldId id="264" r:id="rId14"/>
-    <p:sldId id="260" r:id="rId6"/>
+    <p:sldId id="256" r:id="rId2"/>
+    <p:sldId id="259" r:id="rId10"/>
+    <p:sldId id="260" r:id="rId11"/>
+    <p:sldId id="261" r:id="rId12"/>
+    <p:sldId id="262" r:id="rId13"/>
+    <p:sldId id="258" r:id="rId3"/>
+    <p:sldId id="257" r:id="rId4"/>
   </p:sldIdLst>
   <p:sldSz cx="6858000" cy="9144000" type="letter"/>
   <p:notesSz cx="6858000" cy="9144000"/>
@@ -117,6 +121,356 @@
 </p:presentation>
 </file>
 
+<file path=ppt/notesMasters/notesMaster1.xml><?xml version="1.0" encoding="utf-8"?>
+<p:notesMaster xmlns:a="http://schemas.openxmlformats.org/drawingml/2006/main" xmlns:r="http://schemas.openxmlformats.org/officeDocument/2006/relationships" xmlns:p="http://schemas.openxmlformats.org/presentationml/2006/main">
+  <p:cSld>
+    <p:bg>
+      <p:bgRef idx="1001">
+        <a:schemeClr val="bg1"/>
+      </p:bgRef>
+    </p:bg>
+    <p:spTree>
+      <p:nvGrpSpPr>
+        <p:cNvPr id="1" name=""/>
+        <p:cNvGrpSpPr/>
+        <p:nvPr/>
+      </p:nvGrpSpPr>
+      <p:grpSpPr>
+        <a:xfrm>
+          <a:off x="0" y="0"/>
+          <a:ext cx="0" cy="0"/>
+          <a:chOff x="0" y="0"/>
+          <a:chExt cx="0" cy="0"/>
+        </a:xfrm>
+      </p:grpSpPr>
+      <p:sp>
+        <p:nvSpPr>
+          <p:cNvPr id="2" name="Espace réservé de l'en-tête 1"/>
+          <p:cNvSpPr>
+            <a:spLocks noGrp="1"/>
+          </p:cNvSpPr>
+          <p:nvPr>
+            <p:ph type="hdr" sz="quarter"/>
+          </p:nvPr>
+        </p:nvSpPr>
+        <p:spPr>
+          <a:xfrm>
+            <a:off x="0" y="0"/>
+            <a:ext cx="2971800" cy="458788"/>
+          </a:xfrm>
+          <a:prstGeom prst="rect">
+            <a:avLst/>
+          </a:prstGeom>
+        </p:spPr>
+        <p:txBody>
+          <a:bodyPr vert="horz" lIns="91440" tIns="45720" rIns="91440" bIns="45720" rtlCol="0"/>
+          <a:lstStyle>
+            <a:lvl1pPr algn="l">
+              <a:defRPr sz="1200"/>
+            </a:lvl1pPr>
+          </a:lstStyle>
+          <a:p>
+            <a:endParaRPr lang="fr-CA"/>
+          </a:p>
+        </p:txBody>
+      </p:sp>
+      <p:sp>
+        <p:nvSpPr>
+          <p:cNvPr id="3" name="Espace réservé de la date 2"/>
+          <p:cNvSpPr>
+            <a:spLocks noGrp="1"/>
+          </p:cNvSpPr>
+          <p:nvPr>
+            <p:ph type="dt" idx="1"/>
+          </p:nvPr>
+        </p:nvSpPr>
+        <p:spPr>
+          <a:xfrm>
+            <a:off x="3884613" y="0"/>
+            <a:ext cx="2971800" cy="458788"/>
+          </a:xfrm>
+          <a:prstGeom prst="rect">
+            <a:avLst/>
+          </a:prstGeom>
+        </p:spPr>
+        <p:txBody>
+          <a:bodyPr vert="horz" lIns="91440" tIns="45720" rIns="91440" bIns="45720" rtlCol="0"/>
+          <a:lstStyle>
+            <a:lvl1pPr algn="r">
+              <a:defRPr sz="1200"/>
+            </a:lvl1pPr>
+          </a:lstStyle>
+          <a:p>
+            <a:fld id="{00130E6A-3DDB-480D-939A-6ADEF566873F}" type="datetimeFigureOut">
+              <a:rPr lang="fr-CA" smtClean="0"/>
+              <a:t>2023-07-20</a:t>
+            </a:fld>
+            <a:endParaRPr lang="fr-CA"/>
+          </a:p>
+        </p:txBody>
+      </p:sp>
+      <p:sp>
+        <p:nvSpPr>
+          <p:cNvPr id="4" name="Espace réservé de l'image des diapositives 3"/>
+          <p:cNvSpPr>
+            <a:spLocks noGrp="1" noRot="1" noChangeAspect="1"/>
+          </p:cNvSpPr>
+          <p:nvPr>
+            <p:ph type="sldImg" idx="2"/>
+          </p:nvPr>
+        </p:nvSpPr>
+        <p:spPr>
+          <a:xfrm>
+            <a:off x="2271713" y="1143000"/>
+            <a:ext cx="2314575" cy="3086100"/>
+          </a:xfrm>
+          <a:prstGeom prst="rect">
+            <a:avLst/>
+          </a:prstGeom>
+          <a:noFill/>
+          <a:ln w="12700">
+            <a:solidFill>
+              <a:prstClr val="black"/>
+            </a:solidFill>
+          </a:ln>
+        </p:spPr>
+        <p:txBody>
+          <a:bodyPr vert="horz" lIns="91440" tIns="45720" rIns="91440" bIns="45720" rtlCol="0" anchor="ctr"/>
+          <a:lstStyle/>
+          <a:p>
+            <a:endParaRPr lang="fr-CA"/>
+          </a:p>
+        </p:txBody>
+      </p:sp>
+      <p:sp>
+        <p:nvSpPr>
+          <p:cNvPr id="5" name="Espace réservé des notes 4"/>
+          <p:cNvSpPr>
+            <a:spLocks noGrp="1"/>
+          </p:cNvSpPr>
+          <p:nvPr>
+            <p:ph type="body" sz="quarter" idx="3"/>
+          </p:nvPr>
+        </p:nvSpPr>
+        <p:spPr>
+          <a:xfrm>
+            <a:off x="685800" y="4400550"/>
+            <a:ext cx="5486400" cy="3600450"/>
+          </a:xfrm>
+          <a:prstGeom prst="rect">
+            <a:avLst/>
+          </a:prstGeom>
+        </p:spPr>
+        <p:txBody>
+          <a:bodyPr vert="horz" lIns="91440" tIns="45720" rIns="91440" bIns="45720" rtlCol="0"/>
+          <a:lstStyle/>
+          <a:p>
+            <a:pPr lvl="0"/>
+            <a:r>
+              <a:rPr lang="fr-FR"/>
+              <a:t>Cliquez pour modifier les styles du texte du masque</a:t>
+            </a:r>
+          </a:p>
+          <a:p>
+            <a:pPr lvl="1"/>
+            <a:r>
+              <a:rPr lang="fr-FR"/>
+              <a:t>Deuxième niveau</a:t>
+            </a:r>
+          </a:p>
+          <a:p>
+            <a:pPr lvl="2"/>
+            <a:r>
+              <a:rPr lang="fr-FR"/>
+              <a:t>Troisième niveau</a:t>
+            </a:r>
+          </a:p>
+          <a:p>
+            <a:pPr lvl="3"/>
+            <a:r>
+              <a:rPr lang="fr-FR"/>
+              <a:t>Quatrième niveau</a:t>
+            </a:r>
+          </a:p>
+          <a:p>
+            <a:pPr lvl="4"/>
+            <a:r>
+              <a:rPr lang="fr-FR"/>
+              <a:t>Cinquième niveau</a:t>
+            </a:r>
+            <a:endParaRPr lang="fr-CA"/>
+          </a:p>
+        </p:txBody>
+      </p:sp>
+      <p:sp>
+        <p:nvSpPr>
+          <p:cNvPr id="6" name="Espace réservé du pied de page 5"/>
+          <p:cNvSpPr>
+            <a:spLocks noGrp="1"/>
+          </p:cNvSpPr>
+          <p:nvPr>
+            <p:ph type="ftr" sz="quarter" idx="4"/>
+          </p:nvPr>
+        </p:nvSpPr>
+        <p:spPr>
+          <a:xfrm>
+            <a:off x="0" y="8685213"/>
+            <a:ext cx="2971800" cy="458787"/>
+          </a:xfrm>
+          <a:prstGeom prst="rect">
+            <a:avLst/>
+          </a:prstGeom>
+        </p:spPr>
+        <p:txBody>
+          <a:bodyPr vert="horz" lIns="91440" tIns="45720" rIns="91440" bIns="45720" rtlCol="0" anchor="b"/>
+          <a:lstStyle>
+            <a:lvl1pPr algn="l">
+              <a:defRPr sz="1200"/>
+            </a:lvl1pPr>
+          </a:lstStyle>
+          <a:p>
+            <a:endParaRPr lang="fr-CA"/>
+          </a:p>
+        </p:txBody>
+      </p:sp>
+      <p:sp>
+        <p:nvSpPr>
+          <p:cNvPr id="7" name="Espace réservé du numéro de diapositive 6"/>
+          <p:cNvSpPr>
+            <a:spLocks noGrp="1"/>
+          </p:cNvSpPr>
+          <p:nvPr>
+            <p:ph type="sldNum" sz="quarter" idx="5"/>
+          </p:nvPr>
+        </p:nvSpPr>
+        <p:spPr>
+          <a:xfrm>
+            <a:off x="3884613" y="8685213"/>
+            <a:ext cx="2971800" cy="458787"/>
+          </a:xfrm>
+          <a:prstGeom prst="rect">
+            <a:avLst/>
+          </a:prstGeom>
+        </p:spPr>
+        <p:txBody>
+          <a:bodyPr vert="horz" lIns="91440" tIns="45720" rIns="91440" bIns="45720" rtlCol="0" anchor="b"/>
+          <a:lstStyle>
+            <a:lvl1pPr algn="r">
+              <a:defRPr sz="1200"/>
+            </a:lvl1pPr>
+          </a:lstStyle>
+          <a:p>
+            <a:fld id="{97365DC4-E4F8-4F32-BBDB-43C8E31E0F02}" type="slidenum">
+              <a:rPr lang="fr-CA" smtClean="0"/>
+              <a:t>‹n°›</a:t>
+            </a:fld>
+            <a:endParaRPr lang="fr-CA"/>
+          </a:p>
+        </p:txBody>
+      </p:sp>
+    </p:spTree>
+    <p:extLst>
+      <p:ext uri="{BB962C8B-B14F-4D97-AF65-F5344CB8AC3E}">
+        <p14:creationId xmlns:p14="http://schemas.microsoft.com/office/powerpoint/2010/main" val="3072300944"/>
+      </p:ext>
+    </p:extLst>
+  </p:cSld>
+  <p:clrMap bg1="lt1" tx1="dk1" bg2="lt2" tx2="dk2" accent1="accent1" accent2="accent2" accent3="accent3" accent4="accent4" accent5="accent5" accent6="accent6" hlink="hlink" folHlink="folHlink"/>
+  <p:notesStyle>
+    <a:lvl1pPr marL="0" algn="l" defTabSz="914400" rtl="0" eaLnBrk="1" latinLnBrk="0" hangingPunct="1">
+      <a:defRPr sz="1200" kern="1200">
+        <a:solidFill>
+          <a:schemeClr val="tx1"/>
+        </a:solidFill>
+        <a:latin typeface="+mn-lt"/>
+        <a:ea typeface="+mn-ea"/>
+        <a:cs typeface="+mn-cs"/>
+      </a:defRPr>
+    </a:lvl1pPr>
+    <a:lvl2pPr marL="457200" algn="l" defTabSz="914400" rtl="0" eaLnBrk="1" latinLnBrk="0" hangingPunct="1">
+      <a:defRPr sz="1200" kern="1200">
+        <a:solidFill>
+          <a:schemeClr val="tx1"/>
+        </a:solidFill>
+        <a:latin typeface="+mn-lt"/>
+        <a:ea typeface="+mn-ea"/>
+        <a:cs typeface="+mn-cs"/>
+      </a:defRPr>
+    </a:lvl2pPr>
+    <a:lvl3pPr marL="914400" algn="l" defTabSz="914400" rtl="0" eaLnBrk="1" latinLnBrk="0" hangingPunct="1">
+      <a:defRPr sz="1200" kern="1200">
+        <a:solidFill>
+          <a:schemeClr val="tx1"/>
+        </a:solidFill>
+        <a:latin typeface="+mn-lt"/>
+        <a:ea typeface="+mn-ea"/>
+        <a:cs typeface="+mn-cs"/>
+      </a:defRPr>
+    </a:lvl3pPr>
+    <a:lvl4pPr marL="1371600" algn="l" defTabSz="914400" rtl="0" eaLnBrk="1" latinLnBrk="0" hangingPunct="1">
+      <a:defRPr sz="1200" kern="1200">
+        <a:solidFill>
+          <a:schemeClr val="tx1"/>
+        </a:solidFill>
+        <a:latin typeface="+mn-lt"/>
+        <a:ea typeface="+mn-ea"/>
+        <a:cs typeface="+mn-cs"/>
+      </a:defRPr>
+    </a:lvl4pPr>
+    <a:lvl5pPr marL="1828800" algn="l" defTabSz="914400" rtl="0" eaLnBrk="1" latinLnBrk="0" hangingPunct="1">
+      <a:defRPr sz="1200" kern="1200">
+        <a:solidFill>
+          <a:schemeClr val="tx1"/>
+        </a:solidFill>
+        <a:latin typeface="+mn-lt"/>
+        <a:ea typeface="+mn-ea"/>
+        <a:cs typeface="+mn-cs"/>
+      </a:defRPr>
+    </a:lvl5pPr>
+    <a:lvl6pPr marL="2286000" algn="l" defTabSz="914400" rtl="0" eaLnBrk="1" latinLnBrk="0" hangingPunct="1">
+      <a:defRPr sz="1200" kern="1200">
+        <a:solidFill>
+          <a:schemeClr val="tx1"/>
+        </a:solidFill>
+        <a:latin typeface="+mn-lt"/>
+        <a:ea typeface="+mn-ea"/>
+        <a:cs typeface="+mn-cs"/>
+      </a:defRPr>
+    </a:lvl6pPr>
+    <a:lvl7pPr marL="2743200" algn="l" defTabSz="914400" rtl="0" eaLnBrk="1" latinLnBrk="0" hangingPunct="1">
+      <a:defRPr sz="1200" kern="1200">
+        <a:solidFill>
+          <a:schemeClr val="tx1"/>
+        </a:solidFill>
+        <a:latin typeface="+mn-lt"/>
+        <a:ea typeface="+mn-ea"/>
+        <a:cs typeface="+mn-cs"/>
+      </a:defRPr>
+    </a:lvl7pPr>
+    <a:lvl8pPr marL="3200400" algn="l" defTabSz="914400" rtl="0" eaLnBrk="1" latinLnBrk="0" hangingPunct="1">
+      <a:defRPr sz="1200" kern="1200">
+        <a:solidFill>
+          <a:schemeClr val="tx1"/>
+        </a:solidFill>
+        <a:latin typeface="+mn-lt"/>
+        <a:ea typeface="+mn-ea"/>
+        <a:cs typeface="+mn-cs"/>
+      </a:defRPr>
+    </a:lvl8pPr>
+    <a:lvl9pPr marL="3657600" algn="l" defTabSz="914400" rtl="0" eaLnBrk="1" latinLnBrk="0" hangingPunct="1">
+      <a:defRPr sz="1200" kern="1200">
+        <a:solidFill>
+          <a:schemeClr val="tx1"/>
+        </a:solidFill>
+        <a:latin typeface="+mn-lt"/>
+        <a:ea typeface="+mn-ea"/>
+        <a:cs typeface="+mn-cs"/>
+      </a:defRPr>
+    </a:lvl9pPr>
+  </p:notesStyle>
+</p:notesMaster>
+</file>
+
 <file path=ppt/slideLayouts/slideLayout1.xml><?xml version="1.0" encoding="utf-8"?>
 <p:sldLayout xmlns:a="http://schemas.openxmlformats.org/drawingml/2006/main" xmlns:r="http://schemas.openxmlformats.org/officeDocument/2006/relationships" xmlns:p="http://schemas.openxmlformats.org/presentationml/2006/main" preserve="1" userDrawn="1">
   <p:cSld name="Première page">
@@ -142,106 +496,42 @@
           <a:chExt cx="0" cy="0"/>
         </a:xfrm>
       </p:grpSpPr>
-      <p:sp>
-        <p:nvSpPr>
-          <p:cNvPr id="2" name="Rectangle 1">
-            <a:extLst>
-              <a:ext uri="{FF2B5EF4-FFF2-40B4-BE49-F238E27FC236}">
-                <a16:creationId xmlns:a16="http://schemas.microsoft.com/office/drawing/2014/main" id="{F374B503-46EA-FEF2-54E4-B0BD96FD00B0}"/>
-              </a:ext>
-            </a:extLst>
-          </p:cNvPr>
-          <p:cNvSpPr>
-            <a:spLocks noGrp="1" noRot="1" noMove="1" noResize="1" noEditPoints="1" noAdjustHandles="1" noChangeArrowheads="1" noChangeShapeType="1"/>
-          </p:cNvSpPr>
+      <p:pic>
+        <p:nvPicPr>
+          <p:cNvPr id="4" name="Image 3" descr="Une image contenant texte, capture d’écran, Police, graphisme&#10;&#10;Description générée automatiquement">
+            <a:extLst>
+              <a:ext uri="{FF2B5EF4-FFF2-40B4-BE49-F238E27FC236}">
+                <a16:creationId xmlns:a16="http://schemas.microsoft.com/office/drawing/2014/main" id="{29F64939-4005-2211-3BAD-4A4D80FDC0DA}"/>
+              </a:ext>
+            </a:extLst>
+          </p:cNvPr>
+          <p:cNvPicPr>
+            <a:picLocks noChangeAspect="1"/>
+          </p:cNvPicPr>
           <p:nvPr userDrawn="1"/>
-        </p:nvSpPr>
-        <p:spPr>
-          <a:xfrm>
-            <a:off x="163195" y="182030"/>
-            <a:ext cx="6531610" cy="2744469"/>
+        </p:nvPicPr>
+        <p:blipFill>
+          <a:blip r:embed="rId2">
+            <a:extLst>
+              <a:ext uri="{28A0092B-C50C-407E-A947-70E740481C1C}">
+                <a14:useLocalDpi xmlns:a14="http://schemas.microsoft.com/office/drawing/2010/main" val="0"/>
+              </a:ext>
+            </a:extLst>
+          </a:blip>
+          <a:stretch>
+            <a:fillRect/>
+          </a:stretch>
+        </p:blipFill>
+        <p:spPr>
+          <a:xfrm>
+            <a:off x="159631" y="144996"/>
+            <a:ext cx="6531610" cy="2821921"/>
           </a:xfrm>
           <a:prstGeom prst="rect">
             <a:avLst/>
           </a:prstGeom>
-          <a:blipFill>
-            <a:blip r:embed="rId2"/>
-            <a:stretch>
-              <a:fillRect/>
-            </a:stretch>
-          </a:blipFill>
-          <a:ln>
-            <a:noFill/>
-          </a:ln>
-        </p:spPr>
-        <p:style>
-          <a:lnRef idx="2">
-            <a:schemeClr val="accent1">
-              <a:shade val="50000"/>
-            </a:schemeClr>
-          </a:lnRef>
-          <a:fillRef idx="1">
-            <a:schemeClr val="accent1"/>
-          </a:fillRef>
-          <a:effectRef idx="0">
-            <a:schemeClr val="accent1"/>
-          </a:effectRef>
-          <a:fontRef idx="minor">
-            <a:schemeClr val="lt1"/>
-          </a:fontRef>
-        </p:style>
-        <p:txBody>
-          <a:bodyPr rtlCol="0" anchor="ctr"/>
-          <a:lstStyle/>
-          <a:p>
-            <a:pPr algn="ctr"/>
-            <a:endParaRPr lang="fr-CA" dirty="0"/>
-          </a:p>
-        </p:txBody>
-      </p:sp>
-      <p:sp>
-        <p:nvSpPr>
-          <p:cNvPr id="3" name="Espace réservé de la date 2">
-            <a:extLst>
-              <a:ext uri="{FF2B5EF4-FFF2-40B4-BE49-F238E27FC236}">
-                <a16:creationId xmlns:a16="http://schemas.microsoft.com/office/drawing/2014/main" id="{C8C037B1-0E01-E1A0-EEC2-E8C06C79E3E2}"/>
-              </a:ext>
-            </a:extLst>
-          </p:cNvPr>
-          <p:cNvSpPr>
-            <a:spLocks noGrp="1"/>
-          </p:cNvSpPr>
-          <p:nvPr>
-            <p:ph type="dt" sz="half" idx="10"/>
-          </p:nvPr>
-        </p:nvSpPr>
-        <p:spPr>
-          <a:xfrm>
-            <a:off x="3341265" y="2615892"/>
-            <a:ext cx="1543050" cy="257956"/>
-          </a:xfrm>
-        </p:spPr>
-        <p:txBody>
-          <a:bodyPr/>
-          <a:lstStyle>
-            <a:lvl1pPr>
-              <a:defRPr>
-                <a:solidFill>
-                  <a:schemeClr val="accent6"/>
-                </a:solidFill>
-              </a:defRPr>
-            </a:lvl1pPr>
-          </a:lstStyle>
-          <a:p>
-            <a:fld id="{FDCA904F-AFE4-4F4A-AA13-CC2FD407ABB0}" type="datetimeFigureOut">
-              <a:rPr lang="fr-CA" smtClean="0"/>
-              <a:pPr/>
-              <a:t>2023-07-12</a:t>
-            </a:fld>
-            <a:endParaRPr lang="fr-CA" dirty="0"/>
-          </a:p>
-        </p:txBody>
-      </p:sp>
+        </p:spPr>
+      </p:pic>
       <p:sp>
         <p:nvSpPr>
           <p:cNvPr id="7" name="Espace réservé du texte 6">
@@ -404,8 +694,8 @@
         </p:nvSpPr>
         <p:spPr>
           <a:xfrm>
-            <a:off x="163512" y="2999881"/>
-            <a:ext cx="6530975" cy="3132557"/>
+            <a:off x="163512" y="3185667"/>
+            <a:ext cx="6519211" cy="2762065"/>
           </a:xfrm>
         </p:spPr>
         <p:txBody>
@@ -418,72 +708,8 @@
               <a:t>Cliquez pour modifier les styles du texte du masque</a:t>
             </a:r>
           </a:p>
-          <a:p>
-            <a:pPr lvl="1"/>
-            <a:r>
-              <a:rPr lang="fr-CA"/>
-              <a:t>Deuxième niveau</a:t>
-            </a:r>
-          </a:p>
-          <a:p>
-            <a:pPr lvl="2"/>
-            <a:r>
-              <a:rPr lang="fr-CA"/>
-              <a:t>Troisième niveau</a:t>
-            </a:r>
-          </a:p>
-          <a:p>
-            <a:pPr lvl="3"/>
-            <a:r>
-              <a:rPr lang="fr-CA"/>
-              <a:t>Quatrième niveau</a:t>
-            </a:r>
-          </a:p>
-          <a:p>
-            <a:pPr lvl="4"/>
-            <a:r>
-              <a:rPr lang="fr-CA"/>
-              <a:t>Cinquième niveau</a:t>
-            </a:r>
-          </a:p>
-        </p:txBody>
-      </p:sp>
-      <p:pic>
-        <p:nvPicPr>
-          <p:cNvPr id="5" name="Image 4" descr="Une image contenant Police, symbole, logo, conception&#10;&#10;Description générée automatiquement">
-            <a:extLst>
-              <a:ext uri="{FF2B5EF4-FFF2-40B4-BE49-F238E27FC236}">
-                <a16:creationId xmlns:a16="http://schemas.microsoft.com/office/drawing/2014/main" id="{BB70BBF6-B90C-C988-0DE8-D3176566999D}"/>
-              </a:ext>
-            </a:extLst>
-          </p:cNvPr>
-          <p:cNvPicPr>
-            <a:picLocks noChangeAspect="1"/>
-          </p:cNvPicPr>
-          <p:nvPr userDrawn="1"/>
-        </p:nvPicPr>
-        <p:blipFill>
-          <a:blip r:embed="rId3">
-            <a:extLst>
-              <a:ext uri="{28A0092B-C50C-407E-A947-70E740481C1C}">
-                <a14:useLocalDpi xmlns:a14="http://schemas.microsoft.com/office/drawing/2010/main" val="0"/>
-              </a:ext>
-            </a:extLst>
-          </a:blip>
-          <a:stretch>
-            <a:fillRect/>
-          </a:stretch>
-        </p:blipFill>
-        <p:spPr>
-          <a:xfrm>
-            <a:off x="112192" y="147910"/>
-            <a:ext cx="1348248" cy="802927"/>
-          </a:xfrm>
-          <a:prstGeom prst="rect">
-            <a:avLst/>
-          </a:prstGeom>
-        </p:spPr>
-      </p:pic>
+        </p:txBody>
+      </p:sp>
       <p:sp>
         <p:nvSpPr>
           <p:cNvPr id="6" name="Titre 1">
@@ -502,11 +728,11 @@
         </p:nvSpPr>
         <p:spPr>
           <a:xfrm>
-            <a:off x="163195" y="6205069"/>
-            <a:ext cx="6567054" cy="546606"/>
+            <a:off x="163195" y="5976009"/>
+            <a:ext cx="6530975" cy="382923"/>
           </a:xfrm>
           <a:blipFill>
-            <a:blip r:embed="rId4"/>
+            <a:blip r:embed="rId3"/>
             <a:stretch>
               <a:fillRect/>
             </a:stretch>
@@ -550,8 +776,8 @@
         </p:nvSpPr>
         <p:spPr>
           <a:xfrm>
-            <a:off x="163512" y="6850385"/>
-            <a:ext cx="6530975" cy="2145705"/>
+            <a:off x="163512" y="6592413"/>
+            <a:ext cx="6530975" cy="2281475"/>
           </a:xfrm>
         </p:spPr>
         <p:txBody>
@@ -564,33 +790,181 @@
               <a:t>Cliquez pour modifier les styles du texte du masque</a:t>
             </a:r>
           </a:p>
-          <a:p>
-            <a:pPr lvl="1"/>
+        </p:txBody>
+      </p:sp>
+      <p:sp>
+        <p:nvSpPr>
+          <p:cNvPr id="12" name="Espace réservé du texte 11">
+            <a:extLst>
+              <a:ext uri="{FF2B5EF4-FFF2-40B4-BE49-F238E27FC236}">
+                <a16:creationId xmlns:a16="http://schemas.microsoft.com/office/drawing/2014/main" id="{8C70F080-9524-6964-F537-864A983971D4}"/>
+              </a:ext>
+            </a:extLst>
+          </p:cNvPr>
+          <p:cNvSpPr>
+            <a:spLocks noGrp="1"/>
+          </p:cNvSpPr>
+          <p:nvPr>
+            <p:ph type="body" sz="quarter" idx="18" hasCustomPrompt="1"/>
+          </p:nvPr>
+        </p:nvSpPr>
+        <p:spPr>
+          <a:xfrm>
+            <a:off x="163512" y="2978332"/>
+            <a:ext cx="6519211" cy="181189"/>
+          </a:xfrm>
+        </p:spPr>
+        <p:txBody>
+          <a:bodyPr>
+            <a:noAutofit/>
+          </a:bodyPr>
+          <a:lstStyle>
+            <a:lvl1pPr marL="0" indent="0">
+              <a:buNone/>
+              <a:defRPr sz="1100" b="1">
+                <a:solidFill>
+                  <a:schemeClr val="accent6"/>
+                </a:solidFill>
+              </a:defRPr>
+            </a:lvl1pPr>
+          </a:lstStyle>
+          <a:p>
+            <a:pPr lvl="0"/>
+            <a:r>
+              <a:rPr lang="fr-CA" dirty="0"/>
+              <a:t>Sous-titre</a:t>
+            </a:r>
+          </a:p>
+        </p:txBody>
+      </p:sp>
+      <p:sp>
+        <p:nvSpPr>
+          <p:cNvPr id="13" name="Espace réservé du texte 11">
+            <a:extLst>
+              <a:ext uri="{FF2B5EF4-FFF2-40B4-BE49-F238E27FC236}">
+                <a16:creationId xmlns:a16="http://schemas.microsoft.com/office/drawing/2014/main" id="{11A2E44E-6CF8-0F2E-1889-BF51887478BE}"/>
+              </a:ext>
+            </a:extLst>
+          </p:cNvPr>
+          <p:cNvSpPr>
+            <a:spLocks noGrp="1"/>
+          </p:cNvSpPr>
+          <p:nvPr>
+            <p:ph type="body" sz="quarter" idx="19" hasCustomPrompt="1"/>
+          </p:nvPr>
+        </p:nvSpPr>
+        <p:spPr>
+          <a:xfrm>
+            <a:off x="159631" y="6385636"/>
+            <a:ext cx="6530975" cy="181189"/>
+          </a:xfrm>
+        </p:spPr>
+        <p:txBody>
+          <a:bodyPr>
+            <a:noAutofit/>
+          </a:bodyPr>
+          <a:lstStyle>
+            <a:lvl1pPr marL="0" indent="0">
+              <a:buNone/>
+              <a:defRPr sz="1100" b="1">
+                <a:solidFill>
+                  <a:schemeClr val="accent6"/>
+                </a:solidFill>
+              </a:defRPr>
+            </a:lvl1pPr>
+          </a:lstStyle>
+          <a:p>
+            <a:pPr lvl="0"/>
+            <a:r>
+              <a:rPr lang="fr-CA" dirty="0"/>
+              <a:t>Sous-titre</a:t>
+            </a:r>
+          </a:p>
+        </p:txBody>
+      </p:sp>
+      <p:sp>
+        <p:nvSpPr>
+          <p:cNvPr id="15" name="Espace réservé de la date 14">
+            <a:extLst>
+              <a:ext uri="{FF2B5EF4-FFF2-40B4-BE49-F238E27FC236}">
+                <a16:creationId xmlns:a16="http://schemas.microsoft.com/office/drawing/2014/main" id="{CCE4B6EA-E29F-1461-7D61-CF285A385467}"/>
+              </a:ext>
+            </a:extLst>
+          </p:cNvPr>
+          <p:cNvSpPr>
+            <a:spLocks noGrp="1"/>
+          </p:cNvSpPr>
+          <p:nvPr>
+            <p:ph type="dt" sz="half" idx="20"/>
+          </p:nvPr>
+        </p:nvSpPr>
+        <p:spPr/>
+        <p:txBody>
+          <a:bodyPr/>
+          <a:lstStyle/>
+          <a:p>
+            <a:fld id="{4A7B7E9D-7D70-4B3C-87BC-005DA1C1BD48}" type="datetime1">
+              <a:rPr lang="fr-CA" smtClean="0"/>
+              <a:t>2023-07-20</a:t>
+            </a:fld>
+            <a:endParaRPr lang="fr-CA" dirty="0"/>
+          </a:p>
+        </p:txBody>
+      </p:sp>
+      <p:sp>
+        <p:nvSpPr>
+          <p:cNvPr id="16" name="Espace réservé du pied de page 15">
+            <a:extLst>
+              <a:ext uri="{FF2B5EF4-FFF2-40B4-BE49-F238E27FC236}">
+                <a16:creationId xmlns:a16="http://schemas.microsoft.com/office/drawing/2014/main" id="{E7DDC23A-C3AC-FA29-585F-8752EEC2435B}"/>
+              </a:ext>
+            </a:extLst>
+          </p:cNvPr>
+          <p:cNvSpPr>
+            <a:spLocks noGrp="1"/>
+          </p:cNvSpPr>
+          <p:nvPr>
+            <p:ph type="ftr" sz="quarter" idx="21"/>
+          </p:nvPr>
+        </p:nvSpPr>
+        <p:spPr/>
+        <p:txBody>
+          <a:bodyPr/>
+          <a:lstStyle/>
+          <a:p>
             <a:r>
               <a:rPr lang="fr-CA"/>
-              <a:t>Deuxième niveau</a:t>
-            </a:r>
-          </a:p>
-          <a:p>
-            <a:pPr lvl="2"/>
-            <a:r>
-              <a:rPr lang="fr-CA"/>
-              <a:t>Troisième niveau</a:t>
-            </a:r>
-          </a:p>
-          <a:p>
-            <a:pPr lvl="3"/>
-            <a:r>
-              <a:rPr lang="fr-CA"/>
-              <a:t>Quatrième niveau</a:t>
-            </a:r>
-          </a:p>
-          <a:p>
-            <a:pPr lvl="4"/>
-            <a:r>
-              <a:rPr lang="fr-CA"/>
-              <a:t>Cinquième niveau</a:t>
-            </a:r>
+              <a:t>Centre d’innovation numérique</a:t>
+            </a:r>
+          </a:p>
+        </p:txBody>
+      </p:sp>
+      <p:sp>
+        <p:nvSpPr>
+          <p:cNvPr id="17" name="Espace réservé du numéro de diapositive 16">
+            <a:extLst>
+              <a:ext uri="{FF2B5EF4-FFF2-40B4-BE49-F238E27FC236}">
+                <a16:creationId xmlns:a16="http://schemas.microsoft.com/office/drawing/2014/main" id="{0BAE27CA-135D-71FA-0D74-B172D40F8544}"/>
+              </a:ext>
+            </a:extLst>
+          </p:cNvPr>
+          <p:cNvSpPr>
+            <a:spLocks noGrp="1"/>
+          </p:cNvSpPr>
+          <p:nvPr>
+            <p:ph type="sldNum" sz="quarter" idx="22"/>
+          </p:nvPr>
+        </p:nvSpPr>
+        <p:spPr/>
+        <p:txBody>
+          <a:bodyPr/>
+          <a:lstStyle/>
+          <a:p>
+            <a:fld id="{F4298C9D-C79B-4F39-BDC2-AA426541C3E9}" type="slidenum">
+              <a:rPr lang="fr-CA" smtClean="0"/>
+              <a:t>‹n°›</a:t>
+            </a:fld>
+            <a:endParaRPr lang="fr-CA"/>
           </a:p>
         </p:txBody>
       </p:sp>
@@ -607,7 +981,1375 @@
 </p:sldLayout>
 </file>
 
+<file path=ppt/slideLayouts/slideLayout10.xml><?xml version="1.0" encoding="utf-8"?>
+<p:sldLayout xmlns:a="http://schemas.openxmlformats.org/drawingml/2006/main" xmlns:r="http://schemas.openxmlformats.org/officeDocument/2006/relationships" xmlns:p="http://schemas.openxmlformats.org/presentationml/2006/main" preserve="1" userDrawn="1">
+  <p:cSld name="Disposition personnalisée">
+    <p:spTree>
+      <p:nvGrpSpPr>
+        <p:cNvPr id="1" name=""/>
+        <p:cNvGrpSpPr/>
+        <p:nvPr/>
+      </p:nvGrpSpPr>
+      <p:grpSpPr>
+        <a:xfrm>
+          <a:off x="0" y="0"/>
+          <a:ext cx="0" cy="0"/>
+          <a:chOff x="0" y="0"/>
+          <a:chExt cx="0" cy="0"/>
+        </a:xfrm>
+      </p:grpSpPr>
+      <p:sp>
+        <p:nvSpPr>
+          <p:cNvPr id="3" name="Espace réservé de la date 2">
+            <a:extLst>
+              <a:ext uri="{FF2B5EF4-FFF2-40B4-BE49-F238E27FC236}">
+                <a16:creationId xmlns:a16="http://schemas.microsoft.com/office/drawing/2014/main" id="{4CD33AA6-31E2-C534-947C-91113948E36D}"/>
+              </a:ext>
+            </a:extLst>
+          </p:cNvPr>
+          <p:cNvSpPr>
+            <a:spLocks noGrp="1"/>
+          </p:cNvSpPr>
+          <p:nvPr>
+            <p:ph type="dt" sz="half" idx="10"/>
+          </p:nvPr>
+        </p:nvSpPr>
+        <p:spPr/>
+        <p:txBody>
+          <a:bodyPr/>
+          <a:lstStyle/>
+          <a:p>
+            <a:fld id="{2BB6E849-CDAE-4CB7-BDCD-8A94B458D42C}" type="datetime1">
+              <a:rPr lang="fr-CA" smtClean="0"/>
+              <a:t>2023-07-20</a:t>
+            </a:fld>
+            <a:endParaRPr lang="fr-CA" dirty="0"/>
+          </a:p>
+        </p:txBody>
+      </p:sp>
+      <p:sp>
+        <p:nvSpPr>
+          <p:cNvPr id="4" name="Espace réservé du pied de page 3">
+            <a:extLst>
+              <a:ext uri="{FF2B5EF4-FFF2-40B4-BE49-F238E27FC236}">
+                <a16:creationId xmlns:a16="http://schemas.microsoft.com/office/drawing/2014/main" id="{8FA8114A-5E8A-0A66-4617-E273DA62EBCA}"/>
+              </a:ext>
+            </a:extLst>
+          </p:cNvPr>
+          <p:cNvSpPr>
+            <a:spLocks noGrp="1"/>
+          </p:cNvSpPr>
+          <p:nvPr>
+            <p:ph type="ftr" sz="quarter" idx="11"/>
+          </p:nvPr>
+        </p:nvSpPr>
+        <p:spPr/>
+        <p:txBody>
+          <a:bodyPr/>
+          <a:lstStyle/>
+          <a:p>
+            <a:r>
+              <a:rPr lang="fr-CA"/>
+              <a:t>Centre d’innovation numérique</a:t>
+            </a:r>
+          </a:p>
+        </p:txBody>
+      </p:sp>
+      <p:sp>
+        <p:nvSpPr>
+          <p:cNvPr id="5" name="Espace réservé du numéro de diapositive 4">
+            <a:extLst>
+              <a:ext uri="{FF2B5EF4-FFF2-40B4-BE49-F238E27FC236}">
+                <a16:creationId xmlns:a16="http://schemas.microsoft.com/office/drawing/2014/main" id="{5667D673-1422-0270-ED93-F9C293AC0B91}"/>
+              </a:ext>
+            </a:extLst>
+          </p:cNvPr>
+          <p:cNvSpPr>
+            <a:spLocks noGrp="1"/>
+          </p:cNvSpPr>
+          <p:nvPr>
+            <p:ph type="sldNum" sz="quarter" idx="12"/>
+          </p:nvPr>
+        </p:nvSpPr>
+        <p:spPr/>
+        <p:txBody>
+          <a:bodyPr/>
+          <a:lstStyle/>
+          <a:p>
+            <a:fld id="{F4298C9D-C79B-4F39-BDC2-AA426541C3E9}" type="slidenum">
+              <a:rPr lang="fr-CA" smtClean="0"/>
+              <a:t>‹n°›</a:t>
+            </a:fld>
+            <a:endParaRPr lang="fr-CA"/>
+          </a:p>
+        </p:txBody>
+      </p:sp>
+    </p:spTree>
+    <p:extLst>
+      <p:ext uri="{BB962C8B-B14F-4D97-AF65-F5344CB8AC3E}">
+        <p14:creationId xmlns:p14="http://schemas.microsoft.com/office/powerpoint/2010/main" val="2754173740"/>
+      </p:ext>
+    </p:extLst>
+  </p:cSld>
+  <p:clrMapOvr>
+    <a:masterClrMapping/>
+  </p:clrMapOvr>
+</p:sldLayout>
+</file>
+
 <file path=ppt/slideLayouts/slideLayout2.xml><?xml version="1.0" encoding="utf-8"?>
+<p:sldLayout xmlns:a="http://schemas.openxmlformats.org/drawingml/2006/main" xmlns:r="http://schemas.openxmlformats.org/officeDocument/2006/relationships" xmlns:p="http://schemas.openxmlformats.org/presentationml/2006/main" preserve="1" userDrawn="1">
+  <p:cSld name="1_Première page">
+    <p:bg>
+      <p:bgPr>
+        <a:solidFill>
+          <a:schemeClr val="bg1"/>
+        </a:solidFill>
+        <a:effectLst/>
+      </p:bgPr>
+    </p:bg>
+    <p:spTree>
+      <p:nvGrpSpPr>
+        <p:cNvPr id="1" name=""/>
+        <p:cNvGrpSpPr/>
+        <p:nvPr/>
+      </p:nvGrpSpPr>
+      <p:grpSpPr>
+        <a:xfrm>
+          <a:off x="0" y="0"/>
+          <a:ext cx="0" cy="0"/>
+          <a:chOff x="0" y="0"/>
+          <a:chExt cx="0" cy="0"/>
+        </a:xfrm>
+      </p:grpSpPr>
+      <p:pic>
+        <p:nvPicPr>
+          <p:cNvPr id="4" name="Image 3" descr="Une image contenant texte, capture d’écran, Police, graphisme&#10;&#10;Description générée automatiquement">
+            <a:extLst>
+              <a:ext uri="{FF2B5EF4-FFF2-40B4-BE49-F238E27FC236}">
+                <a16:creationId xmlns:a16="http://schemas.microsoft.com/office/drawing/2014/main" id="{29F64939-4005-2211-3BAD-4A4D80FDC0DA}"/>
+              </a:ext>
+            </a:extLst>
+          </p:cNvPr>
+          <p:cNvPicPr>
+            <a:picLocks noChangeAspect="1"/>
+          </p:cNvPicPr>
+          <p:nvPr userDrawn="1"/>
+        </p:nvPicPr>
+        <p:blipFill>
+          <a:blip r:embed="rId2">
+            <a:extLst>
+              <a:ext uri="{28A0092B-C50C-407E-A947-70E740481C1C}">
+                <a14:useLocalDpi xmlns:a14="http://schemas.microsoft.com/office/drawing/2010/main" val="0"/>
+              </a:ext>
+            </a:extLst>
+          </a:blip>
+          <a:stretch>
+            <a:fillRect/>
+          </a:stretch>
+        </p:blipFill>
+        <p:spPr>
+          <a:xfrm>
+            <a:off x="159631" y="144996"/>
+            <a:ext cx="6531610" cy="2821921"/>
+          </a:xfrm>
+          <a:prstGeom prst="rect">
+            <a:avLst/>
+          </a:prstGeom>
+        </p:spPr>
+      </p:pic>
+      <p:sp>
+        <p:nvSpPr>
+          <p:cNvPr id="7" name="Espace réservé du texte 6">
+            <a:extLst>
+              <a:ext uri="{FF2B5EF4-FFF2-40B4-BE49-F238E27FC236}">
+                <a16:creationId xmlns:a16="http://schemas.microsoft.com/office/drawing/2014/main" id="{0EAD9BD2-37D2-3693-705E-9A6B46B90965}"/>
+              </a:ext>
+            </a:extLst>
+          </p:cNvPr>
+          <p:cNvSpPr>
+            <a:spLocks noGrp="1"/>
+          </p:cNvSpPr>
+          <p:nvPr>
+            <p:ph type="body" sz="quarter" idx="13" hasCustomPrompt="1"/>
+          </p:nvPr>
+        </p:nvSpPr>
+        <p:spPr>
+          <a:xfrm>
+            <a:off x="254497" y="1380242"/>
+            <a:ext cx="3610852" cy="797759"/>
+          </a:xfrm>
+          <a:solidFill>
+            <a:schemeClr val="accent5">
+              <a:lumMod val="75000"/>
+            </a:schemeClr>
+          </a:solidFill>
+        </p:spPr>
+        <p:txBody>
+          <a:bodyPr>
+            <a:normAutofit/>
+          </a:bodyPr>
+          <a:lstStyle>
+            <a:lvl1pPr marL="0" indent="0">
+              <a:buNone/>
+              <a:defRPr sz="2400" b="1">
+                <a:solidFill>
+                  <a:schemeClr val="bg1"/>
+                </a:solidFill>
+                <a:latin typeface="+mj-lt"/>
+              </a:defRPr>
+            </a:lvl1pPr>
+          </a:lstStyle>
+          <a:p>
+            <a:pPr lvl="0"/>
+            <a:r>
+              <a:rPr lang="fr-CA" dirty="0"/>
+              <a:t>Cliquer pour insérer le titre</a:t>
+            </a:r>
+          </a:p>
+        </p:txBody>
+      </p:sp>
+      <p:sp>
+        <p:nvSpPr>
+          <p:cNvPr id="9" name="Espace réservé du texte 8">
+            <a:extLst>
+              <a:ext uri="{FF2B5EF4-FFF2-40B4-BE49-F238E27FC236}">
+                <a16:creationId xmlns:a16="http://schemas.microsoft.com/office/drawing/2014/main" id="{1FB32FAB-4E92-9944-9E63-E89A459F718B}"/>
+              </a:ext>
+            </a:extLst>
+          </p:cNvPr>
+          <p:cNvSpPr>
+            <a:spLocks noGrp="1"/>
+          </p:cNvSpPr>
+          <p:nvPr>
+            <p:ph type="body" sz="quarter" idx="14" hasCustomPrompt="1"/>
+          </p:nvPr>
+        </p:nvSpPr>
+        <p:spPr>
+          <a:xfrm>
+            <a:off x="163195" y="1154867"/>
+            <a:ext cx="2527995" cy="225375"/>
+          </a:xfrm>
+        </p:spPr>
+        <p:txBody>
+          <a:bodyPr>
+            <a:normAutofit/>
+          </a:bodyPr>
+          <a:lstStyle>
+            <a:lvl1pPr marL="0" indent="0" algn="l">
+              <a:buNone/>
+              <a:defRPr sz="1125" b="1">
+                <a:solidFill>
+                  <a:schemeClr val="accent2"/>
+                </a:solidFill>
+              </a:defRPr>
+            </a:lvl1pPr>
+          </a:lstStyle>
+          <a:p>
+            <a:pPr lvl="0"/>
+            <a:r>
+              <a:rPr lang="fr-FR" dirty="0"/>
+              <a:t># de l’article</a:t>
+            </a:r>
+            <a:endParaRPr lang="fr-CA" dirty="0"/>
+          </a:p>
+        </p:txBody>
+      </p:sp>
+      <p:sp>
+        <p:nvSpPr>
+          <p:cNvPr id="11" name="Espace réservé du texte 10">
+            <a:extLst>
+              <a:ext uri="{FF2B5EF4-FFF2-40B4-BE49-F238E27FC236}">
+                <a16:creationId xmlns:a16="http://schemas.microsoft.com/office/drawing/2014/main" id="{147758C8-3AF0-5B34-23C4-61EBFFB4B716}"/>
+              </a:ext>
+            </a:extLst>
+          </p:cNvPr>
+          <p:cNvSpPr>
+            <a:spLocks noGrp="1"/>
+          </p:cNvSpPr>
+          <p:nvPr>
+            <p:ph type="body" sz="quarter" idx="15" hasCustomPrompt="1"/>
+          </p:nvPr>
+        </p:nvSpPr>
+        <p:spPr>
+          <a:xfrm>
+            <a:off x="254497" y="2243511"/>
+            <a:ext cx="3610852" cy="319730"/>
+          </a:xfrm>
+          <a:solidFill>
+            <a:srgbClr val="47929C"/>
+          </a:solidFill>
+        </p:spPr>
+        <p:txBody>
+          <a:bodyPr/>
+          <a:lstStyle>
+            <a:lvl1pPr marL="0" indent="0">
+              <a:buNone/>
+              <a:defRPr>
+                <a:solidFill>
+                  <a:schemeClr val="bg1"/>
+                </a:solidFill>
+              </a:defRPr>
+            </a:lvl1pPr>
+          </a:lstStyle>
+          <a:p>
+            <a:pPr lvl="0"/>
+            <a:r>
+              <a:rPr lang="fr-FR" dirty="0"/>
+              <a:t>Insérer le sous-titre</a:t>
+            </a:r>
+            <a:endParaRPr lang="fr-CA" dirty="0"/>
+          </a:p>
+        </p:txBody>
+      </p:sp>
+      <p:sp>
+        <p:nvSpPr>
+          <p:cNvPr id="8" name="Espace réservé du contenu 7">
+            <a:extLst>
+              <a:ext uri="{FF2B5EF4-FFF2-40B4-BE49-F238E27FC236}">
+                <a16:creationId xmlns:a16="http://schemas.microsoft.com/office/drawing/2014/main" id="{51EEF1EB-79BC-BB63-498D-4B8E8D718182}"/>
+              </a:ext>
+            </a:extLst>
+          </p:cNvPr>
+          <p:cNvSpPr>
+            <a:spLocks noGrp="1"/>
+          </p:cNvSpPr>
+          <p:nvPr>
+            <p:ph sz="quarter" idx="16"/>
+          </p:nvPr>
+        </p:nvSpPr>
+        <p:spPr>
+          <a:xfrm>
+            <a:off x="163512" y="3185667"/>
+            <a:ext cx="6527094" cy="2795573"/>
+          </a:xfrm>
+        </p:spPr>
+        <p:txBody>
+          <a:bodyPr/>
+          <a:lstStyle/>
+          <a:p>
+            <a:pPr lvl="0"/>
+            <a:r>
+              <a:rPr lang="fr-CA"/>
+              <a:t>Cliquez pour modifier les styles du texte du masque</a:t>
+            </a:r>
+          </a:p>
+        </p:txBody>
+      </p:sp>
+      <p:sp>
+        <p:nvSpPr>
+          <p:cNvPr id="6" name="Titre 1">
+            <a:extLst>
+              <a:ext uri="{FF2B5EF4-FFF2-40B4-BE49-F238E27FC236}">
+                <a16:creationId xmlns:a16="http://schemas.microsoft.com/office/drawing/2014/main" id="{003ED591-FDB4-DCE9-777A-2AE3EC79F311}"/>
+              </a:ext>
+            </a:extLst>
+          </p:cNvPr>
+          <p:cNvSpPr>
+            <a:spLocks noGrp="1"/>
+          </p:cNvSpPr>
+          <p:nvPr>
+            <p:ph type="title"/>
+          </p:nvPr>
+        </p:nvSpPr>
+        <p:spPr>
+          <a:xfrm>
+            <a:off x="163195" y="6927335"/>
+            <a:ext cx="6530975" cy="382923"/>
+          </a:xfrm>
+          <a:blipFill>
+            <a:blip r:embed="rId3"/>
+            <a:stretch>
+              <a:fillRect/>
+            </a:stretch>
+          </a:blipFill>
+        </p:spPr>
+        <p:txBody>
+          <a:bodyPr/>
+          <a:lstStyle>
+            <a:lvl1pPr>
+              <a:defRPr>
+                <a:solidFill>
+                  <a:schemeClr val="bg1"/>
+                </a:solidFill>
+              </a:defRPr>
+            </a:lvl1pPr>
+          </a:lstStyle>
+          <a:p>
+            <a:r>
+              <a:rPr lang="fr-CA"/>
+              <a:t>Modifier le style du titre</a:t>
+            </a:r>
+            <a:endParaRPr lang="fr-CA" dirty="0"/>
+          </a:p>
+        </p:txBody>
+      </p:sp>
+      <p:sp>
+        <p:nvSpPr>
+          <p:cNvPr id="10" name="Espace réservé du contenu 7">
+            <a:extLst>
+              <a:ext uri="{FF2B5EF4-FFF2-40B4-BE49-F238E27FC236}">
+                <a16:creationId xmlns:a16="http://schemas.microsoft.com/office/drawing/2014/main" id="{C685D41A-45F6-94BE-EAC3-736E0FA0D37A}"/>
+              </a:ext>
+            </a:extLst>
+          </p:cNvPr>
+          <p:cNvSpPr>
+            <a:spLocks noGrp="1"/>
+          </p:cNvSpPr>
+          <p:nvPr>
+            <p:ph sz="quarter" idx="17"/>
+          </p:nvPr>
+        </p:nvSpPr>
+        <p:spPr>
+          <a:xfrm>
+            <a:off x="163512" y="7543740"/>
+            <a:ext cx="6530975" cy="1396720"/>
+          </a:xfrm>
+        </p:spPr>
+        <p:txBody>
+          <a:bodyPr/>
+          <a:lstStyle/>
+          <a:p>
+            <a:pPr lvl="0"/>
+            <a:r>
+              <a:rPr lang="fr-CA"/>
+              <a:t>Cliquez pour modifier les styles du texte du masque</a:t>
+            </a:r>
+          </a:p>
+        </p:txBody>
+      </p:sp>
+      <p:sp>
+        <p:nvSpPr>
+          <p:cNvPr id="12" name="Espace réservé du texte 11">
+            <a:extLst>
+              <a:ext uri="{FF2B5EF4-FFF2-40B4-BE49-F238E27FC236}">
+                <a16:creationId xmlns:a16="http://schemas.microsoft.com/office/drawing/2014/main" id="{8C70F080-9524-6964-F537-864A983971D4}"/>
+              </a:ext>
+            </a:extLst>
+          </p:cNvPr>
+          <p:cNvSpPr>
+            <a:spLocks noGrp="1"/>
+          </p:cNvSpPr>
+          <p:nvPr>
+            <p:ph type="body" sz="quarter" idx="18" hasCustomPrompt="1"/>
+          </p:nvPr>
+        </p:nvSpPr>
+        <p:spPr>
+          <a:xfrm>
+            <a:off x="165418" y="2976415"/>
+            <a:ext cx="6519211" cy="181189"/>
+          </a:xfrm>
+        </p:spPr>
+        <p:txBody>
+          <a:bodyPr>
+            <a:noAutofit/>
+          </a:bodyPr>
+          <a:lstStyle>
+            <a:lvl1pPr marL="0" indent="0">
+              <a:buNone/>
+              <a:defRPr sz="1100" b="1">
+                <a:solidFill>
+                  <a:schemeClr val="accent6"/>
+                </a:solidFill>
+              </a:defRPr>
+            </a:lvl1pPr>
+          </a:lstStyle>
+          <a:p>
+            <a:pPr lvl="0"/>
+            <a:r>
+              <a:rPr lang="fr-CA" dirty="0"/>
+              <a:t>Sous-titre</a:t>
+            </a:r>
+          </a:p>
+        </p:txBody>
+      </p:sp>
+      <p:sp>
+        <p:nvSpPr>
+          <p:cNvPr id="13" name="Espace réservé du texte 11">
+            <a:extLst>
+              <a:ext uri="{FF2B5EF4-FFF2-40B4-BE49-F238E27FC236}">
+                <a16:creationId xmlns:a16="http://schemas.microsoft.com/office/drawing/2014/main" id="{11A2E44E-6CF8-0F2E-1889-BF51887478BE}"/>
+              </a:ext>
+            </a:extLst>
+          </p:cNvPr>
+          <p:cNvSpPr>
+            <a:spLocks noGrp="1"/>
+          </p:cNvSpPr>
+          <p:nvPr>
+            <p:ph type="body" sz="quarter" idx="19" hasCustomPrompt="1"/>
+          </p:nvPr>
+        </p:nvSpPr>
+        <p:spPr>
+          <a:xfrm>
+            <a:off x="159631" y="7336962"/>
+            <a:ext cx="6530975" cy="181189"/>
+          </a:xfrm>
+        </p:spPr>
+        <p:txBody>
+          <a:bodyPr>
+            <a:noAutofit/>
+          </a:bodyPr>
+          <a:lstStyle>
+            <a:lvl1pPr marL="0" indent="0">
+              <a:buNone/>
+              <a:defRPr sz="1100" b="1">
+                <a:solidFill>
+                  <a:schemeClr val="accent6"/>
+                </a:solidFill>
+              </a:defRPr>
+            </a:lvl1pPr>
+          </a:lstStyle>
+          <a:p>
+            <a:pPr lvl="0"/>
+            <a:r>
+              <a:rPr lang="fr-CA" dirty="0"/>
+              <a:t>Sous-titre</a:t>
+            </a:r>
+          </a:p>
+        </p:txBody>
+      </p:sp>
+      <p:sp>
+        <p:nvSpPr>
+          <p:cNvPr id="15" name="Espace réservé de la date 14">
+            <a:extLst>
+              <a:ext uri="{FF2B5EF4-FFF2-40B4-BE49-F238E27FC236}">
+                <a16:creationId xmlns:a16="http://schemas.microsoft.com/office/drawing/2014/main" id="{CCE4B6EA-E29F-1461-7D61-CF285A385467}"/>
+              </a:ext>
+            </a:extLst>
+          </p:cNvPr>
+          <p:cNvSpPr>
+            <a:spLocks noGrp="1"/>
+          </p:cNvSpPr>
+          <p:nvPr>
+            <p:ph type="dt" sz="half" idx="20"/>
+          </p:nvPr>
+        </p:nvSpPr>
+        <p:spPr/>
+        <p:txBody>
+          <a:bodyPr/>
+          <a:lstStyle/>
+          <a:p>
+            <a:fld id="{4A7B7E9D-7D70-4B3C-87BC-005DA1C1BD48}" type="datetime1">
+              <a:rPr lang="fr-CA" smtClean="0"/>
+              <a:t>2023-07-20</a:t>
+            </a:fld>
+            <a:endParaRPr lang="fr-CA" dirty="0"/>
+          </a:p>
+        </p:txBody>
+      </p:sp>
+      <p:sp>
+        <p:nvSpPr>
+          <p:cNvPr id="16" name="Espace réservé du pied de page 15">
+            <a:extLst>
+              <a:ext uri="{FF2B5EF4-FFF2-40B4-BE49-F238E27FC236}">
+                <a16:creationId xmlns:a16="http://schemas.microsoft.com/office/drawing/2014/main" id="{E7DDC23A-C3AC-FA29-585F-8752EEC2435B}"/>
+              </a:ext>
+            </a:extLst>
+          </p:cNvPr>
+          <p:cNvSpPr>
+            <a:spLocks noGrp="1"/>
+          </p:cNvSpPr>
+          <p:nvPr>
+            <p:ph type="ftr" sz="quarter" idx="21"/>
+          </p:nvPr>
+        </p:nvSpPr>
+        <p:spPr/>
+        <p:txBody>
+          <a:bodyPr/>
+          <a:lstStyle/>
+          <a:p>
+            <a:r>
+              <a:rPr lang="fr-CA"/>
+              <a:t>Centre d’innovation numérique</a:t>
+            </a:r>
+          </a:p>
+        </p:txBody>
+      </p:sp>
+      <p:sp>
+        <p:nvSpPr>
+          <p:cNvPr id="17" name="Espace réservé du numéro de diapositive 16">
+            <a:extLst>
+              <a:ext uri="{FF2B5EF4-FFF2-40B4-BE49-F238E27FC236}">
+                <a16:creationId xmlns:a16="http://schemas.microsoft.com/office/drawing/2014/main" id="{0BAE27CA-135D-71FA-0D74-B172D40F8544}"/>
+              </a:ext>
+            </a:extLst>
+          </p:cNvPr>
+          <p:cNvSpPr>
+            <a:spLocks noGrp="1"/>
+          </p:cNvSpPr>
+          <p:nvPr>
+            <p:ph type="sldNum" sz="quarter" idx="22"/>
+          </p:nvPr>
+        </p:nvSpPr>
+        <p:spPr/>
+        <p:txBody>
+          <a:bodyPr/>
+          <a:lstStyle/>
+          <a:p>
+            <a:fld id="{F4298C9D-C79B-4F39-BDC2-AA426541C3E9}" type="slidenum">
+              <a:rPr lang="fr-CA" smtClean="0"/>
+              <a:t>‹n°›</a:t>
+            </a:fld>
+            <a:endParaRPr lang="fr-CA"/>
+          </a:p>
+        </p:txBody>
+      </p:sp>
+      <p:sp>
+        <p:nvSpPr>
+          <p:cNvPr id="2" name="Espace réservé du contenu 7">
+            <a:extLst>
+              <a:ext uri="{FF2B5EF4-FFF2-40B4-BE49-F238E27FC236}">
+                <a16:creationId xmlns:a16="http://schemas.microsoft.com/office/drawing/2014/main" id="{F39AD3E5-DE4D-C0D3-238D-C76FD4A3CA7A}"/>
+              </a:ext>
+            </a:extLst>
+          </p:cNvPr>
+          <p:cNvSpPr>
+            <a:spLocks noGrp="1"/>
+          </p:cNvSpPr>
+          <p:nvPr>
+            <p:ph sz="quarter" idx="23"/>
+          </p:nvPr>
+        </p:nvSpPr>
+        <p:spPr>
+          <a:xfrm>
+            <a:off x="165453" y="6217339"/>
+            <a:ext cx="6527094" cy="683149"/>
+          </a:xfrm>
+        </p:spPr>
+        <p:txBody>
+          <a:bodyPr/>
+          <a:lstStyle/>
+          <a:p>
+            <a:pPr lvl="0"/>
+            <a:r>
+              <a:rPr lang="fr-CA"/>
+              <a:t>Cliquez pour modifier les styles du texte du masque</a:t>
+            </a:r>
+          </a:p>
+        </p:txBody>
+      </p:sp>
+      <p:sp>
+        <p:nvSpPr>
+          <p:cNvPr id="3" name="Espace réservé du texte 11">
+            <a:extLst>
+              <a:ext uri="{FF2B5EF4-FFF2-40B4-BE49-F238E27FC236}">
+                <a16:creationId xmlns:a16="http://schemas.microsoft.com/office/drawing/2014/main" id="{35D61679-7005-FDE8-6B47-D70FB2F46697}"/>
+              </a:ext>
+            </a:extLst>
+          </p:cNvPr>
+          <p:cNvSpPr>
+            <a:spLocks noGrp="1"/>
+          </p:cNvSpPr>
+          <p:nvPr>
+            <p:ph type="body" sz="quarter" idx="24" hasCustomPrompt="1"/>
+          </p:nvPr>
+        </p:nvSpPr>
+        <p:spPr>
+          <a:xfrm>
+            <a:off x="165419" y="6008087"/>
+            <a:ext cx="6524998" cy="199446"/>
+          </a:xfrm>
+        </p:spPr>
+        <p:txBody>
+          <a:bodyPr>
+            <a:noAutofit/>
+          </a:bodyPr>
+          <a:lstStyle>
+            <a:lvl1pPr marL="0" indent="0">
+              <a:buNone/>
+              <a:defRPr sz="1100" b="1">
+                <a:solidFill>
+                  <a:schemeClr val="accent6"/>
+                </a:solidFill>
+              </a:defRPr>
+            </a:lvl1pPr>
+          </a:lstStyle>
+          <a:p>
+            <a:pPr lvl="0"/>
+            <a:r>
+              <a:rPr lang="fr-CA" dirty="0"/>
+              <a:t>Sous-titre</a:t>
+            </a:r>
+          </a:p>
+        </p:txBody>
+      </p:sp>
+    </p:spTree>
+    <p:extLst>
+      <p:ext uri="{BB962C8B-B14F-4D97-AF65-F5344CB8AC3E}">
+        <p14:creationId xmlns:p14="http://schemas.microsoft.com/office/powerpoint/2010/main" val="1631704528"/>
+      </p:ext>
+    </p:extLst>
+  </p:cSld>
+  <p:clrMapOvr>
+    <a:masterClrMapping/>
+  </p:clrMapOvr>
+</p:sldLayout>
+</file>
+
+<file path=ppt/slideLayouts/slideLayout3.xml><?xml version="1.0" encoding="utf-8"?>
+<p:sldLayout xmlns:a="http://schemas.openxmlformats.org/drawingml/2006/main" xmlns:r="http://schemas.openxmlformats.org/officeDocument/2006/relationships" xmlns:p="http://schemas.openxmlformats.org/presentationml/2006/main" preserve="1" userDrawn="1">
+  <p:cSld name="2_Première page avec image">
+    <p:bg>
+      <p:bgPr>
+        <a:solidFill>
+          <a:schemeClr val="bg1"/>
+        </a:solidFill>
+        <a:effectLst/>
+      </p:bgPr>
+    </p:bg>
+    <p:spTree>
+      <p:nvGrpSpPr>
+        <p:cNvPr id="1" name=""/>
+        <p:cNvGrpSpPr/>
+        <p:nvPr/>
+      </p:nvGrpSpPr>
+      <p:grpSpPr>
+        <a:xfrm>
+          <a:off x="0" y="0"/>
+          <a:ext cx="0" cy="0"/>
+          <a:chOff x="0" y="0"/>
+          <a:chExt cx="0" cy="0"/>
+        </a:xfrm>
+      </p:grpSpPr>
+      <p:pic>
+        <p:nvPicPr>
+          <p:cNvPr id="4" name="Image 3" descr="Une image contenant texte, capture d’écran, Police, graphisme&#10;&#10;Description générée automatiquement">
+            <a:extLst>
+              <a:ext uri="{FF2B5EF4-FFF2-40B4-BE49-F238E27FC236}">
+                <a16:creationId xmlns:a16="http://schemas.microsoft.com/office/drawing/2014/main" id="{29F64939-4005-2211-3BAD-4A4D80FDC0DA}"/>
+              </a:ext>
+            </a:extLst>
+          </p:cNvPr>
+          <p:cNvPicPr>
+            <a:picLocks noChangeAspect="1"/>
+          </p:cNvPicPr>
+          <p:nvPr userDrawn="1"/>
+        </p:nvPicPr>
+        <p:blipFill>
+          <a:blip r:embed="rId2">
+            <a:extLst>
+              <a:ext uri="{28A0092B-C50C-407E-A947-70E740481C1C}">
+                <a14:useLocalDpi xmlns:a14="http://schemas.microsoft.com/office/drawing/2010/main" val="0"/>
+              </a:ext>
+            </a:extLst>
+          </a:blip>
+          <a:stretch>
+            <a:fillRect/>
+          </a:stretch>
+        </p:blipFill>
+        <p:spPr>
+          <a:xfrm>
+            <a:off x="159631" y="144996"/>
+            <a:ext cx="6531610" cy="2821921"/>
+          </a:xfrm>
+          <a:prstGeom prst="rect">
+            <a:avLst/>
+          </a:prstGeom>
+        </p:spPr>
+      </p:pic>
+      <p:sp>
+        <p:nvSpPr>
+          <p:cNvPr id="7" name="Espace réservé du texte 6">
+            <a:extLst>
+              <a:ext uri="{FF2B5EF4-FFF2-40B4-BE49-F238E27FC236}">
+                <a16:creationId xmlns:a16="http://schemas.microsoft.com/office/drawing/2014/main" id="{0EAD9BD2-37D2-3693-705E-9A6B46B90965}"/>
+              </a:ext>
+            </a:extLst>
+          </p:cNvPr>
+          <p:cNvSpPr>
+            <a:spLocks noGrp="1"/>
+          </p:cNvSpPr>
+          <p:nvPr>
+            <p:ph type="body" sz="quarter" idx="13" hasCustomPrompt="1"/>
+          </p:nvPr>
+        </p:nvSpPr>
+        <p:spPr>
+          <a:xfrm>
+            <a:off x="254497" y="1380242"/>
+            <a:ext cx="3610852" cy="797759"/>
+          </a:xfrm>
+          <a:solidFill>
+            <a:schemeClr val="accent5">
+              <a:lumMod val="75000"/>
+            </a:schemeClr>
+          </a:solidFill>
+        </p:spPr>
+        <p:txBody>
+          <a:bodyPr>
+            <a:normAutofit/>
+          </a:bodyPr>
+          <a:lstStyle>
+            <a:lvl1pPr marL="0" indent="0">
+              <a:buNone/>
+              <a:defRPr sz="2400" b="1">
+                <a:solidFill>
+                  <a:schemeClr val="bg1"/>
+                </a:solidFill>
+                <a:latin typeface="+mj-lt"/>
+              </a:defRPr>
+            </a:lvl1pPr>
+          </a:lstStyle>
+          <a:p>
+            <a:pPr lvl="0"/>
+            <a:r>
+              <a:rPr lang="fr-CA" dirty="0"/>
+              <a:t>Cliquer pour insérer le titre</a:t>
+            </a:r>
+          </a:p>
+        </p:txBody>
+      </p:sp>
+      <p:sp>
+        <p:nvSpPr>
+          <p:cNvPr id="9" name="Espace réservé du texte 8">
+            <a:extLst>
+              <a:ext uri="{FF2B5EF4-FFF2-40B4-BE49-F238E27FC236}">
+                <a16:creationId xmlns:a16="http://schemas.microsoft.com/office/drawing/2014/main" id="{1FB32FAB-4E92-9944-9E63-E89A459F718B}"/>
+              </a:ext>
+            </a:extLst>
+          </p:cNvPr>
+          <p:cNvSpPr>
+            <a:spLocks noGrp="1"/>
+          </p:cNvSpPr>
+          <p:nvPr>
+            <p:ph type="body" sz="quarter" idx="14" hasCustomPrompt="1"/>
+          </p:nvPr>
+        </p:nvSpPr>
+        <p:spPr>
+          <a:xfrm>
+            <a:off x="163195" y="1154867"/>
+            <a:ext cx="2527995" cy="225375"/>
+          </a:xfrm>
+        </p:spPr>
+        <p:txBody>
+          <a:bodyPr>
+            <a:normAutofit/>
+          </a:bodyPr>
+          <a:lstStyle>
+            <a:lvl1pPr marL="0" indent="0" algn="l">
+              <a:buNone/>
+              <a:defRPr sz="1125" b="1">
+                <a:solidFill>
+                  <a:schemeClr val="accent2"/>
+                </a:solidFill>
+              </a:defRPr>
+            </a:lvl1pPr>
+          </a:lstStyle>
+          <a:p>
+            <a:pPr lvl="0"/>
+            <a:r>
+              <a:rPr lang="fr-FR" dirty="0"/>
+              <a:t># de l’article</a:t>
+            </a:r>
+            <a:endParaRPr lang="fr-CA" dirty="0"/>
+          </a:p>
+        </p:txBody>
+      </p:sp>
+      <p:sp>
+        <p:nvSpPr>
+          <p:cNvPr id="11" name="Espace réservé du texte 10">
+            <a:extLst>
+              <a:ext uri="{FF2B5EF4-FFF2-40B4-BE49-F238E27FC236}">
+                <a16:creationId xmlns:a16="http://schemas.microsoft.com/office/drawing/2014/main" id="{147758C8-3AF0-5B34-23C4-61EBFFB4B716}"/>
+              </a:ext>
+            </a:extLst>
+          </p:cNvPr>
+          <p:cNvSpPr>
+            <a:spLocks noGrp="1"/>
+          </p:cNvSpPr>
+          <p:nvPr>
+            <p:ph type="body" sz="quarter" idx="15" hasCustomPrompt="1"/>
+          </p:nvPr>
+        </p:nvSpPr>
+        <p:spPr>
+          <a:xfrm>
+            <a:off x="254497" y="2243511"/>
+            <a:ext cx="3610852" cy="319730"/>
+          </a:xfrm>
+          <a:solidFill>
+            <a:srgbClr val="47929C"/>
+          </a:solidFill>
+        </p:spPr>
+        <p:txBody>
+          <a:bodyPr/>
+          <a:lstStyle>
+            <a:lvl1pPr marL="0" indent="0">
+              <a:buNone/>
+              <a:defRPr>
+                <a:solidFill>
+                  <a:schemeClr val="bg1"/>
+                </a:solidFill>
+              </a:defRPr>
+            </a:lvl1pPr>
+          </a:lstStyle>
+          <a:p>
+            <a:pPr lvl="0"/>
+            <a:r>
+              <a:rPr lang="fr-FR" dirty="0"/>
+              <a:t>Insérer le sous-titre</a:t>
+            </a:r>
+            <a:endParaRPr lang="fr-CA" dirty="0"/>
+          </a:p>
+        </p:txBody>
+      </p:sp>
+      <p:sp>
+        <p:nvSpPr>
+          <p:cNvPr id="8" name="Espace réservé du contenu 7">
+            <a:extLst>
+              <a:ext uri="{FF2B5EF4-FFF2-40B4-BE49-F238E27FC236}">
+                <a16:creationId xmlns:a16="http://schemas.microsoft.com/office/drawing/2014/main" id="{51EEF1EB-79BC-BB63-498D-4B8E8D718182}"/>
+              </a:ext>
+            </a:extLst>
+          </p:cNvPr>
+          <p:cNvSpPr>
+            <a:spLocks noGrp="1"/>
+          </p:cNvSpPr>
+          <p:nvPr>
+            <p:ph sz="quarter" idx="16"/>
+          </p:nvPr>
+        </p:nvSpPr>
+        <p:spPr>
+          <a:xfrm>
+            <a:off x="163512" y="3185667"/>
+            <a:ext cx="3669348" cy="2795573"/>
+          </a:xfrm>
+        </p:spPr>
+        <p:txBody>
+          <a:bodyPr/>
+          <a:lstStyle/>
+          <a:p>
+            <a:pPr lvl="0"/>
+            <a:r>
+              <a:rPr lang="fr-CA"/>
+              <a:t>Cliquez pour modifier les styles du texte du masque</a:t>
+            </a:r>
+          </a:p>
+        </p:txBody>
+      </p:sp>
+      <p:sp>
+        <p:nvSpPr>
+          <p:cNvPr id="6" name="Titre 1">
+            <a:extLst>
+              <a:ext uri="{FF2B5EF4-FFF2-40B4-BE49-F238E27FC236}">
+                <a16:creationId xmlns:a16="http://schemas.microsoft.com/office/drawing/2014/main" id="{003ED591-FDB4-DCE9-777A-2AE3EC79F311}"/>
+              </a:ext>
+            </a:extLst>
+          </p:cNvPr>
+          <p:cNvSpPr>
+            <a:spLocks noGrp="1"/>
+          </p:cNvSpPr>
+          <p:nvPr>
+            <p:ph type="title"/>
+          </p:nvPr>
+        </p:nvSpPr>
+        <p:spPr>
+          <a:xfrm>
+            <a:off x="163195" y="6927335"/>
+            <a:ext cx="6530975" cy="382923"/>
+          </a:xfrm>
+          <a:blipFill>
+            <a:blip r:embed="rId3"/>
+            <a:stretch>
+              <a:fillRect/>
+            </a:stretch>
+          </a:blipFill>
+        </p:spPr>
+        <p:txBody>
+          <a:bodyPr/>
+          <a:lstStyle>
+            <a:lvl1pPr>
+              <a:defRPr>
+                <a:solidFill>
+                  <a:schemeClr val="bg1"/>
+                </a:solidFill>
+              </a:defRPr>
+            </a:lvl1pPr>
+          </a:lstStyle>
+          <a:p>
+            <a:r>
+              <a:rPr lang="fr-CA"/>
+              <a:t>Modifier le style du titre</a:t>
+            </a:r>
+            <a:endParaRPr lang="fr-CA" dirty="0"/>
+          </a:p>
+        </p:txBody>
+      </p:sp>
+      <p:sp>
+        <p:nvSpPr>
+          <p:cNvPr id="10" name="Espace réservé du contenu 7">
+            <a:extLst>
+              <a:ext uri="{FF2B5EF4-FFF2-40B4-BE49-F238E27FC236}">
+                <a16:creationId xmlns:a16="http://schemas.microsoft.com/office/drawing/2014/main" id="{C685D41A-45F6-94BE-EAC3-736E0FA0D37A}"/>
+              </a:ext>
+            </a:extLst>
+          </p:cNvPr>
+          <p:cNvSpPr>
+            <a:spLocks noGrp="1"/>
+          </p:cNvSpPr>
+          <p:nvPr>
+            <p:ph sz="quarter" idx="17"/>
+          </p:nvPr>
+        </p:nvSpPr>
+        <p:spPr>
+          <a:xfrm>
+            <a:off x="163512" y="7543740"/>
+            <a:ext cx="6530975" cy="1396720"/>
+          </a:xfrm>
+        </p:spPr>
+        <p:txBody>
+          <a:bodyPr/>
+          <a:lstStyle/>
+          <a:p>
+            <a:pPr lvl="0"/>
+            <a:r>
+              <a:rPr lang="fr-CA"/>
+              <a:t>Cliquez pour modifier les styles du texte du masque</a:t>
+            </a:r>
+          </a:p>
+        </p:txBody>
+      </p:sp>
+      <p:sp>
+        <p:nvSpPr>
+          <p:cNvPr id="12" name="Espace réservé du texte 11">
+            <a:extLst>
+              <a:ext uri="{FF2B5EF4-FFF2-40B4-BE49-F238E27FC236}">
+                <a16:creationId xmlns:a16="http://schemas.microsoft.com/office/drawing/2014/main" id="{8C70F080-9524-6964-F537-864A983971D4}"/>
+              </a:ext>
+            </a:extLst>
+          </p:cNvPr>
+          <p:cNvSpPr>
+            <a:spLocks noGrp="1"/>
+          </p:cNvSpPr>
+          <p:nvPr>
+            <p:ph type="body" sz="quarter" idx="18" hasCustomPrompt="1"/>
+          </p:nvPr>
+        </p:nvSpPr>
+        <p:spPr>
+          <a:xfrm>
+            <a:off x="165418" y="2976415"/>
+            <a:ext cx="6519211" cy="181189"/>
+          </a:xfrm>
+        </p:spPr>
+        <p:txBody>
+          <a:bodyPr>
+            <a:noAutofit/>
+          </a:bodyPr>
+          <a:lstStyle>
+            <a:lvl1pPr marL="0" indent="0">
+              <a:buNone/>
+              <a:defRPr sz="1100" b="1">
+                <a:solidFill>
+                  <a:schemeClr val="accent6"/>
+                </a:solidFill>
+              </a:defRPr>
+            </a:lvl1pPr>
+          </a:lstStyle>
+          <a:p>
+            <a:pPr lvl="0"/>
+            <a:r>
+              <a:rPr lang="fr-CA" dirty="0"/>
+              <a:t>Sous-titre</a:t>
+            </a:r>
+          </a:p>
+        </p:txBody>
+      </p:sp>
+      <p:sp>
+        <p:nvSpPr>
+          <p:cNvPr id="13" name="Espace réservé du texte 11">
+            <a:extLst>
+              <a:ext uri="{FF2B5EF4-FFF2-40B4-BE49-F238E27FC236}">
+                <a16:creationId xmlns:a16="http://schemas.microsoft.com/office/drawing/2014/main" id="{11A2E44E-6CF8-0F2E-1889-BF51887478BE}"/>
+              </a:ext>
+            </a:extLst>
+          </p:cNvPr>
+          <p:cNvSpPr>
+            <a:spLocks noGrp="1"/>
+          </p:cNvSpPr>
+          <p:nvPr>
+            <p:ph type="body" sz="quarter" idx="19" hasCustomPrompt="1"/>
+          </p:nvPr>
+        </p:nvSpPr>
+        <p:spPr>
+          <a:xfrm>
+            <a:off x="159631" y="7336962"/>
+            <a:ext cx="6530975" cy="181189"/>
+          </a:xfrm>
+        </p:spPr>
+        <p:txBody>
+          <a:bodyPr>
+            <a:noAutofit/>
+          </a:bodyPr>
+          <a:lstStyle>
+            <a:lvl1pPr marL="0" indent="0">
+              <a:buNone/>
+              <a:defRPr sz="1100" b="1">
+                <a:solidFill>
+                  <a:schemeClr val="accent6"/>
+                </a:solidFill>
+              </a:defRPr>
+            </a:lvl1pPr>
+          </a:lstStyle>
+          <a:p>
+            <a:pPr lvl="0"/>
+            <a:r>
+              <a:rPr lang="fr-CA" dirty="0"/>
+              <a:t>Sous-titre</a:t>
+            </a:r>
+          </a:p>
+        </p:txBody>
+      </p:sp>
+      <p:sp>
+        <p:nvSpPr>
+          <p:cNvPr id="15" name="Espace réservé de la date 14">
+            <a:extLst>
+              <a:ext uri="{FF2B5EF4-FFF2-40B4-BE49-F238E27FC236}">
+                <a16:creationId xmlns:a16="http://schemas.microsoft.com/office/drawing/2014/main" id="{CCE4B6EA-E29F-1461-7D61-CF285A385467}"/>
+              </a:ext>
+            </a:extLst>
+          </p:cNvPr>
+          <p:cNvSpPr>
+            <a:spLocks noGrp="1"/>
+          </p:cNvSpPr>
+          <p:nvPr>
+            <p:ph type="dt" sz="half" idx="20"/>
+          </p:nvPr>
+        </p:nvSpPr>
+        <p:spPr/>
+        <p:txBody>
+          <a:bodyPr/>
+          <a:lstStyle/>
+          <a:p>
+            <a:fld id="{4A7B7E9D-7D70-4B3C-87BC-005DA1C1BD48}" type="datetime1">
+              <a:rPr lang="fr-CA" smtClean="0"/>
+              <a:t>2023-07-20</a:t>
+            </a:fld>
+            <a:endParaRPr lang="fr-CA" dirty="0"/>
+          </a:p>
+        </p:txBody>
+      </p:sp>
+      <p:sp>
+        <p:nvSpPr>
+          <p:cNvPr id="16" name="Espace réservé du pied de page 15">
+            <a:extLst>
+              <a:ext uri="{FF2B5EF4-FFF2-40B4-BE49-F238E27FC236}">
+                <a16:creationId xmlns:a16="http://schemas.microsoft.com/office/drawing/2014/main" id="{E7DDC23A-C3AC-FA29-585F-8752EEC2435B}"/>
+              </a:ext>
+            </a:extLst>
+          </p:cNvPr>
+          <p:cNvSpPr>
+            <a:spLocks noGrp="1"/>
+          </p:cNvSpPr>
+          <p:nvPr>
+            <p:ph type="ftr" sz="quarter" idx="21"/>
+          </p:nvPr>
+        </p:nvSpPr>
+        <p:spPr/>
+        <p:txBody>
+          <a:bodyPr/>
+          <a:lstStyle/>
+          <a:p>
+            <a:r>
+              <a:rPr lang="fr-CA"/>
+              <a:t>Centre d’innovation numérique</a:t>
+            </a:r>
+          </a:p>
+        </p:txBody>
+      </p:sp>
+      <p:sp>
+        <p:nvSpPr>
+          <p:cNvPr id="17" name="Espace réservé du numéro de diapositive 16">
+            <a:extLst>
+              <a:ext uri="{FF2B5EF4-FFF2-40B4-BE49-F238E27FC236}">
+                <a16:creationId xmlns:a16="http://schemas.microsoft.com/office/drawing/2014/main" id="{0BAE27CA-135D-71FA-0D74-B172D40F8544}"/>
+              </a:ext>
+            </a:extLst>
+          </p:cNvPr>
+          <p:cNvSpPr>
+            <a:spLocks noGrp="1"/>
+          </p:cNvSpPr>
+          <p:nvPr>
+            <p:ph type="sldNum" sz="quarter" idx="22"/>
+          </p:nvPr>
+        </p:nvSpPr>
+        <p:spPr/>
+        <p:txBody>
+          <a:bodyPr/>
+          <a:lstStyle/>
+          <a:p>
+            <a:fld id="{F4298C9D-C79B-4F39-BDC2-AA426541C3E9}" type="slidenum">
+              <a:rPr lang="fr-CA" smtClean="0"/>
+              <a:t>‹n°›</a:t>
+            </a:fld>
+            <a:endParaRPr lang="fr-CA"/>
+          </a:p>
+        </p:txBody>
+      </p:sp>
+      <p:sp>
+        <p:nvSpPr>
+          <p:cNvPr id="2" name="Espace réservé du contenu 7">
+            <a:extLst>
+              <a:ext uri="{FF2B5EF4-FFF2-40B4-BE49-F238E27FC236}">
+                <a16:creationId xmlns:a16="http://schemas.microsoft.com/office/drawing/2014/main" id="{F39AD3E5-DE4D-C0D3-238D-C76FD4A3CA7A}"/>
+              </a:ext>
+            </a:extLst>
+          </p:cNvPr>
+          <p:cNvSpPr>
+            <a:spLocks noGrp="1"/>
+          </p:cNvSpPr>
+          <p:nvPr>
+            <p:ph sz="quarter" idx="23"/>
+          </p:nvPr>
+        </p:nvSpPr>
+        <p:spPr>
+          <a:xfrm>
+            <a:off x="165453" y="6217339"/>
+            <a:ext cx="6527094" cy="683149"/>
+          </a:xfrm>
+        </p:spPr>
+        <p:txBody>
+          <a:bodyPr/>
+          <a:lstStyle/>
+          <a:p>
+            <a:pPr lvl="0"/>
+            <a:r>
+              <a:rPr lang="fr-CA"/>
+              <a:t>Cliquez pour modifier les styles du texte du masque</a:t>
+            </a:r>
+          </a:p>
+        </p:txBody>
+      </p:sp>
+      <p:sp>
+        <p:nvSpPr>
+          <p:cNvPr id="3" name="Espace réservé du texte 11">
+            <a:extLst>
+              <a:ext uri="{FF2B5EF4-FFF2-40B4-BE49-F238E27FC236}">
+                <a16:creationId xmlns:a16="http://schemas.microsoft.com/office/drawing/2014/main" id="{35D61679-7005-FDE8-6B47-D70FB2F46697}"/>
+              </a:ext>
+            </a:extLst>
+          </p:cNvPr>
+          <p:cNvSpPr>
+            <a:spLocks noGrp="1"/>
+          </p:cNvSpPr>
+          <p:nvPr>
+            <p:ph type="body" sz="quarter" idx="24" hasCustomPrompt="1"/>
+          </p:nvPr>
+        </p:nvSpPr>
+        <p:spPr>
+          <a:xfrm>
+            <a:off x="165419" y="6008087"/>
+            <a:ext cx="6524998" cy="199446"/>
+          </a:xfrm>
+        </p:spPr>
+        <p:txBody>
+          <a:bodyPr>
+            <a:noAutofit/>
+          </a:bodyPr>
+          <a:lstStyle>
+            <a:lvl1pPr marL="0" indent="0">
+              <a:buNone/>
+              <a:defRPr sz="1100" b="1">
+                <a:solidFill>
+                  <a:schemeClr val="accent6"/>
+                </a:solidFill>
+              </a:defRPr>
+            </a:lvl1pPr>
+          </a:lstStyle>
+          <a:p>
+            <a:pPr lvl="0"/>
+            <a:r>
+              <a:rPr lang="fr-CA" dirty="0"/>
+              <a:t>Sous-titre</a:t>
+            </a:r>
+          </a:p>
+        </p:txBody>
+      </p:sp>
+      <p:sp>
+        <p:nvSpPr>
+          <p:cNvPr id="14" name="Espace réservé pour une image  13">
+            <a:extLst>
+              <a:ext uri="{FF2B5EF4-FFF2-40B4-BE49-F238E27FC236}">
+                <a16:creationId xmlns:a16="http://schemas.microsoft.com/office/drawing/2014/main" id="{44BA02FF-7280-1377-86FA-D4A995E57746}"/>
+              </a:ext>
+            </a:extLst>
+          </p:cNvPr>
+          <p:cNvSpPr>
+            <a:spLocks noGrp="1"/>
+          </p:cNvSpPr>
+          <p:nvPr>
+            <p:ph type="pic" sz="quarter" idx="25"/>
+          </p:nvPr>
+        </p:nvSpPr>
+        <p:spPr>
+          <a:xfrm>
+            <a:off x="3865349" y="3185667"/>
+            <a:ext cx="2819614" cy="2062973"/>
+          </a:xfrm>
+        </p:spPr>
+        <p:txBody>
+          <a:bodyPr/>
+          <a:lstStyle/>
+          <a:p>
+            <a:r>
+              <a:rPr lang="fr-CA"/>
+              <a:t>Cliquez sur l'icône pour ajouter une image</a:t>
+            </a:r>
+            <a:endParaRPr lang="fr-CA" dirty="0"/>
+          </a:p>
+        </p:txBody>
+      </p:sp>
+      <p:sp>
+        <p:nvSpPr>
+          <p:cNvPr id="19" name="Espace réservé du texte 18">
+            <a:extLst>
+              <a:ext uri="{FF2B5EF4-FFF2-40B4-BE49-F238E27FC236}">
+                <a16:creationId xmlns:a16="http://schemas.microsoft.com/office/drawing/2014/main" id="{6618A1D5-06C0-8932-A388-99AECC03EC9C}"/>
+              </a:ext>
+            </a:extLst>
+          </p:cNvPr>
+          <p:cNvSpPr>
+            <a:spLocks noGrp="1"/>
+          </p:cNvSpPr>
+          <p:nvPr>
+            <p:ph type="body" sz="quarter" idx="26"/>
+          </p:nvPr>
+        </p:nvSpPr>
+        <p:spPr>
+          <a:xfrm>
+            <a:off x="3865349" y="5274229"/>
+            <a:ext cx="2819400" cy="707471"/>
+          </a:xfrm>
+        </p:spPr>
+        <p:txBody>
+          <a:bodyPr/>
+          <a:lstStyle>
+            <a:lvl1pPr marL="171450" indent="-171450">
+              <a:buFont typeface="Arial" panose="020B0604020202020204" pitchFamily="34" charset="0"/>
+              <a:buChar char="•"/>
+              <a:defRPr/>
+            </a:lvl1pPr>
+          </a:lstStyle>
+          <a:p>
+            <a:pPr lvl="0"/>
+            <a:r>
+              <a:rPr lang="fr-CA"/>
+              <a:t>Cliquez pour modifier les styles du texte du masque</a:t>
+            </a:r>
+          </a:p>
+        </p:txBody>
+      </p:sp>
+    </p:spTree>
+    <p:extLst>
+      <p:ext uri="{BB962C8B-B14F-4D97-AF65-F5344CB8AC3E}">
+        <p14:creationId xmlns:p14="http://schemas.microsoft.com/office/powerpoint/2010/main" val="4280583255"/>
+      </p:ext>
+    </p:extLst>
+  </p:cSld>
+  <p:clrMapOvr>
+    <a:masterClrMapping/>
+  </p:clrMapOvr>
+</p:sldLayout>
+</file>
+
+<file path=ppt/slideLayouts/slideLayout4.xml><?xml version="1.0" encoding="utf-8"?>
 <p:sldLayout xmlns:a="http://schemas.openxmlformats.org/drawingml/2006/main" xmlns:r="http://schemas.openxmlformats.org/officeDocument/2006/relationships" xmlns:p="http://schemas.openxmlformats.org/presentationml/2006/main" preserve="1" userDrawn="1">
   <p:cSld name="Titre et contenu">
     <p:spTree>
@@ -642,8 +2384,8 @@
         </p:nvSpPr>
         <p:spPr>
           <a:xfrm>
-            <a:off x="147782" y="150408"/>
-            <a:ext cx="6567054" cy="543767"/>
+            <a:off x="147782" y="150409"/>
+            <a:ext cx="6567054" cy="402041"/>
           </a:xfrm>
           <a:blipFill>
             <a:blip r:embed="rId2"/>
@@ -690,7 +2432,7 @@
         </p:nvSpPr>
         <p:spPr>
           <a:xfrm>
-            <a:off x="147782" y="841138"/>
+            <a:off x="147782" y="762946"/>
             <a:ext cx="6567054" cy="8152454"/>
           </a:xfrm>
         </p:spPr>
@@ -732,6 +2474,137 @@
               <a:t>Cinquième niveau</a:t>
             </a:r>
             <a:endParaRPr lang="fr-CA" dirty="0"/>
+          </a:p>
+        </p:txBody>
+      </p:sp>
+      <p:sp>
+        <p:nvSpPr>
+          <p:cNvPr id="4" name="Espace réservé du texte 11">
+            <a:extLst>
+              <a:ext uri="{FF2B5EF4-FFF2-40B4-BE49-F238E27FC236}">
+                <a16:creationId xmlns:a16="http://schemas.microsoft.com/office/drawing/2014/main" id="{F983F70D-619F-49BF-4DCC-5E2E6DA43AB6}"/>
+              </a:ext>
+            </a:extLst>
+          </p:cNvPr>
+          <p:cNvSpPr>
+            <a:spLocks noGrp="1"/>
+          </p:cNvSpPr>
+          <p:nvPr>
+            <p:ph type="body" sz="quarter" idx="19" hasCustomPrompt="1"/>
+          </p:nvPr>
+        </p:nvSpPr>
+        <p:spPr>
+          <a:xfrm>
+            <a:off x="147782" y="572023"/>
+            <a:ext cx="6530975" cy="181189"/>
+          </a:xfrm>
+        </p:spPr>
+        <p:txBody>
+          <a:bodyPr>
+            <a:noAutofit/>
+          </a:bodyPr>
+          <a:lstStyle>
+            <a:lvl1pPr marL="0" indent="0">
+              <a:buNone/>
+              <a:defRPr sz="1100" b="1">
+                <a:solidFill>
+                  <a:schemeClr val="accent6"/>
+                </a:solidFill>
+              </a:defRPr>
+            </a:lvl1pPr>
+          </a:lstStyle>
+          <a:p>
+            <a:pPr lvl="0"/>
+            <a:r>
+              <a:rPr lang="fr-CA" dirty="0"/>
+              <a:t>Sous-titre</a:t>
+            </a:r>
+          </a:p>
+        </p:txBody>
+      </p:sp>
+      <p:sp>
+        <p:nvSpPr>
+          <p:cNvPr id="5" name="Espace réservé de la date 4">
+            <a:extLst>
+              <a:ext uri="{FF2B5EF4-FFF2-40B4-BE49-F238E27FC236}">
+                <a16:creationId xmlns:a16="http://schemas.microsoft.com/office/drawing/2014/main" id="{D27A7487-1F32-6E00-DE0A-BD0FD5B45C5B}"/>
+              </a:ext>
+            </a:extLst>
+          </p:cNvPr>
+          <p:cNvSpPr>
+            <a:spLocks noGrp="1"/>
+          </p:cNvSpPr>
+          <p:nvPr>
+            <p:ph type="dt" sz="half" idx="20"/>
+          </p:nvPr>
+        </p:nvSpPr>
+        <p:spPr/>
+        <p:txBody>
+          <a:bodyPr/>
+          <a:lstStyle/>
+          <a:p>
+            <a:fld id="{7D873928-FB47-4F75-985E-993CE113AA76}" type="datetime1">
+              <a:rPr lang="fr-CA" smtClean="0"/>
+              <a:t>2023-07-20</a:t>
+            </a:fld>
+            <a:endParaRPr lang="fr-CA" dirty="0"/>
+          </a:p>
+        </p:txBody>
+      </p:sp>
+      <p:sp>
+        <p:nvSpPr>
+          <p:cNvPr id="6" name="Espace réservé du pied de page 5">
+            <a:extLst>
+              <a:ext uri="{FF2B5EF4-FFF2-40B4-BE49-F238E27FC236}">
+                <a16:creationId xmlns:a16="http://schemas.microsoft.com/office/drawing/2014/main" id="{92558362-B38A-3F7F-1253-01F80AE59F81}"/>
+              </a:ext>
+            </a:extLst>
+          </p:cNvPr>
+          <p:cNvSpPr>
+            <a:spLocks noGrp="1"/>
+          </p:cNvSpPr>
+          <p:nvPr>
+            <p:ph type="ftr" sz="quarter" idx="21"/>
+          </p:nvPr>
+        </p:nvSpPr>
+        <p:spPr/>
+        <p:txBody>
+          <a:bodyPr/>
+          <a:lstStyle/>
+          <a:p>
+            <a:r>
+              <a:rPr lang="fr-CA"/>
+              <a:t>Centre d’innovation numérique</a:t>
+            </a:r>
+          </a:p>
+        </p:txBody>
+      </p:sp>
+      <p:sp>
+        <p:nvSpPr>
+          <p:cNvPr id="7" name="Espace réservé du numéro de diapositive 6">
+            <a:extLst>
+              <a:ext uri="{FF2B5EF4-FFF2-40B4-BE49-F238E27FC236}">
+                <a16:creationId xmlns:a16="http://schemas.microsoft.com/office/drawing/2014/main" id="{6CB49598-9947-B85A-A706-0D043A57032F}"/>
+              </a:ext>
+            </a:extLst>
+          </p:cNvPr>
+          <p:cNvSpPr>
+            <a:spLocks noGrp="1"/>
+          </p:cNvSpPr>
+          <p:nvPr>
+            <p:ph type="sldNum" sz="quarter" idx="22"/>
+          </p:nvPr>
+        </p:nvSpPr>
+        <p:spPr/>
+        <p:txBody>
+          <a:bodyPr/>
+          <a:lstStyle/>
+          <a:p>
+            <a:fld id="{F4298C9D-C79B-4F39-BDC2-AA426541C3E9}" type="slidenum">
+              <a:rPr lang="fr-CA" smtClean="0"/>
+              <a:t>‹n°›</a:t>
+            </a:fld>
+            <a:endParaRPr lang="fr-CA"/>
           </a:p>
         </p:txBody>
       </p:sp>
@@ -748,8 +2621,172 @@
 </p:sldLayout>
 </file>
 
-<file path=ppt/slideLayouts/slideLayout3.xml><?xml version="1.0" encoding="utf-8"?>
-<p:sldLayout xmlns:a="http://schemas.openxmlformats.org/drawingml/2006/main" xmlns:r="http://schemas.openxmlformats.org/officeDocument/2006/relationships" xmlns:p="http://schemas.openxmlformats.org/presentationml/2006/main" type="twoObj" preserve="1">
+<file path=ppt/slideLayouts/slideLayout5.xml><?xml version="1.0" encoding="utf-8"?>
+<p:sldLayout xmlns:a="http://schemas.openxmlformats.org/drawingml/2006/main" xmlns:r="http://schemas.openxmlformats.org/officeDocument/2006/relationships" xmlns:p="http://schemas.openxmlformats.org/presentationml/2006/main" preserve="1" userDrawn="1">
+  <p:cSld name="1_Titre et contenu">
+    <p:spTree>
+      <p:nvGrpSpPr>
+        <p:cNvPr id="1" name=""/>
+        <p:cNvGrpSpPr/>
+        <p:nvPr/>
+      </p:nvGrpSpPr>
+      <p:grpSpPr>
+        <a:xfrm>
+          <a:off x="0" y="0"/>
+          <a:ext cx="0" cy="0"/>
+          <a:chOff x="0" y="0"/>
+          <a:chExt cx="0" cy="0"/>
+        </a:xfrm>
+      </p:grpSpPr>
+      <p:sp>
+        <p:nvSpPr>
+          <p:cNvPr id="2" name="Titre 1">
+            <a:extLst>
+              <a:ext uri="{FF2B5EF4-FFF2-40B4-BE49-F238E27FC236}">
+                <a16:creationId xmlns:a16="http://schemas.microsoft.com/office/drawing/2014/main" id="{2693A25B-1B21-A004-9917-0606623011DF}"/>
+              </a:ext>
+            </a:extLst>
+          </p:cNvPr>
+          <p:cNvSpPr>
+            <a:spLocks noGrp="1"/>
+          </p:cNvSpPr>
+          <p:nvPr>
+            <p:ph type="title"/>
+          </p:nvPr>
+        </p:nvSpPr>
+        <p:spPr>
+          <a:xfrm>
+            <a:off x="147782" y="150409"/>
+            <a:ext cx="6567054" cy="402041"/>
+          </a:xfrm>
+          <a:blipFill>
+            <a:blip r:embed="rId2"/>
+            <a:stretch>
+              <a:fillRect/>
+            </a:stretch>
+          </a:blipFill>
+        </p:spPr>
+        <p:txBody>
+          <a:bodyPr/>
+          <a:lstStyle>
+            <a:lvl1pPr>
+              <a:defRPr>
+                <a:solidFill>
+                  <a:schemeClr val="bg1"/>
+                </a:solidFill>
+              </a:defRPr>
+            </a:lvl1pPr>
+          </a:lstStyle>
+          <a:p>
+            <a:r>
+              <a:rPr lang="fr-CA"/>
+              <a:t>Modifier le style du titre</a:t>
+            </a:r>
+            <a:endParaRPr lang="fr-CA" dirty="0"/>
+          </a:p>
+        </p:txBody>
+      </p:sp>
+      <p:sp>
+        <p:nvSpPr>
+          <p:cNvPr id="5" name="Espace réservé de la date 4">
+            <a:extLst>
+              <a:ext uri="{FF2B5EF4-FFF2-40B4-BE49-F238E27FC236}">
+                <a16:creationId xmlns:a16="http://schemas.microsoft.com/office/drawing/2014/main" id="{D27A7487-1F32-6E00-DE0A-BD0FD5B45C5B}"/>
+              </a:ext>
+            </a:extLst>
+          </p:cNvPr>
+          <p:cNvSpPr>
+            <a:spLocks noGrp="1"/>
+          </p:cNvSpPr>
+          <p:nvPr>
+            <p:ph type="dt" sz="half" idx="20"/>
+          </p:nvPr>
+        </p:nvSpPr>
+        <p:spPr/>
+        <p:txBody>
+          <a:bodyPr/>
+          <a:lstStyle/>
+          <a:p>
+            <a:fld id="{7D873928-FB47-4F75-985E-993CE113AA76}" type="datetime1">
+              <a:rPr lang="fr-CA" smtClean="0"/>
+              <a:t>2023-07-20</a:t>
+            </a:fld>
+            <a:endParaRPr lang="fr-CA" dirty="0"/>
+          </a:p>
+        </p:txBody>
+      </p:sp>
+      <p:sp>
+        <p:nvSpPr>
+          <p:cNvPr id="6" name="Espace réservé du pied de page 5">
+            <a:extLst>
+              <a:ext uri="{FF2B5EF4-FFF2-40B4-BE49-F238E27FC236}">
+                <a16:creationId xmlns:a16="http://schemas.microsoft.com/office/drawing/2014/main" id="{92558362-B38A-3F7F-1253-01F80AE59F81}"/>
+              </a:ext>
+            </a:extLst>
+          </p:cNvPr>
+          <p:cNvSpPr>
+            <a:spLocks noGrp="1"/>
+          </p:cNvSpPr>
+          <p:nvPr>
+            <p:ph type="ftr" sz="quarter" idx="21"/>
+          </p:nvPr>
+        </p:nvSpPr>
+        <p:spPr/>
+        <p:txBody>
+          <a:bodyPr/>
+          <a:lstStyle/>
+          <a:p>
+            <a:r>
+              <a:rPr lang="fr-CA"/>
+              <a:t>Centre d’innovation numérique</a:t>
+            </a:r>
+          </a:p>
+        </p:txBody>
+      </p:sp>
+      <p:sp>
+        <p:nvSpPr>
+          <p:cNvPr id="7" name="Espace réservé du numéro de diapositive 6">
+            <a:extLst>
+              <a:ext uri="{FF2B5EF4-FFF2-40B4-BE49-F238E27FC236}">
+                <a16:creationId xmlns:a16="http://schemas.microsoft.com/office/drawing/2014/main" id="{6CB49598-9947-B85A-A706-0D043A57032F}"/>
+              </a:ext>
+            </a:extLst>
+          </p:cNvPr>
+          <p:cNvSpPr>
+            <a:spLocks noGrp="1"/>
+          </p:cNvSpPr>
+          <p:nvPr>
+            <p:ph type="sldNum" sz="quarter" idx="22"/>
+          </p:nvPr>
+        </p:nvSpPr>
+        <p:spPr/>
+        <p:txBody>
+          <a:bodyPr/>
+          <a:lstStyle/>
+          <a:p>
+            <a:fld id="{F4298C9D-C79B-4F39-BDC2-AA426541C3E9}" type="slidenum">
+              <a:rPr lang="fr-CA" smtClean="0"/>
+              <a:t>‹n°›</a:t>
+            </a:fld>
+            <a:endParaRPr lang="fr-CA"/>
+          </a:p>
+        </p:txBody>
+      </p:sp>
+    </p:spTree>
+    <p:extLst>
+      <p:ext uri="{BB962C8B-B14F-4D97-AF65-F5344CB8AC3E}">
+        <p14:creationId xmlns:p14="http://schemas.microsoft.com/office/powerpoint/2010/main" val="630271059"/>
+      </p:ext>
+    </p:extLst>
+  </p:cSld>
+  <p:clrMapOvr>
+    <a:masterClrMapping/>
+  </p:clrMapOvr>
+</p:sldLayout>
+</file>
+
+<file path=ppt/slideLayouts/slideLayout6.xml><?xml version="1.0" encoding="utf-8"?>
+<p:sldLayout xmlns:a="http://schemas.openxmlformats.org/drawingml/2006/main" xmlns:r="http://schemas.openxmlformats.org/officeDocument/2006/relationships" xmlns:p="http://schemas.openxmlformats.org/presentationml/2006/main" preserve="1" userDrawn="1">
   <p:cSld name="Deux contenus">
     <p:spTree>
       <p:nvGrpSpPr>
@@ -784,7 +2821,7 @@
         <p:spPr>
           <a:xfrm>
             <a:off x="150090" y="147155"/>
-            <a:ext cx="6557819" cy="516724"/>
+            <a:ext cx="6557819" cy="413357"/>
           </a:xfrm>
           <a:blipFill>
             <a:blip r:embed="rId2"/>
@@ -831,8 +2868,8 @@
         </p:nvSpPr>
         <p:spPr>
           <a:xfrm>
-            <a:off x="150090" y="752173"/>
-            <a:ext cx="3168073" cy="7831315"/>
+            <a:off x="147782" y="736876"/>
+            <a:ext cx="3168073" cy="8205642"/>
           </a:xfrm>
         </p:spPr>
         <p:txBody>
@@ -845,35 +2882,6 @@
               <a:t>Cliquez pour modifier les styles du texte du masque</a:t>
             </a:r>
           </a:p>
-          <a:p>
-            <a:pPr lvl="1"/>
-            <a:r>
-              <a:rPr lang="fr-CA"/>
-              <a:t>Deuxième niveau</a:t>
-            </a:r>
-          </a:p>
-          <a:p>
-            <a:pPr lvl="2"/>
-            <a:r>
-              <a:rPr lang="fr-CA"/>
-              <a:t>Troisième niveau</a:t>
-            </a:r>
-          </a:p>
-          <a:p>
-            <a:pPr lvl="3"/>
-            <a:r>
-              <a:rPr lang="fr-CA"/>
-              <a:t>Quatrième niveau</a:t>
-            </a:r>
-          </a:p>
-          <a:p>
-            <a:pPr lvl="4"/>
-            <a:r>
-              <a:rPr lang="fr-CA"/>
-              <a:t>Cinquième niveau</a:t>
-            </a:r>
-            <a:endParaRPr lang="fr-CA" dirty="0"/>
-          </a:p>
         </p:txBody>
       </p:sp>
       <p:sp>
@@ -894,8 +2902,8 @@
         </p:nvSpPr>
         <p:spPr>
           <a:xfrm>
-            <a:off x="3539839" y="727122"/>
-            <a:ext cx="3168072" cy="7831314"/>
+            <a:off x="3539837" y="746125"/>
+            <a:ext cx="3168072" cy="8196393"/>
           </a:xfrm>
         </p:spPr>
         <p:txBody>
@@ -908,33 +2916,181 @@
               <a:t>Cliquez pour modifier les styles du texte du masque</a:t>
             </a:r>
           </a:p>
-          <a:p>
-            <a:pPr lvl="1"/>
+        </p:txBody>
+      </p:sp>
+      <p:sp>
+        <p:nvSpPr>
+          <p:cNvPr id="5" name="Espace réservé du texte 11">
+            <a:extLst>
+              <a:ext uri="{FF2B5EF4-FFF2-40B4-BE49-F238E27FC236}">
+                <a16:creationId xmlns:a16="http://schemas.microsoft.com/office/drawing/2014/main" id="{361EEFDD-F36E-6E98-40B9-BA1725E831AB}"/>
+              </a:ext>
+            </a:extLst>
+          </p:cNvPr>
+          <p:cNvSpPr>
+            <a:spLocks noGrp="1"/>
+          </p:cNvSpPr>
+          <p:nvPr>
+            <p:ph type="body" sz="quarter" idx="19" hasCustomPrompt="1"/>
+          </p:nvPr>
+        </p:nvSpPr>
+        <p:spPr>
+          <a:xfrm>
+            <a:off x="147782" y="564935"/>
+            <a:ext cx="3168073" cy="181189"/>
+          </a:xfrm>
+        </p:spPr>
+        <p:txBody>
+          <a:bodyPr>
+            <a:noAutofit/>
+          </a:bodyPr>
+          <a:lstStyle>
+            <a:lvl1pPr marL="0" indent="0">
+              <a:buNone/>
+              <a:defRPr sz="1100" b="1">
+                <a:solidFill>
+                  <a:schemeClr val="accent6"/>
+                </a:solidFill>
+              </a:defRPr>
+            </a:lvl1pPr>
+          </a:lstStyle>
+          <a:p>
+            <a:pPr lvl="0"/>
+            <a:r>
+              <a:rPr lang="fr-CA" dirty="0"/>
+              <a:t>Sous-titre</a:t>
+            </a:r>
+          </a:p>
+        </p:txBody>
+      </p:sp>
+      <p:sp>
+        <p:nvSpPr>
+          <p:cNvPr id="6" name="Espace réservé du texte 11">
+            <a:extLst>
+              <a:ext uri="{FF2B5EF4-FFF2-40B4-BE49-F238E27FC236}">
+                <a16:creationId xmlns:a16="http://schemas.microsoft.com/office/drawing/2014/main" id="{9248448E-2619-5A99-AE11-987D4D1FDD14}"/>
+              </a:ext>
+            </a:extLst>
+          </p:cNvPr>
+          <p:cNvSpPr>
+            <a:spLocks noGrp="1"/>
+          </p:cNvSpPr>
+          <p:nvPr>
+            <p:ph type="body" sz="quarter" idx="20" hasCustomPrompt="1"/>
+          </p:nvPr>
+        </p:nvSpPr>
+        <p:spPr>
+          <a:xfrm>
+            <a:off x="3535357" y="557186"/>
+            <a:ext cx="3174862" cy="181189"/>
+          </a:xfrm>
+        </p:spPr>
+        <p:txBody>
+          <a:bodyPr>
+            <a:noAutofit/>
+          </a:bodyPr>
+          <a:lstStyle>
+            <a:lvl1pPr marL="0" indent="0">
+              <a:buNone/>
+              <a:defRPr sz="1100" b="1">
+                <a:solidFill>
+                  <a:schemeClr val="accent6"/>
+                </a:solidFill>
+              </a:defRPr>
+            </a:lvl1pPr>
+          </a:lstStyle>
+          <a:p>
+            <a:pPr lvl="0"/>
+            <a:r>
+              <a:rPr lang="fr-CA" dirty="0"/>
+              <a:t>Sous-titre</a:t>
+            </a:r>
+          </a:p>
+        </p:txBody>
+      </p:sp>
+      <p:sp>
+        <p:nvSpPr>
+          <p:cNvPr id="7" name="Espace réservé de la date 6">
+            <a:extLst>
+              <a:ext uri="{FF2B5EF4-FFF2-40B4-BE49-F238E27FC236}">
+                <a16:creationId xmlns:a16="http://schemas.microsoft.com/office/drawing/2014/main" id="{D5D64B5B-280C-0FCA-DE99-079844BAA46D}"/>
+              </a:ext>
+            </a:extLst>
+          </p:cNvPr>
+          <p:cNvSpPr>
+            <a:spLocks noGrp="1"/>
+          </p:cNvSpPr>
+          <p:nvPr>
+            <p:ph type="dt" sz="half" idx="21"/>
+          </p:nvPr>
+        </p:nvSpPr>
+        <p:spPr/>
+        <p:txBody>
+          <a:bodyPr/>
+          <a:lstStyle/>
+          <a:p>
+            <a:fld id="{AA8CDE33-5AA8-40AB-8A82-BEB59CF3E86D}" type="datetime1">
+              <a:rPr lang="fr-CA" smtClean="0"/>
+              <a:t>2023-07-20</a:t>
+            </a:fld>
+            <a:endParaRPr lang="fr-CA" dirty="0"/>
+          </a:p>
+        </p:txBody>
+      </p:sp>
+      <p:sp>
+        <p:nvSpPr>
+          <p:cNvPr id="8" name="Espace réservé du pied de page 7">
+            <a:extLst>
+              <a:ext uri="{FF2B5EF4-FFF2-40B4-BE49-F238E27FC236}">
+                <a16:creationId xmlns:a16="http://schemas.microsoft.com/office/drawing/2014/main" id="{F48E5DBE-DA6A-C56D-3E48-26470815CD27}"/>
+              </a:ext>
+            </a:extLst>
+          </p:cNvPr>
+          <p:cNvSpPr>
+            <a:spLocks noGrp="1"/>
+          </p:cNvSpPr>
+          <p:nvPr>
+            <p:ph type="ftr" sz="quarter" idx="22"/>
+          </p:nvPr>
+        </p:nvSpPr>
+        <p:spPr/>
+        <p:txBody>
+          <a:bodyPr/>
+          <a:lstStyle/>
+          <a:p>
             <a:r>
               <a:rPr lang="fr-CA"/>
-              <a:t>Deuxième niveau</a:t>
-            </a:r>
-          </a:p>
-          <a:p>
-            <a:pPr lvl="2"/>
-            <a:r>
-              <a:rPr lang="fr-CA"/>
-              <a:t>Troisième niveau</a:t>
-            </a:r>
-          </a:p>
-          <a:p>
-            <a:pPr lvl="3"/>
-            <a:r>
-              <a:rPr lang="fr-CA"/>
-              <a:t>Quatrième niveau</a:t>
-            </a:r>
-          </a:p>
-          <a:p>
-            <a:pPr lvl="4"/>
-            <a:r>
-              <a:rPr lang="fr-CA"/>
-              <a:t>Cinquième niveau</a:t>
-            </a:r>
+              <a:t>Centre d’innovation numérique</a:t>
+            </a:r>
+          </a:p>
+        </p:txBody>
+      </p:sp>
+      <p:sp>
+        <p:nvSpPr>
+          <p:cNvPr id="9" name="Espace réservé du numéro de diapositive 8">
+            <a:extLst>
+              <a:ext uri="{FF2B5EF4-FFF2-40B4-BE49-F238E27FC236}">
+                <a16:creationId xmlns:a16="http://schemas.microsoft.com/office/drawing/2014/main" id="{CDBD524E-EEEB-2FA0-7C77-ECCD18DA266D}"/>
+              </a:ext>
+            </a:extLst>
+          </p:cNvPr>
+          <p:cNvSpPr>
+            <a:spLocks noGrp="1"/>
+          </p:cNvSpPr>
+          <p:nvPr>
+            <p:ph type="sldNum" sz="quarter" idx="23"/>
+          </p:nvPr>
+        </p:nvSpPr>
+        <p:spPr/>
+        <p:txBody>
+          <a:bodyPr/>
+          <a:lstStyle/>
+          <a:p>
+            <a:fld id="{F4298C9D-C79B-4F39-BDC2-AA426541C3E9}" type="slidenum">
+              <a:rPr lang="fr-CA" smtClean="0"/>
+              <a:t>‹n°›</a:t>
+            </a:fld>
+            <a:endParaRPr lang="fr-CA"/>
           </a:p>
         </p:txBody>
       </p:sp>
@@ -951,8 +3107,8 @@
 </p:sldLayout>
 </file>
 
-<file path=ppt/slideLayouts/slideLayout4.xml><?xml version="1.0" encoding="utf-8"?>
-<p:sldLayout xmlns:a="http://schemas.openxmlformats.org/drawingml/2006/main" xmlns:r="http://schemas.openxmlformats.org/officeDocument/2006/relationships" xmlns:p="http://schemas.openxmlformats.org/presentationml/2006/main" type="twoTxTwoObj" preserve="1">
+<file path=ppt/slideLayouts/slideLayout7.xml><?xml version="1.0" encoding="utf-8"?>
+<p:sldLayout xmlns:a="http://schemas.openxmlformats.org/drawingml/2006/main" xmlns:r="http://schemas.openxmlformats.org/officeDocument/2006/relationships" xmlns:p="http://schemas.openxmlformats.org/presentationml/2006/main" preserve="1" userDrawn="1">
   <p:cSld name="Comparaison">
     <p:spTree>
       <p:nvGrpSpPr>
@@ -987,7 +3143,7 @@
         <p:spPr>
           <a:xfrm>
             <a:off x="145473" y="117654"/>
-            <a:ext cx="6567054" cy="947881"/>
+            <a:ext cx="6567054" cy="425271"/>
           </a:xfrm>
           <a:blipFill>
             <a:blip r:embed="rId2"/>
@@ -1034,8 +3190,8 @@
         </p:nvSpPr>
         <p:spPr>
           <a:xfrm>
-            <a:off x="140856" y="1146219"/>
-            <a:ext cx="3230472" cy="947881"/>
+            <a:off x="140856" y="753702"/>
+            <a:ext cx="3230472" cy="501608"/>
           </a:xfrm>
         </p:spPr>
         <p:txBody>
@@ -1111,8 +3267,8 @@
         </p:nvSpPr>
         <p:spPr>
           <a:xfrm>
-            <a:off x="140856" y="2232068"/>
-            <a:ext cx="3230472" cy="6698990"/>
+            <a:off x="140856" y="1265326"/>
+            <a:ext cx="3230472" cy="7684941"/>
           </a:xfrm>
         </p:spPr>
         <p:txBody>
@@ -1125,35 +3281,6 @@
               <a:t>Cliquez pour modifier les styles du texte du masque</a:t>
             </a:r>
           </a:p>
-          <a:p>
-            <a:pPr lvl="1"/>
-            <a:r>
-              <a:rPr lang="fr-CA"/>
-              <a:t>Deuxième niveau</a:t>
-            </a:r>
-          </a:p>
-          <a:p>
-            <a:pPr lvl="2"/>
-            <a:r>
-              <a:rPr lang="fr-CA"/>
-              <a:t>Troisième niveau</a:t>
-            </a:r>
-          </a:p>
-          <a:p>
-            <a:pPr lvl="3"/>
-            <a:r>
-              <a:rPr lang="fr-CA"/>
-              <a:t>Quatrième niveau</a:t>
-            </a:r>
-          </a:p>
-          <a:p>
-            <a:pPr lvl="4"/>
-            <a:r>
-              <a:rPr lang="fr-CA"/>
-              <a:t>Cinquième niveau</a:t>
-            </a:r>
-            <a:endParaRPr lang="fr-CA" dirty="0"/>
-          </a:p>
         </p:txBody>
       </p:sp>
       <p:sp>
@@ -1174,8 +3301,8 @@
         </p:nvSpPr>
         <p:spPr>
           <a:xfrm>
-            <a:off x="3469555" y="1146217"/>
-            <a:ext cx="3230472" cy="947881"/>
+            <a:off x="3469555" y="753702"/>
+            <a:ext cx="3230472" cy="501608"/>
           </a:xfrm>
         </p:spPr>
         <p:txBody>
@@ -1251,8 +3378,8 @@
         </p:nvSpPr>
         <p:spPr>
           <a:xfrm>
-            <a:off x="3469555" y="2232068"/>
-            <a:ext cx="3242972" cy="6698990"/>
+            <a:off x="3469555" y="1265326"/>
+            <a:ext cx="3242972" cy="7684941"/>
           </a:xfrm>
         </p:spPr>
         <p:txBody>
@@ -1265,33 +3392,136 @@
               <a:t>Cliquez pour modifier les styles du texte du masque</a:t>
             </a:r>
           </a:p>
-          <a:p>
-            <a:pPr lvl="1"/>
+        </p:txBody>
+      </p:sp>
+      <p:sp>
+        <p:nvSpPr>
+          <p:cNvPr id="7" name="Espace réservé du texte 11">
+            <a:extLst>
+              <a:ext uri="{FF2B5EF4-FFF2-40B4-BE49-F238E27FC236}">
+                <a16:creationId xmlns:a16="http://schemas.microsoft.com/office/drawing/2014/main" id="{35DA69F0-3BFC-B853-79A5-74808EF3925E}"/>
+              </a:ext>
+            </a:extLst>
+          </p:cNvPr>
+          <p:cNvSpPr>
+            <a:spLocks noGrp="1"/>
+          </p:cNvSpPr>
+          <p:nvPr>
+            <p:ph type="body" sz="quarter" idx="19" hasCustomPrompt="1"/>
+          </p:nvPr>
+        </p:nvSpPr>
+        <p:spPr>
+          <a:xfrm>
+            <a:off x="147782" y="562498"/>
+            <a:ext cx="6530975" cy="181189"/>
+          </a:xfrm>
+        </p:spPr>
+        <p:txBody>
+          <a:bodyPr>
+            <a:noAutofit/>
+          </a:bodyPr>
+          <a:lstStyle>
+            <a:lvl1pPr marL="0" indent="0">
+              <a:buNone/>
+              <a:defRPr sz="1100" b="1">
+                <a:solidFill>
+                  <a:schemeClr val="accent6"/>
+                </a:solidFill>
+              </a:defRPr>
+            </a:lvl1pPr>
+          </a:lstStyle>
+          <a:p>
+            <a:pPr lvl="0"/>
+            <a:r>
+              <a:rPr lang="fr-CA" dirty="0"/>
+              <a:t>Sous-titre</a:t>
+            </a:r>
+          </a:p>
+        </p:txBody>
+      </p:sp>
+      <p:sp>
+        <p:nvSpPr>
+          <p:cNvPr id="8" name="Espace réservé de la date 7">
+            <a:extLst>
+              <a:ext uri="{FF2B5EF4-FFF2-40B4-BE49-F238E27FC236}">
+                <a16:creationId xmlns:a16="http://schemas.microsoft.com/office/drawing/2014/main" id="{9BE23829-EE8E-3FB8-EDED-B59BFA19F21C}"/>
+              </a:ext>
+            </a:extLst>
+          </p:cNvPr>
+          <p:cNvSpPr>
+            <a:spLocks noGrp="1"/>
+          </p:cNvSpPr>
+          <p:nvPr>
+            <p:ph type="dt" sz="half" idx="20"/>
+          </p:nvPr>
+        </p:nvSpPr>
+        <p:spPr/>
+        <p:txBody>
+          <a:bodyPr/>
+          <a:lstStyle/>
+          <a:p>
+            <a:fld id="{64D11766-5DC9-4CE7-8F44-002006F20037}" type="datetime1">
+              <a:rPr lang="fr-CA" smtClean="0"/>
+              <a:t>2023-07-20</a:t>
+            </a:fld>
+            <a:endParaRPr lang="fr-CA" dirty="0"/>
+          </a:p>
+        </p:txBody>
+      </p:sp>
+      <p:sp>
+        <p:nvSpPr>
+          <p:cNvPr id="9" name="Espace réservé du pied de page 8">
+            <a:extLst>
+              <a:ext uri="{FF2B5EF4-FFF2-40B4-BE49-F238E27FC236}">
+                <a16:creationId xmlns:a16="http://schemas.microsoft.com/office/drawing/2014/main" id="{A61476B1-2594-1645-5675-A7DFAE23E711}"/>
+              </a:ext>
+            </a:extLst>
+          </p:cNvPr>
+          <p:cNvSpPr>
+            <a:spLocks noGrp="1"/>
+          </p:cNvSpPr>
+          <p:nvPr>
+            <p:ph type="ftr" sz="quarter" idx="21"/>
+          </p:nvPr>
+        </p:nvSpPr>
+        <p:spPr/>
+        <p:txBody>
+          <a:bodyPr/>
+          <a:lstStyle/>
+          <a:p>
             <a:r>
               <a:rPr lang="fr-CA"/>
-              <a:t>Deuxième niveau</a:t>
-            </a:r>
-          </a:p>
-          <a:p>
-            <a:pPr lvl="2"/>
-            <a:r>
-              <a:rPr lang="fr-CA"/>
-              <a:t>Troisième niveau</a:t>
-            </a:r>
-          </a:p>
-          <a:p>
-            <a:pPr lvl="3"/>
-            <a:r>
-              <a:rPr lang="fr-CA"/>
-              <a:t>Quatrième niveau</a:t>
-            </a:r>
-          </a:p>
-          <a:p>
-            <a:pPr lvl="4"/>
-            <a:r>
-              <a:rPr lang="fr-CA"/>
-              <a:t>Cinquième niveau</a:t>
-            </a:r>
+              <a:t>Centre d’innovation numérique</a:t>
+            </a:r>
+          </a:p>
+        </p:txBody>
+      </p:sp>
+      <p:sp>
+        <p:nvSpPr>
+          <p:cNvPr id="10" name="Espace réservé du numéro de diapositive 9">
+            <a:extLst>
+              <a:ext uri="{FF2B5EF4-FFF2-40B4-BE49-F238E27FC236}">
+                <a16:creationId xmlns:a16="http://schemas.microsoft.com/office/drawing/2014/main" id="{D4ED9B49-CCBF-E0DE-1848-D2A903E67EC8}"/>
+              </a:ext>
+            </a:extLst>
+          </p:cNvPr>
+          <p:cNvSpPr>
+            <a:spLocks noGrp="1"/>
+          </p:cNvSpPr>
+          <p:nvPr>
+            <p:ph type="sldNum" sz="quarter" idx="22"/>
+          </p:nvPr>
+        </p:nvSpPr>
+        <p:spPr/>
+        <p:txBody>
+          <a:bodyPr/>
+          <a:lstStyle/>
+          <a:p>
+            <a:fld id="{F4298C9D-C79B-4F39-BDC2-AA426541C3E9}" type="slidenum">
+              <a:rPr lang="fr-CA" smtClean="0"/>
+              <a:t>‹n°›</a:t>
+            </a:fld>
+            <a:endParaRPr lang="fr-CA"/>
           </a:p>
         </p:txBody>
       </p:sp>
@@ -1308,7 +3538,7 @@
 </p:sldLayout>
 </file>
 
-<file path=ppt/slideLayouts/slideLayout5.xml><?xml version="1.0" encoding="utf-8"?>
+<file path=ppt/slideLayouts/slideLayout8.xml><?xml version="1.0" encoding="utf-8"?>
 <p:sldLayout xmlns:a="http://schemas.openxmlformats.org/drawingml/2006/main" xmlns:r="http://schemas.openxmlformats.org/officeDocument/2006/relationships" xmlns:p="http://schemas.openxmlformats.org/presentationml/2006/main" preserve="1" userDrawn="1">
   <p:cSld name="1_Titre seul">
     <p:spTree>
@@ -1343,8 +3573,8 @@
         </p:nvSpPr>
         <p:spPr>
           <a:xfrm>
-            <a:off x="150090" y="201961"/>
-            <a:ext cx="6557819" cy="624757"/>
+            <a:off x="150090" y="131081"/>
+            <a:ext cx="6557819" cy="417164"/>
           </a:xfrm>
           <a:blipFill>
             <a:blip r:embed="rId2"/>
@@ -1391,8 +3621,8 @@
         </p:nvSpPr>
         <p:spPr>
           <a:xfrm>
-            <a:off x="175252" y="1203960"/>
-            <a:ext cx="6507493" cy="7738079"/>
+            <a:off x="168164" y="749530"/>
+            <a:ext cx="6507493" cy="8192509"/>
           </a:xfrm>
         </p:spPr>
         <p:txBody>
@@ -1405,33 +3635,136 @@
               <a:t>Cliquez pour modifier les styles du texte du masque</a:t>
             </a:r>
           </a:p>
-          <a:p>
-            <a:pPr lvl="1"/>
+        </p:txBody>
+      </p:sp>
+      <p:sp>
+        <p:nvSpPr>
+          <p:cNvPr id="3" name="Espace réservé du texte 11">
+            <a:extLst>
+              <a:ext uri="{FF2B5EF4-FFF2-40B4-BE49-F238E27FC236}">
+                <a16:creationId xmlns:a16="http://schemas.microsoft.com/office/drawing/2014/main" id="{9C9ED2FB-1FA7-BF46-BDA4-2AC88343DD4A}"/>
+              </a:ext>
+            </a:extLst>
+          </p:cNvPr>
+          <p:cNvSpPr>
+            <a:spLocks noGrp="1"/>
+          </p:cNvSpPr>
+          <p:nvPr>
+            <p:ph type="body" sz="quarter" idx="19" hasCustomPrompt="1"/>
+          </p:nvPr>
+        </p:nvSpPr>
+        <p:spPr>
+          <a:xfrm>
+            <a:off x="154870" y="558293"/>
+            <a:ext cx="6530975" cy="181189"/>
+          </a:xfrm>
+        </p:spPr>
+        <p:txBody>
+          <a:bodyPr>
+            <a:noAutofit/>
+          </a:bodyPr>
+          <a:lstStyle>
+            <a:lvl1pPr marL="0" indent="0">
+              <a:buNone/>
+              <a:defRPr sz="1100" b="1">
+                <a:solidFill>
+                  <a:schemeClr val="accent6"/>
+                </a:solidFill>
+              </a:defRPr>
+            </a:lvl1pPr>
+          </a:lstStyle>
+          <a:p>
+            <a:pPr lvl="0"/>
+            <a:r>
+              <a:rPr lang="fr-CA" dirty="0"/>
+              <a:t>Sous-titre</a:t>
+            </a:r>
+          </a:p>
+        </p:txBody>
+      </p:sp>
+      <p:sp>
+        <p:nvSpPr>
+          <p:cNvPr id="5" name="Espace réservé de la date 4">
+            <a:extLst>
+              <a:ext uri="{FF2B5EF4-FFF2-40B4-BE49-F238E27FC236}">
+                <a16:creationId xmlns:a16="http://schemas.microsoft.com/office/drawing/2014/main" id="{3D85FBFD-F442-44D9-ACC3-87F4FA4D76E1}"/>
+              </a:ext>
+            </a:extLst>
+          </p:cNvPr>
+          <p:cNvSpPr>
+            <a:spLocks noGrp="1"/>
+          </p:cNvSpPr>
+          <p:nvPr>
+            <p:ph type="dt" sz="half" idx="20"/>
+          </p:nvPr>
+        </p:nvSpPr>
+        <p:spPr/>
+        <p:txBody>
+          <a:bodyPr/>
+          <a:lstStyle/>
+          <a:p>
+            <a:fld id="{E75A6DE2-8C31-4155-ADD2-B285B1BEB75C}" type="datetime1">
+              <a:rPr lang="fr-CA" smtClean="0"/>
+              <a:t>2023-07-20</a:t>
+            </a:fld>
+            <a:endParaRPr lang="fr-CA" dirty="0"/>
+          </a:p>
+        </p:txBody>
+      </p:sp>
+      <p:sp>
+        <p:nvSpPr>
+          <p:cNvPr id="6" name="Espace réservé du pied de page 5">
+            <a:extLst>
+              <a:ext uri="{FF2B5EF4-FFF2-40B4-BE49-F238E27FC236}">
+                <a16:creationId xmlns:a16="http://schemas.microsoft.com/office/drawing/2014/main" id="{6220CBF5-29DD-8673-E913-B082785E13E6}"/>
+              </a:ext>
+            </a:extLst>
+          </p:cNvPr>
+          <p:cNvSpPr>
+            <a:spLocks noGrp="1"/>
+          </p:cNvSpPr>
+          <p:nvPr>
+            <p:ph type="ftr" sz="quarter" idx="21"/>
+          </p:nvPr>
+        </p:nvSpPr>
+        <p:spPr/>
+        <p:txBody>
+          <a:bodyPr/>
+          <a:lstStyle/>
+          <a:p>
             <a:r>
               <a:rPr lang="fr-CA"/>
-              <a:t>Deuxième niveau</a:t>
-            </a:r>
-          </a:p>
-          <a:p>
-            <a:pPr lvl="2"/>
-            <a:r>
-              <a:rPr lang="fr-CA"/>
-              <a:t>Troisième niveau</a:t>
-            </a:r>
-          </a:p>
-          <a:p>
-            <a:pPr lvl="3"/>
-            <a:r>
-              <a:rPr lang="fr-CA"/>
-              <a:t>Quatrième niveau</a:t>
-            </a:r>
-          </a:p>
-          <a:p>
-            <a:pPr lvl="4"/>
-            <a:r>
-              <a:rPr lang="fr-CA"/>
-              <a:t>Cinquième niveau</a:t>
-            </a:r>
+              <a:t>Centre d’innovation numérique</a:t>
+            </a:r>
+          </a:p>
+        </p:txBody>
+      </p:sp>
+      <p:sp>
+        <p:nvSpPr>
+          <p:cNvPr id="7" name="Espace réservé du numéro de diapositive 6">
+            <a:extLst>
+              <a:ext uri="{FF2B5EF4-FFF2-40B4-BE49-F238E27FC236}">
+                <a16:creationId xmlns:a16="http://schemas.microsoft.com/office/drawing/2014/main" id="{DA5611CC-633A-E9C3-3895-F05CE4D4E658}"/>
+              </a:ext>
+            </a:extLst>
+          </p:cNvPr>
+          <p:cNvSpPr>
+            <a:spLocks noGrp="1"/>
+          </p:cNvSpPr>
+          <p:nvPr>
+            <p:ph type="sldNum" sz="quarter" idx="22"/>
+          </p:nvPr>
+        </p:nvSpPr>
+        <p:spPr/>
+        <p:txBody>
+          <a:bodyPr/>
+          <a:lstStyle/>
+          <a:p>
+            <a:fld id="{F4298C9D-C79B-4F39-BDC2-AA426541C3E9}" type="slidenum">
+              <a:rPr lang="fr-CA" smtClean="0"/>
+              <a:t>‹n°›</a:t>
+            </a:fld>
+            <a:endParaRPr lang="fr-CA"/>
           </a:p>
         </p:txBody>
       </p:sp>
@@ -1448,9 +3781,9 @@
 </p:sldLayout>
 </file>
 
-<file path=ppt/slideLayouts/slideLayout6.xml><?xml version="1.0" encoding="utf-8"?>
-<p:sldLayout xmlns:a="http://schemas.openxmlformats.org/drawingml/2006/main" xmlns:r="http://schemas.openxmlformats.org/officeDocument/2006/relationships" xmlns:p="http://schemas.openxmlformats.org/presentationml/2006/main" type="titleOnly">
-  <p:cSld name="Titre seul">
+<file path=ppt/slideLayouts/slideLayout9.xml><?xml version="1.0" encoding="utf-8"?>
+<p:sldLayout xmlns:a="http://schemas.openxmlformats.org/drawingml/2006/main" xmlns:r="http://schemas.openxmlformats.org/officeDocument/2006/relationships" xmlns:p="http://schemas.openxmlformats.org/presentationml/2006/main" preserve="1" userDrawn="1">
+  <p:cSld name="Credits">
     <p:spTree>
       <p:nvGrpSpPr>
         <p:cNvPr id="1" name=""/>
@@ -1465,52 +3798,209 @@
           <a:chExt cx="0" cy="0"/>
         </a:xfrm>
       </p:grpSpPr>
-      <p:sp>
-        <p:nvSpPr>
-          <p:cNvPr id="2" name="Titre 1">
-            <a:extLst>
-              <a:ext uri="{FF2B5EF4-FFF2-40B4-BE49-F238E27FC236}">
-                <a16:creationId xmlns:a16="http://schemas.microsoft.com/office/drawing/2014/main" id="{5AE56070-62B6-0967-2212-684FDA4BA1B0}"/>
-              </a:ext>
-            </a:extLst>
-          </p:cNvPr>
-          <p:cNvSpPr>
-            <a:spLocks noGrp="1"/>
-          </p:cNvSpPr>
-          <p:nvPr>
-            <p:ph type="title"/>
-          </p:nvPr>
-        </p:nvSpPr>
-        <p:spPr>
-          <a:blipFill>
-            <a:blip r:embed="rId2"/>
-            <a:stretch>
-              <a:fillRect/>
-            </a:stretch>
-          </a:blipFill>
-        </p:spPr>
+      <p:pic>
+        <p:nvPicPr>
+          <p:cNvPr id="6" name="Image 5" descr="Une image contenant texte, capture d’écran, Police, logo&#10;&#10;Description générée automatiquement">
+            <a:extLst>
+              <a:ext uri="{FF2B5EF4-FFF2-40B4-BE49-F238E27FC236}">
+                <a16:creationId xmlns:a16="http://schemas.microsoft.com/office/drawing/2014/main" id="{7C58F4FD-5474-48C4-6E61-B172F63DCED9}"/>
+              </a:ext>
+            </a:extLst>
+          </p:cNvPr>
+          <p:cNvPicPr>
+            <a:picLocks noChangeAspect="1"/>
+          </p:cNvPicPr>
+          <p:nvPr userDrawn="1"/>
+        </p:nvPicPr>
+        <p:blipFill rotWithShape="1">
+          <a:blip r:embed="rId2">
+            <a:extLst>
+              <a:ext uri="{28A0092B-C50C-407E-A947-70E740481C1C}">
+                <a14:useLocalDpi xmlns:a14="http://schemas.microsoft.com/office/drawing/2010/main" val="0"/>
+              </a:ext>
+            </a:extLst>
+          </a:blip>
+          <a:srcRect l="1593" r="1567"/>
+          <a:stretch/>
+        </p:blipFill>
+        <p:spPr>
+          <a:xfrm>
+            <a:off x="0" y="-2383"/>
+            <a:ext cx="6858000" cy="9146383"/>
+          </a:xfrm>
+          <a:prstGeom prst="rect">
+            <a:avLst/>
+          </a:prstGeom>
+        </p:spPr>
+      </p:pic>
+      <p:sp>
+        <p:nvSpPr>
+          <p:cNvPr id="14" name="Espace réservé du texte 13">
+            <a:extLst>
+              <a:ext uri="{FF2B5EF4-FFF2-40B4-BE49-F238E27FC236}">
+                <a16:creationId xmlns:a16="http://schemas.microsoft.com/office/drawing/2014/main" id="{E48144D2-5861-3661-D17D-AA8A7DB70555}"/>
+              </a:ext>
+            </a:extLst>
+          </p:cNvPr>
+          <p:cNvSpPr>
+            <a:spLocks noGrp="1"/>
+          </p:cNvSpPr>
+          <p:nvPr>
+            <p:ph type="body" sz="quarter" idx="13" hasCustomPrompt="1"/>
+          </p:nvPr>
+        </p:nvSpPr>
+        <p:spPr>
+          <a:xfrm>
+            <a:off x="2150432" y="4508209"/>
+            <a:ext cx="2555287" cy="275507"/>
+          </a:xfrm>
+        </p:spPr>
+        <p:txBody>
+          <a:bodyPr>
+            <a:normAutofit/>
+          </a:bodyPr>
+          <a:lstStyle>
+            <a:lvl1pPr marL="0" indent="0" algn="ctr">
+              <a:buNone/>
+              <a:defRPr sz="1500" b="1">
+                <a:solidFill>
+                  <a:schemeClr val="accent2"/>
+                </a:solidFill>
+              </a:defRPr>
+            </a:lvl1pPr>
+          </a:lstStyle>
+          <a:p>
+            <a:pPr lvl="0"/>
+            <a:r>
+              <a:rPr lang="fr-FR" dirty="0"/>
+              <a:t>Insérer le nom d’auteur</a:t>
+            </a:r>
+          </a:p>
+        </p:txBody>
+      </p:sp>
+      <p:sp>
+        <p:nvSpPr>
+          <p:cNvPr id="2" name="Espace réservé de la date 1">
+            <a:extLst>
+              <a:ext uri="{FF2B5EF4-FFF2-40B4-BE49-F238E27FC236}">
+                <a16:creationId xmlns:a16="http://schemas.microsoft.com/office/drawing/2014/main" id="{42F927AD-7FFA-B45A-1FB4-3A58D7E35815}"/>
+              </a:ext>
+            </a:extLst>
+          </p:cNvPr>
+          <p:cNvSpPr>
+            <a:spLocks noGrp="1"/>
+          </p:cNvSpPr>
+          <p:nvPr>
+            <p:ph type="dt" sz="half" idx="14"/>
+          </p:nvPr>
+        </p:nvSpPr>
+        <p:spPr/>
         <p:txBody>
           <a:bodyPr/>
-          <a:lstStyle/>
-          <a:p>
-            <a:r>
-              <a:rPr lang="fr-FR"/>
-              <a:t>Modifiez le style du titre</a:t>
-            </a:r>
-            <a:endParaRPr lang="fr-CA"/>
+          <a:lstStyle>
+            <a:lvl1pPr>
+              <a:defRPr>
+                <a:solidFill>
+                  <a:schemeClr val="bg1"/>
+                </a:solidFill>
+              </a:defRPr>
+            </a:lvl1pPr>
+          </a:lstStyle>
+          <a:p>
+            <a:fld id="{918995F1-5802-4966-863C-9107BD2D3D18}" type="datetime1">
+              <a:rPr lang="fr-CA" smtClean="0"/>
+              <a:t>2023-07-20</a:t>
+            </a:fld>
+            <a:endParaRPr lang="fr-CA" dirty="0"/>
+          </a:p>
+        </p:txBody>
+      </p:sp>
+      <p:sp>
+        <p:nvSpPr>
+          <p:cNvPr id="3" name="Espace réservé du pied de page 2">
+            <a:extLst>
+              <a:ext uri="{FF2B5EF4-FFF2-40B4-BE49-F238E27FC236}">
+                <a16:creationId xmlns:a16="http://schemas.microsoft.com/office/drawing/2014/main" id="{81627C2E-5D89-7524-9664-1DE5775419E6}"/>
+              </a:ext>
+            </a:extLst>
+          </p:cNvPr>
+          <p:cNvSpPr>
+            <a:spLocks noGrp="1"/>
+          </p:cNvSpPr>
+          <p:nvPr>
+            <p:ph type="ftr" sz="quarter" idx="15"/>
+          </p:nvPr>
+        </p:nvSpPr>
+        <p:spPr/>
+        <p:txBody>
+          <a:bodyPr/>
+          <a:lstStyle>
+            <a:lvl1pPr>
+              <a:defRPr>
+                <a:solidFill>
+                  <a:schemeClr val="bg1"/>
+                </a:solidFill>
+              </a:defRPr>
+            </a:lvl1pPr>
+          </a:lstStyle>
+          <a:p>
+            <a:r>
+              <a:rPr lang="fr-CA"/>
+              <a:t>Centre d’innovation numérique</a:t>
+            </a:r>
+            <a:endParaRPr lang="fr-CA" dirty="0"/>
+          </a:p>
+        </p:txBody>
+      </p:sp>
+      <p:sp>
+        <p:nvSpPr>
+          <p:cNvPr id="4" name="Espace réservé du numéro de diapositive 3">
+            <a:extLst>
+              <a:ext uri="{FF2B5EF4-FFF2-40B4-BE49-F238E27FC236}">
+                <a16:creationId xmlns:a16="http://schemas.microsoft.com/office/drawing/2014/main" id="{8BBBEC0D-4E3F-0E50-87D1-17AF6636EBC2}"/>
+              </a:ext>
+            </a:extLst>
+          </p:cNvPr>
+          <p:cNvSpPr>
+            <a:spLocks noGrp="1"/>
+          </p:cNvSpPr>
+          <p:nvPr>
+            <p:ph type="sldNum" sz="quarter" idx="16"/>
+          </p:nvPr>
+        </p:nvSpPr>
+        <p:spPr/>
+        <p:txBody>
+          <a:bodyPr/>
+          <a:lstStyle>
+            <a:lvl1pPr>
+              <a:defRPr>
+                <a:solidFill>
+                  <a:schemeClr val="bg1"/>
+                </a:solidFill>
+              </a:defRPr>
+            </a:lvl1pPr>
+          </a:lstStyle>
+          <a:p>
+            <a:fld id="{F4298C9D-C79B-4F39-BDC2-AA426541C3E9}" type="slidenum">
+              <a:rPr lang="fr-CA" smtClean="0"/>
+              <a:pPr/>
+              <a:t>‹n°›</a:t>
+            </a:fld>
+            <a:endParaRPr lang="fr-CA" dirty="0"/>
           </a:p>
         </p:txBody>
       </p:sp>
     </p:spTree>
     <p:extLst>
       <p:ext uri="{BB962C8B-B14F-4D97-AF65-F5344CB8AC3E}">
-        <p14:creationId xmlns:p14="http://schemas.microsoft.com/office/powerpoint/2010/main" val="2742434262"/>
+        <p14:creationId xmlns:p14="http://schemas.microsoft.com/office/powerpoint/2010/main" val="2109332232"/>
       </p:ext>
     </p:extLst>
   </p:cSld>
   <p:clrMapOvr>
     <a:masterClrMapping/>
   </p:clrMapOvr>
+  <p:hf hdr="0"/>
 </p:sldLayout>
 </file>
 
@@ -1557,8 +4047,8 @@
         </p:nvSpPr>
         <p:spPr>
           <a:xfrm>
-            <a:off x="138545" y="486838"/>
-            <a:ext cx="6557819" cy="789871"/>
+            <a:off x="138545" y="385413"/>
+            <a:ext cx="6557819" cy="416254"/>
           </a:xfrm>
           <a:prstGeom prst="rect">
             <a:avLst/>
@@ -1596,8 +4086,8 @@
         </p:nvSpPr>
         <p:spPr>
           <a:xfrm>
-            <a:off x="471488" y="1397479"/>
-            <a:ext cx="5915025" cy="6838472"/>
+            <a:off x="138546" y="951979"/>
+            <a:ext cx="6557818" cy="7910080"/>
           </a:xfrm>
           <a:prstGeom prst="rect">
             <a:avLst/>
@@ -1615,35 +4105,6 @@
               <a:t>Cliquez pour modifier les styles du texte du masque</a:t>
             </a:r>
           </a:p>
-          <a:p>
-            <a:pPr lvl="1"/>
-            <a:r>
-              <a:rPr lang="fr-FR" dirty="0"/>
-              <a:t>Deuxième niveau</a:t>
-            </a:r>
-          </a:p>
-          <a:p>
-            <a:pPr lvl="2"/>
-            <a:r>
-              <a:rPr lang="fr-FR" dirty="0"/>
-              <a:t>Troisième niveau</a:t>
-            </a:r>
-          </a:p>
-          <a:p>
-            <a:pPr lvl="3"/>
-            <a:r>
-              <a:rPr lang="fr-FR" dirty="0"/>
-              <a:t>Quatrième niveau</a:t>
-            </a:r>
-          </a:p>
-          <a:p>
-            <a:pPr lvl="4"/>
-            <a:r>
-              <a:rPr lang="fr-FR" dirty="0"/>
-              <a:t>Cinquième niveau</a:t>
-            </a:r>
-            <a:endParaRPr lang="fr-CA" dirty="0"/>
-          </a:p>
         </p:txBody>
       </p:sp>
       <p:sp>
@@ -1664,8 +4125,8 @@
         </p:nvSpPr>
         <p:spPr>
           <a:xfrm>
-            <a:off x="471488" y="8475137"/>
-            <a:ext cx="1543050" cy="486833"/>
+            <a:off x="471487" y="8950267"/>
+            <a:ext cx="1543050" cy="186441"/>
           </a:xfrm>
           <a:prstGeom prst="rect">
             <a:avLst/>
@@ -1685,10 +4146,9 @@
             </a:lvl1pPr>
           </a:lstStyle>
           <a:p>
-            <a:fld id="{FDCA904F-AFE4-4F4A-AA13-CC2FD407ABB0}" type="datetimeFigureOut">
+            <a:fld id="{535DB687-F8FF-43B4-86F3-FF1DEDBEE3F1}" type="datetime1">
               <a:rPr lang="fr-CA" smtClean="0"/>
-              <a:pPr/>
-              <a:t>2023-07-12</a:t>
+              <a:t>2023-07-20</a:t>
             </a:fld>
             <a:endParaRPr lang="fr-CA" dirty="0"/>
           </a:p>
@@ -1712,8 +4172,8 @@
         </p:nvSpPr>
         <p:spPr>
           <a:xfrm>
-            <a:off x="2271713" y="8475137"/>
-            <a:ext cx="2314575" cy="486833"/>
+            <a:off x="2271713" y="8950267"/>
+            <a:ext cx="2314575" cy="186441"/>
           </a:xfrm>
           <a:prstGeom prst="rect">
             <a:avLst/>
@@ -1733,7 +4193,10 @@
             </a:lvl1pPr>
           </a:lstStyle>
           <a:p>
-            <a:endParaRPr lang="fr-CA"/>
+            <a:r>
+              <a:rPr lang="fr-CA" dirty="0"/>
+              <a:t>Centre d’innovation numérique</a:t>
+            </a:r>
           </a:p>
         </p:txBody>
       </p:sp>
@@ -1755,8 +4218,8 @@
         </p:nvSpPr>
         <p:spPr>
           <a:xfrm>
-            <a:off x="4843463" y="8475137"/>
-            <a:ext cx="1543050" cy="486833"/>
+            <a:off x="4843463" y="8950267"/>
+            <a:ext cx="1543050" cy="186441"/>
           </a:xfrm>
           <a:prstGeom prst="rect">
             <a:avLst/>
@@ -1780,7 +4243,7 @@
               <a:rPr lang="fr-CA" smtClean="0"/>
               <a:t>‹n°›</a:t>
             </a:fld>
-            <a:endParaRPr lang="fr-CA"/>
+            <a:endParaRPr lang="fr-CA" dirty="0"/>
           </a:p>
         </p:txBody>
       </p:sp>
@@ -1794,12 +4257,17 @@
   <p:clrMap bg1="lt1" tx1="dk1" bg2="lt2" tx2="dk2" accent1="accent1" accent2="accent2" accent3="accent3" accent4="accent4" accent5="accent5" accent6="accent6" hlink="hlink" folHlink="folHlink"/>
   <p:sldLayoutIdLst>
     <p:sldLayoutId id="2147483659" r:id="rId1"/>
-    <p:sldLayoutId id="2147483650" r:id="rId2"/>
-    <p:sldLayoutId id="2147483652" r:id="rId3"/>
-    <p:sldLayoutId id="2147483653" r:id="rId4"/>
-    <p:sldLayoutId id="2147483658" r:id="rId5"/>
-    <p:sldLayoutId id="2147483660" r:id="rId6"/>
+    <p:sldLayoutId id="2147483662" r:id="rId2"/>
+    <p:sldLayoutId id="2147483663" r:id="rId3"/>
+    <p:sldLayoutId id="2147483650" r:id="rId4"/>
+    <p:sldLayoutId id="2147483664" r:id="rId5"/>
+    <p:sldLayoutId id="2147483652" r:id="rId6"/>
+    <p:sldLayoutId id="2147483653" r:id="rId7"/>
+    <p:sldLayoutId id="2147483658" r:id="rId8"/>
+    <p:sldLayoutId id="2147483660" r:id="rId9"/>
+    <p:sldLayoutId id="2147483661" r:id="rId10"/>
   </p:sldLayoutIdLst>
+  <p:hf hdr="0"/>
   <p:txStyles>
     <p:titleStyle>
       <a:lvl1pPr algn="l" defTabSz="514337" rtl="0" eaLnBrk="1" latinLnBrk="0" hangingPunct="1">
@@ -1833,7 +4301,7 @@
         </a:buClr>
         <a:buFont typeface="Arial" panose="020B0604020202020204" pitchFamily="34" charset="0"/>
         <a:buChar char="•"/>
-        <a:defRPr sz="1575" kern="1200">
+        <a:defRPr sz="1000" kern="1200">
           <a:solidFill>
             <a:schemeClr val="tx1"/>
           </a:solidFill>
@@ -2123,10 +4591,10 @@
       </p:grpSpPr>
       <p:sp>
         <p:nvSpPr>
-          <p:cNvPr id="17" name="Espace réservé du texte 16">
-            <a:extLst>
-              <a:ext uri="{FF2B5EF4-FFF2-40B4-BE49-F238E27FC236}">
-                <a16:creationId xmlns:a16="http://schemas.microsoft.com/office/drawing/2014/main" id="{707F7AA5-6E3D-AD77-398A-BE53CDF6C376}"/>
+          <p:cNvPr id="2" name="Espace réservé du texte 1">
+            <a:extLst>
+              <a:ext uri="{FF2B5EF4-FFF2-40B4-BE49-F238E27FC236}">
+                <a16:creationId xmlns:a16="http://schemas.microsoft.com/office/drawing/2014/main" id="{40FCF268-F232-DC93-53DE-E2F0F3FD2ABC}"/>
               </a:ext>
             </a:extLst>
           </p:cNvPr>
@@ -2139,21 +4607,23 @@
         </p:nvSpPr>
         <p:spPr/>
         <p:txBody>
-          <a:bodyPr/>
-          <a:lstStyle/>
-          <a:p>
-            <a:r>
-              <a:t>Article de veille sur l’ automatisation robotisée des processus</a:t>
-            </a:r>
-          </a:p>
-        </p:txBody>
-      </p:sp>
-      <p:sp>
-        <p:nvSpPr>
-          <p:cNvPr id="18" name="Espace réservé du texte 17">
-            <a:extLst>
-              <a:ext uri="{FF2B5EF4-FFF2-40B4-BE49-F238E27FC236}">
-                <a16:creationId xmlns:a16="http://schemas.microsoft.com/office/drawing/2014/main" id="{2D77B2D0-6F7A-4663-8C65-F7DDA059512F}"/>
+          <a:bodyPr>
+            <a:normAutofit/>
+          </a:bodyPr>
+          <a:lstStyle/>
+          <a:p>
+            <a:r>
+              <a:t>Article de veille sur l’automatisation robotisée des processus</a:t>
+            </a:r>
+          </a:p>
+        </p:txBody>
+      </p:sp>
+      <p:sp>
+        <p:nvSpPr>
+          <p:cNvPr id="3" name="Espace réservé du texte 2">
+            <a:extLst>
+              <a:ext uri="{FF2B5EF4-FFF2-40B4-BE49-F238E27FC236}">
+                <a16:creationId xmlns:a16="http://schemas.microsoft.com/office/drawing/2014/main" id="{B7858467-315D-5A0A-008C-7FDC62891523}"/>
               </a:ext>
             </a:extLst>
           </p:cNvPr>
@@ -2177,10 +4647,10 @@
       </p:sp>
       <p:sp>
         <p:nvSpPr>
-          <p:cNvPr id="19" name="Espace réservé du texte 18">
-            <a:extLst>
-              <a:ext uri="{FF2B5EF4-FFF2-40B4-BE49-F238E27FC236}">
-                <a16:creationId xmlns:a16="http://schemas.microsoft.com/office/drawing/2014/main" id="{3DE81AAE-15C9-CBC0-AB41-C5EEFD6E2DA5}"/>
+          <p:cNvPr id="4" name="Espace réservé du texte 3">
+            <a:extLst>
+              <a:ext uri="{FF2B5EF4-FFF2-40B4-BE49-F238E27FC236}">
+                <a16:creationId xmlns:a16="http://schemas.microsoft.com/office/drawing/2014/main" id="{BE91B899-3FC2-E77D-0C06-ECEDF2B18BEE}"/>
               </a:ext>
             </a:extLst>
           </p:cNvPr>
@@ -2204,7 +4674,93 @@
       </p:sp>
       <p:sp>
         <p:nvSpPr>
-          <p:cNvPr id="20" name="TextBox 19"/>
+          <p:cNvPr id="10" name="Espace réservé de la date 9">
+            <a:extLst>
+              <a:ext uri="{FF2B5EF4-FFF2-40B4-BE49-F238E27FC236}">
+                <a16:creationId xmlns:a16="http://schemas.microsoft.com/office/drawing/2014/main" id="{1738D709-7FD6-0F8E-AC42-0E0FAC11427E}"/>
+              </a:ext>
+            </a:extLst>
+          </p:cNvPr>
+          <p:cNvSpPr>
+            <a:spLocks noGrp="1"/>
+          </p:cNvSpPr>
+          <p:nvPr>
+            <p:ph type="dt" sz="half" idx="20"/>
+          </p:nvPr>
+        </p:nvSpPr>
+        <p:spPr/>
+        <p:txBody>
+          <a:bodyPr/>
+          <a:lstStyle/>
+          <a:p>
+            <a:fld id="{4A7B7E9D-7D70-4B3C-87BC-005DA1C1BD48}" type="datetime1">
+              <a:rPr lang="fr-CA" smtClean="0"/>
+              <a:t>2023-07-20</a:t>
+            </a:fld>
+            <a:endParaRPr lang="fr-CA" dirty="0"/>
+          </a:p>
+        </p:txBody>
+      </p:sp>
+      <p:sp>
+        <p:nvSpPr>
+          <p:cNvPr id="11" name="Espace réservé du pied de page 10">
+            <a:extLst>
+              <a:ext uri="{FF2B5EF4-FFF2-40B4-BE49-F238E27FC236}">
+                <a16:creationId xmlns:a16="http://schemas.microsoft.com/office/drawing/2014/main" id="{25927CDC-6437-1502-B981-0AA0AECAF8B5}"/>
+              </a:ext>
+            </a:extLst>
+          </p:cNvPr>
+          <p:cNvSpPr>
+            <a:spLocks noGrp="1"/>
+          </p:cNvSpPr>
+          <p:nvPr>
+            <p:ph type="ftr" sz="quarter" idx="21"/>
+          </p:nvPr>
+        </p:nvSpPr>
+        <p:spPr/>
+        <p:txBody>
+          <a:bodyPr/>
+          <a:lstStyle/>
+          <a:p>
+            <a:r>
+              <a:rPr lang="fr-CA"/>
+              <a:t>Centre d’innovation numérique</a:t>
+            </a:r>
+          </a:p>
+        </p:txBody>
+      </p:sp>
+      <p:sp>
+        <p:nvSpPr>
+          <p:cNvPr id="12" name="Espace réservé du numéro de diapositive 11">
+            <a:extLst>
+              <a:ext uri="{FF2B5EF4-FFF2-40B4-BE49-F238E27FC236}">
+                <a16:creationId xmlns:a16="http://schemas.microsoft.com/office/drawing/2014/main" id="{01276361-7920-6DF5-62B7-99514E750CFB}"/>
+              </a:ext>
+            </a:extLst>
+          </p:cNvPr>
+          <p:cNvSpPr>
+            <a:spLocks noGrp="1"/>
+          </p:cNvSpPr>
+          <p:nvPr>
+            <p:ph type="sldNum" sz="quarter" idx="22"/>
+          </p:nvPr>
+        </p:nvSpPr>
+        <p:spPr/>
+        <p:txBody>
+          <a:bodyPr/>
+          <a:lstStyle/>
+          <a:p>
+            <a:fld id="{F4298C9D-C79B-4F39-BDC2-AA426541C3E9}" type="slidenum">
+              <a:rPr lang="fr-CA" smtClean="0"/>
+              <a:t>1</a:t>
+            </a:fld>
+            <a:endParaRPr lang="fr-CA"/>
+          </a:p>
+        </p:txBody>
+      </p:sp>
+      <p:sp>
+        <p:nvSpPr>
+          <p:cNvPr id="13" name="TextBox 12"/>
           <p:cNvSpPr txBox="1"/>
           <p:nvPr/>
         </p:nvSpPr>
@@ -2239,7 +4795,7 @@
       </p:sp>
       <p:sp>
         <p:nvSpPr>
-          <p:cNvPr id="21" name="TextBox 20"/>
+          <p:cNvPr id="14" name="TextBox 13"/>
           <p:cNvSpPr txBox="1"/>
           <p:nvPr/>
         </p:nvSpPr>
@@ -2294,7 +4850,7 @@
       </p:sp>
       <p:sp>
         <p:nvSpPr>
-          <p:cNvPr id="22" name="TextBox 21"/>
+          <p:cNvPr id="15" name="TextBox 14"/>
           <p:cNvSpPr txBox="1"/>
           <p:nvPr/>
         </p:nvSpPr>
@@ -2329,7 +4885,7 @@
       </p:sp>
       <p:sp>
         <p:nvSpPr>
-          <p:cNvPr id="23" name="TextBox 22"/>
+          <p:cNvPr id="16" name="TextBox 15"/>
           <p:cNvSpPr txBox="1"/>
           <p:nvPr/>
         </p:nvSpPr>
@@ -2384,7 +4940,7 @@
       </p:sp>
       <p:sp>
         <p:nvSpPr>
-          <p:cNvPr id="24" name="TextBox 23"/>
+          <p:cNvPr id="17" name="TextBox 16"/>
           <p:cNvSpPr txBox="1"/>
           <p:nvPr/>
         </p:nvSpPr>
@@ -2452,7 +5008,7 @@
     </p:spTree>
     <p:extLst>
       <p:ext uri="{BB962C8B-B14F-4D97-AF65-F5344CB8AC3E}">
-        <p14:creationId xmlns:p14="http://schemas.microsoft.com/office/powerpoint/2010/main" val="1445847606"/>
+        <p14:creationId xmlns:p14="http://schemas.microsoft.com/office/powerpoint/2010/main" val="3389683707"/>
       </p:ext>
     </p:extLst>
   </p:cSld>
@@ -2481,10 +5037,96 @@
       </p:grpSpPr>
       <p:sp>
         <p:nvSpPr>
-          <p:cNvPr id="3" name="Espace réservé du contenu 4">
-            <a:extLst>
-              <a:ext uri="{FF2B5EF4-FFF2-40B4-BE49-F238E27FC236}">
-                <a16:creationId xmlns:a16="http://schemas.microsoft.com/office/drawing/2014/main" id="{17836FF2-443C-DD1C-FB6F-D9F998B642E4}"/>
+          <p:cNvPr id="3" name="Espace réservé de la date 2">
+            <a:extLst>
+              <a:ext uri="{FF2B5EF4-FFF2-40B4-BE49-F238E27FC236}">
+                <a16:creationId xmlns:a16="http://schemas.microsoft.com/office/drawing/2014/main" id="{7A8618D2-AAA6-44DC-A336-8F423BCFF265}"/>
+              </a:ext>
+            </a:extLst>
+          </p:cNvPr>
+          <p:cNvSpPr>
+            <a:spLocks noGrp="1"/>
+          </p:cNvSpPr>
+          <p:nvPr>
+            <p:ph type="dt" sz="half" idx="20"/>
+          </p:nvPr>
+        </p:nvSpPr>
+        <p:spPr/>
+        <p:txBody>
+          <a:bodyPr/>
+          <a:lstStyle/>
+          <a:p>
+            <a:fld id="{7D873928-FB47-4F75-985E-993CE113AA76}" type="datetime1">
+              <a:rPr lang="fr-CA" smtClean="0"/>
+              <a:t>2023-07-20</a:t>
+            </a:fld>
+            <a:endParaRPr lang="fr-CA" dirty="0"/>
+          </a:p>
+        </p:txBody>
+      </p:sp>
+      <p:sp>
+        <p:nvSpPr>
+          <p:cNvPr id="4" name="Espace réservé du pied de page 3">
+            <a:extLst>
+              <a:ext uri="{FF2B5EF4-FFF2-40B4-BE49-F238E27FC236}">
+                <a16:creationId xmlns:a16="http://schemas.microsoft.com/office/drawing/2014/main" id="{773A1AF6-8483-0435-088A-BECE8FF808C0}"/>
+              </a:ext>
+            </a:extLst>
+          </p:cNvPr>
+          <p:cNvSpPr>
+            <a:spLocks noGrp="1"/>
+          </p:cNvSpPr>
+          <p:nvPr>
+            <p:ph type="ftr" sz="quarter" idx="21"/>
+          </p:nvPr>
+        </p:nvSpPr>
+        <p:spPr/>
+        <p:txBody>
+          <a:bodyPr/>
+          <a:lstStyle/>
+          <a:p>
+            <a:r>
+              <a:rPr lang="fr-CA"/>
+              <a:t>Centre d’innovation numérique</a:t>
+            </a:r>
+          </a:p>
+        </p:txBody>
+      </p:sp>
+      <p:sp>
+        <p:nvSpPr>
+          <p:cNvPr id="5" name="Espace réservé du numéro de diapositive 4">
+            <a:extLst>
+              <a:ext uri="{FF2B5EF4-FFF2-40B4-BE49-F238E27FC236}">
+                <a16:creationId xmlns:a16="http://schemas.microsoft.com/office/drawing/2014/main" id="{197FFA64-5DF2-0534-E8BC-90CE426DDFB7}"/>
+              </a:ext>
+            </a:extLst>
+          </p:cNvPr>
+          <p:cNvSpPr>
+            <a:spLocks noGrp="1"/>
+          </p:cNvSpPr>
+          <p:nvPr>
+            <p:ph type="sldNum" sz="quarter" idx="22"/>
+          </p:nvPr>
+        </p:nvSpPr>
+        <p:spPr/>
+        <p:txBody>
+          <a:bodyPr/>
+          <a:lstStyle/>
+          <a:p>
+            <a:fld id="{F4298C9D-C79B-4F39-BDC2-AA426541C3E9}" type="slidenum">
+              <a:rPr lang="fr-CA" smtClean="0"/>
+              <a:t>2</a:t>
+            </a:fld>
+            <a:endParaRPr lang="fr-CA"/>
+          </a:p>
+        </p:txBody>
+      </p:sp>
+      <p:sp>
+        <p:nvSpPr>
+          <p:cNvPr id="6" name="Espace réservé du contenu 4">
+            <a:extLst>
+              <a:ext uri="{FF2B5EF4-FFF2-40B4-BE49-F238E27FC236}">
+                <a16:creationId xmlns:a16="http://schemas.microsoft.com/office/drawing/2014/main" id="{7789A136-6E6E-876A-070A-CAD60CA16AF9}"/>
               </a:ext>
             </a:extLst>
           </p:cNvPr>
@@ -2499,7 +5141,7 @@
         </p:nvSpPr>
         <p:spPr>
           <a:xfrm>
-            <a:off x="300181" y="1452518"/>
+            <a:off x="145473" y="1208678"/>
             <a:ext cx="6557819" cy="5232169"/>
           </a:xfrm>
           <a:prstGeom prst="rect">
@@ -3861,7 +6503,7 @@
           <p:cNvPr id="2" name="Titre 1">
             <a:extLst>
               <a:ext uri="{FF2B5EF4-FFF2-40B4-BE49-F238E27FC236}">
-                <a16:creationId xmlns:a16="http://schemas.microsoft.com/office/drawing/2014/main" id="{0EB308C9-B187-9F32-110B-1A1B89D3DD46}"/>
+                <a16:creationId xmlns:a16="http://schemas.microsoft.com/office/drawing/2014/main" id="{68AD53BE-6644-1E4C-E07B-4C06F2EDAD76}"/>
               </a:ext>
             </a:extLst>
           </p:cNvPr>
@@ -3874,12 +6516,14 @@
         </p:nvSpPr>
         <p:spPr>
           <a:xfrm>
-            <a:off x="138545" y="486838"/>
-            <a:ext cx="6557819" cy="400000"/>
-          </a:xfrm>
-        </p:spPr>
-        <p:txBody>
-          <a:bodyPr/>
+            <a:off x="145473" y="259080"/>
+            <a:ext cx="6567054" cy="600000"/>
+          </a:xfrm>
+        </p:spPr>
+        <p:txBody>
+          <a:bodyPr>
+            <a:normAutofit/>
+          </a:bodyPr>
           <a:lstStyle/>
           <a:p>
             <a:pPr>
@@ -3898,7 +6542,7 @@
     </p:spTree>
     <p:extLst>
       <p:ext uri="{BB962C8B-B14F-4D97-AF65-F5344CB8AC3E}">
-        <p14:creationId xmlns:p14="http://schemas.microsoft.com/office/powerpoint/2010/main" val="3979554754"/>
+        <p14:creationId xmlns:p14="http://schemas.microsoft.com/office/powerpoint/2010/main" val="2339410310"/>
       </p:ext>
     </p:extLst>
   </p:cSld>
@@ -3909,7 +6553,7 @@
 </file>
 
 <file path=ppt/slides/slide3.xml><?xml version="1.0" encoding="utf-8"?>
-<p:sld xmlns:a="http://schemas.openxmlformats.org/drawingml/2006/main" xmlns:p="http://schemas.openxmlformats.org/presentationml/2006/main" xmlns:r="http://schemas.openxmlformats.org/officeDocument/2006/relationships">
+<p:sld xmlns:a="http://schemas.openxmlformats.org/drawingml/2006/main" xmlns:r="http://schemas.openxmlformats.org/officeDocument/2006/relationships" xmlns:p="http://schemas.openxmlformats.org/presentationml/2006/main">
   <p:cSld>
     <p:spTree>
       <p:nvGrpSpPr>
@@ -3917,437 +6561,137 @@
         <p:cNvGrpSpPr/>
         <p:nvPr/>
       </p:nvGrpSpPr>
-      <p:grpSpPr/>
-      <p:sp>
-        <p:nvSpPr>
-          <p:cNvPr id="3" name="TextBox 2"/>
-          <p:cNvSpPr txBox="1"/>
-          <p:nvPr/>
-        </p:nvSpPr>
-        <p:spPr>
-          <a:xfrm>
-            <a:off x="0" y="0"/>
-            <a:ext cx="6858000" cy="1735156"/>
-          </a:xfrm>
-          <a:prstGeom prst="rect">
-            <a:avLst/>
-          </a:prstGeom>
-          <a:noFill/>
-        </p:spPr>
-        <p:txBody>
-          <a:bodyPr wrap="none">
-            <a:spAutoFit/>
+      <p:grpSpPr>
+        <a:xfrm>
+          <a:off x="0" y="0"/>
+          <a:ext cx="0" cy="0"/>
+          <a:chOff x="0" y="0"/>
+          <a:chExt cx="0" cy="0"/>
+        </a:xfrm>
+      </p:grpSpPr>
+      <p:sp>
+        <p:nvSpPr>
+          <p:cNvPr id="2" name="Espace réservé du texte 1">
+            <a:extLst>
+              <a:ext uri="{FF2B5EF4-FFF2-40B4-BE49-F238E27FC236}">
+                <a16:creationId xmlns:a16="http://schemas.microsoft.com/office/drawing/2014/main" id="{A18C8E00-8695-69C8-E170-08760492FC71}"/>
+              </a:ext>
+            </a:extLst>
+          </p:cNvPr>
+          <p:cNvSpPr>
+            <a:spLocks noGrp="1"/>
+          </p:cNvSpPr>
+          <p:nvPr>
+            <p:ph type="body" sz="quarter" idx="13"/>
+          </p:nvPr>
+        </p:nvSpPr>
+        <p:spPr/>
+        <p:txBody>
+          <a:bodyPr>
+            <a:normAutofit lnSpcReduction="10000"/>
           </a:bodyPr>
           <a:lstStyle/>
           <a:p>
-            <a:pPr>
-              <a:defRPr sz="1000"/>
-            </a:pPr>
-            <a:r>
-              <a:t>Il est essentiel de comprendre les nombreux avantages⁴ que la RPA peut apporter à toute</a:t>
-            </a:r>
-            <a:br/>
-            <a:r>
-              <a:t>entreprise. En premier lieu, nous devons considérer les gains en efficacité opérationnelle. En</a:t>
-            </a:r>
-            <a:br/>
-            <a:r>
-              <a:t>confiant les tâches répétitives et laborieuses aux robots, les entreprises peuvent</a:t>
-            </a:r>
-            <a:br/>
-            <a:r>
-              <a:t>significativement réduire le temps passé à ces activités, permettant ainsi à leurs employés de se</a:t>
-            </a:r>
-            <a:br/>
-            <a:r>
-              <a:t>concentrer sur des tâches plus stratégiques et créatives. En plus de ces gains, la RPA permet</a:t>
-            </a:r>
-            <a:br/>
-            <a:r>
-              <a:t>d’accéder à des niveaux de précision et de fiabilité accessible uniquement à l’expérience</a:t>
-            </a:r>
-            <a:br/>
-            <a:r>
-              <a:t>machine. Cela induit une réduction notable des erreurs potentielles au niveau des tâches</a:t>
-            </a:r>
-            <a:br/>
-            <a:r>
-              <a:t>manuelles qui sont souvent sujettes à des erreurs humaines. Mais encore, la RPA détient un</a:t>
-            </a:r>
-            <a:br/>
-            <a:r>
-              <a:t>potentiel contributif majeur dans les processus de conformité⁵. Ce potentiel se révèle notamment</a:t>
-            </a:r>
-            <a:br/>
-            <a:r>
-              <a:t>grâce au fait que les robots suivent des règles et réglementations prédéfinies, assurant ainsi</a:t>
-            </a:r>
-            <a:br/>
-            <a:r>
-              <a:t>une conformité totale aux réglementations en vigueur.</a:t>
-            </a:r>
-          </a:p>
-        </p:txBody>
-      </p:sp>
-      <p:sp>
-        <p:nvSpPr>
-          <p:cNvPr id="4" name="TextBox 3"/>
-          <p:cNvSpPr txBox="1"/>
-          <p:nvPr/>
-        </p:nvSpPr>
-        <p:spPr>
-          <a:xfrm>
-            <a:off x="138545" y="1735156"/>
-            <a:ext cx="6858000" cy="274320"/>
-          </a:xfrm>
-          <a:prstGeom prst="rect">
-            <a:avLst/>
-          </a:prstGeom>
-          <a:noFill/>
-        </p:spPr>
-        <p:txBody>
-          <a:bodyPr wrap="none">
-            <a:spAutoFit/>
-          </a:bodyPr>
-          <a:lstStyle/>
-          <a:p>
-            <a:pPr>
-              <a:defRPr sz="1100" b="1">
-                <a:solidFill>
-                  <a:schemeClr val="accent6"/>
-                </a:solidFill>
-              </a:defRPr>
-            </a:pPr>
-            <a:r>
-              <a:t>État des lieux et niveau d’adoption de la technologie dans le monde</a:t>
-            </a:r>
-          </a:p>
-        </p:txBody>
-      </p:sp>
-      <p:sp>
-        <p:nvSpPr>
-          <p:cNvPr id="5" name="TextBox 4"/>
-          <p:cNvSpPr txBox="1"/>
-          <p:nvPr/>
-        </p:nvSpPr>
-        <p:spPr>
-          <a:xfrm>
-            <a:off x="0" y="2009476"/>
-            <a:ext cx="6858000" cy="565483"/>
-          </a:xfrm>
-          <a:prstGeom prst="rect">
-            <a:avLst/>
-          </a:prstGeom>
-          <a:noFill/>
-        </p:spPr>
-        <p:txBody>
-          <a:bodyPr wrap="none">
-            <a:spAutoFit/>
-          </a:bodyPr>
-          <a:lstStyle/>
-          <a:p>
-            <a:pPr>
-              <a:defRPr sz="1000"/>
-            </a:pPr>
-            <a:r>
-              <a:t>Le Centre d'Innovation Numérique (CIN) a initié une analyse détaillée sur la progression et le</a:t>
-            </a:r>
-            <a:br/>
-            <a:r>
-              <a:t>degré d'adoption des solutions fondées sur la RPA à travers certains pays membres de l'OCDE. Ce</a:t>
-            </a:r>
-            <a:br/>
-            <a:r>
-              <a:t>document synthétise les points clés découverts au cours de cette étude approfondie.</a:t>
-            </a:r>
-          </a:p>
-        </p:txBody>
-      </p:sp>
-      <p:sp>
-        <p:nvSpPr>
-          <p:cNvPr id="2" name="Title 1"/>
-          <p:cNvSpPr>
-            <a:spLocks noGrp="1"/>
-          </p:cNvSpPr>
-          <p:nvPr>
-            <p:ph type="title"/>
-          </p:nvPr>
-        </p:nvSpPr>
-        <p:spPr>
-          <a:xfrm>
-            <a:off x="138545" y="2589959"/>
-            <a:ext cx="6557819" cy="400000"/>
-          </a:xfrm>
-        </p:spPr>
+            <a:r>
+              <a:t>Philippe Gueu</a:t>
+            </a:r>
+          </a:p>
+        </p:txBody>
+      </p:sp>
+      <p:sp>
+        <p:nvSpPr>
+          <p:cNvPr id="3" name="Espace réservé de la date 2">
+            <a:extLst>
+              <a:ext uri="{FF2B5EF4-FFF2-40B4-BE49-F238E27FC236}">
+                <a16:creationId xmlns:a16="http://schemas.microsoft.com/office/drawing/2014/main" id="{5992162A-35B9-348A-2FF2-75B0E2F4656F}"/>
+              </a:ext>
+            </a:extLst>
+          </p:cNvPr>
+          <p:cNvSpPr>
+            <a:spLocks noGrp="1"/>
+          </p:cNvSpPr>
+          <p:nvPr>
+            <p:ph type="dt" sz="half" idx="14"/>
+          </p:nvPr>
+        </p:nvSpPr>
+        <p:spPr/>
         <p:txBody>
           <a:bodyPr/>
           <a:lstStyle/>
           <a:p>
-            <a:pPr>
-              <a:defRPr b="1" i="1">
-                <a:solidFill>
-                  <a:schemeClr val="bg1"/>
-                </a:solidFill>
-              </a:defRPr>
-            </a:pPr>
-            <a:r>
-              <a:t>Amérique du nord</a:t>
-            </a:r>
-          </a:p>
-        </p:txBody>
-      </p:sp>
-      <p:sp>
-        <p:nvSpPr>
-          <p:cNvPr id="6" name="TextBox 5"/>
-          <p:cNvSpPr txBox="1"/>
-          <p:nvPr/>
-        </p:nvSpPr>
-        <p:spPr>
-          <a:xfrm>
-            <a:off x="138545" y="3004959"/>
-            <a:ext cx="6858000" cy="274320"/>
-          </a:xfrm>
-          <a:prstGeom prst="rect">
-            <a:avLst/>
-          </a:prstGeom>
-          <a:noFill/>
-        </p:spPr>
-        <p:txBody>
-          <a:bodyPr wrap="none">
-            <a:spAutoFit/>
-          </a:bodyPr>
-          <a:lstStyle/>
-          <a:p>
-            <a:pPr>
-              <a:defRPr sz="1100" b="1">
-                <a:solidFill>
-                  <a:schemeClr val="accent6"/>
-                </a:solidFill>
-              </a:defRPr>
-            </a:pPr>
-            <a:r>
-              <a:t>Trouver une place pour la RPA dans le système bancaire et financier canadien</a:t>
-            </a:r>
-          </a:p>
-        </p:txBody>
-      </p:sp>
-      <p:sp>
-        <p:nvSpPr>
-          <p:cNvPr id="7" name="TextBox 6"/>
-          <p:cNvSpPr txBox="1"/>
-          <p:nvPr/>
-        </p:nvSpPr>
-        <p:spPr>
-          <a:xfrm>
-            <a:off x="0" y="3279279"/>
-            <a:ext cx="6858000" cy="1833884"/>
-          </a:xfrm>
-          <a:prstGeom prst="rect">
-            <a:avLst/>
-          </a:prstGeom>
-          <a:noFill/>
-        </p:spPr>
-        <p:txBody>
-          <a:bodyPr wrap="none">
-            <a:spAutoFit/>
-          </a:bodyPr>
-          <a:lstStyle/>
-          <a:p>
-            <a:pPr>
-              <a:defRPr sz="1000"/>
-            </a:pPr>
-            <a:r>
-              <a:t>L'automatisation des processus robotiques (RPA) a la capacité d’impacter durablement le secteur</a:t>
-            </a:r>
-            <a:br/>
-            <a:r>
-              <a:t>bancaire et financier canadien. Cette emprunte est déjà visible notamment à travers l'exemple</a:t>
-            </a:r>
-            <a:br/>
-            <a:r>
-              <a:t>emblématique de la Royal Bank of Canada⁶ (RBC). Confrontée à des processus opérationnels</a:t>
-            </a:r>
-            <a:br/>
-            <a:r>
-              <a:t>complexes et répétitifs, la RBC a fait appel à la RPA pour optimiser ses performances et répondre</a:t>
-            </a:r>
-            <a:br/>
-            <a:r>
-              <a:t>efficacement aux attentes de ses clients. En automatisant des tâches telles que la vérification</a:t>
-            </a:r>
-            <a:br/>
-            <a:r>
-              <a:t>des données, l'établissement des relevés de compte ou la gestion des demandes clients, la RBC a</a:t>
-            </a:r>
-            <a:br/>
-            <a:r>
-              <a:t>pu non seulement réduire considérablement le temps de traitement, mais également minimiser le</a:t>
-            </a:r>
-            <a:br/>
-            <a:r>
-              <a:t>risque d'erreurs humaines et améliorer la précision des données. De plus, la RPA a permis à la</a:t>
-            </a:r>
-            <a:br/>
-            <a:r>
-              <a:t>banque de réaliser des économies significatives, tant en termes de main-d'œuvre que de coûts</a:t>
-            </a:r>
-            <a:br/>
-            <a:r>
-              <a:t>opérationnels. Cette transformation numérique, bien qu'encore en cours, positionne déjà la RBC</a:t>
-            </a:r>
-            <a:br/>
-            <a:r>
-              <a:t>comme une référence en matière d'adoption de la RPA dans le paysage bancaire canadien.</a:t>
-            </a:r>
-          </a:p>
-        </p:txBody>
-      </p:sp>
-      <p:sp>
-        <p:nvSpPr>
-          <p:cNvPr id="8" name="TextBox 7"/>
-          <p:cNvSpPr txBox="1"/>
-          <p:nvPr/>
-        </p:nvSpPr>
-        <p:spPr>
-          <a:xfrm>
-            <a:off x="138545" y="5113163"/>
-            <a:ext cx="6858000" cy="274320"/>
-          </a:xfrm>
-          <a:prstGeom prst="rect">
-            <a:avLst/>
-          </a:prstGeom>
-          <a:noFill/>
-        </p:spPr>
-        <p:txBody>
-          <a:bodyPr wrap="none">
-            <a:spAutoFit/>
-          </a:bodyPr>
-          <a:lstStyle/>
-          <a:p>
-            <a:pPr>
-              <a:defRPr sz="1100" b="1">
-                <a:solidFill>
-                  <a:schemeClr val="accent6"/>
-                </a:solidFill>
-              </a:defRPr>
-            </a:pPr>
-            <a:r>
-              <a:t>La RPA au service de l'expérience client dans les télécommunications : l'exemple de telus</a:t>
-            </a:r>
-          </a:p>
-        </p:txBody>
-      </p:sp>
-      <p:sp>
-        <p:nvSpPr>
-          <p:cNvPr id="9" name="TextBox 8"/>
-          <p:cNvSpPr txBox="1"/>
-          <p:nvPr/>
-        </p:nvSpPr>
-        <p:spPr>
-          <a:xfrm>
-            <a:off x="0" y="5387483"/>
-            <a:ext cx="6858000" cy="1857310"/>
-          </a:xfrm>
-          <a:prstGeom prst="rect">
-            <a:avLst/>
-          </a:prstGeom>
-          <a:noFill/>
-        </p:spPr>
-        <p:txBody>
-          <a:bodyPr wrap="none">
-            <a:spAutoFit/>
-          </a:bodyPr>
-          <a:lstStyle/>
-          <a:p>
-            <a:pPr>
-              <a:defRPr sz="1000"/>
-            </a:pPr>
-            <a:r>
-              <a:t>L'industrie canadienne des télécommunications, toujours à la recherche d'innovations pour</a:t>
-            </a:r>
-            <a:br/>
-            <a:r>
-              <a:t>améliorer l'expérience client, trouve dans la RPA un allié de poids. Telus⁷, l'un des plus grands</a:t>
-            </a:r>
-            <a:br/>
-            <a:r>
-              <a:t>opérateurs télécom du pays, offre un exemple concret de cette intégration. Grâce à la RPA, Telus</a:t>
-            </a:r>
-            <a:br/>
-            <a:r>
-              <a:t>a optimisé ses opérations internes, en automatisant des processus répétitifs et laborieux tels</a:t>
-            </a:r>
-            <a:br/>
-            <a:r>
-              <a:t>que la gestion des abonnements, l'administration des services ou encore le traitement des</a:t>
-            </a:r>
-            <a:br/>
-            <a:r>
-              <a:t>réclamations. En libérant ses employés de ces tâches chronophages, l'entreprise a pu recentrer</a:t>
-            </a:r>
-            <a:br/>
-            <a:r>
-              <a:t>ses efforts sur des activités à plus forte valeur ajoutée, améliorant ainsi la qualité du service</a:t>
-            </a:r>
-            <a:br/>
-            <a:r>
-              <a:t>client. De plus, la RPA a permis d'accélérer les réponses aux demandes des clients et d'assurer</a:t>
-            </a:r>
-            <a:br/>
-            <a:r>
-              <a:t>une plus grande précision dans le traitement des données, augmentant ainsi la satisfaction de la</a:t>
-            </a:r>
-            <a:br/>
-            <a:r>
-              <a:t>clientèle. Cette illustration démontre bien la capacité de la RPA d’amorcer un processus de</a:t>
-            </a:r>
-            <a:br/>
-            <a:r>
-              <a:t>transformation et d’automatisation de l’interaction client dans le secteur des</a:t>
-            </a:r>
-            <a:br/>
-            <a:r>
-              <a:t>télécommunications.</a:t>
-            </a:r>
-          </a:p>
-        </p:txBody>
-      </p:sp>
-      <p:sp>
-        <p:nvSpPr>
-          <p:cNvPr id="10" name="TextBox 9"/>
-          <p:cNvSpPr txBox="1"/>
-          <p:nvPr/>
-        </p:nvSpPr>
-        <p:spPr>
-          <a:xfrm>
-            <a:off x="138545" y="7244793"/>
-            <a:ext cx="6858000" cy="274320"/>
-          </a:xfrm>
-          <a:prstGeom prst="rect">
-            <a:avLst/>
-          </a:prstGeom>
-          <a:noFill/>
-        </p:spPr>
-        <p:txBody>
-          <a:bodyPr wrap="none">
-            <a:spAutoFit/>
-          </a:bodyPr>
-          <a:lstStyle/>
-          <a:p>
-            <a:pPr>
-              <a:defRPr sz="1100" b="1">
-                <a:solidFill>
-                  <a:schemeClr val="accent6"/>
-                </a:solidFill>
-              </a:defRPr>
-            </a:pPr>
-            <a:r>
-              <a:t>La RPA au secours des commerçants en ligne ?</a:t>
-            </a:r>
+            <a:fld id="{918995F1-5802-4966-863C-9107BD2D3D18}" type="datetime1">
+              <a:rPr lang="fr-CA" smtClean="0"/>
+              <a:t>2023-07-20</a:t>
+            </a:fld>
+            <a:endParaRPr lang="fr-CA" dirty="0"/>
+          </a:p>
+        </p:txBody>
+      </p:sp>
+      <p:sp>
+        <p:nvSpPr>
+          <p:cNvPr id="4" name="Espace réservé du pied de page 3">
+            <a:extLst>
+              <a:ext uri="{FF2B5EF4-FFF2-40B4-BE49-F238E27FC236}">
+                <a16:creationId xmlns:a16="http://schemas.microsoft.com/office/drawing/2014/main" id="{9FBF26F5-3CE3-2597-666E-45D7DB3A8B30}"/>
+              </a:ext>
+            </a:extLst>
+          </p:cNvPr>
+          <p:cNvSpPr>
+            <a:spLocks noGrp="1"/>
+          </p:cNvSpPr>
+          <p:nvPr>
+            <p:ph type="ftr" sz="quarter" idx="15"/>
+          </p:nvPr>
+        </p:nvSpPr>
+        <p:spPr/>
+        <p:txBody>
+          <a:bodyPr/>
+          <a:lstStyle/>
+          <a:p>
+            <a:r>
+              <a:rPr lang="fr-CA"/>
+              <a:t>Centre d’innovation numérique</a:t>
+            </a:r>
+            <a:endParaRPr lang="fr-CA" dirty="0"/>
+          </a:p>
+        </p:txBody>
+      </p:sp>
+      <p:sp>
+        <p:nvSpPr>
+          <p:cNvPr id="5" name="Espace réservé du numéro de diapositive 4">
+            <a:extLst>
+              <a:ext uri="{FF2B5EF4-FFF2-40B4-BE49-F238E27FC236}">
+                <a16:creationId xmlns:a16="http://schemas.microsoft.com/office/drawing/2014/main" id="{91E8E7E1-EC73-70F3-88CB-F8807CF79CC3}"/>
+              </a:ext>
+            </a:extLst>
+          </p:cNvPr>
+          <p:cNvSpPr>
+            <a:spLocks noGrp="1"/>
+          </p:cNvSpPr>
+          <p:nvPr>
+            <p:ph type="sldNum" sz="quarter" idx="16"/>
+          </p:nvPr>
+        </p:nvSpPr>
+        <p:spPr/>
+        <p:txBody>
+          <a:bodyPr/>
+          <a:lstStyle/>
+          <a:p>
+            <a:fld id="{F4298C9D-C79B-4F39-BDC2-AA426541C3E9}" type="slidenum">
+              <a:rPr lang="fr-CA" smtClean="0"/>
+              <a:pPr/>
+              <a:t>3</a:t>
+            </a:fld>
+            <a:endParaRPr lang="fr-CA" dirty="0"/>
           </a:p>
         </p:txBody>
       </p:sp>
     </p:spTree>
+    <p:extLst>
+      <p:ext uri="{BB962C8B-B14F-4D97-AF65-F5344CB8AC3E}">
+        <p14:creationId xmlns:p14="http://schemas.microsoft.com/office/powerpoint/2010/main" val="1451301897"/>
+      </p:ext>
+    </p:extLst>
   </p:cSld>
   <p:clrMapOvr>
     <a:masterClrMapping/>
@@ -4374,7 +6718,7 @@
         <p:spPr>
           <a:xfrm>
             <a:off x="0" y="0"/>
-            <a:ext cx="6858000" cy="1827190"/>
+            <a:ext cx="6858000" cy="1735156"/>
           </a:xfrm>
           <a:prstGeom prst="rect">
             <a:avLst/>
@@ -4391,47 +6735,47 @@
               <a:defRPr sz="1000"/>
             </a:pPr>
             <a:r>
-              <a:t>Il est important de tenir compte du fait que l'essor fulgurant du commerce en ligne a révélé le</a:t>
-            </a:r>
-            <a:br/>
-            <a:r>
-              <a:t>besoin crucial d'automatiser les processus de vente pour garantir une gestion optimale des</a:t>
-            </a:r>
-            <a:br/>
-            <a:r>
-              <a:t>transactions. C'est précisément ici que la RPA trouve une place de choix. En ce sens, il est</a:t>
-            </a:r>
-            <a:br/>
-            <a:r>
-              <a:t>possible pour les revendeurs inscrits sur la plateforme canadienne de commerce en ligne Shopify</a:t>
-            </a:r>
-            <a:br/>
-            <a:r>
-              <a:t>de procéder à l'intégration de l'application « Autopilot Your Shop with RPA »⁸. Cette application</a:t>
-            </a:r>
-            <a:br/>
-            <a:r>
-              <a:t>se sert de robots logiciels pour automatiser les tâches récurrentes liées à la vente en ligne.</a:t>
-            </a:r>
-            <a:br/>
-            <a:r>
-              <a:t>Que ce soit la gestion des stocks, le suivi des commandes, l'envoi des factures, ou encore</a:t>
-            </a:r>
-            <a:br/>
-            <a:r>
-              <a:t>l'interaction avec les clients, tout peut être pris en charge par ces robots. Le recours à la RPA</a:t>
-            </a:r>
-            <a:br/>
-            <a:r>
-              <a:t>permet ainsi aux marchands de se libérer d'un fardeau opérationnel considérable, leur permettant</a:t>
-            </a:r>
-            <a:br/>
-            <a:r>
-              <a:t>de se concentrer sur des tâches plus stratégiques. En outre, l'efficacité de ces robots garantit</a:t>
-            </a:r>
-            <a:br/>
-            <a:r>
-              <a:t>un service rapide, ce qui contribue à l'amélioration de l'expérience client.</a:t>
+              <a:t>Il est essentiel de comprendre les nombreux avantages⁴ que la RPA peut apporter à toute</a:t>
+            </a:r>
+            <a:br/>
+            <a:r>
+              <a:t>entreprise. En premier lieu, nous devons considérer les gains en efficacité opérationnelle. En</a:t>
+            </a:r>
+            <a:br/>
+            <a:r>
+              <a:t>confiant les tâches répétitives et laborieuses aux robots, les entreprises peuvent</a:t>
+            </a:r>
+            <a:br/>
+            <a:r>
+              <a:t>significativement réduire le temps passé à ces activités, permettant ainsi à leurs employés de se</a:t>
+            </a:r>
+            <a:br/>
+            <a:r>
+              <a:t>concentrer sur des tâches plus stratégiques et créatives. En plus de ces gains, la RPA permet</a:t>
+            </a:r>
+            <a:br/>
+            <a:r>
+              <a:t>d’accéder à des niveaux de précision et de fiabilité accessible uniquement à l’expérience</a:t>
+            </a:r>
+            <a:br/>
+            <a:r>
+              <a:t>machine. Cela induit une réduction notable des erreurs potentielles au niveau des tâches</a:t>
+            </a:r>
+            <a:br/>
+            <a:r>
+              <a:t>manuelles qui sont souvent sujettes à des erreurs humaines. Mais encore, la RPA détient un</a:t>
+            </a:r>
+            <a:br/>
+            <a:r>
+              <a:t>potentiel contributif majeur dans les processus de conformité⁵. Ce potentiel se révèle notamment</a:t>
+            </a:r>
+            <a:br/>
+            <a:r>
+              <a:t>grâce au fait que les robots suivent des règles et réglementations prédéfinies, assurant ainsi</a:t>
+            </a:r>
+            <a:br/>
+            <a:r>
+              <a:t>une conformité totale aux réglementations en vigueur.</a:t>
             </a:r>
           </a:p>
         </p:txBody>
@@ -4444,8 +6788,8 @@
         </p:nvSpPr>
         <p:spPr>
           <a:xfrm>
-            <a:off x="138545" y="1827190"/>
-            <a:ext cx="6858000" cy="282686"/>
+            <a:off x="138545" y="1735156"/>
+            <a:ext cx="6858000" cy="274320"/>
           </a:xfrm>
           <a:prstGeom prst="rect">
             <a:avLst/>
@@ -4466,11 +6810,7 @@
               </a:defRPr>
             </a:pPr>
             <a:r>
-              <a:t>La solution pour une meilleure gestion des dossiers patients et une réduction de l’inertie</a:t>
-            </a:r>
-            <a:br/>
-            <a:r>
-              <a:t>administrative</a:t>
+              <a:t>État des lieux et niveau d’adoption de la technologie dans le monde</a:t>
             </a:r>
           </a:p>
         </p:txBody>
@@ -4483,8 +6823,8 @@
         </p:nvSpPr>
         <p:spPr>
           <a:xfrm>
-            <a:off x="0" y="2109876"/>
-            <a:ext cx="6858000" cy="1994525"/>
+            <a:off x="0" y="2009476"/>
+            <a:ext cx="6858000" cy="565483"/>
           </a:xfrm>
           <a:prstGeom prst="rect">
             <a:avLst/>
@@ -4501,51 +6841,48 @@
               <a:defRPr sz="1000"/>
             </a:pPr>
             <a:r>
-              <a:t>Aux États-Unis, l'industrie de la santé a commencé à adopter la RPA pour automatiser en</a:t>
-            </a:r>
-            <a:br/>
-            <a:r>
-              <a:t>profondeur la gestion des dossiers patients. Cela comprend le traitement des admissions et des</a:t>
-            </a:r>
-            <a:br/>
-            <a:r>
-              <a:t>congés, la coordination des rendez-vous, et la facturation. Un cas concret serait celui du</a:t>
-            </a:r>
-            <a:br/>
-            <a:r>
-              <a:t>prestigieux hôpital Cleveland Clinic⁹ qui a mis en place une plateforme de RPA pour automatiser</a:t>
-            </a:r>
-            <a:br/>
-            <a:r>
-              <a:t>certains processus administratifs, conduisant à une réduction significative des erreurs humaines</a:t>
-            </a:r>
-            <a:br/>
-            <a:r>
-              <a:t>et à une amélioration de l'efficacité. Avant la pandémie de la COVID-19, la clinique avait déjà</a:t>
-            </a:r>
-            <a:br/>
-            <a:r>
-              <a:t>mis en place la RPA pour la vérification des assurances et l'audit des réclamations. Cependant,</a:t>
-            </a:r>
-            <a:br/>
-            <a:r>
-              <a:t>l'impact significatif de la RPA est devenu particulièrement apparent lors de l'apparition de la</a:t>
-            </a:r>
-            <a:br/>
-            <a:r>
-              <a:t>COVID-19. L'équipe de la Cleveland Clinic a alors décidé d'implémenter des robots assistés pour</a:t>
-            </a:r>
-            <a:br/>
-            <a:r>
-              <a:t>automatiser le processus d'inscription et d'impression une fois que l'identité du patient a été</a:t>
-            </a:r>
-            <a:br/>
-            <a:r>
-              <a:t>vérifiée par un humain. Ce système a permis de réduire le temps d'exécution de ces tâches de</a:t>
-            </a:r>
-            <a:br/>
-            <a:r>
-              <a:t>plusieurs minutes à une quinzaine de secondes, tout en évitant les erreurs d'impression.</a:t>
+              <a:t>Le Centre d'Innovation Numérique (CIN) a initié une analyse détaillée sur la progression et le</a:t>
+            </a:r>
+            <a:br/>
+            <a:r>
+              <a:t>degré d'adoption des solutions fondées sur la RPA à travers certains pays membres de l'OCDE. Ce</a:t>
+            </a:r>
+            <a:br/>
+            <a:r>
+              <a:t>document synthétise les points clés découverts au cours de cette étude approfondie.</a:t>
+            </a:r>
+          </a:p>
+        </p:txBody>
+      </p:sp>
+      <p:sp>
+        <p:nvSpPr>
+          <p:cNvPr id="2" name="Title 1"/>
+          <p:cNvSpPr>
+            <a:spLocks noGrp="1"/>
+          </p:cNvSpPr>
+          <p:nvPr>
+            <p:ph type="title"/>
+          </p:nvPr>
+        </p:nvSpPr>
+        <p:spPr>
+          <a:xfrm>
+            <a:off x="147782" y="2589959"/>
+            <a:ext cx="6567054" cy="400000"/>
+          </a:xfrm>
+        </p:spPr>
+        <p:txBody>
+          <a:bodyPr/>
+          <a:lstStyle/>
+          <a:p>
+            <a:pPr>
+              <a:defRPr b="1" i="1">
+                <a:solidFill>
+                  <a:schemeClr val="bg1"/>
+                </a:solidFill>
+              </a:defRPr>
+            </a:pPr>
+            <a:r>
+              <a:t>Amérique du nord</a:t>
             </a:r>
           </a:p>
         </p:txBody>
@@ -4558,7 +6895,7 @@
         </p:nvSpPr>
         <p:spPr>
           <a:xfrm>
-            <a:off x="138545" y="4104401"/>
+            <a:off x="138545" y="3004959"/>
             <a:ext cx="6858000" cy="274320"/>
           </a:xfrm>
           <a:prstGeom prst="rect">
@@ -4580,7 +6917,7 @@
               </a:defRPr>
             </a:pPr>
             <a:r>
-              <a:t>Optimiser la gestion des ressources humaines, vers la fin des requêtes sans réponse ?</a:t>
+              <a:t>Trouver une place pour la RPA dans le système bancaire et financier canadien</a:t>
             </a:r>
           </a:p>
         </p:txBody>
@@ -4593,8 +6930,8 @@
         </p:nvSpPr>
         <p:spPr>
           <a:xfrm>
-            <a:off x="0" y="4378721"/>
-            <a:ext cx="6858000" cy="2381070"/>
+            <a:off x="0" y="3279279"/>
+            <a:ext cx="6858000" cy="1833884"/>
           </a:xfrm>
           <a:prstGeom prst="rect">
             <a:avLst/>
@@ -4611,63 +6948,47 @@
               <a:defRPr sz="1000"/>
             </a:pPr>
             <a:r>
-              <a:t>En mettant en place une solution RPA, le géant américain IBM a su automatiser divers aspects du</a:t>
-            </a:r>
-            <a:br/>
-            <a:r>
-              <a:t>processus de recrutement, dont la recherche et la présélection des candidats, ainsi que la</a:t>
-            </a:r>
-            <a:br/>
-            <a:r>
-              <a:t>planification des entretiens. Avec l'aide de la RPA, IBM ¹⁰a pu réduire le temps consacré à ces</a:t>
-            </a:r>
-            <a:br/>
-            <a:r>
-              <a:t>tâches, permettant aux professionnels des ressources humaines de se concentrer sur des aspects</a:t>
-            </a:r>
-            <a:br/>
-            <a:r>
-              <a:t>plus nuancés du recrutement tels que l'évaluation de la culture d'entreprise et l'engagement des</a:t>
-            </a:r>
-            <a:br/>
-            <a:r>
-              <a:t>candidats. De plus, l'automatisation a permis d'éliminer les erreurs humaines inhérentes au</a:t>
-            </a:r>
-            <a:br/>
-            <a:r>
-              <a:t>processus de recrutement, ce qui a amélioré l'efficacité globale et l'expérience des candidats.</a:t>
-            </a:r>
-            <a:br/>
-            <a:r>
-              <a:t>En outre, IBM a utilisé la RPA pour améliorer l'interaction avec les candidats. Cela se</a:t>
-            </a:r>
-            <a:br/>
-            <a:r>
-              <a:t>matérialise notamment par le fait que les candidats peuvent maintenant recevoir des mises à jour</a:t>
-            </a:r>
-            <a:br/>
-            <a:r>
-              <a:t>automatiques sur le statut de leur candidature, ce qui améliore la communication et la</a:t>
-            </a:r>
-            <a:br/>
-            <a:r>
-              <a:t>transparence. De même, la RPA a également permis d'améliorer le processus d'intégration en</a:t>
-            </a:r>
-            <a:br/>
-            <a:r>
-              <a:t>automatisant les tâches administratives associées à l'embauche de nouveaux employés. De fait, en</a:t>
-            </a:r>
-            <a:br/>
-            <a:r>
-              <a:t>tirant parti de l'automatisation, IBM a pu transformer son processus de recrutement en une</a:t>
-            </a:r>
-            <a:br/>
-            <a:r>
-              <a:t>machine bien huilée, capable de gérer efficacement un grand nombre de candidatures tout en</a:t>
-            </a:r>
-            <a:br/>
-            <a:r>
-              <a:t>maintenant une expérience positive pour les candidats.</a:t>
+              <a:t>L'automatisation des processus robotiques (RPA) a la capacité d’impacter durablement le secteur</a:t>
+            </a:r>
+            <a:br/>
+            <a:r>
+              <a:t>bancaire et financier canadien. Cette emprunte est déjà visible notamment à travers l'exemple</a:t>
+            </a:r>
+            <a:br/>
+            <a:r>
+              <a:t>emblématique de la Royal Bank of Canada⁶ (RBC). Confrontée à des processus opérationnels</a:t>
+            </a:r>
+            <a:br/>
+            <a:r>
+              <a:t>complexes et répétitifs, la RBC a fait appel à la RPA pour optimiser ses performances et répondre</a:t>
+            </a:r>
+            <a:br/>
+            <a:r>
+              <a:t>efficacement aux attentes de ses clients. En automatisant des tâches telles que la vérification</a:t>
+            </a:r>
+            <a:br/>
+            <a:r>
+              <a:t>des données, l'établissement des relevés de compte ou la gestion des demandes clients, la RBC a</a:t>
+            </a:r>
+            <a:br/>
+            <a:r>
+              <a:t>pu non seulement réduire considérablement le temps de traitement, mais également minimiser le</a:t>
+            </a:r>
+            <a:br/>
+            <a:r>
+              <a:t>risque d'erreurs humaines et améliorer la précision des données. De plus, la RPA a permis à la</a:t>
+            </a:r>
+            <a:br/>
+            <a:r>
+              <a:t>banque de réaliser des économies significatives, tant en termes de main-d'œuvre que de coûts</a:t>
+            </a:r>
+            <a:br/>
+            <a:r>
+              <a:t>opérationnels. Cette transformation numérique, bien qu'encore en cours, positionne déjà la RBC</a:t>
+            </a:r>
+            <a:br/>
+            <a:r>
+              <a:t>comme une référence en matière d'adoption de la RPA dans le paysage bancaire canadien.</a:t>
             </a:r>
           </a:p>
         </p:txBody>
@@ -4680,7 +7001,7 @@
         </p:nvSpPr>
         <p:spPr>
           <a:xfrm>
-            <a:off x="138545" y="6759791"/>
+            <a:off x="138545" y="5113163"/>
             <a:ext cx="6858000" cy="274320"/>
           </a:xfrm>
           <a:prstGeom prst="rect">
@@ -4702,7 +7023,7 @@
               </a:defRPr>
             </a:pPr>
             <a:r>
-              <a:t>Commerce et logistique</a:t>
+              <a:t>La RPA au service de l'expérience client dans les télécommunications : l'exemple de telus</a:t>
             </a:r>
           </a:p>
         </p:txBody>
@@ -4715,8 +7036,8 @@
         </p:nvSpPr>
         <p:spPr>
           <a:xfrm>
-            <a:off x="0" y="7034111"/>
-            <a:ext cx="6858000" cy="2063133"/>
+            <a:off x="0" y="5387483"/>
+            <a:ext cx="6858000" cy="1857310"/>
           </a:xfrm>
           <a:prstGeom prst="rect">
             <a:avLst/>
@@ -4733,55 +7054,86 @@
               <a:defRPr sz="1000"/>
             </a:pPr>
             <a:r>
-              <a:t>La gestion de stock peut s’avérer être un véritable casse-tête surtout dès lors que l’on atteint</a:t>
-            </a:r>
-            <a:br/>
-            <a:r>
-              <a:t>des échelles de marché telles que celles couvertes par Wallmart¹¹, la célèbre chaine de commerce</a:t>
-            </a:r>
-            <a:br/>
-            <a:r>
-              <a:t>américaine. Face à ce défi logistique et en recourant à la RPA pour automatiser le suivi des</a:t>
-            </a:r>
-            <a:br/>
-            <a:r>
-              <a:t>stocks, Walmart a su améliorer l'exactitude de la gestion des stocks, évitant ainsi des</a:t>
-            </a:r>
-            <a:br/>
-            <a:r>
-              <a:t>situations problématiques comme les surstocks ou les ruptures de stock. La RPA permet</a:t>
-            </a:r>
-            <a:br/>
-            <a:r>
-              <a:t>d'automatiser un ensemble de tâches critiques pour le suivi des stocks, allant du</a:t>
-            </a:r>
-            <a:br/>
-            <a:r>
-              <a:t>réapprovisionnement automatique des articles au suivi des tendances de vente pour prévoir les</a:t>
-            </a:r>
-            <a:br/>
-            <a:r>
-              <a:t>besoins futurs en stock en passant par le signalement rapide des anomalies. En résulte une</a:t>
-            </a:r>
-            <a:br/>
-            <a:r>
-              <a:t>gestion plus précise et efficace de l'inventaire qui a un impact direct sur la satisfaction du</a:t>
-            </a:r>
-            <a:br/>
-            <a:r>
-              <a:t>client. Par ailleurs, l'introduction de la RPA a permis à Walmart de réduire les coûts associés</a:t>
-            </a:r>
-            <a:br/>
-            <a:r>
-              <a:t>au surstockage et aux ruptures de stock, améliorant ainsi sa rentabilité. Cette amélioration est</a:t>
-            </a:r>
-            <a:br/>
-            <a:r>
-              <a:t>due au fait que la RPA permet une meilleure synchronisation entre la demande des clients et le</a:t>
-            </a:r>
-            <a:br/>
-            <a:r>
-              <a:t>stock disponible, optimisant ainsi les coûts d'inventaire.</a:t>
+              <a:t>L'industrie canadienne des télécommunications, toujours à la recherche d'innovations pour</a:t>
+            </a:r>
+            <a:br/>
+            <a:r>
+              <a:t>améliorer l'expérience client, trouve dans la RPA un allié de poids. Telus⁷, l'un des plus grands</a:t>
+            </a:r>
+            <a:br/>
+            <a:r>
+              <a:t>opérateurs télécom du pays, offre un exemple concret de cette intégration. Grâce à la RPA, Telus</a:t>
+            </a:r>
+            <a:br/>
+            <a:r>
+              <a:t>a optimisé ses opérations internes, en automatisant des processus répétitifs et laborieux tels</a:t>
+            </a:r>
+            <a:br/>
+            <a:r>
+              <a:t>que la gestion des abonnements, l'administration des services ou encore le traitement des</a:t>
+            </a:r>
+            <a:br/>
+            <a:r>
+              <a:t>réclamations. En libérant ses employés de ces tâches chronophages, l'entreprise a pu recentrer</a:t>
+            </a:r>
+            <a:br/>
+            <a:r>
+              <a:t>ses efforts sur des activités à plus forte valeur ajoutée, améliorant ainsi la qualité du service</a:t>
+            </a:r>
+            <a:br/>
+            <a:r>
+              <a:t>client. De plus, la RPA a permis d'accélérer les réponses aux demandes des clients et d'assurer</a:t>
+            </a:r>
+            <a:br/>
+            <a:r>
+              <a:t>une plus grande précision dans le traitement des données, augmentant ainsi la satisfaction de la</a:t>
+            </a:r>
+            <a:br/>
+            <a:r>
+              <a:t>clientèle. Cette illustration démontre bien la capacité de la RPA d’amorcer un processus de</a:t>
+            </a:r>
+            <a:br/>
+            <a:r>
+              <a:t>transformation et d’automatisation de l’interaction client dans le secteur des</a:t>
+            </a:r>
+            <a:br/>
+            <a:r>
+              <a:t>télécommunications.</a:t>
+            </a:r>
+          </a:p>
+        </p:txBody>
+      </p:sp>
+      <p:sp>
+        <p:nvSpPr>
+          <p:cNvPr id="10" name="TextBox 9"/>
+          <p:cNvSpPr txBox="1"/>
+          <p:nvPr/>
+        </p:nvSpPr>
+        <p:spPr>
+          <a:xfrm>
+            <a:off x="138545" y="7244793"/>
+            <a:ext cx="6858000" cy="274320"/>
+          </a:xfrm>
+          <a:prstGeom prst="rect">
+            <a:avLst/>
+          </a:prstGeom>
+          <a:noFill/>
+        </p:spPr>
+        <p:txBody>
+          <a:bodyPr wrap="none">
+            <a:spAutoFit/>
+          </a:bodyPr>
+          <a:lstStyle/>
+          <a:p>
+            <a:pPr>
+              <a:defRPr sz="1100" b="1">
+                <a:solidFill>
+                  <a:schemeClr val="accent6"/>
+                </a:solidFill>
+              </a:defRPr>
+            </a:pPr>
+            <a:r>
+              <a:t>La RPA au secours des commerçants en ligne ?</a:t>
             </a:r>
           </a:p>
         </p:txBody>
@@ -4806,47 +7158,14 @@
       <p:grpSpPr/>
       <p:sp>
         <p:nvSpPr>
-          <p:cNvPr id="2" name="Title 1"/>
-          <p:cNvSpPr>
-            <a:spLocks noGrp="1"/>
-          </p:cNvSpPr>
-          <p:nvPr>
-            <p:ph type="title"/>
-          </p:nvPr>
-        </p:nvSpPr>
-        <p:spPr>
-          <a:xfrm>
-            <a:off x="138545" y="15000"/>
-            <a:ext cx="6557819" cy="400000"/>
-          </a:xfrm>
-        </p:spPr>
-        <p:txBody>
-          <a:bodyPr/>
-          <a:lstStyle/>
-          <a:p>
-            <a:pPr>
-              <a:defRPr b="1" i="1">
-                <a:solidFill>
-                  <a:schemeClr val="bg1"/>
-                </a:solidFill>
-              </a:defRPr>
-            </a:pPr>
-            <a:r>
-              <a:t>Europe</a:t>
-            </a:r>
-          </a:p>
-        </p:txBody>
-      </p:sp>
-      <p:sp>
-        <p:nvSpPr>
           <p:cNvPr id="3" name="TextBox 2"/>
           <p:cNvSpPr txBox="1"/>
           <p:nvPr/>
         </p:nvSpPr>
         <p:spPr>
           <a:xfrm>
-            <a:off x="138545" y="430000"/>
-            <a:ext cx="6858000" cy="274320"/>
+            <a:off x="0" y="0"/>
+            <a:ext cx="6858000" cy="1827190"/>
           </a:xfrm>
           <a:prstGeom prst="rect">
             <a:avLst/>
@@ -4860,14 +7179,50 @@
           <a:lstStyle/>
           <a:p>
             <a:pPr>
-              <a:defRPr sz="1100" b="1">
-                <a:solidFill>
-                  <a:schemeClr val="accent6"/>
-                </a:solidFill>
-              </a:defRPr>
+              <a:defRPr sz="1000"/>
             </a:pPr>
             <a:r>
-              <a:t>La santé publique un domaine propice à l’expansion de la RPA</a:t>
+              <a:t>Il est important de tenir compte du fait que l'essor fulgurant du commerce en ligne a révélé le</a:t>
+            </a:r>
+            <a:br/>
+            <a:r>
+              <a:t>besoin crucial d'automatiser les processus de vente pour garantir une gestion optimale des</a:t>
+            </a:r>
+            <a:br/>
+            <a:r>
+              <a:t>transactions. C'est précisément ici que la RPA trouve une place de choix. En ce sens, il est</a:t>
+            </a:r>
+            <a:br/>
+            <a:r>
+              <a:t>possible pour les revendeurs inscrits sur la plateforme canadienne de commerce en ligne Shopify</a:t>
+            </a:r>
+            <a:br/>
+            <a:r>
+              <a:t>de procéder à l'intégration de l'application « Autopilot Your Shop with RPA »⁸. Cette application</a:t>
+            </a:r>
+            <a:br/>
+            <a:r>
+              <a:t>se sert de robots logiciels pour automatiser les tâches récurrentes liées à la vente en ligne.</a:t>
+            </a:r>
+            <a:br/>
+            <a:r>
+              <a:t>Que ce soit la gestion des stocks, le suivi des commandes, l'envoi des factures, ou encore</a:t>
+            </a:r>
+            <a:br/>
+            <a:r>
+              <a:t>l'interaction avec les clients, tout peut être pris en charge par ces robots. Le recours à la RPA</a:t>
+            </a:r>
+            <a:br/>
+            <a:r>
+              <a:t>permet ainsi aux marchands de se libérer d'un fardeau opérationnel considérable, leur permettant</a:t>
+            </a:r>
+            <a:br/>
+            <a:r>
+              <a:t>de se concentrer sur des tâches plus stratégiques. En outre, l'efficacité de ces robots garantit</a:t>
+            </a:r>
+            <a:br/>
+            <a:r>
+              <a:t>un service rapide, ce qui contribue à l'amélioration de l'expérience client.</a:t>
             </a:r>
           </a:p>
         </p:txBody>
@@ -4880,8 +7235,8 @@
         </p:nvSpPr>
         <p:spPr>
           <a:xfrm>
-            <a:off x="0" y="704320"/>
-            <a:ext cx="6858000" cy="1691649"/>
+            <a:off x="138545" y="1827190"/>
+            <a:ext cx="6858000" cy="282686"/>
           </a:xfrm>
           <a:prstGeom prst="rect">
             <a:avLst/>
@@ -4895,46 +7250,18 @@
           <a:lstStyle/>
           <a:p>
             <a:pPr>
-              <a:defRPr sz="1000"/>
+              <a:defRPr sz="1100" b="1">
+                <a:solidFill>
+                  <a:schemeClr val="accent6"/>
+                </a:solidFill>
+              </a:defRPr>
             </a:pPr>
             <a:r>
-              <a:t>L'AP-HP (Assistance Publique - Hôpitaux de Paris)¹², en tant que réseau hospitalier de premier</a:t>
-            </a:r>
-            <a:br/>
-            <a:r>
-              <a:t>plan en France, s'est engagée à exploiter les avantages de la RPA, particulièrement dans la</a:t>
-            </a:r>
-            <a:br/>
-            <a:r>
-              <a:t>gestion des dossiers patients. Les robots peuvent non seulement numériser et classer des</a:t>
-            </a:r>
-            <a:br/>
-            <a:r>
-              <a:t>documents, mais aussi vérifier l'exactitude des informations, une tâche qui serait fastidieuse et</a:t>
-            </a:r>
-            <a:br/>
-            <a:r>
-              <a:t>sujette à erreurs si elle était effectuée manuellement. Cela permet une consolidation efficace</a:t>
-            </a:r>
-            <a:br/>
-            <a:r>
-              <a:t>des données, facilitant leur accès pour les professionnels de la santé et améliorant l'exactitude</a:t>
-            </a:r>
-            <a:br/>
-            <a:r>
-              <a:t>du diagnostic et du traitement. De plus, la possibilité de rechercher rapidement les dossiers des</a:t>
-            </a:r>
-            <a:br/>
-            <a:r>
-              <a:t>patients réduit le temps d'attente pour les patients et augmente leur satisfaction. À long terme,</a:t>
-            </a:r>
-            <a:br/>
-            <a:r>
-              <a:t>l'AP-HP envisage une application plus large de la RPA, y compris la surveillance des médicaments,</a:t>
-            </a:r>
-            <a:br/>
-            <a:r>
-              <a:t>l'aide à la planification des rendez-vous, et même le soutien à la recherche clinique.</a:t>
+              <a:t>La solution pour une meilleure gestion des dossiers patients et une réduction de l’inertie</a:t>
+            </a:r>
+            <a:br/>
+            <a:r>
+              <a:t>administrative</a:t>
             </a:r>
           </a:p>
         </p:txBody>
@@ -4947,8 +7274,8 @@
         </p:nvSpPr>
         <p:spPr>
           <a:xfrm>
-            <a:off x="138545" y="2395969"/>
-            <a:ext cx="6858000" cy="274320"/>
+            <a:off x="0" y="2109876"/>
+            <a:ext cx="6858000" cy="1994525"/>
           </a:xfrm>
           <a:prstGeom prst="rect">
             <a:avLst/>
@@ -4962,14 +7289,54 @@
           <a:lstStyle/>
           <a:p>
             <a:pPr>
-              <a:defRPr sz="1100" b="1">
-                <a:solidFill>
-                  <a:schemeClr val="accent6"/>
-                </a:solidFill>
-              </a:defRPr>
+              <a:defRPr sz="1000"/>
             </a:pPr>
             <a:r>
-              <a:t>Vers une automatisation de la gestion des réclamations en assurance</a:t>
+              <a:t>Aux États-Unis, l'industrie de la santé a commencé à adopter la RPA pour automatiser en</a:t>
+            </a:r>
+            <a:br/>
+            <a:r>
+              <a:t>profondeur la gestion des dossiers patients. Cela comprend le traitement des admissions et des</a:t>
+            </a:r>
+            <a:br/>
+            <a:r>
+              <a:t>congés, la coordination des rendez-vous, et la facturation. Un cas concret serait celui du</a:t>
+            </a:r>
+            <a:br/>
+            <a:r>
+              <a:t>prestigieux hôpital Cleveland Clinic⁹ qui a mis en place une plateforme de RPA pour automatiser</a:t>
+            </a:r>
+            <a:br/>
+            <a:r>
+              <a:t>certains processus administratifs, conduisant à une réduction significative des erreurs humaines</a:t>
+            </a:r>
+            <a:br/>
+            <a:r>
+              <a:t>et à une amélioration de l'efficacité. Avant la pandémie de la COVID-19, la clinique avait déjà</a:t>
+            </a:r>
+            <a:br/>
+            <a:r>
+              <a:t>mis en place la RPA pour la vérification des assurances et l'audit des réclamations. Cependant,</a:t>
+            </a:r>
+            <a:br/>
+            <a:r>
+              <a:t>l'impact significatif de la RPA est devenu particulièrement apparent lors de l'apparition de la</a:t>
+            </a:r>
+            <a:br/>
+            <a:r>
+              <a:t>COVID-19. L'équipe de la Cleveland Clinic a alors décidé d'implémenter des robots assistés pour</a:t>
+            </a:r>
+            <a:br/>
+            <a:r>
+              <a:t>automatiser le processus d'inscription et d'impression une fois que l'identité du patient a été</a:t>
+            </a:r>
+            <a:br/>
+            <a:r>
+              <a:t>vérifiée par un humain. Ce système a permis de réduire le temps d'exécution de ces tâches de</a:t>
+            </a:r>
+            <a:br/>
+            <a:r>
+              <a:t>plusieurs minutes à une quinzaine de secondes, tout en évitant les erreurs d'impression.</a:t>
             </a:r>
           </a:p>
         </p:txBody>
@@ -4982,8 +7349,8 @@
         </p:nvSpPr>
         <p:spPr>
           <a:xfrm>
-            <a:off x="0" y="2670289"/>
-            <a:ext cx="6858000" cy="1681609"/>
+            <a:off x="138545" y="4104401"/>
+            <a:ext cx="6858000" cy="274320"/>
           </a:xfrm>
           <a:prstGeom prst="rect">
             <a:avLst/>
@@ -4997,46 +7364,14 @@
           <a:lstStyle/>
           <a:p>
             <a:pPr>
-              <a:defRPr sz="1000"/>
+              <a:defRPr sz="1100" b="1">
+                <a:solidFill>
+                  <a:schemeClr val="accent6"/>
+                </a:solidFill>
+              </a:defRPr>
             </a:pPr>
             <a:r>
-              <a:t>L'assureur français AXA¹³ a intégré une utilisation pertinente de la RPA dans le processus de</a:t>
-            </a:r>
-            <a:br/>
-            <a:r>
-              <a:t>gestion des réclamations. Non seulement les outils d’automatisation ici peuvent optimiser le</a:t>
-            </a:r>
-            <a:br/>
-            <a:r>
-              <a:t>processus d'évaluation des réclamations, mais ils peuvent également détecter les réclamations</a:t>
-            </a:r>
-            <a:br/>
-            <a:r>
-              <a:t>frauduleuses en analysant les schémas de données, une tâche qui serait difficile à accomplir pour</a:t>
-            </a:r>
-            <a:br/>
-            <a:r>
-              <a:t>un humain. Par ailleurs, l'efficacité accrue de la RPA a également un impact positif sur le</a:t>
-            </a:r>
-            <a:br/>
-            <a:r>
-              <a:t>service à la clientèle : avec des délais de traitement plus courts, les clients peuvent recevoir</a:t>
-            </a:r>
-            <a:br/>
-            <a:r>
-              <a:t>leurs paiements plus rapidement, ce qui améliore leur satisfaction et renforce leur confiance</a:t>
-            </a:r>
-            <a:br/>
-            <a:r>
-              <a:t>envers l'assureur. AXA envisage également l'utilisation de la RPA pour automatiser d'autres</a:t>
-            </a:r>
-            <a:br/>
-            <a:r>
-              <a:t>processus internes, tels que la gestion des polices d'assurance et la préparation des rapports</a:t>
-            </a:r>
-            <a:br/>
-            <a:r>
-              <a:t>financiers, ouvrant ainsi la voie à une transformation numérique plus large de l'entreprise.</a:t>
+              <a:t>Optimiser la gestion des ressources humaines, vers la fin des requêtes sans réponse ?</a:t>
             </a:r>
           </a:p>
         </p:txBody>
@@ -5049,8 +7384,8 @@
         </p:nvSpPr>
         <p:spPr>
           <a:xfrm>
-            <a:off x="138545" y="4351898"/>
-            <a:ext cx="6858000" cy="274320"/>
+            <a:off x="0" y="4378721"/>
+            <a:ext cx="6858000" cy="2381070"/>
           </a:xfrm>
           <a:prstGeom prst="rect">
             <a:avLst/>
@@ -5064,14 +7399,66 @@
           <a:lstStyle/>
           <a:p>
             <a:pPr>
-              <a:defRPr sz="1100" b="1">
-                <a:solidFill>
-                  <a:schemeClr val="accent6"/>
-                </a:solidFill>
-              </a:defRPr>
+              <a:defRPr sz="1000"/>
             </a:pPr>
             <a:r>
-              <a:t>Pour une plus large couverture des services public : Automatisation des services aux citoyens</a:t>
+              <a:t>En mettant en place une solution RPA, le géant américain IBM a su automatiser divers aspects du</a:t>
+            </a:r>
+            <a:br/>
+            <a:r>
+              <a:t>processus de recrutement, dont la recherche et la présélection des candidats, ainsi que la</a:t>
+            </a:r>
+            <a:br/>
+            <a:r>
+              <a:t>planification des entretiens. Avec l'aide de la RPA, IBM ¹⁰a pu réduire le temps consacré à ces</a:t>
+            </a:r>
+            <a:br/>
+            <a:r>
+              <a:t>tâches, permettant aux professionnels des ressources humaines de se concentrer sur des aspects</a:t>
+            </a:r>
+            <a:br/>
+            <a:r>
+              <a:t>plus nuancés du recrutement tels que l'évaluation de la culture d'entreprise et l'engagement des</a:t>
+            </a:r>
+            <a:br/>
+            <a:r>
+              <a:t>candidats. De plus, l'automatisation a permis d'éliminer les erreurs humaines inhérentes au</a:t>
+            </a:r>
+            <a:br/>
+            <a:r>
+              <a:t>processus de recrutement, ce qui a amélioré l'efficacité globale et l'expérience des candidats.</a:t>
+            </a:r>
+            <a:br/>
+            <a:r>
+              <a:t>En outre, IBM a utilisé la RPA pour améliorer l'interaction avec les candidats. Cela se</a:t>
+            </a:r>
+            <a:br/>
+            <a:r>
+              <a:t>matérialise notamment par le fait que les candidats peuvent maintenant recevoir des mises à jour</a:t>
+            </a:r>
+            <a:br/>
+            <a:r>
+              <a:t>automatiques sur le statut de leur candidature, ce qui améliore la communication et la</a:t>
+            </a:r>
+            <a:br/>
+            <a:r>
+              <a:t>transparence. De même, la RPA a également permis d'améliorer le processus d'intégration en</a:t>
+            </a:r>
+            <a:br/>
+            <a:r>
+              <a:t>automatisant les tâches administratives associées à l'embauche de nouveaux employés. De fait, en</a:t>
+            </a:r>
+            <a:br/>
+            <a:r>
+              <a:t>tirant parti de l'automatisation, IBM a pu transformer son processus de recrutement en une</a:t>
+            </a:r>
+            <a:br/>
+            <a:r>
+              <a:t>machine bien huilée, capable de gérer efficacement un grand nombre de candidatures tout en</a:t>
+            </a:r>
+            <a:br/>
+            <a:r>
+              <a:t>maintenant une expérience positive pour les candidats.</a:t>
             </a:r>
           </a:p>
         </p:txBody>
@@ -5084,8 +7471,8 @@
         </p:nvSpPr>
         <p:spPr>
           <a:xfrm>
-            <a:off x="0" y="4626218"/>
-            <a:ext cx="6858000" cy="1525987"/>
+            <a:off x="138545" y="6759791"/>
+            <a:ext cx="6858000" cy="274320"/>
           </a:xfrm>
           <a:prstGeom prst="rect">
             <a:avLst/>
@@ -5099,42 +7486,14 @@
           <a:lstStyle/>
           <a:p>
             <a:pPr>
-              <a:defRPr sz="1000"/>
+              <a:defRPr sz="1100" b="1">
+                <a:solidFill>
+                  <a:schemeClr val="accent6"/>
+                </a:solidFill>
+              </a:defRPr>
             </a:pPr>
             <a:r>
-              <a:t>La Direction Générale des Finances Publiques française¹⁴ (DGFiP) illustre comment le secteur</a:t>
-            </a:r>
-            <a:br/>
-            <a:r>
-              <a:t>public en France peut bénéficier de l'utilisation de la RPA. En automatisant la collecte et le</a:t>
-            </a:r>
-            <a:br/>
-            <a:r>
-              <a:t>traitement des informations fiscales, la DGFiP a non seulement réduit le risque d'erreurs, mais a</a:t>
-            </a:r>
-            <a:br/>
-            <a:r>
-              <a:t>également accéléré les processus décisionnels. Cela se traduit par une amélioration du service</a:t>
-            </a:r>
-            <a:br/>
-            <a:r>
-              <a:t>pour les citoyens, car ils peuvent obtenir des réponses plus rapidement et plus précisément. En</a:t>
-            </a:r>
-            <a:br/>
-            <a:r>
-              <a:t>outre, la RPA pourrait également être utilisée pour améliorer l'efficacité de l'audit interne et</a:t>
-            </a:r>
-            <a:br/>
-            <a:r>
-              <a:t>du contrôle fiscal, contribuant ainsi à une meilleure gestion des finances publiques. A l'avenir,</a:t>
-            </a:r>
-            <a:br/>
-            <a:r>
-              <a:t>la DGFiP envisage d'étendre l'utilisation de la RPA à d'autres domaines, tels que le contrôle de</a:t>
-            </a:r>
-            <a:br/>
-            <a:r>
-              <a:t>l'exactitude des déclarations de revenus ou la prévention de la fraude fiscale.</a:t>
+              <a:t>Commerce et logistique</a:t>
             </a:r>
           </a:p>
         </p:txBody>
@@ -5147,8 +7506,8 @@
         </p:nvSpPr>
         <p:spPr>
           <a:xfrm>
-            <a:off x="138545" y="6152205"/>
-            <a:ext cx="6858000" cy="274320"/>
+            <a:off x="0" y="7034111"/>
+            <a:ext cx="6858000" cy="2063133"/>
           </a:xfrm>
           <a:prstGeom prst="rect">
             <a:avLst/>
@@ -5162,14 +7521,58 @@
           <a:lstStyle/>
           <a:p>
             <a:pPr>
-              <a:defRPr sz="1100" b="1">
-                <a:solidFill>
-                  <a:schemeClr val="accent6"/>
-                </a:solidFill>
-              </a:defRPr>
+              <a:defRPr sz="1000"/>
             </a:pPr>
             <a:r>
-              <a:t>Des entreprises britanniques spécialisées dans la mise à disposition de solutions de RPA</a:t>
+              <a:t>La gestion de stock peut s’avérer être un véritable casse-tête surtout dès lors que l’on atteint</a:t>
+            </a:r>
+            <a:br/>
+            <a:r>
+              <a:t>des échelles de marché telles que celles couvertes par Wallmart¹¹, la célèbre chaine de commerce</a:t>
+            </a:r>
+            <a:br/>
+            <a:r>
+              <a:t>américaine. Face à ce défi logistique et en recourant à la RPA pour automatiser le suivi des</a:t>
+            </a:r>
+            <a:br/>
+            <a:r>
+              <a:t>stocks, Walmart a su améliorer l'exactitude de la gestion des stocks, évitant ainsi des</a:t>
+            </a:r>
+            <a:br/>
+            <a:r>
+              <a:t>situations problématiques comme les surstocks ou les ruptures de stock. La RPA permet</a:t>
+            </a:r>
+            <a:br/>
+            <a:r>
+              <a:t>d'automatiser un ensemble de tâches critiques pour le suivi des stocks, allant du</a:t>
+            </a:r>
+            <a:br/>
+            <a:r>
+              <a:t>réapprovisionnement automatique des articles au suivi des tendances de vente pour prévoir les</a:t>
+            </a:r>
+            <a:br/>
+            <a:r>
+              <a:t>besoins futurs en stock en passant par le signalement rapide des anomalies. En résulte une</a:t>
+            </a:r>
+            <a:br/>
+            <a:r>
+              <a:t>gestion plus précise et efficace de l'inventaire qui a un impact direct sur la satisfaction du</a:t>
+            </a:r>
+            <a:br/>
+            <a:r>
+              <a:t>client. Par ailleurs, l'introduction de la RPA a permis à Walmart de réduire les coûts associés</a:t>
+            </a:r>
+            <a:br/>
+            <a:r>
+              <a:t>au surstockage et aux ruptures de stock, améliorant ainsi sa rentabilité. Cette amélioration est</a:t>
+            </a:r>
+            <a:br/>
+            <a:r>
+              <a:t>due au fait que la RPA permet une meilleure synchronisation entre la demande des clients et le</a:t>
+            </a:r>
+            <a:br/>
+            <a:r>
+              <a:t>stock disponible, optimisant ainsi les coûts d'inventaire.</a:t>
             </a:r>
           </a:p>
         </p:txBody>
@@ -5194,14 +7597,47 @@
       <p:grpSpPr/>
       <p:sp>
         <p:nvSpPr>
+          <p:cNvPr id="2" name="Title 1"/>
+          <p:cNvSpPr>
+            <a:spLocks noGrp="1"/>
+          </p:cNvSpPr>
+          <p:nvPr>
+            <p:ph type="title"/>
+          </p:nvPr>
+        </p:nvSpPr>
+        <p:spPr>
+          <a:xfrm>
+            <a:off x="147782" y="15000"/>
+            <a:ext cx="6567054" cy="400000"/>
+          </a:xfrm>
+        </p:spPr>
+        <p:txBody>
+          <a:bodyPr/>
+          <a:lstStyle/>
+          <a:p>
+            <a:pPr>
+              <a:defRPr b="1" i="1">
+                <a:solidFill>
+                  <a:schemeClr val="bg1"/>
+                </a:solidFill>
+              </a:defRPr>
+            </a:pPr>
+            <a:r>
+              <a:t>Europe</a:t>
+            </a:r>
+          </a:p>
+        </p:txBody>
+      </p:sp>
+      <p:sp>
+        <p:nvSpPr>
           <p:cNvPr id="3" name="TextBox 2"/>
           <p:cNvSpPr txBox="1"/>
           <p:nvPr/>
         </p:nvSpPr>
         <p:spPr>
           <a:xfrm>
-            <a:off x="0" y="0"/>
-            <a:ext cx="6858000" cy="3134078"/>
+            <a:off x="138545" y="430000"/>
+            <a:ext cx="6858000" cy="274320"/>
           </a:xfrm>
           <a:prstGeom prst="rect">
             <a:avLst/>
@@ -5215,86 +7651,14 @@
           <a:lstStyle/>
           <a:p>
             <a:pPr>
-              <a:defRPr sz="1000"/>
+              <a:defRPr sz="1100" b="1">
+                <a:solidFill>
+                  <a:schemeClr val="accent6"/>
+                </a:solidFill>
+              </a:defRPr>
             </a:pPr>
             <a:r>
-              <a:t>L'entreprise SS&amp;C BLUE PRISM¹⁵ se positionne comme un acteur majeur dans le développement et la</a:t>
-            </a:r>
-            <a:br/>
-            <a:r>
-              <a:t>diffusion de la RPA dans le monde. Elle s'est distinguée en proposant à de nombreuses sociétés</a:t>
-            </a:r>
-            <a:br/>
-            <a:r>
-              <a:t>ses outils innovants tels que Blue Prism Cloud SaaS, une solution entièrement gérée et hébergée</a:t>
-            </a:r>
-            <a:br/>
-            <a:r>
-              <a:t>offrant un ensemble d'avantages sans inconvénients, et Robotic Operating Model (ROM), un modèle</a:t>
-            </a:r>
-            <a:br/>
-            <a:r>
-              <a:t>opérationnel éprouvé permettant de déployer, gérer et développer efficacement leur programme</a:t>
-            </a:r>
-            <a:br/>
-            <a:r>
-              <a:t>d'automatisation intelligente. Considérant la variété et la polyvalence des solutions proposées</a:t>
-            </a:r>
-            <a:br/>
-            <a:r>
-              <a:t>par cette entreprise, elle dessert une large gamme de clients¹⁶, englobant les secteurs</a:t>
-            </a:r>
-            <a:br/>
-            <a:r>
-              <a:t>bancaires, financiers, industriels, publics et des télécommunications. Pour preuve, l'une de ses</a:t>
-            </a:r>
-            <a:br/>
-            <a:r>
-              <a:t>ambitions majeures est de stimuler la transformation digitale des institutions bancaires et</a:t>
-            </a:r>
-            <a:br/>
-            <a:r>
-              <a:t>financières grâce à l'automatisation. Dans le secteur des télécommunications, elle envisage</a:t>
-            </a:r>
-            <a:br/>
-            <a:r>
-              <a:t>d'utiliser l'automatisation pour moderniser des modèles opérationnels parfois obsolètes, afin de</a:t>
-            </a:r>
-            <a:br/>
-            <a:r>
-              <a:t>fournir de nouveaux services omnicanals qui accompagneront l'avènement de la 5G et de l'Internet</a:t>
-            </a:r>
-            <a:br/>
-            <a:r>
-              <a:t>des Objets (IoT). Cette stratégie lui permettra de répondre aux attentes grandissantes des</a:t>
-            </a:r>
-            <a:br/>
-            <a:r>
-              <a:t>clients. Pour le secteur industriel, confronté à des défis tels que les conditions changeantes du</a:t>
-            </a:r>
-            <a:br/>
-            <a:r>
-              <a:t>marché, les pénuries de compétences et l'apparition de nouveaux concurrents, il apparait évident</a:t>
-            </a:r>
-            <a:br/>
-            <a:r>
-              <a:t>que l'heure est résolument au changement. C'est dans ce contexte que SS&amp;C BLUE PRISM envisage</a:t>
-            </a:r>
-            <a:br/>
-            <a:r>
-              <a:t>d'apporter sa contribution grâce à la RPA, permettant une transformation numérique soutenue et</a:t>
-            </a:r>
-            <a:br/>
-            <a:r>
-              <a:t>efficace. La jonction de cette vision aux capacités techniques reconnues de cette entreprise lui</a:t>
-            </a:r>
-            <a:br/>
-            <a:r>
-              <a:t>a ainsi permis de tisser un vaste réseau de partenaires à l’instar de microsoft, IBM ou encore</a:t>
-            </a:r>
-            <a:br/>
-            <a:r>
-              <a:t>google.</a:t>
+              <a:t>La santé publique un domaine propice à l’expansion de la RPA</a:t>
             </a:r>
           </a:p>
         </p:txBody>
@@ -5307,8 +7671,8 @@
         </p:nvSpPr>
         <p:spPr>
           <a:xfrm>
-            <a:off x="138545" y="3134078"/>
-            <a:ext cx="6858000" cy="274320"/>
+            <a:off x="0" y="704320"/>
+            <a:ext cx="6858000" cy="1691649"/>
           </a:xfrm>
           <a:prstGeom prst="rect">
             <a:avLst/>
@@ -5322,14 +7686,46 @@
           <a:lstStyle/>
           <a:p>
             <a:pPr>
-              <a:defRPr sz="1100" b="1">
-                <a:solidFill>
-                  <a:schemeClr val="accent6"/>
-                </a:solidFill>
-              </a:defRPr>
+              <a:defRPr sz="1000"/>
             </a:pPr>
             <a:r>
-              <a:t>La construction de solutions RPA, l’exemple du géant Roumain UI PATH</a:t>
+              <a:t>L'AP-HP (Assistance Publique - Hôpitaux de Paris)¹², en tant que réseau hospitalier de premier</a:t>
+            </a:r>
+            <a:br/>
+            <a:r>
+              <a:t>plan en France, s'est engagée à exploiter les avantages de la RPA, particulièrement dans la</a:t>
+            </a:r>
+            <a:br/>
+            <a:r>
+              <a:t>gestion des dossiers patients. Les robots peuvent non seulement numériser et classer des</a:t>
+            </a:r>
+            <a:br/>
+            <a:r>
+              <a:t>documents, mais aussi vérifier l'exactitude des informations, une tâche qui serait fastidieuse et</a:t>
+            </a:r>
+            <a:br/>
+            <a:r>
+              <a:t>sujette à erreurs si elle était effectuée manuellement. Cela permet une consolidation efficace</a:t>
+            </a:r>
+            <a:br/>
+            <a:r>
+              <a:t>des données, facilitant leur accès pour les professionnels de la santé et améliorant l'exactitude</a:t>
+            </a:r>
+            <a:br/>
+            <a:r>
+              <a:t>du diagnostic et du traitement. De plus, la possibilité de rechercher rapidement les dossiers des</a:t>
+            </a:r>
+            <a:br/>
+            <a:r>
+              <a:t>patients réduit le temps d'attente pour les patients et augmente leur satisfaction. À long terme,</a:t>
+            </a:r>
+            <a:br/>
+            <a:r>
+              <a:t>l'AP-HP envisage une application plus large de la RPA, y compris la surveillance des médicaments,</a:t>
+            </a:r>
+            <a:br/>
+            <a:r>
+              <a:t>l'aide à la planification des rendez-vous, et même le soutien à la recherche clinique.</a:t>
             </a:r>
           </a:p>
         </p:txBody>
@@ -5342,8 +7738,8 @@
         </p:nvSpPr>
         <p:spPr>
           <a:xfrm>
-            <a:off x="0" y="3408398"/>
-            <a:ext cx="6858000" cy="2881402"/>
+            <a:off x="138545" y="2395969"/>
+            <a:ext cx="6858000" cy="274320"/>
           </a:xfrm>
           <a:prstGeom prst="rect">
             <a:avLst/>
@@ -5357,9 +7753,404 @@
           <a:lstStyle/>
           <a:p>
             <a:pPr>
+              <a:defRPr sz="1100" b="1">
+                <a:solidFill>
+                  <a:schemeClr val="accent6"/>
+                </a:solidFill>
+              </a:defRPr>
+            </a:pPr>
+            <a:r>
+              <a:t>Vers une automatisation de la gestion des réclamations en assurance</a:t>
+            </a:r>
+          </a:p>
+        </p:txBody>
+      </p:sp>
+      <p:sp>
+        <p:nvSpPr>
+          <p:cNvPr id="6" name="TextBox 5"/>
+          <p:cNvSpPr txBox="1"/>
+          <p:nvPr/>
+        </p:nvSpPr>
+        <p:spPr>
+          <a:xfrm>
+            <a:off x="0" y="2670289"/>
+            <a:ext cx="6858000" cy="1681609"/>
+          </a:xfrm>
+          <a:prstGeom prst="rect">
+            <a:avLst/>
+          </a:prstGeom>
+          <a:noFill/>
+        </p:spPr>
+        <p:txBody>
+          <a:bodyPr wrap="none">
+            <a:spAutoFit/>
+          </a:bodyPr>
+          <a:lstStyle/>
+          <a:p>
+            <a:pPr>
               <a:defRPr sz="1000"/>
             </a:pPr>
             <a:r>
+              <a:t>L'assureur français AXA¹³ a intégré une utilisation pertinente de la RPA dans le processus de</a:t>
+            </a:r>
+            <a:br/>
+            <a:r>
+              <a:t>gestion des réclamations. Non seulement les outils d’automatisation ici peuvent optimiser le</a:t>
+            </a:r>
+            <a:br/>
+            <a:r>
+              <a:t>processus d'évaluation des réclamations, mais ils peuvent également détecter les réclamations</a:t>
+            </a:r>
+            <a:br/>
+            <a:r>
+              <a:t>frauduleuses en analysant les schémas de données, une tâche qui serait difficile à accomplir pour</a:t>
+            </a:r>
+            <a:br/>
+            <a:r>
+              <a:t>un humain. Par ailleurs, l'efficacité accrue de la RPA a également un impact positif sur le</a:t>
+            </a:r>
+            <a:br/>
+            <a:r>
+              <a:t>service à la clientèle : avec des délais de traitement plus courts, les clients peuvent recevoir</a:t>
+            </a:r>
+            <a:br/>
+            <a:r>
+              <a:t>leurs paiements plus rapidement, ce qui améliore leur satisfaction et renforce leur confiance</a:t>
+            </a:r>
+            <a:br/>
+            <a:r>
+              <a:t>envers l'assureur. AXA envisage également l'utilisation de la RPA pour automatiser d'autres</a:t>
+            </a:r>
+            <a:br/>
+            <a:r>
+              <a:t>processus internes, tels que la gestion des polices d'assurance et la préparation des rapports</a:t>
+            </a:r>
+            <a:br/>
+            <a:r>
+              <a:t>financiers, ouvrant ainsi la voie à une transformation numérique plus large de l'entreprise.</a:t>
+            </a:r>
+          </a:p>
+        </p:txBody>
+      </p:sp>
+      <p:sp>
+        <p:nvSpPr>
+          <p:cNvPr id="7" name="TextBox 6"/>
+          <p:cNvSpPr txBox="1"/>
+          <p:nvPr/>
+        </p:nvSpPr>
+        <p:spPr>
+          <a:xfrm>
+            <a:off x="138545" y="4351898"/>
+            <a:ext cx="6858000" cy="274320"/>
+          </a:xfrm>
+          <a:prstGeom prst="rect">
+            <a:avLst/>
+          </a:prstGeom>
+          <a:noFill/>
+        </p:spPr>
+        <p:txBody>
+          <a:bodyPr wrap="none">
+            <a:spAutoFit/>
+          </a:bodyPr>
+          <a:lstStyle/>
+          <a:p>
+            <a:pPr>
+              <a:defRPr sz="1100" b="1">
+                <a:solidFill>
+                  <a:schemeClr val="accent6"/>
+                </a:solidFill>
+              </a:defRPr>
+            </a:pPr>
+            <a:r>
+              <a:t>Pour une plus large couverture des services public : Automatisation des services aux citoyens</a:t>
+            </a:r>
+          </a:p>
+        </p:txBody>
+      </p:sp>
+      <p:sp>
+        <p:nvSpPr>
+          <p:cNvPr id="8" name="TextBox 7"/>
+          <p:cNvSpPr txBox="1"/>
+          <p:nvPr/>
+        </p:nvSpPr>
+        <p:spPr>
+          <a:xfrm>
+            <a:off x="0" y="4626218"/>
+            <a:ext cx="6858000" cy="1525987"/>
+          </a:xfrm>
+          <a:prstGeom prst="rect">
+            <a:avLst/>
+          </a:prstGeom>
+          <a:noFill/>
+        </p:spPr>
+        <p:txBody>
+          <a:bodyPr wrap="none">
+            <a:spAutoFit/>
+          </a:bodyPr>
+          <a:lstStyle/>
+          <a:p>
+            <a:pPr>
+              <a:defRPr sz="1000"/>
+            </a:pPr>
+            <a:r>
+              <a:t>La Direction Générale des Finances Publiques française¹⁴ (DGFiP) illustre comment le secteur</a:t>
+            </a:r>
+            <a:br/>
+            <a:r>
+              <a:t>public en France peut bénéficier de l'utilisation de la RPA. En automatisant la collecte et le</a:t>
+            </a:r>
+            <a:br/>
+            <a:r>
+              <a:t>traitement des informations fiscales, la DGFiP a non seulement réduit le risque d'erreurs, mais a</a:t>
+            </a:r>
+            <a:br/>
+            <a:r>
+              <a:t>également accéléré les processus décisionnels. Cela se traduit par une amélioration du service</a:t>
+            </a:r>
+            <a:br/>
+            <a:r>
+              <a:t>pour les citoyens, car ils peuvent obtenir des réponses plus rapidement et plus précisément. En</a:t>
+            </a:r>
+            <a:br/>
+            <a:r>
+              <a:t>outre, la RPA pourrait également être utilisée pour améliorer l'efficacité de l'audit interne et</a:t>
+            </a:r>
+            <a:br/>
+            <a:r>
+              <a:t>du contrôle fiscal, contribuant ainsi à une meilleure gestion des finances publiques. A l'avenir,</a:t>
+            </a:r>
+            <a:br/>
+            <a:r>
+              <a:t>la DGFiP envisage d'étendre l'utilisation de la RPA à d'autres domaines, tels que le contrôle de</a:t>
+            </a:r>
+            <a:br/>
+            <a:r>
+              <a:t>l'exactitude des déclarations de revenus ou la prévention de la fraude fiscale.</a:t>
+            </a:r>
+          </a:p>
+        </p:txBody>
+      </p:sp>
+      <p:sp>
+        <p:nvSpPr>
+          <p:cNvPr id="9" name="TextBox 8"/>
+          <p:cNvSpPr txBox="1"/>
+          <p:nvPr/>
+        </p:nvSpPr>
+        <p:spPr>
+          <a:xfrm>
+            <a:off x="138545" y="6152205"/>
+            <a:ext cx="6858000" cy="274320"/>
+          </a:xfrm>
+          <a:prstGeom prst="rect">
+            <a:avLst/>
+          </a:prstGeom>
+          <a:noFill/>
+        </p:spPr>
+        <p:txBody>
+          <a:bodyPr wrap="none">
+            <a:spAutoFit/>
+          </a:bodyPr>
+          <a:lstStyle/>
+          <a:p>
+            <a:pPr>
+              <a:defRPr sz="1100" b="1">
+                <a:solidFill>
+                  <a:schemeClr val="accent6"/>
+                </a:solidFill>
+              </a:defRPr>
+            </a:pPr>
+            <a:r>
+              <a:t>Des entreprises britanniques spécialisées dans la mise à disposition de solutions de RPA</a:t>
+            </a:r>
+          </a:p>
+        </p:txBody>
+      </p:sp>
+    </p:spTree>
+  </p:cSld>
+  <p:clrMapOvr>
+    <a:masterClrMapping/>
+  </p:clrMapOvr>
+</p:sld>
+</file>
+
+<file path=ppt/slides/slide7.xml><?xml version="1.0" encoding="utf-8"?>
+<p:sld xmlns:a="http://schemas.openxmlformats.org/drawingml/2006/main" xmlns:p="http://schemas.openxmlformats.org/presentationml/2006/main" xmlns:r="http://schemas.openxmlformats.org/officeDocument/2006/relationships">
+  <p:cSld>
+    <p:spTree>
+      <p:nvGrpSpPr>
+        <p:cNvPr id="1" name=""/>
+        <p:cNvGrpSpPr/>
+        <p:nvPr/>
+      </p:nvGrpSpPr>
+      <p:grpSpPr/>
+      <p:sp>
+        <p:nvSpPr>
+          <p:cNvPr id="3" name="TextBox 2"/>
+          <p:cNvSpPr txBox="1"/>
+          <p:nvPr/>
+        </p:nvSpPr>
+        <p:spPr>
+          <a:xfrm>
+            <a:off x="0" y="0"/>
+            <a:ext cx="6858000" cy="3134078"/>
+          </a:xfrm>
+          <a:prstGeom prst="rect">
+            <a:avLst/>
+          </a:prstGeom>
+          <a:noFill/>
+        </p:spPr>
+        <p:txBody>
+          <a:bodyPr wrap="none">
+            <a:spAutoFit/>
+          </a:bodyPr>
+          <a:lstStyle/>
+          <a:p>
+            <a:pPr>
+              <a:defRPr sz="1000"/>
+            </a:pPr>
+            <a:r>
+              <a:t>L'entreprise SS&amp;C BLUE PRISM¹⁵ se positionne comme un acteur majeur dans le développement et la</a:t>
+            </a:r>
+            <a:br/>
+            <a:r>
+              <a:t>diffusion de la RPA dans le monde. Elle s'est distinguée en proposant à de nombreuses sociétés</a:t>
+            </a:r>
+            <a:br/>
+            <a:r>
+              <a:t>ses outils innovants tels que Blue Prism Cloud SaaS, une solution entièrement gérée et hébergée</a:t>
+            </a:r>
+            <a:br/>
+            <a:r>
+              <a:t>offrant un ensemble d'avantages sans inconvénients, et Robotic Operating Model (ROM), un modèle</a:t>
+            </a:r>
+            <a:br/>
+            <a:r>
+              <a:t>opérationnel éprouvé permettant de déployer, gérer et développer efficacement leur programme</a:t>
+            </a:r>
+            <a:br/>
+            <a:r>
+              <a:t>d'automatisation intelligente. Considérant la variété et la polyvalence des solutions proposées</a:t>
+            </a:r>
+            <a:br/>
+            <a:r>
+              <a:t>par cette entreprise, elle dessert une large gamme de clients¹⁶, englobant les secteurs</a:t>
+            </a:r>
+            <a:br/>
+            <a:r>
+              <a:t>bancaires, financiers, industriels, publics et des télécommunications. Pour preuve, l'une de ses</a:t>
+            </a:r>
+            <a:br/>
+            <a:r>
+              <a:t>ambitions majeures est de stimuler la transformation digitale des institutions bancaires et</a:t>
+            </a:r>
+            <a:br/>
+            <a:r>
+              <a:t>financières grâce à l'automatisation. Dans le secteur des télécommunications, elle envisage</a:t>
+            </a:r>
+            <a:br/>
+            <a:r>
+              <a:t>d'utiliser l'automatisation pour moderniser des modèles opérationnels parfois obsolètes, afin de</a:t>
+            </a:r>
+            <a:br/>
+            <a:r>
+              <a:t>fournir de nouveaux services omnicanals qui accompagneront l'avènement de la 5G et de l'Internet</a:t>
+            </a:r>
+            <a:br/>
+            <a:r>
+              <a:t>des Objets (IoT). Cette stratégie lui permettra de répondre aux attentes grandissantes des</a:t>
+            </a:r>
+            <a:br/>
+            <a:r>
+              <a:t>clients. Pour le secteur industriel, confronté à des défis tels que les conditions changeantes du</a:t>
+            </a:r>
+            <a:br/>
+            <a:r>
+              <a:t>marché, les pénuries de compétences et l'apparition de nouveaux concurrents, il apparait évident</a:t>
+            </a:r>
+            <a:br/>
+            <a:r>
+              <a:t>que l'heure est résolument au changement. C'est dans ce contexte que SS&amp;C BLUE PRISM envisage</a:t>
+            </a:r>
+            <a:br/>
+            <a:r>
+              <a:t>d'apporter sa contribution grâce à la RPA, permettant une transformation numérique soutenue et</a:t>
+            </a:r>
+            <a:br/>
+            <a:r>
+              <a:t>efficace. La jonction de cette vision aux capacités techniques reconnues de cette entreprise lui</a:t>
+            </a:r>
+            <a:br/>
+            <a:r>
+              <a:t>a ainsi permis de tisser un vaste réseau de partenaires à l’instar de microsoft, IBM ou encore</a:t>
+            </a:r>
+            <a:br/>
+            <a:r>
+              <a:t>google.</a:t>
+            </a:r>
+          </a:p>
+        </p:txBody>
+      </p:sp>
+      <p:sp>
+        <p:nvSpPr>
+          <p:cNvPr id="4" name="TextBox 3"/>
+          <p:cNvSpPr txBox="1"/>
+          <p:nvPr/>
+        </p:nvSpPr>
+        <p:spPr>
+          <a:xfrm>
+            <a:off x="138545" y="3134078"/>
+            <a:ext cx="6858000" cy="274320"/>
+          </a:xfrm>
+          <a:prstGeom prst="rect">
+            <a:avLst/>
+          </a:prstGeom>
+          <a:noFill/>
+        </p:spPr>
+        <p:txBody>
+          <a:bodyPr wrap="none">
+            <a:spAutoFit/>
+          </a:bodyPr>
+          <a:lstStyle/>
+          <a:p>
+            <a:pPr>
+              <a:defRPr sz="1100" b="1">
+                <a:solidFill>
+                  <a:schemeClr val="accent6"/>
+                </a:solidFill>
+              </a:defRPr>
+            </a:pPr>
+            <a:r>
+              <a:t>La construction de solutions RPA, l’exemple du géant Roumain UI PATH</a:t>
+            </a:r>
+          </a:p>
+        </p:txBody>
+      </p:sp>
+      <p:sp>
+        <p:nvSpPr>
+          <p:cNvPr id="5" name="TextBox 4"/>
+          <p:cNvSpPr txBox="1"/>
+          <p:nvPr/>
+        </p:nvSpPr>
+        <p:spPr>
+          <a:xfrm>
+            <a:off x="0" y="3408398"/>
+            <a:ext cx="6858000" cy="2881402"/>
+          </a:xfrm>
+          <a:prstGeom prst="rect">
+            <a:avLst/>
+          </a:prstGeom>
+          <a:noFill/>
+        </p:spPr>
+        <p:txBody>
+          <a:bodyPr wrap="none">
+            <a:spAutoFit/>
+          </a:bodyPr>
+          <a:lstStyle/>
+          <a:p>
+            <a:pPr>
+              <a:defRPr sz="1000"/>
+            </a:pPr>
+            <a:r>
               <a:t>UIPath¹⁷, une société roumaine émergente, s'est taillé une place enviable sur le marché mondial</a:t>
             </a:r>
             <a:br/>
@@ -5445,8 +8236,8 @@
         </p:nvSpPr>
         <p:spPr>
           <a:xfrm>
-            <a:off x="138545" y="6304800"/>
-            <a:ext cx="6557819" cy="400000"/>
+            <a:off x="147782" y="6304800"/>
+            <a:ext cx="6567054" cy="400000"/>
           </a:xfrm>
         </p:spPr>
         <p:txBody>
@@ -5865,303 +8656,303 @@
   <a:extraClrSchemeLst/>
   <a:extLst>
     <a:ext uri="{05A4C25C-085E-4340-85A3-A5531E510DB2}">
-      <thm15:themeFamily xmlns:thm15="http://schemas.microsoft.com/office/thememl/2012/main" name="Présentation2" id="{98E3EF8D-3AE1-4F3E-AD2C-1157F892F0CB}" vid="{FBFA307E-815D-455B-B929-8562E51AC0D1}"/>
+      <thm15:themeFamily xmlns:thm15="http://schemas.microsoft.com/office/thememl/2012/main" name="Présentation1" id="{C577DBD8-E102-480F-B690-F97E32AFFD3B}" vid="{35CE7103-C45E-46BE-BF95-841ECDB2EEB3}"/>
     </a:ext>
   </a:extLst>
 </a:theme>
 </file>
 
-<file path=customXml/item1.xml><?xml version="1.0" encoding="utf-8"?>
-<p:properties xmlns:p="http://schemas.microsoft.com/office/2006/metadata/properties" xmlns:xsi="http://www.w3.org/2001/XMLSchema-instance" xmlns:pc="http://schemas.microsoft.com/office/infopath/2007/PartnerControls">
-  <documentManagement>
-    <lcf76f155ced4ddcb4097134ff3c332f xmlns="81c9f6d7-38be-4b6f-ac7a-53278e4778cd">
-      <Terms xmlns="http://schemas.microsoft.com/office/infopath/2007/PartnerControls"/>
-    </lcf76f155ced4ddcb4097134ff3c332f>
-    <TaxCatchAll xmlns="562370e7-b28b-48b8-b232-8034dde365ed" xsi:nil="true"/>
-  </documentManagement>
-</p:properties>
-</file>
-
-<file path=customXml/item2.xml><?xml version="1.0" encoding="utf-8"?>
-<?mso-contentType ?>
-<FormTemplates xmlns="http://schemas.microsoft.com/sharepoint/v3/contenttype/forms">
-  <Display>DocumentLibraryForm</Display>
-  <Edit>DocumentLibraryForm</Edit>
-  <New>DocumentLibraryForm</New>
-</FormTemplates>
-</file>
-
-<file path=customXml/item3.xml><?xml version="1.0" encoding="utf-8"?>
-<ct:contentTypeSchema xmlns:ct="http://schemas.microsoft.com/office/2006/metadata/contentType" xmlns:ma="http://schemas.microsoft.com/office/2006/metadata/properties/metaAttributes" ct:_="" ma:_="" ma:contentTypeName="Document" ma:contentTypeID="0x010100502947A9A1BFB64E940A6360D3C2E9FF" ma:contentTypeVersion="15" ma:contentTypeDescription="Crée un document." ma:contentTypeScope="" ma:versionID="ab003bcfa122b52dea7dac2dc4c56070">
-  <xsd:schema xmlns:xsd="http://www.w3.org/2001/XMLSchema" xmlns:xs="http://www.w3.org/2001/XMLSchema" xmlns:p="http://schemas.microsoft.com/office/2006/metadata/properties" xmlns:ns2="81c9f6d7-38be-4b6f-ac7a-53278e4778cd" xmlns:ns3="562370e7-b28b-48b8-b232-8034dde365ed" targetNamespace="http://schemas.microsoft.com/office/2006/metadata/properties" ma:root="true" ma:fieldsID="55310cbb28621703c25a0ab43cf87825" ns2:_="" ns3:_="">
-    <xsd:import namespace="81c9f6d7-38be-4b6f-ac7a-53278e4778cd"/>
-    <xsd:import namespace="562370e7-b28b-48b8-b232-8034dde365ed"/>
-    <xsd:element name="properties">
-      <xsd:complexType>
-        <xsd:sequence>
-          <xsd:element name="documentManagement">
-            <xsd:complexType>
-              <xsd:all>
-                <xsd:element ref="ns2:MediaServiceMetadata" minOccurs="0"/>
-                <xsd:element ref="ns2:MediaServiceFastMetadata" minOccurs="0"/>
-                <xsd:element ref="ns3:SharedWithUsers" minOccurs="0"/>
-                <xsd:element ref="ns3:SharedWithDetails" minOccurs="0"/>
-                <xsd:element ref="ns2:MediaServiceAutoKeyPoints" minOccurs="0"/>
-                <xsd:element ref="ns2:MediaServiceKeyPoints" minOccurs="0"/>
-                <xsd:element ref="ns2:MediaServiceAutoTags" minOccurs="0"/>
-                <xsd:element ref="ns2:MediaServiceOCR" minOccurs="0"/>
-                <xsd:element ref="ns2:MediaServiceGenerationTime" minOccurs="0"/>
-                <xsd:element ref="ns2:MediaServiceEventHashCode" minOccurs="0"/>
-                <xsd:element ref="ns2:lcf76f155ced4ddcb4097134ff3c332f" minOccurs="0"/>
-                <xsd:element ref="ns3:TaxCatchAll" minOccurs="0"/>
-                <xsd:element ref="ns2:MediaServiceDateTaken" minOccurs="0"/>
-                <xsd:element ref="ns2:MediaServiceLocation" minOccurs="0"/>
-              </xsd:all>
-            </xsd:complexType>
-          </xsd:element>
-        </xsd:sequence>
-      </xsd:complexType>
-    </xsd:element>
-  </xsd:schema>
-  <xsd:schema xmlns:xsd="http://www.w3.org/2001/XMLSchema" xmlns:xs="http://www.w3.org/2001/XMLSchema" xmlns:dms="http://schemas.microsoft.com/office/2006/documentManagement/types" xmlns:pc="http://schemas.microsoft.com/office/infopath/2007/PartnerControls" targetNamespace="81c9f6d7-38be-4b6f-ac7a-53278e4778cd" elementFormDefault="qualified">
-    <xsd:import namespace="http://schemas.microsoft.com/office/2006/documentManagement/types"/>
-    <xsd:import namespace="http://schemas.microsoft.com/office/infopath/2007/PartnerControls"/>
-    <xsd:element name="MediaServiceMetadata" ma:index="8" nillable="true" ma:displayName="MediaServiceMetadata" ma:hidden="true" ma:internalName="MediaServiceMetadata" ma:readOnly="true">
-      <xsd:simpleType>
-        <xsd:restriction base="dms:Note"/>
-      </xsd:simpleType>
-    </xsd:element>
-    <xsd:element name="MediaServiceFastMetadata" ma:index="9" nillable="true" ma:displayName="MediaServiceFastMetadata" ma:hidden="true" ma:internalName="MediaServiceFastMetadata" ma:readOnly="true">
-      <xsd:simpleType>
-        <xsd:restriction base="dms:Note"/>
-      </xsd:simpleType>
-    </xsd:element>
-    <xsd:element name="MediaServiceAutoKeyPoints" ma:index="12" nillable="true" ma:displayName="MediaServiceAutoKeyPoints" ma:hidden="true" ma:internalName="MediaServiceAutoKeyPoints" ma:readOnly="true">
-      <xsd:simpleType>
-        <xsd:restriction base="dms:Note"/>
-      </xsd:simpleType>
-    </xsd:element>
-    <xsd:element name="MediaServiceKeyPoints" ma:index="13" nillable="true" ma:displayName="KeyPoints" ma:internalName="MediaServiceKeyPoints" ma:readOnly="true">
-      <xsd:simpleType>
-        <xsd:restriction base="dms:Note">
-          <xsd:maxLength value="255"/>
-        </xsd:restriction>
-      </xsd:simpleType>
-    </xsd:element>
-    <xsd:element name="MediaServiceAutoTags" ma:index="14" nillable="true" ma:displayName="Tags" ma:internalName="MediaServiceAutoTags" ma:readOnly="true">
-      <xsd:simpleType>
-        <xsd:restriction base="dms:Text"/>
-      </xsd:simpleType>
-    </xsd:element>
-    <xsd:element name="MediaServiceOCR" ma:index="15" nillable="true" ma:displayName="Extracted Text" ma:internalName="MediaServiceOCR" ma:readOnly="true">
-      <xsd:simpleType>
-        <xsd:restriction base="dms:Note">
-          <xsd:maxLength value="255"/>
-        </xsd:restriction>
-      </xsd:simpleType>
-    </xsd:element>
-    <xsd:element name="MediaServiceGenerationTime" ma:index="16" nillable="true" ma:displayName="MediaServiceGenerationTime" ma:hidden="true" ma:internalName="MediaServiceGenerationTime" ma:readOnly="true">
-      <xsd:simpleType>
-        <xsd:restriction base="dms:Text"/>
-      </xsd:simpleType>
-    </xsd:element>
-    <xsd:element name="MediaServiceEventHashCode" ma:index="17" nillable="true" ma:displayName="MediaServiceEventHashCode" ma:hidden="true" ma:internalName="MediaServiceEventHashCode" ma:readOnly="true">
-      <xsd:simpleType>
-        <xsd:restriction base="dms:Text"/>
-      </xsd:simpleType>
-    </xsd:element>
-    <xsd:element name="lcf76f155ced4ddcb4097134ff3c332f" ma:index="19" nillable="true" ma:taxonomy="true" ma:internalName="lcf76f155ced4ddcb4097134ff3c332f" ma:taxonomyFieldName="MediaServiceImageTags" ma:displayName="Balises d’images" ma:readOnly="false" ma:fieldId="{5cf76f15-5ced-4ddc-b409-7134ff3c332f}" ma:taxonomyMulti="true" ma:sspId="dd77086a-2531-4352-ad34-78fda1dd9b79" ma:termSetId="09814cd3-568e-fe90-9814-8d621ff8fb84" ma:anchorId="fba54fb3-c3e1-fe81-a776-ca4b69148c4d" ma:open="true" ma:isKeyword="false">
-      <xsd:complexType>
-        <xsd:sequence>
-          <xsd:element ref="pc:Terms" minOccurs="0" maxOccurs="1"/>
-        </xsd:sequence>
-      </xsd:complexType>
-    </xsd:element>
-    <xsd:element name="MediaServiceDateTaken" ma:index="21" nillable="true" ma:displayName="MediaServiceDateTaken" ma:hidden="true" ma:internalName="MediaServiceDateTaken" ma:readOnly="true">
-      <xsd:simpleType>
-        <xsd:restriction base="dms:Text"/>
-      </xsd:simpleType>
-    </xsd:element>
-    <xsd:element name="MediaServiceLocation" ma:index="22" nillable="true" ma:displayName="Location" ma:internalName="MediaServiceLocation" ma:readOnly="true">
-      <xsd:simpleType>
-        <xsd:restriction base="dms:Text"/>
-      </xsd:simpleType>
-    </xsd:element>
-  </xsd:schema>
-  <xsd:schema xmlns:xsd="http://www.w3.org/2001/XMLSchema" xmlns:xs="http://www.w3.org/2001/XMLSchema" xmlns:dms="http://schemas.microsoft.com/office/2006/documentManagement/types" xmlns:pc="http://schemas.microsoft.com/office/infopath/2007/PartnerControls" targetNamespace="562370e7-b28b-48b8-b232-8034dde365ed" elementFormDefault="qualified">
-    <xsd:import namespace="http://schemas.microsoft.com/office/2006/documentManagement/types"/>
-    <xsd:import namespace="http://schemas.microsoft.com/office/infopath/2007/PartnerControls"/>
-    <xsd:element name="SharedWithUsers" ma:index="10" nillable="true" ma:displayName="Partagé avec" ma:internalName="SharedWithUsers" ma:readOnly="true">
-      <xsd:complexType>
-        <xsd:complexContent>
-          <xsd:extension base="dms:UserMulti">
-            <xsd:sequence>
-              <xsd:element name="UserInfo" minOccurs="0" maxOccurs="unbounded">
-                <xsd:complexType>
-                  <xsd:sequence>
-                    <xsd:element name="DisplayName" type="xsd:string" minOccurs="0"/>
-                    <xsd:element name="AccountId" type="dms:UserId" minOccurs="0" nillable="true"/>
-                    <xsd:element name="AccountType" type="xsd:string" minOccurs="0"/>
-                  </xsd:sequence>
-                </xsd:complexType>
-              </xsd:element>
-            </xsd:sequence>
-          </xsd:extension>
-        </xsd:complexContent>
-      </xsd:complexType>
-    </xsd:element>
-    <xsd:element name="SharedWithDetails" ma:index="11" nillable="true" ma:displayName="Partagé avec détails" ma:internalName="SharedWithDetails" ma:readOnly="true">
-      <xsd:simpleType>
-        <xsd:restriction base="dms:Note">
-          <xsd:maxLength value="255"/>
-        </xsd:restriction>
-      </xsd:simpleType>
-    </xsd:element>
-    <xsd:element name="TaxCatchAll" ma:index="20" nillable="true" ma:displayName="Taxonomy Catch All Column" ma:hidden="true" ma:list="{5814df3c-ecd8-48a0-baf1-1e2ca48c24eb}" ma:internalName="TaxCatchAll" ma:showField="CatchAllData" ma:web="562370e7-b28b-48b8-b232-8034dde365ed">
-      <xsd:complexType>
-        <xsd:complexContent>
-          <xsd:extension base="dms:MultiChoiceLookup">
-            <xsd:sequence>
-              <xsd:element name="Value" type="dms:Lookup" maxOccurs="unbounded" minOccurs="0" nillable="true"/>
-            </xsd:sequence>
-          </xsd:extension>
-        </xsd:complexContent>
-      </xsd:complexType>
-    </xsd:element>
-  </xsd:schema>
-  <xsd:schema xmlns="http://schemas.openxmlformats.org/package/2006/metadata/core-properties" xmlns:xsd="http://www.w3.org/2001/XMLSchema" xmlns:xsi="http://www.w3.org/2001/XMLSchema-instance" xmlns:dc="http://purl.org/dc/elements/1.1/" xmlns:dcterms="http://purl.org/dc/terms/" xmlns:odoc="http://schemas.microsoft.com/internal/obd" targetNamespace="http://schemas.openxmlformats.org/package/2006/metadata/core-properties" elementFormDefault="qualified" attributeFormDefault="unqualified" blockDefault="#all">
-    <xsd:import namespace="http://purl.org/dc/elements/1.1/" schemaLocation="http://dublincore.org/schemas/xmls/qdc/2003/04/02/dc.xsd"/>
-    <xsd:import namespace="http://purl.org/dc/terms/" schemaLocation="http://dublincore.org/schemas/xmls/qdc/2003/04/02/dcterms.xsd"/>
-    <xsd:element name="coreProperties" type="CT_coreProperties"/>
-    <xsd:complexType name="CT_coreProperties">
-      <xsd:all>
-        <xsd:element ref="dc:creator" minOccurs="0" maxOccurs="1"/>
-        <xsd:element ref="dcterms:created" minOccurs="0" maxOccurs="1"/>
-        <xsd:element ref="dc:identifier" minOccurs="0" maxOccurs="1"/>
-        <xsd:element name="contentType" minOccurs="0" maxOccurs="1" type="xsd:string" ma:index="0" ma:displayName="Type de contenu"/>
-        <xsd:element ref="dc:title" minOccurs="0" maxOccurs="1" ma:index="4" ma:displayName="Titre"/>
-        <xsd:element ref="dc:subject" minOccurs="0" maxOccurs="1"/>
-        <xsd:element ref="dc:description" minOccurs="0" maxOccurs="1"/>
-        <xsd:element name="keywords" minOccurs="0" maxOccurs="1" type="xsd:string"/>
-        <xsd:element ref="dc:language" minOccurs="0" maxOccurs="1"/>
-        <xsd:element name="category" minOccurs="0" maxOccurs="1" type="xsd:string"/>
-        <xsd:element name="version" minOccurs="0" maxOccurs="1" type="xsd:string"/>
-        <xsd:element name="revision" minOccurs="0" maxOccurs="1" type="xsd:string">
-          <xsd:annotation>
-            <xsd:documentation>
-                        This value indicates the number of saves or revisions. The application is responsible for updating this value after each revision.
-                    </xsd:documentation>
-          </xsd:annotation>
-        </xsd:element>
-        <xsd:element name="lastModifiedBy" minOccurs="0" maxOccurs="1" type="xsd:string"/>
-        <xsd:element ref="dcterms:modified" minOccurs="0" maxOccurs="1"/>
-        <xsd:element name="contentStatus" minOccurs="0" maxOccurs="1" type="xsd:string"/>
-      </xsd:all>
-    </xsd:complexType>
-  </xsd:schema>
-  <xs:schema xmlns:pc="http://schemas.microsoft.com/office/infopath/2007/PartnerControls" xmlns:xs="http://www.w3.org/2001/XMLSchema" targetNamespace="http://schemas.microsoft.com/office/infopath/2007/PartnerControls" elementFormDefault="qualified" attributeFormDefault="unqualified">
-    <xs:element name="Person">
-      <xs:complexType>
-        <xs:sequence>
-          <xs:element ref="pc:DisplayName" minOccurs="0"/>
-          <xs:element ref="pc:AccountId" minOccurs="0"/>
-          <xs:element ref="pc:AccountType" minOccurs="0"/>
-        </xs:sequence>
-      </xs:complexType>
-    </xs:element>
-    <xs:element name="DisplayName" type="xs:string"/>
-    <xs:element name="AccountId" type="xs:string"/>
-    <xs:element name="AccountType" type="xs:string"/>
-    <xs:element name="BDCAssociatedEntity">
-      <xs:complexType>
-        <xs:sequence>
-          <xs:element ref="pc:BDCEntity" minOccurs="0" maxOccurs="unbounded"/>
-        </xs:sequence>
-        <xs:attribute ref="pc:EntityNamespace"/>
-        <xs:attribute ref="pc:EntityName"/>
-        <xs:attribute ref="pc:SystemInstanceName"/>
-        <xs:attribute ref="pc:AssociationName"/>
-      </xs:complexType>
-    </xs:element>
-    <xs:attribute name="EntityNamespace" type="xs:string"/>
-    <xs:attribute name="EntityName" type="xs:string"/>
-    <xs:attribute name="SystemInstanceName" type="xs:string"/>
-    <xs:attribute name="AssociationName" type="xs:string"/>
-    <xs:element name="BDCEntity">
-      <xs:complexType>
-        <xs:sequence>
-          <xs:element ref="pc:EntityDisplayName" minOccurs="0"/>
-          <xs:element ref="pc:EntityInstanceReference" minOccurs="0"/>
-          <xs:element ref="pc:EntityId1" minOccurs="0"/>
-          <xs:element ref="pc:EntityId2" minOccurs="0"/>
-          <xs:element ref="pc:EntityId3" minOccurs="0"/>
-          <xs:element ref="pc:EntityId4" minOccurs="0"/>
-          <xs:element ref="pc:EntityId5" minOccurs="0"/>
-        </xs:sequence>
-      </xs:complexType>
-    </xs:element>
-    <xs:element name="EntityDisplayName" type="xs:string"/>
-    <xs:element name="EntityInstanceReference" type="xs:string"/>
-    <xs:element name="EntityId1" type="xs:string"/>
-    <xs:element name="EntityId2" type="xs:string"/>
-    <xs:element name="EntityId3" type="xs:string"/>
-    <xs:element name="EntityId4" type="xs:string"/>
-    <xs:element name="EntityId5" type="xs:string"/>
-    <xs:element name="Terms">
-      <xs:complexType>
-        <xs:sequence>
-          <xs:element ref="pc:TermInfo" minOccurs="0" maxOccurs="unbounded"/>
-        </xs:sequence>
-      </xs:complexType>
-    </xs:element>
-    <xs:element name="TermInfo">
-      <xs:complexType>
-        <xs:sequence>
-          <xs:element ref="pc:TermName" minOccurs="0"/>
-          <xs:element ref="pc:TermId" minOccurs="0"/>
-        </xs:sequence>
-      </xs:complexType>
-    </xs:element>
-    <xs:element name="TermName" type="xs:string"/>
-    <xs:element name="TermId" type="xs:string"/>
-  </xs:schema>
-</ct:contentTypeSchema>
-</file>
-
-<file path=customXml/itemProps1.xml><?xml version="1.0" encoding="utf-8"?>
-<ds:datastoreItem xmlns:ds="http://schemas.openxmlformats.org/officeDocument/2006/customXml" ds:itemID="{A45BB609-F779-4F94-8F0F-E58FEFAE2A71}">
-  <ds:schemaRefs>
-    <ds:schemaRef ds:uri="http://schemas.microsoft.com/office/2006/metadata/properties"/>
-    <ds:schemaRef ds:uri="http://schemas.microsoft.com/office/infopath/2007/PartnerControls"/>
-    <ds:schemaRef ds:uri="81c9f6d7-38be-4b6f-ac7a-53278e4778cd"/>
-    <ds:schemaRef ds:uri="562370e7-b28b-48b8-b232-8034dde365ed"/>
-  </ds:schemaRefs>
-</ds:datastoreItem>
-</file>
-
-<file path=customXml/itemProps2.xml><?xml version="1.0" encoding="utf-8"?>
-<ds:datastoreItem xmlns:ds="http://schemas.openxmlformats.org/officeDocument/2006/customXml" ds:itemID="{E7602958-60E1-487C-ACC9-EB76AC6FDB67}">
-  <ds:schemaRefs>
-    <ds:schemaRef ds:uri="http://schemas.microsoft.com/sharepoint/v3/contenttype/forms"/>
-  </ds:schemaRefs>
-</ds:datastoreItem>
-</file>
-
-<file path=customXml/itemProps3.xml><?xml version="1.0" encoding="utf-8"?>
-<ds:datastoreItem xmlns:ds="http://schemas.openxmlformats.org/officeDocument/2006/customXml" ds:itemID="{4A8F2A6D-7532-4406-AC95-24F2E64325E7}">
-  <ds:schemaRefs>
-    <ds:schemaRef ds:uri="http://schemas.microsoft.com/office/2006/metadata/contentType"/>
-    <ds:schemaRef ds:uri="http://schemas.microsoft.com/office/2006/metadata/properties/metaAttributes"/>
-    <ds:schemaRef ds:uri="http://www.w3.org/2001/XMLSchema"/>
-    <ds:schemaRef ds:uri="http://schemas.microsoft.com/office/2006/metadata/properties"/>
-    <ds:schemaRef ds:uri="81c9f6d7-38be-4b6f-ac7a-53278e4778cd"/>
-    <ds:schemaRef ds:uri="562370e7-b28b-48b8-b232-8034dde365ed"/>
-    <ds:schemaRef ds:uri="http://schemas.microsoft.com/office/2006/documentManagement/types"/>
-    <ds:schemaRef ds:uri="http://schemas.microsoft.com/office/infopath/2007/PartnerControls"/>
-    <ds:schemaRef ds:uri="http://schemas.openxmlformats.org/package/2006/metadata/core-properties"/>
-    <ds:schemaRef ds:uri="http://purl.org/dc/elements/1.1/"/>
-    <ds:schemaRef ds:uri="http://purl.org/dc/terms/"/>
-    <ds:schemaRef ds:uri="http://schemas.microsoft.com/internal/obd"/>
-  </ds:schemaRefs>
-</ds:datastoreItem>
+<file path=ppt/theme/theme2.xml><?xml version="1.0" encoding="utf-8"?>
+<a:theme xmlns:a="http://schemas.openxmlformats.org/drawingml/2006/main" name="Thème Office">
+  <a:themeElements>
+    <a:clrScheme name="Office">
+      <a:dk1>
+        <a:sysClr val="windowText" lastClr="000000"/>
+      </a:dk1>
+      <a:lt1>
+        <a:sysClr val="window" lastClr="FFFFFF"/>
+      </a:lt1>
+      <a:dk2>
+        <a:srgbClr val="44546A"/>
+      </a:dk2>
+      <a:lt2>
+        <a:srgbClr val="E7E6E6"/>
+      </a:lt2>
+      <a:accent1>
+        <a:srgbClr val="4472C4"/>
+      </a:accent1>
+      <a:accent2>
+        <a:srgbClr val="ED7D31"/>
+      </a:accent2>
+      <a:accent3>
+        <a:srgbClr val="A5A5A5"/>
+      </a:accent3>
+      <a:accent4>
+        <a:srgbClr val="FFC000"/>
+      </a:accent4>
+      <a:accent5>
+        <a:srgbClr val="5B9BD5"/>
+      </a:accent5>
+      <a:accent6>
+        <a:srgbClr val="70AD47"/>
+      </a:accent6>
+      <a:hlink>
+        <a:srgbClr val="0563C1"/>
+      </a:hlink>
+      <a:folHlink>
+        <a:srgbClr val="954F72"/>
+      </a:folHlink>
+    </a:clrScheme>
+    <a:fontScheme name="Office">
+      <a:majorFont>
+        <a:latin typeface="Calibri Light" panose="020F0302020204030204"/>
+        <a:ea typeface=""/>
+        <a:cs typeface=""/>
+        <a:font script="Jpan" typeface="游ゴシック Light"/>
+        <a:font script="Hang" typeface="맑은 고딕"/>
+        <a:font script="Hans" typeface="等线 Light"/>
+        <a:font script="Hant" typeface="新細明體"/>
+        <a:font script="Arab" typeface="Times New Roman"/>
+        <a:font script="Hebr" typeface="Times New Roman"/>
+        <a:font script="Thai" typeface="Angsana New"/>
+        <a:font script="Ethi" typeface="Nyala"/>
+        <a:font script="Beng" typeface="Vrinda"/>
+        <a:font script="Gujr" typeface="Shruti"/>
+        <a:font script="Khmr" typeface="MoolBoran"/>
+        <a:font script="Knda" typeface="Tunga"/>
+        <a:font script="Guru" typeface="Raavi"/>
+        <a:font script="Cans" typeface="Euphemia"/>
+        <a:font script="Cher" typeface="Plantagenet Cherokee"/>
+        <a:font script="Yiii" typeface="Microsoft Yi Baiti"/>
+        <a:font script="Tibt" typeface="Microsoft Himalaya"/>
+        <a:font script="Thaa" typeface="MV Boli"/>
+        <a:font script="Deva" typeface="Mangal"/>
+        <a:font script="Telu" typeface="Gautami"/>
+        <a:font script="Taml" typeface="Latha"/>
+        <a:font script="Syrc" typeface="Estrangelo Edessa"/>
+        <a:font script="Orya" typeface="Kalinga"/>
+        <a:font script="Mlym" typeface="Kartika"/>
+        <a:font script="Laoo" typeface="DokChampa"/>
+        <a:font script="Sinh" typeface="Iskoola Pota"/>
+        <a:font script="Mong" typeface="Mongolian Baiti"/>
+        <a:font script="Viet" typeface="Times New Roman"/>
+        <a:font script="Uigh" typeface="Microsoft Uighur"/>
+        <a:font script="Geor" typeface="Sylfaen"/>
+        <a:font script="Armn" typeface="Arial"/>
+        <a:font script="Bugi" typeface="Leelawadee UI"/>
+        <a:font script="Bopo" typeface="Microsoft JhengHei"/>
+        <a:font script="Java" typeface="Javanese Text"/>
+        <a:font script="Lisu" typeface="Segoe UI"/>
+        <a:font script="Mymr" typeface="Myanmar Text"/>
+        <a:font script="Nkoo" typeface="Ebrima"/>
+        <a:font script="Olck" typeface="Nirmala UI"/>
+        <a:font script="Osma" typeface="Ebrima"/>
+        <a:font script="Phag" typeface="Phagspa"/>
+        <a:font script="Syrn" typeface="Estrangelo Edessa"/>
+        <a:font script="Syrj" typeface="Estrangelo Edessa"/>
+        <a:font script="Syre" typeface="Estrangelo Edessa"/>
+        <a:font script="Sora" typeface="Nirmala UI"/>
+        <a:font script="Tale" typeface="Microsoft Tai Le"/>
+        <a:font script="Talu" typeface="Microsoft New Tai Lue"/>
+        <a:font script="Tfng" typeface="Ebrima"/>
+      </a:majorFont>
+      <a:minorFont>
+        <a:latin typeface="Calibri" panose="020F0502020204030204"/>
+        <a:ea typeface=""/>
+        <a:cs typeface=""/>
+        <a:font script="Jpan" typeface="游ゴシック"/>
+        <a:font script="Hang" typeface="맑은 고딕"/>
+        <a:font script="Hans" typeface="等线"/>
+        <a:font script="Hant" typeface="新細明體"/>
+        <a:font script="Arab" typeface="Arial"/>
+        <a:font script="Hebr" typeface="Arial"/>
+        <a:font script="Thai" typeface="Cordia New"/>
+        <a:font script="Ethi" typeface="Nyala"/>
+        <a:font script="Beng" typeface="Vrinda"/>
+        <a:font script="Gujr" typeface="Shruti"/>
+        <a:font script="Khmr" typeface="DaunPenh"/>
+        <a:font script="Knda" typeface="Tunga"/>
+        <a:font script="Guru" typeface="Raavi"/>
+        <a:font script="Cans" typeface="Euphemia"/>
+        <a:font script="Cher" typeface="Plantagenet Cherokee"/>
+        <a:font script="Yiii" typeface="Microsoft Yi Baiti"/>
+        <a:font script="Tibt" typeface="Microsoft Himalaya"/>
+        <a:font script="Thaa" typeface="MV Boli"/>
+        <a:font script="Deva" typeface="Mangal"/>
+        <a:font script="Telu" typeface="Gautami"/>
+        <a:font script="Taml" typeface="Latha"/>
+        <a:font script="Syrc" typeface="Estrangelo Edessa"/>
+        <a:font script="Orya" typeface="Kalinga"/>
+        <a:font script="Mlym" typeface="Kartika"/>
+        <a:font script="Laoo" typeface="DokChampa"/>
+        <a:font script="Sinh" typeface="Iskoola Pota"/>
+        <a:font script="Mong" typeface="Mongolian Baiti"/>
+        <a:font script="Viet" typeface="Arial"/>
+        <a:font script="Uigh" typeface="Microsoft Uighur"/>
+        <a:font script="Geor" typeface="Sylfaen"/>
+        <a:font script="Armn" typeface="Arial"/>
+        <a:font script="Bugi" typeface="Leelawadee UI"/>
+        <a:font script="Bopo" typeface="Microsoft JhengHei"/>
+        <a:font script="Java" typeface="Javanese Text"/>
+        <a:font script="Lisu" typeface="Segoe UI"/>
+        <a:font script="Mymr" typeface="Myanmar Text"/>
+        <a:font script="Nkoo" typeface="Ebrima"/>
+        <a:font script="Olck" typeface="Nirmala UI"/>
+        <a:font script="Osma" typeface="Ebrima"/>
+        <a:font script="Phag" typeface="Phagspa"/>
+        <a:font script="Syrn" typeface="Estrangelo Edessa"/>
+        <a:font script="Syrj" typeface="Estrangelo Edessa"/>
+        <a:font script="Syre" typeface="Estrangelo Edessa"/>
+        <a:font script="Sora" typeface="Nirmala UI"/>
+        <a:font script="Tale" typeface="Microsoft Tai Le"/>
+        <a:font script="Talu" typeface="Microsoft New Tai Lue"/>
+        <a:font script="Tfng" typeface="Ebrima"/>
+      </a:minorFont>
+    </a:fontScheme>
+    <a:fmtScheme name="Office">
+      <a:fillStyleLst>
+        <a:solidFill>
+          <a:schemeClr val="phClr"/>
+        </a:solidFill>
+        <a:gradFill rotWithShape="1">
+          <a:gsLst>
+            <a:gs pos="0">
+              <a:schemeClr val="phClr">
+                <a:lumMod val="110000"/>
+                <a:satMod val="105000"/>
+                <a:tint val="67000"/>
+              </a:schemeClr>
+            </a:gs>
+            <a:gs pos="50000">
+              <a:schemeClr val="phClr">
+                <a:lumMod val="105000"/>
+                <a:satMod val="103000"/>
+                <a:tint val="73000"/>
+              </a:schemeClr>
+            </a:gs>
+            <a:gs pos="100000">
+              <a:schemeClr val="phClr">
+                <a:lumMod val="105000"/>
+                <a:satMod val="109000"/>
+                <a:tint val="81000"/>
+              </a:schemeClr>
+            </a:gs>
+          </a:gsLst>
+          <a:lin ang="5400000" scaled="0"/>
+        </a:gradFill>
+        <a:gradFill rotWithShape="1">
+          <a:gsLst>
+            <a:gs pos="0">
+              <a:schemeClr val="phClr">
+                <a:satMod val="103000"/>
+                <a:lumMod val="102000"/>
+                <a:tint val="94000"/>
+              </a:schemeClr>
+            </a:gs>
+            <a:gs pos="50000">
+              <a:schemeClr val="phClr">
+                <a:satMod val="110000"/>
+                <a:lumMod val="100000"/>
+                <a:shade val="100000"/>
+              </a:schemeClr>
+            </a:gs>
+            <a:gs pos="100000">
+              <a:schemeClr val="phClr">
+                <a:lumMod val="99000"/>
+                <a:satMod val="120000"/>
+                <a:shade val="78000"/>
+              </a:schemeClr>
+            </a:gs>
+          </a:gsLst>
+          <a:lin ang="5400000" scaled="0"/>
+        </a:gradFill>
+      </a:fillStyleLst>
+      <a:lnStyleLst>
+        <a:ln w="6350" cap="flat" cmpd="sng" algn="ctr">
+          <a:solidFill>
+            <a:schemeClr val="phClr"/>
+          </a:solidFill>
+          <a:prstDash val="solid"/>
+          <a:miter lim="800000"/>
+        </a:ln>
+        <a:ln w="12700" cap="flat" cmpd="sng" algn="ctr">
+          <a:solidFill>
+            <a:schemeClr val="phClr"/>
+          </a:solidFill>
+          <a:prstDash val="solid"/>
+          <a:miter lim="800000"/>
+        </a:ln>
+        <a:ln w="19050" cap="flat" cmpd="sng" algn="ctr">
+          <a:solidFill>
+            <a:schemeClr val="phClr"/>
+          </a:solidFill>
+          <a:prstDash val="solid"/>
+          <a:miter lim="800000"/>
+        </a:ln>
+      </a:lnStyleLst>
+      <a:effectStyleLst>
+        <a:effectStyle>
+          <a:effectLst/>
+        </a:effectStyle>
+        <a:effectStyle>
+          <a:effectLst/>
+        </a:effectStyle>
+        <a:effectStyle>
+          <a:effectLst>
+            <a:outerShdw blurRad="57150" dist="19050" dir="5400000" algn="ctr" rotWithShape="0">
+              <a:srgbClr val="000000">
+                <a:alpha val="63000"/>
+              </a:srgbClr>
+            </a:outerShdw>
+          </a:effectLst>
+        </a:effectStyle>
+      </a:effectStyleLst>
+      <a:bgFillStyleLst>
+        <a:solidFill>
+          <a:schemeClr val="phClr"/>
+        </a:solidFill>
+        <a:solidFill>
+          <a:schemeClr val="phClr">
+            <a:tint val="95000"/>
+            <a:satMod val="170000"/>
+          </a:schemeClr>
+        </a:solidFill>
+        <a:gradFill rotWithShape="1">
+          <a:gsLst>
+            <a:gs pos="0">
+              <a:schemeClr val="phClr">
+                <a:tint val="93000"/>
+                <a:satMod val="150000"/>
+                <a:shade val="98000"/>
+                <a:lumMod val="102000"/>
+              </a:schemeClr>
+            </a:gs>
+            <a:gs pos="50000">
+              <a:schemeClr val="phClr">
+                <a:tint val="98000"/>
+                <a:satMod val="130000"/>
+                <a:shade val="90000"/>
+                <a:lumMod val="103000"/>
+              </a:schemeClr>
+            </a:gs>
+            <a:gs pos="100000">
+              <a:schemeClr val="phClr">
+                <a:shade val="63000"/>
+                <a:satMod val="120000"/>
+              </a:schemeClr>
+            </a:gs>
+          </a:gsLst>
+          <a:lin ang="5400000" scaled="0"/>
+        </a:gradFill>
+      </a:bgFillStyleLst>
+    </a:fmtScheme>
+  </a:themeElements>
+  <a:objectDefaults/>
+  <a:extraClrSchemeLst/>
+  <a:extLst>
+    <a:ext uri="{05A4C25C-085E-4340-85A3-A5531E510DB2}">
+      <thm15:themeFamily xmlns:thm15="http://schemas.microsoft.com/office/thememl/2012/main" name="Office Theme" id="{62F939B6-93AF-4DB8-9C6B-D6C7DFDC589F}" vid="{4A3C46E8-61CC-4603-A589-7422A47A8E4A}"/>
+    </a:ext>
+  </a:extLst>
+</a:theme>
 </file>
--- a/powerpoints/test.pptx
+++ b/powerpoints/test.pptx
@@ -2,19 +2,19 @@
 <file path=ppt/presentation.xml><?xml version="1.0" encoding="utf-8"?>
 <p:presentation xmlns:a="http://schemas.openxmlformats.org/drawingml/2006/main" xmlns:r="http://schemas.openxmlformats.org/officeDocument/2006/relationships" xmlns:p="http://schemas.openxmlformats.org/presentationml/2006/main" saveSubsetFonts="1">
   <p:sldMasterIdLst>
-    <p:sldMasterId id="2147483648" r:id="rId1"/>
+    <p:sldMasterId id="2147483648" r:id="rId4"/>
   </p:sldMasterIdLst>
   <p:notesMasterIdLst>
-    <p:notesMasterId r:id="rId5"/>
+    <p:notesMasterId r:id="rId8"/>
   </p:notesMasterIdLst>
   <p:sldIdLst>
-    <p:sldId id="256" r:id="rId2"/>
-    <p:sldId id="259" r:id="rId10"/>
-    <p:sldId id="260" r:id="rId11"/>
-    <p:sldId id="261" r:id="rId12"/>
+    <p:sldId id="261" r:id="rId5"/>
     <p:sldId id="262" r:id="rId13"/>
-    <p:sldId id="258" r:id="rId3"/>
-    <p:sldId id="257" r:id="rId4"/>
+    <p:sldId id="263" r:id="rId14"/>
+    <p:sldId id="264" r:id="rId15"/>
+    <p:sldId id="265" r:id="rId16"/>
+    <p:sldId id="260" r:id="rId6"/>
+    <p:sldId id="257" r:id="rId7"/>
   </p:sldIdLst>
   <p:sldSz cx="6858000" cy="9144000" type="letter"/>
   <p:notesSz cx="6858000" cy="9144000"/>
@@ -203,7 +203,7 @@
           <a:p>
             <a:fld id="{00130E6A-3DDB-480D-939A-6ADEF566873F}" type="datetimeFigureOut">
               <a:rPr lang="fr-CA" smtClean="0"/>
-              <a:t>2023-07-20</a:t>
+              <a:t>2023-08-02</a:t>
             </a:fld>
             <a:endParaRPr lang="fr-CA"/>
           </a:p>
@@ -498,15 +498,15 @@
       </p:grpSpPr>
       <p:pic>
         <p:nvPicPr>
-          <p:cNvPr id="4" name="Image 3" descr="Une image contenant texte, capture d’écran, Police, graphisme&#10;&#10;Description générée automatiquement">
-            <a:extLst>
-              <a:ext uri="{FF2B5EF4-FFF2-40B4-BE49-F238E27FC236}">
-                <a16:creationId xmlns:a16="http://schemas.microsoft.com/office/drawing/2014/main" id="{29F64939-4005-2211-3BAD-4A4D80FDC0DA}"/>
+          <p:cNvPr id="3" name="Image 2" descr="Une image contenant texte, capture d’écran, Police, graphisme&#10;&#10;Description générée automatiquement">
+            <a:extLst>
+              <a:ext uri="{FF2B5EF4-FFF2-40B4-BE49-F238E27FC236}">
+                <a16:creationId xmlns:a16="http://schemas.microsoft.com/office/drawing/2014/main" id="{FBCFE885-3C02-FA69-7FA3-0C7F61E94AC6}"/>
               </a:ext>
             </a:extLst>
           </p:cNvPr>
           <p:cNvPicPr>
-            <a:picLocks noChangeAspect="1"/>
+            <a:picLocks noGrp="1" noRot="1" noChangeAspect="1" noMove="1" noResize="1" noEditPoints="1" noAdjustHandles="1" noChangeArrowheads="1" noChangeShapeType="1" noCrop="1"/>
           </p:cNvPicPr>
           <p:nvPr userDrawn="1"/>
         </p:nvPicPr>
@@ -524,8 +524,8 @@
         </p:blipFill>
         <p:spPr>
           <a:xfrm>
-            <a:off x="159631" y="144996"/>
-            <a:ext cx="6531610" cy="2821921"/>
+            <a:off x="159631" y="151314"/>
+            <a:ext cx="6530975" cy="2821647"/>
           </a:xfrm>
           <a:prstGeom prst="rect">
             <a:avLst/>
@@ -905,7 +905,7 @@
           <a:p>
             <a:fld id="{4A7B7E9D-7D70-4B3C-87BC-005DA1C1BD48}" type="datetime1">
               <a:rPr lang="fr-CA" smtClean="0"/>
-              <a:t>2023-07-20</a:t>
+              <a:t>2023-08-02</a:t>
             </a:fld>
             <a:endParaRPr lang="fr-CA" dirty="0"/>
           </a:p>
@@ -982,8 +982,8 @@
 </file>
 
 <file path=ppt/slideLayouts/slideLayout10.xml><?xml version="1.0" encoding="utf-8"?>
-<p:sldLayout xmlns:a="http://schemas.openxmlformats.org/drawingml/2006/main" xmlns:r="http://schemas.openxmlformats.org/officeDocument/2006/relationships" xmlns:p="http://schemas.openxmlformats.org/presentationml/2006/main" preserve="1" userDrawn="1">
-  <p:cSld name="Disposition personnalisée">
+<p:sldLayout xmlns:a="http://schemas.openxmlformats.org/drawingml/2006/main" xmlns:r="http://schemas.openxmlformats.org/officeDocument/2006/relationships" xmlns:p="http://schemas.openxmlformats.org/presentationml/2006/main" userDrawn="1">
+  <p:cSld name="1_Titre et contenu">
     <p:spTree>
       <p:nvGrpSpPr>
         <p:cNvPr id="1" name=""/>
@@ -1000,18 +1000,66 @@
       </p:grpSpPr>
       <p:sp>
         <p:nvSpPr>
-          <p:cNvPr id="3" name="Espace réservé de la date 2">
-            <a:extLst>
-              <a:ext uri="{FF2B5EF4-FFF2-40B4-BE49-F238E27FC236}">
-                <a16:creationId xmlns:a16="http://schemas.microsoft.com/office/drawing/2014/main" id="{4CD33AA6-31E2-C534-947C-91113948E36D}"/>
-              </a:ext>
-            </a:extLst>
-          </p:cNvPr>
-          <p:cNvSpPr>
-            <a:spLocks noGrp="1"/>
-          </p:cNvSpPr>
-          <p:nvPr>
-            <p:ph type="dt" sz="half" idx="10"/>
+          <p:cNvPr id="2" name="Titre 1">
+            <a:extLst>
+              <a:ext uri="{FF2B5EF4-FFF2-40B4-BE49-F238E27FC236}">
+                <a16:creationId xmlns:a16="http://schemas.microsoft.com/office/drawing/2014/main" id="{2693A25B-1B21-A004-9917-0606623011DF}"/>
+              </a:ext>
+            </a:extLst>
+          </p:cNvPr>
+          <p:cNvSpPr>
+            <a:spLocks noGrp="1"/>
+          </p:cNvSpPr>
+          <p:nvPr>
+            <p:ph type="title"/>
+          </p:nvPr>
+        </p:nvSpPr>
+        <p:spPr>
+          <a:xfrm>
+            <a:off x="147782" y="150409"/>
+            <a:ext cx="6567054" cy="402041"/>
+          </a:xfrm>
+          <a:blipFill>
+            <a:blip r:embed="rId2"/>
+            <a:stretch>
+              <a:fillRect/>
+            </a:stretch>
+          </a:blipFill>
+        </p:spPr>
+        <p:txBody>
+          <a:bodyPr/>
+          <a:lstStyle>
+            <a:lvl1pPr>
+              <a:defRPr>
+                <a:solidFill>
+                  <a:schemeClr val="bg1"/>
+                </a:solidFill>
+              </a:defRPr>
+            </a:lvl1pPr>
+          </a:lstStyle>
+          <a:p>
+            <a:r>
+              <a:rPr lang="fr-CA"/>
+              <a:t>Modifier le style du titre</a:t>
+            </a:r>
+            <a:endParaRPr lang="fr-CA" dirty="0"/>
+          </a:p>
+        </p:txBody>
+      </p:sp>
+      <p:sp>
+        <p:nvSpPr>
+          <p:cNvPr id="5" name="Espace réservé de la date 4">
+            <a:extLst>
+              <a:ext uri="{FF2B5EF4-FFF2-40B4-BE49-F238E27FC236}">
+                <a16:creationId xmlns:a16="http://schemas.microsoft.com/office/drawing/2014/main" id="{D27A7487-1F32-6E00-DE0A-BD0FD5B45C5B}"/>
+              </a:ext>
+            </a:extLst>
+          </p:cNvPr>
+          <p:cNvSpPr>
+            <a:spLocks noGrp="1"/>
+          </p:cNvSpPr>
+          <p:nvPr>
+            <p:ph type="dt" sz="half" idx="20"/>
           </p:nvPr>
         </p:nvSpPr>
         <p:spPr/>
@@ -1019,9 +1067,9 @@
           <a:bodyPr/>
           <a:lstStyle/>
           <a:p>
-            <a:fld id="{2BB6E849-CDAE-4CB7-BDCD-8A94B458D42C}" type="datetime1">
+            <a:fld id="{7D873928-FB47-4F75-985E-993CE113AA76}" type="datetime1">
               <a:rPr lang="fr-CA" smtClean="0"/>
-              <a:t>2023-07-20</a:t>
+              <a:t>2023-08-02</a:t>
             </a:fld>
             <a:endParaRPr lang="fr-CA" dirty="0"/>
           </a:p>
@@ -1029,18 +1077,18 @@
       </p:sp>
       <p:sp>
         <p:nvSpPr>
-          <p:cNvPr id="4" name="Espace réservé du pied de page 3">
-            <a:extLst>
-              <a:ext uri="{FF2B5EF4-FFF2-40B4-BE49-F238E27FC236}">
-                <a16:creationId xmlns:a16="http://schemas.microsoft.com/office/drawing/2014/main" id="{8FA8114A-5E8A-0A66-4617-E273DA62EBCA}"/>
-              </a:ext>
-            </a:extLst>
-          </p:cNvPr>
-          <p:cNvSpPr>
-            <a:spLocks noGrp="1"/>
-          </p:cNvSpPr>
-          <p:nvPr>
-            <p:ph type="ftr" sz="quarter" idx="11"/>
+          <p:cNvPr id="6" name="Espace réservé du pied de page 5">
+            <a:extLst>
+              <a:ext uri="{FF2B5EF4-FFF2-40B4-BE49-F238E27FC236}">
+                <a16:creationId xmlns:a16="http://schemas.microsoft.com/office/drawing/2014/main" id="{92558362-B38A-3F7F-1253-01F80AE59F81}"/>
+              </a:ext>
+            </a:extLst>
+          </p:cNvPr>
+          <p:cNvSpPr>
+            <a:spLocks noGrp="1"/>
+          </p:cNvSpPr>
+          <p:nvPr>
+            <p:ph type="ftr" sz="quarter" idx="21"/>
           </p:nvPr>
         </p:nvSpPr>
         <p:spPr/>
@@ -1057,18 +1105,18 @@
       </p:sp>
       <p:sp>
         <p:nvSpPr>
-          <p:cNvPr id="5" name="Espace réservé du numéro de diapositive 4">
-            <a:extLst>
-              <a:ext uri="{FF2B5EF4-FFF2-40B4-BE49-F238E27FC236}">
-                <a16:creationId xmlns:a16="http://schemas.microsoft.com/office/drawing/2014/main" id="{5667D673-1422-0270-ED93-F9C293AC0B91}"/>
-              </a:ext>
-            </a:extLst>
-          </p:cNvPr>
-          <p:cNvSpPr>
-            <a:spLocks noGrp="1"/>
-          </p:cNvSpPr>
-          <p:nvPr>
-            <p:ph type="sldNum" sz="quarter" idx="12"/>
+          <p:cNvPr id="7" name="Espace réservé du numéro de diapositive 6">
+            <a:extLst>
+              <a:ext uri="{FF2B5EF4-FFF2-40B4-BE49-F238E27FC236}">
+                <a16:creationId xmlns:a16="http://schemas.microsoft.com/office/drawing/2014/main" id="{6CB49598-9947-B85A-A706-0D043A57032F}"/>
+              </a:ext>
+            </a:extLst>
+          </p:cNvPr>
+          <p:cNvSpPr>
+            <a:spLocks noGrp="1"/>
+          </p:cNvSpPr>
+          <p:nvPr>
+            <p:ph type="sldNum" sz="quarter" idx="22"/>
           </p:nvPr>
         </p:nvSpPr>
         <p:spPr/>
@@ -1087,7 +1135,7 @@
     </p:spTree>
     <p:extLst>
       <p:ext uri="{BB962C8B-B14F-4D97-AF65-F5344CB8AC3E}">
-        <p14:creationId xmlns:p14="http://schemas.microsoft.com/office/powerpoint/2010/main" val="2754173740"/>
+        <p14:creationId xmlns:p14="http://schemas.microsoft.com/office/powerpoint/2010/main" val="1744526088"/>
       </p:ext>
     </p:extLst>
   </p:cSld>
@@ -1124,15 +1172,15 @@
       </p:grpSpPr>
       <p:pic>
         <p:nvPicPr>
-          <p:cNvPr id="4" name="Image 3" descr="Une image contenant texte, capture d’écran, Police, graphisme&#10;&#10;Description générée automatiquement">
-            <a:extLst>
-              <a:ext uri="{FF2B5EF4-FFF2-40B4-BE49-F238E27FC236}">
-                <a16:creationId xmlns:a16="http://schemas.microsoft.com/office/drawing/2014/main" id="{29F64939-4005-2211-3BAD-4A4D80FDC0DA}"/>
+          <p:cNvPr id="5" name="Image 4" descr="Une image contenant texte, capture d’écran, Police, graphisme&#10;&#10;Description générée automatiquement">
+            <a:extLst>
+              <a:ext uri="{FF2B5EF4-FFF2-40B4-BE49-F238E27FC236}">
+                <a16:creationId xmlns:a16="http://schemas.microsoft.com/office/drawing/2014/main" id="{13745571-E581-A0B7-8D82-482C6CA6578C}"/>
               </a:ext>
             </a:extLst>
           </p:cNvPr>
           <p:cNvPicPr>
-            <a:picLocks noChangeAspect="1"/>
+            <a:picLocks noGrp="1" noRot="1" noChangeAspect="1" noMove="1" noResize="1" noEditPoints="1" noAdjustHandles="1" noChangeArrowheads="1" noChangeShapeType="1" noCrop="1"/>
           </p:cNvPicPr>
           <p:nvPr userDrawn="1"/>
         </p:nvPicPr>
@@ -1150,8 +1198,8 @@
         </p:blipFill>
         <p:spPr>
           <a:xfrm>
-            <a:off x="159631" y="144996"/>
-            <a:ext cx="6531610" cy="2821921"/>
+            <a:off x="159631" y="151314"/>
+            <a:ext cx="6530975" cy="2821647"/>
           </a:xfrm>
           <a:prstGeom prst="rect">
             <a:avLst/>
@@ -1531,7 +1579,7 @@
           <a:p>
             <a:fld id="{4A7B7E9D-7D70-4B3C-87BC-005DA1C1BD48}" type="datetime1">
               <a:rPr lang="fr-CA" smtClean="0"/>
-              <a:t>2023-07-20</a:t>
+              <a:t>2023-08-02</a:t>
             </a:fld>
             <a:endParaRPr lang="fr-CA" dirty="0"/>
           </a:p>
@@ -1713,15 +1761,15 @@
       </p:grpSpPr>
       <p:pic>
         <p:nvPicPr>
-          <p:cNvPr id="4" name="Image 3" descr="Une image contenant texte, capture d’écran, Police, graphisme&#10;&#10;Description générée automatiquement">
-            <a:extLst>
-              <a:ext uri="{FF2B5EF4-FFF2-40B4-BE49-F238E27FC236}">
-                <a16:creationId xmlns:a16="http://schemas.microsoft.com/office/drawing/2014/main" id="{29F64939-4005-2211-3BAD-4A4D80FDC0DA}"/>
+          <p:cNvPr id="5" name="Image 4" descr="Une image contenant texte, capture d’écran, Police, graphisme&#10;&#10;Description générée automatiquement">
+            <a:extLst>
+              <a:ext uri="{FF2B5EF4-FFF2-40B4-BE49-F238E27FC236}">
+                <a16:creationId xmlns:a16="http://schemas.microsoft.com/office/drawing/2014/main" id="{5AFD32F2-DDDC-43E9-B742-C476C0CA63FC}"/>
               </a:ext>
             </a:extLst>
           </p:cNvPr>
           <p:cNvPicPr>
-            <a:picLocks noChangeAspect="1"/>
+            <a:picLocks noGrp="1" noRot="1" noChangeAspect="1" noMove="1" noResize="1" noEditPoints="1" noAdjustHandles="1" noChangeArrowheads="1" noChangeShapeType="1" noCrop="1"/>
           </p:cNvPicPr>
           <p:nvPr userDrawn="1"/>
         </p:nvPicPr>
@@ -1739,8 +1787,8 @@
         </p:blipFill>
         <p:spPr>
           <a:xfrm>
-            <a:off x="159631" y="144996"/>
-            <a:ext cx="6531610" cy="2821921"/>
+            <a:off x="159631" y="151314"/>
+            <a:ext cx="6530975" cy="2821647"/>
           </a:xfrm>
           <a:prstGeom prst="rect">
             <a:avLst/>
@@ -2120,7 +2168,7 @@
           <a:p>
             <a:fld id="{4A7B7E9D-7D70-4B3C-87BC-005DA1C1BD48}" type="datetime1">
               <a:rPr lang="fr-CA" smtClean="0"/>
-              <a:t>2023-07-20</a:t>
+              <a:t>2023-08-02</a:t>
             </a:fld>
             <a:endParaRPr lang="fr-CA" dirty="0"/>
           </a:p>
@@ -2545,7 +2593,7 @@
           <a:p>
             <a:fld id="{7D873928-FB47-4F75-985E-993CE113AA76}" type="datetime1">
               <a:rPr lang="fr-CA" smtClean="0"/>
-              <a:t>2023-07-20</a:t>
+              <a:t>2023-08-02</a:t>
             </a:fld>
             <a:endParaRPr lang="fr-CA" dirty="0"/>
           </a:p>
@@ -2622,170 +2670,6 @@
 </file>
 
 <file path=ppt/slideLayouts/slideLayout5.xml><?xml version="1.0" encoding="utf-8"?>
-<p:sldLayout xmlns:a="http://schemas.openxmlformats.org/drawingml/2006/main" xmlns:r="http://schemas.openxmlformats.org/officeDocument/2006/relationships" xmlns:p="http://schemas.openxmlformats.org/presentationml/2006/main" preserve="1" userDrawn="1">
-  <p:cSld name="1_Titre et contenu">
-    <p:spTree>
-      <p:nvGrpSpPr>
-        <p:cNvPr id="1" name=""/>
-        <p:cNvGrpSpPr/>
-        <p:nvPr/>
-      </p:nvGrpSpPr>
-      <p:grpSpPr>
-        <a:xfrm>
-          <a:off x="0" y="0"/>
-          <a:ext cx="0" cy="0"/>
-          <a:chOff x="0" y="0"/>
-          <a:chExt cx="0" cy="0"/>
-        </a:xfrm>
-      </p:grpSpPr>
-      <p:sp>
-        <p:nvSpPr>
-          <p:cNvPr id="2" name="Titre 1">
-            <a:extLst>
-              <a:ext uri="{FF2B5EF4-FFF2-40B4-BE49-F238E27FC236}">
-                <a16:creationId xmlns:a16="http://schemas.microsoft.com/office/drawing/2014/main" id="{2693A25B-1B21-A004-9917-0606623011DF}"/>
-              </a:ext>
-            </a:extLst>
-          </p:cNvPr>
-          <p:cNvSpPr>
-            <a:spLocks noGrp="1"/>
-          </p:cNvSpPr>
-          <p:nvPr>
-            <p:ph type="title"/>
-          </p:nvPr>
-        </p:nvSpPr>
-        <p:spPr>
-          <a:xfrm>
-            <a:off x="147782" y="150409"/>
-            <a:ext cx="6567054" cy="402041"/>
-          </a:xfrm>
-          <a:blipFill>
-            <a:blip r:embed="rId2"/>
-            <a:stretch>
-              <a:fillRect/>
-            </a:stretch>
-          </a:blipFill>
-        </p:spPr>
-        <p:txBody>
-          <a:bodyPr/>
-          <a:lstStyle>
-            <a:lvl1pPr>
-              <a:defRPr>
-                <a:solidFill>
-                  <a:schemeClr val="bg1"/>
-                </a:solidFill>
-              </a:defRPr>
-            </a:lvl1pPr>
-          </a:lstStyle>
-          <a:p>
-            <a:r>
-              <a:rPr lang="fr-CA"/>
-              <a:t>Modifier le style du titre</a:t>
-            </a:r>
-            <a:endParaRPr lang="fr-CA" dirty="0"/>
-          </a:p>
-        </p:txBody>
-      </p:sp>
-      <p:sp>
-        <p:nvSpPr>
-          <p:cNvPr id="5" name="Espace réservé de la date 4">
-            <a:extLst>
-              <a:ext uri="{FF2B5EF4-FFF2-40B4-BE49-F238E27FC236}">
-                <a16:creationId xmlns:a16="http://schemas.microsoft.com/office/drawing/2014/main" id="{D27A7487-1F32-6E00-DE0A-BD0FD5B45C5B}"/>
-              </a:ext>
-            </a:extLst>
-          </p:cNvPr>
-          <p:cNvSpPr>
-            <a:spLocks noGrp="1"/>
-          </p:cNvSpPr>
-          <p:nvPr>
-            <p:ph type="dt" sz="half" idx="20"/>
-          </p:nvPr>
-        </p:nvSpPr>
-        <p:spPr/>
-        <p:txBody>
-          <a:bodyPr/>
-          <a:lstStyle/>
-          <a:p>
-            <a:fld id="{7D873928-FB47-4F75-985E-993CE113AA76}" type="datetime1">
-              <a:rPr lang="fr-CA" smtClean="0"/>
-              <a:t>2023-07-20</a:t>
-            </a:fld>
-            <a:endParaRPr lang="fr-CA" dirty="0"/>
-          </a:p>
-        </p:txBody>
-      </p:sp>
-      <p:sp>
-        <p:nvSpPr>
-          <p:cNvPr id="6" name="Espace réservé du pied de page 5">
-            <a:extLst>
-              <a:ext uri="{FF2B5EF4-FFF2-40B4-BE49-F238E27FC236}">
-                <a16:creationId xmlns:a16="http://schemas.microsoft.com/office/drawing/2014/main" id="{92558362-B38A-3F7F-1253-01F80AE59F81}"/>
-              </a:ext>
-            </a:extLst>
-          </p:cNvPr>
-          <p:cNvSpPr>
-            <a:spLocks noGrp="1"/>
-          </p:cNvSpPr>
-          <p:nvPr>
-            <p:ph type="ftr" sz="quarter" idx="21"/>
-          </p:nvPr>
-        </p:nvSpPr>
-        <p:spPr/>
-        <p:txBody>
-          <a:bodyPr/>
-          <a:lstStyle/>
-          <a:p>
-            <a:r>
-              <a:rPr lang="fr-CA"/>
-              <a:t>Centre d’innovation numérique</a:t>
-            </a:r>
-          </a:p>
-        </p:txBody>
-      </p:sp>
-      <p:sp>
-        <p:nvSpPr>
-          <p:cNvPr id="7" name="Espace réservé du numéro de diapositive 6">
-            <a:extLst>
-              <a:ext uri="{FF2B5EF4-FFF2-40B4-BE49-F238E27FC236}">
-                <a16:creationId xmlns:a16="http://schemas.microsoft.com/office/drawing/2014/main" id="{6CB49598-9947-B85A-A706-0D043A57032F}"/>
-              </a:ext>
-            </a:extLst>
-          </p:cNvPr>
-          <p:cNvSpPr>
-            <a:spLocks noGrp="1"/>
-          </p:cNvSpPr>
-          <p:nvPr>
-            <p:ph type="sldNum" sz="quarter" idx="22"/>
-          </p:nvPr>
-        </p:nvSpPr>
-        <p:spPr/>
-        <p:txBody>
-          <a:bodyPr/>
-          <a:lstStyle/>
-          <a:p>
-            <a:fld id="{F4298C9D-C79B-4F39-BDC2-AA426541C3E9}" type="slidenum">
-              <a:rPr lang="fr-CA" smtClean="0"/>
-              <a:t>‹n°›</a:t>
-            </a:fld>
-            <a:endParaRPr lang="fr-CA"/>
-          </a:p>
-        </p:txBody>
-      </p:sp>
-    </p:spTree>
-    <p:extLst>
-      <p:ext uri="{BB962C8B-B14F-4D97-AF65-F5344CB8AC3E}">
-        <p14:creationId xmlns:p14="http://schemas.microsoft.com/office/powerpoint/2010/main" val="630271059"/>
-      </p:ext>
-    </p:extLst>
-  </p:cSld>
-  <p:clrMapOvr>
-    <a:masterClrMapping/>
-  </p:clrMapOvr>
-</p:sldLayout>
-</file>
-
-<file path=ppt/slideLayouts/slideLayout6.xml><?xml version="1.0" encoding="utf-8"?>
 <p:sldLayout xmlns:a="http://schemas.openxmlformats.org/drawingml/2006/main" xmlns:r="http://schemas.openxmlformats.org/officeDocument/2006/relationships" xmlns:p="http://schemas.openxmlformats.org/presentationml/2006/main" preserve="1" userDrawn="1">
   <p:cSld name="Deux contenus">
     <p:spTree>
@@ -3031,7 +2915,7 @@
           <a:p>
             <a:fld id="{AA8CDE33-5AA8-40AB-8A82-BEB59CF3E86D}" type="datetime1">
               <a:rPr lang="fr-CA" smtClean="0"/>
-              <a:t>2023-07-20</a:t>
+              <a:t>2023-08-02</a:t>
             </a:fld>
             <a:endParaRPr lang="fr-CA" dirty="0"/>
           </a:p>
@@ -3107,7 +2991,7 @@
 </p:sldLayout>
 </file>
 
-<file path=ppt/slideLayouts/slideLayout7.xml><?xml version="1.0" encoding="utf-8"?>
+<file path=ppt/slideLayouts/slideLayout6.xml><?xml version="1.0" encoding="utf-8"?>
 <p:sldLayout xmlns:a="http://schemas.openxmlformats.org/drawingml/2006/main" xmlns:r="http://schemas.openxmlformats.org/officeDocument/2006/relationships" xmlns:p="http://schemas.openxmlformats.org/presentationml/2006/main" preserve="1" userDrawn="1">
   <p:cSld name="Comparaison">
     <p:spTree>
@@ -3462,7 +3346,7 @@
           <a:p>
             <a:fld id="{64D11766-5DC9-4CE7-8F44-002006F20037}" type="datetime1">
               <a:rPr lang="fr-CA" smtClean="0"/>
-              <a:t>2023-07-20</a:t>
+              <a:t>2023-08-02</a:t>
             </a:fld>
             <a:endParaRPr lang="fr-CA" dirty="0"/>
           </a:p>
@@ -3538,7 +3422,7 @@
 </p:sldLayout>
 </file>
 
-<file path=ppt/slideLayouts/slideLayout8.xml><?xml version="1.0" encoding="utf-8"?>
+<file path=ppt/slideLayouts/slideLayout7.xml><?xml version="1.0" encoding="utf-8"?>
 <p:sldLayout xmlns:a="http://schemas.openxmlformats.org/drawingml/2006/main" xmlns:r="http://schemas.openxmlformats.org/officeDocument/2006/relationships" xmlns:p="http://schemas.openxmlformats.org/presentationml/2006/main" preserve="1" userDrawn="1">
   <p:cSld name="1_Titre seul">
     <p:spTree>
@@ -3705,7 +3589,7 @@
           <a:p>
             <a:fld id="{E75A6DE2-8C31-4155-ADD2-B285B1BEB75C}" type="datetime1">
               <a:rPr lang="fr-CA" smtClean="0"/>
-              <a:t>2023-07-20</a:t>
+              <a:t>2023-08-02</a:t>
             </a:fld>
             <a:endParaRPr lang="fr-CA" dirty="0"/>
           </a:p>
@@ -3781,7 +3665,7 @@
 </p:sldLayout>
 </file>
 
-<file path=ppt/slideLayouts/slideLayout9.xml><?xml version="1.0" encoding="utf-8"?>
+<file path=ppt/slideLayouts/slideLayout8.xml><?xml version="1.0" encoding="utf-8"?>
 <p:sldLayout xmlns:a="http://schemas.openxmlformats.org/drawingml/2006/main" xmlns:r="http://schemas.openxmlformats.org/officeDocument/2006/relationships" xmlns:p="http://schemas.openxmlformats.org/presentationml/2006/main" preserve="1" userDrawn="1">
   <p:cSld name="Credits">
     <p:spTree>
@@ -3800,15 +3684,15 @@
       </p:grpSpPr>
       <p:pic>
         <p:nvPicPr>
-          <p:cNvPr id="6" name="Image 5" descr="Une image contenant texte, capture d’écran, Police, logo&#10;&#10;Description générée automatiquement">
-            <a:extLst>
-              <a:ext uri="{FF2B5EF4-FFF2-40B4-BE49-F238E27FC236}">
-                <a16:creationId xmlns:a16="http://schemas.microsoft.com/office/drawing/2014/main" id="{7C58F4FD-5474-48C4-6E61-B172F63DCED9}"/>
+          <p:cNvPr id="10" name="Image 9" descr="Une image contenant texte, capture d’écran, Police, conception&#10;&#10;Description générée automatiquement">
+            <a:extLst>
+              <a:ext uri="{FF2B5EF4-FFF2-40B4-BE49-F238E27FC236}">
+                <a16:creationId xmlns:a16="http://schemas.microsoft.com/office/drawing/2014/main" id="{6E55AA2A-1E16-F2EA-C774-211641E3EDE8}"/>
               </a:ext>
             </a:extLst>
           </p:cNvPr>
           <p:cNvPicPr>
-            <a:picLocks noChangeAspect="1"/>
+            <a:picLocks noGrp="1" noRot="1" noChangeAspect="1" noMove="1" noResize="1" noEditPoints="1" noAdjustHandles="1" noChangeArrowheads="1" noChangeShapeType="1" noCrop="1"/>
           </p:cNvPicPr>
           <p:nvPr userDrawn="1"/>
         </p:nvPicPr>
@@ -3820,13 +3704,13 @@
               </a:ext>
             </a:extLst>
           </a:blip>
-          <a:srcRect l="1593" r="1567"/>
+          <a:srcRect l="1669" r="1642"/>
           <a:stretch/>
         </p:blipFill>
         <p:spPr>
           <a:xfrm>
-            <a:off x="0" y="-2383"/>
-            <a:ext cx="6858000" cy="9146383"/>
+            <a:off x="0" y="-8377"/>
+            <a:ext cx="6858000" cy="9160754"/>
           </a:xfrm>
           <a:prstGeom prst="rect">
             <a:avLst/>
@@ -3851,7 +3735,7 @@
         </p:nvSpPr>
         <p:spPr>
           <a:xfrm>
-            <a:off x="2150432" y="4508209"/>
+            <a:off x="2151356" y="4101230"/>
             <a:ext cx="2555287" cy="275507"/>
           </a:xfrm>
         </p:spPr>
@@ -3909,7 +3793,7 @@
           <a:p>
             <a:fld id="{918995F1-5802-4966-863C-9107BD2D3D18}" type="datetime1">
               <a:rPr lang="fr-CA" smtClean="0"/>
-              <a:t>2023-07-20</a:t>
+              <a:t>2023-08-02</a:t>
             </a:fld>
             <a:endParaRPr lang="fr-CA" dirty="0"/>
           </a:p>
@@ -4001,6 +3885,122 @@
     <a:masterClrMapping/>
   </p:clrMapOvr>
   <p:hf hdr="0"/>
+</p:sldLayout>
+</file>
+
+<file path=ppt/slideLayouts/slideLayout9.xml><?xml version="1.0" encoding="utf-8"?>
+<p:sldLayout xmlns:a="http://schemas.openxmlformats.org/drawingml/2006/main" xmlns:r="http://schemas.openxmlformats.org/officeDocument/2006/relationships" xmlns:p="http://schemas.openxmlformats.org/presentationml/2006/main" preserve="1" userDrawn="1">
+  <p:cSld name="Disposition personnalisée">
+    <p:spTree>
+      <p:nvGrpSpPr>
+        <p:cNvPr id="1" name=""/>
+        <p:cNvGrpSpPr/>
+        <p:nvPr/>
+      </p:nvGrpSpPr>
+      <p:grpSpPr>
+        <a:xfrm>
+          <a:off x="0" y="0"/>
+          <a:ext cx="0" cy="0"/>
+          <a:chOff x="0" y="0"/>
+          <a:chExt cx="0" cy="0"/>
+        </a:xfrm>
+      </p:grpSpPr>
+      <p:sp>
+        <p:nvSpPr>
+          <p:cNvPr id="3" name="Espace réservé de la date 2">
+            <a:extLst>
+              <a:ext uri="{FF2B5EF4-FFF2-40B4-BE49-F238E27FC236}">
+                <a16:creationId xmlns:a16="http://schemas.microsoft.com/office/drawing/2014/main" id="{4CD33AA6-31E2-C534-947C-91113948E36D}"/>
+              </a:ext>
+            </a:extLst>
+          </p:cNvPr>
+          <p:cNvSpPr>
+            <a:spLocks noGrp="1"/>
+          </p:cNvSpPr>
+          <p:nvPr>
+            <p:ph type="dt" sz="half" idx="10"/>
+          </p:nvPr>
+        </p:nvSpPr>
+        <p:spPr/>
+        <p:txBody>
+          <a:bodyPr/>
+          <a:lstStyle/>
+          <a:p>
+            <a:fld id="{2BB6E849-CDAE-4CB7-BDCD-8A94B458D42C}" type="datetime1">
+              <a:rPr lang="fr-CA" smtClean="0"/>
+              <a:t>2023-08-02</a:t>
+            </a:fld>
+            <a:endParaRPr lang="fr-CA" dirty="0"/>
+          </a:p>
+        </p:txBody>
+      </p:sp>
+      <p:sp>
+        <p:nvSpPr>
+          <p:cNvPr id="4" name="Espace réservé du pied de page 3">
+            <a:extLst>
+              <a:ext uri="{FF2B5EF4-FFF2-40B4-BE49-F238E27FC236}">
+                <a16:creationId xmlns:a16="http://schemas.microsoft.com/office/drawing/2014/main" id="{8FA8114A-5E8A-0A66-4617-E273DA62EBCA}"/>
+              </a:ext>
+            </a:extLst>
+          </p:cNvPr>
+          <p:cNvSpPr>
+            <a:spLocks noGrp="1"/>
+          </p:cNvSpPr>
+          <p:nvPr>
+            <p:ph type="ftr" sz="quarter" idx="11"/>
+          </p:nvPr>
+        </p:nvSpPr>
+        <p:spPr/>
+        <p:txBody>
+          <a:bodyPr/>
+          <a:lstStyle/>
+          <a:p>
+            <a:r>
+              <a:rPr lang="fr-CA"/>
+              <a:t>Centre d’innovation numérique</a:t>
+            </a:r>
+          </a:p>
+        </p:txBody>
+      </p:sp>
+      <p:sp>
+        <p:nvSpPr>
+          <p:cNvPr id="5" name="Espace réservé du numéro de diapositive 4">
+            <a:extLst>
+              <a:ext uri="{FF2B5EF4-FFF2-40B4-BE49-F238E27FC236}">
+                <a16:creationId xmlns:a16="http://schemas.microsoft.com/office/drawing/2014/main" id="{5667D673-1422-0270-ED93-F9C293AC0B91}"/>
+              </a:ext>
+            </a:extLst>
+          </p:cNvPr>
+          <p:cNvSpPr>
+            <a:spLocks noGrp="1"/>
+          </p:cNvSpPr>
+          <p:nvPr>
+            <p:ph type="sldNum" sz="quarter" idx="12"/>
+          </p:nvPr>
+        </p:nvSpPr>
+        <p:spPr/>
+        <p:txBody>
+          <a:bodyPr/>
+          <a:lstStyle/>
+          <a:p>
+            <a:fld id="{F4298C9D-C79B-4F39-BDC2-AA426541C3E9}" type="slidenum">
+              <a:rPr lang="fr-CA" smtClean="0"/>
+              <a:t>‹n°›</a:t>
+            </a:fld>
+            <a:endParaRPr lang="fr-CA"/>
+          </a:p>
+        </p:txBody>
+      </p:sp>
+    </p:spTree>
+    <p:extLst>
+      <p:ext uri="{BB962C8B-B14F-4D97-AF65-F5344CB8AC3E}">
+        <p14:creationId xmlns:p14="http://schemas.microsoft.com/office/powerpoint/2010/main" val="2754173740"/>
+      </p:ext>
+    </p:extLst>
+  </p:cSld>
+  <p:clrMapOvr>
+    <a:masterClrMapping/>
+  </p:clrMapOvr>
 </p:sldLayout>
 </file>
 
@@ -4148,7 +4148,7 @@
           <a:p>
             <a:fld id="{535DB687-F8FF-43B4-86F3-FF1DEDBEE3F1}" type="datetime1">
               <a:rPr lang="fr-CA" smtClean="0"/>
-              <a:t>2023-07-20</a:t>
+              <a:t>2023-08-02</a:t>
             </a:fld>
             <a:endParaRPr lang="fr-CA" dirty="0"/>
           </a:p>
@@ -4260,12 +4260,12 @@
     <p:sldLayoutId id="2147483662" r:id="rId2"/>
     <p:sldLayoutId id="2147483663" r:id="rId3"/>
     <p:sldLayoutId id="2147483650" r:id="rId4"/>
-    <p:sldLayoutId id="2147483664" r:id="rId5"/>
-    <p:sldLayoutId id="2147483652" r:id="rId6"/>
-    <p:sldLayoutId id="2147483653" r:id="rId7"/>
-    <p:sldLayoutId id="2147483658" r:id="rId8"/>
-    <p:sldLayoutId id="2147483660" r:id="rId9"/>
-    <p:sldLayoutId id="2147483661" r:id="rId10"/>
+    <p:sldLayoutId id="2147483652" r:id="rId5"/>
+    <p:sldLayoutId id="2147483653" r:id="rId6"/>
+    <p:sldLayoutId id="2147483658" r:id="rId7"/>
+    <p:sldLayoutId id="2147483660" r:id="rId8"/>
+    <p:sldLayoutId id="2147483661" r:id="rId9"/>
+    <p:sldLayoutId id="2147483664" r:id="rId10"/>
   </p:sldLayoutIdLst>
   <p:hf hdr="0"/>
   <p:txStyles>
@@ -4695,7 +4695,7 @@
           <a:p>
             <a:fld id="{4A7B7E9D-7D70-4B3C-87BC-005DA1C1BD48}" type="datetime1">
               <a:rPr lang="fr-CA" smtClean="0"/>
-              <a:t>2023-07-20</a:t>
+              <a:t>2023-08-02</a:t>
             </a:fld>
             <a:endParaRPr lang="fr-CA" dirty="0"/>
           </a:p>
@@ -5008,7 +5008,7 @@
     </p:spTree>
     <p:extLst>
       <p:ext uri="{BB962C8B-B14F-4D97-AF65-F5344CB8AC3E}">
-        <p14:creationId xmlns:p14="http://schemas.microsoft.com/office/powerpoint/2010/main" val="3389683707"/>
+        <p14:creationId xmlns:p14="http://schemas.microsoft.com/office/powerpoint/2010/main" val="2963845728"/>
       </p:ext>
     </p:extLst>
   </p:cSld>
@@ -5058,7 +5058,7 @@
           <a:p>
             <a:fld id="{7D873928-FB47-4F75-985E-993CE113AA76}" type="datetime1">
               <a:rPr lang="fr-CA" smtClean="0"/>
-              <a:t>2023-07-20</a:t>
+              <a:t>2023-08-02</a:t>
             </a:fld>
             <a:endParaRPr lang="fr-CA" dirty="0"/>
           </a:p>
@@ -6621,7 +6621,7 @@
           <a:p>
             <a:fld id="{918995F1-5802-4966-863C-9107BD2D3D18}" type="datetime1">
               <a:rPr lang="fr-CA" smtClean="0"/>
-              <a:t>2023-07-20</a:t>
+              <a:t>2023-08-02</a:t>
             </a:fld>
             <a:endParaRPr lang="fr-CA" dirty="0"/>
           </a:p>
@@ -6683,6 +6683,45 @@
               <a:t>3</a:t>
             </a:fld>
             <a:endParaRPr lang="fr-CA" dirty="0"/>
+          </a:p>
+        </p:txBody>
+      </p:sp>
+      <p:sp>
+        <p:nvSpPr>
+          <p:cNvPr id="6" name="ZoneTexte 5">
+            <a:extLst>
+              <a:ext uri="{FF2B5EF4-FFF2-40B4-BE49-F238E27FC236}">
+                <a16:creationId xmlns:a16="http://schemas.microsoft.com/office/drawing/2014/main" id="{B4639FF7-0354-C6F0-F897-060FAF876AC4}"/>
+              </a:ext>
+            </a:extLst>
+          </p:cNvPr>
+          <p:cNvSpPr txBox="1"/>
+          <p:nvPr/>
+        </p:nvSpPr>
+        <p:spPr>
+          <a:xfrm>
+            <a:off x="3032760" y="8321040"/>
+            <a:ext cx="0" cy="0"/>
+          </a:xfrm>
+          <a:prstGeom prst="rect">
+            <a:avLst/>
+          </a:prstGeom>
+          <a:noFill/>
+        </p:spPr>
+        <p:txBody>
+          <a:bodyPr vert="horz" wrap="none" lIns="91440" tIns="45720" rIns="91440" bIns="45720" rtlCol="0">
+            <a:normAutofit fontScale="25000" lnSpcReduction="20000"/>
+          </a:bodyPr>
+          <a:lstStyle/>
+          <a:p>
+            <a:pPr algn="l"/>
+            <a:endParaRPr lang="fr-FR" sz="2000" dirty="0">
+              <a:solidFill>
+                <a:schemeClr val="accent5">
+                  <a:lumMod val="75000"/>
+                </a:schemeClr>
+              </a:solidFill>
+            </a:endParaRPr>
           </a:p>
         </p:txBody>
       </p:sp>
@@ -8656,7 +8695,7 @@
   <a:extraClrSchemeLst/>
   <a:extLst>
     <a:ext uri="{05A4C25C-085E-4340-85A3-A5531E510DB2}">
-      <thm15:themeFamily xmlns:thm15="http://schemas.microsoft.com/office/thememl/2012/main" name="Présentation1" id="{C577DBD8-E102-480F-B690-F97E32AFFD3B}" vid="{35CE7103-C45E-46BE-BF95-841ECDB2EEB3}"/>
+      <thm15:themeFamily xmlns:thm15="http://schemas.microsoft.com/office/thememl/2012/main" name="Présentation1" id="{75A7A339-3863-4E52-B886-778307865A48}" vid="{B4ABE19C-1BB2-4A03-B36D-0B8FB80EBFFE}"/>
     </a:ext>
   </a:extLst>
 </a:theme>
@@ -8955,4 +8994,305 @@
     </a:ext>
   </a:extLst>
 </a:theme>
+</file>
+
+<file path=customXml/item1.xml><?xml version="1.0" encoding="utf-8"?>
+<?mso-contentType ?>
+<FormTemplates xmlns="http://schemas.microsoft.com/sharepoint/v3/contenttype/forms">
+  <Display>DocumentLibraryForm</Display>
+  <Edit>DocumentLibraryForm</Edit>
+  <New>DocumentLibraryForm</New>
+</FormTemplates>
+</file>
+
+<file path=customXml/item2.xml><?xml version="1.0" encoding="utf-8"?>
+<ct:contentTypeSchema xmlns:ct="http://schemas.microsoft.com/office/2006/metadata/contentType" xmlns:ma="http://schemas.microsoft.com/office/2006/metadata/properties/metaAttributes" ct:_="" ma:_="" ma:contentTypeName="Document" ma:contentTypeID="0x010100502947A9A1BFB64E940A6360D3C2E9FF" ma:contentTypeVersion="16" ma:contentTypeDescription="Crée un document." ma:contentTypeScope="" ma:versionID="63f10948afebe2c19e1d5f9d6c0695c5">
+  <xsd:schema xmlns:xsd="http://www.w3.org/2001/XMLSchema" xmlns:xs="http://www.w3.org/2001/XMLSchema" xmlns:p="http://schemas.microsoft.com/office/2006/metadata/properties" xmlns:ns2="81c9f6d7-38be-4b6f-ac7a-53278e4778cd" xmlns:ns3="562370e7-b28b-48b8-b232-8034dde365ed" targetNamespace="http://schemas.microsoft.com/office/2006/metadata/properties" ma:root="true" ma:fieldsID="848ccefc6004bdd7a1303b98009d3f92" ns2:_="" ns3:_="">
+    <xsd:import namespace="81c9f6d7-38be-4b6f-ac7a-53278e4778cd"/>
+    <xsd:import namespace="562370e7-b28b-48b8-b232-8034dde365ed"/>
+    <xsd:element name="properties">
+      <xsd:complexType>
+        <xsd:sequence>
+          <xsd:element name="documentManagement">
+            <xsd:complexType>
+              <xsd:all>
+                <xsd:element ref="ns2:MediaServiceMetadata" minOccurs="0"/>
+                <xsd:element ref="ns2:MediaServiceFastMetadata" minOccurs="0"/>
+                <xsd:element ref="ns3:SharedWithUsers" minOccurs="0"/>
+                <xsd:element ref="ns3:SharedWithDetails" minOccurs="0"/>
+                <xsd:element ref="ns2:MediaServiceAutoKeyPoints" minOccurs="0"/>
+                <xsd:element ref="ns2:MediaServiceKeyPoints" minOccurs="0"/>
+                <xsd:element ref="ns2:MediaServiceAutoTags" minOccurs="0"/>
+                <xsd:element ref="ns2:MediaServiceOCR" minOccurs="0"/>
+                <xsd:element ref="ns2:MediaServiceGenerationTime" minOccurs="0"/>
+                <xsd:element ref="ns2:MediaServiceEventHashCode" minOccurs="0"/>
+                <xsd:element ref="ns2:lcf76f155ced4ddcb4097134ff3c332f" minOccurs="0"/>
+                <xsd:element ref="ns3:TaxCatchAll" minOccurs="0"/>
+                <xsd:element ref="ns2:MediaServiceDateTaken" minOccurs="0"/>
+                <xsd:element ref="ns2:MediaServiceLocation" minOccurs="0"/>
+                <xsd:element ref="ns2:MediaServiceObjectDetectorVersions" minOccurs="0"/>
+              </xsd:all>
+            </xsd:complexType>
+          </xsd:element>
+        </xsd:sequence>
+      </xsd:complexType>
+    </xsd:element>
+  </xsd:schema>
+  <xsd:schema xmlns:xsd="http://www.w3.org/2001/XMLSchema" xmlns:xs="http://www.w3.org/2001/XMLSchema" xmlns:dms="http://schemas.microsoft.com/office/2006/documentManagement/types" xmlns:pc="http://schemas.microsoft.com/office/infopath/2007/PartnerControls" targetNamespace="81c9f6d7-38be-4b6f-ac7a-53278e4778cd" elementFormDefault="qualified">
+    <xsd:import namespace="http://schemas.microsoft.com/office/2006/documentManagement/types"/>
+    <xsd:import namespace="http://schemas.microsoft.com/office/infopath/2007/PartnerControls"/>
+    <xsd:element name="MediaServiceMetadata" ma:index="8" nillable="true" ma:displayName="MediaServiceMetadata" ma:hidden="true" ma:internalName="MediaServiceMetadata" ma:readOnly="true">
+      <xsd:simpleType>
+        <xsd:restriction base="dms:Note"/>
+      </xsd:simpleType>
+    </xsd:element>
+    <xsd:element name="MediaServiceFastMetadata" ma:index="9" nillable="true" ma:displayName="MediaServiceFastMetadata" ma:hidden="true" ma:internalName="MediaServiceFastMetadata" ma:readOnly="true">
+      <xsd:simpleType>
+        <xsd:restriction base="dms:Note"/>
+      </xsd:simpleType>
+    </xsd:element>
+    <xsd:element name="MediaServiceAutoKeyPoints" ma:index="12" nillable="true" ma:displayName="MediaServiceAutoKeyPoints" ma:hidden="true" ma:internalName="MediaServiceAutoKeyPoints" ma:readOnly="true">
+      <xsd:simpleType>
+        <xsd:restriction base="dms:Note"/>
+      </xsd:simpleType>
+    </xsd:element>
+    <xsd:element name="MediaServiceKeyPoints" ma:index="13" nillable="true" ma:displayName="KeyPoints" ma:internalName="MediaServiceKeyPoints" ma:readOnly="true">
+      <xsd:simpleType>
+        <xsd:restriction base="dms:Note">
+          <xsd:maxLength value="255"/>
+        </xsd:restriction>
+      </xsd:simpleType>
+    </xsd:element>
+    <xsd:element name="MediaServiceAutoTags" ma:index="14" nillable="true" ma:displayName="Tags" ma:internalName="MediaServiceAutoTags" ma:readOnly="true">
+      <xsd:simpleType>
+        <xsd:restriction base="dms:Text"/>
+      </xsd:simpleType>
+    </xsd:element>
+    <xsd:element name="MediaServiceOCR" ma:index="15" nillable="true" ma:displayName="Extracted Text" ma:internalName="MediaServiceOCR" ma:readOnly="true">
+      <xsd:simpleType>
+        <xsd:restriction base="dms:Note">
+          <xsd:maxLength value="255"/>
+        </xsd:restriction>
+      </xsd:simpleType>
+    </xsd:element>
+    <xsd:element name="MediaServiceGenerationTime" ma:index="16" nillable="true" ma:displayName="MediaServiceGenerationTime" ma:hidden="true" ma:internalName="MediaServiceGenerationTime" ma:readOnly="true">
+      <xsd:simpleType>
+        <xsd:restriction base="dms:Text"/>
+      </xsd:simpleType>
+    </xsd:element>
+    <xsd:element name="MediaServiceEventHashCode" ma:index="17" nillable="true" ma:displayName="MediaServiceEventHashCode" ma:hidden="true" ma:internalName="MediaServiceEventHashCode" ma:readOnly="true">
+      <xsd:simpleType>
+        <xsd:restriction base="dms:Text"/>
+      </xsd:simpleType>
+    </xsd:element>
+    <xsd:element name="lcf76f155ced4ddcb4097134ff3c332f" ma:index="19" nillable="true" ma:taxonomy="true" ma:internalName="lcf76f155ced4ddcb4097134ff3c332f" ma:taxonomyFieldName="MediaServiceImageTags" ma:displayName="Balises d’images" ma:readOnly="false" ma:fieldId="{5cf76f15-5ced-4ddc-b409-7134ff3c332f}" ma:taxonomyMulti="true" ma:sspId="dd77086a-2531-4352-ad34-78fda1dd9b79" ma:termSetId="09814cd3-568e-fe90-9814-8d621ff8fb84" ma:anchorId="fba54fb3-c3e1-fe81-a776-ca4b69148c4d" ma:open="true" ma:isKeyword="false">
+      <xsd:complexType>
+        <xsd:sequence>
+          <xsd:element ref="pc:Terms" minOccurs="0" maxOccurs="1"/>
+        </xsd:sequence>
+      </xsd:complexType>
+    </xsd:element>
+    <xsd:element name="MediaServiceDateTaken" ma:index="21" nillable="true" ma:displayName="MediaServiceDateTaken" ma:hidden="true" ma:internalName="MediaServiceDateTaken" ma:readOnly="true">
+      <xsd:simpleType>
+        <xsd:restriction base="dms:Text"/>
+      </xsd:simpleType>
+    </xsd:element>
+    <xsd:element name="MediaServiceLocation" ma:index="22" nillable="true" ma:displayName="Location" ma:internalName="MediaServiceLocation" ma:readOnly="true">
+      <xsd:simpleType>
+        <xsd:restriction base="dms:Text"/>
+      </xsd:simpleType>
+    </xsd:element>
+    <xsd:element name="MediaServiceObjectDetectorVersions" ma:index="23" nillable="true" ma:displayName="MediaServiceObjectDetectorVersions" ma:hidden="true" ma:indexed="true" ma:internalName="MediaServiceObjectDetectorVersions" ma:readOnly="true">
+      <xsd:simpleType>
+        <xsd:restriction base="dms:Text"/>
+      </xsd:simpleType>
+    </xsd:element>
+  </xsd:schema>
+  <xsd:schema xmlns:xsd="http://www.w3.org/2001/XMLSchema" xmlns:xs="http://www.w3.org/2001/XMLSchema" xmlns:dms="http://schemas.microsoft.com/office/2006/documentManagement/types" xmlns:pc="http://schemas.microsoft.com/office/infopath/2007/PartnerControls" targetNamespace="562370e7-b28b-48b8-b232-8034dde365ed" elementFormDefault="qualified">
+    <xsd:import namespace="http://schemas.microsoft.com/office/2006/documentManagement/types"/>
+    <xsd:import namespace="http://schemas.microsoft.com/office/infopath/2007/PartnerControls"/>
+    <xsd:element name="SharedWithUsers" ma:index="10" nillable="true" ma:displayName="Partagé avec" ma:internalName="SharedWithUsers" ma:readOnly="true">
+      <xsd:complexType>
+        <xsd:complexContent>
+          <xsd:extension base="dms:UserMulti">
+            <xsd:sequence>
+              <xsd:element name="UserInfo" minOccurs="0" maxOccurs="unbounded">
+                <xsd:complexType>
+                  <xsd:sequence>
+                    <xsd:element name="DisplayName" type="xsd:string" minOccurs="0"/>
+                    <xsd:element name="AccountId" type="dms:UserId" minOccurs="0" nillable="true"/>
+                    <xsd:element name="AccountType" type="xsd:string" minOccurs="0"/>
+                  </xsd:sequence>
+                </xsd:complexType>
+              </xsd:element>
+            </xsd:sequence>
+          </xsd:extension>
+        </xsd:complexContent>
+      </xsd:complexType>
+    </xsd:element>
+    <xsd:element name="SharedWithDetails" ma:index="11" nillable="true" ma:displayName="Partagé avec détails" ma:internalName="SharedWithDetails" ma:readOnly="true">
+      <xsd:simpleType>
+        <xsd:restriction base="dms:Note">
+          <xsd:maxLength value="255"/>
+        </xsd:restriction>
+      </xsd:simpleType>
+    </xsd:element>
+    <xsd:element name="TaxCatchAll" ma:index="20" nillable="true" ma:displayName="Taxonomy Catch All Column" ma:hidden="true" ma:list="{5814df3c-ecd8-48a0-baf1-1e2ca48c24eb}" ma:internalName="TaxCatchAll" ma:showField="CatchAllData" ma:web="562370e7-b28b-48b8-b232-8034dde365ed">
+      <xsd:complexType>
+        <xsd:complexContent>
+          <xsd:extension base="dms:MultiChoiceLookup">
+            <xsd:sequence>
+              <xsd:element name="Value" type="dms:Lookup" maxOccurs="unbounded" minOccurs="0" nillable="true"/>
+            </xsd:sequence>
+          </xsd:extension>
+        </xsd:complexContent>
+      </xsd:complexType>
+    </xsd:element>
+  </xsd:schema>
+  <xsd:schema xmlns="http://schemas.openxmlformats.org/package/2006/metadata/core-properties" xmlns:xsd="http://www.w3.org/2001/XMLSchema" xmlns:xsi="http://www.w3.org/2001/XMLSchema-instance" xmlns:dc="http://purl.org/dc/elements/1.1/" xmlns:dcterms="http://purl.org/dc/terms/" xmlns:odoc="http://schemas.microsoft.com/internal/obd" targetNamespace="http://schemas.openxmlformats.org/package/2006/metadata/core-properties" elementFormDefault="qualified" attributeFormDefault="unqualified" blockDefault="#all">
+    <xsd:import namespace="http://purl.org/dc/elements/1.1/" schemaLocation="http://dublincore.org/schemas/xmls/qdc/2003/04/02/dc.xsd"/>
+    <xsd:import namespace="http://purl.org/dc/terms/" schemaLocation="http://dublincore.org/schemas/xmls/qdc/2003/04/02/dcterms.xsd"/>
+    <xsd:element name="coreProperties" type="CT_coreProperties"/>
+    <xsd:complexType name="CT_coreProperties">
+      <xsd:all>
+        <xsd:element ref="dc:creator" minOccurs="0" maxOccurs="1"/>
+        <xsd:element ref="dcterms:created" minOccurs="0" maxOccurs="1"/>
+        <xsd:element ref="dc:identifier" minOccurs="0" maxOccurs="1"/>
+        <xsd:element name="contentType" minOccurs="0" maxOccurs="1" type="xsd:string" ma:index="0" ma:displayName="Type de contenu"/>
+        <xsd:element ref="dc:title" minOccurs="0" maxOccurs="1" ma:index="4" ma:displayName="Titre"/>
+        <xsd:element ref="dc:subject" minOccurs="0" maxOccurs="1"/>
+        <xsd:element ref="dc:description" minOccurs="0" maxOccurs="1"/>
+        <xsd:element name="keywords" minOccurs="0" maxOccurs="1" type="xsd:string"/>
+        <xsd:element ref="dc:language" minOccurs="0" maxOccurs="1"/>
+        <xsd:element name="category" minOccurs="0" maxOccurs="1" type="xsd:string"/>
+        <xsd:element name="version" minOccurs="0" maxOccurs="1" type="xsd:string"/>
+        <xsd:element name="revision" minOccurs="0" maxOccurs="1" type="xsd:string">
+          <xsd:annotation>
+            <xsd:documentation>
+                        This value indicates the number of saves or revisions. The application is responsible for updating this value after each revision.
+                    </xsd:documentation>
+          </xsd:annotation>
+        </xsd:element>
+        <xsd:element name="lastModifiedBy" minOccurs="0" maxOccurs="1" type="xsd:string"/>
+        <xsd:element ref="dcterms:modified" minOccurs="0" maxOccurs="1"/>
+        <xsd:element name="contentStatus" minOccurs="0" maxOccurs="1" type="xsd:string"/>
+      </xsd:all>
+    </xsd:complexType>
+  </xsd:schema>
+  <xs:schema xmlns:pc="http://schemas.microsoft.com/office/infopath/2007/PartnerControls" xmlns:xs="http://www.w3.org/2001/XMLSchema" targetNamespace="http://schemas.microsoft.com/office/infopath/2007/PartnerControls" elementFormDefault="qualified" attributeFormDefault="unqualified">
+    <xs:element name="Person">
+      <xs:complexType>
+        <xs:sequence>
+          <xs:element ref="pc:DisplayName" minOccurs="0"/>
+          <xs:element ref="pc:AccountId" minOccurs="0"/>
+          <xs:element ref="pc:AccountType" minOccurs="0"/>
+        </xs:sequence>
+      </xs:complexType>
+    </xs:element>
+    <xs:element name="DisplayName" type="xs:string"/>
+    <xs:element name="AccountId" type="xs:string"/>
+    <xs:element name="AccountType" type="xs:string"/>
+    <xs:element name="BDCAssociatedEntity">
+      <xs:complexType>
+        <xs:sequence>
+          <xs:element ref="pc:BDCEntity" minOccurs="0" maxOccurs="unbounded"/>
+        </xs:sequence>
+        <xs:attribute ref="pc:EntityNamespace"/>
+        <xs:attribute ref="pc:EntityName"/>
+        <xs:attribute ref="pc:SystemInstanceName"/>
+        <xs:attribute ref="pc:AssociationName"/>
+      </xs:complexType>
+    </xs:element>
+    <xs:attribute name="EntityNamespace" type="xs:string"/>
+    <xs:attribute name="EntityName" type="xs:string"/>
+    <xs:attribute name="SystemInstanceName" type="xs:string"/>
+    <xs:attribute name="AssociationName" type="xs:string"/>
+    <xs:element name="BDCEntity">
+      <xs:complexType>
+        <xs:sequence>
+          <xs:element ref="pc:EntityDisplayName" minOccurs="0"/>
+          <xs:element ref="pc:EntityInstanceReference" minOccurs="0"/>
+          <xs:element ref="pc:EntityId1" minOccurs="0"/>
+          <xs:element ref="pc:EntityId2" minOccurs="0"/>
+          <xs:element ref="pc:EntityId3" minOccurs="0"/>
+          <xs:element ref="pc:EntityId4" minOccurs="0"/>
+          <xs:element ref="pc:EntityId5" minOccurs="0"/>
+        </xs:sequence>
+      </xs:complexType>
+    </xs:element>
+    <xs:element name="EntityDisplayName" type="xs:string"/>
+    <xs:element name="EntityInstanceReference" type="xs:string"/>
+    <xs:element name="EntityId1" type="xs:string"/>
+    <xs:element name="EntityId2" type="xs:string"/>
+    <xs:element name="EntityId3" type="xs:string"/>
+    <xs:element name="EntityId4" type="xs:string"/>
+    <xs:element name="EntityId5" type="xs:string"/>
+    <xs:element name="Terms">
+      <xs:complexType>
+        <xs:sequence>
+          <xs:element ref="pc:TermInfo" minOccurs="0" maxOccurs="unbounded"/>
+        </xs:sequence>
+      </xs:complexType>
+    </xs:element>
+    <xs:element name="TermInfo">
+      <xs:complexType>
+        <xs:sequence>
+          <xs:element ref="pc:TermName" minOccurs="0"/>
+          <xs:element ref="pc:TermId" minOccurs="0"/>
+        </xs:sequence>
+      </xs:complexType>
+    </xs:element>
+    <xs:element name="TermName" type="xs:string"/>
+    <xs:element name="TermId" type="xs:string"/>
+  </xs:schema>
+</ct:contentTypeSchema>
+</file>
+
+<file path=customXml/item3.xml><?xml version="1.0" encoding="utf-8"?>
+<p:properties xmlns:p="http://schemas.microsoft.com/office/2006/metadata/properties" xmlns:xsi="http://www.w3.org/2001/XMLSchema-instance" xmlns:pc="http://schemas.microsoft.com/office/infopath/2007/PartnerControls">
+  <documentManagement>
+    <lcf76f155ced4ddcb4097134ff3c332f xmlns="81c9f6d7-38be-4b6f-ac7a-53278e4778cd">
+      <Terms xmlns="http://schemas.microsoft.com/office/infopath/2007/PartnerControls"/>
+    </lcf76f155ced4ddcb4097134ff3c332f>
+    <TaxCatchAll xmlns="562370e7-b28b-48b8-b232-8034dde365ed" xsi:nil="true"/>
+  </documentManagement>
+</p:properties>
+</file>
+
+<file path=customXml/itemProps1.xml><?xml version="1.0" encoding="utf-8"?>
+<ds:datastoreItem xmlns:ds="http://schemas.openxmlformats.org/officeDocument/2006/customXml" ds:itemID="{7B13120E-3BEC-4ADD-BF9F-D3DD53921DAB}">
+  <ds:schemaRefs>
+    <ds:schemaRef ds:uri="http://schemas.microsoft.com/sharepoint/v3/contenttype/forms"/>
+  </ds:schemaRefs>
+</ds:datastoreItem>
+</file>
+
+<file path=customXml/itemProps2.xml><?xml version="1.0" encoding="utf-8"?>
+<ds:datastoreItem xmlns:ds="http://schemas.openxmlformats.org/officeDocument/2006/customXml" ds:itemID="{6A36F442-C4E4-4293-817C-29353ACCFBE7}">
+  <ds:schemaRefs>
+    <ds:schemaRef ds:uri="http://schemas.microsoft.com/office/2006/metadata/contentType"/>
+    <ds:schemaRef ds:uri="http://schemas.microsoft.com/office/2006/metadata/properties/metaAttributes"/>
+    <ds:schemaRef ds:uri="http://www.w3.org/2001/XMLSchema"/>
+    <ds:schemaRef ds:uri="http://schemas.microsoft.com/office/2006/metadata/properties"/>
+    <ds:schemaRef ds:uri="81c9f6d7-38be-4b6f-ac7a-53278e4778cd"/>
+    <ds:schemaRef ds:uri="562370e7-b28b-48b8-b232-8034dde365ed"/>
+    <ds:schemaRef ds:uri="http://schemas.microsoft.com/office/2006/documentManagement/types"/>
+    <ds:schemaRef ds:uri="http://schemas.microsoft.com/office/infopath/2007/PartnerControls"/>
+    <ds:schemaRef ds:uri="http://schemas.openxmlformats.org/package/2006/metadata/core-properties"/>
+    <ds:schemaRef ds:uri="http://purl.org/dc/elements/1.1/"/>
+    <ds:schemaRef ds:uri="http://purl.org/dc/terms/"/>
+    <ds:schemaRef ds:uri="http://schemas.microsoft.com/internal/obd"/>
+  </ds:schemaRefs>
+</ds:datastoreItem>
+</file>
+
+<file path=customXml/itemProps3.xml><?xml version="1.0" encoding="utf-8"?>
+<ds:datastoreItem xmlns:ds="http://schemas.openxmlformats.org/officeDocument/2006/customXml" ds:itemID="{B390B862-BB89-4A9A-8D09-09C6AFC504EC}">
+  <ds:schemaRefs>
+    <ds:schemaRef ds:uri="http://schemas.microsoft.com/office/2006/metadata/properties"/>
+    <ds:schemaRef ds:uri="http://schemas.microsoft.com/office/infopath/2007/PartnerControls"/>
+    <ds:schemaRef ds:uri="81c9f6d7-38be-4b6f-ac7a-53278e4778cd"/>
+    <ds:schemaRef ds:uri="562370e7-b28b-48b8-b232-8034dde365ed"/>
+  </ds:schemaRefs>
+</ds:datastoreItem>
 </file>